--- a/Organización DATA CLIMA.pptx
+++ b/Organización DATA CLIMA.pptx
@@ -8,7 +8,8 @@
   <p:sldIdLst>
     <p:sldId id="256" r:id="rId3"/>
     <p:sldId id="1279" r:id="rId4"/>
-    <p:sldId id="1287" r:id="rId5"/>
+    <p:sldId id="1288" r:id="rId5"/>
+    <p:sldId id="1287" r:id="rId6"/>
   </p:sldIdLst>
   <p:sldSz cx="12192000" cy="6858000"/>
   <p:notesSz cx="6858000" cy="9144000"/>
@@ -11438,6 +11439,1832 @@
 </file>
 
 <file path=ppt/slides/slide3.xml><?xml version="1.0" encoding="utf-8"?>
+<p:sld xmlns:a="http://schemas.openxmlformats.org/drawingml/2006/main" xmlns:r="http://schemas.openxmlformats.org/officeDocument/2006/relationships" xmlns:p="http://schemas.openxmlformats.org/presentationml/2006/main">
+  <p:cSld>
+    <p:spTree>
+      <p:nvGrpSpPr>
+        <p:cNvPr id="1" name=""/>
+        <p:cNvGrpSpPr/>
+        <p:nvPr/>
+      </p:nvGrpSpPr>
+      <p:grpSpPr>
+        <a:xfrm>
+          <a:off x="0" y="0"/>
+          <a:ext cx="0" cy="0"/>
+          <a:chOff x="0" y="0"/>
+          <a:chExt cx="0" cy="0"/>
+        </a:xfrm>
+      </p:grpSpPr>
+      <p:sp>
+        <p:nvSpPr>
+          <p:cNvPr id="2" name="Título 1">
+            <a:extLst>
+              <a:ext uri="{FF2B5EF4-FFF2-40B4-BE49-F238E27FC236}">
+                <a16:creationId xmlns:a16="http://schemas.microsoft.com/office/drawing/2014/main" id="{B7567D67-0D69-4584-B3D4-6BEC4F0BC485}"/>
+              </a:ext>
+            </a:extLst>
+          </p:cNvPr>
+          <p:cNvSpPr>
+            <a:spLocks noGrp="1"/>
+          </p:cNvSpPr>
+          <p:nvPr>
+            <p:ph type="title"/>
+          </p:nvPr>
+        </p:nvSpPr>
+        <p:spPr/>
+        <p:txBody>
+          <a:bodyPr/>
+          <a:lstStyle/>
+          <a:p>
+            <a:r>
+              <a:rPr lang="es-CL" dirty="0"/>
+              <a:t>Colección DATA clima</a:t>
+            </a:r>
+          </a:p>
+        </p:txBody>
+      </p:sp>
+      <p:cxnSp>
+        <p:nvCxnSpPr>
+          <p:cNvPr id="6" name="Conector recto de flecha 5">
+            <a:extLst>
+              <a:ext uri="{FF2B5EF4-FFF2-40B4-BE49-F238E27FC236}">
+                <a16:creationId xmlns:a16="http://schemas.microsoft.com/office/drawing/2014/main" id="{2CAE975C-67FC-46F1-9FF8-2FBB57522603}"/>
+              </a:ext>
+            </a:extLst>
+          </p:cNvPr>
+          <p:cNvCxnSpPr>
+            <a:cxnSpLocks/>
+          </p:cNvCxnSpPr>
+          <p:nvPr/>
+        </p:nvCxnSpPr>
+        <p:spPr>
+          <a:xfrm flipV="1">
+            <a:off x="6705262" y="319540"/>
+            <a:ext cx="1262946" cy="949221"/>
+          </a:xfrm>
+          <a:prstGeom prst="straightConnector1">
+            <a:avLst/>
+          </a:prstGeom>
+          <a:ln>
+            <a:solidFill>
+              <a:schemeClr val="tx2">
+                <a:lumMod val="75000"/>
+              </a:schemeClr>
+            </a:solidFill>
+            <a:tailEnd type="triangle"/>
+          </a:ln>
+        </p:spPr>
+        <p:style>
+          <a:lnRef idx="1">
+            <a:schemeClr val="accent1"/>
+          </a:lnRef>
+          <a:fillRef idx="0">
+            <a:schemeClr val="accent1"/>
+          </a:fillRef>
+          <a:effectRef idx="0">
+            <a:schemeClr val="accent1"/>
+          </a:effectRef>
+          <a:fontRef idx="minor">
+            <a:schemeClr val="tx1"/>
+          </a:fontRef>
+        </p:style>
+      </p:cxnSp>
+      <p:cxnSp>
+        <p:nvCxnSpPr>
+          <p:cNvPr id="8" name="Conector recto 7">
+            <a:extLst>
+              <a:ext uri="{FF2B5EF4-FFF2-40B4-BE49-F238E27FC236}">
+                <a16:creationId xmlns:a16="http://schemas.microsoft.com/office/drawing/2014/main" id="{DF976C14-2EBA-4582-8D53-69D94302B376}"/>
+              </a:ext>
+            </a:extLst>
+          </p:cNvPr>
+          <p:cNvCxnSpPr>
+            <a:cxnSpLocks/>
+          </p:cNvCxnSpPr>
+          <p:nvPr/>
+        </p:nvCxnSpPr>
+        <p:spPr>
+          <a:xfrm>
+            <a:off x="5879976" y="1268760"/>
+            <a:ext cx="825286" cy="0"/>
+          </a:xfrm>
+          <a:prstGeom prst="line">
+            <a:avLst/>
+          </a:prstGeom>
+          <a:ln>
+            <a:solidFill>
+              <a:schemeClr val="tx2">
+                <a:lumMod val="75000"/>
+              </a:schemeClr>
+            </a:solidFill>
+          </a:ln>
+        </p:spPr>
+        <p:style>
+          <a:lnRef idx="1">
+            <a:schemeClr val="accent1"/>
+          </a:lnRef>
+          <a:fillRef idx="0">
+            <a:schemeClr val="accent1"/>
+          </a:fillRef>
+          <a:effectRef idx="0">
+            <a:schemeClr val="accent1"/>
+          </a:effectRef>
+          <a:fontRef idx="minor">
+            <a:schemeClr val="tx1"/>
+          </a:fontRef>
+        </p:style>
+      </p:cxnSp>
+      <p:cxnSp>
+        <p:nvCxnSpPr>
+          <p:cNvPr id="11" name="Conector recto de flecha 10">
+            <a:extLst>
+              <a:ext uri="{FF2B5EF4-FFF2-40B4-BE49-F238E27FC236}">
+                <a16:creationId xmlns:a16="http://schemas.microsoft.com/office/drawing/2014/main" id="{2D960987-5BA1-4919-95E0-B35D7FC5E8EB}"/>
+              </a:ext>
+            </a:extLst>
+          </p:cNvPr>
+          <p:cNvCxnSpPr>
+            <a:cxnSpLocks/>
+          </p:cNvCxnSpPr>
+          <p:nvPr/>
+        </p:nvCxnSpPr>
+        <p:spPr>
+          <a:xfrm flipV="1">
+            <a:off x="6705262" y="705247"/>
+            <a:ext cx="1262946" cy="563514"/>
+          </a:xfrm>
+          <a:prstGeom prst="straightConnector1">
+            <a:avLst/>
+          </a:prstGeom>
+          <a:ln>
+            <a:solidFill>
+              <a:schemeClr val="tx2">
+                <a:lumMod val="75000"/>
+              </a:schemeClr>
+            </a:solidFill>
+            <a:tailEnd type="triangle"/>
+          </a:ln>
+        </p:spPr>
+        <p:style>
+          <a:lnRef idx="1">
+            <a:schemeClr val="accent1"/>
+          </a:lnRef>
+          <a:fillRef idx="0">
+            <a:schemeClr val="accent1"/>
+          </a:fillRef>
+          <a:effectRef idx="0">
+            <a:schemeClr val="accent1"/>
+          </a:effectRef>
+          <a:fontRef idx="minor">
+            <a:schemeClr val="tx1"/>
+          </a:fontRef>
+        </p:style>
+      </p:cxnSp>
+      <p:cxnSp>
+        <p:nvCxnSpPr>
+          <p:cNvPr id="15" name="Conector recto de flecha 14">
+            <a:extLst>
+              <a:ext uri="{FF2B5EF4-FFF2-40B4-BE49-F238E27FC236}">
+                <a16:creationId xmlns:a16="http://schemas.microsoft.com/office/drawing/2014/main" id="{807455D9-571B-4E10-9F44-F57E5E5166EB}"/>
+              </a:ext>
+            </a:extLst>
+          </p:cNvPr>
+          <p:cNvCxnSpPr>
+            <a:cxnSpLocks/>
+          </p:cNvCxnSpPr>
+          <p:nvPr/>
+        </p:nvCxnSpPr>
+        <p:spPr>
+          <a:xfrm flipV="1">
+            <a:off x="6705262" y="1086586"/>
+            <a:ext cx="1262946" cy="182174"/>
+          </a:xfrm>
+          <a:prstGeom prst="straightConnector1">
+            <a:avLst/>
+          </a:prstGeom>
+          <a:ln>
+            <a:solidFill>
+              <a:schemeClr val="tx2">
+                <a:lumMod val="75000"/>
+              </a:schemeClr>
+            </a:solidFill>
+            <a:tailEnd type="triangle"/>
+          </a:ln>
+        </p:spPr>
+        <p:style>
+          <a:lnRef idx="1">
+            <a:schemeClr val="accent1"/>
+          </a:lnRef>
+          <a:fillRef idx="0">
+            <a:schemeClr val="accent1"/>
+          </a:fillRef>
+          <a:effectRef idx="0">
+            <a:schemeClr val="accent1"/>
+          </a:effectRef>
+          <a:fontRef idx="minor">
+            <a:schemeClr val="tx1"/>
+          </a:fontRef>
+        </p:style>
+      </p:cxnSp>
+      <p:sp>
+        <p:nvSpPr>
+          <p:cNvPr id="18" name="CuadroTexto 17">
+            <a:extLst>
+              <a:ext uri="{FF2B5EF4-FFF2-40B4-BE49-F238E27FC236}">
+                <a16:creationId xmlns:a16="http://schemas.microsoft.com/office/drawing/2014/main" id="{BC0683E7-CFC4-47E8-86BC-9EA8E791F70B}"/>
+              </a:ext>
+            </a:extLst>
+          </p:cNvPr>
+          <p:cNvSpPr txBox="1"/>
+          <p:nvPr/>
+        </p:nvSpPr>
+        <p:spPr>
+          <a:xfrm>
+            <a:off x="5879976" y="991762"/>
+            <a:ext cx="936104" cy="276998"/>
+          </a:xfrm>
+          <a:prstGeom prst="rect">
+            <a:avLst/>
+          </a:prstGeom>
+          <a:noFill/>
+        </p:spPr>
+        <p:txBody>
+          <a:bodyPr wrap="square" rtlCol="0">
+            <a:spAutoFit/>
+          </a:bodyPr>
+          <a:lstStyle/>
+          <a:p>
+            <a:pPr marL="0" marR="0" lvl="0" indent="0" algn="l" defTabSz="914400" rtl="0" eaLnBrk="0" fontAlgn="base" latinLnBrk="0" hangingPunct="0">
+              <a:lnSpc>
+                <a:spcPct val="100000"/>
+              </a:lnSpc>
+              <a:spcBef>
+                <a:spcPct val="0"/>
+              </a:spcBef>
+              <a:spcAft>
+                <a:spcPct val="0"/>
+              </a:spcAft>
+              <a:buClrTx/>
+              <a:buSzTx/>
+              <a:buFontTx/>
+              <a:buNone/>
+              <a:tabLst/>
+              <a:defRPr/>
+            </a:pPr>
+            <a:r>
+              <a:rPr kumimoji="0" lang="es-CL" sz="1200" b="0" i="1" u="none" strike="noStrike" kern="1200" cap="none" spc="0" normalizeH="0" baseline="0" noProof="0" dirty="0">
+                <a:ln>
+                  <a:noFill/>
+                </a:ln>
+                <a:solidFill>
+                  <a:prstClr val="black"/>
+                </a:solidFill>
+                <a:effectLst/>
+                <a:uLnTx/>
+                <a:uFillTx/>
+                <a:latin typeface="Times" pitchFamily="-97" charset="0"/>
+                <a:ea typeface="+mn-ea"/>
+                <a:cs typeface="+mn-cs"/>
+              </a:rPr>
+              <a:t>Categorías</a:t>
+            </a:r>
+          </a:p>
+        </p:txBody>
+      </p:sp>
+      <p:sp>
+        <p:nvSpPr>
+          <p:cNvPr id="19" name="CuadroTexto 18">
+            <a:extLst>
+              <a:ext uri="{FF2B5EF4-FFF2-40B4-BE49-F238E27FC236}">
+                <a16:creationId xmlns:a16="http://schemas.microsoft.com/office/drawing/2014/main" id="{1562B58E-5CC4-4052-96E1-05699A57B104}"/>
+              </a:ext>
+            </a:extLst>
+          </p:cNvPr>
+          <p:cNvSpPr txBox="1"/>
+          <p:nvPr/>
+        </p:nvSpPr>
+        <p:spPr>
+          <a:xfrm>
+            <a:off x="8036463" y="165650"/>
+            <a:ext cx="1731945" cy="307777"/>
+          </a:xfrm>
+          <a:prstGeom prst="rect">
+            <a:avLst/>
+          </a:prstGeom>
+          <a:solidFill>
+            <a:schemeClr val="accent3">
+              <a:lumMod val="60000"/>
+              <a:lumOff val="40000"/>
+            </a:schemeClr>
+          </a:solidFill>
+          <a:ln>
+            <a:solidFill>
+              <a:schemeClr val="accent3">
+                <a:lumMod val="75000"/>
+              </a:schemeClr>
+            </a:solidFill>
+          </a:ln>
+        </p:spPr>
+        <p:txBody>
+          <a:bodyPr wrap="square" rtlCol="0">
+            <a:spAutoFit/>
+          </a:bodyPr>
+          <a:lstStyle/>
+          <a:p>
+            <a:pPr marL="0" marR="0" lvl="0" indent="0" algn="l" defTabSz="914400" rtl="0" eaLnBrk="0" fontAlgn="base" latinLnBrk="0" hangingPunct="0">
+              <a:lnSpc>
+                <a:spcPct val="100000"/>
+              </a:lnSpc>
+              <a:spcBef>
+                <a:spcPct val="0"/>
+              </a:spcBef>
+              <a:spcAft>
+                <a:spcPct val="0"/>
+              </a:spcAft>
+              <a:buClrTx/>
+              <a:buSzTx/>
+              <a:buFontTx/>
+              <a:buNone/>
+              <a:tabLst/>
+              <a:defRPr/>
+            </a:pPr>
+            <a:r>
+              <a:rPr kumimoji="0" lang="es-CL" sz="1400" b="0" i="0" u="none" strike="noStrike" kern="1200" cap="none" spc="0" normalizeH="0" baseline="0" noProof="0" dirty="0">
+                <a:ln>
+                  <a:noFill/>
+                </a:ln>
+                <a:solidFill>
+                  <a:prstClr val="black"/>
+                </a:solidFill>
+                <a:effectLst/>
+                <a:uLnTx/>
+                <a:uFillTx/>
+                <a:latin typeface="Times" pitchFamily="-97" charset="0"/>
+                <a:ea typeface="+mn-ea"/>
+                <a:cs typeface="+mn-cs"/>
+              </a:rPr>
+              <a:t>Conceptos Generales</a:t>
+            </a:r>
+          </a:p>
+        </p:txBody>
+      </p:sp>
+      <p:sp>
+        <p:nvSpPr>
+          <p:cNvPr id="22" name="CuadroTexto 21">
+            <a:extLst>
+              <a:ext uri="{FF2B5EF4-FFF2-40B4-BE49-F238E27FC236}">
+                <a16:creationId xmlns:a16="http://schemas.microsoft.com/office/drawing/2014/main" id="{4FB5B52C-85BB-4558-820D-0665660D4B24}"/>
+              </a:ext>
+            </a:extLst>
+          </p:cNvPr>
+          <p:cNvSpPr txBox="1"/>
+          <p:nvPr/>
+        </p:nvSpPr>
+        <p:spPr>
+          <a:xfrm>
+            <a:off x="8036463" y="541933"/>
+            <a:ext cx="2091985" cy="307777"/>
+          </a:xfrm>
+          <a:prstGeom prst="rect">
+            <a:avLst/>
+          </a:prstGeom>
+          <a:solidFill>
+            <a:schemeClr val="accent4">
+              <a:lumMod val="40000"/>
+              <a:lumOff val="60000"/>
+            </a:schemeClr>
+          </a:solidFill>
+          <a:ln>
+            <a:solidFill>
+              <a:srgbClr val="FFC000"/>
+            </a:solidFill>
+          </a:ln>
+        </p:spPr>
+        <p:txBody>
+          <a:bodyPr wrap="square" rtlCol="0">
+            <a:spAutoFit/>
+          </a:bodyPr>
+          <a:lstStyle/>
+          <a:p>
+            <a:pPr marL="0" marR="0" lvl="0" indent="0" algn="l" defTabSz="914400" rtl="0" eaLnBrk="0" fontAlgn="base" latinLnBrk="0" hangingPunct="0">
+              <a:lnSpc>
+                <a:spcPct val="100000"/>
+              </a:lnSpc>
+              <a:spcBef>
+                <a:spcPct val="0"/>
+              </a:spcBef>
+              <a:spcAft>
+                <a:spcPct val="0"/>
+              </a:spcAft>
+              <a:buClrTx/>
+              <a:buSzTx/>
+              <a:buFontTx/>
+              <a:buNone/>
+              <a:tabLst/>
+              <a:defRPr/>
+            </a:pPr>
+            <a:r>
+              <a:rPr kumimoji="0" lang="es-CL" sz="1400" b="0" i="0" u="none" strike="noStrike" kern="1200" cap="none" spc="0" normalizeH="0" baseline="0" noProof="0" dirty="0">
+                <a:ln>
+                  <a:noFill/>
+                </a:ln>
+                <a:solidFill>
+                  <a:prstClr val="black"/>
+                </a:solidFill>
+                <a:effectLst/>
+                <a:uLnTx/>
+                <a:uFillTx/>
+                <a:latin typeface="Times" pitchFamily="-97" charset="0"/>
+                <a:ea typeface="+mn-ea"/>
+                <a:cs typeface="+mn-cs"/>
+              </a:rPr>
+              <a:t>Causas Cambio Climático</a:t>
+            </a:r>
+          </a:p>
+        </p:txBody>
+      </p:sp>
+      <p:sp>
+        <p:nvSpPr>
+          <p:cNvPr id="24" name="CuadroTexto 23">
+            <a:extLst>
+              <a:ext uri="{FF2B5EF4-FFF2-40B4-BE49-F238E27FC236}">
+                <a16:creationId xmlns:a16="http://schemas.microsoft.com/office/drawing/2014/main" id="{04B47D01-5DA8-4499-BE5F-94E4DE916970}"/>
+              </a:ext>
+            </a:extLst>
+          </p:cNvPr>
+          <p:cNvSpPr txBox="1"/>
+          <p:nvPr/>
+        </p:nvSpPr>
+        <p:spPr>
+          <a:xfrm>
+            <a:off x="8036463" y="925659"/>
+            <a:ext cx="2236001" cy="307777"/>
+          </a:xfrm>
+          <a:prstGeom prst="rect">
+            <a:avLst/>
+          </a:prstGeom>
+          <a:solidFill>
+            <a:schemeClr val="accent1">
+              <a:lumMod val="60000"/>
+              <a:lumOff val="40000"/>
+            </a:schemeClr>
+          </a:solidFill>
+          <a:ln>
+            <a:solidFill>
+              <a:schemeClr val="accent1">
+                <a:lumMod val="75000"/>
+              </a:schemeClr>
+            </a:solidFill>
+          </a:ln>
+        </p:spPr>
+        <p:txBody>
+          <a:bodyPr wrap="square" rtlCol="0">
+            <a:spAutoFit/>
+          </a:bodyPr>
+          <a:lstStyle/>
+          <a:p>
+            <a:pPr marL="0" marR="0" lvl="0" indent="0" algn="l" defTabSz="914400" rtl="0" eaLnBrk="0" fontAlgn="base" latinLnBrk="0" hangingPunct="0">
+              <a:lnSpc>
+                <a:spcPct val="100000"/>
+              </a:lnSpc>
+              <a:spcBef>
+                <a:spcPct val="0"/>
+              </a:spcBef>
+              <a:spcAft>
+                <a:spcPct val="0"/>
+              </a:spcAft>
+              <a:buClrTx/>
+              <a:buSzTx/>
+              <a:buFontTx/>
+              <a:buNone/>
+              <a:tabLst/>
+              <a:defRPr/>
+            </a:pPr>
+            <a:r>
+              <a:rPr kumimoji="0" lang="es-CL" sz="1400" b="0" i="0" u="none" strike="noStrike" kern="1200" cap="none" spc="0" normalizeH="0" baseline="0" noProof="0" dirty="0">
+                <a:ln>
+                  <a:noFill/>
+                </a:ln>
+                <a:solidFill>
+                  <a:prstClr val="black"/>
+                </a:solidFill>
+                <a:effectLst/>
+                <a:uLnTx/>
+                <a:uFillTx/>
+                <a:latin typeface="Times" pitchFamily="-97" charset="0"/>
+                <a:ea typeface="+mn-ea"/>
+                <a:cs typeface="+mn-cs"/>
+              </a:rPr>
+              <a:t>Impactos Cambio Climático</a:t>
+            </a:r>
+          </a:p>
+        </p:txBody>
+      </p:sp>
+      <p:cxnSp>
+        <p:nvCxnSpPr>
+          <p:cNvPr id="26" name="Conector recto de flecha 25">
+            <a:extLst>
+              <a:ext uri="{FF2B5EF4-FFF2-40B4-BE49-F238E27FC236}">
+                <a16:creationId xmlns:a16="http://schemas.microsoft.com/office/drawing/2014/main" id="{B80205CA-BC4B-4AC7-9C57-3A38F6587C5A}"/>
+              </a:ext>
+            </a:extLst>
+          </p:cNvPr>
+          <p:cNvCxnSpPr>
+            <a:cxnSpLocks/>
+          </p:cNvCxnSpPr>
+          <p:nvPr/>
+        </p:nvCxnSpPr>
+        <p:spPr>
+          <a:xfrm>
+            <a:off x="6705262" y="1268760"/>
+            <a:ext cx="1262946" cy="182174"/>
+          </a:xfrm>
+          <a:prstGeom prst="straightConnector1">
+            <a:avLst/>
+          </a:prstGeom>
+          <a:ln>
+            <a:solidFill>
+              <a:schemeClr val="tx2">
+                <a:lumMod val="75000"/>
+              </a:schemeClr>
+            </a:solidFill>
+            <a:tailEnd type="triangle"/>
+          </a:ln>
+        </p:spPr>
+        <p:style>
+          <a:lnRef idx="1">
+            <a:schemeClr val="accent1"/>
+          </a:lnRef>
+          <a:fillRef idx="0">
+            <a:schemeClr val="accent1"/>
+          </a:fillRef>
+          <a:effectRef idx="0">
+            <a:schemeClr val="accent1"/>
+          </a:effectRef>
+          <a:fontRef idx="minor">
+            <a:schemeClr val="tx1"/>
+          </a:fontRef>
+        </p:style>
+      </p:cxnSp>
+      <p:sp>
+        <p:nvSpPr>
+          <p:cNvPr id="28" name="CuadroTexto 27">
+            <a:extLst>
+              <a:ext uri="{FF2B5EF4-FFF2-40B4-BE49-F238E27FC236}">
+                <a16:creationId xmlns:a16="http://schemas.microsoft.com/office/drawing/2014/main" id="{7D1E1CA8-7844-48FC-BD23-2F607EAC0074}"/>
+              </a:ext>
+            </a:extLst>
+          </p:cNvPr>
+          <p:cNvSpPr txBox="1"/>
+          <p:nvPr/>
+        </p:nvSpPr>
+        <p:spPr>
+          <a:xfrm>
+            <a:off x="8036463" y="1309378"/>
+            <a:ext cx="2524033" cy="307777"/>
+          </a:xfrm>
+          <a:prstGeom prst="rect">
+            <a:avLst/>
+          </a:prstGeom>
+          <a:solidFill>
+            <a:schemeClr val="accent6">
+              <a:lumMod val="40000"/>
+              <a:lumOff val="60000"/>
+            </a:schemeClr>
+          </a:solidFill>
+          <a:ln>
+            <a:solidFill>
+              <a:schemeClr val="accent6">
+                <a:lumMod val="75000"/>
+              </a:schemeClr>
+            </a:solidFill>
+          </a:ln>
+        </p:spPr>
+        <p:txBody>
+          <a:bodyPr wrap="square" rtlCol="0">
+            <a:spAutoFit/>
+          </a:bodyPr>
+          <a:lstStyle/>
+          <a:p>
+            <a:pPr marL="0" marR="0" lvl="0" indent="0" algn="l" defTabSz="914400" rtl="0" eaLnBrk="0" fontAlgn="base" latinLnBrk="0" hangingPunct="0">
+              <a:lnSpc>
+                <a:spcPct val="100000"/>
+              </a:lnSpc>
+              <a:spcBef>
+                <a:spcPct val="0"/>
+              </a:spcBef>
+              <a:spcAft>
+                <a:spcPct val="0"/>
+              </a:spcAft>
+              <a:buClrTx/>
+              <a:buSzTx/>
+              <a:buFontTx/>
+              <a:buNone/>
+              <a:tabLst/>
+              <a:defRPr/>
+            </a:pPr>
+            <a:r>
+              <a:rPr kumimoji="0" lang="es-CL" sz="1400" b="0" i="0" u="none" strike="noStrike" kern="1200" cap="none" spc="0" normalizeH="0" baseline="0" noProof="0" dirty="0">
+                <a:ln>
+                  <a:noFill/>
+                </a:ln>
+                <a:solidFill>
+                  <a:prstClr val="black"/>
+                </a:solidFill>
+                <a:effectLst/>
+                <a:uLnTx/>
+                <a:uFillTx/>
+                <a:latin typeface="Times" pitchFamily="-97" charset="0"/>
+                <a:ea typeface="+mn-ea"/>
+                <a:cs typeface="+mn-cs"/>
+              </a:rPr>
+              <a:t>Proyecciones Cambio Climático</a:t>
+            </a:r>
+          </a:p>
+        </p:txBody>
+      </p:sp>
+      <p:cxnSp>
+        <p:nvCxnSpPr>
+          <p:cNvPr id="38" name="Conector recto de flecha 37">
+            <a:extLst>
+              <a:ext uri="{FF2B5EF4-FFF2-40B4-BE49-F238E27FC236}">
+                <a16:creationId xmlns:a16="http://schemas.microsoft.com/office/drawing/2014/main" id="{7B4CB9E4-BCF4-45F2-B0C7-AB589861469D}"/>
+              </a:ext>
+            </a:extLst>
+          </p:cNvPr>
+          <p:cNvCxnSpPr>
+            <a:cxnSpLocks/>
+          </p:cNvCxnSpPr>
+          <p:nvPr/>
+        </p:nvCxnSpPr>
+        <p:spPr>
+          <a:xfrm>
+            <a:off x="6705262" y="1268760"/>
+            <a:ext cx="1262946" cy="564781"/>
+          </a:xfrm>
+          <a:prstGeom prst="straightConnector1">
+            <a:avLst/>
+          </a:prstGeom>
+          <a:ln>
+            <a:solidFill>
+              <a:schemeClr val="tx2">
+                <a:lumMod val="75000"/>
+              </a:schemeClr>
+            </a:solidFill>
+            <a:tailEnd type="triangle"/>
+          </a:ln>
+        </p:spPr>
+        <p:style>
+          <a:lnRef idx="1">
+            <a:schemeClr val="accent1"/>
+          </a:lnRef>
+          <a:fillRef idx="0">
+            <a:schemeClr val="accent1"/>
+          </a:fillRef>
+          <a:effectRef idx="0">
+            <a:schemeClr val="accent1"/>
+          </a:effectRef>
+          <a:fontRef idx="minor">
+            <a:schemeClr val="tx1"/>
+          </a:fontRef>
+        </p:style>
+      </p:cxnSp>
+      <p:sp>
+        <p:nvSpPr>
+          <p:cNvPr id="40" name="CuadroTexto 39">
+            <a:extLst>
+              <a:ext uri="{FF2B5EF4-FFF2-40B4-BE49-F238E27FC236}">
+                <a16:creationId xmlns:a16="http://schemas.microsoft.com/office/drawing/2014/main" id="{328B240F-D295-43FD-9E81-25E246797ADE}"/>
+              </a:ext>
+            </a:extLst>
+          </p:cNvPr>
+          <p:cNvSpPr txBox="1"/>
+          <p:nvPr/>
+        </p:nvSpPr>
+        <p:spPr>
+          <a:xfrm>
+            <a:off x="8036462" y="1693638"/>
+            <a:ext cx="2524033" cy="307777"/>
+          </a:xfrm>
+          <a:prstGeom prst="rect">
+            <a:avLst/>
+          </a:prstGeom>
+          <a:solidFill>
+            <a:schemeClr val="tx2">
+              <a:lumMod val="40000"/>
+              <a:lumOff val="60000"/>
+            </a:schemeClr>
+          </a:solidFill>
+          <a:ln>
+            <a:solidFill>
+              <a:schemeClr val="tx2">
+                <a:lumMod val="75000"/>
+              </a:schemeClr>
+            </a:solidFill>
+          </a:ln>
+        </p:spPr>
+        <p:txBody>
+          <a:bodyPr wrap="square" rtlCol="0">
+            <a:spAutoFit/>
+          </a:bodyPr>
+          <a:lstStyle/>
+          <a:p>
+            <a:pPr marL="0" marR="0" lvl="0" indent="0" algn="l" defTabSz="914400" rtl="0" eaLnBrk="0" fontAlgn="base" latinLnBrk="0" hangingPunct="0">
+              <a:lnSpc>
+                <a:spcPct val="100000"/>
+              </a:lnSpc>
+              <a:spcBef>
+                <a:spcPct val="0"/>
+              </a:spcBef>
+              <a:spcAft>
+                <a:spcPct val="0"/>
+              </a:spcAft>
+              <a:buClrTx/>
+              <a:buSzTx/>
+              <a:buFontTx/>
+              <a:buNone/>
+              <a:tabLst/>
+              <a:defRPr/>
+            </a:pPr>
+            <a:r>
+              <a:rPr kumimoji="0" lang="es-CL" sz="1400" b="0" i="0" u="none" strike="noStrike" kern="1200" cap="none" spc="0" normalizeH="0" baseline="0" noProof="0" dirty="0">
+                <a:ln>
+                  <a:noFill/>
+                </a:ln>
+                <a:solidFill>
+                  <a:prstClr val="black"/>
+                </a:solidFill>
+                <a:effectLst/>
+                <a:uLnTx/>
+                <a:uFillTx/>
+                <a:latin typeface="Times" pitchFamily="-97" charset="0"/>
+                <a:ea typeface="+mn-ea"/>
+                <a:cs typeface="+mn-cs"/>
+              </a:rPr>
+              <a:t>Plataforma DATA CLIMA</a:t>
+            </a:r>
+          </a:p>
+        </p:txBody>
+      </p:sp>
+      <p:sp>
+        <p:nvSpPr>
+          <p:cNvPr id="43" name="CuadroTexto 42">
+            <a:extLst>
+              <a:ext uri="{FF2B5EF4-FFF2-40B4-BE49-F238E27FC236}">
+                <a16:creationId xmlns:a16="http://schemas.microsoft.com/office/drawing/2014/main" id="{58A3E1E0-89F1-449D-81EA-67CDD870137B}"/>
+              </a:ext>
+            </a:extLst>
+          </p:cNvPr>
+          <p:cNvSpPr txBox="1"/>
+          <p:nvPr/>
+        </p:nvSpPr>
+        <p:spPr>
+          <a:xfrm rot="16200000">
+            <a:off x="-1080869" y="3708006"/>
+            <a:ext cx="2767616" cy="461665"/>
+          </a:xfrm>
+          <a:prstGeom prst="rect">
+            <a:avLst/>
+          </a:prstGeom>
+          <a:noFill/>
+        </p:spPr>
+        <p:txBody>
+          <a:bodyPr wrap="square" rtlCol="0">
+            <a:spAutoFit/>
+          </a:bodyPr>
+          <a:lstStyle/>
+          <a:p>
+            <a:pPr marL="0" marR="0" lvl="0" indent="0" algn="l" defTabSz="914400" rtl="0" eaLnBrk="0" fontAlgn="base" latinLnBrk="0" hangingPunct="0">
+              <a:lnSpc>
+                <a:spcPct val="100000"/>
+              </a:lnSpc>
+              <a:spcBef>
+                <a:spcPct val="0"/>
+              </a:spcBef>
+              <a:spcAft>
+                <a:spcPct val="0"/>
+              </a:spcAft>
+              <a:buClrTx/>
+              <a:buSzTx/>
+              <a:buFontTx/>
+              <a:buNone/>
+              <a:tabLst/>
+              <a:defRPr/>
+            </a:pPr>
+            <a:r>
+              <a:rPr kumimoji="0" lang="es-CL" sz="2400" b="0" i="0" u="none" strike="noStrike" kern="1200" cap="none" spc="0" normalizeH="0" baseline="0" noProof="0" dirty="0">
+                <a:ln>
+                  <a:noFill/>
+                </a:ln>
+                <a:solidFill>
+                  <a:prstClr val="black"/>
+                </a:solidFill>
+                <a:effectLst/>
+                <a:uLnTx/>
+                <a:uFillTx/>
+                <a:latin typeface="Times" pitchFamily="-97" charset="0"/>
+                <a:ea typeface="+mn-ea"/>
+                <a:cs typeface="+mn-cs"/>
+              </a:rPr>
+              <a:t>PRODUCTOS</a:t>
+            </a:r>
+          </a:p>
+        </p:txBody>
+      </p:sp>
+      <p:sp>
+        <p:nvSpPr>
+          <p:cNvPr id="45" name="CuadroTexto 44">
+            <a:extLst>
+              <a:ext uri="{FF2B5EF4-FFF2-40B4-BE49-F238E27FC236}">
+                <a16:creationId xmlns:a16="http://schemas.microsoft.com/office/drawing/2014/main" id="{D8878651-2B27-4F39-AB19-230C2D492DC0}"/>
+              </a:ext>
+            </a:extLst>
+          </p:cNvPr>
+          <p:cNvSpPr txBox="1"/>
+          <p:nvPr/>
+        </p:nvSpPr>
+        <p:spPr>
+          <a:xfrm>
+            <a:off x="783733" y="2019585"/>
+            <a:ext cx="2091985" cy="307777"/>
+          </a:xfrm>
+          <a:prstGeom prst="rect">
+            <a:avLst/>
+          </a:prstGeom>
+          <a:solidFill>
+            <a:schemeClr val="accent4">
+              <a:lumMod val="40000"/>
+              <a:lumOff val="60000"/>
+            </a:schemeClr>
+          </a:solidFill>
+          <a:ln>
+            <a:solidFill>
+              <a:srgbClr val="FFC000"/>
+            </a:solidFill>
+          </a:ln>
+        </p:spPr>
+        <p:txBody>
+          <a:bodyPr wrap="square" rtlCol="0">
+            <a:spAutoFit/>
+          </a:bodyPr>
+          <a:lstStyle/>
+          <a:p>
+            <a:pPr marL="0" marR="0" lvl="0" indent="0" algn="l" defTabSz="914400" rtl="0" eaLnBrk="0" fontAlgn="base" latinLnBrk="0" hangingPunct="0">
+              <a:lnSpc>
+                <a:spcPct val="100000"/>
+              </a:lnSpc>
+              <a:spcBef>
+                <a:spcPct val="0"/>
+              </a:spcBef>
+              <a:spcAft>
+                <a:spcPct val="0"/>
+              </a:spcAft>
+              <a:buClrTx/>
+              <a:buSzTx/>
+              <a:buFontTx/>
+              <a:buNone/>
+              <a:tabLst/>
+              <a:defRPr/>
+            </a:pPr>
+            <a:r>
+              <a:rPr kumimoji="0" lang="es-CL" sz="1400" b="0" i="0" u="none" strike="noStrike" kern="1200" cap="none" spc="0" normalizeH="0" baseline="0" noProof="0" dirty="0">
+                <a:ln>
+                  <a:noFill/>
+                </a:ln>
+                <a:solidFill>
+                  <a:prstClr val="black"/>
+                </a:solidFill>
+                <a:effectLst/>
+                <a:uLnTx/>
+                <a:uFillTx/>
+                <a:latin typeface="Times" pitchFamily="-97" charset="0"/>
+                <a:ea typeface="+mn-ea"/>
+                <a:cs typeface="+mn-cs"/>
+              </a:rPr>
+              <a:t>Causas Cambio Climático</a:t>
+            </a:r>
+          </a:p>
+        </p:txBody>
+      </p:sp>
+      <p:sp>
+        <p:nvSpPr>
+          <p:cNvPr id="49" name="CuadroTexto 48">
+            <a:extLst>
+              <a:ext uri="{FF2B5EF4-FFF2-40B4-BE49-F238E27FC236}">
+                <a16:creationId xmlns:a16="http://schemas.microsoft.com/office/drawing/2014/main" id="{BD7C2829-65D1-49B9-ACED-7998583BDAE1}"/>
+              </a:ext>
+            </a:extLst>
+          </p:cNvPr>
+          <p:cNvSpPr txBox="1"/>
+          <p:nvPr/>
+        </p:nvSpPr>
+        <p:spPr>
+          <a:xfrm>
+            <a:off x="800864" y="2585808"/>
+            <a:ext cx="1512168" cy="461665"/>
+          </a:xfrm>
+          <a:prstGeom prst="rect">
+            <a:avLst/>
+          </a:prstGeom>
+          <a:solidFill>
+            <a:schemeClr val="accent4">
+              <a:lumMod val="40000"/>
+              <a:lumOff val="60000"/>
+            </a:schemeClr>
+          </a:solidFill>
+          <a:ln w="28575">
+            <a:solidFill>
+              <a:srgbClr val="FFC000"/>
+            </a:solidFill>
+          </a:ln>
+        </p:spPr>
+        <p:txBody>
+          <a:bodyPr wrap="square" rtlCol="0">
+            <a:spAutoFit/>
+          </a:bodyPr>
+          <a:lstStyle/>
+          <a:p>
+            <a:pPr marL="0" marR="0" lvl="0" indent="0" algn="ctr" defTabSz="914400" rtl="0" eaLnBrk="0" fontAlgn="base" latinLnBrk="0" hangingPunct="0">
+              <a:lnSpc>
+                <a:spcPct val="100000"/>
+              </a:lnSpc>
+              <a:spcBef>
+                <a:spcPct val="0"/>
+              </a:spcBef>
+              <a:spcAft>
+                <a:spcPct val="0"/>
+              </a:spcAft>
+              <a:buClrTx/>
+              <a:buSzTx/>
+              <a:buFontTx/>
+              <a:buNone/>
+              <a:tabLst/>
+              <a:defRPr/>
+            </a:pPr>
+            <a:r>
+              <a:rPr kumimoji="0" lang="es-CL" sz="1200" b="0" i="0" u="none" strike="noStrike" kern="1200" cap="none" spc="0" normalizeH="0" baseline="0" noProof="0" dirty="0">
+                <a:ln>
+                  <a:noFill/>
+                </a:ln>
+                <a:solidFill>
+                  <a:prstClr val="black"/>
+                </a:solidFill>
+                <a:effectLst/>
+                <a:uLnTx/>
+                <a:uFillTx/>
+                <a:latin typeface="Times" pitchFamily="-97" charset="0"/>
+                <a:ea typeface="+mn-ea"/>
+                <a:cs typeface="+mn-cs"/>
+              </a:rPr>
+              <a:t>Causas </a:t>
+            </a:r>
+            <a:r>
+              <a:rPr kumimoji="0" lang="es-CL" sz="1200" b="0" i="0" u="none" strike="noStrike" kern="1200" cap="none" spc="0" normalizeH="0" baseline="0" noProof="0" dirty="0" err="1">
+                <a:ln>
+                  <a:noFill/>
+                </a:ln>
+                <a:solidFill>
+                  <a:prstClr val="black"/>
+                </a:solidFill>
+                <a:effectLst/>
+                <a:uLnTx/>
+                <a:uFillTx/>
+                <a:latin typeface="Times" pitchFamily="-97" charset="0"/>
+                <a:ea typeface="+mn-ea"/>
+                <a:cs typeface="+mn-cs"/>
+              </a:rPr>
+              <a:t>Antropógenas</a:t>
+            </a:r>
+            <a:r>
+              <a:rPr kumimoji="0" lang="es-CL" sz="1200" b="0" i="0" u="none" strike="noStrike" kern="1200" cap="none" spc="0" normalizeH="0" baseline="0" noProof="0" dirty="0">
+                <a:ln>
+                  <a:noFill/>
+                </a:ln>
+                <a:solidFill>
+                  <a:prstClr val="black"/>
+                </a:solidFill>
+                <a:effectLst/>
+                <a:uLnTx/>
+                <a:uFillTx/>
+                <a:latin typeface="Times" pitchFamily="-97" charset="0"/>
+                <a:ea typeface="+mn-ea"/>
+                <a:cs typeface="+mn-cs"/>
+              </a:rPr>
+              <a:t> Chile</a:t>
+            </a:r>
+          </a:p>
+        </p:txBody>
+      </p:sp>
+      <p:sp>
+        <p:nvSpPr>
+          <p:cNvPr id="51" name="CuadroTexto 50">
+            <a:extLst>
+              <a:ext uri="{FF2B5EF4-FFF2-40B4-BE49-F238E27FC236}">
+                <a16:creationId xmlns:a16="http://schemas.microsoft.com/office/drawing/2014/main" id="{D8488D48-3F10-4979-B252-DC6EAA3C3EEC}"/>
+              </a:ext>
+            </a:extLst>
+          </p:cNvPr>
+          <p:cNvSpPr txBox="1"/>
+          <p:nvPr/>
+        </p:nvSpPr>
+        <p:spPr>
+          <a:xfrm>
+            <a:off x="2381286" y="2585808"/>
+            <a:ext cx="1512168" cy="461665"/>
+          </a:xfrm>
+          <a:prstGeom prst="rect">
+            <a:avLst/>
+          </a:prstGeom>
+          <a:solidFill>
+            <a:schemeClr val="accent4">
+              <a:lumMod val="40000"/>
+              <a:lumOff val="60000"/>
+            </a:schemeClr>
+          </a:solidFill>
+          <a:ln w="28575">
+            <a:solidFill>
+              <a:srgbClr val="FFC000"/>
+            </a:solidFill>
+          </a:ln>
+        </p:spPr>
+        <p:txBody>
+          <a:bodyPr wrap="square" rtlCol="0">
+            <a:spAutoFit/>
+          </a:bodyPr>
+          <a:lstStyle/>
+          <a:p>
+            <a:pPr marL="0" marR="0" lvl="0" indent="0" algn="ctr" defTabSz="914400" rtl="0" eaLnBrk="0" fontAlgn="base" latinLnBrk="0" hangingPunct="0">
+              <a:lnSpc>
+                <a:spcPct val="100000"/>
+              </a:lnSpc>
+              <a:spcBef>
+                <a:spcPct val="0"/>
+              </a:spcBef>
+              <a:spcAft>
+                <a:spcPct val="0"/>
+              </a:spcAft>
+              <a:buClrTx/>
+              <a:buSzTx/>
+              <a:buFontTx/>
+              <a:buNone/>
+              <a:tabLst/>
+              <a:defRPr/>
+            </a:pPr>
+            <a:r>
+              <a:rPr kumimoji="0" lang="es-CL" sz="1200" b="0" i="0" u="none" strike="noStrike" kern="1200" cap="none" spc="0" normalizeH="0" baseline="0" noProof="0" dirty="0">
+                <a:ln>
+                  <a:noFill/>
+                </a:ln>
+                <a:solidFill>
+                  <a:prstClr val="black"/>
+                </a:solidFill>
+                <a:effectLst/>
+                <a:uLnTx/>
+                <a:uFillTx/>
+                <a:latin typeface="Times" pitchFamily="-97" charset="0"/>
+                <a:ea typeface="+mn-ea"/>
+                <a:cs typeface="+mn-cs"/>
+              </a:rPr>
+              <a:t>Causas </a:t>
+            </a:r>
+            <a:r>
+              <a:rPr kumimoji="0" lang="es-CL" sz="1200" b="0" i="0" u="none" strike="noStrike" kern="1200" cap="none" spc="0" normalizeH="0" baseline="0" noProof="0" dirty="0" err="1">
+                <a:ln>
+                  <a:noFill/>
+                </a:ln>
+                <a:solidFill>
+                  <a:prstClr val="black"/>
+                </a:solidFill>
+                <a:effectLst/>
+                <a:uLnTx/>
+                <a:uFillTx/>
+                <a:latin typeface="Times" pitchFamily="-97" charset="0"/>
+                <a:ea typeface="+mn-ea"/>
+                <a:cs typeface="+mn-cs"/>
+              </a:rPr>
+              <a:t>Antropógenas</a:t>
+            </a:r>
+            <a:r>
+              <a:rPr kumimoji="0" lang="es-CL" sz="1200" b="0" i="0" u="none" strike="noStrike" kern="1200" cap="none" spc="0" normalizeH="0" baseline="0" noProof="0" dirty="0">
+                <a:ln>
+                  <a:noFill/>
+                </a:ln>
+                <a:solidFill>
+                  <a:prstClr val="black"/>
+                </a:solidFill>
+                <a:effectLst/>
+                <a:uLnTx/>
+                <a:uFillTx/>
+                <a:latin typeface="Times" pitchFamily="-97" charset="0"/>
+                <a:ea typeface="+mn-ea"/>
+                <a:cs typeface="+mn-cs"/>
+              </a:rPr>
+              <a:t> Latino América</a:t>
+            </a:r>
+          </a:p>
+        </p:txBody>
+      </p:sp>
+      <p:sp>
+        <p:nvSpPr>
+          <p:cNvPr id="53" name="CuadroTexto 52">
+            <a:extLst>
+              <a:ext uri="{FF2B5EF4-FFF2-40B4-BE49-F238E27FC236}">
+                <a16:creationId xmlns:a16="http://schemas.microsoft.com/office/drawing/2014/main" id="{BC905A74-8F41-4CF3-B196-D5C70970C9CB}"/>
+              </a:ext>
+            </a:extLst>
+          </p:cNvPr>
+          <p:cNvSpPr txBox="1"/>
+          <p:nvPr/>
+        </p:nvSpPr>
+        <p:spPr>
+          <a:xfrm>
+            <a:off x="3959367" y="2586070"/>
+            <a:ext cx="1512168" cy="461665"/>
+          </a:xfrm>
+          <a:prstGeom prst="rect">
+            <a:avLst/>
+          </a:prstGeom>
+          <a:solidFill>
+            <a:schemeClr val="accent4">
+              <a:lumMod val="40000"/>
+              <a:lumOff val="60000"/>
+            </a:schemeClr>
+          </a:solidFill>
+          <a:ln w="28575">
+            <a:solidFill>
+              <a:srgbClr val="FFC000"/>
+            </a:solidFill>
+          </a:ln>
+        </p:spPr>
+        <p:txBody>
+          <a:bodyPr wrap="square" rtlCol="0">
+            <a:spAutoFit/>
+          </a:bodyPr>
+          <a:lstStyle/>
+          <a:p>
+            <a:pPr marL="0" marR="0" lvl="0" indent="0" algn="ctr" defTabSz="914400" rtl="0" eaLnBrk="0" fontAlgn="base" latinLnBrk="0" hangingPunct="0">
+              <a:lnSpc>
+                <a:spcPct val="100000"/>
+              </a:lnSpc>
+              <a:spcBef>
+                <a:spcPct val="0"/>
+              </a:spcBef>
+              <a:spcAft>
+                <a:spcPct val="0"/>
+              </a:spcAft>
+              <a:buClrTx/>
+              <a:buSzTx/>
+              <a:buFontTx/>
+              <a:buNone/>
+              <a:tabLst/>
+              <a:defRPr/>
+            </a:pPr>
+            <a:r>
+              <a:rPr kumimoji="0" lang="es-CL" sz="1200" b="0" i="0" u="none" strike="noStrike" kern="1200" cap="none" spc="0" normalizeH="0" baseline="0" noProof="0" dirty="0">
+                <a:ln>
+                  <a:noFill/>
+                </a:ln>
+                <a:solidFill>
+                  <a:prstClr val="black"/>
+                </a:solidFill>
+                <a:effectLst/>
+                <a:uLnTx/>
+                <a:uFillTx/>
+                <a:latin typeface="Times" pitchFamily="-97" charset="0"/>
+                <a:ea typeface="+mn-ea"/>
+                <a:cs typeface="+mn-cs"/>
+              </a:rPr>
+              <a:t>Causas </a:t>
+            </a:r>
+            <a:r>
+              <a:rPr kumimoji="0" lang="es-CL" sz="1200" b="0" i="0" u="none" strike="noStrike" kern="1200" cap="none" spc="0" normalizeH="0" baseline="0" noProof="0" dirty="0" err="1">
+                <a:ln>
+                  <a:noFill/>
+                </a:ln>
+                <a:solidFill>
+                  <a:prstClr val="black"/>
+                </a:solidFill>
+                <a:effectLst/>
+                <a:uLnTx/>
+                <a:uFillTx/>
+                <a:latin typeface="Times" pitchFamily="-97" charset="0"/>
+                <a:ea typeface="+mn-ea"/>
+                <a:cs typeface="+mn-cs"/>
+              </a:rPr>
+              <a:t>Antropógenas</a:t>
+            </a:r>
+            <a:r>
+              <a:rPr kumimoji="0" lang="es-CL" sz="1200" b="0" i="0" u="none" strike="noStrike" kern="1200" cap="none" spc="0" normalizeH="0" baseline="0" noProof="0" dirty="0">
+                <a:ln>
+                  <a:noFill/>
+                </a:ln>
+                <a:solidFill>
+                  <a:prstClr val="black"/>
+                </a:solidFill>
+                <a:effectLst/>
+                <a:uLnTx/>
+                <a:uFillTx/>
+                <a:latin typeface="Times" pitchFamily="-97" charset="0"/>
+                <a:ea typeface="+mn-ea"/>
+                <a:cs typeface="+mn-cs"/>
+              </a:rPr>
+              <a:t> Continentes</a:t>
+            </a:r>
+          </a:p>
+        </p:txBody>
+      </p:sp>
+      <p:sp>
+        <p:nvSpPr>
+          <p:cNvPr id="68" name="Forma libre: forma 67">
+            <a:extLst>
+              <a:ext uri="{FF2B5EF4-FFF2-40B4-BE49-F238E27FC236}">
+                <a16:creationId xmlns:a16="http://schemas.microsoft.com/office/drawing/2014/main" id="{914E22ED-2057-45D4-AE71-BF82D927AC87}"/>
+              </a:ext>
+            </a:extLst>
+          </p:cNvPr>
+          <p:cNvSpPr/>
+          <p:nvPr/>
+        </p:nvSpPr>
+        <p:spPr>
+          <a:xfrm>
+            <a:off x="2178093" y="2877408"/>
+            <a:ext cx="91225" cy="150350"/>
+          </a:xfrm>
+          <a:custGeom>
+            <a:avLst/>
+            <a:gdLst>
+              <a:gd name="connsiteX0" fmla="*/ 0 w 371060"/>
+              <a:gd name="connsiteY0" fmla="*/ 159133 h 384420"/>
+              <a:gd name="connsiteX1" fmla="*/ 66260 w 371060"/>
+              <a:gd name="connsiteY1" fmla="*/ 304907 h 384420"/>
+              <a:gd name="connsiteX2" fmla="*/ 79513 w 371060"/>
+              <a:gd name="connsiteY2" fmla="*/ 344663 h 384420"/>
+              <a:gd name="connsiteX3" fmla="*/ 92765 w 371060"/>
+              <a:gd name="connsiteY3" fmla="*/ 384420 h 384420"/>
+              <a:gd name="connsiteX4" fmla="*/ 132521 w 371060"/>
+              <a:gd name="connsiteY4" fmla="*/ 371168 h 384420"/>
+              <a:gd name="connsiteX5" fmla="*/ 212034 w 371060"/>
+              <a:gd name="connsiteY5" fmla="*/ 265150 h 384420"/>
+              <a:gd name="connsiteX6" fmla="*/ 238539 w 371060"/>
+              <a:gd name="connsiteY6" fmla="*/ 225394 h 384420"/>
+              <a:gd name="connsiteX7" fmla="*/ 251791 w 371060"/>
+              <a:gd name="connsiteY7" fmla="*/ 185637 h 384420"/>
+              <a:gd name="connsiteX8" fmla="*/ 304800 w 371060"/>
+              <a:gd name="connsiteY8" fmla="*/ 106124 h 384420"/>
+              <a:gd name="connsiteX9" fmla="*/ 344556 w 371060"/>
+              <a:gd name="connsiteY9" fmla="*/ 39863 h 384420"/>
+              <a:gd name="connsiteX10" fmla="*/ 371060 w 371060"/>
+              <a:gd name="connsiteY10" fmla="*/ 107 h 384420"/>
+            </a:gdLst>
+            <a:ahLst/>
+            <a:cxnLst>
+              <a:cxn ang="0">
+                <a:pos x="connsiteX0" y="connsiteY0"/>
+              </a:cxn>
+              <a:cxn ang="0">
+                <a:pos x="connsiteX1" y="connsiteY1"/>
+              </a:cxn>
+              <a:cxn ang="0">
+                <a:pos x="connsiteX2" y="connsiteY2"/>
+              </a:cxn>
+              <a:cxn ang="0">
+                <a:pos x="connsiteX3" y="connsiteY3"/>
+              </a:cxn>
+              <a:cxn ang="0">
+                <a:pos x="connsiteX4" y="connsiteY4"/>
+              </a:cxn>
+              <a:cxn ang="0">
+                <a:pos x="connsiteX5" y="connsiteY5"/>
+              </a:cxn>
+              <a:cxn ang="0">
+                <a:pos x="connsiteX6" y="connsiteY6"/>
+              </a:cxn>
+              <a:cxn ang="0">
+                <a:pos x="connsiteX7" y="connsiteY7"/>
+              </a:cxn>
+              <a:cxn ang="0">
+                <a:pos x="connsiteX8" y="connsiteY8"/>
+              </a:cxn>
+              <a:cxn ang="0">
+                <a:pos x="connsiteX9" y="connsiteY9"/>
+              </a:cxn>
+              <a:cxn ang="0">
+                <a:pos x="connsiteX10" y="connsiteY10"/>
+              </a:cxn>
+            </a:cxnLst>
+            <a:rect l="l" t="t" r="r" b="b"/>
+            <a:pathLst>
+              <a:path w="371060" h="384420">
+                <a:moveTo>
+                  <a:pt x="0" y="159133"/>
+                </a:moveTo>
+                <a:cubicBezTo>
+                  <a:pt x="54132" y="249354"/>
+                  <a:pt x="31609" y="200954"/>
+                  <a:pt x="66260" y="304907"/>
+                </a:cubicBezTo>
+                <a:lnTo>
+                  <a:pt x="79513" y="344663"/>
+                </a:lnTo>
+                <a:lnTo>
+                  <a:pt x="92765" y="384420"/>
+                </a:lnTo>
+                <a:cubicBezTo>
+                  <a:pt x="106017" y="380003"/>
+                  <a:pt x="120543" y="378355"/>
+                  <a:pt x="132521" y="371168"/>
+                </a:cubicBezTo>
+                <a:cubicBezTo>
+                  <a:pt x="159760" y="354824"/>
+                  <a:pt x="207648" y="271729"/>
+                  <a:pt x="212034" y="265150"/>
+                </a:cubicBezTo>
+                <a:lnTo>
+                  <a:pt x="238539" y="225394"/>
+                </a:lnTo>
+                <a:cubicBezTo>
+                  <a:pt x="242956" y="212142"/>
+                  <a:pt x="245007" y="197848"/>
+                  <a:pt x="251791" y="185637"/>
+                </a:cubicBezTo>
+                <a:cubicBezTo>
+                  <a:pt x="267261" y="157791"/>
+                  <a:pt x="304800" y="106124"/>
+                  <a:pt x="304800" y="106124"/>
+                </a:cubicBezTo>
+                <a:cubicBezTo>
+                  <a:pt x="342340" y="-6497"/>
+                  <a:pt x="289984" y="130818"/>
+                  <a:pt x="344556" y="39863"/>
+                </a:cubicBezTo>
+                <a:cubicBezTo>
+                  <a:pt x="370924" y="-4084"/>
+                  <a:pt x="340133" y="107"/>
+                  <a:pt x="371060" y="107"/>
+                </a:cubicBezTo>
+              </a:path>
+            </a:pathLst>
+          </a:custGeom>
+        </p:spPr>
+        <p:style>
+          <a:lnRef idx="3">
+            <a:schemeClr val="dk1"/>
+          </a:lnRef>
+          <a:fillRef idx="0">
+            <a:schemeClr val="dk1"/>
+          </a:fillRef>
+          <a:effectRef idx="2">
+            <a:schemeClr val="dk1"/>
+          </a:effectRef>
+          <a:fontRef idx="minor">
+            <a:schemeClr val="tx1"/>
+          </a:fontRef>
+        </p:style>
+        <p:txBody>
+          <a:bodyPr rtlCol="0" anchor="ctr"/>
+          <a:lstStyle/>
+          <a:p>
+            <a:pPr marL="0" marR="0" lvl="0" indent="0" algn="ctr" defTabSz="914400" rtl="0" eaLnBrk="0" fontAlgn="base" latinLnBrk="0" hangingPunct="0">
+              <a:lnSpc>
+                <a:spcPct val="100000"/>
+              </a:lnSpc>
+              <a:spcBef>
+                <a:spcPct val="0"/>
+              </a:spcBef>
+              <a:spcAft>
+                <a:spcPct val="0"/>
+              </a:spcAft>
+              <a:buClrTx/>
+              <a:buSzTx/>
+              <a:buFontTx/>
+              <a:buNone/>
+              <a:tabLst/>
+              <a:defRPr/>
+            </a:pPr>
+            <a:endParaRPr kumimoji="0" lang="es-CL" sz="2400" b="0" i="0" u="none" strike="noStrike" kern="1200" cap="none" spc="0" normalizeH="0" baseline="0" noProof="0">
+              <a:ln>
+                <a:noFill/>
+              </a:ln>
+              <a:solidFill>
+                <a:prstClr val="black"/>
+              </a:solidFill>
+              <a:effectLst/>
+              <a:uLnTx/>
+              <a:uFillTx/>
+              <a:latin typeface="Tw Cen MT" panose="020B0602020104020603"/>
+              <a:ea typeface="+mn-ea"/>
+              <a:cs typeface="+mn-cs"/>
+            </a:endParaRPr>
+          </a:p>
+        </p:txBody>
+      </p:sp>
+      <p:sp>
+        <p:nvSpPr>
+          <p:cNvPr id="83" name="Rectángulo 82">
+            <a:extLst>
+              <a:ext uri="{FF2B5EF4-FFF2-40B4-BE49-F238E27FC236}">
+                <a16:creationId xmlns:a16="http://schemas.microsoft.com/office/drawing/2014/main" id="{8B77CAAC-7C19-4AE6-B73A-77D98D232FE1}"/>
+              </a:ext>
+            </a:extLst>
+          </p:cNvPr>
+          <p:cNvSpPr/>
+          <p:nvPr/>
+        </p:nvSpPr>
+        <p:spPr>
+          <a:xfrm>
+            <a:off x="787084" y="2456142"/>
+            <a:ext cx="4679852" cy="720080"/>
+          </a:xfrm>
+          <a:prstGeom prst="rect">
+            <a:avLst/>
+          </a:prstGeom>
+          <a:noFill/>
+          <a:ln>
+            <a:solidFill>
+              <a:srgbClr val="FFC000"/>
+            </a:solidFill>
+          </a:ln>
+        </p:spPr>
+        <p:style>
+          <a:lnRef idx="2">
+            <a:schemeClr val="accent1">
+              <a:shade val="50000"/>
+            </a:schemeClr>
+          </a:lnRef>
+          <a:fillRef idx="1">
+            <a:schemeClr val="accent1"/>
+          </a:fillRef>
+          <a:effectRef idx="0">
+            <a:schemeClr val="accent1"/>
+          </a:effectRef>
+          <a:fontRef idx="minor">
+            <a:schemeClr val="lt1"/>
+          </a:fontRef>
+        </p:style>
+        <p:txBody>
+          <a:bodyPr rtlCol="0" anchor="ctr"/>
+          <a:lstStyle/>
+          <a:p>
+            <a:pPr marL="0" marR="0" lvl="0" indent="0" algn="ctr" defTabSz="914400" rtl="0" eaLnBrk="0" fontAlgn="base" latinLnBrk="0" hangingPunct="0">
+              <a:lnSpc>
+                <a:spcPct val="100000"/>
+              </a:lnSpc>
+              <a:spcBef>
+                <a:spcPct val="0"/>
+              </a:spcBef>
+              <a:spcAft>
+                <a:spcPct val="0"/>
+              </a:spcAft>
+              <a:buClrTx/>
+              <a:buSzTx/>
+              <a:buFontTx/>
+              <a:buNone/>
+              <a:tabLst/>
+              <a:defRPr/>
+            </a:pPr>
+            <a:endParaRPr kumimoji="0" lang="es-CL" sz="2400" b="0" i="0" u="none" strike="noStrike" kern="1200" cap="none" spc="0" normalizeH="0" baseline="0" noProof="0">
+              <a:ln>
+                <a:noFill/>
+              </a:ln>
+              <a:solidFill>
+                <a:prstClr val="white"/>
+              </a:solidFill>
+              <a:effectLst/>
+              <a:uLnTx/>
+              <a:uFillTx/>
+              <a:latin typeface="Tw Cen MT" panose="020B0602020104020603"/>
+              <a:ea typeface="+mn-ea"/>
+              <a:cs typeface="+mn-cs"/>
+            </a:endParaRPr>
+          </a:p>
+        </p:txBody>
+      </p:sp>
+      <p:sp>
+        <p:nvSpPr>
+          <p:cNvPr id="27" name="CuadroTexto 26">
+            <a:extLst>
+              <a:ext uri="{FF2B5EF4-FFF2-40B4-BE49-F238E27FC236}">
+                <a16:creationId xmlns:a16="http://schemas.microsoft.com/office/drawing/2014/main" id="{79D2794A-1E26-43C1-BD63-D377AFF78251}"/>
+              </a:ext>
+            </a:extLst>
+          </p:cNvPr>
+          <p:cNvSpPr txBox="1"/>
+          <p:nvPr/>
+        </p:nvSpPr>
+        <p:spPr>
+          <a:xfrm>
+            <a:off x="783733" y="3681779"/>
+            <a:ext cx="2767851" cy="3139321"/>
+          </a:xfrm>
+          <a:prstGeom prst="rect">
+            <a:avLst/>
+          </a:prstGeom>
+          <a:noFill/>
+          <a:ln>
+            <a:solidFill>
+              <a:schemeClr val="accent4">
+                <a:lumMod val="60000"/>
+                <a:lumOff val="40000"/>
+              </a:schemeClr>
+            </a:solidFill>
+          </a:ln>
+        </p:spPr>
+        <p:txBody>
+          <a:bodyPr wrap="square" numCol="2" rtlCol="0">
+            <a:spAutoFit/>
+          </a:bodyPr>
+          <a:lstStyle/>
+          <a:p>
+            <a:r>
+              <a:rPr lang="es-CL" dirty="0"/>
+              <a:t>Chile </a:t>
+            </a:r>
+          </a:p>
+          <a:p>
+            <a:r>
+              <a:rPr lang="es-CL" dirty="0"/>
+              <a:t>Argentina</a:t>
+            </a:r>
+          </a:p>
+          <a:p>
+            <a:r>
+              <a:rPr lang="es-CL" dirty="0"/>
+              <a:t>Perú</a:t>
+            </a:r>
+          </a:p>
+          <a:p>
+            <a:r>
+              <a:rPr lang="es-CL" dirty="0"/>
+              <a:t>Brasil</a:t>
+            </a:r>
+          </a:p>
+          <a:p>
+            <a:r>
+              <a:rPr lang="es-CL" dirty="0"/>
+              <a:t>Uruguay</a:t>
+            </a:r>
+          </a:p>
+          <a:p>
+            <a:r>
+              <a:rPr lang="es-CL" dirty="0"/>
+              <a:t>Paraguay</a:t>
+            </a:r>
+          </a:p>
+          <a:p>
+            <a:r>
+              <a:rPr lang="es-CL" dirty="0"/>
+              <a:t>Bolivia</a:t>
+            </a:r>
+          </a:p>
+          <a:p>
+            <a:r>
+              <a:rPr lang="es-CL" dirty="0"/>
+              <a:t>Colombia</a:t>
+            </a:r>
+          </a:p>
+          <a:p>
+            <a:r>
+              <a:rPr lang="es-CL" dirty="0"/>
+              <a:t>Ecuador</a:t>
+            </a:r>
+          </a:p>
+          <a:p>
+            <a:r>
+              <a:rPr lang="es-CL" dirty="0"/>
+              <a:t>Venezuela</a:t>
+            </a:r>
+          </a:p>
+          <a:p>
+            <a:r>
+              <a:rPr lang="es-CL" dirty="0"/>
+              <a:t>Costa Rica</a:t>
+            </a:r>
+          </a:p>
+          <a:p>
+            <a:r>
+              <a:rPr lang="es-CL" dirty="0"/>
+              <a:t>Panamá</a:t>
+            </a:r>
+          </a:p>
+          <a:p>
+            <a:r>
+              <a:rPr lang="es-CL" dirty="0"/>
+              <a:t>Guatemala</a:t>
+            </a:r>
+          </a:p>
+          <a:p>
+            <a:r>
+              <a:rPr lang="es-CL" dirty="0"/>
+              <a:t>Honduras</a:t>
+            </a:r>
+          </a:p>
+          <a:p>
+            <a:r>
+              <a:rPr lang="es-CL" dirty="0"/>
+              <a:t>Cuba</a:t>
+            </a:r>
+          </a:p>
+          <a:p>
+            <a:r>
+              <a:rPr lang="es-CL" dirty="0"/>
+              <a:t>El Salvador</a:t>
+            </a:r>
+          </a:p>
+          <a:p>
+            <a:r>
+              <a:rPr lang="es-CL" dirty="0"/>
+              <a:t>México</a:t>
+            </a:r>
+          </a:p>
+          <a:p>
+            <a:r>
+              <a:rPr lang="es-CL" dirty="0"/>
+              <a:t>Nicaragua</a:t>
+            </a:r>
+          </a:p>
+          <a:p>
+            <a:r>
+              <a:rPr lang="es-CL" dirty="0"/>
+              <a:t>Puerto Rico</a:t>
+            </a:r>
+          </a:p>
+          <a:p>
+            <a:r>
+              <a:rPr lang="es-CL" dirty="0"/>
+              <a:t>República Dominicana</a:t>
+            </a:r>
+          </a:p>
+          <a:p>
+            <a:endParaRPr lang="es-CL" dirty="0"/>
+          </a:p>
+        </p:txBody>
+      </p:sp>
+      <p:cxnSp>
+        <p:nvCxnSpPr>
+          <p:cNvPr id="33" name="Conector recto de flecha 32">
+            <a:extLst>
+              <a:ext uri="{FF2B5EF4-FFF2-40B4-BE49-F238E27FC236}">
+                <a16:creationId xmlns:a16="http://schemas.microsoft.com/office/drawing/2014/main" id="{9E5A6F62-1B46-4D15-AFB9-5BCDF4288D60}"/>
+              </a:ext>
+            </a:extLst>
+          </p:cNvPr>
+          <p:cNvCxnSpPr>
+            <a:cxnSpLocks/>
+            <a:stCxn id="51" idx="2"/>
+          </p:cNvCxnSpPr>
+          <p:nvPr/>
+        </p:nvCxnSpPr>
+        <p:spPr>
+          <a:xfrm flipH="1">
+            <a:off x="2001080" y="3047473"/>
+            <a:ext cx="1136290" cy="634306"/>
+          </a:xfrm>
+          <a:prstGeom prst="straightConnector1">
+            <a:avLst/>
+          </a:prstGeom>
+          <a:ln>
+            <a:tailEnd type="triangle"/>
+          </a:ln>
+        </p:spPr>
+        <p:style>
+          <a:lnRef idx="1">
+            <a:schemeClr val="dk1"/>
+          </a:lnRef>
+          <a:fillRef idx="0">
+            <a:schemeClr val="dk1"/>
+          </a:fillRef>
+          <a:effectRef idx="0">
+            <a:schemeClr val="dk1"/>
+          </a:effectRef>
+          <a:fontRef idx="minor">
+            <a:schemeClr val="tx1"/>
+          </a:fontRef>
+        </p:style>
+      </p:cxnSp>
+      <p:sp>
+        <p:nvSpPr>
+          <p:cNvPr id="34" name="CuadroTexto 33">
+            <a:extLst>
+              <a:ext uri="{FF2B5EF4-FFF2-40B4-BE49-F238E27FC236}">
+                <a16:creationId xmlns:a16="http://schemas.microsoft.com/office/drawing/2014/main" id="{E11645FE-99DF-4332-9136-E16F58C42FC6}"/>
+              </a:ext>
+            </a:extLst>
+          </p:cNvPr>
+          <p:cNvSpPr txBox="1"/>
+          <p:nvPr/>
+        </p:nvSpPr>
+        <p:spPr>
+          <a:xfrm>
+            <a:off x="4068417" y="3681779"/>
+            <a:ext cx="1181678" cy="1477328"/>
+          </a:xfrm>
+          <a:prstGeom prst="rect">
+            <a:avLst/>
+          </a:prstGeom>
+          <a:noFill/>
+          <a:ln>
+            <a:solidFill>
+              <a:schemeClr val="accent4">
+                <a:lumMod val="60000"/>
+                <a:lumOff val="40000"/>
+              </a:schemeClr>
+            </a:solidFill>
+          </a:ln>
+        </p:spPr>
+        <p:txBody>
+          <a:bodyPr wrap="square" rtlCol="0">
+            <a:spAutoFit/>
+          </a:bodyPr>
+          <a:lstStyle/>
+          <a:p>
+            <a:r>
+              <a:rPr lang="es-CL" dirty="0"/>
+              <a:t>América</a:t>
+            </a:r>
+          </a:p>
+          <a:p>
+            <a:r>
+              <a:rPr lang="es-CL" dirty="0"/>
+              <a:t>Europa</a:t>
+            </a:r>
+          </a:p>
+          <a:p>
+            <a:r>
+              <a:rPr lang="es-CL" dirty="0"/>
+              <a:t>Asia</a:t>
+            </a:r>
+          </a:p>
+          <a:p>
+            <a:r>
+              <a:rPr lang="es-CL" dirty="0"/>
+              <a:t>África</a:t>
+            </a:r>
+          </a:p>
+          <a:p>
+            <a:r>
+              <a:rPr lang="es-CL" dirty="0"/>
+              <a:t>Oceanía</a:t>
+            </a:r>
+          </a:p>
+        </p:txBody>
+      </p:sp>
+      <p:cxnSp>
+        <p:nvCxnSpPr>
+          <p:cNvPr id="140" name="Conector recto de flecha 139">
+            <a:extLst>
+              <a:ext uri="{FF2B5EF4-FFF2-40B4-BE49-F238E27FC236}">
+                <a16:creationId xmlns:a16="http://schemas.microsoft.com/office/drawing/2014/main" id="{8069F688-8C63-43D7-9CC3-96ECD951F893}"/>
+              </a:ext>
+            </a:extLst>
+          </p:cNvPr>
+          <p:cNvCxnSpPr>
+            <a:cxnSpLocks/>
+            <a:stCxn id="53" idx="2"/>
+            <a:endCxn id="34" idx="0"/>
+          </p:cNvCxnSpPr>
+          <p:nvPr/>
+        </p:nvCxnSpPr>
+        <p:spPr>
+          <a:xfrm flipH="1">
+            <a:off x="4659256" y="3047735"/>
+            <a:ext cx="56195" cy="634044"/>
+          </a:xfrm>
+          <a:prstGeom prst="straightConnector1">
+            <a:avLst/>
+          </a:prstGeom>
+          <a:ln>
+            <a:tailEnd type="triangle"/>
+          </a:ln>
+        </p:spPr>
+        <p:style>
+          <a:lnRef idx="1">
+            <a:schemeClr val="dk1"/>
+          </a:lnRef>
+          <a:fillRef idx="0">
+            <a:schemeClr val="dk1"/>
+          </a:fillRef>
+          <a:effectRef idx="0">
+            <a:schemeClr val="dk1"/>
+          </a:effectRef>
+          <a:fontRef idx="minor">
+            <a:schemeClr val="tx1"/>
+          </a:fontRef>
+        </p:style>
+      </p:cxnSp>
+    </p:spTree>
+    <p:extLst>
+      <p:ext uri="{BB962C8B-B14F-4D97-AF65-F5344CB8AC3E}">
+        <p14:creationId xmlns:p14="http://schemas.microsoft.com/office/powerpoint/2010/main" val="2643240212"/>
+      </p:ext>
+    </p:extLst>
+  </p:cSld>
+  <p:clrMapOvr>
+    <a:masterClrMapping/>
+  </p:clrMapOvr>
+</p:sld>
+</file>
+
+<file path=ppt/slides/slide4.xml><?xml version="1.0" encoding="utf-8"?>
 <p:sld xmlns:a="http://schemas.openxmlformats.org/drawingml/2006/main" xmlns:r="http://schemas.openxmlformats.org/officeDocument/2006/relationships" xmlns:p="http://schemas.openxmlformats.org/presentationml/2006/main">
   <p:cSld>
     <p:spTree>

--- a/Organización DATA CLIMA.pptx
+++ b/Organización DATA CLIMA.pptx
@@ -8174,10 +8174,10 @@
       </p:sp>
       <p:sp>
         <p:nvSpPr>
-          <p:cNvPr id="53" name="CuadroTexto 52">
-            <a:extLst>
-              <a:ext uri="{FF2B5EF4-FFF2-40B4-BE49-F238E27FC236}">
-                <a16:creationId xmlns:a16="http://schemas.microsoft.com/office/drawing/2014/main" id="{BC905A74-8F41-4CF3-B196-D5C70970C9CB}"/>
+          <p:cNvPr id="55" name="CuadroTexto 54">
+            <a:extLst>
+              <a:ext uri="{FF2B5EF4-FFF2-40B4-BE49-F238E27FC236}">
+                <a16:creationId xmlns:a16="http://schemas.microsoft.com/office/drawing/2014/main" id="{A6FA72FF-D3CD-47D2-93B2-CB21F868074D}"/>
               </a:ext>
             </a:extLst>
           </p:cNvPr>
@@ -8186,116 +8186,7 @@
         </p:nvSpPr>
         <p:spPr>
           <a:xfrm>
-            <a:off x="7471197" y="2586070"/>
-            <a:ext cx="1512168" cy="461665"/>
-          </a:xfrm>
-          <a:prstGeom prst="rect">
-            <a:avLst/>
-          </a:prstGeom>
-          <a:solidFill>
-            <a:schemeClr val="accent4">
-              <a:lumMod val="40000"/>
-              <a:lumOff val="60000"/>
-            </a:schemeClr>
-          </a:solidFill>
-          <a:ln w="28575">
-            <a:solidFill>
-              <a:srgbClr val="FFC000"/>
-            </a:solidFill>
-          </a:ln>
-        </p:spPr>
-        <p:txBody>
-          <a:bodyPr wrap="square" rtlCol="0">
-            <a:spAutoFit/>
-          </a:bodyPr>
-          <a:lstStyle/>
-          <a:p>
-            <a:pPr marL="0" marR="0" lvl="0" indent="0" algn="ctr" defTabSz="914400" rtl="0" eaLnBrk="0" fontAlgn="base" latinLnBrk="0" hangingPunct="0">
-              <a:lnSpc>
-                <a:spcPct val="100000"/>
-              </a:lnSpc>
-              <a:spcBef>
-                <a:spcPct val="0"/>
-              </a:spcBef>
-              <a:spcAft>
-                <a:spcPct val="0"/>
-              </a:spcAft>
-              <a:buClrTx/>
-              <a:buSzTx/>
-              <a:buFontTx/>
-              <a:buNone/>
-              <a:tabLst/>
-              <a:defRPr/>
-            </a:pPr>
-            <a:r>
-              <a:rPr kumimoji="0" lang="es-CL" sz="1200" b="0" i="0" u="none" strike="noStrike" kern="1200" cap="none" spc="0" normalizeH="0" baseline="0" noProof="0" dirty="0">
-                <a:ln>
-                  <a:noFill/>
-                </a:ln>
-                <a:solidFill>
-                  <a:prstClr val="black"/>
-                </a:solidFill>
-                <a:effectLst/>
-                <a:uLnTx/>
-                <a:uFillTx/>
-                <a:latin typeface="Times" pitchFamily="-97" charset="0"/>
-                <a:ea typeface="+mn-ea"/>
-                <a:cs typeface="+mn-cs"/>
-              </a:rPr>
-              <a:t>Causas </a:t>
-            </a:r>
-            <a:r>
-              <a:rPr kumimoji="0" lang="es-CL" sz="1200" b="0" i="0" u="none" strike="noStrike" kern="1200" cap="none" spc="0" normalizeH="0" baseline="0" noProof="0" dirty="0" err="1">
-                <a:ln>
-                  <a:noFill/>
-                </a:ln>
-                <a:solidFill>
-                  <a:prstClr val="black"/>
-                </a:solidFill>
-                <a:effectLst/>
-                <a:uLnTx/>
-                <a:uFillTx/>
-                <a:latin typeface="Times" pitchFamily="-97" charset="0"/>
-                <a:ea typeface="+mn-ea"/>
-                <a:cs typeface="+mn-cs"/>
-              </a:rPr>
-              <a:t>Antropógenas</a:t>
-            </a:r>
-            <a:r>
-              <a:rPr kumimoji="0" lang="es-CL" sz="1200" b="0" i="0" u="none" strike="noStrike" kern="1200" cap="none" spc="0" normalizeH="0" baseline="0" noProof="0" dirty="0">
-                <a:ln>
-                  <a:noFill/>
-                </a:ln>
-                <a:solidFill>
-                  <a:prstClr val="black"/>
-                </a:solidFill>
-                <a:effectLst/>
-                <a:uLnTx/>
-                <a:uFillTx/>
-                <a:latin typeface="Times" pitchFamily="-97" charset="0"/>
-                <a:ea typeface="+mn-ea"/>
-                <a:cs typeface="+mn-cs"/>
-              </a:rPr>
-              <a:t> Continentes</a:t>
-            </a:r>
-          </a:p>
-        </p:txBody>
-      </p:sp>
-      <p:sp>
-        <p:nvSpPr>
-          <p:cNvPr id="55" name="CuadroTexto 54">
-            <a:extLst>
-              <a:ext uri="{FF2B5EF4-FFF2-40B4-BE49-F238E27FC236}">
-                <a16:creationId xmlns:a16="http://schemas.microsoft.com/office/drawing/2014/main" id="{A6FA72FF-D3CD-47D2-93B2-CB21F868074D}"/>
-              </a:ext>
-            </a:extLst>
-          </p:cNvPr>
-          <p:cNvSpPr txBox="1"/>
-          <p:nvPr/>
-        </p:nvSpPr>
-        <p:spPr>
-          <a:xfrm>
-            <a:off x="9056976" y="2581759"/>
+            <a:off x="7718506" y="2581759"/>
             <a:ext cx="1512168" cy="461665"/>
           </a:xfrm>
           <a:prstGeom prst="rect">
@@ -8370,7 +8261,7 @@
         </p:nvSpPr>
         <p:spPr>
           <a:xfrm>
-            <a:off x="10637398" y="2581759"/>
+            <a:off x="9298928" y="2581759"/>
             <a:ext cx="1512168" cy="461665"/>
           </a:xfrm>
           <a:prstGeom prst="rect">
@@ -9212,10 +9103,167 @@
       </p:sp>
       <p:sp>
         <p:nvSpPr>
-          <p:cNvPr id="78" name="CuadroTexto 77">
-            <a:extLst>
-              <a:ext uri="{FF2B5EF4-FFF2-40B4-BE49-F238E27FC236}">
-                <a16:creationId xmlns:a16="http://schemas.microsoft.com/office/drawing/2014/main" id="{32BC402C-EA8E-4EB8-84CB-F715951CADCC}"/>
+          <p:cNvPr id="81" name="Rectángulo 80">
+            <a:extLst>
+              <a:ext uri="{FF2B5EF4-FFF2-40B4-BE49-F238E27FC236}">
+                <a16:creationId xmlns:a16="http://schemas.microsoft.com/office/drawing/2014/main" id="{BD54D6F6-14A5-4932-AD33-93B5647CCFFD}"/>
+              </a:ext>
+            </a:extLst>
+          </p:cNvPr>
+          <p:cNvSpPr/>
+          <p:nvPr/>
+        </p:nvSpPr>
+        <p:spPr>
+          <a:xfrm>
+            <a:off x="4072565" y="3933056"/>
+            <a:ext cx="3097551" cy="720080"/>
+          </a:xfrm>
+          <a:prstGeom prst="rect">
+            <a:avLst/>
+          </a:prstGeom>
+          <a:noFill/>
+        </p:spPr>
+        <p:style>
+          <a:lnRef idx="2">
+            <a:schemeClr val="accent1">
+              <a:shade val="50000"/>
+            </a:schemeClr>
+          </a:lnRef>
+          <a:fillRef idx="1">
+            <a:schemeClr val="accent1"/>
+          </a:fillRef>
+          <a:effectRef idx="0">
+            <a:schemeClr val="accent1"/>
+          </a:effectRef>
+          <a:fontRef idx="minor">
+            <a:schemeClr val="lt1"/>
+          </a:fontRef>
+        </p:style>
+        <p:txBody>
+          <a:bodyPr rtlCol="0" anchor="ctr"/>
+          <a:lstStyle/>
+          <a:p>
+            <a:pPr marL="0" marR="0" lvl="0" indent="0" algn="ctr" defTabSz="914400" rtl="0" eaLnBrk="0" fontAlgn="base" latinLnBrk="0" hangingPunct="0">
+              <a:lnSpc>
+                <a:spcPct val="100000"/>
+              </a:lnSpc>
+              <a:spcBef>
+                <a:spcPct val="0"/>
+              </a:spcBef>
+              <a:spcAft>
+                <a:spcPct val="0"/>
+              </a:spcAft>
+              <a:buClrTx/>
+              <a:buSzTx/>
+              <a:buFontTx/>
+              <a:buNone/>
+              <a:tabLst/>
+              <a:defRPr/>
+            </a:pPr>
+            <a:endParaRPr kumimoji="0" lang="es-CL" sz="2400" b="0" i="0" u="none" strike="noStrike" kern="1200" cap="none" spc="0" normalizeH="0" baseline="0" noProof="0">
+              <a:ln>
+                <a:noFill/>
+              </a:ln>
+              <a:solidFill>
+                <a:prstClr val="white"/>
+              </a:solidFill>
+              <a:effectLst/>
+              <a:uLnTx/>
+              <a:uFillTx/>
+              <a:latin typeface="Tw Cen MT" panose="020B0602020104020603"/>
+              <a:ea typeface="+mn-ea"/>
+              <a:cs typeface="+mn-cs"/>
+            </a:endParaRPr>
+          </a:p>
+        </p:txBody>
+      </p:sp>
+      <p:sp>
+        <p:nvSpPr>
+          <p:cNvPr id="83" name="Rectángulo 82">
+            <a:extLst>
+              <a:ext uri="{FF2B5EF4-FFF2-40B4-BE49-F238E27FC236}">
+                <a16:creationId xmlns:a16="http://schemas.microsoft.com/office/drawing/2014/main" id="{8B77CAAC-7C19-4AE6-B73A-77D98D232FE1}"/>
+              </a:ext>
+            </a:extLst>
+          </p:cNvPr>
+          <p:cNvSpPr/>
+          <p:nvPr/>
+        </p:nvSpPr>
+        <p:spPr>
+          <a:xfrm>
+            <a:off x="4298914" y="2456142"/>
+            <a:ext cx="3106370" cy="720080"/>
+          </a:xfrm>
+          <a:prstGeom prst="rect">
+            <a:avLst/>
+          </a:prstGeom>
+          <a:noFill/>
+          <a:ln>
+            <a:solidFill>
+              <a:srgbClr val="FFC000"/>
+            </a:solidFill>
+          </a:ln>
+        </p:spPr>
+        <p:style>
+          <a:lnRef idx="2">
+            <a:schemeClr val="accent1">
+              <a:shade val="50000"/>
+            </a:schemeClr>
+          </a:lnRef>
+          <a:fillRef idx="1">
+            <a:schemeClr val="accent1"/>
+          </a:fillRef>
+          <a:effectRef idx="0">
+            <a:schemeClr val="accent1"/>
+          </a:effectRef>
+          <a:fontRef idx="minor">
+            <a:schemeClr val="lt1"/>
+          </a:fontRef>
+        </p:style>
+        <p:txBody>
+          <a:bodyPr rtlCol="0" anchor="ctr"/>
+          <a:lstStyle/>
+          <a:p>
+            <a:pPr marL="0" marR="0" lvl="0" indent="0" algn="ctr" defTabSz="914400" rtl="0" eaLnBrk="0" fontAlgn="base" latinLnBrk="0" hangingPunct="0">
+              <a:lnSpc>
+                <a:spcPct val="100000"/>
+              </a:lnSpc>
+              <a:spcBef>
+                <a:spcPct val="0"/>
+              </a:spcBef>
+              <a:spcAft>
+                <a:spcPct val="0"/>
+              </a:spcAft>
+              <a:buClrTx/>
+              <a:buSzTx/>
+              <a:buFontTx/>
+              <a:buNone/>
+              <a:tabLst/>
+              <a:defRPr/>
+            </a:pPr>
+            <a:endParaRPr kumimoji="0" lang="es-CL" sz="2400" b="0" i="0" u="none" strike="noStrike" kern="1200" cap="none" spc="0" normalizeH="0" baseline="0" noProof="0">
+              <a:ln>
+                <a:noFill/>
+              </a:ln>
+              <a:solidFill>
+                <a:prstClr val="white"/>
+              </a:solidFill>
+              <a:effectLst/>
+              <a:uLnTx/>
+              <a:uFillTx/>
+              <a:latin typeface="Tw Cen MT" panose="020B0602020104020603"/>
+              <a:ea typeface="+mn-ea"/>
+              <a:cs typeface="+mn-cs"/>
+            </a:endParaRPr>
+          </a:p>
+        </p:txBody>
+      </p:sp>
+      <p:sp>
+        <p:nvSpPr>
+          <p:cNvPr id="85" name="CuadroTexto 84">
+            <a:extLst>
+              <a:ext uri="{FF2B5EF4-FFF2-40B4-BE49-F238E27FC236}">
+                <a16:creationId xmlns:a16="http://schemas.microsoft.com/office/drawing/2014/main" id="{64EB516F-E1EE-403E-91DA-ADD940B5B990}"/>
               </a:ext>
             </a:extLst>
           </p:cNvPr>
@@ -9224,7 +9272,7 @@
         </p:nvSpPr>
         <p:spPr>
           <a:xfrm>
-            <a:off x="7240248" y="4059014"/>
+            <a:off x="782485" y="5510128"/>
             <a:ext cx="1512168" cy="461665"/>
           </a:xfrm>
           <a:prstGeom prst="rect">
@@ -9282,17 +9330,94 @@
                 <a:ea typeface="+mn-ea"/>
                 <a:cs typeface="+mn-cs"/>
               </a:rPr>
-              <a:t>Desastres Naturales Continentes</a:t>
-            </a:r>
-          </a:p>
-        </p:txBody>
-      </p:sp>
-      <p:sp>
-        <p:nvSpPr>
-          <p:cNvPr id="80" name="Forma libre: forma 79">
-            <a:extLst>
-              <a:ext uri="{FF2B5EF4-FFF2-40B4-BE49-F238E27FC236}">
-                <a16:creationId xmlns:a16="http://schemas.microsoft.com/office/drawing/2014/main" id="{BFD0CAED-5538-495F-BB48-A81EEDD848BD}"/>
+              <a:t>Salud y Bienestar Chile</a:t>
+            </a:r>
+          </a:p>
+        </p:txBody>
+      </p:sp>
+      <p:sp>
+        <p:nvSpPr>
+          <p:cNvPr id="87" name="CuadroTexto 86">
+            <a:extLst>
+              <a:ext uri="{FF2B5EF4-FFF2-40B4-BE49-F238E27FC236}">
+                <a16:creationId xmlns:a16="http://schemas.microsoft.com/office/drawing/2014/main" id="{F8EC0E94-44F2-4079-B8FF-8AE2F33C62E5}"/>
+              </a:ext>
+            </a:extLst>
+          </p:cNvPr>
+          <p:cNvSpPr txBox="1"/>
+          <p:nvPr/>
+        </p:nvSpPr>
+        <p:spPr>
+          <a:xfrm>
+            <a:off x="2364785" y="5510127"/>
+            <a:ext cx="1512168" cy="461665"/>
+          </a:xfrm>
+          <a:prstGeom prst="rect">
+            <a:avLst/>
+          </a:prstGeom>
+          <a:solidFill>
+            <a:schemeClr val="accent1">
+              <a:lumMod val="60000"/>
+              <a:lumOff val="40000"/>
+            </a:schemeClr>
+          </a:solidFill>
+          <a:ln w="28575">
+            <a:solidFill>
+              <a:schemeClr val="accent1">
+                <a:lumMod val="75000"/>
+              </a:schemeClr>
+            </a:solidFill>
+          </a:ln>
+        </p:spPr>
+        <p:txBody>
+          <a:bodyPr wrap="square" rtlCol="0">
+            <a:spAutoFit/>
+          </a:bodyPr>
+          <a:lstStyle/>
+          <a:p>
+            <a:pPr marL="0" marR="0" lvl="0" indent="0" algn="ctr" defTabSz="914400" rtl="0" eaLnBrk="0" fontAlgn="base" latinLnBrk="0" hangingPunct="0">
+              <a:lnSpc>
+                <a:spcPct val="100000"/>
+              </a:lnSpc>
+              <a:spcBef>
+                <a:spcPct val="0"/>
+              </a:spcBef>
+              <a:spcAft>
+                <a:spcPct val="0"/>
+              </a:spcAft>
+              <a:buClrTx/>
+              <a:buSzTx/>
+              <a:buFontTx/>
+              <a:buNone/>
+              <a:tabLst/>
+              <a:defRPr/>
+            </a:pPr>
+            <a:r>
+              <a:rPr kumimoji="0" lang="es-CL" sz="1200" b="0" i="0" u="none" strike="noStrike" kern="1200" cap="none" spc="0" normalizeH="0" baseline="0" noProof="0" dirty="0">
+                <a:ln>
+                  <a:noFill/>
+                </a:ln>
+                <a:solidFill>
+                  <a:prstClr val="black"/>
+                </a:solidFill>
+                <a:effectLst/>
+                <a:uLnTx/>
+                <a:uFillTx/>
+                <a:latin typeface="Times" pitchFamily="-97" charset="0"/>
+                <a:ea typeface="+mn-ea"/>
+                <a:cs typeface="+mn-cs"/>
+              </a:rPr>
+              <a:t>Salud y Bienestar Latino América</a:t>
+            </a:r>
+          </a:p>
+        </p:txBody>
+      </p:sp>
+      <p:sp>
+        <p:nvSpPr>
+          <p:cNvPr id="91" name="Rectángulo 90">
+            <a:extLst>
+              <a:ext uri="{FF2B5EF4-FFF2-40B4-BE49-F238E27FC236}">
+                <a16:creationId xmlns:a16="http://schemas.microsoft.com/office/drawing/2014/main" id="{E8502B26-F528-435C-80F6-41F2E452A8E9}"/>
               </a:ext>
             </a:extLst>
           </p:cNvPr>
@@ -9301,7 +9426,2374 @@
         </p:nvSpPr>
         <p:spPr>
           <a:xfrm>
-            <a:off x="10427576" y="2857532"/>
+            <a:off x="772776" y="5380918"/>
+            <a:ext cx="3104178" cy="720080"/>
+          </a:xfrm>
+          <a:prstGeom prst="rect">
+            <a:avLst/>
+          </a:prstGeom>
+          <a:noFill/>
+        </p:spPr>
+        <p:style>
+          <a:lnRef idx="2">
+            <a:schemeClr val="accent1">
+              <a:shade val="50000"/>
+            </a:schemeClr>
+          </a:lnRef>
+          <a:fillRef idx="1">
+            <a:schemeClr val="accent1"/>
+          </a:fillRef>
+          <a:effectRef idx="0">
+            <a:schemeClr val="accent1"/>
+          </a:effectRef>
+          <a:fontRef idx="minor">
+            <a:schemeClr val="lt1"/>
+          </a:fontRef>
+        </p:style>
+        <p:txBody>
+          <a:bodyPr rtlCol="0" anchor="ctr"/>
+          <a:lstStyle/>
+          <a:p>
+            <a:pPr marL="0" marR="0" lvl="0" indent="0" algn="ctr" defTabSz="914400" rtl="0" eaLnBrk="0" fontAlgn="base" latinLnBrk="0" hangingPunct="0">
+              <a:lnSpc>
+                <a:spcPct val="100000"/>
+              </a:lnSpc>
+              <a:spcBef>
+                <a:spcPct val="0"/>
+              </a:spcBef>
+              <a:spcAft>
+                <a:spcPct val="0"/>
+              </a:spcAft>
+              <a:buClrTx/>
+              <a:buSzTx/>
+              <a:buFontTx/>
+              <a:buNone/>
+              <a:tabLst/>
+              <a:defRPr/>
+            </a:pPr>
+            <a:endParaRPr kumimoji="0" lang="es-CL" sz="2400" b="0" i="0" u="none" strike="noStrike" kern="1200" cap="none" spc="0" normalizeH="0" baseline="0" noProof="0">
+              <a:ln>
+                <a:noFill/>
+              </a:ln>
+              <a:solidFill>
+                <a:prstClr val="white"/>
+              </a:solidFill>
+              <a:effectLst/>
+              <a:uLnTx/>
+              <a:uFillTx/>
+              <a:latin typeface="Tw Cen MT" panose="020B0602020104020603"/>
+              <a:ea typeface="+mn-ea"/>
+              <a:cs typeface="+mn-cs"/>
+            </a:endParaRPr>
+          </a:p>
+        </p:txBody>
+      </p:sp>
+      <p:sp>
+        <p:nvSpPr>
+          <p:cNvPr id="93" name="CuadroTexto 92">
+            <a:extLst>
+              <a:ext uri="{FF2B5EF4-FFF2-40B4-BE49-F238E27FC236}">
+                <a16:creationId xmlns:a16="http://schemas.microsoft.com/office/drawing/2014/main" id="{BA4F084F-EC7F-490E-BC7D-BE3A99A587F4}"/>
+              </a:ext>
+            </a:extLst>
+          </p:cNvPr>
+          <p:cNvSpPr txBox="1"/>
+          <p:nvPr/>
+        </p:nvSpPr>
+        <p:spPr>
+          <a:xfrm>
+            <a:off x="4075648" y="5516757"/>
+            <a:ext cx="1512168" cy="461665"/>
+          </a:xfrm>
+          <a:prstGeom prst="rect">
+            <a:avLst/>
+          </a:prstGeom>
+          <a:solidFill>
+            <a:schemeClr val="accent1">
+              <a:lumMod val="60000"/>
+              <a:lumOff val="40000"/>
+            </a:schemeClr>
+          </a:solidFill>
+          <a:ln w="28575">
+            <a:solidFill>
+              <a:schemeClr val="accent1">
+                <a:lumMod val="75000"/>
+              </a:schemeClr>
+            </a:solidFill>
+          </a:ln>
+        </p:spPr>
+        <p:txBody>
+          <a:bodyPr wrap="square" rtlCol="0">
+            <a:spAutoFit/>
+          </a:bodyPr>
+          <a:lstStyle/>
+          <a:p>
+            <a:pPr marL="0" marR="0" lvl="0" indent="0" algn="ctr" defTabSz="914400" rtl="0" eaLnBrk="0" fontAlgn="base" latinLnBrk="0" hangingPunct="0">
+              <a:lnSpc>
+                <a:spcPct val="100000"/>
+              </a:lnSpc>
+              <a:spcBef>
+                <a:spcPct val="0"/>
+              </a:spcBef>
+              <a:spcAft>
+                <a:spcPct val="0"/>
+              </a:spcAft>
+              <a:buClrTx/>
+              <a:buSzTx/>
+              <a:buFontTx/>
+              <a:buNone/>
+              <a:tabLst/>
+              <a:defRPr/>
+            </a:pPr>
+            <a:r>
+              <a:rPr kumimoji="0" lang="es-CL" sz="1200" b="0" i="0" u="none" strike="noStrike" kern="1200" cap="none" spc="0" normalizeH="0" baseline="0" noProof="0" dirty="0">
+                <a:ln>
+                  <a:noFill/>
+                </a:ln>
+                <a:solidFill>
+                  <a:prstClr val="black"/>
+                </a:solidFill>
+                <a:effectLst/>
+                <a:uLnTx/>
+                <a:uFillTx/>
+                <a:latin typeface="Times" pitchFamily="-97" charset="0"/>
+                <a:ea typeface="+mn-ea"/>
+                <a:cs typeface="+mn-cs"/>
+              </a:rPr>
+              <a:t>Alimentos y Agua Chile</a:t>
+            </a:r>
+          </a:p>
+        </p:txBody>
+      </p:sp>
+      <p:sp>
+        <p:nvSpPr>
+          <p:cNvPr id="95" name="CuadroTexto 94">
+            <a:extLst>
+              <a:ext uri="{FF2B5EF4-FFF2-40B4-BE49-F238E27FC236}">
+                <a16:creationId xmlns:a16="http://schemas.microsoft.com/office/drawing/2014/main" id="{7C06924A-5D7C-4818-8FAA-B86EA7CD594A}"/>
+              </a:ext>
+            </a:extLst>
+          </p:cNvPr>
+          <p:cNvSpPr txBox="1"/>
+          <p:nvPr/>
+        </p:nvSpPr>
+        <p:spPr>
+          <a:xfrm>
+            <a:off x="5657948" y="5516756"/>
+            <a:ext cx="1512168" cy="461665"/>
+          </a:xfrm>
+          <a:prstGeom prst="rect">
+            <a:avLst/>
+          </a:prstGeom>
+          <a:solidFill>
+            <a:schemeClr val="accent1">
+              <a:lumMod val="60000"/>
+              <a:lumOff val="40000"/>
+            </a:schemeClr>
+          </a:solidFill>
+          <a:ln w="28575">
+            <a:solidFill>
+              <a:schemeClr val="accent1">
+                <a:lumMod val="75000"/>
+              </a:schemeClr>
+            </a:solidFill>
+          </a:ln>
+        </p:spPr>
+        <p:txBody>
+          <a:bodyPr wrap="square" rtlCol="0">
+            <a:spAutoFit/>
+          </a:bodyPr>
+          <a:lstStyle/>
+          <a:p>
+            <a:pPr marL="0" marR="0" lvl="0" indent="0" algn="ctr" defTabSz="914400" rtl="0" eaLnBrk="0" fontAlgn="base" latinLnBrk="0" hangingPunct="0">
+              <a:lnSpc>
+                <a:spcPct val="100000"/>
+              </a:lnSpc>
+              <a:spcBef>
+                <a:spcPct val="0"/>
+              </a:spcBef>
+              <a:spcAft>
+                <a:spcPct val="0"/>
+              </a:spcAft>
+              <a:buClrTx/>
+              <a:buSzTx/>
+              <a:buFontTx/>
+              <a:buNone/>
+              <a:tabLst/>
+              <a:defRPr/>
+            </a:pPr>
+            <a:r>
+              <a:rPr kumimoji="0" lang="es-CL" sz="1200" b="0" i="0" u="none" strike="noStrike" kern="1200" cap="none" spc="0" normalizeH="0" baseline="0" noProof="0" dirty="0">
+                <a:ln>
+                  <a:noFill/>
+                </a:ln>
+                <a:solidFill>
+                  <a:prstClr val="black"/>
+                </a:solidFill>
+                <a:effectLst/>
+                <a:uLnTx/>
+                <a:uFillTx/>
+                <a:latin typeface="Times" pitchFamily="-97" charset="0"/>
+                <a:ea typeface="+mn-ea"/>
+                <a:cs typeface="+mn-cs"/>
+              </a:rPr>
+              <a:t>Alimentos y Agua Latino América</a:t>
+            </a:r>
+          </a:p>
+        </p:txBody>
+      </p:sp>
+      <p:sp>
+        <p:nvSpPr>
+          <p:cNvPr id="99" name="Rectángulo 98">
+            <a:extLst>
+              <a:ext uri="{FF2B5EF4-FFF2-40B4-BE49-F238E27FC236}">
+                <a16:creationId xmlns:a16="http://schemas.microsoft.com/office/drawing/2014/main" id="{D77E9456-4B86-4845-9961-A563CB63D2D1}"/>
+              </a:ext>
+            </a:extLst>
+          </p:cNvPr>
+          <p:cNvSpPr/>
+          <p:nvPr/>
+        </p:nvSpPr>
+        <p:spPr>
+          <a:xfrm>
+            <a:off x="4072565" y="5374295"/>
+            <a:ext cx="3097551" cy="720080"/>
+          </a:xfrm>
+          <a:prstGeom prst="rect">
+            <a:avLst/>
+          </a:prstGeom>
+          <a:noFill/>
+        </p:spPr>
+        <p:style>
+          <a:lnRef idx="2">
+            <a:schemeClr val="accent1">
+              <a:shade val="50000"/>
+            </a:schemeClr>
+          </a:lnRef>
+          <a:fillRef idx="1">
+            <a:schemeClr val="accent1"/>
+          </a:fillRef>
+          <a:effectRef idx="0">
+            <a:schemeClr val="accent1"/>
+          </a:effectRef>
+          <a:fontRef idx="minor">
+            <a:schemeClr val="lt1"/>
+          </a:fontRef>
+        </p:style>
+        <p:txBody>
+          <a:bodyPr rtlCol="0" anchor="ctr"/>
+          <a:lstStyle/>
+          <a:p>
+            <a:pPr marL="0" marR="0" lvl="0" indent="0" algn="ctr" defTabSz="914400" rtl="0" eaLnBrk="0" fontAlgn="base" latinLnBrk="0" hangingPunct="0">
+              <a:lnSpc>
+                <a:spcPct val="100000"/>
+              </a:lnSpc>
+              <a:spcBef>
+                <a:spcPct val="0"/>
+              </a:spcBef>
+              <a:spcAft>
+                <a:spcPct val="0"/>
+              </a:spcAft>
+              <a:buClrTx/>
+              <a:buSzTx/>
+              <a:buFontTx/>
+              <a:buNone/>
+              <a:tabLst/>
+              <a:defRPr/>
+            </a:pPr>
+            <a:endParaRPr kumimoji="0" lang="es-CL" sz="2400" b="0" i="0" u="none" strike="noStrike" kern="1200" cap="none" spc="0" normalizeH="0" baseline="0" noProof="0">
+              <a:ln>
+                <a:noFill/>
+              </a:ln>
+              <a:solidFill>
+                <a:prstClr val="white"/>
+              </a:solidFill>
+              <a:effectLst/>
+              <a:uLnTx/>
+              <a:uFillTx/>
+              <a:latin typeface="Tw Cen MT" panose="020B0602020104020603"/>
+              <a:ea typeface="+mn-ea"/>
+              <a:cs typeface="+mn-cs"/>
+            </a:endParaRPr>
+          </a:p>
+        </p:txBody>
+      </p:sp>
+      <p:sp>
+        <p:nvSpPr>
+          <p:cNvPr id="3" name="CuadroTexto 2">
+            <a:extLst>
+              <a:ext uri="{FF2B5EF4-FFF2-40B4-BE49-F238E27FC236}">
+                <a16:creationId xmlns:a16="http://schemas.microsoft.com/office/drawing/2014/main" id="{3F9260E9-3145-4F04-832E-A93BFB8D3342}"/>
+              </a:ext>
+            </a:extLst>
+          </p:cNvPr>
+          <p:cNvSpPr txBox="1"/>
+          <p:nvPr/>
+        </p:nvSpPr>
+        <p:spPr>
+          <a:xfrm>
+            <a:off x="3139295" y="3106646"/>
+            <a:ext cx="936104" cy="338554"/>
+          </a:xfrm>
+          <a:prstGeom prst="rect">
+            <a:avLst/>
+          </a:prstGeom>
+          <a:noFill/>
+        </p:spPr>
+        <p:txBody>
+          <a:bodyPr wrap="square" rtlCol="0">
+            <a:spAutoFit/>
+          </a:bodyPr>
+          <a:lstStyle/>
+          <a:p>
+            <a:pPr marL="0" marR="0" lvl="0" indent="0" algn="l" defTabSz="914400" rtl="0" eaLnBrk="0" fontAlgn="base" latinLnBrk="0" hangingPunct="0">
+              <a:lnSpc>
+                <a:spcPct val="100000"/>
+              </a:lnSpc>
+              <a:spcBef>
+                <a:spcPct val="0"/>
+              </a:spcBef>
+              <a:spcAft>
+                <a:spcPct val="0"/>
+              </a:spcAft>
+              <a:buClrTx/>
+              <a:buSzTx/>
+              <a:buFontTx/>
+              <a:buNone/>
+              <a:tabLst/>
+              <a:defRPr/>
+            </a:pPr>
+            <a:r>
+              <a:rPr kumimoji="0" lang="es-CL" sz="1600" b="1" i="0" u="none" strike="noStrike" kern="1200" cap="none" spc="0" normalizeH="0" baseline="0" noProof="0" dirty="0">
+                <a:ln>
+                  <a:noFill/>
+                </a:ln>
+                <a:solidFill>
+                  <a:prstClr val="black"/>
+                </a:solidFill>
+                <a:effectLst/>
+                <a:uLnTx/>
+                <a:uFillTx/>
+                <a:latin typeface="Times" pitchFamily="-97" charset="0"/>
+                <a:ea typeface="+mn-ea"/>
+                <a:cs typeface="+mn-cs"/>
+              </a:rPr>
+              <a:t>Precio</a:t>
+            </a:r>
+          </a:p>
+        </p:txBody>
+      </p:sp>
+      <p:sp>
+        <p:nvSpPr>
+          <p:cNvPr id="5" name="CuadroTexto 4">
+            <a:extLst>
+              <a:ext uri="{FF2B5EF4-FFF2-40B4-BE49-F238E27FC236}">
+                <a16:creationId xmlns:a16="http://schemas.microsoft.com/office/drawing/2014/main" id="{A66881F3-6074-4C18-AB66-63CE44720E49}"/>
+              </a:ext>
+            </a:extLst>
+          </p:cNvPr>
+          <p:cNvSpPr txBox="1"/>
+          <p:nvPr/>
+        </p:nvSpPr>
+        <p:spPr>
+          <a:xfrm>
+            <a:off x="6279913" y="3115236"/>
+            <a:ext cx="936104" cy="338554"/>
+          </a:xfrm>
+          <a:prstGeom prst="rect">
+            <a:avLst/>
+          </a:prstGeom>
+          <a:noFill/>
+        </p:spPr>
+        <p:txBody>
+          <a:bodyPr wrap="square" rtlCol="0">
+            <a:spAutoFit/>
+          </a:bodyPr>
+          <a:lstStyle/>
+          <a:p>
+            <a:pPr marL="0" marR="0" lvl="0" indent="0" algn="l" defTabSz="914400" rtl="0" eaLnBrk="0" fontAlgn="base" latinLnBrk="0" hangingPunct="0">
+              <a:lnSpc>
+                <a:spcPct val="100000"/>
+              </a:lnSpc>
+              <a:spcBef>
+                <a:spcPct val="0"/>
+              </a:spcBef>
+              <a:spcAft>
+                <a:spcPct val="0"/>
+              </a:spcAft>
+              <a:buClrTx/>
+              <a:buSzTx/>
+              <a:buFontTx/>
+              <a:buNone/>
+              <a:tabLst/>
+              <a:defRPr/>
+            </a:pPr>
+            <a:r>
+              <a:rPr kumimoji="0" lang="es-CL" sz="1600" b="1" i="0" u="none" strike="noStrike" kern="1200" cap="none" spc="0" normalizeH="0" baseline="0" noProof="0" dirty="0">
+                <a:ln>
+                  <a:noFill/>
+                </a:ln>
+                <a:solidFill>
+                  <a:prstClr val="black"/>
+                </a:solidFill>
+                <a:effectLst/>
+                <a:uLnTx/>
+                <a:uFillTx/>
+                <a:latin typeface="Times" pitchFamily="-97" charset="0"/>
+                <a:ea typeface="+mn-ea"/>
+                <a:cs typeface="+mn-cs"/>
+              </a:rPr>
+              <a:t>Precio</a:t>
+            </a:r>
+          </a:p>
+        </p:txBody>
+      </p:sp>
+      <p:sp>
+        <p:nvSpPr>
+          <p:cNvPr id="9" name="CuadroTexto 8">
+            <a:extLst>
+              <a:ext uri="{FF2B5EF4-FFF2-40B4-BE49-F238E27FC236}">
+                <a16:creationId xmlns:a16="http://schemas.microsoft.com/office/drawing/2014/main" id="{CBB46749-C2D1-49CC-8858-0024CD26D463}"/>
+              </a:ext>
+            </a:extLst>
+          </p:cNvPr>
+          <p:cNvSpPr txBox="1"/>
+          <p:nvPr/>
+        </p:nvSpPr>
+        <p:spPr>
+          <a:xfrm>
+            <a:off x="8081356" y="3100017"/>
+            <a:ext cx="936104" cy="338554"/>
+          </a:xfrm>
+          <a:prstGeom prst="rect">
+            <a:avLst/>
+          </a:prstGeom>
+          <a:noFill/>
+        </p:spPr>
+        <p:txBody>
+          <a:bodyPr wrap="square" rtlCol="0">
+            <a:spAutoFit/>
+          </a:bodyPr>
+          <a:lstStyle/>
+          <a:p>
+            <a:pPr marL="0" marR="0" lvl="0" indent="0" algn="l" defTabSz="914400" rtl="0" eaLnBrk="0" fontAlgn="base" latinLnBrk="0" hangingPunct="0">
+              <a:lnSpc>
+                <a:spcPct val="100000"/>
+              </a:lnSpc>
+              <a:spcBef>
+                <a:spcPct val="0"/>
+              </a:spcBef>
+              <a:spcAft>
+                <a:spcPct val="0"/>
+              </a:spcAft>
+              <a:buClrTx/>
+              <a:buSzTx/>
+              <a:buFontTx/>
+              <a:buNone/>
+              <a:tabLst/>
+              <a:defRPr/>
+            </a:pPr>
+            <a:r>
+              <a:rPr kumimoji="0" lang="es-CL" sz="1600" b="1" i="0" u="none" strike="noStrike" kern="1200" cap="none" spc="0" normalizeH="0" baseline="0" noProof="0" dirty="0">
+                <a:ln>
+                  <a:noFill/>
+                </a:ln>
+                <a:solidFill>
+                  <a:prstClr val="black"/>
+                </a:solidFill>
+                <a:effectLst/>
+                <a:uLnTx/>
+                <a:uFillTx/>
+                <a:latin typeface="Times" pitchFamily="-97" charset="0"/>
+                <a:ea typeface="+mn-ea"/>
+                <a:cs typeface="+mn-cs"/>
+              </a:rPr>
+              <a:t>Precio</a:t>
+            </a:r>
+          </a:p>
+        </p:txBody>
+      </p:sp>
+      <p:sp>
+        <p:nvSpPr>
+          <p:cNvPr id="10" name="CuadroTexto 9">
+            <a:extLst>
+              <a:ext uri="{FF2B5EF4-FFF2-40B4-BE49-F238E27FC236}">
+                <a16:creationId xmlns:a16="http://schemas.microsoft.com/office/drawing/2014/main" id="{3165F411-9918-45F5-A228-E0BD87FD4114}"/>
+              </a:ext>
+            </a:extLst>
+          </p:cNvPr>
+          <p:cNvSpPr txBox="1"/>
+          <p:nvPr/>
+        </p:nvSpPr>
+        <p:spPr>
+          <a:xfrm>
+            <a:off x="9675361" y="3115236"/>
+            <a:ext cx="936104" cy="338554"/>
+          </a:xfrm>
+          <a:prstGeom prst="rect">
+            <a:avLst/>
+          </a:prstGeom>
+          <a:noFill/>
+        </p:spPr>
+        <p:txBody>
+          <a:bodyPr wrap="square" rtlCol="0">
+            <a:spAutoFit/>
+          </a:bodyPr>
+          <a:lstStyle/>
+          <a:p>
+            <a:pPr marL="0" marR="0" lvl="0" indent="0" algn="l" defTabSz="914400" rtl="0" eaLnBrk="0" fontAlgn="base" latinLnBrk="0" hangingPunct="0">
+              <a:lnSpc>
+                <a:spcPct val="100000"/>
+              </a:lnSpc>
+              <a:spcBef>
+                <a:spcPct val="0"/>
+              </a:spcBef>
+              <a:spcAft>
+                <a:spcPct val="0"/>
+              </a:spcAft>
+              <a:buClrTx/>
+              <a:buSzTx/>
+              <a:buFontTx/>
+              <a:buNone/>
+              <a:tabLst/>
+              <a:defRPr/>
+            </a:pPr>
+            <a:r>
+              <a:rPr kumimoji="0" lang="es-CL" sz="1600" b="1" i="0" u="none" strike="noStrike" kern="1200" cap="none" spc="0" normalizeH="0" baseline="0" noProof="0" dirty="0">
+                <a:ln>
+                  <a:noFill/>
+                </a:ln>
+                <a:solidFill>
+                  <a:prstClr val="black"/>
+                </a:solidFill>
+                <a:effectLst/>
+                <a:uLnTx/>
+                <a:uFillTx/>
+                <a:latin typeface="Times" pitchFamily="-97" charset="0"/>
+                <a:ea typeface="+mn-ea"/>
+                <a:cs typeface="+mn-cs"/>
+              </a:rPr>
+              <a:t>Precio</a:t>
+            </a:r>
+          </a:p>
+        </p:txBody>
+      </p:sp>
+      <p:sp>
+        <p:nvSpPr>
+          <p:cNvPr id="12" name="CuadroTexto 11">
+            <a:extLst>
+              <a:ext uri="{FF2B5EF4-FFF2-40B4-BE49-F238E27FC236}">
+                <a16:creationId xmlns:a16="http://schemas.microsoft.com/office/drawing/2014/main" id="{44C59D82-A641-4466-88DB-73BD6D5E81F5}"/>
+              </a:ext>
+            </a:extLst>
+          </p:cNvPr>
+          <p:cNvSpPr txBox="1"/>
+          <p:nvPr/>
+        </p:nvSpPr>
+        <p:spPr>
+          <a:xfrm>
+            <a:off x="1162291" y="4587873"/>
+            <a:ext cx="936104" cy="338554"/>
+          </a:xfrm>
+          <a:prstGeom prst="rect">
+            <a:avLst/>
+          </a:prstGeom>
+          <a:noFill/>
+        </p:spPr>
+        <p:txBody>
+          <a:bodyPr wrap="square" rtlCol="0">
+            <a:spAutoFit/>
+          </a:bodyPr>
+          <a:lstStyle/>
+          <a:p>
+            <a:pPr marL="0" marR="0" lvl="0" indent="0" algn="l" defTabSz="914400" rtl="0" eaLnBrk="0" fontAlgn="base" latinLnBrk="0" hangingPunct="0">
+              <a:lnSpc>
+                <a:spcPct val="100000"/>
+              </a:lnSpc>
+              <a:spcBef>
+                <a:spcPct val="0"/>
+              </a:spcBef>
+              <a:spcAft>
+                <a:spcPct val="0"/>
+              </a:spcAft>
+              <a:buClrTx/>
+              <a:buSzTx/>
+              <a:buFontTx/>
+              <a:buNone/>
+              <a:tabLst/>
+              <a:defRPr/>
+            </a:pPr>
+            <a:r>
+              <a:rPr kumimoji="0" lang="es-CL" sz="1600" b="1" i="0" u="none" strike="noStrike" kern="1200" cap="none" spc="0" normalizeH="0" baseline="0" noProof="0" dirty="0">
+                <a:ln>
+                  <a:noFill/>
+                </a:ln>
+                <a:solidFill>
+                  <a:prstClr val="black"/>
+                </a:solidFill>
+                <a:effectLst/>
+                <a:uLnTx/>
+                <a:uFillTx/>
+                <a:latin typeface="Times" pitchFamily="-97" charset="0"/>
+                <a:ea typeface="+mn-ea"/>
+                <a:cs typeface="+mn-cs"/>
+              </a:rPr>
+              <a:t>Precio</a:t>
+            </a:r>
+          </a:p>
+        </p:txBody>
+      </p:sp>
+      <p:sp>
+        <p:nvSpPr>
+          <p:cNvPr id="13" name="CuadroTexto 12">
+            <a:extLst>
+              <a:ext uri="{FF2B5EF4-FFF2-40B4-BE49-F238E27FC236}">
+                <a16:creationId xmlns:a16="http://schemas.microsoft.com/office/drawing/2014/main" id="{04E662A9-8265-4F8E-914B-E04A32A0DA72}"/>
+              </a:ext>
+            </a:extLst>
+          </p:cNvPr>
+          <p:cNvSpPr txBox="1"/>
+          <p:nvPr/>
+        </p:nvSpPr>
+        <p:spPr>
+          <a:xfrm>
+            <a:off x="2707080" y="4585894"/>
+            <a:ext cx="936104" cy="338554"/>
+          </a:xfrm>
+          <a:prstGeom prst="rect">
+            <a:avLst/>
+          </a:prstGeom>
+          <a:noFill/>
+        </p:spPr>
+        <p:txBody>
+          <a:bodyPr wrap="square" rtlCol="0">
+            <a:spAutoFit/>
+          </a:bodyPr>
+          <a:lstStyle/>
+          <a:p>
+            <a:pPr marL="0" marR="0" lvl="0" indent="0" algn="l" defTabSz="914400" rtl="0" eaLnBrk="0" fontAlgn="base" latinLnBrk="0" hangingPunct="0">
+              <a:lnSpc>
+                <a:spcPct val="100000"/>
+              </a:lnSpc>
+              <a:spcBef>
+                <a:spcPct val="0"/>
+              </a:spcBef>
+              <a:spcAft>
+                <a:spcPct val="0"/>
+              </a:spcAft>
+              <a:buClrTx/>
+              <a:buSzTx/>
+              <a:buFontTx/>
+              <a:buNone/>
+              <a:tabLst/>
+              <a:defRPr/>
+            </a:pPr>
+            <a:r>
+              <a:rPr kumimoji="0" lang="es-CL" sz="1600" b="1" i="0" u="none" strike="noStrike" kern="1200" cap="none" spc="0" normalizeH="0" baseline="0" noProof="0" dirty="0">
+                <a:ln>
+                  <a:noFill/>
+                </a:ln>
+                <a:solidFill>
+                  <a:prstClr val="black"/>
+                </a:solidFill>
+                <a:effectLst/>
+                <a:uLnTx/>
+                <a:uFillTx/>
+                <a:latin typeface="Times" pitchFamily="-97" charset="0"/>
+                <a:ea typeface="+mn-ea"/>
+                <a:cs typeface="+mn-cs"/>
+              </a:rPr>
+              <a:t>Precio</a:t>
+            </a:r>
+          </a:p>
+        </p:txBody>
+      </p:sp>
+      <p:sp>
+        <p:nvSpPr>
+          <p:cNvPr id="14" name="CuadroTexto 13">
+            <a:extLst>
+              <a:ext uri="{FF2B5EF4-FFF2-40B4-BE49-F238E27FC236}">
+                <a16:creationId xmlns:a16="http://schemas.microsoft.com/office/drawing/2014/main" id="{BB6333C2-B279-432F-8D04-B596C250F179}"/>
+              </a:ext>
+            </a:extLst>
+          </p:cNvPr>
+          <p:cNvSpPr txBox="1"/>
+          <p:nvPr/>
+        </p:nvSpPr>
+        <p:spPr>
+          <a:xfrm>
+            <a:off x="4491450" y="4585894"/>
+            <a:ext cx="936104" cy="338554"/>
+          </a:xfrm>
+          <a:prstGeom prst="rect">
+            <a:avLst/>
+          </a:prstGeom>
+          <a:noFill/>
+        </p:spPr>
+        <p:txBody>
+          <a:bodyPr wrap="square" rtlCol="0">
+            <a:spAutoFit/>
+          </a:bodyPr>
+          <a:lstStyle/>
+          <a:p>
+            <a:pPr marL="0" marR="0" lvl="0" indent="0" algn="l" defTabSz="914400" rtl="0" eaLnBrk="0" fontAlgn="base" latinLnBrk="0" hangingPunct="0">
+              <a:lnSpc>
+                <a:spcPct val="100000"/>
+              </a:lnSpc>
+              <a:spcBef>
+                <a:spcPct val="0"/>
+              </a:spcBef>
+              <a:spcAft>
+                <a:spcPct val="0"/>
+              </a:spcAft>
+              <a:buClrTx/>
+              <a:buSzTx/>
+              <a:buFontTx/>
+              <a:buNone/>
+              <a:tabLst/>
+              <a:defRPr/>
+            </a:pPr>
+            <a:r>
+              <a:rPr kumimoji="0" lang="es-CL" sz="1600" b="1" i="0" u="none" strike="noStrike" kern="1200" cap="none" spc="0" normalizeH="0" baseline="0" noProof="0" dirty="0">
+                <a:ln>
+                  <a:noFill/>
+                </a:ln>
+                <a:solidFill>
+                  <a:prstClr val="black"/>
+                </a:solidFill>
+                <a:effectLst/>
+                <a:uLnTx/>
+                <a:uFillTx/>
+                <a:latin typeface="Times" pitchFamily="-97" charset="0"/>
+                <a:ea typeface="+mn-ea"/>
+                <a:cs typeface="+mn-cs"/>
+              </a:rPr>
+              <a:t>Precio</a:t>
+            </a:r>
+          </a:p>
+        </p:txBody>
+      </p:sp>
+      <p:sp>
+        <p:nvSpPr>
+          <p:cNvPr id="16" name="CuadroTexto 15">
+            <a:extLst>
+              <a:ext uri="{FF2B5EF4-FFF2-40B4-BE49-F238E27FC236}">
+                <a16:creationId xmlns:a16="http://schemas.microsoft.com/office/drawing/2014/main" id="{A2BA783B-1B42-44B5-9829-3E4108186389}"/>
+              </a:ext>
+            </a:extLst>
+          </p:cNvPr>
+          <p:cNvSpPr txBox="1"/>
+          <p:nvPr/>
+        </p:nvSpPr>
+        <p:spPr>
+          <a:xfrm>
+            <a:off x="6047871" y="4585894"/>
+            <a:ext cx="936104" cy="338554"/>
+          </a:xfrm>
+          <a:prstGeom prst="rect">
+            <a:avLst/>
+          </a:prstGeom>
+          <a:noFill/>
+        </p:spPr>
+        <p:txBody>
+          <a:bodyPr wrap="square" rtlCol="0">
+            <a:spAutoFit/>
+          </a:bodyPr>
+          <a:lstStyle/>
+          <a:p>
+            <a:pPr marL="0" marR="0" lvl="0" indent="0" algn="l" defTabSz="914400" rtl="0" eaLnBrk="0" fontAlgn="base" latinLnBrk="0" hangingPunct="0">
+              <a:lnSpc>
+                <a:spcPct val="100000"/>
+              </a:lnSpc>
+              <a:spcBef>
+                <a:spcPct val="0"/>
+              </a:spcBef>
+              <a:spcAft>
+                <a:spcPct val="0"/>
+              </a:spcAft>
+              <a:buClrTx/>
+              <a:buSzTx/>
+              <a:buFontTx/>
+              <a:buNone/>
+              <a:tabLst/>
+              <a:defRPr/>
+            </a:pPr>
+            <a:r>
+              <a:rPr kumimoji="0" lang="es-CL" sz="1600" b="1" i="0" u="none" strike="noStrike" kern="1200" cap="none" spc="0" normalizeH="0" baseline="0" noProof="0" dirty="0">
+                <a:ln>
+                  <a:noFill/>
+                </a:ln>
+                <a:solidFill>
+                  <a:prstClr val="black"/>
+                </a:solidFill>
+                <a:effectLst/>
+                <a:uLnTx/>
+                <a:uFillTx/>
+                <a:latin typeface="Times" pitchFamily="-97" charset="0"/>
+                <a:ea typeface="+mn-ea"/>
+                <a:cs typeface="+mn-cs"/>
+              </a:rPr>
+              <a:t>Precio</a:t>
+            </a:r>
+          </a:p>
+        </p:txBody>
+      </p:sp>
+      <p:sp>
+        <p:nvSpPr>
+          <p:cNvPr id="20" name="CuadroTexto 19">
+            <a:extLst>
+              <a:ext uri="{FF2B5EF4-FFF2-40B4-BE49-F238E27FC236}">
+                <a16:creationId xmlns:a16="http://schemas.microsoft.com/office/drawing/2014/main" id="{1A37A34C-38C1-4363-8E2E-FEE9CE71970A}"/>
+              </a:ext>
+            </a:extLst>
+          </p:cNvPr>
+          <p:cNvSpPr txBox="1"/>
+          <p:nvPr/>
+        </p:nvSpPr>
+        <p:spPr>
+          <a:xfrm>
+            <a:off x="1162291" y="6045852"/>
+            <a:ext cx="936104" cy="338554"/>
+          </a:xfrm>
+          <a:prstGeom prst="rect">
+            <a:avLst/>
+          </a:prstGeom>
+          <a:noFill/>
+        </p:spPr>
+        <p:txBody>
+          <a:bodyPr wrap="square" rtlCol="0">
+            <a:spAutoFit/>
+          </a:bodyPr>
+          <a:lstStyle/>
+          <a:p>
+            <a:pPr marL="0" marR="0" lvl="0" indent="0" algn="l" defTabSz="914400" rtl="0" eaLnBrk="0" fontAlgn="base" latinLnBrk="0" hangingPunct="0">
+              <a:lnSpc>
+                <a:spcPct val="100000"/>
+              </a:lnSpc>
+              <a:spcBef>
+                <a:spcPct val="0"/>
+              </a:spcBef>
+              <a:spcAft>
+                <a:spcPct val="0"/>
+              </a:spcAft>
+              <a:buClrTx/>
+              <a:buSzTx/>
+              <a:buFontTx/>
+              <a:buNone/>
+              <a:tabLst/>
+              <a:defRPr/>
+            </a:pPr>
+            <a:r>
+              <a:rPr kumimoji="0" lang="es-CL" sz="1600" b="1" i="0" u="none" strike="noStrike" kern="1200" cap="none" spc="0" normalizeH="0" baseline="0" noProof="0" dirty="0">
+                <a:ln>
+                  <a:noFill/>
+                </a:ln>
+                <a:solidFill>
+                  <a:prstClr val="black"/>
+                </a:solidFill>
+                <a:effectLst/>
+                <a:uLnTx/>
+                <a:uFillTx/>
+                <a:latin typeface="Times" pitchFamily="-97" charset="0"/>
+                <a:ea typeface="+mn-ea"/>
+                <a:cs typeface="+mn-cs"/>
+              </a:rPr>
+              <a:t>Precio</a:t>
+            </a:r>
+          </a:p>
+        </p:txBody>
+      </p:sp>
+      <p:sp>
+        <p:nvSpPr>
+          <p:cNvPr id="21" name="CuadroTexto 20">
+            <a:extLst>
+              <a:ext uri="{FF2B5EF4-FFF2-40B4-BE49-F238E27FC236}">
+                <a16:creationId xmlns:a16="http://schemas.microsoft.com/office/drawing/2014/main" id="{6AC906DD-9B5F-4B8A-8D5B-1E6AF1B91D1F}"/>
+              </a:ext>
+            </a:extLst>
+          </p:cNvPr>
+          <p:cNvSpPr txBox="1"/>
+          <p:nvPr/>
+        </p:nvSpPr>
+        <p:spPr>
+          <a:xfrm>
+            <a:off x="2726915" y="6045852"/>
+            <a:ext cx="936104" cy="338554"/>
+          </a:xfrm>
+          <a:prstGeom prst="rect">
+            <a:avLst/>
+          </a:prstGeom>
+          <a:noFill/>
+        </p:spPr>
+        <p:txBody>
+          <a:bodyPr wrap="square" rtlCol="0">
+            <a:spAutoFit/>
+          </a:bodyPr>
+          <a:lstStyle/>
+          <a:p>
+            <a:pPr marL="0" marR="0" lvl="0" indent="0" algn="l" defTabSz="914400" rtl="0" eaLnBrk="0" fontAlgn="base" latinLnBrk="0" hangingPunct="0">
+              <a:lnSpc>
+                <a:spcPct val="100000"/>
+              </a:lnSpc>
+              <a:spcBef>
+                <a:spcPct val="0"/>
+              </a:spcBef>
+              <a:spcAft>
+                <a:spcPct val="0"/>
+              </a:spcAft>
+              <a:buClrTx/>
+              <a:buSzTx/>
+              <a:buFontTx/>
+              <a:buNone/>
+              <a:tabLst/>
+              <a:defRPr/>
+            </a:pPr>
+            <a:r>
+              <a:rPr kumimoji="0" lang="es-CL" sz="1600" b="1" i="0" u="none" strike="noStrike" kern="1200" cap="none" spc="0" normalizeH="0" baseline="0" noProof="0" dirty="0">
+                <a:ln>
+                  <a:noFill/>
+                </a:ln>
+                <a:solidFill>
+                  <a:prstClr val="black"/>
+                </a:solidFill>
+                <a:effectLst/>
+                <a:uLnTx/>
+                <a:uFillTx/>
+                <a:latin typeface="Times" pitchFamily="-97" charset="0"/>
+                <a:ea typeface="+mn-ea"/>
+                <a:cs typeface="+mn-cs"/>
+              </a:rPr>
+              <a:t>Precio</a:t>
+            </a:r>
+          </a:p>
+        </p:txBody>
+      </p:sp>
+      <p:sp>
+        <p:nvSpPr>
+          <p:cNvPr id="25" name="CuadroTexto 24">
+            <a:extLst>
+              <a:ext uri="{FF2B5EF4-FFF2-40B4-BE49-F238E27FC236}">
+                <a16:creationId xmlns:a16="http://schemas.microsoft.com/office/drawing/2014/main" id="{30372EAD-03EB-4883-865C-BC1899282F29}"/>
+              </a:ext>
+            </a:extLst>
+          </p:cNvPr>
+          <p:cNvSpPr txBox="1"/>
+          <p:nvPr/>
+        </p:nvSpPr>
+        <p:spPr>
+          <a:xfrm>
+            <a:off x="4524015" y="6045852"/>
+            <a:ext cx="936104" cy="338554"/>
+          </a:xfrm>
+          <a:prstGeom prst="rect">
+            <a:avLst/>
+          </a:prstGeom>
+          <a:noFill/>
+        </p:spPr>
+        <p:txBody>
+          <a:bodyPr wrap="square" rtlCol="0">
+            <a:spAutoFit/>
+          </a:bodyPr>
+          <a:lstStyle/>
+          <a:p>
+            <a:pPr marL="0" marR="0" lvl="0" indent="0" algn="l" defTabSz="914400" rtl="0" eaLnBrk="0" fontAlgn="base" latinLnBrk="0" hangingPunct="0">
+              <a:lnSpc>
+                <a:spcPct val="100000"/>
+              </a:lnSpc>
+              <a:spcBef>
+                <a:spcPct val="0"/>
+              </a:spcBef>
+              <a:spcAft>
+                <a:spcPct val="0"/>
+              </a:spcAft>
+              <a:buClrTx/>
+              <a:buSzTx/>
+              <a:buFontTx/>
+              <a:buNone/>
+              <a:tabLst/>
+              <a:defRPr/>
+            </a:pPr>
+            <a:r>
+              <a:rPr kumimoji="0" lang="es-CL" sz="1600" b="1" i="0" u="none" strike="noStrike" kern="1200" cap="none" spc="0" normalizeH="0" baseline="0" noProof="0" dirty="0">
+                <a:ln>
+                  <a:noFill/>
+                </a:ln>
+                <a:solidFill>
+                  <a:prstClr val="black"/>
+                </a:solidFill>
+                <a:effectLst/>
+                <a:uLnTx/>
+                <a:uFillTx/>
+                <a:latin typeface="Times" pitchFamily="-97" charset="0"/>
+                <a:ea typeface="+mn-ea"/>
+                <a:cs typeface="+mn-cs"/>
+              </a:rPr>
+              <a:t>Precio</a:t>
+            </a:r>
+          </a:p>
+        </p:txBody>
+      </p:sp>
+      <p:sp>
+        <p:nvSpPr>
+          <p:cNvPr id="75" name="CuadroTexto 74">
+            <a:extLst>
+              <a:ext uri="{FF2B5EF4-FFF2-40B4-BE49-F238E27FC236}">
+                <a16:creationId xmlns:a16="http://schemas.microsoft.com/office/drawing/2014/main" id="{2E64FC84-9B27-49B8-BF37-054E65991FBD}"/>
+              </a:ext>
+            </a:extLst>
+          </p:cNvPr>
+          <p:cNvSpPr txBox="1"/>
+          <p:nvPr/>
+        </p:nvSpPr>
+        <p:spPr>
+          <a:xfrm>
+            <a:off x="6075466" y="6048748"/>
+            <a:ext cx="936104" cy="338554"/>
+          </a:xfrm>
+          <a:prstGeom prst="rect">
+            <a:avLst/>
+          </a:prstGeom>
+          <a:noFill/>
+        </p:spPr>
+        <p:txBody>
+          <a:bodyPr wrap="square" rtlCol="0">
+            <a:spAutoFit/>
+          </a:bodyPr>
+          <a:lstStyle/>
+          <a:p>
+            <a:pPr marL="0" marR="0" lvl="0" indent="0" algn="l" defTabSz="914400" rtl="0" eaLnBrk="0" fontAlgn="base" latinLnBrk="0" hangingPunct="0">
+              <a:lnSpc>
+                <a:spcPct val="100000"/>
+              </a:lnSpc>
+              <a:spcBef>
+                <a:spcPct val="0"/>
+              </a:spcBef>
+              <a:spcAft>
+                <a:spcPct val="0"/>
+              </a:spcAft>
+              <a:buClrTx/>
+              <a:buSzTx/>
+              <a:buFontTx/>
+              <a:buNone/>
+              <a:tabLst/>
+              <a:defRPr/>
+            </a:pPr>
+            <a:r>
+              <a:rPr kumimoji="0" lang="es-CL" sz="1600" b="1" i="0" u="none" strike="noStrike" kern="1200" cap="none" spc="0" normalizeH="0" baseline="0" noProof="0" dirty="0">
+                <a:ln>
+                  <a:noFill/>
+                </a:ln>
+                <a:solidFill>
+                  <a:prstClr val="black"/>
+                </a:solidFill>
+                <a:effectLst/>
+                <a:uLnTx/>
+                <a:uFillTx/>
+                <a:latin typeface="Times" pitchFamily="-97" charset="0"/>
+                <a:ea typeface="+mn-ea"/>
+                <a:cs typeface="+mn-cs"/>
+              </a:rPr>
+              <a:t>Precio</a:t>
+            </a:r>
+          </a:p>
+        </p:txBody>
+      </p:sp>
+      <p:sp>
+        <p:nvSpPr>
+          <p:cNvPr id="30" name="CuadroTexto 29">
+            <a:extLst>
+              <a:ext uri="{FF2B5EF4-FFF2-40B4-BE49-F238E27FC236}">
+                <a16:creationId xmlns:a16="http://schemas.microsoft.com/office/drawing/2014/main" id="{39E89CB9-5106-487C-AD19-A397822E139E}"/>
+              </a:ext>
+            </a:extLst>
+          </p:cNvPr>
+          <p:cNvSpPr txBox="1"/>
+          <p:nvPr/>
+        </p:nvSpPr>
+        <p:spPr>
+          <a:xfrm>
+            <a:off x="7423765" y="4059591"/>
+            <a:ext cx="1512168" cy="461665"/>
+          </a:xfrm>
+          <a:prstGeom prst="rect">
+            <a:avLst/>
+          </a:prstGeom>
+          <a:solidFill>
+            <a:schemeClr val="accent1">
+              <a:lumMod val="60000"/>
+              <a:lumOff val="40000"/>
+            </a:schemeClr>
+          </a:solidFill>
+          <a:ln w="28575">
+            <a:solidFill>
+              <a:schemeClr val="accent1">
+                <a:lumMod val="75000"/>
+              </a:schemeClr>
+            </a:solidFill>
+          </a:ln>
+        </p:spPr>
+        <p:txBody>
+          <a:bodyPr wrap="square" rtlCol="0">
+            <a:spAutoFit/>
+          </a:bodyPr>
+          <a:lstStyle/>
+          <a:p>
+            <a:pPr marL="0" marR="0" lvl="0" indent="0" algn="ctr" defTabSz="914400" rtl="0" eaLnBrk="0" fontAlgn="base" latinLnBrk="0" hangingPunct="0">
+              <a:lnSpc>
+                <a:spcPct val="100000"/>
+              </a:lnSpc>
+              <a:spcBef>
+                <a:spcPct val="0"/>
+              </a:spcBef>
+              <a:spcAft>
+                <a:spcPct val="0"/>
+              </a:spcAft>
+              <a:buClrTx/>
+              <a:buSzTx/>
+              <a:buFontTx/>
+              <a:buNone/>
+              <a:tabLst/>
+              <a:defRPr/>
+            </a:pPr>
+            <a:r>
+              <a:rPr kumimoji="0" lang="es-CL" sz="1200" b="0" i="0" u="none" strike="noStrike" kern="1200" cap="none" spc="0" normalizeH="0" baseline="0" noProof="0" dirty="0">
+                <a:ln>
+                  <a:noFill/>
+                </a:ln>
+                <a:solidFill>
+                  <a:prstClr val="black"/>
+                </a:solidFill>
+                <a:effectLst/>
+                <a:uLnTx/>
+                <a:uFillTx/>
+                <a:latin typeface="Times" pitchFamily="-97" charset="0"/>
+                <a:ea typeface="+mn-ea"/>
+                <a:cs typeface="+mn-cs"/>
+              </a:rPr>
+              <a:t>Consultoría SEIA Chile</a:t>
+            </a:r>
+          </a:p>
+        </p:txBody>
+      </p:sp>
+      <p:sp>
+        <p:nvSpPr>
+          <p:cNvPr id="31" name="CuadroTexto 30">
+            <a:extLst>
+              <a:ext uri="{FF2B5EF4-FFF2-40B4-BE49-F238E27FC236}">
+                <a16:creationId xmlns:a16="http://schemas.microsoft.com/office/drawing/2014/main" id="{B530CC29-3207-4591-B50F-33CE3CB23A0C}"/>
+              </a:ext>
+            </a:extLst>
+          </p:cNvPr>
+          <p:cNvSpPr txBox="1"/>
+          <p:nvPr/>
+        </p:nvSpPr>
+        <p:spPr>
+          <a:xfrm>
+            <a:off x="7799105" y="4585894"/>
+            <a:ext cx="936104" cy="338554"/>
+          </a:xfrm>
+          <a:prstGeom prst="rect">
+            <a:avLst/>
+          </a:prstGeom>
+          <a:noFill/>
+        </p:spPr>
+        <p:txBody>
+          <a:bodyPr wrap="square" rtlCol="0">
+            <a:spAutoFit/>
+          </a:bodyPr>
+          <a:lstStyle/>
+          <a:p>
+            <a:pPr marL="0" marR="0" lvl="0" indent="0" algn="l" defTabSz="914400" rtl="0" eaLnBrk="0" fontAlgn="base" latinLnBrk="0" hangingPunct="0">
+              <a:lnSpc>
+                <a:spcPct val="100000"/>
+              </a:lnSpc>
+              <a:spcBef>
+                <a:spcPct val="0"/>
+              </a:spcBef>
+              <a:spcAft>
+                <a:spcPct val="0"/>
+              </a:spcAft>
+              <a:buClrTx/>
+              <a:buSzTx/>
+              <a:buFontTx/>
+              <a:buNone/>
+              <a:tabLst/>
+              <a:defRPr/>
+            </a:pPr>
+            <a:r>
+              <a:rPr kumimoji="0" lang="es-CL" sz="1600" b="1" i="0" u="none" strike="noStrike" kern="1200" cap="none" spc="0" normalizeH="0" baseline="0" noProof="0" dirty="0">
+                <a:ln>
+                  <a:noFill/>
+                </a:ln>
+                <a:solidFill>
+                  <a:prstClr val="black"/>
+                </a:solidFill>
+                <a:effectLst/>
+                <a:uLnTx/>
+                <a:uFillTx/>
+                <a:latin typeface="Times" pitchFamily="-97" charset="0"/>
+                <a:ea typeface="+mn-ea"/>
+                <a:cs typeface="+mn-cs"/>
+              </a:rPr>
+              <a:t>Precio</a:t>
+            </a:r>
+          </a:p>
+        </p:txBody>
+      </p:sp>
+    </p:spTree>
+    <p:extLst>
+      <p:ext uri="{BB962C8B-B14F-4D97-AF65-F5344CB8AC3E}">
+        <p14:creationId xmlns:p14="http://schemas.microsoft.com/office/powerpoint/2010/main" val="571007126"/>
+      </p:ext>
+    </p:extLst>
+  </p:cSld>
+  <p:clrMapOvr>
+    <a:masterClrMapping/>
+  </p:clrMapOvr>
+</p:sld>
+</file>
+
+<file path=ppt/slides/slide3.xml><?xml version="1.0" encoding="utf-8"?>
+<p:sld xmlns:a="http://schemas.openxmlformats.org/drawingml/2006/main" xmlns:r="http://schemas.openxmlformats.org/officeDocument/2006/relationships" xmlns:p="http://schemas.openxmlformats.org/presentationml/2006/main">
+  <p:cSld>
+    <p:spTree>
+      <p:nvGrpSpPr>
+        <p:cNvPr id="1" name=""/>
+        <p:cNvGrpSpPr/>
+        <p:nvPr/>
+      </p:nvGrpSpPr>
+      <p:grpSpPr>
+        <a:xfrm>
+          <a:off x="0" y="0"/>
+          <a:ext cx="0" cy="0"/>
+          <a:chOff x="0" y="0"/>
+          <a:chExt cx="0" cy="0"/>
+        </a:xfrm>
+      </p:grpSpPr>
+      <p:sp>
+        <p:nvSpPr>
+          <p:cNvPr id="2" name="Título 1">
+            <a:extLst>
+              <a:ext uri="{FF2B5EF4-FFF2-40B4-BE49-F238E27FC236}">
+                <a16:creationId xmlns:a16="http://schemas.microsoft.com/office/drawing/2014/main" id="{B7567D67-0D69-4584-B3D4-6BEC4F0BC485}"/>
+              </a:ext>
+            </a:extLst>
+          </p:cNvPr>
+          <p:cNvSpPr>
+            <a:spLocks noGrp="1"/>
+          </p:cNvSpPr>
+          <p:nvPr>
+            <p:ph type="title"/>
+          </p:nvPr>
+        </p:nvSpPr>
+        <p:spPr/>
+        <p:txBody>
+          <a:bodyPr/>
+          <a:lstStyle/>
+          <a:p>
+            <a:r>
+              <a:rPr lang="es-CL" dirty="0"/>
+              <a:t>Colección DATA clima</a:t>
+            </a:r>
+          </a:p>
+        </p:txBody>
+      </p:sp>
+      <p:cxnSp>
+        <p:nvCxnSpPr>
+          <p:cNvPr id="6" name="Conector recto de flecha 5">
+            <a:extLst>
+              <a:ext uri="{FF2B5EF4-FFF2-40B4-BE49-F238E27FC236}">
+                <a16:creationId xmlns:a16="http://schemas.microsoft.com/office/drawing/2014/main" id="{2CAE975C-67FC-46F1-9FF8-2FBB57522603}"/>
+              </a:ext>
+            </a:extLst>
+          </p:cNvPr>
+          <p:cNvCxnSpPr>
+            <a:cxnSpLocks/>
+          </p:cNvCxnSpPr>
+          <p:nvPr/>
+        </p:nvCxnSpPr>
+        <p:spPr>
+          <a:xfrm flipV="1">
+            <a:off x="6705262" y="319540"/>
+            <a:ext cx="1262946" cy="949221"/>
+          </a:xfrm>
+          <a:prstGeom prst="straightConnector1">
+            <a:avLst/>
+          </a:prstGeom>
+          <a:ln>
+            <a:solidFill>
+              <a:schemeClr val="tx2">
+                <a:lumMod val="75000"/>
+              </a:schemeClr>
+            </a:solidFill>
+            <a:tailEnd type="triangle"/>
+          </a:ln>
+        </p:spPr>
+        <p:style>
+          <a:lnRef idx="1">
+            <a:schemeClr val="accent1"/>
+          </a:lnRef>
+          <a:fillRef idx="0">
+            <a:schemeClr val="accent1"/>
+          </a:fillRef>
+          <a:effectRef idx="0">
+            <a:schemeClr val="accent1"/>
+          </a:effectRef>
+          <a:fontRef idx="minor">
+            <a:schemeClr val="tx1"/>
+          </a:fontRef>
+        </p:style>
+      </p:cxnSp>
+      <p:cxnSp>
+        <p:nvCxnSpPr>
+          <p:cNvPr id="8" name="Conector recto 7">
+            <a:extLst>
+              <a:ext uri="{FF2B5EF4-FFF2-40B4-BE49-F238E27FC236}">
+                <a16:creationId xmlns:a16="http://schemas.microsoft.com/office/drawing/2014/main" id="{DF976C14-2EBA-4582-8D53-69D94302B376}"/>
+              </a:ext>
+            </a:extLst>
+          </p:cNvPr>
+          <p:cNvCxnSpPr>
+            <a:cxnSpLocks/>
+          </p:cNvCxnSpPr>
+          <p:nvPr/>
+        </p:nvCxnSpPr>
+        <p:spPr>
+          <a:xfrm>
+            <a:off x="5879976" y="1268760"/>
+            <a:ext cx="825286" cy="0"/>
+          </a:xfrm>
+          <a:prstGeom prst="line">
+            <a:avLst/>
+          </a:prstGeom>
+          <a:ln>
+            <a:solidFill>
+              <a:schemeClr val="tx2">
+                <a:lumMod val="75000"/>
+              </a:schemeClr>
+            </a:solidFill>
+          </a:ln>
+        </p:spPr>
+        <p:style>
+          <a:lnRef idx="1">
+            <a:schemeClr val="accent1"/>
+          </a:lnRef>
+          <a:fillRef idx="0">
+            <a:schemeClr val="accent1"/>
+          </a:fillRef>
+          <a:effectRef idx="0">
+            <a:schemeClr val="accent1"/>
+          </a:effectRef>
+          <a:fontRef idx="minor">
+            <a:schemeClr val="tx1"/>
+          </a:fontRef>
+        </p:style>
+      </p:cxnSp>
+      <p:cxnSp>
+        <p:nvCxnSpPr>
+          <p:cNvPr id="11" name="Conector recto de flecha 10">
+            <a:extLst>
+              <a:ext uri="{FF2B5EF4-FFF2-40B4-BE49-F238E27FC236}">
+                <a16:creationId xmlns:a16="http://schemas.microsoft.com/office/drawing/2014/main" id="{2D960987-5BA1-4919-95E0-B35D7FC5E8EB}"/>
+              </a:ext>
+            </a:extLst>
+          </p:cNvPr>
+          <p:cNvCxnSpPr>
+            <a:cxnSpLocks/>
+          </p:cNvCxnSpPr>
+          <p:nvPr/>
+        </p:nvCxnSpPr>
+        <p:spPr>
+          <a:xfrm flipV="1">
+            <a:off x="6705262" y="705247"/>
+            <a:ext cx="1262946" cy="563514"/>
+          </a:xfrm>
+          <a:prstGeom prst="straightConnector1">
+            <a:avLst/>
+          </a:prstGeom>
+          <a:ln>
+            <a:solidFill>
+              <a:schemeClr val="tx2">
+                <a:lumMod val="75000"/>
+              </a:schemeClr>
+            </a:solidFill>
+            <a:tailEnd type="triangle"/>
+          </a:ln>
+        </p:spPr>
+        <p:style>
+          <a:lnRef idx="1">
+            <a:schemeClr val="accent1"/>
+          </a:lnRef>
+          <a:fillRef idx="0">
+            <a:schemeClr val="accent1"/>
+          </a:fillRef>
+          <a:effectRef idx="0">
+            <a:schemeClr val="accent1"/>
+          </a:effectRef>
+          <a:fontRef idx="minor">
+            <a:schemeClr val="tx1"/>
+          </a:fontRef>
+        </p:style>
+      </p:cxnSp>
+      <p:cxnSp>
+        <p:nvCxnSpPr>
+          <p:cNvPr id="15" name="Conector recto de flecha 14">
+            <a:extLst>
+              <a:ext uri="{FF2B5EF4-FFF2-40B4-BE49-F238E27FC236}">
+                <a16:creationId xmlns:a16="http://schemas.microsoft.com/office/drawing/2014/main" id="{807455D9-571B-4E10-9F44-F57E5E5166EB}"/>
+              </a:ext>
+            </a:extLst>
+          </p:cNvPr>
+          <p:cNvCxnSpPr>
+            <a:cxnSpLocks/>
+          </p:cNvCxnSpPr>
+          <p:nvPr/>
+        </p:nvCxnSpPr>
+        <p:spPr>
+          <a:xfrm flipV="1">
+            <a:off x="6705262" y="1086586"/>
+            <a:ext cx="1262946" cy="182174"/>
+          </a:xfrm>
+          <a:prstGeom prst="straightConnector1">
+            <a:avLst/>
+          </a:prstGeom>
+          <a:ln>
+            <a:solidFill>
+              <a:schemeClr val="tx2">
+                <a:lumMod val="75000"/>
+              </a:schemeClr>
+            </a:solidFill>
+            <a:tailEnd type="triangle"/>
+          </a:ln>
+        </p:spPr>
+        <p:style>
+          <a:lnRef idx="1">
+            <a:schemeClr val="accent1"/>
+          </a:lnRef>
+          <a:fillRef idx="0">
+            <a:schemeClr val="accent1"/>
+          </a:fillRef>
+          <a:effectRef idx="0">
+            <a:schemeClr val="accent1"/>
+          </a:effectRef>
+          <a:fontRef idx="minor">
+            <a:schemeClr val="tx1"/>
+          </a:fontRef>
+        </p:style>
+      </p:cxnSp>
+      <p:sp>
+        <p:nvSpPr>
+          <p:cNvPr id="18" name="CuadroTexto 17">
+            <a:extLst>
+              <a:ext uri="{FF2B5EF4-FFF2-40B4-BE49-F238E27FC236}">
+                <a16:creationId xmlns:a16="http://schemas.microsoft.com/office/drawing/2014/main" id="{BC0683E7-CFC4-47E8-86BC-9EA8E791F70B}"/>
+              </a:ext>
+            </a:extLst>
+          </p:cNvPr>
+          <p:cNvSpPr txBox="1"/>
+          <p:nvPr/>
+        </p:nvSpPr>
+        <p:spPr>
+          <a:xfrm>
+            <a:off x="5879976" y="991762"/>
+            <a:ext cx="936104" cy="276998"/>
+          </a:xfrm>
+          <a:prstGeom prst="rect">
+            <a:avLst/>
+          </a:prstGeom>
+          <a:noFill/>
+        </p:spPr>
+        <p:txBody>
+          <a:bodyPr wrap="square" rtlCol="0">
+            <a:spAutoFit/>
+          </a:bodyPr>
+          <a:lstStyle/>
+          <a:p>
+            <a:pPr marL="0" marR="0" lvl="0" indent="0" algn="l" defTabSz="914400" rtl="0" eaLnBrk="0" fontAlgn="base" latinLnBrk="0" hangingPunct="0">
+              <a:lnSpc>
+                <a:spcPct val="100000"/>
+              </a:lnSpc>
+              <a:spcBef>
+                <a:spcPct val="0"/>
+              </a:spcBef>
+              <a:spcAft>
+                <a:spcPct val="0"/>
+              </a:spcAft>
+              <a:buClrTx/>
+              <a:buSzTx/>
+              <a:buFontTx/>
+              <a:buNone/>
+              <a:tabLst/>
+              <a:defRPr/>
+            </a:pPr>
+            <a:r>
+              <a:rPr kumimoji="0" lang="es-CL" sz="1200" b="0" i="1" u="none" strike="noStrike" kern="1200" cap="none" spc="0" normalizeH="0" baseline="0" noProof="0" dirty="0">
+                <a:ln>
+                  <a:noFill/>
+                </a:ln>
+                <a:solidFill>
+                  <a:prstClr val="black"/>
+                </a:solidFill>
+                <a:effectLst/>
+                <a:uLnTx/>
+                <a:uFillTx/>
+                <a:latin typeface="Times" pitchFamily="-97" charset="0"/>
+                <a:ea typeface="+mn-ea"/>
+                <a:cs typeface="+mn-cs"/>
+              </a:rPr>
+              <a:t>Categorías</a:t>
+            </a:r>
+          </a:p>
+        </p:txBody>
+      </p:sp>
+      <p:sp>
+        <p:nvSpPr>
+          <p:cNvPr id="19" name="CuadroTexto 18">
+            <a:extLst>
+              <a:ext uri="{FF2B5EF4-FFF2-40B4-BE49-F238E27FC236}">
+                <a16:creationId xmlns:a16="http://schemas.microsoft.com/office/drawing/2014/main" id="{1562B58E-5CC4-4052-96E1-05699A57B104}"/>
+              </a:ext>
+            </a:extLst>
+          </p:cNvPr>
+          <p:cNvSpPr txBox="1"/>
+          <p:nvPr/>
+        </p:nvSpPr>
+        <p:spPr>
+          <a:xfrm>
+            <a:off x="8036463" y="165650"/>
+            <a:ext cx="1731945" cy="307777"/>
+          </a:xfrm>
+          <a:prstGeom prst="rect">
+            <a:avLst/>
+          </a:prstGeom>
+          <a:solidFill>
+            <a:schemeClr val="accent3">
+              <a:lumMod val="60000"/>
+              <a:lumOff val="40000"/>
+            </a:schemeClr>
+          </a:solidFill>
+          <a:ln>
+            <a:solidFill>
+              <a:schemeClr val="accent3">
+                <a:lumMod val="75000"/>
+              </a:schemeClr>
+            </a:solidFill>
+          </a:ln>
+        </p:spPr>
+        <p:txBody>
+          <a:bodyPr wrap="square" rtlCol="0">
+            <a:spAutoFit/>
+          </a:bodyPr>
+          <a:lstStyle/>
+          <a:p>
+            <a:pPr marL="0" marR="0" lvl="0" indent="0" algn="l" defTabSz="914400" rtl="0" eaLnBrk="0" fontAlgn="base" latinLnBrk="0" hangingPunct="0">
+              <a:lnSpc>
+                <a:spcPct val="100000"/>
+              </a:lnSpc>
+              <a:spcBef>
+                <a:spcPct val="0"/>
+              </a:spcBef>
+              <a:spcAft>
+                <a:spcPct val="0"/>
+              </a:spcAft>
+              <a:buClrTx/>
+              <a:buSzTx/>
+              <a:buFontTx/>
+              <a:buNone/>
+              <a:tabLst/>
+              <a:defRPr/>
+            </a:pPr>
+            <a:r>
+              <a:rPr kumimoji="0" lang="es-CL" sz="1400" b="0" i="0" u="none" strike="noStrike" kern="1200" cap="none" spc="0" normalizeH="0" baseline="0" noProof="0" dirty="0">
+                <a:ln>
+                  <a:noFill/>
+                </a:ln>
+                <a:solidFill>
+                  <a:prstClr val="black"/>
+                </a:solidFill>
+                <a:effectLst/>
+                <a:uLnTx/>
+                <a:uFillTx/>
+                <a:latin typeface="Times" pitchFamily="-97" charset="0"/>
+                <a:ea typeface="+mn-ea"/>
+                <a:cs typeface="+mn-cs"/>
+              </a:rPr>
+              <a:t>Conceptos Generales</a:t>
+            </a:r>
+          </a:p>
+        </p:txBody>
+      </p:sp>
+      <p:sp>
+        <p:nvSpPr>
+          <p:cNvPr id="22" name="CuadroTexto 21">
+            <a:extLst>
+              <a:ext uri="{FF2B5EF4-FFF2-40B4-BE49-F238E27FC236}">
+                <a16:creationId xmlns:a16="http://schemas.microsoft.com/office/drawing/2014/main" id="{4FB5B52C-85BB-4558-820D-0665660D4B24}"/>
+              </a:ext>
+            </a:extLst>
+          </p:cNvPr>
+          <p:cNvSpPr txBox="1"/>
+          <p:nvPr/>
+        </p:nvSpPr>
+        <p:spPr>
+          <a:xfrm>
+            <a:off x="8036463" y="541933"/>
+            <a:ext cx="2091985" cy="307777"/>
+          </a:xfrm>
+          <a:prstGeom prst="rect">
+            <a:avLst/>
+          </a:prstGeom>
+          <a:solidFill>
+            <a:schemeClr val="accent4">
+              <a:lumMod val="40000"/>
+              <a:lumOff val="60000"/>
+            </a:schemeClr>
+          </a:solidFill>
+          <a:ln>
+            <a:solidFill>
+              <a:srgbClr val="FFC000"/>
+            </a:solidFill>
+          </a:ln>
+        </p:spPr>
+        <p:txBody>
+          <a:bodyPr wrap="square" rtlCol="0">
+            <a:spAutoFit/>
+          </a:bodyPr>
+          <a:lstStyle/>
+          <a:p>
+            <a:pPr marL="0" marR="0" lvl="0" indent="0" algn="l" defTabSz="914400" rtl="0" eaLnBrk="0" fontAlgn="base" latinLnBrk="0" hangingPunct="0">
+              <a:lnSpc>
+                <a:spcPct val="100000"/>
+              </a:lnSpc>
+              <a:spcBef>
+                <a:spcPct val="0"/>
+              </a:spcBef>
+              <a:spcAft>
+                <a:spcPct val="0"/>
+              </a:spcAft>
+              <a:buClrTx/>
+              <a:buSzTx/>
+              <a:buFontTx/>
+              <a:buNone/>
+              <a:tabLst/>
+              <a:defRPr/>
+            </a:pPr>
+            <a:r>
+              <a:rPr kumimoji="0" lang="es-CL" sz="1400" b="0" i="0" u="none" strike="noStrike" kern="1200" cap="none" spc="0" normalizeH="0" baseline="0" noProof="0" dirty="0">
+                <a:ln>
+                  <a:noFill/>
+                </a:ln>
+                <a:solidFill>
+                  <a:prstClr val="black"/>
+                </a:solidFill>
+                <a:effectLst/>
+                <a:uLnTx/>
+                <a:uFillTx/>
+                <a:latin typeface="Times" pitchFamily="-97" charset="0"/>
+                <a:ea typeface="+mn-ea"/>
+                <a:cs typeface="+mn-cs"/>
+              </a:rPr>
+              <a:t>Causas Cambio Climático</a:t>
+            </a:r>
+          </a:p>
+        </p:txBody>
+      </p:sp>
+      <p:sp>
+        <p:nvSpPr>
+          <p:cNvPr id="24" name="CuadroTexto 23">
+            <a:extLst>
+              <a:ext uri="{FF2B5EF4-FFF2-40B4-BE49-F238E27FC236}">
+                <a16:creationId xmlns:a16="http://schemas.microsoft.com/office/drawing/2014/main" id="{04B47D01-5DA8-4499-BE5F-94E4DE916970}"/>
+              </a:ext>
+            </a:extLst>
+          </p:cNvPr>
+          <p:cNvSpPr txBox="1"/>
+          <p:nvPr/>
+        </p:nvSpPr>
+        <p:spPr>
+          <a:xfrm>
+            <a:off x="8036463" y="925659"/>
+            <a:ext cx="2236001" cy="307777"/>
+          </a:xfrm>
+          <a:prstGeom prst="rect">
+            <a:avLst/>
+          </a:prstGeom>
+          <a:solidFill>
+            <a:schemeClr val="accent1">
+              <a:lumMod val="60000"/>
+              <a:lumOff val="40000"/>
+            </a:schemeClr>
+          </a:solidFill>
+          <a:ln>
+            <a:solidFill>
+              <a:schemeClr val="accent1">
+                <a:lumMod val="75000"/>
+              </a:schemeClr>
+            </a:solidFill>
+          </a:ln>
+        </p:spPr>
+        <p:txBody>
+          <a:bodyPr wrap="square" rtlCol="0">
+            <a:spAutoFit/>
+          </a:bodyPr>
+          <a:lstStyle/>
+          <a:p>
+            <a:pPr marL="0" marR="0" lvl="0" indent="0" algn="l" defTabSz="914400" rtl="0" eaLnBrk="0" fontAlgn="base" latinLnBrk="0" hangingPunct="0">
+              <a:lnSpc>
+                <a:spcPct val="100000"/>
+              </a:lnSpc>
+              <a:spcBef>
+                <a:spcPct val="0"/>
+              </a:spcBef>
+              <a:spcAft>
+                <a:spcPct val="0"/>
+              </a:spcAft>
+              <a:buClrTx/>
+              <a:buSzTx/>
+              <a:buFontTx/>
+              <a:buNone/>
+              <a:tabLst/>
+              <a:defRPr/>
+            </a:pPr>
+            <a:r>
+              <a:rPr kumimoji="0" lang="es-CL" sz="1400" b="0" i="0" u="none" strike="noStrike" kern="1200" cap="none" spc="0" normalizeH="0" baseline="0" noProof="0" dirty="0">
+                <a:ln>
+                  <a:noFill/>
+                </a:ln>
+                <a:solidFill>
+                  <a:prstClr val="black"/>
+                </a:solidFill>
+                <a:effectLst/>
+                <a:uLnTx/>
+                <a:uFillTx/>
+                <a:latin typeface="Times" pitchFamily="-97" charset="0"/>
+                <a:ea typeface="+mn-ea"/>
+                <a:cs typeface="+mn-cs"/>
+              </a:rPr>
+              <a:t>Impactos Cambio Climático</a:t>
+            </a:r>
+          </a:p>
+        </p:txBody>
+      </p:sp>
+      <p:cxnSp>
+        <p:nvCxnSpPr>
+          <p:cNvPr id="26" name="Conector recto de flecha 25">
+            <a:extLst>
+              <a:ext uri="{FF2B5EF4-FFF2-40B4-BE49-F238E27FC236}">
+                <a16:creationId xmlns:a16="http://schemas.microsoft.com/office/drawing/2014/main" id="{B80205CA-BC4B-4AC7-9C57-3A38F6587C5A}"/>
+              </a:ext>
+            </a:extLst>
+          </p:cNvPr>
+          <p:cNvCxnSpPr>
+            <a:cxnSpLocks/>
+          </p:cNvCxnSpPr>
+          <p:nvPr/>
+        </p:nvCxnSpPr>
+        <p:spPr>
+          <a:xfrm>
+            <a:off x="6705262" y="1268760"/>
+            <a:ext cx="1262946" cy="182174"/>
+          </a:xfrm>
+          <a:prstGeom prst="straightConnector1">
+            <a:avLst/>
+          </a:prstGeom>
+          <a:ln>
+            <a:solidFill>
+              <a:schemeClr val="tx2">
+                <a:lumMod val="75000"/>
+              </a:schemeClr>
+            </a:solidFill>
+            <a:tailEnd type="triangle"/>
+          </a:ln>
+        </p:spPr>
+        <p:style>
+          <a:lnRef idx="1">
+            <a:schemeClr val="accent1"/>
+          </a:lnRef>
+          <a:fillRef idx="0">
+            <a:schemeClr val="accent1"/>
+          </a:fillRef>
+          <a:effectRef idx="0">
+            <a:schemeClr val="accent1"/>
+          </a:effectRef>
+          <a:fontRef idx="minor">
+            <a:schemeClr val="tx1"/>
+          </a:fontRef>
+        </p:style>
+      </p:cxnSp>
+      <p:sp>
+        <p:nvSpPr>
+          <p:cNvPr id="28" name="CuadroTexto 27">
+            <a:extLst>
+              <a:ext uri="{FF2B5EF4-FFF2-40B4-BE49-F238E27FC236}">
+                <a16:creationId xmlns:a16="http://schemas.microsoft.com/office/drawing/2014/main" id="{7D1E1CA8-7844-48FC-BD23-2F607EAC0074}"/>
+              </a:ext>
+            </a:extLst>
+          </p:cNvPr>
+          <p:cNvSpPr txBox="1"/>
+          <p:nvPr/>
+        </p:nvSpPr>
+        <p:spPr>
+          <a:xfrm>
+            <a:off x="8036463" y="1309378"/>
+            <a:ext cx="2524033" cy="307777"/>
+          </a:xfrm>
+          <a:prstGeom prst="rect">
+            <a:avLst/>
+          </a:prstGeom>
+          <a:solidFill>
+            <a:schemeClr val="accent6">
+              <a:lumMod val="40000"/>
+              <a:lumOff val="60000"/>
+            </a:schemeClr>
+          </a:solidFill>
+          <a:ln>
+            <a:solidFill>
+              <a:schemeClr val="accent6">
+                <a:lumMod val="75000"/>
+              </a:schemeClr>
+            </a:solidFill>
+          </a:ln>
+        </p:spPr>
+        <p:txBody>
+          <a:bodyPr wrap="square" rtlCol="0">
+            <a:spAutoFit/>
+          </a:bodyPr>
+          <a:lstStyle/>
+          <a:p>
+            <a:pPr marL="0" marR="0" lvl="0" indent="0" algn="l" defTabSz="914400" rtl="0" eaLnBrk="0" fontAlgn="base" latinLnBrk="0" hangingPunct="0">
+              <a:lnSpc>
+                <a:spcPct val="100000"/>
+              </a:lnSpc>
+              <a:spcBef>
+                <a:spcPct val="0"/>
+              </a:spcBef>
+              <a:spcAft>
+                <a:spcPct val="0"/>
+              </a:spcAft>
+              <a:buClrTx/>
+              <a:buSzTx/>
+              <a:buFontTx/>
+              <a:buNone/>
+              <a:tabLst/>
+              <a:defRPr/>
+            </a:pPr>
+            <a:r>
+              <a:rPr kumimoji="0" lang="es-CL" sz="1400" b="0" i="0" u="none" strike="noStrike" kern="1200" cap="none" spc="0" normalizeH="0" baseline="0" noProof="0" dirty="0">
+                <a:ln>
+                  <a:noFill/>
+                </a:ln>
+                <a:solidFill>
+                  <a:prstClr val="black"/>
+                </a:solidFill>
+                <a:effectLst/>
+                <a:uLnTx/>
+                <a:uFillTx/>
+                <a:latin typeface="Times" pitchFamily="-97" charset="0"/>
+                <a:ea typeface="+mn-ea"/>
+                <a:cs typeface="+mn-cs"/>
+              </a:rPr>
+              <a:t>Proyecciones Cambio Climático</a:t>
+            </a:r>
+          </a:p>
+        </p:txBody>
+      </p:sp>
+      <p:cxnSp>
+        <p:nvCxnSpPr>
+          <p:cNvPr id="38" name="Conector recto de flecha 37">
+            <a:extLst>
+              <a:ext uri="{FF2B5EF4-FFF2-40B4-BE49-F238E27FC236}">
+                <a16:creationId xmlns:a16="http://schemas.microsoft.com/office/drawing/2014/main" id="{7B4CB9E4-BCF4-45F2-B0C7-AB589861469D}"/>
+              </a:ext>
+            </a:extLst>
+          </p:cNvPr>
+          <p:cNvCxnSpPr>
+            <a:cxnSpLocks/>
+          </p:cNvCxnSpPr>
+          <p:nvPr/>
+        </p:nvCxnSpPr>
+        <p:spPr>
+          <a:xfrm>
+            <a:off x="6705262" y="1268760"/>
+            <a:ext cx="1262946" cy="564781"/>
+          </a:xfrm>
+          <a:prstGeom prst="straightConnector1">
+            <a:avLst/>
+          </a:prstGeom>
+          <a:ln>
+            <a:solidFill>
+              <a:schemeClr val="tx2">
+                <a:lumMod val="75000"/>
+              </a:schemeClr>
+            </a:solidFill>
+            <a:tailEnd type="triangle"/>
+          </a:ln>
+        </p:spPr>
+        <p:style>
+          <a:lnRef idx="1">
+            <a:schemeClr val="accent1"/>
+          </a:lnRef>
+          <a:fillRef idx="0">
+            <a:schemeClr val="accent1"/>
+          </a:fillRef>
+          <a:effectRef idx="0">
+            <a:schemeClr val="accent1"/>
+          </a:effectRef>
+          <a:fontRef idx="minor">
+            <a:schemeClr val="tx1"/>
+          </a:fontRef>
+        </p:style>
+      </p:cxnSp>
+      <p:sp>
+        <p:nvSpPr>
+          <p:cNvPr id="40" name="CuadroTexto 39">
+            <a:extLst>
+              <a:ext uri="{FF2B5EF4-FFF2-40B4-BE49-F238E27FC236}">
+                <a16:creationId xmlns:a16="http://schemas.microsoft.com/office/drawing/2014/main" id="{328B240F-D295-43FD-9E81-25E246797ADE}"/>
+              </a:ext>
+            </a:extLst>
+          </p:cNvPr>
+          <p:cNvSpPr txBox="1"/>
+          <p:nvPr/>
+        </p:nvSpPr>
+        <p:spPr>
+          <a:xfrm>
+            <a:off x="8036462" y="1693638"/>
+            <a:ext cx="2524033" cy="307777"/>
+          </a:xfrm>
+          <a:prstGeom prst="rect">
+            <a:avLst/>
+          </a:prstGeom>
+          <a:solidFill>
+            <a:schemeClr val="tx2">
+              <a:lumMod val="40000"/>
+              <a:lumOff val="60000"/>
+            </a:schemeClr>
+          </a:solidFill>
+          <a:ln>
+            <a:solidFill>
+              <a:schemeClr val="tx2">
+                <a:lumMod val="75000"/>
+              </a:schemeClr>
+            </a:solidFill>
+          </a:ln>
+        </p:spPr>
+        <p:txBody>
+          <a:bodyPr wrap="square" rtlCol="0">
+            <a:spAutoFit/>
+          </a:bodyPr>
+          <a:lstStyle/>
+          <a:p>
+            <a:pPr marL="0" marR="0" lvl="0" indent="0" algn="l" defTabSz="914400" rtl="0" eaLnBrk="0" fontAlgn="base" latinLnBrk="0" hangingPunct="0">
+              <a:lnSpc>
+                <a:spcPct val="100000"/>
+              </a:lnSpc>
+              <a:spcBef>
+                <a:spcPct val="0"/>
+              </a:spcBef>
+              <a:spcAft>
+                <a:spcPct val="0"/>
+              </a:spcAft>
+              <a:buClrTx/>
+              <a:buSzTx/>
+              <a:buFontTx/>
+              <a:buNone/>
+              <a:tabLst/>
+              <a:defRPr/>
+            </a:pPr>
+            <a:r>
+              <a:rPr kumimoji="0" lang="es-CL" sz="1400" b="0" i="0" u="none" strike="noStrike" kern="1200" cap="none" spc="0" normalizeH="0" baseline="0" noProof="0" dirty="0">
+                <a:ln>
+                  <a:noFill/>
+                </a:ln>
+                <a:solidFill>
+                  <a:prstClr val="black"/>
+                </a:solidFill>
+                <a:effectLst/>
+                <a:uLnTx/>
+                <a:uFillTx/>
+                <a:latin typeface="Times" pitchFamily="-97" charset="0"/>
+                <a:ea typeface="+mn-ea"/>
+                <a:cs typeface="+mn-cs"/>
+              </a:rPr>
+              <a:t>Plataforma DATA CLIMA</a:t>
+            </a:r>
+          </a:p>
+        </p:txBody>
+      </p:sp>
+      <p:sp>
+        <p:nvSpPr>
+          <p:cNvPr id="43" name="CuadroTexto 42">
+            <a:extLst>
+              <a:ext uri="{FF2B5EF4-FFF2-40B4-BE49-F238E27FC236}">
+                <a16:creationId xmlns:a16="http://schemas.microsoft.com/office/drawing/2014/main" id="{58A3E1E0-89F1-449D-81EA-67CDD870137B}"/>
+              </a:ext>
+            </a:extLst>
+          </p:cNvPr>
+          <p:cNvSpPr txBox="1"/>
+          <p:nvPr/>
+        </p:nvSpPr>
+        <p:spPr>
+          <a:xfrm rot="16200000">
+            <a:off x="-1080869" y="3708006"/>
+            <a:ext cx="2767616" cy="461665"/>
+          </a:xfrm>
+          <a:prstGeom prst="rect">
+            <a:avLst/>
+          </a:prstGeom>
+          <a:noFill/>
+        </p:spPr>
+        <p:txBody>
+          <a:bodyPr wrap="square" rtlCol="0">
+            <a:spAutoFit/>
+          </a:bodyPr>
+          <a:lstStyle/>
+          <a:p>
+            <a:pPr marL="0" marR="0" lvl="0" indent="0" algn="l" defTabSz="914400" rtl="0" eaLnBrk="0" fontAlgn="base" latinLnBrk="0" hangingPunct="0">
+              <a:lnSpc>
+                <a:spcPct val="100000"/>
+              </a:lnSpc>
+              <a:spcBef>
+                <a:spcPct val="0"/>
+              </a:spcBef>
+              <a:spcAft>
+                <a:spcPct val="0"/>
+              </a:spcAft>
+              <a:buClrTx/>
+              <a:buSzTx/>
+              <a:buFontTx/>
+              <a:buNone/>
+              <a:tabLst/>
+              <a:defRPr/>
+            </a:pPr>
+            <a:r>
+              <a:rPr kumimoji="0" lang="es-CL" sz="2400" b="0" i="0" u="none" strike="noStrike" kern="1200" cap="none" spc="0" normalizeH="0" baseline="0" noProof="0" dirty="0">
+                <a:ln>
+                  <a:noFill/>
+                </a:ln>
+                <a:solidFill>
+                  <a:prstClr val="black"/>
+                </a:solidFill>
+                <a:effectLst/>
+                <a:uLnTx/>
+                <a:uFillTx/>
+                <a:latin typeface="Times" pitchFamily="-97" charset="0"/>
+                <a:ea typeface="+mn-ea"/>
+                <a:cs typeface="+mn-cs"/>
+              </a:rPr>
+              <a:t>PRODUCTOS</a:t>
+            </a:r>
+          </a:p>
+        </p:txBody>
+      </p:sp>
+      <p:sp>
+        <p:nvSpPr>
+          <p:cNvPr id="45" name="CuadroTexto 44">
+            <a:extLst>
+              <a:ext uri="{FF2B5EF4-FFF2-40B4-BE49-F238E27FC236}">
+                <a16:creationId xmlns:a16="http://schemas.microsoft.com/office/drawing/2014/main" id="{D8878651-2B27-4F39-AB19-230C2D492DC0}"/>
+              </a:ext>
+            </a:extLst>
+          </p:cNvPr>
+          <p:cNvSpPr txBox="1"/>
+          <p:nvPr/>
+        </p:nvSpPr>
+        <p:spPr>
+          <a:xfrm>
+            <a:off x="783733" y="2019585"/>
+            <a:ext cx="2091985" cy="307777"/>
+          </a:xfrm>
+          <a:prstGeom prst="rect">
+            <a:avLst/>
+          </a:prstGeom>
+          <a:solidFill>
+            <a:schemeClr val="accent4">
+              <a:lumMod val="40000"/>
+              <a:lumOff val="60000"/>
+            </a:schemeClr>
+          </a:solidFill>
+          <a:ln>
+            <a:solidFill>
+              <a:srgbClr val="FFC000"/>
+            </a:solidFill>
+          </a:ln>
+        </p:spPr>
+        <p:txBody>
+          <a:bodyPr wrap="square" rtlCol="0">
+            <a:spAutoFit/>
+          </a:bodyPr>
+          <a:lstStyle/>
+          <a:p>
+            <a:pPr marL="0" marR="0" lvl="0" indent="0" algn="l" defTabSz="914400" rtl="0" eaLnBrk="0" fontAlgn="base" latinLnBrk="0" hangingPunct="0">
+              <a:lnSpc>
+                <a:spcPct val="100000"/>
+              </a:lnSpc>
+              <a:spcBef>
+                <a:spcPct val="0"/>
+              </a:spcBef>
+              <a:spcAft>
+                <a:spcPct val="0"/>
+              </a:spcAft>
+              <a:buClrTx/>
+              <a:buSzTx/>
+              <a:buFontTx/>
+              <a:buNone/>
+              <a:tabLst/>
+              <a:defRPr/>
+            </a:pPr>
+            <a:r>
+              <a:rPr kumimoji="0" lang="es-CL" sz="1400" b="0" i="0" u="none" strike="noStrike" kern="1200" cap="none" spc="0" normalizeH="0" baseline="0" noProof="0" dirty="0">
+                <a:ln>
+                  <a:noFill/>
+                </a:ln>
+                <a:solidFill>
+                  <a:prstClr val="black"/>
+                </a:solidFill>
+                <a:effectLst/>
+                <a:uLnTx/>
+                <a:uFillTx/>
+                <a:latin typeface="Times" pitchFamily="-97" charset="0"/>
+                <a:ea typeface="+mn-ea"/>
+                <a:cs typeface="+mn-cs"/>
+              </a:rPr>
+              <a:t>Causas Cambio Climático</a:t>
+            </a:r>
+          </a:p>
+        </p:txBody>
+      </p:sp>
+      <p:sp>
+        <p:nvSpPr>
+          <p:cNvPr id="49" name="CuadroTexto 48">
+            <a:extLst>
+              <a:ext uri="{FF2B5EF4-FFF2-40B4-BE49-F238E27FC236}">
+                <a16:creationId xmlns:a16="http://schemas.microsoft.com/office/drawing/2014/main" id="{BD7C2829-65D1-49B9-ACED-7998583BDAE1}"/>
+              </a:ext>
+            </a:extLst>
+          </p:cNvPr>
+          <p:cNvSpPr txBox="1"/>
+          <p:nvPr/>
+        </p:nvSpPr>
+        <p:spPr>
+          <a:xfrm>
+            <a:off x="800864" y="2585808"/>
+            <a:ext cx="1512168" cy="461665"/>
+          </a:xfrm>
+          <a:prstGeom prst="rect">
+            <a:avLst/>
+          </a:prstGeom>
+          <a:solidFill>
+            <a:schemeClr val="accent4">
+              <a:lumMod val="40000"/>
+              <a:lumOff val="60000"/>
+            </a:schemeClr>
+          </a:solidFill>
+          <a:ln w="28575">
+            <a:solidFill>
+              <a:srgbClr val="FFC000"/>
+            </a:solidFill>
+          </a:ln>
+        </p:spPr>
+        <p:txBody>
+          <a:bodyPr wrap="square" rtlCol="0">
+            <a:spAutoFit/>
+          </a:bodyPr>
+          <a:lstStyle/>
+          <a:p>
+            <a:pPr marL="0" marR="0" lvl="0" indent="0" algn="ctr" defTabSz="914400" rtl="0" eaLnBrk="0" fontAlgn="base" latinLnBrk="0" hangingPunct="0">
+              <a:lnSpc>
+                <a:spcPct val="100000"/>
+              </a:lnSpc>
+              <a:spcBef>
+                <a:spcPct val="0"/>
+              </a:spcBef>
+              <a:spcAft>
+                <a:spcPct val="0"/>
+              </a:spcAft>
+              <a:buClrTx/>
+              <a:buSzTx/>
+              <a:buFontTx/>
+              <a:buNone/>
+              <a:tabLst/>
+              <a:defRPr/>
+            </a:pPr>
+            <a:r>
+              <a:rPr kumimoji="0" lang="es-CL" sz="1200" b="0" i="0" u="none" strike="noStrike" kern="1200" cap="none" spc="0" normalizeH="0" baseline="0" noProof="0" dirty="0">
+                <a:ln>
+                  <a:noFill/>
+                </a:ln>
+                <a:solidFill>
+                  <a:prstClr val="black"/>
+                </a:solidFill>
+                <a:effectLst/>
+                <a:uLnTx/>
+                <a:uFillTx/>
+                <a:latin typeface="Times" pitchFamily="-97" charset="0"/>
+                <a:ea typeface="+mn-ea"/>
+                <a:cs typeface="+mn-cs"/>
+              </a:rPr>
+              <a:t>Causas </a:t>
+            </a:r>
+            <a:r>
+              <a:rPr kumimoji="0" lang="es-CL" sz="1200" b="0" i="0" u="none" strike="noStrike" kern="1200" cap="none" spc="0" normalizeH="0" baseline="0" noProof="0" dirty="0" err="1">
+                <a:ln>
+                  <a:noFill/>
+                </a:ln>
+                <a:solidFill>
+                  <a:prstClr val="black"/>
+                </a:solidFill>
+                <a:effectLst/>
+                <a:uLnTx/>
+                <a:uFillTx/>
+                <a:latin typeface="Times" pitchFamily="-97" charset="0"/>
+                <a:ea typeface="+mn-ea"/>
+                <a:cs typeface="+mn-cs"/>
+              </a:rPr>
+              <a:t>Antropógenas</a:t>
+            </a:r>
+            <a:r>
+              <a:rPr kumimoji="0" lang="es-CL" sz="1200" b="0" i="0" u="none" strike="noStrike" kern="1200" cap="none" spc="0" normalizeH="0" baseline="0" noProof="0" dirty="0">
+                <a:ln>
+                  <a:noFill/>
+                </a:ln>
+                <a:solidFill>
+                  <a:prstClr val="black"/>
+                </a:solidFill>
+                <a:effectLst/>
+                <a:uLnTx/>
+                <a:uFillTx/>
+                <a:latin typeface="Times" pitchFamily="-97" charset="0"/>
+                <a:ea typeface="+mn-ea"/>
+                <a:cs typeface="+mn-cs"/>
+              </a:rPr>
+              <a:t> Chile</a:t>
+            </a:r>
+          </a:p>
+        </p:txBody>
+      </p:sp>
+      <p:sp>
+        <p:nvSpPr>
+          <p:cNvPr id="51" name="CuadroTexto 50">
+            <a:extLst>
+              <a:ext uri="{FF2B5EF4-FFF2-40B4-BE49-F238E27FC236}">
+                <a16:creationId xmlns:a16="http://schemas.microsoft.com/office/drawing/2014/main" id="{D8488D48-3F10-4979-B252-DC6EAA3C3EEC}"/>
+              </a:ext>
+            </a:extLst>
+          </p:cNvPr>
+          <p:cNvSpPr txBox="1"/>
+          <p:nvPr/>
+        </p:nvSpPr>
+        <p:spPr>
+          <a:xfrm>
+            <a:off x="2381286" y="2585808"/>
+            <a:ext cx="1512168" cy="461665"/>
+          </a:xfrm>
+          <a:prstGeom prst="rect">
+            <a:avLst/>
+          </a:prstGeom>
+          <a:solidFill>
+            <a:schemeClr val="accent4">
+              <a:lumMod val="40000"/>
+              <a:lumOff val="60000"/>
+            </a:schemeClr>
+          </a:solidFill>
+          <a:ln w="28575">
+            <a:solidFill>
+              <a:srgbClr val="FFC000"/>
+            </a:solidFill>
+          </a:ln>
+        </p:spPr>
+        <p:txBody>
+          <a:bodyPr wrap="square" rtlCol="0">
+            <a:spAutoFit/>
+          </a:bodyPr>
+          <a:lstStyle/>
+          <a:p>
+            <a:pPr marL="0" marR="0" lvl="0" indent="0" algn="ctr" defTabSz="914400" rtl="0" eaLnBrk="0" fontAlgn="base" latinLnBrk="0" hangingPunct="0">
+              <a:lnSpc>
+                <a:spcPct val="100000"/>
+              </a:lnSpc>
+              <a:spcBef>
+                <a:spcPct val="0"/>
+              </a:spcBef>
+              <a:spcAft>
+                <a:spcPct val="0"/>
+              </a:spcAft>
+              <a:buClrTx/>
+              <a:buSzTx/>
+              <a:buFontTx/>
+              <a:buNone/>
+              <a:tabLst/>
+              <a:defRPr/>
+            </a:pPr>
+            <a:r>
+              <a:rPr kumimoji="0" lang="es-CL" sz="1200" b="0" i="0" u="none" strike="noStrike" kern="1200" cap="none" spc="0" normalizeH="0" baseline="0" noProof="0" dirty="0">
+                <a:ln>
+                  <a:noFill/>
+                </a:ln>
+                <a:solidFill>
+                  <a:prstClr val="black"/>
+                </a:solidFill>
+                <a:effectLst/>
+                <a:uLnTx/>
+                <a:uFillTx/>
+                <a:latin typeface="Times" pitchFamily="-97" charset="0"/>
+                <a:ea typeface="+mn-ea"/>
+                <a:cs typeface="+mn-cs"/>
+              </a:rPr>
+              <a:t>Causas </a:t>
+            </a:r>
+            <a:r>
+              <a:rPr kumimoji="0" lang="es-CL" sz="1200" b="0" i="0" u="none" strike="noStrike" kern="1200" cap="none" spc="0" normalizeH="0" baseline="0" noProof="0" dirty="0" err="1">
+                <a:ln>
+                  <a:noFill/>
+                </a:ln>
+                <a:solidFill>
+                  <a:prstClr val="black"/>
+                </a:solidFill>
+                <a:effectLst/>
+                <a:uLnTx/>
+                <a:uFillTx/>
+                <a:latin typeface="Times" pitchFamily="-97" charset="0"/>
+                <a:ea typeface="+mn-ea"/>
+                <a:cs typeface="+mn-cs"/>
+              </a:rPr>
+              <a:t>Antropógenas</a:t>
+            </a:r>
+            <a:r>
+              <a:rPr kumimoji="0" lang="es-CL" sz="1200" b="0" i="0" u="none" strike="noStrike" kern="1200" cap="none" spc="0" normalizeH="0" baseline="0" noProof="0" dirty="0">
+                <a:ln>
+                  <a:noFill/>
+                </a:ln>
+                <a:solidFill>
+                  <a:prstClr val="black"/>
+                </a:solidFill>
+                <a:effectLst/>
+                <a:uLnTx/>
+                <a:uFillTx/>
+                <a:latin typeface="Times" pitchFamily="-97" charset="0"/>
+                <a:ea typeface="+mn-ea"/>
+                <a:cs typeface="+mn-cs"/>
+              </a:rPr>
+              <a:t> Latino América</a:t>
+            </a:r>
+          </a:p>
+        </p:txBody>
+      </p:sp>
+      <p:sp>
+        <p:nvSpPr>
+          <p:cNvPr id="68" name="Forma libre: forma 67">
+            <a:extLst>
+              <a:ext uri="{FF2B5EF4-FFF2-40B4-BE49-F238E27FC236}">
+                <a16:creationId xmlns:a16="http://schemas.microsoft.com/office/drawing/2014/main" id="{914E22ED-2057-45D4-AE71-BF82D927AC87}"/>
+              </a:ext>
+            </a:extLst>
+          </p:cNvPr>
+          <p:cNvSpPr/>
+          <p:nvPr/>
+        </p:nvSpPr>
+        <p:spPr>
+          <a:xfrm>
+            <a:off x="2178093" y="2877408"/>
             <a:ext cx="91225" cy="150350"/>
           </a:xfrm>
           <a:custGeom>
@@ -9474,10 +11966,10 @@
       </p:sp>
       <p:sp>
         <p:nvSpPr>
-          <p:cNvPr id="81" name="Rectángulo 80">
-            <a:extLst>
-              <a:ext uri="{FF2B5EF4-FFF2-40B4-BE49-F238E27FC236}">
-                <a16:creationId xmlns:a16="http://schemas.microsoft.com/office/drawing/2014/main" id="{BD54D6F6-14A5-4932-AD33-93B5647CCFFD}"/>
+          <p:cNvPr id="83" name="Rectángulo 82">
+            <a:extLst>
+              <a:ext uri="{FF2B5EF4-FFF2-40B4-BE49-F238E27FC236}">
+                <a16:creationId xmlns:a16="http://schemas.microsoft.com/office/drawing/2014/main" id="{8B77CAAC-7C19-4AE6-B73A-77D98D232FE1}"/>
               </a:ext>
             </a:extLst>
           </p:cNvPr>
@@ -9486,13 +11978,18 @@
         </p:nvSpPr>
         <p:spPr>
           <a:xfrm>
-            <a:off x="4072565" y="3933056"/>
-            <a:ext cx="4679852" cy="720080"/>
+            <a:off x="787084" y="2456142"/>
+            <a:ext cx="3106370" cy="720080"/>
           </a:xfrm>
           <a:prstGeom prst="rect">
             <a:avLst/>
           </a:prstGeom>
           <a:noFill/>
+          <a:ln>
+            <a:solidFill>
+              <a:srgbClr val="FFC000"/>
+            </a:solidFill>
+          </a:ln>
         </p:spPr>
         <p:style>
           <a:lnRef idx="2">
@@ -9550,3397 +12047,6 @@
       </p:sp>
       <p:sp>
         <p:nvSpPr>
-          <p:cNvPr id="83" name="Rectángulo 82">
-            <a:extLst>
-              <a:ext uri="{FF2B5EF4-FFF2-40B4-BE49-F238E27FC236}">
-                <a16:creationId xmlns:a16="http://schemas.microsoft.com/office/drawing/2014/main" id="{8B77CAAC-7C19-4AE6-B73A-77D98D232FE1}"/>
-              </a:ext>
-            </a:extLst>
-          </p:cNvPr>
-          <p:cNvSpPr/>
-          <p:nvPr/>
-        </p:nvSpPr>
-        <p:spPr>
-          <a:xfrm>
-            <a:off x="4298914" y="2456142"/>
-            <a:ext cx="4679852" cy="720080"/>
-          </a:xfrm>
-          <a:prstGeom prst="rect">
-            <a:avLst/>
-          </a:prstGeom>
-          <a:noFill/>
-          <a:ln>
-            <a:solidFill>
-              <a:srgbClr val="FFC000"/>
-            </a:solidFill>
-          </a:ln>
-        </p:spPr>
-        <p:style>
-          <a:lnRef idx="2">
-            <a:schemeClr val="accent1">
-              <a:shade val="50000"/>
-            </a:schemeClr>
-          </a:lnRef>
-          <a:fillRef idx="1">
-            <a:schemeClr val="accent1"/>
-          </a:fillRef>
-          <a:effectRef idx="0">
-            <a:schemeClr val="accent1"/>
-          </a:effectRef>
-          <a:fontRef idx="minor">
-            <a:schemeClr val="lt1"/>
-          </a:fontRef>
-        </p:style>
-        <p:txBody>
-          <a:bodyPr rtlCol="0" anchor="ctr"/>
-          <a:lstStyle/>
-          <a:p>
-            <a:pPr marL="0" marR="0" lvl="0" indent="0" algn="ctr" defTabSz="914400" rtl="0" eaLnBrk="0" fontAlgn="base" latinLnBrk="0" hangingPunct="0">
-              <a:lnSpc>
-                <a:spcPct val="100000"/>
-              </a:lnSpc>
-              <a:spcBef>
-                <a:spcPct val="0"/>
-              </a:spcBef>
-              <a:spcAft>
-                <a:spcPct val="0"/>
-              </a:spcAft>
-              <a:buClrTx/>
-              <a:buSzTx/>
-              <a:buFontTx/>
-              <a:buNone/>
-              <a:tabLst/>
-              <a:defRPr/>
-            </a:pPr>
-            <a:endParaRPr kumimoji="0" lang="es-CL" sz="2400" b="0" i="0" u="none" strike="noStrike" kern="1200" cap="none" spc="0" normalizeH="0" baseline="0" noProof="0">
-              <a:ln>
-                <a:noFill/>
-              </a:ln>
-              <a:solidFill>
-                <a:prstClr val="white"/>
-              </a:solidFill>
-              <a:effectLst/>
-              <a:uLnTx/>
-              <a:uFillTx/>
-              <a:latin typeface="Tw Cen MT" panose="020B0602020104020603"/>
-              <a:ea typeface="+mn-ea"/>
-              <a:cs typeface="+mn-cs"/>
-            </a:endParaRPr>
-          </a:p>
-        </p:txBody>
-      </p:sp>
-      <p:sp>
-        <p:nvSpPr>
-          <p:cNvPr id="85" name="CuadroTexto 84">
-            <a:extLst>
-              <a:ext uri="{FF2B5EF4-FFF2-40B4-BE49-F238E27FC236}">
-                <a16:creationId xmlns:a16="http://schemas.microsoft.com/office/drawing/2014/main" id="{64EB516F-E1EE-403E-91DA-ADD940B5B990}"/>
-              </a:ext>
-            </a:extLst>
-          </p:cNvPr>
-          <p:cNvSpPr txBox="1"/>
-          <p:nvPr/>
-        </p:nvSpPr>
-        <p:spPr>
-          <a:xfrm>
-            <a:off x="782485" y="5510128"/>
-            <a:ext cx="1512168" cy="461665"/>
-          </a:xfrm>
-          <a:prstGeom prst="rect">
-            <a:avLst/>
-          </a:prstGeom>
-          <a:solidFill>
-            <a:schemeClr val="accent1">
-              <a:lumMod val="60000"/>
-              <a:lumOff val="40000"/>
-            </a:schemeClr>
-          </a:solidFill>
-          <a:ln w="28575">
-            <a:solidFill>
-              <a:schemeClr val="accent1">
-                <a:lumMod val="75000"/>
-              </a:schemeClr>
-            </a:solidFill>
-          </a:ln>
-        </p:spPr>
-        <p:txBody>
-          <a:bodyPr wrap="square" rtlCol="0">
-            <a:spAutoFit/>
-          </a:bodyPr>
-          <a:lstStyle/>
-          <a:p>
-            <a:pPr marL="0" marR="0" lvl="0" indent="0" algn="ctr" defTabSz="914400" rtl="0" eaLnBrk="0" fontAlgn="base" latinLnBrk="0" hangingPunct="0">
-              <a:lnSpc>
-                <a:spcPct val="100000"/>
-              </a:lnSpc>
-              <a:spcBef>
-                <a:spcPct val="0"/>
-              </a:spcBef>
-              <a:spcAft>
-                <a:spcPct val="0"/>
-              </a:spcAft>
-              <a:buClrTx/>
-              <a:buSzTx/>
-              <a:buFontTx/>
-              <a:buNone/>
-              <a:tabLst/>
-              <a:defRPr/>
-            </a:pPr>
-            <a:r>
-              <a:rPr kumimoji="0" lang="es-CL" sz="1200" b="0" i="0" u="none" strike="noStrike" kern="1200" cap="none" spc="0" normalizeH="0" baseline="0" noProof="0" dirty="0">
-                <a:ln>
-                  <a:noFill/>
-                </a:ln>
-                <a:solidFill>
-                  <a:prstClr val="black"/>
-                </a:solidFill>
-                <a:effectLst/>
-                <a:uLnTx/>
-                <a:uFillTx/>
-                <a:latin typeface="Times" pitchFamily="-97" charset="0"/>
-                <a:ea typeface="+mn-ea"/>
-                <a:cs typeface="+mn-cs"/>
-              </a:rPr>
-              <a:t>Salud y Bienestar Chile</a:t>
-            </a:r>
-          </a:p>
-        </p:txBody>
-      </p:sp>
-      <p:sp>
-        <p:nvSpPr>
-          <p:cNvPr id="87" name="CuadroTexto 86">
-            <a:extLst>
-              <a:ext uri="{FF2B5EF4-FFF2-40B4-BE49-F238E27FC236}">
-                <a16:creationId xmlns:a16="http://schemas.microsoft.com/office/drawing/2014/main" id="{F8EC0E94-44F2-4079-B8FF-8AE2F33C62E5}"/>
-              </a:ext>
-            </a:extLst>
-          </p:cNvPr>
-          <p:cNvSpPr txBox="1"/>
-          <p:nvPr/>
-        </p:nvSpPr>
-        <p:spPr>
-          <a:xfrm>
-            <a:off x="2364785" y="5510127"/>
-            <a:ext cx="1512168" cy="461665"/>
-          </a:xfrm>
-          <a:prstGeom prst="rect">
-            <a:avLst/>
-          </a:prstGeom>
-          <a:solidFill>
-            <a:schemeClr val="accent1">
-              <a:lumMod val="60000"/>
-              <a:lumOff val="40000"/>
-            </a:schemeClr>
-          </a:solidFill>
-          <a:ln w="28575">
-            <a:solidFill>
-              <a:schemeClr val="accent1">
-                <a:lumMod val="75000"/>
-              </a:schemeClr>
-            </a:solidFill>
-          </a:ln>
-        </p:spPr>
-        <p:txBody>
-          <a:bodyPr wrap="square" rtlCol="0">
-            <a:spAutoFit/>
-          </a:bodyPr>
-          <a:lstStyle/>
-          <a:p>
-            <a:pPr marL="0" marR="0" lvl="0" indent="0" algn="ctr" defTabSz="914400" rtl="0" eaLnBrk="0" fontAlgn="base" latinLnBrk="0" hangingPunct="0">
-              <a:lnSpc>
-                <a:spcPct val="100000"/>
-              </a:lnSpc>
-              <a:spcBef>
-                <a:spcPct val="0"/>
-              </a:spcBef>
-              <a:spcAft>
-                <a:spcPct val="0"/>
-              </a:spcAft>
-              <a:buClrTx/>
-              <a:buSzTx/>
-              <a:buFontTx/>
-              <a:buNone/>
-              <a:tabLst/>
-              <a:defRPr/>
-            </a:pPr>
-            <a:r>
-              <a:rPr kumimoji="0" lang="es-CL" sz="1200" b="0" i="0" u="none" strike="noStrike" kern="1200" cap="none" spc="0" normalizeH="0" baseline="0" noProof="0" dirty="0">
-                <a:ln>
-                  <a:noFill/>
-                </a:ln>
-                <a:solidFill>
-                  <a:prstClr val="black"/>
-                </a:solidFill>
-                <a:effectLst/>
-                <a:uLnTx/>
-                <a:uFillTx/>
-                <a:latin typeface="Times" pitchFamily="-97" charset="0"/>
-                <a:ea typeface="+mn-ea"/>
-                <a:cs typeface="+mn-cs"/>
-              </a:rPr>
-              <a:t>Salud y Bienestar Latino América</a:t>
-            </a:r>
-          </a:p>
-        </p:txBody>
-      </p:sp>
-      <p:sp>
-        <p:nvSpPr>
-          <p:cNvPr id="89" name="CuadroTexto 88">
-            <a:extLst>
-              <a:ext uri="{FF2B5EF4-FFF2-40B4-BE49-F238E27FC236}">
-                <a16:creationId xmlns:a16="http://schemas.microsoft.com/office/drawing/2014/main" id="{23B1973A-FC8D-41E9-9822-69F471A6BAEE}"/>
-              </a:ext>
-            </a:extLst>
-          </p:cNvPr>
-          <p:cNvSpPr txBox="1"/>
-          <p:nvPr/>
-        </p:nvSpPr>
-        <p:spPr>
-          <a:xfrm>
-            <a:off x="3947085" y="5510126"/>
-            <a:ext cx="1512168" cy="461665"/>
-          </a:xfrm>
-          <a:prstGeom prst="rect">
-            <a:avLst/>
-          </a:prstGeom>
-          <a:solidFill>
-            <a:schemeClr val="accent1">
-              <a:lumMod val="60000"/>
-              <a:lumOff val="40000"/>
-            </a:schemeClr>
-          </a:solidFill>
-          <a:ln w="28575">
-            <a:solidFill>
-              <a:schemeClr val="accent1">
-                <a:lumMod val="75000"/>
-              </a:schemeClr>
-            </a:solidFill>
-          </a:ln>
-        </p:spPr>
-        <p:txBody>
-          <a:bodyPr wrap="square" rtlCol="0">
-            <a:spAutoFit/>
-          </a:bodyPr>
-          <a:lstStyle/>
-          <a:p>
-            <a:pPr marL="0" marR="0" lvl="0" indent="0" algn="ctr" defTabSz="914400" rtl="0" eaLnBrk="0" fontAlgn="base" latinLnBrk="0" hangingPunct="0">
-              <a:lnSpc>
-                <a:spcPct val="100000"/>
-              </a:lnSpc>
-              <a:spcBef>
-                <a:spcPct val="0"/>
-              </a:spcBef>
-              <a:spcAft>
-                <a:spcPct val="0"/>
-              </a:spcAft>
-              <a:buClrTx/>
-              <a:buSzTx/>
-              <a:buFontTx/>
-              <a:buNone/>
-              <a:tabLst/>
-              <a:defRPr/>
-            </a:pPr>
-            <a:r>
-              <a:rPr kumimoji="0" lang="es-CL" sz="1200" b="0" i="0" u="none" strike="noStrike" kern="1200" cap="none" spc="0" normalizeH="0" baseline="0" noProof="0" dirty="0">
-                <a:ln>
-                  <a:noFill/>
-                </a:ln>
-                <a:solidFill>
-                  <a:prstClr val="black"/>
-                </a:solidFill>
-                <a:effectLst/>
-                <a:uLnTx/>
-                <a:uFillTx/>
-                <a:latin typeface="Times" pitchFamily="-97" charset="0"/>
-                <a:ea typeface="+mn-ea"/>
-                <a:cs typeface="+mn-cs"/>
-              </a:rPr>
-              <a:t>Salud y Bienestar Continentes</a:t>
-            </a:r>
-          </a:p>
-        </p:txBody>
-      </p:sp>
-      <p:sp>
-        <p:nvSpPr>
-          <p:cNvPr id="91" name="Rectángulo 90">
-            <a:extLst>
-              <a:ext uri="{FF2B5EF4-FFF2-40B4-BE49-F238E27FC236}">
-                <a16:creationId xmlns:a16="http://schemas.microsoft.com/office/drawing/2014/main" id="{E8502B26-F528-435C-80F6-41F2E452A8E9}"/>
-              </a:ext>
-            </a:extLst>
-          </p:cNvPr>
-          <p:cNvSpPr/>
-          <p:nvPr/>
-        </p:nvSpPr>
-        <p:spPr>
-          <a:xfrm>
-            <a:off x="772775" y="5380918"/>
-            <a:ext cx="4686478" cy="720080"/>
-          </a:xfrm>
-          <a:prstGeom prst="rect">
-            <a:avLst/>
-          </a:prstGeom>
-          <a:noFill/>
-        </p:spPr>
-        <p:style>
-          <a:lnRef idx="2">
-            <a:schemeClr val="accent1">
-              <a:shade val="50000"/>
-            </a:schemeClr>
-          </a:lnRef>
-          <a:fillRef idx="1">
-            <a:schemeClr val="accent1"/>
-          </a:fillRef>
-          <a:effectRef idx="0">
-            <a:schemeClr val="accent1"/>
-          </a:effectRef>
-          <a:fontRef idx="minor">
-            <a:schemeClr val="lt1"/>
-          </a:fontRef>
-        </p:style>
-        <p:txBody>
-          <a:bodyPr rtlCol="0" anchor="ctr"/>
-          <a:lstStyle/>
-          <a:p>
-            <a:pPr marL="0" marR="0" lvl="0" indent="0" algn="ctr" defTabSz="914400" rtl="0" eaLnBrk="0" fontAlgn="base" latinLnBrk="0" hangingPunct="0">
-              <a:lnSpc>
-                <a:spcPct val="100000"/>
-              </a:lnSpc>
-              <a:spcBef>
-                <a:spcPct val="0"/>
-              </a:spcBef>
-              <a:spcAft>
-                <a:spcPct val="0"/>
-              </a:spcAft>
-              <a:buClrTx/>
-              <a:buSzTx/>
-              <a:buFontTx/>
-              <a:buNone/>
-              <a:tabLst/>
-              <a:defRPr/>
-            </a:pPr>
-            <a:endParaRPr kumimoji="0" lang="es-CL" sz="2400" b="0" i="0" u="none" strike="noStrike" kern="1200" cap="none" spc="0" normalizeH="0" baseline="0" noProof="0">
-              <a:ln>
-                <a:noFill/>
-              </a:ln>
-              <a:solidFill>
-                <a:prstClr val="white"/>
-              </a:solidFill>
-              <a:effectLst/>
-              <a:uLnTx/>
-              <a:uFillTx/>
-              <a:latin typeface="Tw Cen MT" panose="020B0602020104020603"/>
-              <a:ea typeface="+mn-ea"/>
-              <a:cs typeface="+mn-cs"/>
-            </a:endParaRPr>
-          </a:p>
-        </p:txBody>
-      </p:sp>
-      <p:sp>
-        <p:nvSpPr>
-          <p:cNvPr id="93" name="CuadroTexto 92">
-            <a:extLst>
-              <a:ext uri="{FF2B5EF4-FFF2-40B4-BE49-F238E27FC236}">
-                <a16:creationId xmlns:a16="http://schemas.microsoft.com/office/drawing/2014/main" id="{BA4F084F-EC7F-490E-BC7D-BE3A99A587F4}"/>
-              </a:ext>
-            </a:extLst>
-          </p:cNvPr>
-          <p:cNvSpPr txBox="1"/>
-          <p:nvPr/>
-        </p:nvSpPr>
-        <p:spPr>
-          <a:xfrm>
-            <a:off x="5679164" y="5516757"/>
-            <a:ext cx="1512168" cy="461665"/>
-          </a:xfrm>
-          <a:prstGeom prst="rect">
-            <a:avLst/>
-          </a:prstGeom>
-          <a:solidFill>
-            <a:schemeClr val="accent1">
-              <a:lumMod val="60000"/>
-              <a:lumOff val="40000"/>
-            </a:schemeClr>
-          </a:solidFill>
-          <a:ln w="28575">
-            <a:solidFill>
-              <a:schemeClr val="accent1">
-                <a:lumMod val="75000"/>
-              </a:schemeClr>
-            </a:solidFill>
-          </a:ln>
-        </p:spPr>
-        <p:txBody>
-          <a:bodyPr wrap="square" rtlCol="0">
-            <a:spAutoFit/>
-          </a:bodyPr>
-          <a:lstStyle/>
-          <a:p>
-            <a:pPr marL="0" marR="0" lvl="0" indent="0" algn="ctr" defTabSz="914400" rtl="0" eaLnBrk="0" fontAlgn="base" latinLnBrk="0" hangingPunct="0">
-              <a:lnSpc>
-                <a:spcPct val="100000"/>
-              </a:lnSpc>
-              <a:spcBef>
-                <a:spcPct val="0"/>
-              </a:spcBef>
-              <a:spcAft>
-                <a:spcPct val="0"/>
-              </a:spcAft>
-              <a:buClrTx/>
-              <a:buSzTx/>
-              <a:buFontTx/>
-              <a:buNone/>
-              <a:tabLst/>
-              <a:defRPr/>
-            </a:pPr>
-            <a:r>
-              <a:rPr kumimoji="0" lang="es-CL" sz="1200" b="0" i="0" u="none" strike="noStrike" kern="1200" cap="none" spc="0" normalizeH="0" baseline="0" noProof="0" dirty="0">
-                <a:ln>
-                  <a:noFill/>
-                </a:ln>
-                <a:solidFill>
-                  <a:prstClr val="black"/>
-                </a:solidFill>
-                <a:effectLst/>
-                <a:uLnTx/>
-                <a:uFillTx/>
-                <a:latin typeface="Times" pitchFamily="-97" charset="0"/>
-                <a:ea typeface="+mn-ea"/>
-                <a:cs typeface="+mn-cs"/>
-              </a:rPr>
-              <a:t>Alimentos y Agua Chile</a:t>
-            </a:r>
-          </a:p>
-        </p:txBody>
-      </p:sp>
-      <p:sp>
-        <p:nvSpPr>
-          <p:cNvPr id="95" name="CuadroTexto 94">
-            <a:extLst>
-              <a:ext uri="{FF2B5EF4-FFF2-40B4-BE49-F238E27FC236}">
-                <a16:creationId xmlns:a16="http://schemas.microsoft.com/office/drawing/2014/main" id="{7C06924A-5D7C-4818-8FAA-B86EA7CD594A}"/>
-              </a:ext>
-            </a:extLst>
-          </p:cNvPr>
-          <p:cNvSpPr txBox="1"/>
-          <p:nvPr/>
-        </p:nvSpPr>
-        <p:spPr>
-          <a:xfrm>
-            <a:off x="7261464" y="5516756"/>
-            <a:ext cx="1512168" cy="461665"/>
-          </a:xfrm>
-          <a:prstGeom prst="rect">
-            <a:avLst/>
-          </a:prstGeom>
-          <a:solidFill>
-            <a:schemeClr val="accent1">
-              <a:lumMod val="60000"/>
-              <a:lumOff val="40000"/>
-            </a:schemeClr>
-          </a:solidFill>
-          <a:ln w="28575">
-            <a:solidFill>
-              <a:schemeClr val="accent1">
-                <a:lumMod val="75000"/>
-              </a:schemeClr>
-            </a:solidFill>
-          </a:ln>
-        </p:spPr>
-        <p:txBody>
-          <a:bodyPr wrap="square" rtlCol="0">
-            <a:spAutoFit/>
-          </a:bodyPr>
-          <a:lstStyle/>
-          <a:p>
-            <a:pPr marL="0" marR="0" lvl="0" indent="0" algn="ctr" defTabSz="914400" rtl="0" eaLnBrk="0" fontAlgn="base" latinLnBrk="0" hangingPunct="0">
-              <a:lnSpc>
-                <a:spcPct val="100000"/>
-              </a:lnSpc>
-              <a:spcBef>
-                <a:spcPct val="0"/>
-              </a:spcBef>
-              <a:spcAft>
-                <a:spcPct val="0"/>
-              </a:spcAft>
-              <a:buClrTx/>
-              <a:buSzTx/>
-              <a:buFontTx/>
-              <a:buNone/>
-              <a:tabLst/>
-              <a:defRPr/>
-            </a:pPr>
-            <a:r>
-              <a:rPr kumimoji="0" lang="es-CL" sz="1200" b="0" i="0" u="none" strike="noStrike" kern="1200" cap="none" spc="0" normalizeH="0" baseline="0" noProof="0" dirty="0">
-                <a:ln>
-                  <a:noFill/>
-                </a:ln>
-                <a:solidFill>
-                  <a:prstClr val="black"/>
-                </a:solidFill>
-                <a:effectLst/>
-                <a:uLnTx/>
-                <a:uFillTx/>
-                <a:latin typeface="Times" pitchFamily="-97" charset="0"/>
-                <a:ea typeface="+mn-ea"/>
-                <a:cs typeface="+mn-cs"/>
-              </a:rPr>
-              <a:t>Alimentos y Agua Latino América</a:t>
-            </a:r>
-          </a:p>
-        </p:txBody>
-      </p:sp>
-      <p:sp>
-        <p:nvSpPr>
-          <p:cNvPr id="97" name="CuadroTexto 96">
-            <a:extLst>
-              <a:ext uri="{FF2B5EF4-FFF2-40B4-BE49-F238E27FC236}">
-                <a16:creationId xmlns:a16="http://schemas.microsoft.com/office/drawing/2014/main" id="{2A7DB6A8-CB3B-4F35-BDB8-C173E066FE16}"/>
-              </a:ext>
-            </a:extLst>
-          </p:cNvPr>
-          <p:cNvSpPr txBox="1"/>
-          <p:nvPr/>
-        </p:nvSpPr>
-        <p:spPr>
-          <a:xfrm>
-            <a:off x="8843764" y="5516755"/>
-            <a:ext cx="1512168" cy="461665"/>
-          </a:xfrm>
-          <a:prstGeom prst="rect">
-            <a:avLst/>
-          </a:prstGeom>
-          <a:solidFill>
-            <a:schemeClr val="accent1">
-              <a:lumMod val="60000"/>
-              <a:lumOff val="40000"/>
-            </a:schemeClr>
-          </a:solidFill>
-          <a:ln w="28575">
-            <a:solidFill>
-              <a:schemeClr val="accent1">
-                <a:lumMod val="75000"/>
-              </a:schemeClr>
-            </a:solidFill>
-          </a:ln>
-        </p:spPr>
-        <p:txBody>
-          <a:bodyPr wrap="square" rtlCol="0">
-            <a:spAutoFit/>
-          </a:bodyPr>
-          <a:lstStyle/>
-          <a:p>
-            <a:pPr marL="0" marR="0" lvl="0" indent="0" algn="ctr" defTabSz="914400" rtl="0" eaLnBrk="0" fontAlgn="base" latinLnBrk="0" hangingPunct="0">
-              <a:lnSpc>
-                <a:spcPct val="100000"/>
-              </a:lnSpc>
-              <a:spcBef>
-                <a:spcPct val="0"/>
-              </a:spcBef>
-              <a:spcAft>
-                <a:spcPct val="0"/>
-              </a:spcAft>
-              <a:buClrTx/>
-              <a:buSzTx/>
-              <a:buFontTx/>
-              <a:buNone/>
-              <a:tabLst/>
-              <a:defRPr/>
-            </a:pPr>
-            <a:r>
-              <a:rPr kumimoji="0" lang="es-CL" sz="1200" b="0" i="0" u="none" strike="noStrike" kern="1200" cap="none" spc="0" normalizeH="0" baseline="0" noProof="0" dirty="0">
-                <a:ln>
-                  <a:noFill/>
-                </a:ln>
-                <a:solidFill>
-                  <a:prstClr val="black"/>
-                </a:solidFill>
-                <a:effectLst/>
-                <a:uLnTx/>
-                <a:uFillTx/>
-                <a:latin typeface="Times" pitchFamily="-97" charset="0"/>
-                <a:ea typeface="+mn-ea"/>
-                <a:cs typeface="+mn-cs"/>
-              </a:rPr>
-              <a:t>Alimentos y Agua Continentes</a:t>
-            </a:r>
-          </a:p>
-        </p:txBody>
-      </p:sp>
-      <p:sp>
-        <p:nvSpPr>
-          <p:cNvPr id="99" name="Rectángulo 98">
-            <a:extLst>
-              <a:ext uri="{FF2B5EF4-FFF2-40B4-BE49-F238E27FC236}">
-                <a16:creationId xmlns:a16="http://schemas.microsoft.com/office/drawing/2014/main" id="{D77E9456-4B86-4845-9961-A563CB63D2D1}"/>
-              </a:ext>
-            </a:extLst>
-          </p:cNvPr>
-          <p:cNvSpPr/>
-          <p:nvPr/>
-        </p:nvSpPr>
-        <p:spPr>
-          <a:xfrm>
-            <a:off x="5669452" y="5374295"/>
-            <a:ext cx="4686478" cy="720080"/>
-          </a:xfrm>
-          <a:prstGeom prst="rect">
-            <a:avLst/>
-          </a:prstGeom>
-          <a:noFill/>
-        </p:spPr>
-        <p:style>
-          <a:lnRef idx="2">
-            <a:schemeClr val="accent1">
-              <a:shade val="50000"/>
-            </a:schemeClr>
-          </a:lnRef>
-          <a:fillRef idx="1">
-            <a:schemeClr val="accent1"/>
-          </a:fillRef>
-          <a:effectRef idx="0">
-            <a:schemeClr val="accent1"/>
-          </a:effectRef>
-          <a:fontRef idx="minor">
-            <a:schemeClr val="lt1"/>
-          </a:fontRef>
-        </p:style>
-        <p:txBody>
-          <a:bodyPr rtlCol="0" anchor="ctr"/>
-          <a:lstStyle/>
-          <a:p>
-            <a:pPr marL="0" marR="0" lvl="0" indent="0" algn="ctr" defTabSz="914400" rtl="0" eaLnBrk="0" fontAlgn="base" latinLnBrk="0" hangingPunct="0">
-              <a:lnSpc>
-                <a:spcPct val="100000"/>
-              </a:lnSpc>
-              <a:spcBef>
-                <a:spcPct val="0"/>
-              </a:spcBef>
-              <a:spcAft>
-                <a:spcPct val="0"/>
-              </a:spcAft>
-              <a:buClrTx/>
-              <a:buSzTx/>
-              <a:buFontTx/>
-              <a:buNone/>
-              <a:tabLst/>
-              <a:defRPr/>
-            </a:pPr>
-            <a:endParaRPr kumimoji="0" lang="es-CL" sz="2400" b="0" i="0" u="none" strike="noStrike" kern="1200" cap="none" spc="0" normalizeH="0" baseline="0" noProof="0">
-              <a:ln>
-                <a:noFill/>
-              </a:ln>
-              <a:solidFill>
-                <a:prstClr val="white"/>
-              </a:solidFill>
-              <a:effectLst/>
-              <a:uLnTx/>
-              <a:uFillTx/>
-              <a:latin typeface="Tw Cen MT" panose="020B0602020104020603"/>
-              <a:ea typeface="+mn-ea"/>
-              <a:cs typeface="+mn-cs"/>
-            </a:endParaRPr>
-          </a:p>
-        </p:txBody>
-      </p:sp>
-      <p:sp>
-        <p:nvSpPr>
-          <p:cNvPr id="3" name="CuadroTexto 2">
-            <a:extLst>
-              <a:ext uri="{FF2B5EF4-FFF2-40B4-BE49-F238E27FC236}">
-                <a16:creationId xmlns:a16="http://schemas.microsoft.com/office/drawing/2014/main" id="{3F9260E9-3145-4F04-832E-A93BFB8D3342}"/>
-              </a:ext>
-            </a:extLst>
-          </p:cNvPr>
-          <p:cNvSpPr txBox="1"/>
-          <p:nvPr/>
-        </p:nvSpPr>
-        <p:spPr>
-          <a:xfrm>
-            <a:off x="3139295" y="3106646"/>
-            <a:ext cx="936104" cy="338554"/>
-          </a:xfrm>
-          <a:prstGeom prst="rect">
-            <a:avLst/>
-          </a:prstGeom>
-          <a:noFill/>
-        </p:spPr>
-        <p:txBody>
-          <a:bodyPr wrap="square" rtlCol="0">
-            <a:spAutoFit/>
-          </a:bodyPr>
-          <a:lstStyle/>
-          <a:p>
-            <a:pPr marL="0" marR="0" lvl="0" indent="0" algn="l" defTabSz="914400" rtl="0" eaLnBrk="0" fontAlgn="base" latinLnBrk="0" hangingPunct="0">
-              <a:lnSpc>
-                <a:spcPct val="100000"/>
-              </a:lnSpc>
-              <a:spcBef>
-                <a:spcPct val="0"/>
-              </a:spcBef>
-              <a:spcAft>
-                <a:spcPct val="0"/>
-              </a:spcAft>
-              <a:buClrTx/>
-              <a:buSzTx/>
-              <a:buFontTx/>
-              <a:buNone/>
-              <a:tabLst/>
-              <a:defRPr/>
-            </a:pPr>
-            <a:r>
-              <a:rPr kumimoji="0" lang="es-CL" sz="1600" b="1" i="0" u="none" strike="noStrike" kern="1200" cap="none" spc="0" normalizeH="0" baseline="0" noProof="0" dirty="0">
-                <a:ln>
-                  <a:noFill/>
-                </a:ln>
-                <a:solidFill>
-                  <a:prstClr val="black"/>
-                </a:solidFill>
-                <a:effectLst/>
-                <a:uLnTx/>
-                <a:uFillTx/>
-                <a:latin typeface="Times" pitchFamily="-97" charset="0"/>
-                <a:ea typeface="+mn-ea"/>
-                <a:cs typeface="+mn-cs"/>
-              </a:rPr>
-              <a:t>Precio</a:t>
-            </a:r>
-          </a:p>
-        </p:txBody>
-      </p:sp>
-      <p:sp>
-        <p:nvSpPr>
-          <p:cNvPr id="5" name="CuadroTexto 4">
-            <a:extLst>
-              <a:ext uri="{FF2B5EF4-FFF2-40B4-BE49-F238E27FC236}">
-                <a16:creationId xmlns:a16="http://schemas.microsoft.com/office/drawing/2014/main" id="{A66881F3-6074-4C18-AB66-63CE44720E49}"/>
-              </a:ext>
-            </a:extLst>
-          </p:cNvPr>
-          <p:cNvSpPr txBox="1"/>
-          <p:nvPr/>
-        </p:nvSpPr>
-        <p:spPr>
-          <a:xfrm>
-            <a:off x="6279913" y="3115236"/>
-            <a:ext cx="936104" cy="338554"/>
-          </a:xfrm>
-          <a:prstGeom prst="rect">
-            <a:avLst/>
-          </a:prstGeom>
-          <a:noFill/>
-        </p:spPr>
-        <p:txBody>
-          <a:bodyPr wrap="square" rtlCol="0">
-            <a:spAutoFit/>
-          </a:bodyPr>
-          <a:lstStyle/>
-          <a:p>
-            <a:pPr marL="0" marR="0" lvl="0" indent="0" algn="l" defTabSz="914400" rtl="0" eaLnBrk="0" fontAlgn="base" latinLnBrk="0" hangingPunct="0">
-              <a:lnSpc>
-                <a:spcPct val="100000"/>
-              </a:lnSpc>
-              <a:spcBef>
-                <a:spcPct val="0"/>
-              </a:spcBef>
-              <a:spcAft>
-                <a:spcPct val="0"/>
-              </a:spcAft>
-              <a:buClrTx/>
-              <a:buSzTx/>
-              <a:buFontTx/>
-              <a:buNone/>
-              <a:tabLst/>
-              <a:defRPr/>
-            </a:pPr>
-            <a:r>
-              <a:rPr kumimoji="0" lang="es-CL" sz="1600" b="1" i="0" u="none" strike="noStrike" kern="1200" cap="none" spc="0" normalizeH="0" baseline="0" noProof="0" dirty="0">
-                <a:ln>
-                  <a:noFill/>
-                </a:ln>
-                <a:solidFill>
-                  <a:prstClr val="black"/>
-                </a:solidFill>
-                <a:effectLst/>
-                <a:uLnTx/>
-                <a:uFillTx/>
-                <a:latin typeface="Times" pitchFamily="-97" charset="0"/>
-                <a:ea typeface="+mn-ea"/>
-                <a:cs typeface="+mn-cs"/>
-              </a:rPr>
-              <a:t>Precio</a:t>
-            </a:r>
-          </a:p>
-        </p:txBody>
-      </p:sp>
-      <p:sp>
-        <p:nvSpPr>
-          <p:cNvPr id="7" name="CuadroTexto 6">
-            <a:extLst>
-              <a:ext uri="{FF2B5EF4-FFF2-40B4-BE49-F238E27FC236}">
-                <a16:creationId xmlns:a16="http://schemas.microsoft.com/office/drawing/2014/main" id="{CCF5ABEC-0279-4D2F-A7E2-41E2CDB67C33}"/>
-              </a:ext>
-            </a:extLst>
-          </p:cNvPr>
-          <p:cNvSpPr txBox="1"/>
-          <p:nvPr/>
-        </p:nvSpPr>
-        <p:spPr>
-          <a:xfrm>
-            <a:off x="7825821" y="3106646"/>
-            <a:ext cx="936104" cy="338554"/>
-          </a:xfrm>
-          <a:prstGeom prst="rect">
-            <a:avLst/>
-          </a:prstGeom>
-          <a:noFill/>
-        </p:spPr>
-        <p:txBody>
-          <a:bodyPr wrap="square" rtlCol="0">
-            <a:spAutoFit/>
-          </a:bodyPr>
-          <a:lstStyle/>
-          <a:p>
-            <a:pPr marL="0" marR="0" lvl="0" indent="0" algn="l" defTabSz="914400" rtl="0" eaLnBrk="0" fontAlgn="base" latinLnBrk="0" hangingPunct="0">
-              <a:lnSpc>
-                <a:spcPct val="100000"/>
-              </a:lnSpc>
-              <a:spcBef>
-                <a:spcPct val="0"/>
-              </a:spcBef>
-              <a:spcAft>
-                <a:spcPct val="0"/>
-              </a:spcAft>
-              <a:buClrTx/>
-              <a:buSzTx/>
-              <a:buFontTx/>
-              <a:buNone/>
-              <a:tabLst/>
-              <a:defRPr/>
-            </a:pPr>
-            <a:r>
-              <a:rPr kumimoji="0" lang="es-CL" sz="1600" b="1" i="0" u="none" strike="noStrike" kern="1200" cap="none" spc="0" normalizeH="0" baseline="0" noProof="0" dirty="0">
-                <a:ln>
-                  <a:noFill/>
-                </a:ln>
-                <a:solidFill>
-                  <a:prstClr val="black"/>
-                </a:solidFill>
-                <a:effectLst/>
-                <a:uLnTx/>
-                <a:uFillTx/>
-                <a:latin typeface="Times" pitchFamily="-97" charset="0"/>
-                <a:ea typeface="+mn-ea"/>
-                <a:cs typeface="+mn-cs"/>
-              </a:rPr>
-              <a:t>Precio</a:t>
-            </a:r>
-          </a:p>
-        </p:txBody>
-      </p:sp>
-      <p:sp>
-        <p:nvSpPr>
-          <p:cNvPr id="9" name="CuadroTexto 8">
-            <a:extLst>
-              <a:ext uri="{FF2B5EF4-FFF2-40B4-BE49-F238E27FC236}">
-                <a16:creationId xmlns:a16="http://schemas.microsoft.com/office/drawing/2014/main" id="{CBB46749-C2D1-49CC-8858-0024CD26D463}"/>
-              </a:ext>
-            </a:extLst>
-          </p:cNvPr>
-          <p:cNvSpPr txBox="1"/>
-          <p:nvPr/>
-        </p:nvSpPr>
-        <p:spPr>
-          <a:xfrm>
-            <a:off x="9419826" y="3100017"/>
-            <a:ext cx="936104" cy="338554"/>
-          </a:xfrm>
-          <a:prstGeom prst="rect">
-            <a:avLst/>
-          </a:prstGeom>
-          <a:noFill/>
-        </p:spPr>
-        <p:txBody>
-          <a:bodyPr wrap="square" rtlCol="0">
-            <a:spAutoFit/>
-          </a:bodyPr>
-          <a:lstStyle/>
-          <a:p>
-            <a:pPr marL="0" marR="0" lvl="0" indent="0" algn="l" defTabSz="914400" rtl="0" eaLnBrk="0" fontAlgn="base" latinLnBrk="0" hangingPunct="0">
-              <a:lnSpc>
-                <a:spcPct val="100000"/>
-              </a:lnSpc>
-              <a:spcBef>
-                <a:spcPct val="0"/>
-              </a:spcBef>
-              <a:spcAft>
-                <a:spcPct val="0"/>
-              </a:spcAft>
-              <a:buClrTx/>
-              <a:buSzTx/>
-              <a:buFontTx/>
-              <a:buNone/>
-              <a:tabLst/>
-              <a:defRPr/>
-            </a:pPr>
-            <a:r>
-              <a:rPr kumimoji="0" lang="es-CL" sz="1600" b="1" i="0" u="none" strike="noStrike" kern="1200" cap="none" spc="0" normalizeH="0" baseline="0" noProof="0" dirty="0">
-                <a:ln>
-                  <a:noFill/>
-                </a:ln>
-                <a:solidFill>
-                  <a:prstClr val="black"/>
-                </a:solidFill>
-                <a:effectLst/>
-                <a:uLnTx/>
-                <a:uFillTx/>
-                <a:latin typeface="Times" pitchFamily="-97" charset="0"/>
-                <a:ea typeface="+mn-ea"/>
-                <a:cs typeface="+mn-cs"/>
-              </a:rPr>
-              <a:t>Precio</a:t>
-            </a:r>
-          </a:p>
-        </p:txBody>
-      </p:sp>
-      <p:sp>
-        <p:nvSpPr>
-          <p:cNvPr id="10" name="CuadroTexto 9">
-            <a:extLst>
-              <a:ext uri="{FF2B5EF4-FFF2-40B4-BE49-F238E27FC236}">
-                <a16:creationId xmlns:a16="http://schemas.microsoft.com/office/drawing/2014/main" id="{3165F411-9918-45F5-A228-E0BD87FD4114}"/>
-              </a:ext>
-            </a:extLst>
-          </p:cNvPr>
-          <p:cNvSpPr txBox="1"/>
-          <p:nvPr/>
-        </p:nvSpPr>
-        <p:spPr>
-          <a:xfrm>
-            <a:off x="11013831" y="3115236"/>
-            <a:ext cx="936104" cy="338554"/>
-          </a:xfrm>
-          <a:prstGeom prst="rect">
-            <a:avLst/>
-          </a:prstGeom>
-          <a:noFill/>
-        </p:spPr>
-        <p:txBody>
-          <a:bodyPr wrap="square" rtlCol="0">
-            <a:spAutoFit/>
-          </a:bodyPr>
-          <a:lstStyle/>
-          <a:p>
-            <a:pPr marL="0" marR="0" lvl="0" indent="0" algn="l" defTabSz="914400" rtl="0" eaLnBrk="0" fontAlgn="base" latinLnBrk="0" hangingPunct="0">
-              <a:lnSpc>
-                <a:spcPct val="100000"/>
-              </a:lnSpc>
-              <a:spcBef>
-                <a:spcPct val="0"/>
-              </a:spcBef>
-              <a:spcAft>
-                <a:spcPct val="0"/>
-              </a:spcAft>
-              <a:buClrTx/>
-              <a:buSzTx/>
-              <a:buFontTx/>
-              <a:buNone/>
-              <a:tabLst/>
-              <a:defRPr/>
-            </a:pPr>
-            <a:r>
-              <a:rPr kumimoji="0" lang="es-CL" sz="1600" b="1" i="0" u="none" strike="noStrike" kern="1200" cap="none" spc="0" normalizeH="0" baseline="0" noProof="0" dirty="0">
-                <a:ln>
-                  <a:noFill/>
-                </a:ln>
-                <a:solidFill>
-                  <a:prstClr val="black"/>
-                </a:solidFill>
-                <a:effectLst/>
-                <a:uLnTx/>
-                <a:uFillTx/>
-                <a:latin typeface="Times" pitchFamily="-97" charset="0"/>
-                <a:ea typeface="+mn-ea"/>
-                <a:cs typeface="+mn-cs"/>
-              </a:rPr>
-              <a:t>Precio</a:t>
-            </a:r>
-          </a:p>
-        </p:txBody>
-      </p:sp>
-      <p:sp>
-        <p:nvSpPr>
-          <p:cNvPr id="12" name="CuadroTexto 11">
-            <a:extLst>
-              <a:ext uri="{FF2B5EF4-FFF2-40B4-BE49-F238E27FC236}">
-                <a16:creationId xmlns:a16="http://schemas.microsoft.com/office/drawing/2014/main" id="{44C59D82-A641-4466-88DB-73BD6D5E81F5}"/>
-              </a:ext>
-            </a:extLst>
-          </p:cNvPr>
-          <p:cNvSpPr txBox="1"/>
-          <p:nvPr/>
-        </p:nvSpPr>
-        <p:spPr>
-          <a:xfrm>
-            <a:off x="1162291" y="4587873"/>
-            <a:ext cx="936104" cy="338554"/>
-          </a:xfrm>
-          <a:prstGeom prst="rect">
-            <a:avLst/>
-          </a:prstGeom>
-          <a:noFill/>
-        </p:spPr>
-        <p:txBody>
-          <a:bodyPr wrap="square" rtlCol="0">
-            <a:spAutoFit/>
-          </a:bodyPr>
-          <a:lstStyle/>
-          <a:p>
-            <a:pPr marL="0" marR="0" lvl="0" indent="0" algn="l" defTabSz="914400" rtl="0" eaLnBrk="0" fontAlgn="base" latinLnBrk="0" hangingPunct="0">
-              <a:lnSpc>
-                <a:spcPct val="100000"/>
-              </a:lnSpc>
-              <a:spcBef>
-                <a:spcPct val="0"/>
-              </a:spcBef>
-              <a:spcAft>
-                <a:spcPct val="0"/>
-              </a:spcAft>
-              <a:buClrTx/>
-              <a:buSzTx/>
-              <a:buFontTx/>
-              <a:buNone/>
-              <a:tabLst/>
-              <a:defRPr/>
-            </a:pPr>
-            <a:r>
-              <a:rPr kumimoji="0" lang="es-CL" sz="1600" b="1" i="0" u="none" strike="noStrike" kern="1200" cap="none" spc="0" normalizeH="0" baseline="0" noProof="0" dirty="0">
-                <a:ln>
-                  <a:noFill/>
-                </a:ln>
-                <a:solidFill>
-                  <a:prstClr val="black"/>
-                </a:solidFill>
-                <a:effectLst/>
-                <a:uLnTx/>
-                <a:uFillTx/>
-                <a:latin typeface="Times" pitchFamily="-97" charset="0"/>
-                <a:ea typeface="+mn-ea"/>
-                <a:cs typeface="+mn-cs"/>
-              </a:rPr>
-              <a:t>Precio</a:t>
-            </a:r>
-          </a:p>
-        </p:txBody>
-      </p:sp>
-      <p:sp>
-        <p:nvSpPr>
-          <p:cNvPr id="13" name="CuadroTexto 12">
-            <a:extLst>
-              <a:ext uri="{FF2B5EF4-FFF2-40B4-BE49-F238E27FC236}">
-                <a16:creationId xmlns:a16="http://schemas.microsoft.com/office/drawing/2014/main" id="{04E662A9-8265-4F8E-914B-E04A32A0DA72}"/>
-              </a:ext>
-            </a:extLst>
-          </p:cNvPr>
-          <p:cNvSpPr txBox="1"/>
-          <p:nvPr/>
-        </p:nvSpPr>
-        <p:spPr>
-          <a:xfrm>
-            <a:off x="2707080" y="4585894"/>
-            <a:ext cx="936104" cy="338554"/>
-          </a:xfrm>
-          <a:prstGeom prst="rect">
-            <a:avLst/>
-          </a:prstGeom>
-          <a:noFill/>
-        </p:spPr>
-        <p:txBody>
-          <a:bodyPr wrap="square" rtlCol="0">
-            <a:spAutoFit/>
-          </a:bodyPr>
-          <a:lstStyle/>
-          <a:p>
-            <a:pPr marL="0" marR="0" lvl="0" indent="0" algn="l" defTabSz="914400" rtl="0" eaLnBrk="0" fontAlgn="base" latinLnBrk="0" hangingPunct="0">
-              <a:lnSpc>
-                <a:spcPct val="100000"/>
-              </a:lnSpc>
-              <a:spcBef>
-                <a:spcPct val="0"/>
-              </a:spcBef>
-              <a:spcAft>
-                <a:spcPct val="0"/>
-              </a:spcAft>
-              <a:buClrTx/>
-              <a:buSzTx/>
-              <a:buFontTx/>
-              <a:buNone/>
-              <a:tabLst/>
-              <a:defRPr/>
-            </a:pPr>
-            <a:r>
-              <a:rPr kumimoji="0" lang="es-CL" sz="1600" b="1" i="0" u="none" strike="noStrike" kern="1200" cap="none" spc="0" normalizeH="0" baseline="0" noProof="0" dirty="0">
-                <a:ln>
-                  <a:noFill/>
-                </a:ln>
-                <a:solidFill>
-                  <a:prstClr val="black"/>
-                </a:solidFill>
-                <a:effectLst/>
-                <a:uLnTx/>
-                <a:uFillTx/>
-                <a:latin typeface="Times" pitchFamily="-97" charset="0"/>
-                <a:ea typeface="+mn-ea"/>
-                <a:cs typeface="+mn-cs"/>
-              </a:rPr>
-              <a:t>Precio</a:t>
-            </a:r>
-          </a:p>
-        </p:txBody>
-      </p:sp>
-      <p:sp>
-        <p:nvSpPr>
-          <p:cNvPr id="14" name="CuadroTexto 13">
-            <a:extLst>
-              <a:ext uri="{FF2B5EF4-FFF2-40B4-BE49-F238E27FC236}">
-                <a16:creationId xmlns:a16="http://schemas.microsoft.com/office/drawing/2014/main" id="{BB6333C2-B279-432F-8D04-B596C250F179}"/>
-              </a:ext>
-            </a:extLst>
-          </p:cNvPr>
-          <p:cNvSpPr txBox="1"/>
-          <p:nvPr/>
-        </p:nvSpPr>
-        <p:spPr>
-          <a:xfrm>
-            <a:off x="4491450" y="4585894"/>
-            <a:ext cx="936104" cy="338554"/>
-          </a:xfrm>
-          <a:prstGeom prst="rect">
-            <a:avLst/>
-          </a:prstGeom>
-          <a:noFill/>
-        </p:spPr>
-        <p:txBody>
-          <a:bodyPr wrap="square" rtlCol="0">
-            <a:spAutoFit/>
-          </a:bodyPr>
-          <a:lstStyle/>
-          <a:p>
-            <a:pPr marL="0" marR="0" lvl="0" indent="0" algn="l" defTabSz="914400" rtl="0" eaLnBrk="0" fontAlgn="base" latinLnBrk="0" hangingPunct="0">
-              <a:lnSpc>
-                <a:spcPct val="100000"/>
-              </a:lnSpc>
-              <a:spcBef>
-                <a:spcPct val="0"/>
-              </a:spcBef>
-              <a:spcAft>
-                <a:spcPct val="0"/>
-              </a:spcAft>
-              <a:buClrTx/>
-              <a:buSzTx/>
-              <a:buFontTx/>
-              <a:buNone/>
-              <a:tabLst/>
-              <a:defRPr/>
-            </a:pPr>
-            <a:r>
-              <a:rPr kumimoji="0" lang="es-CL" sz="1600" b="1" i="0" u="none" strike="noStrike" kern="1200" cap="none" spc="0" normalizeH="0" baseline="0" noProof="0" dirty="0">
-                <a:ln>
-                  <a:noFill/>
-                </a:ln>
-                <a:solidFill>
-                  <a:prstClr val="black"/>
-                </a:solidFill>
-                <a:effectLst/>
-                <a:uLnTx/>
-                <a:uFillTx/>
-                <a:latin typeface="Times" pitchFamily="-97" charset="0"/>
-                <a:ea typeface="+mn-ea"/>
-                <a:cs typeface="+mn-cs"/>
-              </a:rPr>
-              <a:t>Precio</a:t>
-            </a:r>
-          </a:p>
-        </p:txBody>
-      </p:sp>
-      <p:sp>
-        <p:nvSpPr>
-          <p:cNvPr id="16" name="CuadroTexto 15">
-            <a:extLst>
-              <a:ext uri="{FF2B5EF4-FFF2-40B4-BE49-F238E27FC236}">
-                <a16:creationId xmlns:a16="http://schemas.microsoft.com/office/drawing/2014/main" id="{A2BA783B-1B42-44B5-9829-3E4108186389}"/>
-              </a:ext>
-            </a:extLst>
-          </p:cNvPr>
-          <p:cNvSpPr txBox="1"/>
-          <p:nvPr/>
-        </p:nvSpPr>
-        <p:spPr>
-          <a:xfrm>
-            <a:off x="6047871" y="4585894"/>
-            <a:ext cx="936104" cy="338554"/>
-          </a:xfrm>
-          <a:prstGeom prst="rect">
-            <a:avLst/>
-          </a:prstGeom>
-          <a:noFill/>
-        </p:spPr>
-        <p:txBody>
-          <a:bodyPr wrap="square" rtlCol="0">
-            <a:spAutoFit/>
-          </a:bodyPr>
-          <a:lstStyle/>
-          <a:p>
-            <a:pPr marL="0" marR="0" lvl="0" indent="0" algn="l" defTabSz="914400" rtl="0" eaLnBrk="0" fontAlgn="base" latinLnBrk="0" hangingPunct="0">
-              <a:lnSpc>
-                <a:spcPct val="100000"/>
-              </a:lnSpc>
-              <a:spcBef>
-                <a:spcPct val="0"/>
-              </a:spcBef>
-              <a:spcAft>
-                <a:spcPct val="0"/>
-              </a:spcAft>
-              <a:buClrTx/>
-              <a:buSzTx/>
-              <a:buFontTx/>
-              <a:buNone/>
-              <a:tabLst/>
-              <a:defRPr/>
-            </a:pPr>
-            <a:r>
-              <a:rPr kumimoji="0" lang="es-CL" sz="1600" b="1" i="0" u="none" strike="noStrike" kern="1200" cap="none" spc="0" normalizeH="0" baseline="0" noProof="0" dirty="0">
-                <a:ln>
-                  <a:noFill/>
-                </a:ln>
-                <a:solidFill>
-                  <a:prstClr val="black"/>
-                </a:solidFill>
-                <a:effectLst/>
-                <a:uLnTx/>
-                <a:uFillTx/>
-                <a:latin typeface="Times" pitchFamily="-97" charset="0"/>
-                <a:ea typeface="+mn-ea"/>
-                <a:cs typeface="+mn-cs"/>
-              </a:rPr>
-              <a:t>Precio</a:t>
-            </a:r>
-          </a:p>
-        </p:txBody>
-      </p:sp>
-      <p:sp>
-        <p:nvSpPr>
-          <p:cNvPr id="17" name="CuadroTexto 16">
-            <a:extLst>
-              <a:ext uri="{FF2B5EF4-FFF2-40B4-BE49-F238E27FC236}">
-                <a16:creationId xmlns:a16="http://schemas.microsoft.com/office/drawing/2014/main" id="{3E0B7D42-E45A-4CC0-8F05-758CE482C5DC}"/>
-              </a:ext>
-            </a:extLst>
-          </p:cNvPr>
-          <p:cNvSpPr txBox="1"/>
-          <p:nvPr/>
-        </p:nvSpPr>
-        <p:spPr>
-          <a:xfrm>
-            <a:off x="7586212" y="4585894"/>
-            <a:ext cx="936104" cy="338554"/>
-          </a:xfrm>
-          <a:prstGeom prst="rect">
-            <a:avLst/>
-          </a:prstGeom>
-          <a:noFill/>
-        </p:spPr>
-        <p:txBody>
-          <a:bodyPr wrap="square" rtlCol="0">
-            <a:spAutoFit/>
-          </a:bodyPr>
-          <a:lstStyle/>
-          <a:p>
-            <a:pPr marL="0" marR="0" lvl="0" indent="0" algn="l" defTabSz="914400" rtl="0" eaLnBrk="0" fontAlgn="base" latinLnBrk="0" hangingPunct="0">
-              <a:lnSpc>
-                <a:spcPct val="100000"/>
-              </a:lnSpc>
-              <a:spcBef>
-                <a:spcPct val="0"/>
-              </a:spcBef>
-              <a:spcAft>
-                <a:spcPct val="0"/>
-              </a:spcAft>
-              <a:buClrTx/>
-              <a:buSzTx/>
-              <a:buFontTx/>
-              <a:buNone/>
-              <a:tabLst/>
-              <a:defRPr/>
-            </a:pPr>
-            <a:r>
-              <a:rPr kumimoji="0" lang="es-CL" sz="1600" b="1" i="0" u="none" strike="noStrike" kern="1200" cap="none" spc="0" normalizeH="0" baseline="0" noProof="0" dirty="0">
-                <a:ln>
-                  <a:noFill/>
-                </a:ln>
-                <a:solidFill>
-                  <a:prstClr val="black"/>
-                </a:solidFill>
-                <a:effectLst/>
-                <a:uLnTx/>
-                <a:uFillTx/>
-                <a:latin typeface="Times" pitchFamily="-97" charset="0"/>
-                <a:ea typeface="+mn-ea"/>
-                <a:cs typeface="+mn-cs"/>
-              </a:rPr>
-              <a:t>Precio</a:t>
-            </a:r>
-          </a:p>
-        </p:txBody>
-      </p:sp>
-      <p:sp>
-        <p:nvSpPr>
-          <p:cNvPr id="20" name="CuadroTexto 19">
-            <a:extLst>
-              <a:ext uri="{FF2B5EF4-FFF2-40B4-BE49-F238E27FC236}">
-                <a16:creationId xmlns:a16="http://schemas.microsoft.com/office/drawing/2014/main" id="{1A37A34C-38C1-4363-8E2E-FEE9CE71970A}"/>
-              </a:ext>
-            </a:extLst>
-          </p:cNvPr>
-          <p:cNvSpPr txBox="1"/>
-          <p:nvPr/>
-        </p:nvSpPr>
-        <p:spPr>
-          <a:xfrm>
-            <a:off x="1162291" y="6045852"/>
-            <a:ext cx="936104" cy="338554"/>
-          </a:xfrm>
-          <a:prstGeom prst="rect">
-            <a:avLst/>
-          </a:prstGeom>
-          <a:noFill/>
-        </p:spPr>
-        <p:txBody>
-          <a:bodyPr wrap="square" rtlCol="0">
-            <a:spAutoFit/>
-          </a:bodyPr>
-          <a:lstStyle/>
-          <a:p>
-            <a:pPr marL="0" marR="0" lvl="0" indent="0" algn="l" defTabSz="914400" rtl="0" eaLnBrk="0" fontAlgn="base" latinLnBrk="0" hangingPunct="0">
-              <a:lnSpc>
-                <a:spcPct val="100000"/>
-              </a:lnSpc>
-              <a:spcBef>
-                <a:spcPct val="0"/>
-              </a:spcBef>
-              <a:spcAft>
-                <a:spcPct val="0"/>
-              </a:spcAft>
-              <a:buClrTx/>
-              <a:buSzTx/>
-              <a:buFontTx/>
-              <a:buNone/>
-              <a:tabLst/>
-              <a:defRPr/>
-            </a:pPr>
-            <a:r>
-              <a:rPr kumimoji="0" lang="es-CL" sz="1600" b="1" i="0" u="none" strike="noStrike" kern="1200" cap="none" spc="0" normalizeH="0" baseline="0" noProof="0" dirty="0">
-                <a:ln>
-                  <a:noFill/>
-                </a:ln>
-                <a:solidFill>
-                  <a:prstClr val="black"/>
-                </a:solidFill>
-                <a:effectLst/>
-                <a:uLnTx/>
-                <a:uFillTx/>
-                <a:latin typeface="Times" pitchFamily="-97" charset="0"/>
-                <a:ea typeface="+mn-ea"/>
-                <a:cs typeface="+mn-cs"/>
-              </a:rPr>
-              <a:t>Precio</a:t>
-            </a:r>
-          </a:p>
-        </p:txBody>
-      </p:sp>
-      <p:sp>
-        <p:nvSpPr>
-          <p:cNvPr id="21" name="CuadroTexto 20">
-            <a:extLst>
-              <a:ext uri="{FF2B5EF4-FFF2-40B4-BE49-F238E27FC236}">
-                <a16:creationId xmlns:a16="http://schemas.microsoft.com/office/drawing/2014/main" id="{6AC906DD-9B5F-4B8A-8D5B-1E6AF1B91D1F}"/>
-              </a:ext>
-            </a:extLst>
-          </p:cNvPr>
-          <p:cNvSpPr txBox="1"/>
-          <p:nvPr/>
-        </p:nvSpPr>
-        <p:spPr>
-          <a:xfrm>
-            <a:off x="2726915" y="6045852"/>
-            <a:ext cx="936104" cy="338554"/>
-          </a:xfrm>
-          <a:prstGeom prst="rect">
-            <a:avLst/>
-          </a:prstGeom>
-          <a:noFill/>
-        </p:spPr>
-        <p:txBody>
-          <a:bodyPr wrap="square" rtlCol="0">
-            <a:spAutoFit/>
-          </a:bodyPr>
-          <a:lstStyle/>
-          <a:p>
-            <a:pPr marL="0" marR="0" lvl="0" indent="0" algn="l" defTabSz="914400" rtl="0" eaLnBrk="0" fontAlgn="base" latinLnBrk="0" hangingPunct="0">
-              <a:lnSpc>
-                <a:spcPct val="100000"/>
-              </a:lnSpc>
-              <a:spcBef>
-                <a:spcPct val="0"/>
-              </a:spcBef>
-              <a:spcAft>
-                <a:spcPct val="0"/>
-              </a:spcAft>
-              <a:buClrTx/>
-              <a:buSzTx/>
-              <a:buFontTx/>
-              <a:buNone/>
-              <a:tabLst/>
-              <a:defRPr/>
-            </a:pPr>
-            <a:r>
-              <a:rPr kumimoji="0" lang="es-CL" sz="1600" b="1" i="0" u="none" strike="noStrike" kern="1200" cap="none" spc="0" normalizeH="0" baseline="0" noProof="0" dirty="0">
-                <a:ln>
-                  <a:noFill/>
-                </a:ln>
-                <a:solidFill>
-                  <a:prstClr val="black"/>
-                </a:solidFill>
-                <a:effectLst/>
-                <a:uLnTx/>
-                <a:uFillTx/>
-                <a:latin typeface="Times" pitchFamily="-97" charset="0"/>
-                <a:ea typeface="+mn-ea"/>
-                <a:cs typeface="+mn-cs"/>
-              </a:rPr>
-              <a:t>Precio</a:t>
-            </a:r>
-          </a:p>
-        </p:txBody>
-      </p:sp>
-      <p:sp>
-        <p:nvSpPr>
-          <p:cNvPr id="23" name="CuadroTexto 22">
-            <a:extLst>
-              <a:ext uri="{FF2B5EF4-FFF2-40B4-BE49-F238E27FC236}">
-                <a16:creationId xmlns:a16="http://schemas.microsoft.com/office/drawing/2014/main" id="{03A2FC6E-1E80-4121-9BD1-07B9A9BF4A75}"/>
-              </a:ext>
-            </a:extLst>
-          </p:cNvPr>
-          <p:cNvSpPr txBox="1"/>
-          <p:nvPr/>
-        </p:nvSpPr>
-        <p:spPr>
-          <a:xfrm>
-            <a:off x="4291539" y="6045852"/>
-            <a:ext cx="936104" cy="338554"/>
-          </a:xfrm>
-          <a:prstGeom prst="rect">
-            <a:avLst/>
-          </a:prstGeom>
-          <a:noFill/>
-        </p:spPr>
-        <p:txBody>
-          <a:bodyPr wrap="square" rtlCol="0">
-            <a:spAutoFit/>
-          </a:bodyPr>
-          <a:lstStyle/>
-          <a:p>
-            <a:pPr marL="0" marR="0" lvl="0" indent="0" algn="l" defTabSz="914400" rtl="0" eaLnBrk="0" fontAlgn="base" latinLnBrk="0" hangingPunct="0">
-              <a:lnSpc>
-                <a:spcPct val="100000"/>
-              </a:lnSpc>
-              <a:spcBef>
-                <a:spcPct val="0"/>
-              </a:spcBef>
-              <a:spcAft>
-                <a:spcPct val="0"/>
-              </a:spcAft>
-              <a:buClrTx/>
-              <a:buSzTx/>
-              <a:buFontTx/>
-              <a:buNone/>
-              <a:tabLst/>
-              <a:defRPr/>
-            </a:pPr>
-            <a:r>
-              <a:rPr kumimoji="0" lang="es-CL" sz="1600" b="1" i="0" u="none" strike="noStrike" kern="1200" cap="none" spc="0" normalizeH="0" baseline="0" noProof="0" dirty="0">
-                <a:ln>
-                  <a:noFill/>
-                </a:ln>
-                <a:solidFill>
-                  <a:prstClr val="black"/>
-                </a:solidFill>
-                <a:effectLst/>
-                <a:uLnTx/>
-                <a:uFillTx/>
-                <a:latin typeface="Times" pitchFamily="-97" charset="0"/>
-                <a:ea typeface="+mn-ea"/>
-                <a:cs typeface="+mn-cs"/>
-              </a:rPr>
-              <a:t>Precio</a:t>
-            </a:r>
-          </a:p>
-        </p:txBody>
-      </p:sp>
-      <p:sp>
-        <p:nvSpPr>
-          <p:cNvPr id="25" name="CuadroTexto 24">
-            <a:extLst>
-              <a:ext uri="{FF2B5EF4-FFF2-40B4-BE49-F238E27FC236}">
-                <a16:creationId xmlns:a16="http://schemas.microsoft.com/office/drawing/2014/main" id="{30372EAD-03EB-4883-865C-BC1899282F29}"/>
-              </a:ext>
-            </a:extLst>
-          </p:cNvPr>
-          <p:cNvSpPr txBox="1"/>
-          <p:nvPr/>
-        </p:nvSpPr>
-        <p:spPr>
-          <a:xfrm>
-            <a:off x="6087773" y="6045852"/>
-            <a:ext cx="936104" cy="338554"/>
-          </a:xfrm>
-          <a:prstGeom prst="rect">
-            <a:avLst/>
-          </a:prstGeom>
-          <a:noFill/>
-        </p:spPr>
-        <p:txBody>
-          <a:bodyPr wrap="square" rtlCol="0">
-            <a:spAutoFit/>
-          </a:bodyPr>
-          <a:lstStyle/>
-          <a:p>
-            <a:pPr marL="0" marR="0" lvl="0" indent="0" algn="l" defTabSz="914400" rtl="0" eaLnBrk="0" fontAlgn="base" latinLnBrk="0" hangingPunct="0">
-              <a:lnSpc>
-                <a:spcPct val="100000"/>
-              </a:lnSpc>
-              <a:spcBef>
-                <a:spcPct val="0"/>
-              </a:spcBef>
-              <a:spcAft>
-                <a:spcPct val="0"/>
-              </a:spcAft>
-              <a:buClrTx/>
-              <a:buSzTx/>
-              <a:buFontTx/>
-              <a:buNone/>
-              <a:tabLst/>
-              <a:defRPr/>
-            </a:pPr>
-            <a:r>
-              <a:rPr kumimoji="0" lang="es-CL" sz="1600" b="1" i="0" u="none" strike="noStrike" kern="1200" cap="none" spc="0" normalizeH="0" baseline="0" noProof="0" dirty="0">
-                <a:ln>
-                  <a:noFill/>
-                </a:ln>
-                <a:solidFill>
-                  <a:prstClr val="black"/>
-                </a:solidFill>
-                <a:effectLst/>
-                <a:uLnTx/>
-                <a:uFillTx/>
-                <a:latin typeface="Times" pitchFamily="-97" charset="0"/>
-                <a:ea typeface="+mn-ea"/>
-                <a:cs typeface="+mn-cs"/>
-              </a:rPr>
-              <a:t>Precio</a:t>
-            </a:r>
-          </a:p>
-        </p:txBody>
-      </p:sp>
-      <p:sp>
-        <p:nvSpPr>
-          <p:cNvPr id="75" name="CuadroTexto 74">
-            <a:extLst>
-              <a:ext uri="{FF2B5EF4-FFF2-40B4-BE49-F238E27FC236}">
-                <a16:creationId xmlns:a16="http://schemas.microsoft.com/office/drawing/2014/main" id="{2E64FC84-9B27-49B8-BF37-054E65991FBD}"/>
-              </a:ext>
-            </a:extLst>
-          </p:cNvPr>
-          <p:cNvSpPr txBox="1"/>
-          <p:nvPr/>
-        </p:nvSpPr>
-        <p:spPr>
-          <a:xfrm>
-            <a:off x="7639224" y="6048748"/>
-            <a:ext cx="936104" cy="338554"/>
-          </a:xfrm>
-          <a:prstGeom prst="rect">
-            <a:avLst/>
-          </a:prstGeom>
-          <a:noFill/>
-        </p:spPr>
-        <p:txBody>
-          <a:bodyPr wrap="square" rtlCol="0">
-            <a:spAutoFit/>
-          </a:bodyPr>
-          <a:lstStyle/>
-          <a:p>
-            <a:pPr marL="0" marR="0" lvl="0" indent="0" algn="l" defTabSz="914400" rtl="0" eaLnBrk="0" fontAlgn="base" latinLnBrk="0" hangingPunct="0">
-              <a:lnSpc>
-                <a:spcPct val="100000"/>
-              </a:lnSpc>
-              <a:spcBef>
-                <a:spcPct val="0"/>
-              </a:spcBef>
-              <a:spcAft>
-                <a:spcPct val="0"/>
-              </a:spcAft>
-              <a:buClrTx/>
-              <a:buSzTx/>
-              <a:buFontTx/>
-              <a:buNone/>
-              <a:tabLst/>
-              <a:defRPr/>
-            </a:pPr>
-            <a:r>
-              <a:rPr kumimoji="0" lang="es-CL" sz="1600" b="1" i="0" u="none" strike="noStrike" kern="1200" cap="none" spc="0" normalizeH="0" baseline="0" noProof="0" dirty="0">
-                <a:ln>
-                  <a:noFill/>
-                </a:ln>
-                <a:solidFill>
-                  <a:prstClr val="black"/>
-                </a:solidFill>
-                <a:effectLst/>
-                <a:uLnTx/>
-                <a:uFillTx/>
-                <a:latin typeface="Times" pitchFamily="-97" charset="0"/>
-                <a:ea typeface="+mn-ea"/>
-                <a:cs typeface="+mn-cs"/>
-              </a:rPr>
-              <a:t>Precio</a:t>
-            </a:r>
-          </a:p>
-        </p:txBody>
-      </p:sp>
-      <p:sp>
-        <p:nvSpPr>
-          <p:cNvPr id="29" name="CuadroTexto 28">
-            <a:extLst>
-              <a:ext uri="{FF2B5EF4-FFF2-40B4-BE49-F238E27FC236}">
-                <a16:creationId xmlns:a16="http://schemas.microsoft.com/office/drawing/2014/main" id="{1855B76E-7645-47E8-9C12-F417B7A9A9BF}"/>
-              </a:ext>
-            </a:extLst>
-          </p:cNvPr>
-          <p:cNvSpPr txBox="1"/>
-          <p:nvPr/>
-        </p:nvSpPr>
-        <p:spPr>
-          <a:xfrm>
-            <a:off x="9221892" y="6045852"/>
-            <a:ext cx="936104" cy="338554"/>
-          </a:xfrm>
-          <a:prstGeom prst="rect">
-            <a:avLst/>
-          </a:prstGeom>
-          <a:noFill/>
-        </p:spPr>
-        <p:txBody>
-          <a:bodyPr wrap="square" rtlCol="0">
-            <a:spAutoFit/>
-          </a:bodyPr>
-          <a:lstStyle/>
-          <a:p>
-            <a:pPr marL="0" marR="0" lvl="0" indent="0" algn="l" defTabSz="914400" rtl="0" eaLnBrk="0" fontAlgn="base" latinLnBrk="0" hangingPunct="0">
-              <a:lnSpc>
-                <a:spcPct val="100000"/>
-              </a:lnSpc>
-              <a:spcBef>
-                <a:spcPct val="0"/>
-              </a:spcBef>
-              <a:spcAft>
-                <a:spcPct val="0"/>
-              </a:spcAft>
-              <a:buClrTx/>
-              <a:buSzTx/>
-              <a:buFontTx/>
-              <a:buNone/>
-              <a:tabLst/>
-              <a:defRPr/>
-            </a:pPr>
-            <a:r>
-              <a:rPr kumimoji="0" lang="es-CL" sz="1600" b="1" i="0" u="none" strike="noStrike" kern="1200" cap="none" spc="0" normalizeH="0" baseline="0" noProof="0" dirty="0">
-                <a:ln>
-                  <a:noFill/>
-                </a:ln>
-                <a:solidFill>
-                  <a:prstClr val="black"/>
-                </a:solidFill>
-                <a:effectLst/>
-                <a:uLnTx/>
-                <a:uFillTx/>
-                <a:latin typeface="Times" pitchFamily="-97" charset="0"/>
-                <a:ea typeface="+mn-ea"/>
-                <a:cs typeface="+mn-cs"/>
-              </a:rPr>
-              <a:t>Precio</a:t>
-            </a:r>
-          </a:p>
-        </p:txBody>
-      </p:sp>
-      <p:sp>
-        <p:nvSpPr>
-          <p:cNvPr id="30" name="CuadroTexto 29">
-            <a:extLst>
-              <a:ext uri="{FF2B5EF4-FFF2-40B4-BE49-F238E27FC236}">
-                <a16:creationId xmlns:a16="http://schemas.microsoft.com/office/drawing/2014/main" id="{39E89CB9-5106-487C-AD19-A397822E139E}"/>
-              </a:ext>
-            </a:extLst>
-          </p:cNvPr>
-          <p:cNvSpPr txBox="1"/>
-          <p:nvPr/>
-        </p:nvSpPr>
-        <p:spPr>
-          <a:xfrm>
-            <a:off x="8961020" y="4059591"/>
-            <a:ext cx="1512168" cy="461665"/>
-          </a:xfrm>
-          <a:prstGeom prst="rect">
-            <a:avLst/>
-          </a:prstGeom>
-          <a:solidFill>
-            <a:schemeClr val="accent1">
-              <a:lumMod val="60000"/>
-              <a:lumOff val="40000"/>
-            </a:schemeClr>
-          </a:solidFill>
-          <a:ln w="28575">
-            <a:solidFill>
-              <a:schemeClr val="accent1">
-                <a:lumMod val="75000"/>
-              </a:schemeClr>
-            </a:solidFill>
-          </a:ln>
-        </p:spPr>
-        <p:txBody>
-          <a:bodyPr wrap="square" rtlCol="0">
-            <a:spAutoFit/>
-          </a:bodyPr>
-          <a:lstStyle/>
-          <a:p>
-            <a:pPr marL="0" marR="0" lvl="0" indent="0" algn="ctr" defTabSz="914400" rtl="0" eaLnBrk="0" fontAlgn="base" latinLnBrk="0" hangingPunct="0">
-              <a:lnSpc>
-                <a:spcPct val="100000"/>
-              </a:lnSpc>
-              <a:spcBef>
-                <a:spcPct val="0"/>
-              </a:spcBef>
-              <a:spcAft>
-                <a:spcPct val="0"/>
-              </a:spcAft>
-              <a:buClrTx/>
-              <a:buSzTx/>
-              <a:buFontTx/>
-              <a:buNone/>
-              <a:tabLst/>
-              <a:defRPr/>
-            </a:pPr>
-            <a:r>
-              <a:rPr kumimoji="0" lang="es-CL" sz="1200" b="0" i="0" u="none" strike="noStrike" kern="1200" cap="none" spc="0" normalizeH="0" baseline="0" noProof="0" dirty="0">
-                <a:ln>
-                  <a:noFill/>
-                </a:ln>
-                <a:solidFill>
-                  <a:prstClr val="black"/>
-                </a:solidFill>
-                <a:effectLst/>
-                <a:uLnTx/>
-                <a:uFillTx/>
-                <a:latin typeface="Times" pitchFamily="-97" charset="0"/>
-                <a:ea typeface="+mn-ea"/>
-                <a:cs typeface="+mn-cs"/>
-              </a:rPr>
-              <a:t>Consultoría SEIA Chile</a:t>
-            </a:r>
-          </a:p>
-        </p:txBody>
-      </p:sp>
-      <p:sp>
-        <p:nvSpPr>
-          <p:cNvPr id="31" name="CuadroTexto 30">
-            <a:extLst>
-              <a:ext uri="{FF2B5EF4-FFF2-40B4-BE49-F238E27FC236}">
-                <a16:creationId xmlns:a16="http://schemas.microsoft.com/office/drawing/2014/main" id="{B530CC29-3207-4591-B50F-33CE3CB23A0C}"/>
-              </a:ext>
-            </a:extLst>
-          </p:cNvPr>
-          <p:cNvSpPr txBox="1"/>
-          <p:nvPr/>
-        </p:nvSpPr>
-        <p:spPr>
-          <a:xfrm>
-            <a:off x="9336360" y="4585894"/>
-            <a:ext cx="936104" cy="338554"/>
-          </a:xfrm>
-          <a:prstGeom prst="rect">
-            <a:avLst/>
-          </a:prstGeom>
-          <a:noFill/>
-        </p:spPr>
-        <p:txBody>
-          <a:bodyPr wrap="square" rtlCol="0">
-            <a:spAutoFit/>
-          </a:bodyPr>
-          <a:lstStyle/>
-          <a:p>
-            <a:pPr marL="0" marR="0" lvl="0" indent="0" algn="l" defTabSz="914400" rtl="0" eaLnBrk="0" fontAlgn="base" latinLnBrk="0" hangingPunct="0">
-              <a:lnSpc>
-                <a:spcPct val="100000"/>
-              </a:lnSpc>
-              <a:spcBef>
-                <a:spcPct val="0"/>
-              </a:spcBef>
-              <a:spcAft>
-                <a:spcPct val="0"/>
-              </a:spcAft>
-              <a:buClrTx/>
-              <a:buSzTx/>
-              <a:buFontTx/>
-              <a:buNone/>
-              <a:tabLst/>
-              <a:defRPr/>
-            </a:pPr>
-            <a:r>
-              <a:rPr kumimoji="0" lang="es-CL" sz="1600" b="1" i="0" u="none" strike="noStrike" kern="1200" cap="none" spc="0" normalizeH="0" baseline="0" noProof="0" dirty="0">
-                <a:ln>
-                  <a:noFill/>
-                </a:ln>
-                <a:solidFill>
-                  <a:prstClr val="black"/>
-                </a:solidFill>
-                <a:effectLst/>
-                <a:uLnTx/>
-                <a:uFillTx/>
-                <a:latin typeface="Times" pitchFamily="-97" charset="0"/>
-                <a:ea typeface="+mn-ea"/>
-                <a:cs typeface="+mn-cs"/>
-              </a:rPr>
-              <a:t>Precio</a:t>
-            </a:r>
-          </a:p>
-        </p:txBody>
-      </p:sp>
-    </p:spTree>
-    <p:extLst>
-      <p:ext uri="{BB962C8B-B14F-4D97-AF65-F5344CB8AC3E}">
-        <p14:creationId xmlns:p14="http://schemas.microsoft.com/office/powerpoint/2010/main" val="571007126"/>
-      </p:ext>
-    </p:extLst>
-  </p:cSld>
-  <p:clrMapOvr>
-    <a:masterClrMapping/>
-  </p:clrMapOvr>
-</p:sld>
-</file>
-
-<file path=ppt/slides/slide3.xml><?xml version="1.0" encoding="utf-8"?>
-<p:sld xmlns:a="http://schemas.openxmlformats.org/drawingml/2006/main" xmlns:r="http://schemas.openxmlformats.org/officeDocument/2006/relationships" xmlns:p="http://schemas.openxmlformats.org/presentationml/2006/main">
-  <p:cSld>
-    <p:spTree>
-      <p:nvGrpSpPr>
-        <p:cNvPr id="1" name=""/>
-        <p:cNvGrpSpPr/>
-        <p:nvPr/>
-      </p:nvGrpSpPr>
-      <p:grpSpPr>
-        <a:xfrm>
-          <a:off x="0" y="0"/>
-          <a:ext cx="0" cy="0"/>
-          <a:chOff x="0" y="0"/>
-          <a:chExt cx="0" cy="0"/>
-        </a:xfrm>
-      </p:grpSpPr>
-      <p:sp>
-        <p:nvSpPr>
-          <p:cNvPr id="2" name="Título 1">
-            <a:extLst>
-              <a:ext uri="{FF2B5EF4-FFF2-40B4-BE49-F238E27FC236}">
-                <a16:creationId xmlns:a16="http://schemas.microsoft.com/office/drawing/2014/main" id="{B7567D67-0D69-4584-B3D4-6BEC4F0BC485}"/>
-              </a:ext>
-            </a:extLst>
-          </p:cNvPr>
-          <p:cNvSpPr>
-            <a:spLocks noGrp="1"/>
-          </p:cNvSpPr>
-          <p:nvPr>
-            <p:ph type="title"/>
-          </p:nvPr>
-        </p:nvSpPr>
-        <p:spPr/>
-        <p:txBody>
-          <a:bodyPr/>
-          <a:lstStyle/>
-          <a:p>
-            <a:r>
-              <a:rPr lang="es-CL" dirty="0"/>
-              <a:t>Colección DATA clima</a:t>
-            </a:r>
-          </a:p>
-        </p:txBody>
-      </p:sp>
-      <p:cxnSp>
-        <p:nvCxnSpPr>
-          <p:cNvPr id="6" name="Conector recto de flecha 5">
-            <a:extLst>
-              <a:ext uri="{FF2B5EF4-FFF2-40B4-BE49-F238E27FC236}">
-                <a16:creationId xmlns:a16="http://schemas.microsoft.com/office/drawing/2014/main" id="{2CAE975C-67FC-46F1-9FF8-2FBB57522603}"/>
-              </a:ext>
-            </a:extLst>
-          </p:cNvPr>
-          <p:cNvCxnSpPr>
-            <a:cxnSpLocks/>
-          </p:cNvCxnSpPr>
-          <p:nvPr/>
-        </p:nvCxnSpPr>
-        <p:spPr>
-          <a:xfrm flipV="1">
-            <a:off x="6705262" y="319540"/>
-            <a:ext cx="1262946" cy="949221"/>
-          </a:xfrm>
-          <a:prstGeom prst="straightConnector1">
-            <a:avLst/>
-          </a:prstGeom>
-          <a:ln>
-            <a:solidFill>
-              <a:schemeClr val="tx2">
-                <a:lumMod val="75000"/>
-              </a:schemeClr>
-            </a:solidFill>
-            <a:tailEnd type="triangle"/>
-          </a:ln>
-        </p:spPr>
-        <p:style>
-          <a:lnRef idx="1">
-            <a:schemeClr val="accent1"/>
-          </a:lnRef>
-          <a:fillRef idx="0">
-            <a:schemeClr val="accent1"/>
-          </a:fillRef>
-          <a:effectRef idx="0">
-            <a:schemeClr val="accent1"/>
-          </a:effectRef>
-          <a:fontRef idx="minor">
-            <a:schemeClr val="tx1"/>
-          </a:fontRef>
-        </p:style>
-      </p:cxnSp>
-      <p:cxnSp>
-        <p:nvCxnSpPr>
-          <p:cNvPr id="8" name="Conector recto 7">
-            <a:extLst>
-              <a:ext uri="{FF2B5EF4-FFF2-40B4-BE49-F238E27FC236}">
-                <a16:creationId xmlns:a16="http://schemas.microsoft.com/office/drawing/2014/main" id="{DF976C14-2EBA-4582-8D53-69D94302B376}"/>
-              </a:ext>
-            </a:extLst>
-          </p:cNvPr>
-          <p:cNvCxnSpPr>
-            <a:cxnSpLocks/>
-          </p:cNvCxnSpPr>
-          <p:nvPr/>
-        </p:nvCxnSpPr>
-        <p:spPr>
-          <a:xfrm>
-            <a:off x="5879976" y="1268760"/>
-            <a:ext cx="825286" cy="0"/>
-          </a:xfrm>
-          <a:prstGeom prst="line">
-            <a:avLst/>
-          </a:prstGeom>
-          <a:ln>
-            <a:solidFill>
-              <a:schemeClr val="tx2">
-                <a:lumMod val="75000"/>
-              </a:schemeClr>
-            </a:solidFill>
-          </a:ln>
-        </p:spPr>
-        <p:style>
-          <a:lnRef idx="1">
-            <a:schemeClr val="accent1"/>
-          </a:lnRef>
-          <a:fillRef idx="0">
-            <a:schemeClr val="accent1"/>
-          </a:fillRef>
-          <a:effectRef idx="0">
-            <a:schemeClr val="accent1"/>
-          </a:effectRef>
-          <a:fontRef idx="minor">
-            <a:schemeClr val="tx1"/>
-          </a:fontRef>
-        </p:style>
-      </p:cxnSp>
-      <p:cxnSp>
-        <p:nvCxnSpPr>
-          <p:cNvPr id="11" name="Conector recto de flecha 10">
-            <a:extLst>
-              <a:ext uri="{FF2B5EF4-FFF2-40B4-BE49-F238E27FC236}">
-                <a16:creationId xmlns:a16="http://schemas.microsoft.com/office/drawing/2014/main" id="{2D960987-5BA1-4919-95E0-B35D7FC5E8EB}"/>
-              </a:ext>
-            </a:extLst>
-          </p:cNvPr>
-          <p:cNvCxnSpPr>
-            <a:cxnSpLocks/>
-          </p:cNvCxnSpPr>
-          <p:nvPr/>
-        </p:nvCxnSpPr>
-        <p:spPr>
-          <a:xfrm flipV="1">
-            <a:off x="6705262" y="705247"/>
-            <a:ext cx="1262946" cy="563514"/>
-          </a:xfrm>
-          <a:prstGeom prst="straightConnector1">
-            <a:avLst/>
-          </a:prstGeom>
-          <a:ln>
-            <a:solidFill>
-              <a:schemeClr val="tx2">
-                <a:lumMod val="75000"/>
-              </a:schemeClr>
-            </a:solidFill>
-            <a:tailEnd type="triangle"/>
-          </a:ln>
-        </p:spPr>
-        <p:style>
-          <a:lnRef idx="1">
-            <a:schemeClr val="accent1"/>
-          </a:lnRef>
-          <a:fillRef idx="0">
-            <a:schemeClr val="accent1"/>
-          </a:fillRef>
-          <a:effectRef idx="0">
-            <a:schemeClr val="accent1"/>
-          </a:effectRef>
-          <a:fontRef idx="minor">
-            <a:schemeClr val="tx1"/>
-          </a:fontRef>
-        </p:style>
-      </p:cxnSp>
-      <p:cxnSp>
-        <p:nvCxnSpPr>
-          <p:cNvPr id="15" name="Conector recto de flecha 14">
-            <a:extLst>
-              <a:ext uri="{FF2B5EF4-FFF2-40B4-BE49-F238E27FC236}">
-                <a16:creationId xmlns:a16="http://schemas.microsoft.com/office/drawing/2014/main" id="{807455D9-571B-4E10-9F44-F57E5E5166EB}"/>
-              </a:ext>
-            </a:extLst>
-          </p:cNvPr>
-          <p:cNvCxnSpPr>
-            <a:cxnSpLocks/>
-          </p:cNvCxnSpPr>
-          <p:nvPr/>
-        </p:nvCxnSpPr>
-        <p:spPr>
-          <a:xfrm flipV="1">
-            <a:off x="6705262" y="1086586"/>
-            <a:ext cx="1262946" cy="182174"/>
-          </a:xfrm>
-          <a:prstGeom prst="straightConnector1">
-            <a:avLst/>
-          </a:prstGeom>
-          <a:ln>
-            <a:solidFill>
-              <a:schemeClr val="tx2">
-                <a:lumMod val="75000"/>
-              </a:schemeClr>
-            </a:solidFill>
-            <a:tailEnd type="triangle"/>
-          </a:ln>
-        </p:spPr>
-        <p:style>
-          <a:lnRef idx="1">
-            <a:schemeClr val="accent1"/>
-          </a:lnRef>
-          <a:fillRef idx="0">
-            <a:schemeClr val="accent1"/>
-          </a:fillRef>
-          <a:effectRef idx="0">
-            <a:schemeClr val="accent1"/>
-          </a:effectRef>
-          <a:fontRef idx="minor">
-            <a:schemeClr val="tx1"/>
-          </a:fontRef>
-        </p:style>
-      </p:cxnSp>
-      <p:sp>
-        <p:nvSpPr>
-          <p:cNvPr id="18" name="CuadroTexto 17">
-            <a:extLst>
-              <a:ext uri="{FF2B5EF4-FFF2-40B4-BE49-F238E27FC236}">
-                <a16:creationId xmlns:a16="http://schemas.microsoft.com/office/drawing/2014/main" id="{BC0683E7-CFC4-47E8-86BC-9EA8E791F70B}"/>
-              </a:ext>
-            </a:extLst>
-          </p:cNvPr>
-          <p:cNvSpPr txBox="1"/>
-          <p:nvPr/>
-        </p:nvSpPr>
-        <p:spPr>
-          <a:xfrm>
-            <a:off x="5879976" y="991762"/>
-            <a:ext cx="936104" cy="276998"/>
-          </a:xfrm>
-          <a:prstGeom prst="rect">
-            <a:avLst/>
-          </a:prstGeom>
-          <a:noFill/>
-        </p:spPr>
-        <p:txBody>
-          <a:bodyPr wrap="square" rtlCol="0">
-            <a:spAutoFit/>
-          </a:bodyPr>
-          <a:lstStyle/>
-          <a:p>
-            <a:pPr marL="0" marR="0" lvl="0" indent="0" algn="l" defTabSz="914400" rtl="0" eaLnBrk="0" fontAlgn="base" latinLnBrk="0" hangingPunct="0">
-              <a:lnSpc>
-                <a:spcPct val="100000"/>
-              </a:lnSpc>
-              <a:spcBef>
-                <a:spcPct val="0"/>
-              </a:spcBef>
-              <a:spcAft>
-                <a:spcPct val="0"/>
-              </a:spcAft>
-              <a:buClrTx/>
-              <a:buSzTx/>
-              <a:buFontTx/>
-              <a:buNone/>
-              <a:tabLst/>
-              <a:defRPr/>
-            </a:pPr>
-            <a:r>
-              <a:rPr kumimoji="0" lang="es-CL" sz="1200" b="0" i="1" u="none" strike="noStrike" kern="1200" cap="none" spc="0" normalizeH="0" baseline="0" noProof="0" dirty="0">
-                <a:ln>
-                  <a:noFill/>
-                </a:ln>
-                <a:solidFill>
-                  <a:prstClr val="black"/>
-                </a:solidFill>
-                <a:effectLst/>
-                <a:uLnTx/>
-                <a:uFillTx/>
-                <a:latin typeface="Times" pitchFamily="-97" charset="0"/>
-                <a:ea typeface="+mn-ea"/>
-                <a:cs typeface="+mn-cs"/>
-              </a:rPr>
-              <a:t>Categorías</a:t>
-            </a:r>
-          </a:p>
-        </p:txBody>
-      </p:sp>
-      <p:sp>
-        <p:nvSpPr>
-          <p:cNvPr id="19" name="CuadroTexto 18">
-            <a:extLst>
-              <a:ext uri="{FF2B5EF4-FFF2-40B4-BE49-F238E27FC236}">
-                <a16:creationId xmlns:a16="http://schemas.microsoft.com/office/drawing/2014/main" id="{1562B58E-5CC4-4052-96E1-05699A57B104}"/>
-              </a:ext>
-            </a:extLst>
-          </p:cNvPr>
-          <p:cNvSpPr txBox="1"/>
-          <p:nvPr/>
-        </p:nvSpPr>
-        <p:spPr>
-          <a:xfrm>
-            <a:off x="8036463" y="165650"/>
-            <a:ext cx="1731945" cy="307777"/>
-          </a:xfrm>
-          <a:prstGeom prst="rect">
-            <a:avLst/>
-          </a:prstGeom>
-          <a:solidFill>
-            <a:schemeClr val="accent3">
-              <a:lumMod val="60000"/>
-              <a:lumOff val="40000"/>
-            </a:schemeClr>
-          </a:solidFill>
-          <a:ln>
-            <a:solidFill>
-              <a:schemeClr val="accent3">
-                <a:lumMod val="75000"/>
-              </a:schemeClr>
-            </a:solidFill>
-          </a:ln>
-        </p:spPr>
-        <p:txBody>
-          <a:bodyPr wrap="square" rtlCol="0">
-            <a:spAutoFit/>
-          </a:bodyPr>
-          <a:lstStyle/>
-          <a:p>
-            <a:pPr marL="0" marR="0" lvl="0" indent="0" algn="l" defTabSz="914400" rtl="0" eaLnBrk="0" fontAlgn="base" latinLnBrk="0" hangingPunct="0">
-              <a:lnSpc>
-                <a:spcPct val="100000"/>
-              </a:lnSpc>
-              <a:spcBef>
-                <a:spcPct val="0"/>
-              </a:spcBef>
-              <a:spcAft>
-                <a:spcPct val="0"/>
-              </a:spcAft>
-              <a:buClrTx/>
-              <a:buSzTx/>
-              <a:buFontTx/>
-              <a:buNone/>
-              <a:tabLst/>
-              <a:defRPr/>
-            </a:pPr>
-            <a:r>
-              <a:rPr kumimoji="0" lang="es-CL" sz="1400" b="0" i="0" u="none" strike="noStrike" kern="1200" cap="none" spc="0" normalizeH="0" baseline="0" noProof="0" dirty="0">
-                <a:ln>
-                  <a:noFill/>
-                </a:ln>
-                <a:solidFill>
-                  <a:prstClr val="black"/>
-                </a:solidFill>
-                <a:effectLst/>
-                <a:uLnTx/>
-                <a:uFillTx/>
-                <a:latin typeface="Times" pitchFamily="-97" charset="0"/>
-                <a:ea typeface="+mn-ea"/>
-                <a:cs typeface="+mn-cs"/>
-              </a:rPr>
-              <a:t>Conceptos Generales</a:t>
-            </a:r>
-          </a:p>
-        </p:txBody>
-      </p:sp>
-      <p:sp>
-        <p:nvSpPr>
-          <p:cNvPr id="22" name="CuadroTexto 21">
-            <a:extLst>
-              <a:ext uri="{FF2B5EF4-FFF2-40B4-BE49-F238E27FC236}">
-                <a16:creationId xmlns:a16="http://schemas.microsoft.com/office/drawing/2014/main" id="{4FB5B52C-85BB-4558-820D-0665660D4B24}"/>
-              </a:ext>
-            </a:extLst>
-          </p:cNvPr>
-          <p:cNvSpPr txBox="1"/>
-          <p:nvPr/>
-        </p:nvSpPr>
-        <p:spPr>
-          <a:xfrm>
-            <a:off x="8036463" y="541933"/>
-            <a:ext cx="2091985" cy="307777"/>
-          </a:xfrm>
-          <a:prstGeom prst="rect">
-            <a:avLst/>
-          </a:prstGeom>
-          <a:solidFill>
-            <a:schemeClr val="accent4">
-              <a:lumMod val="40000"/>
-              <a:lumOff val="60000"/>
-            </a:schemeClr>
-          </a:solidFill>
-          <a:ln>
-            <a:solidFill>
-              <a:srgbClr val="FFC000"/>
-            </a:solidFill>
-          </a:ln>
-        </p:spPr>
-        <p:txBody>
-          <a:bodyPr wrap="square" rtlCol="0">
-            <a:spAutoFit/>
-          </a:bodyPr>
-          <a:lstStyle/>
-          <a:p>
-            <a:pPr marL="0" marR="0" lvl="0" indent="0" algn="l" defTabSz="914400" rtl="0" eaLnBrk="0" fontAlgn="base" latinLnBrk="0" hangingPunct="0">
-              <a:lnSpc>
-                <a:spcPct val="100000"/>
-              </a:lnSpc>
-              <a:spcBef>
-                <a:spcPct val="0"/>
-              </a:spcBef>
-              <a:spcAft>
-                <a:spcPct val="0"/>
-              </a:spcAft>
-              <a:buClrTx/>
-              <a:buSzTx/>
-              <a:buFontTx/>
-              <a:buNone/>
-              <a:tabLst/>
-              <a:defRPr/>
-            </a:pPr>
-            <a:r>
-              <a:rPr kumimoji="0" lang="es-CL" sz="1400" b="0" i="0" u="none" strike="noStrike" kern="1200" cap="none" spc="0" normalizeH="0" baseline="0" noProof="0" dirty="0">
-                <a:ln>
-                  <a:noFill/>
-                </a:ln>
-                <a:solidFill>
-                  <a:prstClr val="black"/>
-                </a:solidFill>
-                <a:effectLst/>
-                <a:uLnTx/>
-                <a:uFillTx/>
-                <a:latin typeface="Times" pitchFamily="-97" charset="0"/>
-                <a:ea typeface="+mn-ea"/>
-                <a:cs typeface="+mn-cs"/>
-              </a:rPr>
-              <a:t>Causas Cambio Climático</a:t>
-            </a:r>
-          </a:p>
-        </p:txBody>
-      </p:sp>
-      <p:sp>
-        <p:nvSpPr>
-          <p:cNvPr id="24" name="CuadroTexto 23">
-            <a:extLst>
-              <a:ext uri="{FF2B5EF4-FFF2-40B4-BE49-F238E27FC236}">
-                <a16:creationId xmlns:a16="http://schemas.microsoft.com/office/drawing/2014/main" id="{04B47D01-5DA8-4499-BE5F-94E4DE916970}"/>
-              </a:ext>
-            </a:extLst>
-          </p:cNvPr>
-          <p:cNvSpPr txBox="1"/>
-          <p:nvPr/>
-        </p:nvSpPr>
-        <p:spPr>
-          <a:xfrm>
-            <a:off x="8036463" y="925659"/>
-            <a:ext cx="2236001" cy="307777"/>
-          </a:xfrm>
-          <a:prstGeom prst="rect">
-            <a:avLst/>
-          </a:prstGeom>
-          <a:solidFill>
-            <a:schemeClr val="accent1">
-              <a:lumMod val="60000"/>
-              <a:lumOff val="40000"/>
-            </a:schemeClr>
-          </a:solidFill>
-          <a:ln>
-            <a:solidFill>
-              <a:schemeClr val="accent1">
-                <a:lumMod val="75000"/>
-              </a:schemeClr>
-            </a:solidFill>
-          </a:ln>
-        </p:spPr>
-        <p:txBody>
-          <a:bodyPr wrap="square" rtlCol="0">
-            <a:spAutoFit/>
-          </a:bodyPr>
-          <a:lstStyle/>
-          <a:p>
-            <a:pPr marL="0" marR="0" lvl="0" indent="0" algn="l" defTabSz="914400" rtl="0" eaLnBrk="0" fontAlgn="base" latinLnBrk="0" hangingPunct="0">
-              <a:lnSpc>
-                <a:spcPct val="100000"/>
-              </a:lnSpc>
-              <a:spcBef>
-                <a:spcPct val="0"/>
-              </a:spcBef>
-              <a:spcAft>
-                <a:spcPct val="0"/>
-              </a:spcAft>
-              <a:buClrTx/>
-              <a:buSzTx/>
-              <a:buFontTx/>
-              <a:buNone/>
-              <a:tabLst/>
-              <a:defRPr/>
-            </a:pPr>
-            <a:r>
-              <a:rPr kumimoji="0" lang="es-CL" sz="1400" b="0" i="0" u="none" strike="noStrike" kern="1200" cap="none" spc="0" normalizeH="0" baseline="0" noProof="0" dirty="0">
-                <a:ln>
-                  <a:noFill/>
-                </a:ln>
-                <a:solidFill>
-                  <a:prstClr val="black"/>
-                </a:solidFill>
-                <a:effectLst/>
-                <a:uLnTx/>
-                <a:uFillTx/>
-                <a:latin typeface="Times" pitchFamily="-97" charset="0"/>
-                <a:ea typeface="+mn-ea"/>
-                <a:cs typeface="+mn-cs"/>
-              </a:rPr>
-              <a:t>Impactos Cambio Climático</a:t>
-            </a:r>
-          </a:p>
-        </p:txBody>
-      </p:sp>
-      <p:cxnSp>
-        <p:nvCxnSpPr>
-          <p:cNvPr id="26" name="Conector recto de flecha 25">
-            <a:extLst>
-              <a:ext uri="{FF2B5EF4-FFF2-40B4-BE49-F238E27FC236}">
-                <a16:creationId xmlns:a16="http://schemas.microsoft.com/office/drawing/2014/main" id="{B80205CA-BC4B-4AC7-9C57-3A38F6587C5A}"/>
-              </a:ext>
-            </a:extLst>
-          </p:cNvPr>
-          <p:cNvCxnSpPr>
-            <a:cxnSpLocks/>
-          </p:cNvCxnSpPr>
-          <p:nvPr/>
-        </p:nvCxnSpPr>
-        <p:spPr>
-          <a:xfrm>
-            <a:off x="6705262" y="1268760"/>
-            <a:ext cx="1262946" cy="182174"/>
-          </a:xfrm>
-          <a:prstGeom prst="straightConnector1">
-            <a:avLst/>
-          </a:prstGeom>
-          <a:ln>
-            <a:solidFill>
-              <a:schemeClr val="tx2">
-                <a:lumMod val="75000"/>
-              </a:schemeClr>
-            </a:solidFill>
-            <a:tailEnd type="triangle"/>
-          </a:ln>
-        </p:spPr>
-        <p:style>
-          <a:lnRef idx="1">
-            <a:schemeClr val="accent1"/>
-          </a:lnRef>
-          <a:fillRef idx="0">
-            <a:schemeClr val="accent1"/>
-          </a:fillRef>
-          <a:effectRef idx="0">
-            <a:schemeClr val="accent1"/>
-          </a:effectRef>
-          <a:fontRef idx="minor">
-            <a:schemeClr val="tx1"/>
-          </a:fontRef>
-        </p:style>
-      </p:cxnSp>
-      <p:sp>
-        <p:nvSpPr>
-          <p:cNvPr id="28" name="CuadroTexto 27">
-            <a:extLst>
-              <a:ext uri="{FF2B5EF4-FFF2-40B4-BE49-F238E27FC236}">
-                <a16:creationId xmlns:a16="http://schemas.microsoft.com/office/drawing/2014/main" id="{7D1E1CA8-7844-48FC-BD23-2F607EAC0074}"/>
-              </a:ext>
-            </a:extLst>
-          </p:cNvPr>
-          <p:cNvSpPr txBox="1"/>
-          <p:nvPr/>
-        </p:nvSpPr>
-        <p:spPr>
-          <a:xfrm>
-            <a:off x="8036463" y="1309378"/>
-            <a:ext cx="2524033" cy="307777"/>
-          </a:xfrm>
-          <a:prstGeom prst="rect">
-            <a:avLst/>
-          </a:prstGeom>
-          <a:solidFill>
-            <a:schemeClr val="accent6">
-              <a:lumMod val="40000"/>
-              <a:lumOff val="60000"/>
-            </a:schemeClr>
-          </a:solidFill>
-          <a:ln>
-            <a:solidFill>
-              <a:schemeClr val="accent6">
-                <a:lumMod val="75000"/>
-              </a:schemeClr>
-            </a:solidFill>
-          </a:ln>
-        </p:spPr>
-        <p:txBody>
-          <a:bodyPr wrap="square" rtlCol="0">
-            <a:spAutoFit/>
-          </a:bodyPr>
-          <a:lstStyle/>
-          <a:p>
-            <a:pPr marL="0" marR="0" lvl="0" indent="0" algn="l" defTabSz="914400" rtl="0" eaLnBrk="0" fontAlgn="base" latinLnBrk="0" hangingPunct="0">
-              <a:lnSpc>
-                <a:spcPct val="100000"/>
-              </a:lnSpc>
-              <a:spcBef>
-                <a:spcPct val="0"/>
-              </a:spcBef>
-              <a:spcAft>
-                <a:spcPct val="0"/>
-              </a:spcAft>
-              <a:buClrTx/>
-              <a:buSzTx/>
-              <a:buFontTx/>
-              <a:buNone/>
-              <a:tabLst/>
-              <a:defRPr/>
-            </a:pPr>
-            <a:r>
-              <a:rPr kumimoji="0" lang="es-CL" sz="1400" b="0" i="0" u="none" strike="noStrike" kern="1200" cap="none" spc="0" normalizeH="0" baseline="0" noProof="0" dirty="0">
-                <a:ln>
-                  <a:noFill/>
-                </a:ln>
-                <a:solidFill>
-                  <a:prstClr val="black"/>
-                </a:solidFill>
-                <a:effectLst/>
-                <a:uLnTx/>
-                <a:uFillTx/>
-                <a:latin typeface="Times" pitchFamily="-97" charset="0"/>
-                <a:ea typeface="+mn-ea"/>
-                <a:cs typeface="+mn-cs"/>
-              </a:rPr>
-              <a:t>Proyecciones Cambio Climático</a:t>
-            </a:r>
-          </a:p>
-        </p:txBody>
-      </p:sp>
-      <p:cxnSp>
-        <p:nvCxnSpPr>
-          <p:cNvPr id="38" name="Conector recto de flecha 37">
-            <a:extLst>
-              <a:ext uri="{FF2B5EF4-FFF2-40B4-BE49-F238E27FC236}">
-                <a16:creationId xmlns:a16="http://schemas.microsoft.com/office/drawing/2014/main" id="{7B4CB9E4-BCF4-45F2-B0C7-AB589861469D}"/>
-              </a:ext>
-            </a:extLst>
-          </p:cNvPr>
-          <p:cNvCxnSpPr>
-            <a:cxnSpLocks/>
-          </p:cNvCxnSpPr>
-          <p:nvPr/>
-        </p:nvCxnSpPr>
-        <p:spPr>
-          <a:xfrm>
-            <a:off x="6705262" y="1268760"/>
-            <a:ext cx="1262946" cy="564781"/>
-          </a:xfrm>
-          <a:prstGeom prst="straightConnector1">
-            <a:avLst/>
-          </a:prstGeom>
-          <a:ln>
-            <a:solidFill>
-              <a:schemeClr val="tx2">
-                <a:lumMod val="75000"/>
-              </a:schemeClr>
-            </a:solidFill>
-            <a:tailEnd type="triangle"/>
-          </a:ln>
-        </p:spPr>
-        <p:style>
-          <a:lnRef idx="1">
-            <a:schemeClr val="accent1"/>
-          </a:lnRef>
-          <a:fillRef idx="0">
-            <a:schemeClr val="accent1"/>
-          </a:fillRef>
-          <a:effectRef idx="0">
-            <a:schemeClr val="accent1"/>
-          </a:effectRef>
-          <a:fontRef idx="minor">
-            <a:schemeClr val="tx1"/>
-          </a:fontRef>
-        </p:style>
-      </p:cxnSp>
-      <p:sp>
-        <p:nvSpPr>
-          <p:cNvPr id="40" name="CuadroTexto 39">
-            <a:extLst>
-              <a:ext uri="{FF2B5EF4-FFF2-40B4-BE49-F238E27FC236}">
-                <a16:creationId xmlns:a16="http://schemas.microsoft.com/office/drawing/2014/main" id="{328B240F-D295-43FD-9E81-25E246797ADE}"/>
-              </a:ext>
-            </a:extLst>
-          </p:cNvPr>
-          <p:cNvSpPr txBox="1"/>
-          <p:nvPr/>
-        </p:nvSpPr>
-        <p:spPr>
-          <a:xfrm>
-            <a:off x="8036462" y="1693638"/>
-            <a:ext cx="2524033" cy="307777"/>
-          </a:xfrm>
-          <a:prstGeom prst="rect">
-            <a:avLst/>
-          </a:prstGeom>
-          <a:solidFill>
-            <a:schemeClr val="tx2">
-              <a:lumMod val="40000"/>
-              <a:lumOff val="60000"/>
-            </a:schemeClr>
-          </a:solidFill>
-          <a:ln>
-            <a:solidFill>
-              <a:schemeClr val="tx2">
-                <a:lumMod val="75000"/>
-              </a:schemeClr>
-            </a:solidFill>
-          </a:ln>
-        </p:spPr>
-        <p:txBody>
-          <a:bodyPr wrap="square" rtlCol="0">
-            <a:spAutoFit/>
-          </a:bodyPr>
-          <a:lstStyle/>
-          <a:p>
-            <a:pPr marL="0" marR="0" lvl="0" indent="0" algn="l" defTabSz="914400" rtl="0" eaLnBrk="0" fontAlgn="base" latinLnBrk="0" hangingPunct="0">
-              <a:lnSpc>
-                <a:spcPct val="100000"/>
-              </a:lnSpc>
-              <a:spcBef>
-                <a:spcPct val="0"/>
-              </a:spcBef>
-              <a:spcAft>
-                <a:spcPct val="0"/>
-              </a:spcAft>
-              <a:buClrTx/>
-              <a:buSzTx/>
-              <a:buFontTx/>
-              <a:buNone/>
-              <a:tabLst/>
-              <a:defRPr/>
-            </a:pPr>
-            <a:r>
-              <a:rPr kumimoji="0" lang="es-CL" sz="1400" b="0" i="0" u="none" strike="noStrike" kern="1200" cap="none" spc="0" normalizeH="0" baseline="0" noProof="0" dirty="0">
-                <a:ln>
-                  <a:noFill/>
-                </a:ln>
-                <a:solidFill>
-                  <a:prstClr val="black"/>
-                </a:solidFill>
-                <a:effectLst/>
-                <a:uLnTx/>
-                <a:uFillTx/>
-                <a:latin typeface="Times" pitchFamily="-97" charset="0"/>
-                <a:ea typeface="+mn-ea"/>
-                <a:cs typeface="+mn-cs"/>
-              </a:rPr>
-              <a:t>Plataforma DATA CLIMA</a:t>
-            </a:r>
-          </a:p>
-        </p:txBody>
-      </p:sp>
-      <p:sp>
-        <p:nvSpPr>
-          <p:cNvPr id="43" name="CuadroTexto 42">
-            <a:extLst>
-              <a:ext uri="{FF2B5EF4-FFF2-40B4-BE49-F238E27FC236}">
-                <a16:creationId xmlns:a16="http://schemas.microsoft.com/office/drawing/2014/main" id="{58A3E1E0-89F1-449D-81EA-67CDD870137B}"/>
-              </a:ext>
-            </a:extLst>
-          </p:cNvPr>
-          <p:cNvSpPr txBox="1"/>
-          <p:nvPr/>
-        </p:nvSpPr>
-        <p:spPr>
-          <a:xfrm rot="16200000">
-            <a:off x="-1080869" y="3708006"/>
-            <a:ext cx="2767616" cy="461665"/>
-          </a:xfrm>
-          <a:prstGeom prst="rect">
-            <a:avLst/>
-          </a:prstGeom>
-          <a:noFill/>
-        </p:spPr>
-        <p:txBody>
-          <a:bodyPr wrap="square" rtlCol="0">
-            <a:spAutoFit/>
-          </a:bodyPr>
-          <a:lstStyle/>
-          <a:p>
-            <a:pPr marL="0" marR="0" lvl="0" indent="0" algn="l" defTabSz="914400" rtl="0" eaLnBrk="0" fontAlgn="base" latinLnBrk="0" hangingPunct="0">
-              <a:lnSpc>
-                <a:spcPct val="100000"/>
-              </a:lnSpc>
-              <a:spcBef>
-                <a:spcPct val="0"/>
-              </a:spcBef>
-              <a:spcAft>
-                <a:spcPct val="0"/>
-              </a:spcAft>
-              <a:buClrTx/>
-              <a:buSzTx/>
-              <a:buFontTx/>
-              <a:buNone/>
-              <a:tabLst/>
-              <a:defRPr/>
-            </a:pPr>
-            <a:r>
-              <a:rPr kumimoji="0" lang="es-CL" sz="2400" b="0" i="0" u="none" strike="noStrike" kern="1200" cap="none" spc="0" normalizeH="0" baseline="0" noProof="0" dirty="0">
-                <a:ln>
-                  <a:noFill/>
-                </a:ln>
-                <a:solidFill>
-                  <a:prstClr val="black"/>
-                </a:solidFill>
-                <a:effectLst/>
-                <a:uLnTx/>
-                <a:uFillTx/>
-                <a:latin typeface="Times" pitchFamily="-97" charset="0"/>
-                <a:ea typeface="+mn-ea"/>
-                <a:cs typeface="+mn-cs"/>
-              </a:rPr>
-              <a:t>PRODUCTOS</a:t>
-            </a:r>
-          </a:p>
-        </p:txBody>
-      </p:sp>
-      <p:sp>
-        <p:nvSpPr>
-          <p:cNvPr id="45" name="CuadroTexto 44">
-            <a:extLst>
-              <a:ext uri="{FF2B5EF4-FFF2-40B4-BE49-F238E27FC236}">
-                <a16:creationId xmlns:a16="http://schemas.microsoft.com/office/drawing/2014/main" id="{D8878651-2B27-4F39-AB19-230C2D492DC0}"/>
-              </a:ext>
-            </a:extLst>
-          </p:cNvPr>
-          <p:cNvSpPr txBox="1"/>
-          <p:nvPr/>
-        </p:nvSpPr>
-        <p:spPr>
-          <a:xfrm>
-            <a:off x="783733" y="2019585"/>
-            <a:ext cx="2091985" cy="307777"/>
-          </a:xfrm>
-          <a:prstGeom prst="rect">
-            <a:avLst/>
-          </a:prstGeom>
-          <a:solidFill>
-            <a:schemeClr val="accent4">
-              <a:lumMod val="40000"/>
-              <a:lumOff val="60000"/>
-            </a:schemeClr>
-          </a:solidFill>
-          <a:ln>
-            <a:solidFill>
-              <a:srgbClr val="FFC000"/>
-            </a:solidFill>
-          </a:ln>
-        </p:spPr>
-        <p:txBody>
-          <a:bodyPr wrap="square" rtlCol="0">
-            <a:spAutoFit/>
-          </a:bodyPr>
-          <a:lstStyle/>
-          <a:p>
-            <a:pPr marL="0" marR="0" lvl="0" indent="0" algn="l" defTabSz="914400" rtl="0" eaLnBrk="0" fontAlgn="base" latinLnBrk="0" hangingPunct="0">
-              <a:lnSpc>
-                <a:spcPct val="100000"/>
-              </a:lnSpc>
-              <a:spcBef>
-                <a:spcPct val="0"/>
-              </a:spcBef>
-              <a:spcAft>
-                <a:spcPct val="0"/>
-              </a:spcAft>
-              <a:buClrTx/>
-              <a:buSzTx/>
-              <a:buFontTx/>
-              <a:buNone/>
-              <a:tabLst/>
-              <a:defRPr/>
-            </a:pPr>
-            <a:r>
-              <a:rPr kumimoji="0" lang="es-CL" sz="1400" b="0" i="0" u="none" strike="noStrike" kern="1200" cap="none" spc="0" normalizeH="0" baseline="0" noProof="0" dirty="0">
-                <a:ln>
-                  <a:noFill/>
-                </a:ln>
-                <a:solidFill>
-                  <a:prstClr val="black"/>
-                </a:solidFill>
-                <a:effectLst/>
-                <a:uLnTx/>
-                <a:uFillTx/>
-                <a:latin typeface="Times" pitchFamily="-97" charset="0"/>
-                <a:ea typeface="+mn-ea"/>
-                <a:cs typeface="+mn-cs"/>
-              </a:rPr>
-              <a:t>Causas Cambio Climático</a:t>
-            </a:r>
-          </a:p>
-        </p:txBody>
-      </p:sp>
-      <p:sp>
-        <p:nvSpPr>
-          <p:cNvPr id="49" name="CuadroTexto 48">
-            <a:extLst>
-              <a:ext uri="{FF2B5EF4-FFF2-40B4-BE49-F238E27FC236}">
-                <a16:creationId xmlns:a16="http://schemas.microsoft.com/office/drawing/2014/main" id="{BD7C2829-65D1-49B9-ACED-7998583BDAE1}"/>
-              </a:ext>
-            </a:extLst>
-          </p:cNvPr>
-          <p:cNvSpPr txBox="1"/>
-          <p:nvPr/>
-        </p:nvSpPr>
-        <p:spPr>
-          <a:xfrm>
-            <a:off x="800864" y="2585808"/>
-            <a:ext cx="1512168" cy="461665"/>
-          </a:xfrm>
-          <a:prstGeom prst="rect">
-            <a:avLst/>
-          </a:prstGeom>
-          <a:solidFill>
-            <a:schemeClr val="accent4">
-              <a:lumMod val="40000"/>
-              <a:lumOff val="60000"/>
-            </a:schemeClr>
-          </a:solidFill>
-          <a:ln w="28575">
-            <a:solidFill>
-              <a:srgbClr val="FFC000"/>
-            </a:solidFill>
-          </a:ln>
-        </p:spPr>
-        <p:txBody>
-          <a:bodyPr wrap="square" rtlCol="0">
-            <a:spAutoFit/>
-          </a:bodyPr>
-          <a:lstStyle/>
-          <a:p>
-            <a:pPr marL="0" marR="0" lvl="0" indent="0" algn="ctr" defTabSz="914400" rtl="0" eaLnBrk="0" fontAlgn="base" latinLnBrk="0" hangingPunct="0">
-              <a:lnSpc>
-                <a:spcPct val="100000"/>
-              </a:lnSpc>
-              <a:spcBef>
-                <a:spcPct val="0"/>
-              </a:spcBef>
-              <a:spcAft>
-                <a:spcPct val="0"/>
-              </a:spcAft>
-              <a:buClrTx/>
-              <a:buSzTx/>
-              <a:buFontTx/>
-              <a:buNone/>
-              <a:tabLst/>
-              <a:defRPr/>
-            </a:pPr>
-            <a:r>
-              <a:rPr kumimoji="0" lang="es-CL" sz="1200" b="0" i="0" u="none" strike="noStrike" kern="1200" cap="none" spc="0" normalizeH="0" baseline="0" noProof="0" dirty="0">
-                <a:ln>
-                  <a:noFill/>
-                </a:ln>
-                <a:solidFill>
-                  <a:prstClr val="black"/>
-                </a:solidFill>
-                <a:effectLst/>
-                <a:uLnTx/>
-                <a:uFillTx/>
-                <a:latin typeface="Times" pitchFamily="-97" charset="0"/>
-                <a:ea typeface="+mn-ea"/>
-                <a:cs typeface="+mn-cs"/>
-              </a:rPr>
-              <a:t>Causas </a:t>
-            </a:r>
-            <a:r>
-              <a:rPr kumimoji="0" lang="es-CL" sz="1200" b="0" i="0" u="none" strike="noStrike" kern="1200" cap="none" spc="0" normalizeH="0" baseline="0" noProof="0" dirty="0" err="1">
-                <a:ln>
-                  <a:noFill/>
-                </a:ln>
-                <a:solidFill>
-                  <a:prstClr val="black"/>
-                </a:solidFill>
-                <a:effectLst/>
-                <a:uLnTx/>
-                <a:uFillTx/>
-                <a:latin typeface="Times" pitchFamily="-97" charset="0"/>
-                <a:ea typeface="+mn-ea"/>
-                <a:cs typeface="+mn-cs"/>
-              </a:rPr>
-              <a:t>Antropógenas</a:t>
-            </a:r>
-            <a:r>
-              <a:rPr kumimoji="0" lang="es-CL" sz="1200" b="0" i="0" u="none" strike="noStrike" kern="1200" cap="none" spc="0" normalizeH="0" baseline="0" noProof="0" dirty="0">
-                <a:ln>
-                  <a:noFill/>
-                </a:ln>
-                <a:solidFill>
-                  <a:prstClr val="black"/>
-                </a:solidFill>
-                <a:effectLst/>
-                <a:uLnTx/>
-                <a:uFillTx/>
-                <a:latin typeface="Times" pitchFamily="-97" charset="0"/>
-                <a:ea typeface="+mn-ea"/>
-                <a:cs typeface="+mn-cs"/>
-              </a:rPr>
-              <a:t> Chile</a:t>
-            </a:r>
-          </a:p>
-        </p:txBody>
-      </p:sp>
-      <p:sp>
-        <p:nvSpPr>
-          <p:cNvPr id="51" name="CuadroTexto 50">
-            <a:extLst>
-              <a:ext uri="{FF2B5EF4-FFF2-40B4-BE49-F238E27FC236}">
-                <a16:creationId xmlns:a16="http://schemas.microsoft.com/office/drawing/2014/main" id="{D8488D48-3F10-4979-B252-DC6EAA3C3EEC}"/>
-              </a:ext>
-            </a:extLst>
-          </p:cNvPr>
-          <p:cNvSpPr txBox="1"/>
-          <p:nvPr/>
-        </p:nvSpPr>
-        <p:spPr>
-          <a:xfrm>
-            <a:off x="2381286" y="2585808"/>
-            <a:ext cx="1512168" cy="461665"/>
-          </a:xfrm>
-          <a:prstGeom prst="rect">
-            <a:avLst/>
-          </a:prstGeom>
-          <a:solidFill>
-            <a:schemeClr val="accent4">
-              <a:lumMod val="40000"/>
-              <a:lumOff val="60000"/>
-            </a:schemeClr>
-          </a:solidFill>
-          <a:ln w="28575">
-            <a:solidFill>
-              <a:srgbClr val="FFC000"/>
-            </a:solidFill>
-          </a:ln>
-        </p:spPr>
-        <p:txBody>
-          <a:bodyPr wrap="square" rtlCol="0">
-            <a:spAutoFit/>
-          </a:bodyPr>
-          <a:lstStyle/>
-          <a:p>
-            <a:pPr marL="0" marR="0" lvl="0" indent="0" algn="ctr" defTabSz="914400" rtl="0" eaLnBrk="0" fontAlgn="base" latinLnBrk="0" hangingPunct="0">
-              <a:lnSpc>
-                <a:spcPct val="100000"/>
-              </a:lnSpc>
-              <a:spcBef>
-                <a:spcPct val="0"/>
-              </a:spcBef>
-              <a:spcAft>
-                <a:spcPct val="0"/>
-              </a:spcAft>
-              <a:buClrTx/>
-              <a:buSzTx/>
-              <a:buFontTx/>
-              <a:buNone/>
-              <a:tabLst/>
-              <a:defRPr/>
-            </a:pPr>
-            <a:r>
-              <a:rPr kumimoji="0" lang="es-CL" sz="1200" b="0" i="0" u="none" strike="noStrike" kern="1200" cap="none" spc="0" normalizeH="0" baseline="0" noProof="0" dirty="0">
-                <a:ln>
-                  <a:noFill/>
-                </a:ln>
-                <a:solidFill>
-                  <a:prstClr val="black"/>
-                </a:solidFill>
-                <a:effectLst/>
-                <a:uLnTx/>
-                <a:uFillTx/>
-                <a:latin typeface="Times" pitchFamily="-97" charset="0"/>
-                <a:ea typeface="+mn-ea"/>
-                <a:cs typeface="+mn-cs"/>
-              </a:rPr>
-              <a:t>Causas </a:t>
-            </a:r>
-            <a:r>
-              <a:rPr kumimoji="0" lang="es-CL" sz="1200" b="0" i="0" u="none" strike="noStrike" kern="1200" cap="none" spc="0" normalizeH="0" baseline="0" noProof="0" dirty="0" err="1">
-                <a:ln>
-                  <a:noFill/>
-                </a:ln>
-                <a:solidFill>
-                  <a:prstClr val="black"/>
-                </a:solidFill>
-                <a:effectLst/>
-                <a:uLnTx/>
-                <a:uFillTx/>
-                <a:latin typeface="Times" pitchFamily="-97" charset="0"/>
-                <a:ea typeface="+mn-ea"/>
-                <a:cs typeface="+mn-cs"/>
-              </a:rPr>
-              <a:t>Antropógenas</a:t>
-            </a:r>
-            <a:r>
-              <a:rPr kumimoji="0" lang="es-CL" sz="1200" b="0" i="0" u="none" strike="noStrike" kern="1200" cap="none" spc="0" normalizeH="0" baseline="0" noProof="0" dirty="0">
-                <a:ln>
-                  <a:noFill/>
-                </a:ln>
-                <a:solidFill>
-                  <a:prstClr val="black"/>
-                </a:solidFill>
-                <a:effectLst/>
-                <a:uLnTx/>
-                <a:uFillTx/>
-                <a:latin typeface="Times" pitchFamily="-97" charset="0"/>
-                <a:ea typeface="+mn-ea"/>
-                <a:cs typeface="+mn-cs"/>
-              </a:rPr>
-              <a:t> Latino América</a:t>
-            </a:r>
-          </a:p>
-        </p:txBody>
-      </p:sp>
-      <p:sp>
-        <p:nvSpPr>
-          <p:cNvPr id="53" name="CuadroTexto 52">
-            <a:extLst>
-              <a:ext uri="{FF2B5EF4-FFF2-40B4-BE49-F238E27FC236}">
-                <a16:creationId xmlns:a16="http://schemas.microsoft.com/office/drawing/2014/main" id="{BC905A74-8F41-4CF3-B196-D5C70970C9CB}"/>
-              </a:ext>
-            </a:extLst>
-          </p:cNvPr>
-          <p:cNvSpPr txBox="1"/>
-          <p:nvPr/>
-        </p:nvSpPr>
-        <p:spPr>
-          <a:xfrm>
-            <a:off x="3959367" y="2586070"/>
-            <a:ext cx="1512168" cy="461665"/>
-          </a:xfrm>
-          <a:prstGeom prst="rect">
-            <a:avLst/>
-          </a:prstGeom>
-          <a:solidFill>
-            <a:schemeClr val="accent4">
-              <a:lumMod val="40000"/>
-              <a:lumOff val="60000"/>
-            </a:schemeClr>
-          </a:solidFill>
-          <a:ln w="28575">
-            <a:solidFill>
-              <a:srgbClr val="FFC000"/>
-            </a:solidFill>
-          </a:ln>
-        </p:spPr>
-        <p:txBody>
-          <a:bodyPr wrap="square" rtlCol="0">
-            <a:spAutoFit/>
-          </a:bodyPr>
-          <a:lstStyle/>
-          <a:p>
-            <a:pPr marL="0" marR="0" lvl="0" indent="0" algn="ctr" defTabSz="914400" rtl="0" eaLnBrk="0" fontAlgn="base" latinLnBrk="0" hangingPunct="0">
-              <a:lnSpc>
-                <a:spcPct val="100000"/>
-              </a:lnSpc>
-              <a:spcBef>
-                <a:spcPct val="0"/>
-              </a:spcBef>
-              <a:spcAft>
-                <a:spcPct val="0"/>
-              </a:spcAft>
-              <a:buClrTx/>
-              <a:buSzTx/>
-              <a:buFontTx/>
-              <a:buNone/>
-              <a:tabLst/>
-              <a:defRPr/>
-            </a:pPr>
-            <a:r>
-              <a:rPr kumimoji="0" lang="es-CL" sz="1200" b="0" i="0" u="none" strike="noStrike" kern="1200" cap="none" spc="0" normalizeH="0" baseline="0" noProof="0" dirty="0">
-                <a:ln>
-                  <a:noFill/>
-                </a:ln>
-                <a:solidFill>
-                  <a:prstClr val="black"/>
-                </a:solidFill>
-                <a:effectLst/>
-                <a:uLnTx/>
-                <a:uFillTx/>
-                <a:latin typeface="Times" pitchFamily="-97" charset="0"/>
-                <a:ea typeface="+mn-ea"/>
-                <a:cs typeface="+mn-cs"/>
-              </a:rPr>
-              <a:t>Causas </a:t>
-            </a:r>
-            <a:r>
-              <a:rPr kumimoji="0" lang="es-CL" sz="1200" b="0" i="0" u="none" strike="noStrike" kern="1200" cap="none" spc="0" normalizeH="0" baseline="0" noProof="0" dirty="0" err="1">
-                <a:ln>
-                  <a:noFill/>
-                </a:ln>
-                <a:solidFill>
-                  <a:prstClr val="black"/>
-                </a:solidFill>
-                <a:effectLst/>
-                <a:uLnTx/>
-                <a:uFillTx/>
-                <a:latin typeface="Times" pitchFamily="-97" charset="0"/>
-                <a:ea typeface="+mn-ea"/>
-                <a:cs typeface="+mn-cs"/>
-              </a:rPr>
-              <a:t>Antropógenas</a:t>
-            </a:r>
-            <a:r>
-              <a:rPr kumimoji="0" lang="es-CL" sz="1200" b="0" i="0" u="none" strike="noStrike" kern="1200" cap="none" spc="0" normalizeH="0" baseline="0" noProof="0" dirty="0">
-                <a:ln>
-                  <a:noFill/>
-                </a:ln>
-                <a:solidFill>
-                  <a:prstClr val="black"/>
-                </a:solidFill>
-                <a:effectLst/>
-                <a:uLnTx/>
-                <a:uFillTx/>
-                <a:latin typeface="Times" pitchFamily="-97" charset="0"/>
-                <a:ea typeface="+mn-ea"/>
-                <a:cs typeface="+mn-cs"/>
-              </a:rPr>
-              <a:t> Continentes</a:t>
-            </a:r>
-          </a:p>
-        </p:txBody>
-      </p:sp>
-      <p:sp>
-        <p:nvSpPr>
-          <p:cNvPr id="68" name="Forma libre: forma 67">
-            <a:extLst>
-              <a:ext uri="{FF2B5EF4-FFF2-40B4-BE49-F238E27FC236}">
-                <a16:creationId xmlns:a16="http://schemas.microsoft.com/office/drawing/2014/main" id="{914E22ED-2057-45D4-AE71-BF82D927AC87}"/>
-              </a:ext>
-            </a:extLst>
-          </p:cNvPr>
-          <p:cNvSpPr/>
-          <p:nvPr/>
-        </p:nvSpPr>
-        <p:spPr>
-          <a:xfrm>
-            <a:off x="2178093" y="2877408"/>
-            <a:ext cx="91225" cy="150350"/>
-          </a:xfrm>
-          <a:custGeom>
-            <a:avLst/>
-            <a:gdLst>
-              <a:gd name="connsiteX0" fmla="*/ 0 w 371060"/>
-              <a:gd name="connsiteY0" fmla="*/ 159133 h 384420"/>
-              <a:gd name="connsiteX1" fmla="*/ 66260 w 371060"/>
-              <a:gd name="connsiteY1" fmla="*/ 304907 h 384420"/>
-              <a:gd name="connsiteX2" fmla="*/ 79513 w 371060"/>
-              <a:gd name="connsiteY2" fmla="*/ 344663 h 384420"/>
-              <a:gd name="connsiteX3" fmla="*/ 92765 w 371060"/>
-              <a:gd name="connsiteY3" fmla="*/ 384420 h 384420"/>
-              <a:gd name="connsiteX4" fmla="*/ 132521 w 371060"/>
-              <a:gd name="connsiteY4" fmla="*/ 371168 h 384420"/>
-              <a:gd name="connsiteX5" fmla="*/ 212034 w 371060"/>
-              <a:gd name="connsiteY5" fmla="*/ 265150 h 384420"/>
-              <a:gd name="connsiteX6" fmla="*/ 238539 w 371060"/>
-              <a:gd name="connsiteY6" fmla="*/ 225394 h 384420"/>
-              <a:gd name="connsiteX7" fmla="*/ 251791 w 371060"/>
-              <a:gd name="connsiteY7" fmla="*/ 185637 h 384420"/>
-              <a:gd name="connsiteX8" fmla="*/ 304800 w 371060"/>
-              <a:gd name="connsiteY8" fmla="*/ 106124 h 384420"/>
-              <a:gd name="connsiteX9" fmla="*/ 344556 w 371060"/>
-              <a:gd name="connsiteY9" fmla="*/ 39863 h 384420"/>
-              <a:gd name="connsiteX10" fmla="*/ 371060 w 371060"/>
-              <a:gd name="connsiteY10" fmla="*/ 107 h 384420"/>
-            </a:gdLst>
-            <a:ahLst/>
-            <a:cxnLst>
-              <a:cxn ang="0">
-                <a:pos x="connsiteX0" y="connsiteY0"/>
-              </a:cxn>
-              <a:cxn ang="0">
-                <a:pos x="connsiteX1" y="connsiteY1"/>
-              </a:cxn>
-              <a:cxn ang="0">
-                <a:pos x="connsiteX2" y="connsiteY2"/>
-              </a:cxn>
-              <a:cxn ang="0">
-                <a:pos x="connsiteX3" y="connsiteY3"/>
-              </a:cxn>
-              <a:cxn ang="0">
-                <a:pos x="connsiteX4" y="connsiteY4"/>
-              </a:cxn>
-              <a:cxn ang="0">
-                <a:pos x="connsiteX5" y="connsiteY5"/>
-              </a:cxn>
-              <a:cxn ang="0">
-                <a:pos x="connsiteX6" y="connsiteY6"/>
-              </a:cxn>
-              <a:cxn ang="0">
-                <a:pos x="connsiteX7" y="connsiteY7"/>
-              </a:cxn>
-              <a:cxn ang="0">
-                <a:pos x="connsiteX8" y="connsiteY8"/>
-              </a:cxn>
-              <a:cxn ang="0">
-                <a:pos x="connsiteX9" y="connsiteY9"/>
-              </a:cxn>
-              <a:cxn ang="0">
-                <a:pos x="connsiteX10" y="connsiteY10"/>
-              </a:cxn>
-            </a:cxnLst>
-            <a:rect l="l" t="t" r="r" b="b"/>
-            <a:pathLst>
-              <a:path w="371060" h="384420">
-                <a:moveTo>
-                  <a:pt x="0" y="159133"/>
-                </a:moveTo>
-                <a:cubicBezTo>
-                  <a:pt x="54132" y="249354"/>
-                  <a:pt x="31609" y="200954"/>
-                  <a:pt x="66260" y="304907"/>
-                </a:cubicBezTo>
-                <a:lnTo>
-                  <a:pt x="79513" y="344663"/>
-                </a:lnTo>
-                <a:lnTo>
-                  <a:pt x="92765" y="384420"/>
-                </a:lnTo>
-                <a:cubicBezTo>
-                  <a:pt x="106017" y="380003"/>
-                  <a:pt x="120543" y="378355"/>
-                  <a:pt x="132521" y="371168"/>
-                </a:cubicBezTo>
-                <a:cubicBezTo>
-                  <a:pt x="159760" y="354824"/>
-                  <a:pt x="207648" y="271729"/>
-                  <a:pt x="212034" y="265150"/>
-                </a:cubicBezTo>
-                <a:lnTo>
-                  <a:pt x="238539" y="225394"/>
-                </a:lnTo>
-                <a:cubicBezTo>
-                  <a:pt x="242956" y="212142"/>
-                  <a:pt x="245007" y="197848"/>
-                  <a:pt x="251791" y="185637"/>
-                </a:cubicBezTo>
-                <a:cubicBezTo>
-                  <a:pt x="267261" y="157791"/>
-                  <a:pt x="304800" y="106124"/>
-                  <a:pt x="304800" y="106124"/>
-                </a:cubicBezTo>
-                <a:cubicBezTo>
-                  <a:pt x="342340" y="-6497"/>
-                  <a:pt x="289984" y="130818"/>
-                  <a:pt x="344556" y="39863"/>
-                </a:cubicBezTo>
-                <a:cubicBezTo>
-                  <a:pt x="370924" y="-4084"/>
-                  <a:pt x="340133" y="107"/>
-                  <a:pt x="371060" y="107"/>
-                </a:cubicBezTo>
-              </a:path>
-            </a:pathLst>
-          </a:custGeom>
-        </p:spPr>
-        <p:style>
-          <a:lnRef idx="3">
-            <a:schemeClr val="dk1"/>
-          </a:lnRef>
-          <a:fillRef idx="0">
-            <a:schemeClr val="dk1"/>
-          </a:fillRef>
-          <a:effectRef idx="2">
-            <a:schemeClr val="dk1"/>
-          </a:effectRef>
-          <a:fontRef idx="minor">
-            <a:schemeClr val="tx1"/>
-          </a:fontRef>
-        </p:style>
-        <p:txBody>
-          <a:bodyPr rtlCol="0" anchor="ctr"/>
-          <a:lstStyle/>
-          <a:p>
-            <a:pPr marL="0" marR="0" lvl="0" indent="0" algn="ctr" defTabSz="914400" rtl="0" eaLnBrk="0" fontAlgn="base" latinLnBrk="0" hangingPunct="0">
-              <a:lnSpc>
-                <a:spcPct val="100000"/>
-              </a:lnSpc>
-              <a:spcBef>
-                <a:spcPct val="0"/>
-              </a:spcBef>
-              <a:spcAft>
-                <a:spcPct val="0"/>
-              </a:spcAft>
-              <a:buClrTx/>
-              <a:buSzTx/>
-              <a:buFontTx/>
-              <a:buNone/>
-              <a:tabLst/>
-              <a:defRPr/>
-            </a:pPr>
-            <a:endParaRPr kumimoji="0" lang="es-CL" sz="2400" b="0" i="0" u="none" strike="noStrike" kern="1200" cap="none" spc="0" normalizeH="0" baseline="0" noProof="0">
-              <a:ln>
-                <a:noFill/>
-              </a:ln>
-              <a:solidFill>
-                <a:prstClr val="black"/>
-              </a:solidFill>
-              <a:effectLst/>
-              <a:uLnTx/>
-              <a:uFillTx/>
-              <a:latin typeface="Tw Cen MT" panose="020B0602020104020603"/>
-              <a:ea typeface="+mn-ea"/>
-              <a:cs typeface="+mn-cs"/>
-            </a:endParaRPr>
-          </a:p>
-        </p:txBody>
-      </p:sp>
-      <p:sp>
-        <p:nvSpPr>
-          <p:cNvPr id="83" name="Rectángulo 82">
-            <a:extLst>
-              <a:ext uri="{FF2B5EF4-FFF2-40B4-BE49-F238E27FC236}">
-                <a16:creationId xmlns:a16="http://schemas.microsoft.com/office/drawing/2014/main" id="{8B77CAAC-7C19-4AE6-B73A-77D98D232FE1}"/>
-              </a:ext>
-            </a:extLst>
-          </p:cNvPr>
-          <p:cNvSpPr/>
-          <p:nvPr/>
-        </p:nvSpPr>
-        <p:spPr>
-          <a:xfrm>
-            <a:off x="787084" y="2456142"/>
-            <a:ext cx="4679852" cy="720080"/>
-          </a:xfrm>
-          <a:prstGeom prst="rect">
-            <a:avLst/>
-          </a:prstGeom>
-          <a:noFill/>
-          <a:ln>
-            <a:solidFill>
-              <a:srgbClr val="FFC000"/>
-            </a:solidFill>
-          </a:ln>
-        </p:spPr>
-        <p:style>
-          <a:lnRef idx="2">
-            <a:schemeClr val="accent1">
-              <a:shade val="50000"/>
-            </a:schemeClr>
-          </a:lnRef>
-          <a:fillRef idx="1">
-            <a:schemeClr val="accent1"/>
-          </a:fillRef>
-          <a:effectRef idx="0">
-            <a:schemeClr val="accent1"/>
-          </a:effectRef>
-          <a:fontRef idx="minor">
-            <a:schemeClr val="lt1"/>
-          </a:fontRef>
-        </p:style>
-        <p:txBody>
-          <a:bodyPr rtlCol="0" anchor="ctr"/>
-          <a:lstStyle/>
-          <a:p>
-            <a:pPr marL="0" marR="0" lvl="0" indent="0" algn="ctr" defTabSz="914400" rtl="0" eaLnBrk="0" fontAlgn="base" latinLnBrk="0" hangingPunct="0">
-              <a:lnSpc>
-                <a:spcPct val="100000"/>
-              </a:lnSpc>
-              <a:spcBef>
-                <a:spcPct val="0"/>
-              </a:spcBef>
-              <a:spcAft>
-                <a:spcPct val="0"/>
-              </a:spcAft>
-              <a:buClrTx/>
-              <a:buSzTx/>
-              <a:buFontTx/>
-              <a:buNone/>
-              <a:tabLst/>
-              <a:defRPr/>
-            </a:pPr>
-            <a:endParaRPr kumimoji="0" lang="es-CL" sz="2400" b="0" i="0" u="none" strike="noStrike" kern="1200" cap="none" spc="0" normalizeH="0" baseline="0" noProof="0">
-              <a:ln>
-                <a:noFill/>
-              </a:ln>
-              <a:solidFill>
-                <a:prstClr val="white"/>
-              </a:solidFill>
-              <a:effectLst/>
-              <a:uLnTx/>
-              <a:uFillTx/>
-              <a:latin typeface="Tw Cen MT" panose="020B0602020104020603"/>
-              <a:ea typeface="+mn-ea"/>
-              <a:cs typeface="+mn-cs"/>
-            </a:endParaRPr>
-          </a:p>
-        </p:txBody>
-      </p:sp>
-      <p:sp>
-        <p:nvSpPr>
           <p:cNvPr id="27" name="CuadroTexto 26">
             <a:extLst>
               <a:ext uri="{FF2B5EF4-FFF2-40B4-BE49-F238E27FC236}">
@@ -13085,12 +12191,6 @@
           <a:p>
             <a:r>
               <a:rPr lang="es-CL" dirty="0"/>
-              <a:t>Puerto Rico</a:t>
-            </a:r>
-          </a:p>
-          <a:p>
-            <a:r>
-              <a:rPr lang="es-CL" dirty="0"/>
               <a:t>República Dominicana</a:t>
             </a:r>
           </a:p>
@@ -13118,116 +12218,6 @@
           <a:xfrm flipH="1">
             <a:off x="2001080" y="3047473"/>
             <a:ext cx="1136290" cy="634306"/>
-          </a:xfrm>
-          <a:prstGeom prst="straightConnector1">
-            <a:avLst/>
-          </a:prstGeom>
-          <a:ln>
-            <a:tailEnd type="triangle"/>
-          </a:ln>
-        </p:spPr>
-        <p:style>
-          <a:lnRef idx="1">
-            <a:schemeClr val="dk1"/>
-          </a:lnRef>
-          <a:fillRef idx="0">
-            <a:schemeClr val="dk1"/>
-          </a:fillRef>
-          <a:effectRef idx="0">
-            <a:schemeClr val="dk1"/>
-          </a:effectRef>
-          <a:fontRef idx="minor">
-            <a:schemeClr val="tx1"/>
-          </a:fontRef>
-        </p:style>
-      </p:cxnSp>
-      <p:sp>
-        <p:nvSpPr>
-          <p:cNvPr id="34" name="CuadroTexto 33">
-            <a:extLst>
-              <a:ext uri="{FF2B5EF4-FFF2-40B4-BE49-F238E27FC236}">
-                <a16:creationId xmlns:a16="http://schemas.microsoft.com/office/drawing/2014/main" id="{E11645FE-99DF-4332-9136-E16F58C42FC6}"/>
-              </a:ext>
-            </a:extLst>
-          </p:cNvPr>
-          <p:cNvSpPr txBox="1"/>
-          <p:nvPr/>
-        </p:nvSpPr>
-        <p:spPr>
-          <a:xfrm>
-            <a:off x="4068417" y="3681779"/>
-            <a:ext cx="1181678" cy="1477328"/>
-          </a:xfrm>
-          <a:prstGeom prst="rect">
-            <a:avLst/>
-          </a:prstGeom>
-          <a:noFill/>
-          <a:ln>
-            <a:solidFill>
-              <a:schemeClr val="accent4">
-                <a:lumMod val="60000"/>
-                <a:lumOff val="40000"/>
-              </a:schemeClr>
-            </a:solidFill>
-          </a:ln>
-        </p:spPr>
-        <p:txBody>
-          <a:bodyPr wrap="square" rtlCol="0">
-            <a:spAutoFit/>
-          </a:bodyPr>
-          <a:lstStyle/>
-          <a:p>
-            <a:r>
-              <a:rPr lang="es-CL" dirty="0"/>
-              <a:t>América</a:t>
-            </a:r>
-          </a:p>
-          <a:p>
-            <a:r>
-              <a:rPr lang="es-CL" dirty="0"/>
-              <a:t>Europa</a:t>
-            </a:r>
-          </a:p>
-          <a:p>
-            <a:r>
-              <a:rPr lang="es-CL" dirty="0"/>
-              <a:t>Asia</a:t>
-            </a:r>
-          </a:p>
-          <a:p>
-            <a:r>
-              <a:rPr lang="es-CL" dirty="0"/>
-              <a:t>África</a:t>
-            </a:r>
-          </a:p>
-          <a:p>
-            <a:r>
-              <a:rPr lang="es-CL" dirty="0"/>
-              <a:t>Oceanía</a:t>
-            </a:r>
-          </a:p>
-        </p:txBody>
-      </p:sp>
-      <p:cxnSp>
-        <p:nvCxnSpPr>
-          <p:cNvPr id="140" name="Conector recto de flecha 139">
-            <a:extLst>
-              <a:ext uri="{FF2B5EF4-FFF2-40B4-BE49-F238E27FC236}">
-                <a16:creationId xmlns:a16="http://schemas.microsoft.com/office/drawing/2014/main" id="{8069F688-8C63-43D7-9CC3-96ECD951F893}"/>
-              </a:ext>
-            </a:extLst>
-          </p:cNvPr>
-          <p:cNvCxnSpPr>
-            <a:cxnSpLocks/>
-            <a:stCxn id="53" idx="2"/>
-            <a:endCxn id="34" idx="0"/>
-          </p:cNvCxnSpPr>
-          <p:nvPr/>
-        </p:nvCxnSpPr>
-        <p:spPr>
-          <a:xfrm flipH="1">
-            <a:off x="4659256" y="3047735"/>
-            <a:ext cx="56195" cy="634044"/>
           </a:xfrm>
           <a:prstGeom prst="straightConnector1">
             <a:avLst/>
@@ -14111,8 +13101,8 @@
         </p:nvSpPr>
         <p:spPr>
           <a:xfrm>
-            <a:off x="3917207" y="2675989"/>
-            <a:ext cx="4711811" cy="858314"/>
+            <a:off x="3917208" y="2675989"/>
+            <a:ext cx="3122138" cy="858314"/>
           </a:xfrm>
           <a:prstGeom prst="rect">
             <a:avLst/>
@@ -14672,10 +13662,10 @@
       </p:sp>
       <p:sp>
         <p:nvSpPr>
-          <p:cNvPr id="12" name="CuadroTexto 11">
-            <a:extLst>
-              <a:ext uri="{FF2B5EF4-FFF2-40B4-BE49-F238E27FC236}">
-                <a16:creationId xmlns:a16="http://schemas.microsoft.com/office/drawing/2014/main" id="{9FA39DDA-8DBB-475C-9D96-D69199FB13D1}"/>
+          <p:cNvPr id="13" name="CuadroTexto 12">
+            <a:extLst>
+              <a:ext uri="{FF2B5EF4-FFF2-40B4-BE49-F238E27FC236}">
+                <a16:creationId xmlns:a16="http://schemas.microsoft.com/office/drawing/2014/main" id="{A4FB032A-8060-47A5-ACEA-0ADEAE65D0EA}"/>
               </a:ext>
             </a:extLst>
           </p:cNvPr>
@@ -14684,21 +13674,98 @@
         </p:nvSpPr>
         <p:spPr>
           <a:xfrm>
-            <a:off x="7116850" y="2789110"/>
-            <a:ext cx="1512168" cy="646331"/>
+            <a:off x="758158" y="4003900"/>
+            <a:ext cx="2524033" cy="307777"/>
           </a:xfrm>
           <a:prstGeom prst="rect">
             <a:avLst/>
           </a:prstGeom>
           <a:solidFill>
-            <a:schemeClr val="accent6">
+            <a:schemeClr val="tx2">
+              <a:lumMod val="40000"/>
+              <a:lumOff val="60000"/>
+            </a:schemeClr>
+          </a:solidFill>
+          <a:ln>
+            <a:solidFill>
+              <a:schemeClr val="tx2">
+                <a:lumMod val="75000"/>
+              </a:schemeClr>
+            </a:solidFill>
+          </a:ln>
+        </p:spPr>
+        <p:txBody>
+          <a:bodyPr wrap="square" rtlCol="0">
+            <a:spAutoFit/>
+          </a:bodyPr>
+          <a:lstStyle/>
+          <a:p>
+            <a:pPr marL="0" marR="0" lvl="0" indent="0" algn="l" defTabSz="914400" rtl="0" eaLnBrk="0" fontAlgn="base" latinLnBrk="0" hangingPunct="0">
+              <a:lnSpc>
+                <a:spcPct val="100000"/>
+              </a:lnSpc>
+              <a:spcBef>
+                <a:spcPct val="0"/>
+              </a:spcBef>
+              <a:spcAft>
+                <a:spcPct val="0"/>
+              </a:spcAft>
+              <a:buClrTx/>
+              <a:buSzTx/>
+              <a:buFontTx/>
+              <a:buNone/>
+              <a:tabLst/>
+              <a:defRPr/>
+            </a:pPr>
+            <a:r>
+              <a:rPr kumimoji="0" lang="es-CL" sz="1400" b="0" i="0" u="none" strike="noStrike" kern="1200" cap="none" spc="0" normalizeH="0" baseline="0" noProof="0" dirty="0">
+                <a:ln>
+                  <a:noFill/>
+                </a:ln>
+                <a:solidFill>
+                  <a:prstClr val="black"/>
+                </a:solidFill>
+                <a:effectLst/>
+                <a:uLnTx/>
+                <a:uFillTx/>
+                <a:latin typeface="Times" pitchFamily="-97" charset="0"/>
+                <a:ea typeface="+mn-ea"/>
+                <a:cs typeface="+mn-cs"/>
+              </a:rPr>
+              <a:t>Plataforma DATA CLIMA</a:t>
+            </a:r>
+          </a:p>
+        </p:txBody>
+      </p:sp>
+      <p:sp>
+        <p:nvSpPr>
+          <p:cNvPr id="14" name="CuadroTexto 13">
+            <a:extLst>
+              <a:ext uri="{FF2B5EF4-FFF2-40B4-BE49-F238E27FC236}">
+                <a16:creationId xmlns:a16="http://schemas.microsoft.com/office/drawing/2014/main" id="{DE286685-EB56-4610-B810-BD779B954ECE}"/>
+              </a:ext>
+            </a:extLst>
+          </p:cNvPr>
+          <p:cNvSpPr txBox="1"/>
+          <p:nvPr/>
+        </p:nvSpPr>
+        <p:spPr>
+          <a:xfrm>
+            <a:off x="765531" y="5187958"/>
+            <a:ext cx="1512168" cy="461665"/>
+          </a:xfrm>
+          <a:prstGeom prst="rect">
+            <a:avLst/>
+          </a:prstGeom>
+          <a:solidFill>
+            <a:schemeClr val="tx2">
               <a:lumMod val="40000"/>
               <a:lumOff val="60000"/>
             </a:schemeClr>
           </a:solidFill>
           <a:ln w="28575">
             <a:solidFill>
-              <a:schemeClr val="accent6">
+              <a:schemeClr val="tx2">
                 <a:lumMod val="75000"/>
               </a:schemeClr>
             </a:solidFill>
@@ -14742,7 +13809,7 @@
                 <a:ea typeface="+mn-ea"/>
                 <a:cs typeface="+mn-cs"/>
               </a:rPr>
-              <a:t>Ecosistemas y Vida Humana Continentes</a:t>
+              <a:t>Todo lo anterior</a:t>
             </a:r>
           </a:p>
           <a:p>
@@ -14782,10 +13849,10 @@
       </p:sp>
       <p:sp>
         <p:nvSpPr>
-          <p:cNvPr id="13" name="CuadroTexto 12">
-            <a:extLst>
-              <a:ext uri="{FF2B5EF4-FFF2-40B4-BE49-F238E27FC236}">
-                <a16:creationId xmlns:a16="http://schemas.microsoft.com/office/drawing/2014/main" id="{A4FB032A-8060-47A5-ACEA-0ADEAE65D0EA}"/>
+          <p:cNvPr id="16" name="CuadroTexto 15">
+            <a:extLst>
+              <a:ext uri="{FF2B5EF4-FFF2-40B4-BE49-F238E27FC236}">
+                <a16:creationId xmlns:a16="http://schemas.microsoft.com/office/drawing/2014/main" id="{53A6EC75-BE2A-4A39-B6CE-A24A7B495D9A}"/>
               </a:ext>
             </a:extLst>
           </p:cNvPr>
@@ -14794,85 +13861,8 @@
         </p:nvSpPr>
         <p:spPr>
           <a:xfrm>
-            <a:off x="758158" y="4003900"/>
-            <a:ext cx="2524033" cy="307777"/>
-          </a:xfrm>
-          <a:prstGeom prst="rect">
-            <a:avLst/>
-          </a:prstGeom>
-          <a:solidFill>
-            <a:schemeClr val="tx2">
-              <a:lumMod val="40000"/>
-              <a:lumOff val="60000"/>
-            </a:schemeClr>
-          </a:solidFill>
-          <a:ln>
-            <a:solidFill>
-              <a:schemeClr val="tx2">
-                <a:lumMod val="75000"/>
-              </a:schemeClr>
-            </a:solidFill>
-          </a:ln>
-        </p:spPr>
-        <p:txBody>
-          <a:bodyPr wrap="square" rtlCol="0">
-            <a:spAutoFit/>
-          </a:bodyPr>
-          <a:lstStyle/>
-          <a:p>
-            <a:pPr marL="0" marR="0" lvl="0" indent="0" algn="l" defTabSz="914400" rtl="0" eaLnBrk="0" fontAlgn="base" latinLnBrk="0" hangingPunct="0">
-              <a:lnSpc>
-                <a:spcPct val="100000"/>
-              </a:lnSpc>
-              <a:spcBef>
-                <a:spcPct val="0"/>
-              </a:spcBef>
-              <a:spcAft>
-                <a:spcPct val="0"/>
-              </a:spcAft>
-              <a:buClrTx/>
-              <a:buSzTx/>
-              <a:buFontTx/>
-              <a:buNone/>
-              <a:tabLst/>
-              <a:defRPr/>
-            </a:pPr>
-            <a:r>
-              <a:rPr kumimoji="0" lang="es-CL" sz="1400" b="0" i="0" u="none" strike="noStrike" kern="1200" cap="none" spc="0" normalizeH="0" baseline="0" noProof="0" dirty="0">
-                <a:ln>
-                  <a:noFill/>
-                </a:ln>
-                <a:solidFill>
-                  <a:prstClr val="black"/>
-                </a:solidFill>
-                <a:effectLst/>
-                <a:uLnTx/>
-                <a:uFillTx/>
-                <a:latin typeface="Times" pitchFamily="-97" charset="0"/>
-                <a:ea typeface="+mn-ea"/>
-                <a:cs typeface="+mn-cs"/>
-              </a:rPr>
-              <a:t>Plataforma DATA CLIMA</a:t>
-            </a:r>
-          </a:p>
-        </p:txBody>
-      </p:sp>
-      <p:sp>
-        <p:nvSpPr>
-          <p:cNvPr id="14" name="CuadroTexto 13">
-            <a:extLst>
-              <a:ext uri="{FF2B5EF4-FFF2-40B4-BE49-F238E27FC236}">
-                <a16:creationId xmlns:a16="http://schemas.microsoft.com/office/drawing/2014/main" id="{DE286685-EB56-4610-B810-BD779B954ECE}"/>
-              </a:ext>
-            </a:extLst>
-          </p:cNvPr>
-          <p:cNvSpPr txBox="1"/>
-          <p:nvPr/>
-        </p:nvSpPr>
-        <p:spPr>
-          <a:xfrm>
-            <a:off x="765531" y="5187958"/>
-            <a:ext cx="1512168" cy="461665"/>
+            <a:off x="2783632" y="4527511"/>
+            <a:ext cx="1512168" cy="646331"/>
           </a:xfrm>
           <a:prstGeom prst="rect">
             <a:avLst/>
@@ -14929,7 +13919,84 @@
                 <a:ea typeface="+mn-ea"/>
                 <a:cs typeface="+mn-cs"/>
               </a:rPr>
-              <a:t>Todo lo anterior</a:t>
+              <a:t>Políticas e Institucionalidad CC Global</a:t>
+            </a:r>
+          </a:p>
+        </p:txBody>
+      </p:sp>
+      <p:sp>
+        <p:nvSpPr>
+          <p:cNvPr id="17" name="CuadroTexto 16">
+            <a:extLst>
+              <a:ext uri="{FF2B5EF4-FFF2-40B4-BE49-F238E27FC236}">
+                <a16:creationId xmlns:a16="http://schemas.microsoft.com/office/drawing/2014/main" id="{F88E437E-C6B5-483A-96B3-AB99DEC3AD42}"/>
+              </a:ext>
+            </a:extLst>
+          </p:cNvPr>
+          <p:cNvSpPr txBox="1"/>
+          <p:nvPr/>
+        </p:nvSpPr>
+        <p:spPr>
+          <a:xfrm>
+            <a:off x="4377663" y="4527511"/>
+            <a:ext cx="1512168" cy="646331"/>
+          </a:xfrm>
+          <a:prstGeom prst="rect">
+            <a:avLst/>
+          </a:prstGeom>
+          <a:solidFill>
+            <a:schemeClr val="tx2">
+              <a:lumMod val="40000"/>
+              <a:lumOff val="60000"/>
+            </a:schemeClr>
+          </a:solidFill>
+          <a:ln w="28575">
+            <a:solidFill>
+              <a:schemeClr val="tx2">
+                <a:lumMod val="75000"/>
+              </a:schemeClr>
+            </a:solidFill>
+          </a:ln>
+        </p:spPr>
+        <p:txBody>
+          <a:bodyPr wrap="square" rtlCol="0">
+            <a:spAutoFit/>
+          </a:bodyPr>
+          <a:lstStyle/>
+          <a:p>
+            <a:pPr marL="0" marR="0" lvl="0" indent="0" algn="ctr" defTabSz="914400" rtl="0" eaLnBrk="0" fontAlgn="base" latinLnBrk="0" hangingPunct="0">
+              <a:lnSpc>
+                <a:spcPct val="100000"/>
+              </a:lnSpc>
+              <a:spcBef>
+                <a:spcPct val="0"/>
+              </a:spcBef>
+              <a:spcAft>
+                <a:spcPct val="0"/>
+              </a:spcAft>
+              <a:buClrTx/>
+              <a:buSzTx/>
+              <a:buFontTx/>
+              <a:buNone/>
+              <a:tabLst/>
+              <a:defRPr/>
+            </a:pPr>
+            <a:r>
+              <a:rPr kumimoji="0" lang="es-CL" sz="1200" b="0" i="0" u="none" strike="noStrike" kern="1200" cap="none" spc="0" normalizeH="0" baseline="0" noProof="0" dirty="0">
+                <a:ln>
+                  <a:noFill/>
+                </a:ln>
+                <a:solidFill>
+                  <a:prstClr val="black"/>
+                </a:solidFill>
+                <a:effectLst/>
+                <a:uLnTx/>
+                <a:uFillTx/>
+                <a:latin typeface="Times" pitchFamily="-97" charset="0"/>
+                <a:ea typeface="+mn-ea"/>
+                <a:cs typeface="+mn-cs"/>
+              </a:rPr>
+              <a:t>Planes, Informes y Reportes CC Global</a:t>
             </a:r>
           </a:p>
           <a:p>
@@ -14969,10 +14036,10 @@
       </p:sp>
       <p:sp>
         <p:nvSpPr>
-          <p:cNvPr id="16" name="CuadroTexto 15">
-            <a:extLst>
-              <a:ext uri="{FF2B5EF4-FFF2-40B4-BE49-F238E27FC236}">
-                <a16:creationId xmlns:a16="http://schemas.microsoft.com/office/drawing/2014/main" id="{53A6EC75-BE2A-4A39-B6CE-A24A7B495D9A}"/>
+          <p:cNvPr id="20" name="CuadroTexto 19">
+            <a:extLst>
+              <a:ext uri="{FF2B5EF4-FFF2-40B4-BE49-F238E27FC236}">
+                <a16:creationId xmlns:a16="http://schemas.microsoft.com/office/drawing/2014/main" id="{D41CA916-DFA7-4138-AD03-91117EDBBA46}"/>
               </a:ext>
             </a:extLst>
           </p:cNvPr>
@@ -14981,7 +14048,7 @@
         </p:nvSpPr>
         <p:spPr>
           <a:xfrm>
-            <a:off x="2783632" y="4527511"/>
+            <a:off x="5967939" y="4527511"/>
             <a:ext cx="1512168" cy="646331"/>
           </a:xfrm>
           <a:prstGeom prst="rect">
@@ -15039,84 +14106,7 @@
                 <a:ea typeface="+mn-ea"/>
                 <a:cs typeface="+mn-cs"/>
               </a:rPr>
-              <a:t>Políticas e Institucionalidad CC Global</a:t>
-            </a:r>
-          </a:p>
-        </p:txBody>
-      </p:sp>
-      <p:sp>
-        <p:nvSpPr>
-          <p:cNvPr id="17" name="CuadroTexto 16">
-            <a:extLst>
-              <a:ext uri="{FF2B5EF4-FFF2-40B4-BE49-F238E27FC236}">
-                <a16:creationId xmlns:a16="http://schemas.microsoft.com/office/drawing/2014/main" id="{F88E437E-C6B5-483A-96B3-AB99DEC3AD42}"/>
-              </a:ext>
-            </a:extLst>
-          </p:cNvPr>
-          <p:cNvSpPr txBox="1"/>
-          <p:nvPr/>
-        </p:nvSpPr>
-        <p:spPr>
-          <a:xfrm>
-            <a:off x="4377663" y="4527511"/>
-            <a:ext cx="1512168" cy="646331"/>
-          </a:xfrm>
-          <a:prstGeom prst="rect">
-            <a:avLst/>
-          </a:prstGeom>
-          <a:solidFill>
-            <a:schemeClr val="tx2">
-              <a:lumMod val="40000"/>
-              <a:lumOff val="60000"/>
-            </a:schemeClr>
-          </a:solidFill>
-          <a:ln w="28575">
-            <a:solidFill>
-              <a:schemeClr val="tx2">
-                <a:lumMod val="75000"/>
-              </a:schemeClr>
-            </a:solidFill>
-          </a:ln>
-        </p:spPr>
-        <p:txBody>
-          <a:bodyPr wrap="square" rtlCol="0">
-            <a:spAutoFit/>
-          </a:bodyPr>
-          <a:lstStyle/>
-          <a:p>
-            <a:pPr marL="0" marR="0" lvl="0" indent="0" algn="ctr" defTabSz="914400" rtl="0" eaLnBrk="0" fontAlgn="base" latinLnBrk="0" hangingPunct="0">
-              <a:lnSpc>
-                <a:spcPct val="100000"/>
-              </a:lnSpc>
-              <a:spcBef>
-                <a:spcPct val="0"/>
-              </a:spcBef>
-              <a:spcAft>
-                <a:spcPct val="0"/>
-              </a:spcAft>
-              <a:buClrTx/>
-              <a:buSzTx/>
-              <a:buFontTx/>
-              <a:buNone/>
-              <a:tabLst/>
-              <a:defRPr/>
-            </a:pPr>
-            <a:r>
-              <a:rPr kumimoji="0" lang="es-CL" sz="1200" b="0" i="0" u="none" strike="noStrike" kern="1200" cap="none" spc="0" normalizeH="0" baseline="0" noProof="0" dirty="0">
-                <a:ln>
-                  <a:noFill/>
-                </a:ln>
-                <a:solidFill>
-                  <a:prstClr val="black"/>
-                </a:solidFill>
-                <a:effectLst/>
-                <a:uLnTx/>
-                <a:uFillTx/>
-                <a:latin typeface="Times" pitchFamily="-97" charset="0"/>
-                <a:ea typeface="+mn-ea"/>
-                <a:cs typeface="+mn-cs"/>
-              </a:rPr>
-              <a:t>Planes, Informes y Reportes CC Global</a:t>
+              <a:t>Adaptación al CC Global</a:t>
             </a:r>
           </a:p>
           <a:p>
@@ -15156,10 +14146,10 @@
       </p:sp>
       <p:sp>
         <p:nvSpPr>
-          <p:cNvPr id="20" name="CuadroTexto 19">
-            <a:extLst>
-              <a:ext uri="{FF2B5EF4-FFF2-40B4-BE49-F238E27FC236}">
-                <a16:creationId xmlns:a16="http://schemas.microsoft.com/office/drawing/2014/main" id="{D41CA916-DFA7-4138-AD03-91117EDBBA46}"/>
+          <p:cNvPr id="23" name="CuadroTexto 22">
+            <a:extLst>
+              <a:ext uri="{FF2B5EF4-FFF2-40B4-BE49-F238E27FC236}">
+                <a16:creationId xmlns:a16="http://schemas.microsoft.com/office/drawing/2014/main" id="{4002B855-CDC7-4D74-8C3E-7EF0C9F9A6D5}"/>
               </a:ext>
             </a:extLst>
           </p:cNvPr>
@@ -15168,7 +14158,72 @@
         </p:nvSpPr>
         <p:spPr>
           <a:xfrm>
-            <a:off x="5967939" y="4527511"/>
+            <a:off x="2329541" y="5168296"/>
+            <a:ext cx="383772" cy="461665"/>
+          </a:xfrm>
+          <a:prstGeom prst="rect">
+            <a:avLst/>
+          </a:prstGeom>
+          <a:noFill/>
+        </p:spPr>
+        <p:txBody>
+          <a:bodyPr wrap="square" rtlCol="0">
+            <a:spAutoFit/>
+          </a:bodyPr>
+          <a:lstStyle/>
+          <a:p>
+            <a:pPr marL="0" marR="0" lvl="0" indent="0" algn="l" defTabSz="914400" rtl="0" eaLnBrk="0" fontAlgn="base" latinLnBrk="0" hangingPunct="0">
+              <a:lnSpc>
+                <a:spcPct val="100000"/>
+              </a:lnSpc>
+              <a:spcBef>
+                <a:spcPct val="0"/>
+              </a:spcBef>
+              <a:spcAft>
+                <a:spcPct val="0"/>
+              </a:spcAft>
+              <a:buClrTx/>
+              <a:buSzTx/>
+              <a:buFontTx/>
+              <a:buNone/>
+              <a:tabLst/>
+              <a:defRPr/>
+            </a:pPr>
+            <a:r>
+              <a:rPr kumimoji="0" lang="es-CL" sz="2400" b="1" i="0" u="none" strike="noStrike" kern="1200" cap="none" spc="0" normalizeH="0" baseline="0" noProof="0" dirty="0">
+                <a:ln>
+                  <a:noFill/>
+                </a:ln>
+                <a:solidFill>
+                  <a:prstClr val="black"/>
+                </a:solidFill>
+                <a:effectLst/>
+                <a:uLnTx/>
+                <a:uFillTx/>
+                <a:latin typeface="Times" pitchFamily="-97" charset="0"/>
+                <a:ea typeface="+mn-ea"/>
+                <a:cs typeface="+mn-cs"/>
+              </a:rPr>
+              <a:t>+</a:t>
+            </a:r>
+          </a:p>
+        </p:txBody>
+      </p:sp>
+      <p:sp>
+        <p:nvSpPr>
+          <p:cNvPr id="29" name="CuadroTexto 28">
+            <a:extLst>
+              <a:ext uri="{FF2B5EF4-FFF2-40B4-BE49-F238E27FC236}">
+                <a16:creationId xmlns:a16="http://schemas.microsoft.com/office/drawing/2014/main" id="{3A9679A7-9079-42E0-A522-985656D69CA7}"/>
+              </a:ext>
+            </a:extLst>
+          </p:cNvPr>
+          <p:cNvSpPr txBox="1"/>
+          <p:nvPr/>
+        </p:nvSpPr>
+        <p:spPr>
+          <a:xfrm>
+            <a:off x="2783632" y="5701993"/>
             <a:ext cx="1512168" cy="646331"/>
           </a:xfrm>
           <a:prstGeom prst="rect">
@@ -15226,7 +14281,84 @@
                 <a:ea typeface="+mn-ea"/>
                 <a:cs typeface="+mn-cs"/>
               </a:rPr>
-              <a:t>Adaptación al CC Global</a:t>
+              <a:t>Políticas e Institucionalidad CC Chile</a:t>
+            </a:r>
+          </a:p>
+        </p:txBody>
+      </p:sp>
+      <p:sp>
+        <p:nvSpPr>
+          <p:cNvPr id="30" name="CuadroTexto 29">
+            <a:extLst>
+              <a:ext uri="{FF2B5EF4-FFF2-40B4-BE49-F238E27FC236}">
+                <a16:creationId xmlns:a16="http://schemas.microsoft.com/office/drawing/2014/main" id="{49ABAD9E-EC9F-443C-8EB0-0CEE1E4C944E}"/>
+              </a:ext>
+            </a:extLst>
+          </p:cNvPr>
+          <p:cNvSpPr txBox="1"/>
+          <p:nvPr/>
+        </p:nvSpPr>
+        <p:spPr>
+          <a:xfrm>
+            <a:off x="4377645" y="5701992"/>
+            <a:ext cx="1512168" cy="646331"/>
+          </a:xfrm>
+          <a:prstGeom prst="rect">
+            <a:avLst/>
+          </a:prstGeom>
+          <a:solidFill>
+            <a:schemeClr val="tx2">
+              <a:lumMod val="40000"/>
+              <a:lumOff val="60000"/>
+            </a:schemeClr>
+          </a:solidFill>
+          <a:ln w="28575">
+            <a:solidFill>
+              <a:schemeClr val="tx2">
+                <a:lumMod val="75000"/>
+              </a:schemeClr>
+            </a:solidFill>
+          </a:ln>
+        </p:spPr>
+        <p:txBody>
+          <a:bodyPr wrap="square" rtlCol="0">
+            <a:spAutoFit/>
+          </a:bodyPr>
+          <a:lstStyle/>
+          <a:p>
+            <a:pPr marL="0" marR="0" lvl="0" indent="0" algn="ctr" defTabSz="914400" rtl="0" eaLnBrk="0" fontAlgn="base" latinLnBrk="0" hangingPunct="0">
+              <a:lnSpc>
+                <a:spcPct val="100000"/>
+              </a:lnSpc>
+              <a:spcBef>
+                <a:spcPct val="0"/>
+              </a:spcBef>
+              <a:spcAft>
+                <a:spcPct val="0"/>
+              </a:spcAft>
+              <a:buClrTx/>
+              <a:buSzTx/>
+              <a:buFontTx/>
+              <a:buNone/>
+              <a:tabLst/>
+              <a:defRPr/>
+            </a:pPr>
+            <a:r>
+              <a:rPr kumimoji="0" lang="es-CL" sz="1200" b="0" i="0" u="none" strike="noStrike" kern="1200" cap="none" spc="0" normalizeH="0" baseline="0" noProof="0" dirty="0">
+                <a:ln>
+                  <a:noFill/>
+                </a:ln>
+                <a:solidFill>
+                  <a:prstClr val="black"/>
+                </a:solidFill>
+                <a:effectLst/>
+                <a:uLnTx/>
+                <a:uFillTx/>
+                <a:latin typeface="Times" pitchFamily="-97" charset="0"/>
+                <a:ea typeface="+mn-ea"/>
+                <a:cs typeface="+mn-cs"/>
+              </a:rPr>
+              <a:t>Planes, Informes y Reportes CC Chile</a:t>
             </a:r>
           </a:p>
           <a:p>
@@ -15266,10 +14398,10 @@
       </p:sp>
       <p:sp>
         <p:nvSpPr>
-          <p:cNvPr id="23" name="CuadroTexto 22">
-            <a:extLst>
-              <a:ext uri="{FF2B5EF4-FFF2-40B4-BE49-F238E27FC236}">
-                <a16:creationId xmlns:a16="http://schemas.microsoft.com/office/drawing/2014/main" id="{4002B855-CDC7-4D74-8C3E-7EF0C9F9A6D5}"/>
+          <p:cNvPr id="31" name="CuadroTexto 30">
+            <a:extLst>
+              <a:ext uri="{FF2B5EF4-FFF2-40B4-BE49-F238E27FC236}">
+                <a16:creationId xmlns:a16="http://schemas.microsoft.com/office/drawing/2014/main" id="{737A9702-AE31-4692-BA71-B8A7A2F62B44}"/>
               </a:ext>
             </a:extLst>
           </p:cNvPr>
@@ -15278,72 +14410,7 @@
         </p:nvSpPr>
         <p:spPr>
           <a:xfrm>
-            <a:off x="2329541" y="5168296"/>
-            <a:ext cx="383772" cy="461665"/>
-          </a:xfrm>
-          <a:prstGeom prst="rect">
-            <a:avLst/>
-          </a:prstGeom>
-          <a:noFill/>
-        </p:spPr>
-        <p:txBody>
-          <a:bodyPr wrap="square" rtlCol="0">
-            <a:spAutoFit/>
-          </a:bodyPr>
-          <a:lstStyle/>
-          <a:p>
-            <a:pPr marL="0" marR="0" lvl="0" indent="0" algn="l" defTabSz="914400" rtl="0" eaLnBrk="0" fontAlgn="base" latinLnBrk="0" hangingPunct="0">
-              <a:lnSpc>
-                <a:spcPct val="100000"/>
-              </a:lnSpc>
-              <a:spcBef>
-                <a:spcPct val="0"/>
-              </a:spcBef>
-              <a:spcAft>
-                <a:spcPct val="0"/>
-              </a:spcAft>
-              <a:buClrTx/>
-              <a:buSzTx/>
-              <a:buFontTx/>
-              <a:buNone/>
-              <a:tabLst/>
-              <a:defRPr/>
-            </a:pPr>
-            <a:r>
-              <a:rPr kumimoji="0" lang="es-CL" sz="2400" b="1" i="0" u="none" strike="noStrike" kern="1200" cap="none" spc="0" normalizeH="0" baseline="0" noProof="0" dirty="0">
-                <a:ln>
-                  <a:noFill/>
-                </a:ln>
-                <a:solidFill>
-                  <a:prstClr val="black"/>
-                </a:solidFill>
-                <a:effectLst/>
-                <a:uLnTx/>
-                <a:uFillTx/>
-                <a:latin typeface="Times" pitchFamily="-97" charset="0"/>
-                <a:ea typeface="+mn-ea"/>
-                <a:cs typeface="+mn-cs"/>
-              </a:rPr>
-              <a:t>+</a:t>
-            </a:r>
-          </a:p>
-        </p:txBody>
-      </p:sp>
-      <p:sp>
-        <p:nvSpPr>
-          <p:cNvPr id="29" name="CuadroTexto 28">
-            <a:extLst>
-              <a:ext uri="{FF2B5EF4-FFF2-40B4-BE49-F238E27FC236}">
-                <a16:creationId xmlns:a16="http://schemas.microsoft.com/office/drawing/2014/main" id="{3A9679A7-9079-42E0-A522-985656D69CA7}"/>
-              </a:ext>
-            </a:extLst>
-          </p:cNvPr>
-          <p:cNvSpPr txBox="1"/>
-          <p:nvPr/>
-        </p:nvSpPr>
-        <p:spPr>
-          <a:xfrm>
-            <a:off x="2783632" y="5701993"/>
+            <a:off x="5965655" y="5701991"/>
             <a:ext cx="1512168" cy="646331"/>
           </a:xfrm>
           <a:prstGeom prst="rect">
@@ -15401,84 +14468,7 @@
                 <a:ea typeface="+mn-ea"/>
                 <a:cs typeface="+mn-cs"/>
               </a:rPr>
-              <a:t>Políticas e Institucionalidad CC Chile</a:t>
-            </a:r>
-          </a:p>
-        </p:txBody>
-      </p:sp>
-      <p:sp>
-        <p:nvSpPr>
-          <p:cNvPr id="30" name="CuadroTexto 29">
-            <a:extLst>
-              <a:ext uri="{FF2B5EF4-FFF2-40B4-BE49-F238E27FC236}">
-                <a16:creationId xmlns:a16="http://schemas.microsoft.com/office/drawing/2014/main" id="{49ABAD9E-EC9F-443C-8EB0-0CEE1E4C944E}"/>
-              </a:ext>
-            </a:extLst>
-          </p:cNvPr>
-          <p:cNvSpPr txBox="1"/>
-          <p:nvPr/>
-        </p:nvSpPr>
-        <p:spPr>
-          <a:xfrm>
-            <a:off x="4377645" y="5701992"/>
-            <a:ext cx="1512168" cy="646331"/>
-          </a:xfrm>
-          <a:prstGeom prst="rect">
-            <a:avLst/>
-          </a:prstGeom>
-          <a:solidFill>
-            <a:schemeClr val="tx2">
-              <a:lumMod val="40000"/>
-              <a:lumOff val="60000"/>
-            </a:schemeClr>
-          </a:solidFill>
-          <a:ln w="28575">
-            <a:solidFill>
-              <a:schemeClr val="tx2">
-                <a:lumMod val="75000"/>
-              </a:schemeClr>
-            </a:solidFill>
-          </a:ln>
-        </p:spPr>
-        <p:txBody>
-          <a:bodyPr wrap="square" rtlCol="0">
-            <a:spAutoFit/>
-          </a:bodyPr>
-          <a:lstStyle/>
-          <a:p>
-            <a:pPr marL="0" marR="0" lvl="0" indent="0" algn="ctr" defTabSz="914400" rtl="0" eaLnBrk="0" fontAlgn="base" latinLnBrk="0" hangingPunct="0">
-              <a:lnSpc>
-                <a:spcPct val="100000"/>
-              </a:lnSpc>
-              <a:spcBef>
-                <a:spcPct val="0"/>
-              </a:spcBef>
-              <a:spcAft>
-                <a:spcPct val="0"/>
-              </a:spcAft>
-              <a:buClrTx/>
-              <a:buSzTx/>
-              <a:buFontTx/>
-              <a:buNone/>
-              <a:tabLst/>
-              <a:defRPr/>
-            </a:pPr>
-            <a:r>
-              <a:rPr kumimoji="0" lang="es-CL" sz="1200" b="0" i="0" u="none" strike="noStrike" kern="1200" cap="none" spc="0" normalizeH="0" baseline="0" noProof="0" dirty="0">
-                <a:ln>
-                  <a:noFill/>
-                </a:ln>
-                <a:solidFill>
-                  <a:prstClr val="black"/>
-                </a:solidFill>
-                <a:effectLst/>
-                <a:uLnTx/>
-                <a:uFillTx/>
-                <a:latin typeface="Times" pitchFamily="-97" charset="0"/>
-                <a:ea typeface="+mn-ea"/>
-                <a:cs typeface="+mn-cs"/>
-              </a:rPr>
-              <a:t>Planes, Informes y Reportes CC Chile</a:t>
+              <a:t>Adaptación al CC Chile</a:t>
             </a:r>
           </a:p>
           <a:p>
@@ -15518,116 +14508,6 @@
       </p:sp>
       <p:sp>
         <p:nvSpPr>
-          <p:cNvPr id="31" name="CuadroTexto 30">
-            <a:extLst>
-              <a:ext uri="{FF2B5EF4-FFF2-40B4-BE49-F238E27FC236}">
-                <a16:creationId xmlns:a16="http://schemas.microsoft.com/office/drawing/2014/main" id="{737A9702-AE31-4692-BA71-B8A7A2F62B44}"/>
-              </a:ext>
-            </a:extLst>
-          </p:cNvPr>
-          <p:cNvSpPr txBox="1"/>
-          <p:nvPr/>
-        </p:nvSpPr>
-        <p:spPr>
-          <a:xfrm>
-            <a:off x="5965655" y="5701991"/>
-            <a:ext cx="1512168" cy="646331"/>
-          </a:xfrm>
-          <a:prstGeom prst="rect">
-            <a:avLst/>
-          </a:prstGeom>
-          <a:solidFill>
-            <a:schemeClr val="tx2">
-              <a:lumMod val="40000"/>
-              <a:lumOff val="60000"/>
-            </a:schemeClr>
-          </a:solidFill>
-          <a:ln w="28575">
-            <a:solidFill>
-              <a:schemeClr val="tx2">
-                <a:lumMod val="75000"/>
-              </a:schemeClr>
-            </a:solidFill>
-          </a:ln>
-        </p:spPr>
-        <p:txBody>
-          <a:bodyPr wrap="square" rtlCol="0">
-            <a:spAutoFit/>
-          </a:bodyPr>
-          <a:lstStyle/>
-          <a:p>
-            <a:pPr marL="0" marR="0" lvl="0" indent="0" algn="ctr" defTabSz="914400" rtl="0" eaLnBrk="0" fontAlgn="base" latinLnBrk="0" hangingPunct="0">
-              <a:lnSpc>
-                <a:spcPct val="100000"/>
-              </a:lnSpc>
-              <a:spcBef>
-                <a:spcPct val="0"/>
-              </a:spcBef>
-              <a:spcAft>
-                <a:spcPct val="0"/>
-              </a:spcAft>
-              <a:buClrTx/>
-              <a:buSzTx/>
-              <a:buFontTx/>
-              <a:buNone/>
-              <a:tabLst/>
-              <a:defRPr/>
-            </a:pPr>
-            <a:r>
-              <a:rPr kumimoji="0" lang="es-CL" sz="1200" b="0" i="0" u="none" strike="noStrike" kern="1200" cap="none" spc="0" normalizeH="0" baseline="0" noProof="0" dirty="0">
-                <a:ln>
-                  <a:noFill/>
-                </a:ln>
-                <a:solidFill>
-                  <a:prstClr val="black"/>
-                </a:solidFill>
-                <a:effectLst/>
-                <a:uLnTx/>
-                <a:uFillTx/>
-                <a:latin typeface="Times" pitchFamily="-97" charset="0"/>
-                <a:ea typeface="+mn-ea"/>
-                <a:cs typeface="+mn-cs"/>
-              </a:rPr>
-              <a:t>Adaptación al CC Chile</a:t>
-            </a:r>
-          </a:p>
-          <a:p>
-            <a:pPr marL="0" marR="0" lvl="0" indent="0" algn="ctr" defTabSz="914400" rtl="0" eaLnBrk="0" fontAlgn="base" latinLnBrk="0" hangingPunct="0">
-              <a:lnSpc>
-                <a:spcPct val="100000"/>
-              </a:lnSpc>
-              <a:spcBef>
-                <a:spcPct val="0"/>
-              </a:spcBef>
-              <a:spcAft>
-                <a:spcPct val="0"/>
-              </a:spcAft>
-              <a:buClrTx/>
-              <a:buSzTx/>
-              <a:buFontTx/>
-              <a:buNone/>
-              <a:tabLst/>
-              <a:defRPr/>
-            </a:pPr>
-            <a:endParaRPr kumimoji="0" lang="es-CL" sz="1200" b="0" i="0" u="none" strike="noStrike" kern="1200" cap="none" spc="0" normalizeH="0" baseline="0" noProof="0" dirty="0">
-              <a:ln>
-                <a:noFill/>
-              </a:ln>
-              <a:solidFill>
-                <a:prstClr val="black"/>
-              </a:solidFill>
-              <a:effectLst/>
-              <a:uLnTx/>
-              <a:uFillTx/>
-              <a:latin typeface="Times" pitchFamily="-97" charset="0"/>
-              <a:ea typeface="+mn-ea"/>
-              <a:cs typeface="+mn-cs"/>
-            </a:endParaRPr>
-          </a:p>
-        </p:txBody>
-      </p:sp>
-      <p:sp>
-        <p:nvSpPr>
           <p:cNvPr id="32" name="Rectángulo 31">
             <a:extLst>
               <a:ext uri="{FF2B5EF4-FFF2-40B4-BE49-F238E27FC236}">
@@ -16067,71 +14947,6 @@
         <p:spPr>
           <a:xfrm>
             <a:off x="5879976" y="3483452"/>
-            <a:ext cx="936104" cy="338554"/>
-          </a:xfrm>
-          <a:prstGeom prst="rect">
-            <a:avLst/>
-          </a:prstGeom>
-          <a:noFill/>
-        </p:spPr>
-        <p:txBody>
-          <a:bodyPr wrap="square" rtlCol="0">
-            <a:spAutoFit/>
-          </a:bodyPr>
-          <a:lstStyle/>
-          <a:p>
-            <a:pPr marL="0" marR="0" lvl="0" indent="0" algn="l" defTabSz="914400" rtl="0" eaLnBrk="0" fontAlgn="base" latinLnBrk="0" hangingPunct="0">
-              <a:lnSpc>
-                <a:spcPct val="100000"/>
-              </a:lnSpc>
-              <a:spcBef>
-                <a:spcPct val="0"/>
-              </a:spcBef>
-              <a:spcAft>
-                <a:spcPct val="0"/>
-              </a:spcAft>
-              <a:buClrTx/>
-              <a:buSzTx/>
-              <a:buFontTx/>
-              <a:buNone/>
-              <a:tabLst/>
-              <a:defRPr/>
-            </a:pPr>
-            <a:r>
-              <a:rPr kumimoji="0" lang="es-CL" sz="1600" b="1" i="0" u="none" strike="noStrike" kern="1200" cap="none" spc="0" normalizeH="0" baseline="0" noProof="0" dirty="0">
-                <a:ln>
-                  <a:noFill/>
-                </a:ln>
-                <a:solidFill>
-                  <a:prstClr val="black"/>
-                </a:solidFill>
-                <a:effectLst/>
-                <a:uLnTx/>
-                <a:uFillTx/>
-                <a:latin typeface="Times" pitchFamily="-97" charset="0"/>
-                <a:ea typeface="+mn-ea"/>
-                <a:cs typeface="+mn-cs"/>
-              </a:rPr>
-              <a:t>Precio</a:t>
-            </a:r>
-          </a:p>
-        </p:txBody>
-      </p:sp>
-      <p:sp>
-        <p:nvSpPr>
-          <p:cNvPr id="39" name="CuadroTexto 38">
-            <a:extLst>
-              <a:ext uri="{FF2B5EF4-FFF2-40B4-BE49-F238E27FC236}">
-                <a16:creationId xmlns:a16="http://schemas.microsoft.com/office/drawing/2014/main" id="{52962492-E461-4203-B28F-B44C9CE9579A}"/>
-              </a:ext>
-            </a:extLst>
-          </p:cNvPr>
-          <p:cNvSpPr txBox="1"/>
-          <p:nvPr/>
-        </p:nvSpPr>
-        <p:spPr>
-          <a:xfrm>
-            <a:off x="7500156" y="3479818"/>
             <a:ext cx="936104" cy="338554"/>
           </a:xfrm>
           <a:prstGeom prst="rect">

--- a/Organización DATA CLIMA.pptx
+++ b/Organización DATA CLIMA.pptx
@@ -8829,7 +8829,7 @@
                 <a:ea typeface="+mn-ea"/>
                 <a:cs typeface="+mn-cs"/>
               </a:rPr>
-              <a:t>Ecosistemas</a:t>
+              <a:t>Ecosistemas (Word)</a:t>
             </a:r>
           </a:p>
         </p:txBody>
@@ -8942,7 +8942,7 @@
                 <a:ea typeface="+mn-ea"/>
                 <a:cs typeface="+mn-cs"/>
               </a:rPr>
-              <a:t>Vida Humana</a:t>
+              <a:t>Vida Humana (Word)</a:t>
             </a:r>
           </a:p>
         </p:txBody>

--- a/Organización DATA CLIMA.pptx
+++ b/Organización DATA CLIMA.pptx
@@ -9,7 +9,8 @@
     <p:sldId id="256" r:id="rId3"/>
     <p:sldId id="1279" r:id="rId4"/>
     <p:sldId id="1288" r:id="rId5"/>
-    <p:sldId id="1287" r:id="rId6"/>
+    <p:sldId id="1289" r:id="rId6"/>
+    <p:sldId id="1287" r:id="rId7"/>
   </p:sldIdLst>
   <p:sldSz cx="12192000" cy="6858000"/>
   <p:notesSz cx="6858000" cy="9144000"/>
@@ -108,6 +109,11 @@
       </a:defRPr>
     </a:lvl9pPr>
   </p:defaultTextStyle>
+  <p:extLst>
+    <p:ext uri="{EFAFB233-063F-42B5-8137-9DF3F51BA10A}">
+      <p15:sldGuideLst xmlns:p15="http://schemas.microsoft.com/office/powerpoint/2012/main"/>
+    </p:ext>
+  </p:extLst>
 </p:presentation>
 </file>
 
@@ -260,7 +266,7 @@
           <a:p>
             <a:fld id="{21B218E7-E308-4249-94C9-ACE6C6B3FCA0}" type="datetimeFigureOut">
               <a:rPr lang="es-CL" smtClean="0"/>
-              <a:t>18-10-2020</a:t>
+              <a:t>12-11-2020</a:t>
             </a:fld>
             <a:endParaRPr lang="es-CL"/>
           </a:p>
@@ -460,7 +466,7 @@
           <a:p>
             <a:fld id="{21B218E7-E308-4249-94C9-ACE6C6B3FCA0}" type="datetimeFigureOut">
               <a:rPr lang="es-CL" smtClean="0"/>
-              <a:t>18-10-2020</a:t>
+              <a:t>12-11-2020</a:t>
             </a:fld>
             <a:endParaRPr lang="es-CL"/>
           </a:p>
@@ -670,7 +676,7 @@
           <a:p>
             <a:fld id="{21B218E7-E308-4249-94C9-ACE6C6B3FCA0}" type="datetimeFigureOut">
               <a:rPr lang="es-CL" smtClean="0"/>
-              <a:t>18-10-2020</a:t>
+              <a:t>12-11-2020</a:t>
             </a:fld>
             <a:endParaRPr lang="es-CL"/>
           </a:p>
@@ -896,7 +902,7 @@
             <a:pPr rtl="0"/>
             <a:fld id="{CCF7C550-AA50-4D55-A2F8-6E96CDCB20DF}" type="datetime1">
               <a:rPr lang="es-ES" noProof="0" smtClean="0"/>
-              <a:t>18/10/2020</a:t>
+              <a:t>12/11/2020</a:t>
             </a:fld>
             <a:endParaRPr lang="es-ES" noProof="0"/>
           </a:p>
@@ -1156,7 +1162,7 @@
             <a:pPr rtl="0"/>
             <a:fld id="{4CC7EBFA-2694-446B-990D-0A457AF8F575}" type="datetime1">
               <a:rPr lang="es-ES" noProof="0" smtClean="0"/>
-              <a:t>18/10/2020</a:t>
+              <a:t>12/11/2020</a:t>
             </a:fld>
             <a:endParaRPr lang="es-ES" noProof="0"/>
           </a:p>
@@ -1416,7 +1422,7 @@
             <a:pPr rtl="0"/>
             <a:fld id="{FCFA2817-3E78-4C10-BC87-41FCE4C7141A}" type="datetime1">
               <a:rPr lang="es-ES" noProof="0" smtClean="0"/>
-              <a:t>18/10/2020</a:t>
+              <a:t>12/11/2020</a:t>
             </a:fld>
             <a:endParaRPr lang="es-ES" noProof="0"/>
           </a:p>
@@ -1742,7 +1748,7 @@
             <a:pPr rtl="0"/>
             <a:fld id="{22D4EB97-C908-46A1-B4A2-591227C14462}" type="datetime1">
               <a:rPr lang="es-ES" noProof="0" smtClean="0"/>
-              <a:t>18/10/2020</a:t>
+              <a:t>12/11/2020</a:t>
             </a:fld>
             <a:endParaRPr lang="es-ES" noProof="0"/>
           </a:p>
@@ -2141,7 +2147,7 @@
             <a:pPr rtl="0"/>
             <a:fld id="{C79239A9-6394-420C-B91E-98E4CD72BAD4}" type="datetime1">
               <a:rPr lang="es-ES" noProof="0" smtClean="0"/>
-              <a:t>18/10/2020</a:t>
+              <a:t>12/11/2020</a:t>
             </a:fld>
             <a:endParaRPr lang="es-ES" noProof="0"/>
           </a:p>
@@ -2262,7 +2268,7 @@
             <a:pPr rtl="0"/>
             <a:fld id="{8EA2CCA1-7D31-4460-8697-EDDBFE29CF24}" type="datetime1">
               <a:rPr lang="es-ES" noProof="0" smtClean="0"/>
-              <a:t>18/10/2020</a:t>
+              <a:t>12/11/2020</a:t>
             </a:fld>
             <a:endParaRPr lang="es-ES" noProof="0"/>
           </a:p>
@@ -2360,7 +2366,7 @@
             <a:pPr rtl="0"/>
             <a:fld id="{9EDA9DE3-06EA-4F7B-A8A9-DC3087964CCB}" type="datetime1">
               <a:rPr lang="es-ES" noProof="0" smtClean="0"/>
-              <a:t>18/10/2020</a:t>
+              <a:t>12/11/2020</a:t>
             </a:fld>
             <a:endParaRPr lang="es-ES" noProof="0"/>
           </a:p>
@@ -2657,7 +2663,7 @@
             <a:pPr rtl="0"/>
             <a:fld id="{524AD719-265A-4FD9-9B93-D5A5E8AB6C60}" type="datetime1">
               <a:rPr lang="es-ES" noProof="0" smtClean="0"/>
-              <a:t>18/10/2020</a:t>
+              <a:t>12/11/2020</a:t>
             </a:fld>
             <a:endParaRPr lang="es-ES" noProof="0"/>
           </a:p>
@@ -2852,7 +2858,7 @@
           <a:p>
             <a:fld id="{21B218E7-E308-4249-94C9-ACE6C6B3FCA0}" type="datetimeFigureOut">
               <a:rPr lang="es-CL" smtClean="0"/>
-              <a:t>18-10-2020</a:t>
+              <a:t>12-11-2020</a:t>
             </a:fld>
             <a:endParaRPr lang="es-CL"/>
           </a:p>
@@ -3145,7 +3151,7 @@
             <a:pPr rtl="0"/>
             <a:fld id="{F110C84E-63D5-48C8-B46B-8D0328D07C38}" type="datetime1">
               <a:rPr lang="es-ES" noProof="0" smtClean="0"/>
-              <a:t>18/10/2020</a:t>
+              <a:t>12/11/2020</a:t>
             </a:fld>
             <a:endParaRPr lang="es-ES" noProof="0"/>
           </a:p>
@@ -3352,7 +3358,7 @@
             <a:pPr rtl="0"/>
             <a:fld id="{80A094E1-B490-4358-B74B-E39F14EB1973}" type="datetime1">
               <a:rPr lang="es-ES" noProof="0" smtClean="0"/>
-              <a:t>18/10/2020</a:t>
+              <a:t>12/11/2020</a:t>
             </a:fld>
             <a:endParaRPr lang="es-ES" noProof="0"/>
           </a:p>
@@ -3534,7 +3540,7 @@
             <a:pPr rtl="0"/>
             <a:fld id="{4CF70C78-98A0-412B-BEFE-D134CA5D2DF2}" type="datetime1">
               <a:rPr lang="es-ES" noProof="0" smtClean="0"/>
-              <a:t>18/10/2020</a:t>
+              <a:t>12/11/2020</a:t>
             </a:fld>
             <a:endParaRPr lang="es-ES" noProof="0"/>
           </a:p>
@@ -3840,7 +3846,7 @@
           <a:p>
             <a:fld id="{21B218E7-E308-4249-94C9-ACE6C6B3FCA0}" type="datetimeFigureOut">
               <a:rPr lang="es-CL" smtClean="0"/>
-              <a:t>18-10-2020</a:t>
+              <a:t>12-11-2020</a:t>
             </a:fld>
             <a:endParaRPr lang="es-CL"/>
           </a:p>
@@ -4108,7 +4114,7 @@
           <a:p>
             <a:fld id="{21B218E7-E308-4249-94C9-ACE6C6B3FCA0}" type="datetimeFigureOut">
               <a:rPr lang="es-CL" smtClean="0"/>
-              <a:t>18-10-2020</a:t>
+              <a:t>12-11-2020</a:t>
             </a:fld>
             <a:endParaRPr lang="es-CL"/>
           </a:p>
@@ -4523,7 +4529,7 @@
           <a:p>
             <a:fld id="{21B218E7-E308-4249-94C9-ACE6C6B3FCA0}" type="datetimeFigureOut">
               <a:rPr lang="es-CL" smtClean="0"/>
-              <a:t>18-10-2020</a:t>
+              <a:t>12-11-2020</a:t>
             </a:fld>
             <a:endParaRPr lang="es-CL"/>
           </a:p>
@@ -4665,7 +4671,7 @@
           <a:p>
             <a:fld id="{21B218E7-E308-4249-94C9-ACE6C6B3FCA0}" type="datetimeFigureOut">
               <a:rPr lang="es-CL" smtClean="0"/>
-              <a:t>18-10-2020</a:t>
+              <a:t>12-11-2020</a:t>
             </a:fld>
             <a:endParaRPr lang="es-CL"/>
           </a:p>
@@ -4778,7 +4784,7 @@
           <a:p>
             <a:fld id="{21B218E7-E308-4249-94C9-ACE6C6B3FCA0}" type="datetimeFigureOut">
               <a:rPr lang="es-CL" smtClean="0"/>
-              <a:t>18-10-2020</a:t>
+              <a:t>12-11-2020</a:t>
             </a:fld>
             <a:endParaRPr lang="es-CL"/>
           </a:p>
@@ -5091,7 +5097,7 @@
           <a:p>
             <a:fld id="{21B218E7-E308-4249-94C9-ACE6C6B3FCA0}" type="datetimeFigureOut">
               <a:rPr lang="es-CL" smtClean="0"/>
-              <a:t>18-10-2020</a:t>
+              <a:t>12-11-2020</a:t>
             </a:fld>
             <a:endParaRPr lang="es-CL"/>
           </a:p>
@@ -5380,7 +5386,7 @@
           <a:p>
             <a:fld id="{21B218E7-E308-4249-94C9-ACE6C6B3FCA0}" type="datetimeFigureOut">
               <a:rPr lang="es-CL" smtClean="0"/>
-              <a:t>18-10-2020</a:t>
+              <a:t>12-11-2020</a:t>
             </a:fld>
             <a:endParaRPr lang="es-CL"/>
           </a:p>
@@ -5623,7 +5629,7 @@
           <a:p>
             <a:fld id="{21B218E7-E308-4249-94C9-ACE6C6B3FCA0}" type="datetimeFigureOut">
               <a:rPr lang="es-CL" smtClean="0"/>
-              <a:t>18-10-2020</a:t>
+              <a:t>12-11-2020</a:t>
             </a:fld>
             <a:endParaRPr lang="es-CL"/>
           </a:p>
@@ -6177,7 +6183,7 @@
             <a:pPr rtl="0"/>
             <a:fld id="{E274E21D-7E86-4F59-BA25-7478C6191663}" type="datetime1">
               <a:rPr lang="es-ES" noProof="0" smtClean="0"/>
-              <a:t>18/10/2020</a:t>
+              <a:t>12/11/2020</a:t>
             </a:fld>
             <a:endParaRPr lang="es-ES" noProof="0"/>
           </a:p>
@@ -11488,10 +11494,10 @@
       </p:sp>
       <p:sp>
         <p:nvSpPr>
-          <p:cNvPr id="45" name="CuadroTexto 44">
-            <a:extLst>
-              <a:ext uri="{FF2B5EF4-FFF2-40B4-BE49-F238E27FC236}">
-                <a16:creationId xmlns:a16="http://schemas.microsoft.com/office/drawing/2014/main" id="{D8878651-2B27-4F39-AB19-230C2D492DC0}"/>
+          <p:cNvPr id="39" name="CuadroTexto 38">
+            <a:extLst>
+              <a:ext uri="{FF2B5EF4-FFF2-40B4-BE49-F238E27FC236}">
+                <a16:creationId xmlns:a16="http://schemas.microsoft.com/office/drawing/2014/main" id="{405F0539-307F-4620-9503-B943842D5FEA}"/>
               </a:ext>
             </a:extLst>
           </p:cNvPr>
@@ -11500,7 +11506,606 @@
         </p:nvSpPr>
         <p:spPr>
           <a:xfrm>
-            <a:off x="783733" y="2019585"/>
+            <a:off x="767646" y="2063201"/>
+            <a:ext cx="1731945" cy="307777"/>
+          </a:xfrm>
+          <a:prstGeom prst="rect">
+            <a:avLst/>
+          </a:prstGeom>
+          <a:solidFill>
+            <a:schemeClr val="accent3">
+              <a:lumMod val="60000"/>
+              <a:lumOff val="40000"/>
+            </a:schemeClr>
+          </a:solidFill>
+          <a:ln>
+            <a:solidFill>
+              <a:schemeClr val="accent3">
+                <a:lumMod val="75000"/>
+              </a:schemeClr>
+            </a:solidFill>
+          </a:ln>
+        </p:spPr>
+        <p:txBody>
+          <a:bodyPr wrap="square" rtlCol="0">
+            <a:spAutoFit/>
+          </a:bodyPr>
+          <a:lstStyle/>
+          <a:p>
+            <a:pPr marL="0" marR="0" lvl="0" indent="0" algn="l" defTabSz="914400" rtl="0" eaLnBrk="0" fontAlgn="base" latinLnBrk="0" hangingPunct="0">
+              <a:lnSpc>
+                <a:spcPct val="100000"/>
+              </a:lnSpc>
+              <a:spcBef>
+                <a:spcPct val="0"/>
+              </a:spcBef>
+              <a:spcAft>
+                <a:spcPct val="0"/>
+              </a:spcAft>
+              <a:buClrTx/>
+              <a:buSzTx/>
+              <a:buFontTx/>
+              <a:buNone/>
+              <a:tabLst/>
+              <a:defRPr/>
+            </a:pPr>
+            <a:r>
+              <a:rPr kumimoji="0" lang="es-CL" sz="1400" b="0" i="0" u="none" strike="noStrike" kern="1200" cap="none" spc="0" normalizeH="0" baseline="0" noProof="0" dirty="0">
+                <a:ln>
+                  <a:noFill/>
+                </a:ln>
+                <a:solidFill>
+                  <a:prstClr val="black"/>
+                </a:solidFill>
+                <a:effectLst/>
+                <a:uLnTx/>
+                <a:uFillTx/>
+                <a:latin typeface="Times" pitchFamily="-97" charset="0"/>
+                <a:ea typeface="+mn-ea"/>
+                <a:cs typeface="+mn-cs"/>
+              </a:rPr>
+              <a:t>Conceptos Generales</a:t>
+            </a:r>
+          </a:p>
+        </p:txBody>
+      </p:sp>
+      <p:sp>
+        <p:nvSpPr>
+          <p:cNvPr id="41" name="CuadroTexto 40">
+            <a:extLst>
+              <a:ext uri="{FF2B5EF4-FFF2-40B4-BE49-F238E27FC236}">
+                <a16:creationId xmlns:a16="http://schemas.microsoft.com/office/drawing/2014/main" id="{6A6CF6FE-112B-492E-908B-C6B90341B773}"/>
+              </a:ext>
+            </a:extLst>
+          </p:cNvPr>
+          <p:cNvSpPr txBox="1"/>
+          <p:nvPr/>
+        </p:nvSpPr>
+        <p:spPr>
+          <a:xfrm>
+            <a:off x="767646" y="2639487"/>
+            <a:ext cx="4081670" cy="923330"/>
+          </a:xfrm>
+          <a:prstGeom prst="rect">
+            <a:avLst/>
+          </a:prstGeom>
+          <a:noFill/>
+          <a:ln w="9525">
+            <a:solidFill>
+              <a:schemeClr val="accent3">
+                <a:lumMod val="75000"/>
+              </a:schemeClr>
+            </a:solidFill>
+          </a:ln>
+        </p:spPr>
+        <p:txBody>
+          <a:bodyPr wrap="square" rtlCol="0">
+            <a:spAutoFit/>
+          </a:bodyPr>
+          <a:lstStyle/>
+          <a:p>
+            <a:pPr marL="285750" indent="-285750">
+              <a:buClr>
+                <a:schemeClr val="accent3">
+                  <a:lumMod val="75000"/>
+                </a:schemeClr>
+              </a:buClr>
+              <a:buFont typeface="Arial" panose="020B0604020202020204" pitchFamily="34" charset="0"/>
+              <a:buChar char="•"/>
+            </a:pPr>
+            <a:r>
+              <a:rPr lang="es-CL" dirty="0"/>
+              <a:t>Referir a Texto Conceptos Generales</a:t>
+            </a:r>
+          </a:p>
+          <a:p>
+            <a:pPr marL="285750" indent="-285750">
+              <a:buClr>
+                <a:schemeClr val="accent3">
+                  <a:lumMod val="75000"/>
+                </a:schemeClr>
+              </a:buClr>
+              <a:buFont typeface="Arial" panose="020B0604020202020204" pitchFamily="34" charset="0"/>
+              <a:buChar char="•"/>
+            </a:pPr>
+            <a:r>
+              <a:rPr lang="es-CL" dirty="0"/>
+              <a:t>Discutir si se utilizan figuras y </a:t>
+            </a:r>
+            <a:r>
+              <a:rPr lang="es-CL" dirty="0" err="1"/>
+              <a:t>GIFs</a:t>
+            </a:r>
+            <a:r>
+              <a:rPr lang="es-CL" dirty="0"/>
+              <a:t> adjuntos o si se crearán</a:t>
+            </a:r>
+          </a:p>
+        </p:txBody>
+      </p:sp>
+      <p:sp>
+        <p:nvSpPr>
+          <p:cNvPr id="44" name="CuadroTexto 43">
+            <a:extLst>
+              <a:ext uri="{FF2B5EF4-FFF2-40B4-BE49-F238E27FC236}">
+                <a16:creationId xmlns:a16="http://schemas.microsoft.com/office/drawing/2014/main" id="{44C9DC57-66E6-461A-8E43-FAD6E043A4DF}"/>
+              </a:ext>
+            </a:extLst>
+          </p:cNvPr>
+          <p:cNvSpPr txBox="1"/>
+          <p:nvPr/>
+        </p:nvSpPr>
+        <p:spPr>
+          <a:xfrm>
+            <a:off x="2340429" y="3581301"/>
+            <a:ext cx="936104" cy="338554"/>
+          </a:xfrm>
+          <a:prstGeom prst="rect">
+            <a:avLst/>
+          </a:prstGeom>
+          <a:noFill/>
+        </p:spPr>
+        <p:txBody>
+          <a:bodyPr wrap="square" rtlCol="0">
+            <a:spAutoFit/>
+          </a:bodyPr>
+          <a:lstStyle/>
+          <a:p>
+            <a:pPr marL="0" marR="0" lvl="0" indent="0" algn="l" defTabSz="914400" rtl="0" eaLnBrk="0" fontAlgn="base" latinLnBrk="0" hangingPunct="0">
+              <a:lnSpc>
+                <a:spcPct val="100000"/>
+              </a:lnSpc>
+              <a:spcBef>
+                <a:spcPct val="0"/>
+              </a:spcBef>
+              <a:spcAft>
+                <a:spcPct val="0"/>
+              </a:spcAft>
+              <a:buClrTx/>
+              <a:buSzTx/>
+              <a:buFontTx/>
+              <a:buNone/>
+              <a:tabLst/>
+              <a:defRPr/>
+            </a:pPr>
+            <a:r>
+              <a:rPr kumimoji="0" lang="es-CL" sz="1600" b="1" i="0" u="none" strike="noStrike" kern="1200" cap="none" spc="0" normalizeH="0" baseline="0" noProof="0" dirty="0">
+                <a:ln>
+                  <a:noFill/>
+                </a:ln>
+                <a:solidFill>
+                  <a:prstClr val="black"/>
+                </a:solidFill>
+                <a:effectLst/>
+                <a:uLnTx/>
+                <a:uFillTx/>
+                <a:latin typeface="Times" pitchFamily="-97" charset="0"/>
+                <a:ea typeface="+mn-ea"/>
+                <a:cs typeface="+mn-cs"/>
+              </a:rPr>
+              <a:t>Free</a:t>
+            </a:r>
+          </a:p>
+        </p:txBody>
+      </p:sp>
+    </p:spTree>
+    <p:extLst>
+      <p:ext uri="{BB962C8B-B14F-4D97-AF65-F5344CB8AC3E}">
+        <p14:creationId xmlns:p14="http://schemas.microsoft.com/office/powerpoint/2010/main" val="2643240212"/>
+      </p:ext>
+    </p:extLst>
+  </p:cSld>
+  <p:clrMapOvr>
+    <a:masterClrMapping/>
+  </p:clrMapOvr>
+</p:sld>
+</file>
+
+<file path=ppt/slides/slide4.xml><?xml version="1.0" encoding="utf-8"?>
+<p:sld xmlns:a="http://schemas.openxmlformats.org/drawingml/2006/main" xmlns:r="http://schemas.openxmlformats.org/officeDocument/2006/relationships" xmlns:p="http://schemas.openxmlformats.org/presentationml/2006/main">
+  <p:cSld>
+    <p:spTree>
+      <p:nvGrpSpPr>
+        <p:cNvPr id="1" name=""/>
+        <p:cNvGrpSpPr/>
+        <p:nvPr/>
+      </p:nvGrpSpPr>
+      <p:grpSpPr>
+        <a:xfrm>
+          <a:off x="0" y="0"/>
+          <a:ext cx="0" cy="0"/>
+          <a:chOff x="0" y="0"/>
+          <a:chExt cx="0" cy="0"/>
+        </a:xfrm>
+      </p:grpSpPr>
+      <p:sp>
+        <p:nvSpPr>
+          <p:cNvPr id="2" name="Título 1">
+            <a:extLst>
+              <a:ext uri="{FF2B5EF4-FFF2-40B4-BE49-F238E27FC236}">
+                <a16:creationId xmlns:a16="http://schemas.microsoft.com/office/drawing/2014/main" id="{B7567D67-0D69-4584-B3D4-6BEC4F0BC485}"/>
+              </a:ext>
+            </a:extLst>
+          </p:cNvPr>
+          <p:cNvSpPr>
+            <a:spLocks noGrp="1"/>
+          </p:cNvSpPr>
+          <p:nvPr>
+            <p:ph type="title"/>
+          </p:nvPr>
+        </p:nvSpPr>
+        <p:spPr/>
+        <p:txBody>
+          <a:bodyPr/>
+          <a:lstStyle/>
+          <a:p>
+            <a:r>
+              <a:rPr lang="es-CL" dirty="0"/>
+              <a:t>Colección DATA clima</a:t>
+            </a:r>
+          </a:p>
+        </p:txBody>
+      </p:sp>
+      <p:cxnSp>
+        <p:nvCxnSpPr>
+          <p:cNvPr id="6" name="Conector recto de flecha 5">
+            <a:extLst>
+              <a:ext uri="{FF2B5EF4-FFF2-40B4-BE49-F238E27FC236}">
+                <a16:creationId xmlns:a16="http://schemas.microsoft.com/office/drawing/2014/main" id="{2CAE975C-67FC-46F1-9FF8-2FBB57522603}"/>
+              </a:ext>
+            </a:extLst>
+          </p:cNvPr>
+          <p:cNvCxnSpPr>
+            <a:cxnSpLocks/>
+          </p:cNvCxnSpPr>
+          <p:nvPr/>
+        </p:nvCxnSpPr>
+        <p:spPr>
+          <a:xfrm flipV="1">
+            <a:off x="6705262" y="319540"/>
+            <a:ext cx="1262946" cy="949221"/>
+          </a:xfrm>
+          <a:prstGeom prst="straightConnector1">
+            <a:avLst/>
+          </a:prstGeom>
+          <a:ln>
+            <a:solidFill>
+              <a:schemeClr val="tx2">
+                <a:lumMod val="75000"/>
+              </a:schemeClr>
+            </a:solidFill>
+            <a:tailEnd type="triangle"/>
+          </a:ln>
+        </p:spPr>
+        <p:style>
+          <a:lnRef idx="1">
+            <a:schemeClr val="accent1"/>
+          </a:lnRef>
+          <a:fillRef idx="0">
+            <a:schemeClr val="accent1"/>
+          </a:fillRef>
+          <a:effectRef idx="0">
+            <a:schemeClr val="accent1"/>
+          </a:effectRef>
+          <a:fontRef idx="minor">
+            <a:schemeClr val="tx1"/>
+          </a:fontRef>
+        </p:style>
+      </p:cxnSp>
+      <p:cxnSp>
+        <p:nvCxnSpPr>
+          <p:cNvPr id="8" name="Conector recto 7">
+            <a:extLst>
+              <a:ext uri="{FF2B5EF4-FFF2-40B4-BE49-F238E27FC236}">
+                <a16:creationId xmlns:a16="http://schemas.microsoft.com/office/drawing/2014/main" id="{DF976C14-2EBA-4582-8D53-69D94302B376}"/>
+              </a:ext>
+            </a:extLst>
+          </p:cNvPr>
+          <p:cNvCxnSpPr>
+            <a:cxnSpLocks/>
+          </p:cNvCxnSpPr>
+          <p:nvPr/>
+        </p:nvCxnSpPr>
+        <p:spPr>
+          <a:xfrm>
+            <a:off x="5879976" y="1268760"/>
+            <a:ext cx="825286" cy="0"/>
+          </a:xfrm>
+          <a:prstGeom prst="line">
+            <a:avLst/>
+          </a:prstGeom>
+          <a:ln>
+            <a:solidFill>
+              <a:schemeClr val="tx2">
+                <a:lumMod val="75000"/>
+              </a:schemeClr>
+            </a:solidFill>
+          </a:ln>
+        </p:spPr>
+        <p:style>
+          <a:lnRef idx="1">
+            <a:schemeClr val="accent1"/>
+          </a:lnRef>
+          <a:fillRef idx="0">
+            <a:schemeClr val="accent1"/>
+          </a:fillRef>
+          <a:effectRef idx="0">
+            <a:schemeClr val="accent1"/>
+          </a:effectRef>
+          <a:fontRef idx="minor">
+            <a:schemeClr val="tx1"/>
+          </a:fontRef>
+        </p:style>
+      </p:cxnSp>
+      <p:cxnSp>
+        <p:nvCxnSpPr>
+          <p:cNvPr id="11" name="Conector recto de flecha 10">
+            <a:extLst>
+              <a:ext uri="{FF2B5EF4-FFF2-40B4-BE49-F238E27FC236}">
+                <a16:creationId xmlns:a16="http://schemas.microsoft.com/office/drawing/2014/main" id="{2D960987-5BA1-4919-95E0-B35D7FC5E8EB}"/>
+              </a:ext>
+            </a:extLst>
+          </p:cNvPr>
+          <p:cNvCxnSpPr>
+            <a:cxnSpLocks/>
+          </p:cNvCxnSpPr>
+          <p:nvPr/>
+        </p:nvCxnSpPr>
+        <p:spPr>
+          <a:xfrm flipV="1">
+            <a:off x="6705262" y="705247"/>
+            <a:ext cx="1262946" cy="563514"/>
+          </a:xfrm>
+          <a:prstGeom prst="straightConnector1">
+            <a:avLst/>
+          </a:prstGeom>
+          <a:ln>
+            <a:solidFill>
+              <a:schemeClr val="tx2">
+                <a:lumMod val="75000"/>
+              </a:schemeClr>
+            </a:solidFill>
+            <a:tailEnd type="triangle"/>
+          </a:ln>
+        </p:spPr>
+        <p:style>
+          <a:lnRef idx="1">
+            <a:schemeClr val="accent1"/>
+          </a:lnRef>
+          <a:fillRef idx="0">
+            <a:schemeClr val="accent1"/>
+          </a:fillRef>
+          <a:effectRef idx="0">
+            <a:schemeClr val="accent1"/>
+          </a:effectRef>
+          <a:fontRef idx="minor">
+            <a:schemeClr val="tx1"/>
+          </a:fontRef>
+        </p:style>
+      </p:cxnSp>
+      <p:cxnSp>
+        <p:nvCxnSpPr>
+          <p:cNvPr id="15" name="Conector recto de flecha 14">
+            <a:extLst>
+              <a:ext uri="{FF2B5EF4-FFF2-40B4-BE49-F238E27FC236}">
+                <a16:creationId xmlns:a16="http://schemas.microsoft.com/office/drawing/2014/main" id="{807455D9-571B-4E10-9F44-F57E5E5166EB}"/>
+              </a:ext>
+            </a:extLst>
+          </p:cNvPr>
+          <p:cNvCxnSpPr>
+            <a:cxnSpLocks/>
+          </p:cNvCxnSpPr>
+          <p:nvPr/>
+        </p:nvCxnSpPr>
+        <p:spPr>
+          <a:xfrm flipV="1">
+            <a:off x="6705262" y="1086586"/>
+            <a:ext cx="1262946" cy="182174"/>
+          </a:xfrm>
+          <a:prstGeom prst="straightConnector1">
+            <a:avLst/>
+          </a:prstGeom>
+          <a:ln>
+            <a:solidFill>
+              <a:schemeClr val="tx2">
+                <a:lumMod val="75000"/>
+              </a:schemeClr>
+            </a:solidFill>
+            <a:tailEnd type="triangle"/>
+          </a:ln>
+        </p:spPr>
+        <p:style>
+          <a:lnRef idx="1">
+            <a:schemeClr val="accent1"/>
+          </a:lnRef>
+          <a:fillRef idx="0">
+            <a:schemeClr val="accent1"/>
+          </a:fillRef>
+          <a:effectRef idx="0">
+            <a:schemeClr val="accent1"/>
+          </a:effectRef>
+          <a:fontRef idx="minor">
+            <a:schemeClr val="tx1"/>
+          </a:fontRef>
+        </p:style>
+      </p:cxnSp>
+      <p:sp>
+        <p:nvSpPr>
+          <p:cNvPr id="18" name="CuadroTexto 17">
+            <a:extLst>
+              <a:ext uri="{FF2B5EF4-FFF2-40B4-BE49-F238E27FC236}">
+                <a16:creationId xmlns:a16="http://schemas.microsoft.com/office/drawing/2014/main" id="{BC0683E7-CFC4-47E8-86BC-9EA8E791F70B}"/>
+              </a:ext>
+            </a:extLst>
+          </p:cNvPr>
+          <p:cNvSpPr txBox="1"/>
+          <p:nvPr/>
+        </p:nvSpPr>
+        <p:spPr>
+          <a:xfrm>
+            <a:off x="5879976" y="991762"/>
+            <a:ext cx="936104" cy="276998"/>
+          </a:xfrm>
+          <a:prstGeom prst="rect">
+            <a:avLst/>
+          </a:prstGeom>
+          <a:noFill/>
+        </p:spPr>
+        <p:txBody>
+          <a:bodyPr wrap="square" rtlCol="0">
+            <a:spAutoFit/>
+          </a:bodyPr>
+          <a:lstStyle/>
+          <a:p>
+            <a:pPr marL="0" marR="0" lvl="0" indent="0" algn="l" defTabSz="914400" rtl="0" eaLnBrk="0" fontAlgn="base" latinLnBrk="0" hangingPunct="0">
+              <a:lnSpc>
+                <a:spcPct val="100000"/>
+              </a:lnSpc>
+              <a:spcBef>
+                <a:spcPct val="0"/>
+              </a:spcBef>
+              <a:spcAft>
+                <a:spcPct val="0"/>
+              </a:spcAft>
+              <a:buClrTx/>
+              <a:buSzTx/>
+              <a:buFontTx/>
+              <a:buNone/>
+              <a:tabLst/>
+              <a:defRPr/>
+            </a:pPr>
+            <a:r>
+              <a:rPr kumimoji="0" lang="es-CL" sz="1200" b="0" i="1" u="none" strike="noStrike" kern="1200" cap="none" spc="0" normalizeH="0" baseline="0" noProof="0" dirty="0">
+                <a:ln>
+                  <a:noFill/>
+                </a:ln>
+                <a:solidFill>
+                  <a:prstClr val="black"/>
+                </a:solidFill>
+                <a:effectLst/>
+                <a:uLnTx/>
+                <a:uFillTx/>
+                <a:latin typeface="Times" pitchFamily="-97" charset="0"/>
+                <a:ea typeface="+mn-ea"/>
+                <a:cs typeface="+mn-cs"/>
+              </a:rPr>
+              <a:t>Categorías</a:t>
+            </a:r>
+          </a:p>
+        </p:txBody>
+      </p:sp>
+      <p:sp>
+        <p:nvSpPr>
+          <p:cNvPr id="19" name="CuadroTexto 18">
+            <a:extLst>
+              <a:ext uri="{FF2B5EF4-FFF2-40B4-BE49-F238E27FC236}">
+                <a16:creationId xmlns:a16="http://schemas.microsoft.com/office/drawing/2014/main" id="{1562B58E-5CC4-4052-96E1-05699A57B104}"/>
+              </a:ext>
+            </a:extLst>
+          </p:cNvPr>
+          <p:cNvSpPr txBox="1"/>
+          <p:nvPr/>
+        </p:nvSpPr>
+        <p:spPr>
+          <a:xfrm>
+            <a:off x="8036463" y="165650"/>
+            <a:ext cx="1731945" cy="307777"/>
+          </a:xfrm>
+          <a:prstGeom prst="rect">
+            <a:avLst/>
+          </a:prstGeom>
+          <a:solidFill>
+            <a:schemeClr val="accent3">
+              <a:lumMod val="60000"/>
+              <a:lumOff val="40000"/>
+            </a:schemeClr>
+          </a:solidFill>
+          <a:ln>
+            <a:solidFill>
+              <a:schemeClr val="accent3">
+                <a:lumMod val="75000"/>
+              </a:schemeClr>
+            </a:solidFill>
+          </a:ln>
+        </p:spPr>
+        <p:txBody>
+          <a:bodyPr wrap="square" rtlCol="0">
+            <a:spAutoFit/>
+          </a:bodyPr>
+          <a:lstStyle/>
+          <a:p>
+            <a:pPr marL="0" marR="0" lvl="0" indent="0" algn="l" defTabSz="914400" rtl="0" eaLnBrk="0" fontAlgn="base" latinLnBrk="0" hangingPunct="0">
+              <a:lnSpc>
+                <a:spcPct val="100000"/>
+              </a:lnSpc>
+              <a:spcBef>
+                <a:spcPct val="0"/>
+              </a:spcBef>
+              <a:spcAft>
+                <a:spcPct val="0"/>
+              </a:spcAft>
+              <a:buClrTx/>
+              <a:buSzTx/>
+              <a:buFontTx/>
+              <a:buNone/>
+              <a:tabLst/>
+              <a:defRPr/>
+            </a:pPr>
+            <a:r>
+              <a:rPr kumimoji="0" lang="es-CL" sz="1400" b="0" i="0" u="none" strike="noStrike" kern="1200" cap="none" spc="0" normalizeH="0" baseline="0" noProof="0" dirty="0">
+                <a:ln>
+                  <a:noFill/>
+                </a:ln>
+                <a:solidFill>
+                  <a:prstClr val="black"/>
+                </a:solidFill>
+                <a:effectLst/>
+                <a:uLnTx/>
+                <a:uFillTx/>
+                <a:latin typeface="Times" pitchFamily="-97" charset="0"/>
+                <a:ea typeface="+mn-ea"/>
+                <a:cs typeface="+mn-cs"/>
+              </a:rPr>
+              <a:t>Conceptos Generales</a:t>
+            </a:r>
+          </a:p>
+        </p:txBody>
+      </p:sp>
+      <p:sp>
+        <p:nvSpPr>
+          <p:cNvPr id="22" name="CuadroTexto 21">
+            <a:extLst>
+              <a:ext uri="{FF2B5EF4-FFF2-40B4-BE49-F238E27FC236}">
+                <a16:creationId xmlns:a16="http://schemas.microsoft.com/office/drawing/2014/main" id="{4FB5B52C-85BB-4558-820D-0665660D4B24}"/>
+              </a:ext>
+            </a:extLst>
+          </p:cNvPr>
+          <p:cNvSpPr txBox="1"/>
+          <p:nvPr/>
+        </p:nvSpPr>
+        <p:spPr>
+          <a:xfrm>
+            <a:off x="8036463" y="541933"/>
             <a:ext cx="2091985" cy="307777"/>
           </a:xfrm>
           <a:prstGeom prst="rect">
@@ -11563,10 +12168,10 @@
       </p:sp>
       <p:sp>
         <p:nvSpPr>
-          <p:cNvPr id="49" name="CuadroTexto 48">
-            <a:extLst>
-              <a:ext uri="{FF2B5EF4-FFF2-40B4-BE49-F238E27FC236}">
-                <a16:creationId xmlns:a16="http://schemas.microsoft.com/office/drawing/2014/main" id="{BD7C2829-65D1-49B9-ACED-7998583BDAE1}"/>
+          <p:cNvPr id="24" name="CuadroTexto 23">
+            <a:extLst>
+              <a:ext uri="{FF2B5EF4-FFF2-40B4-BE49-F238E27FC236}">
+                <a16:creationId xmlns:a16="http://schemas.microsoft.com/office/drawing/2014/main" id="{04B47D01-5DA8-4499-BE5F-94E4DE916970}"/>
               </a:ext>
             </a:extLst>
           </p:cNvPr>
@@ -11575,7 +12180,470 @@
         </p:nvSpPr>
         <p:spPr>
           <a:xfrm>
-            <a:off x="800864" y="2585808"/>
+            <a:off x="8036463" y="925659"/>
+            <a:ext cx="2236001" cy="307777"/>
+          </a:xfrm>
+          <a:prstGeom prst="rect">
+            <a:avLst/>
+          </a:prstGeom>
+          <a:solidFill>
+            <a:schemeClr val="accent1">
+              <a:lumMod val="60000"/>
+              <a:lumOff val="40000"/>
+            </a:schemeClr>
+          </a:solidFill>
+          <a:ln>
+            <a:solidFill>
+              <a:schemeClr val="accent1">
+                <a:lumMod val="75000"/>
+              </a:schemeClr>
+            </a:solidFill>
+          </a:ln>
+        </p:spPr>
+        <p:txBody>
+          <a:bodyPr wrap="square" rtlCol="0">
+            <a:spAutoFit/>
+          </a:bodyPr>
+          <a:lstStyle/>
+          <a:p>
+            <a:pPr marL="0" marR="0" lvl="0" indent="0" algn="l" defTabSz="914400" rtl="0" eaLnBrk="0" fontAlgn="base" latinLnBrk="0" hangingPunct="0">
+              <a:lnSpc>
+                <a:spcPct val="100000"/>
+              </a:lnSpc>
+              <a:spcBef>
+                <a:spcPct val="0"/>
+              </a:spcBef>
+              <a:spcAft>
+                <a:spcPct val="0"/>
+              </a:spcAft>
+              <a:buClrTx/>
+              <a:buSzTx/>
+              <a:buFontTx/>
+              <a:buNone/>
+              <a:tabLst/>
+              <a:defRPr/>
+            </a:pPr>
+            <a:r>
+              <a:rPr kumimoji="0" lang="es-CL" sz="1400" b="0" i="0" u="none" strike="noStrike" kern="1200" cap="none" spc="0" normalizeH="0" baseline="0" noProof="0" dirty="0">
+                <a:ln>
+                  <a:noFill/>
+                </a:ln>
+                <a:solidFill>
+                  <a:prstClr val="black"/>
+                </a:solidFill>
+                <a:effectLst/>
+                <a:uLnTx/>
+                <a:uFillTx/>
+                <a:latin typeface="Times" pitchFamily="-97" charset="0"/>
+                <a:ea typeface="+mn-ea"/>
+                <a:cs typeface="+mn-cs"/>
+              </a:rPr>
+              <a:t>Impactos Cambio Climático</a:t>
+            </a:r>
+          </a:p>
+        </p:txBody>
+      </p:sp>
+      <p:cxnSp>
+        <p:nvCxnSpPr>
+          <p:cNvPr id="26" name="Conector recto de flecha 25">
+            <a:extLst>
+              <a:ext uri="{FF2B5EF4-FFF2-40B4-BE49-F238E27FC236}">
+                <a16:creationId xmlns:a16="http://schemas.microsoft.com/office/drawing/2014/main" id="{B80205CA-BC4B-4AC7-9C57-3A38F6587C5A}"/>
+              </a:ext>
+            </a:extLst>
+          </p:cNvPr>
+          <p:cNvCxnSpPr>
+            <a:cxnSpLocks/>
+          </p:cNvCxnSpPr>
+          <p:nvPr/>
+        </p:nvCxnSpPr>
+        <p:spPr>
+          <a:xfrm>
+            <a:off x="6705262" y="1268760"/>
+            <a:ext cx="1262946" cy="182174"/>
+          </a:xfrm>
+          <a:prstGeom prst="straightConnector1">
+            <a:avLst/>
+          </a:prstGeom>
+          <a:ln>
+            <a:solidFill>
+              <a:schemeClr val="tx2">
+                <a:lumMod val="75000"/>
+              </a:schemeClr>
+            </a:solidFill>
+            <a:tailEnd type="triangle"/>
+          </a:ln>
+        </p:spPr>
+        <p:style>
+          <a:lnRef idx="1">
+            <a:schemeClr val="accent1"/>
+          </a:lnRef>
+          <a:fillRef idx="0">
+            <a:schemeClr val="accent1"/>
+          </a:fillRef>
+          <a:effectRef idx="0">
+            <a:schemeClr val="accent1"/>
+          </a:effectRef>
+          <a:fontRef idx="minor">
+            <a:schemeClr val="tx1"/>
+          </a:fontRef>
+        </p:style>
+      </p:cxnSp>
+      <p:sp>
+        <p:nvSpPr>
+          <p:cNvPr id="28" name="CuadroTexto 27">
+            <a:extLst>
+              <a:ext uri="{FF2B5EF4-FFF2-40B4-BE49-F238E27FC236}">
+                <a16:creationId xmlns:a16="http://schemas.microsoft.com/office/drawing/2014/main" id="{7D1E1CA8-7844-48FC-BD23-2F607EAC0074}"/>
+              </a:ext>
+            </a:extLst>
+          </p:cNvPr>
+          <p:cNvSpPr txBox="1"/>
+          <p:nvPr/>
+        </p:nvSpPr>
+        <p:spPr>
+          <a:xfrm>
+            <a:off x="8036463" y="1309378"/>
+            <a:ext cx="2524033" cy="307777"/>
+          </a:xfrm>
+          <a:prstGeom prst="rect">
+            <a:avLst/>
+          </a:prstGeom>
+          <a:solidFill>
+            <a:schemeClr val="accent6">
+              <a:lumMod val="40000"/>
+              <a:lumOff val="60000"/>
+            </a:schemeClr>
+          </a:solidFill>
+          <a:ln>
+            <a:solidFill>
+              <a:schemeClr val="accent6">
+                <a:lumMod val="75000"/>
+              </a:schemeClr>
+            </a:solidFill>
+          </a:ln>
+        </p:spPr>
+        <p:txBody>
+          <a:bodyPr wrap="square" rtlCol="0">
+            <a:spAutoFit/>
+          </a:bodyPr>
+          <a:lstStyle/>
+          <a:p>
+            <a:pPr marL="0" marR="0" lvl="0" indent="0" algn="l" defTabSz="914400" rtl="0" eaLnBrk="0" fontAlgn="base" latinLnBrk="0" hangingPunct="0">
+              <a:lnSpc>
+                <a:spcPct val="100000"/>
+              </a:lnSpc>
+              <a:spcBef>
+                <a:spcPct val="0"/>
+              </a:spcBef>
+              <a:spcAft>
+                <a:spcPct val="0"/>
+              </a:spcAft>
+              <a:buClrTx/>
+              <a:buSzTx/>
+              <a:buFontTx/>
+              <a:buNone/>
+              <a:tabLst/>
+              <a:defRPr/>
+            </a:pPr>
+            <a:r>
+              <a:rPr kumimoji="0" lang="es-CL" sz="1400" b="0" i="0" u="none" strike="noStrike" kern="1200" cap="none" spc="0" normalizeH="0" baseline="0" noProof="0" dirty="0">
+                <a:ln>
+                  <a:noFill/>
+                </a:ln>
+                <a:solidFill>
+                  <a:prstClr val="black"/>
+                </a:solidFill>
+                <a:effectLst/>
+                <a:uLnTx/>
+                <a:uFillTx/>
+                <a:latin typeface="Times" pitchFamily="-97" charset="0"/>
+                <a:ea typeface="+mn-ea"/>
+                <a:cs typeface="+mn-cs"/>
+              </a:rPr>
+              <a:t>Proyecciones Cambio Climático</a:t>
+            </a:r>
+          </a:p>
+        </p:txBody>
+      </p:sp>
+      <p:cxnSp>
+        <p:nvCxnSpPr>
+          <p:cNvPr id="38" name="Conector recto de flecha 37">
+            <a:extLst>
+              <a:ext uri="{FF2B5EF4-FFF2-40B4-BE49-F238E27FC236}">
+                <a16:creationId xmlns:a16="http://schemas.microsoft.com/office/drawing/2014/main" id="{7B4CB9E4-BCF4-45F2-B0C7-AB589861469D}"/>
+              </a:ext>
+            </a:extLst>
+          </p:cNvPr>
+          <p:cNvCxnSpPr>
+            <a:cxnSpLocks/>
+          </p:cNvCxnSpPr>
+          <p:nvPr/>
+        </p:nvCxnSpPr>
+        <p:spPr>
+          <a:xfrm>
+            <a:off x="6705262" y="1268760"/>
+            <a:ext cx="1262946" cy="564781"/>
+          </a:xfrm>
+          <a:prstGeom prst="straightConnector1">
+            <a:avLst/>
+          </a:prstGeom>
+          <a:ln>
+            <a:solidFill>
+              <a:schemeClr val="tx2">
+                <a:lumMod val="75000"/>
+              </a:schemeClr>
+            </a:solidFill>
+            <a:tailEnd type="triangle"/>
+          </a:ln>
+        </p:spPr>
+        <p:style>
+          <a:lnRef idx="1">
+            <a:schemeClr val="accent1"/>
+          </a:lnRef>
+          <a:fillRef idx="0">
+            <a:schemeClr val="accent1"/>
+          </a:fillRef>
+          <a:effectRef idx="0">
+            <a:schemeClr val="accent1"/>
+          </a:effectRef>
+          <a:fontRef idx="minor">
+            <a:schemeClr val="tx1"/>
+          </a:fontRef>
+        </p:style>
+      </p:cxnSp>
+      <p:sp>
+        <p:nvSpPr>
+          <p:cNvPr id="40" name="CuadroTexto 39">
+            <a:extLst>
+              <a:ext uri="{FF2B5EF4-FFF2-40B4-BE49-F238E27FC236}">
+                <a16:creationId xmlns:a16="http://schemas.microsoft.com/office/drawing/2014/main" id="{328B240F-D295-43FD-9E81-25E246797ADE}"/>
+              </a:ext>
+            </a:extLst>
+          </p:cNvPr>
+          <p:cNvSpPr txBox="1"/>
+          <p:nvPr/>
+        </p:nvSpPr>
+        <p:spPr>
+          <a:xfrm>
+            <a:off x="8036462" y="1693638"/>
+            <a:ext cx="2524033" cy="307777"/>
+          </a:xfrm>
+          <a:prstGeom prst="rect">
+            <a:avLst/>
+          </a:prstGeom>
+          <a:solidFill>
+            <a:schemeClr val="tx2">
+              <a:lumMod val="40000"/>
+              <a:lumOff val="60000"/>
+            </a:schemeClr>
+          </a:solidFill>
+          <a:ln>
+            <a:solidFill>
+              <a:schemeClr val="tx2">
+                <a:lumMod val="75000"/>
+              </a:schemeClr>
+            </a:solidFill>
+          </a:ln>
+        </p:spPr>
+        <p:txBody>
+          <a:bodyPr wrap="square" rtlCol="0">
+            <a:spAutoFit/>
+          </a:bodyPr>
+          <a:lstStyle/>
+          <a:p>
+            <a:pPr marL="0" marR="0" lvl="0" indent="0" algn="l" defTabSz="914400" rtl="0" eaLnBrk="0" fontAlgn="base" latinLnBrk="0" hangingPunct="0">
+              <a:lnSpc>
+                <a:spcPct val="100000"/>
+              </a:lnSpc>
+              <a:spcBef>
+                <a:spcPct val="0"/>
+              </a:spcBef>
+              <a:spcAft>
+                <a:spcPct val="0"/>
+              </a:spcAft>
+              <a:buClrTx/>
+              <a:buSzTx/>
+              <a:buFontTx/>
+              <a:buNone/>
+              <a:tabLst/>
+              <a:defRPr/>
+            </a:pPr>
+            <a:r>
+              <a:rPr kumimoji="0" lang="es-CL" sz="1400" b="0" i="0" u="none" strike="noStrike" kern="1200" cap="none" spc="0" normalizeH="0" baseline="0" noProof="0" dirty="0">
+                <a:ln>
+                  <a:noFill/>
+                </a:ln>
+                <a:solidFill>
+                  <a:prstClr val="black"/>
+                </a:solidFill>
+                <a:effectLst/>
+                <a:uLnTx/>
+                <a:uFillTx/>
+                <a:latin typeface="Times" pitchFamily="-97" charset="0"/>
+                <a:ea typeface="+mn-ea"/>
+                <a:cs typeface="+mn-cs"/>
+              </a:rPr>
+              <a:t>Plataforma DATA CLIMA</a:t>
+            </a:r>
+          </a:p>
+        </p:txBody>
+      </p:sp>
+      <p:sp>
+        <p:nvSpPr>
+          <p:cNvPr id="43" name="CuadroTexto 42">
+            <a:extLst>
+              <a:ext uri="{FF2B5EF4-FFF2-40B4-BE49-F238E27FC236}">
+                <a16:creationId xmlns:a16="http://schemas.microsoft.com/office/drawing/2014/main" id="{58A3E1E0-89F1-449D-81EA-67CDD870137B}"/>
+              </a:ext>
+            </a:extLst>
+          </p:cNvPr>
+          <p:cNvSpPr txBox="1"/>
+          <p:nvPr/>
+        </p:nvSpPr>
+        <p:spPr>
+          <a:xfrm rot="16200000">
+            <a:off x="-1080869" y="3708006"/>
+            <a:ext cx="2767616" cy="461665"/>
+          </a:xfrm>
+          <a:prstGeom prst="rect">
+            <a:avLst/>
+          </a:prstGeom>
+          <a:noFill/>
+        </p:spPr>
+        <p:txBody>
+          <a:bodyPr wrap="square" rtlCol="0">
+            <a:spAutoFit/>
+          </a:bodyPr>
+          <a:lstStyle/>
+          <a:p>
+            <a:pPr marL="0" marR="0" lvl="0" indent="0" algn="l" defTabSz="914400" rtl="0" eaLnBrk="0" fontAlgn="base" latinLnBrk="0" hangingPunct="0">
+              <a:lnSpc>
+                <a:spcPct val="100000"/>
+              </a:lnSpc>
+              <a:spcBef>
+                <a:spcPct val="0"/>
+              </a:spcBef>
+              <a:spcAft>
+                <a:spcPct val="0"/>
+              </a:spcAft>
+              <a:buClrTx/>
+              <a:buSzTx/>
+              <a:buFontTx/>
+              <a:buNone/>
+              <a:tabLst/>
+              <a:defRPr/>
+            </a:pPr>
+            <a:r>
+              <a:rPr kumimoji="0" lang="es-CL" sz="2400" b="0" i="0" u="none" strike="noStrike" kern="1200" cap="none" spc="0" normalizeH="0" baseline="0" noProof="0" dirty="0">
+                <a:ln>
+                  <a:noFill/>
+                </a:ln>
+                <a:solidFill>
+                  <a:prstClr val="black"/>
+                </a:solidFill>
+                <a:effectLst/>
+                <a:uLnTx/>
+                <a:uFillTx/>
+                <a:latin typeface="Times" pitchFamily="-97" charset="0"/>
+                <a:ea typeface="+mn-ea"/>
+                <a:cs typeface="+mn-cs"/>
+              </a:rPr>
+              <a:t>PRODUCTOS</a:t>
+            </a:r>
+          </a:p>
+        </p:txBody>
+      </p:sp>
+      <p:sp>
+        <p:nvSpPr>
+          <p:cNvPr id="45" name="CuadroTexto 44">
+            <a:extLst>
+              <a:ext uri="{FF2B5EF4-FFF2-40B4-BE49-F238E27FC236}">
+                <a16:creationId xmlns:a16="http://schemas.microsoft.com/office/drawing/2014/main" id="{D8878651-2B27-4F39-AB19-230C2D492DC0}"/>
+              </a:ext>
+            </a:extLst>
+          </p:cNvPr>
+          <p:cNvSpPr txBox="1"/>
+          <p:nvPr/>
+        </p:nvSpPr>
+        <p:spPr>
+          <a:xfrm>
+            <a:off x="783736" y="2019585"/>
+            <a:ext cx="2091985" cy="307777"/>
+          </a:xfrm>
+          <a:prstGeom prst="rect">
+            <a:avLst/>
+          </a:prstGeom>
+          <a:solidFill>
+            <a:schemeClr val="accent4">
+              <a:lumMod val="40000"/>
+              <a:lumOff val="60000"/>
+            </a:schemeClr>
+          </a:solidFill>
+          <a:ln>
+            <a:solidFill>
+              <a:srgbClr val="FFC000"/>
+            </a:solidFill>
+          </a:ln>
+        </p:spPr>
+        <p:txBody>
+          <a:bodyPr wrap="square" rtlCol="0">
+            <a:spAutoFit/>
+          </a:bodyPr>
+          <a:lstStyle/>
+          <a:p>
+            <a:pPr marL="0" marR="0" lvl="0" indent="0" algn="l" defTabSz="914400" rtl="0" eaLnBrk="0" fontAlgn="base" latinLnBrk="0" hangingPunct="0">
+              <a:lnSpc>
+                <a:spcPct val="100000"/>
+              </a:lnSpc>
+              <a:spcBef>
+                <a:spcPct val="0"/>
+              </a:spcBef>
+              <a:spcAft>
+                <a:spcPct val="0"/>
+              </a:spcAft>
+              <a:buClrTx/>
+              <a:buSzTx/>
+              <a:buFontTx/>
+              <a:buNone/>
+              <a:tabLst/>
+              <a:defRPr/>
+            </a:pPr>
+            <a:r>
+              <a:rPr kumimoji="0" lang="es-CL" sz="1400" b="0" i="0" u="none" strike="noStrike" kern="1200" cap="none" spc="0" normalizeH="0" baseline="0" noProof="0" dirty="0">
+                <a:ln>
+                  <a:noFill/>
+                </a:ln>
+                <a:solidFill>
+                  <a:prstClr val="black"/>
+                </a:solidFill>
+                <a:effectLst/>
+                <a:uLnTx/>
+                <a:uFillTx/>
+                <a:latin typeface="Times" pitchFamily="-97" charset="0"/>
+                <a:ea typeface="+mn-ea"/>
+                <a:cs typeface="+mn-cs"/>
+              </a:rPr>
+              <a:t>Causas Cambio Climático</a:t>
+            </a:r>
+          </a:p>
+        </p:txBody>
+      </p:sp>
+      <p:sp>
+        <p:nvSpPr>
+          <p:cNvPr id="49" name="CuadroTexto 48">
+            <a:extLst>
+              <a:ext uri="{FF2B5EF4-FFF2-40B4-BE49-F238E27FC236}">
+                <a16:creationId xmlns:a16="http://schemas.microsoft.com/office/drawing/2014/main" id="{BD7C2829-65D1-49B9-ACED-7998583BDAE1}"/>
+              </a:ext>
+            </a:extLst>
+          </p:cNvPr>
+          <p:cNvSpPr txBox="1"/>
+          <p:nvPr/>
+        </p:nvSpPr>
+        <p:spPr>
+          <a:xfrm>
+            <a:off x="3265770" y="2585808"/>
             <a:ext cx="1512168" cy="461665"/>
           </a:xfrm>
           <a:prstGeom prst="rect">
@@ -11684,7 +12752,7 @@
         </p:nvSpPr>
         <p:spPr>
           <a:xfrm>
-            <a:off x="2381286" y="2585808"/>
+            <a:off x="4846192" y="2585808"/>
             <a:ext cx="1512168" cy="461665"/>
           </a:xfrm>
           <a:prstGeom prst="rect">
@@ -11793,7 +12861,7 @@
         </p:nvSpPr>
         <p:spPr>
           <a:xfrm>
-            <a:off x="2178093" y="2877408"/>
+            <a:off x="4642999" y="2877408"/>
             <a:ext cx="91225" cy="150350"/>
           </a:xfrm>
           <a:custGeom>
@@ -11978,7 +13046,7 @@
         </p:nvSpPr>
         <p:spPr>
           <a:xfrm>
-            <a:off x="787084" y="2456142"/>
+            <a:off x="3251990" y="2456142"/>
             <a:ext cx="3106370" cy="720080"/>
           </a:xfrm>
           <a:prstGeom prst="rect">
@@ -12059,7 +13127,7 @@
         </p:nvSpPr>
         <p:spPr>
           <a:xfrm>
-            <a:off x="783733" y="3681779"/>
+            <a:off x="4218350" y="3319358"/>
             <a:ext cx="2767851" cy="3139321"/>
           </a:xfrm>
           <a:prstGeom prst="rect">
@@ -12211,13 +13279,14 @@
           <p:cNvCxnSpPr>
             <a:cxnSpLocks/>
             <a:stCxn id="51" idx="2"/>
+            <a:endCxn id="27" idx="0"/>
           </p:cNvCxnSpPr>
           <p:nvPr/>
         </p:nvCxnSpPr>
         <p:spPr>
-          <a:xfrm flipH="1">
-            <a:off x="2001080" y="3047473"/>
-            <a:ext cx="1136290" cy="634306"/>
+          <a:xfrm>
+            <a:off x="5602276" y="3047473"/>
+            <a:ext cx="0" cy="271885"/>
           </a:xfrm>
           <a:prstGeom prst="straightConnector1">
             <a:avLst/>
@@ -12241,10 +13310,186 @@
           </a:fontRef>
         </p:style>
       </p:cxnSp>
+      <p:sp>
+        <p:nvSpPr>
+          <p:cNvPr id="3" name="CuadroTexto 2">
+            <a:extLst>
+              <a:ext uri="{FF2B5EF4-FFF2-40B4-BE49-F238E27FC236}">
+                <a16:creationId xmlns:a16="http://schemas.microsoft.com/office/drawing/2014/main" id="{8C190747-97CA-4683-A66C-AAF9AD9202EB}"/>
+              </a:ext>
+            </a:extLst>
+          </p:cNvPr>
+          <p:cNvSpPr txBox="1"/>
+          <p:nvPr/>
+        </p:nvSpPr>
+        <p:spPr>
+          <a:xfrm>
+            <a:off x="1163160" y="2585808"/>
+            <a:ext cx="1512168" cy="461665"/>
+          </a:xfrm>
+          <a:prstGeom prst="rect">
+            <a:avLst/>
+          </a:prstGeom>
+          <a:solidFill>
+            <a:schemeClr val="accent4">
+              <a:lumMod val="40000"/>
+              <a:lumOff val="60000"/>
+            </a:schemeClr>
+          </a:solidFill>
+          <a:ln w="28575">
+            <a:solidFill>
+              <a:srgbClr val="FFC000"/>
+            </a:solidFill>
+          </a:ln>
+        </p:spPr>
+        <p:txBody>
+          <a:bodyPr wrap="square" rtlCol="0">
+            <a:spAutoFit/>
+          </a:bodyPr>
+          <a:lstStyle/>
+          <a:p>
+            <a:pPr marL="0" marR="0" lvl="0" indent="0" algn="ctr" defTabSz="914400" rtl="0" eaLnBrk="0" fontAlgn="base" latinLnBrk="0" hangingPunct="0">
+              <a:lnSpc>
+                <a:spcPct val="100000"/>
+              </a:lnSpc>
+              <a:spcBef>
+                <a:spcPct val="0"/>
+              </a:spcBef>
+              <a:spcAft>
+                <a:spcPct val="0"/>
+              </a:spcAft>
+              <a:buClrTx/>
+              <a:buSzTx/>
+              <a:buFontTx/>
+              <a:buNone/>
+              <a:tabLst/>
+              <a:defRPr/>
+            </a:pPr>
+            <a:r>
+              <a:rPr kumimoji="0" lang="es-CL" sz="1200" b="0" i="0" u="none" strike="noStrike" kern="1200" cap="none" spc="0" normalizeH="0" baseline="0" noProof="0" dirty="0">
+                <a:ln>
+                  <a:noFill/>
+                </a:ln>
+                <a:solidFill>
+                  <a:prstClr val="black"/>
+                </a:solidFill>
+                <a:effectLst/>
+                <a:uLnTx/>
+                <a:uFillTx/>
+                <a:latin typeface="Times" pitchFamily="-97" charset="0"/>
+                <a:ea typeface="+mn-ea"/>
+                <a:cs typeface="+mn-cs"/>
+              </a:rPr>
+              <a:t>Causas CC Global</a:t>
+            </a:r>
+          </a:p>
+          <a:p>
+            <a:pPr marL="0" marR="0" lvl="0" indent="0" algn="ctr" defTabSz="914400" rtl="0" eaLnBrk="0" fontAlgn="base" latinLnBrk="0" hangingPunct="0">
+              <a:lnSpc>
+                <a:spcPct val="100000"/>
+              </a:lnSpc>
+              <a:spcBef>
+                <a:spcPct val="0"/>
+              </a:spcBef>
+              <a:spcAft>
+                <a:spcPct val="0"/>
+              </a:spcAft>
+              <a:buClrTx/>
+              <a:buSzTx/>
+              <a:buFontTx/>
+              <a:buNone/>
+              <a:tabLst/>
+              <a:defRPr/>
+            </a:pPr>
+            <a:r>
+              <a:rPr kumimoji="0" lang="es-CL" sz="1200" b="0" i="0" u="none" strike="noStrike" kern="1200" cap="none" spc="0" normalizeH="0" baseline="0" noProof="0" dirty="0">
+                <a:ln>
+                  <a:noFill/>
+                </a:ln>
+                <a:solidFill>
+                  <a:prstClr val="black"/>
+                </a:solidFill>
+                <a:effectLst/>
+                <a:uLnTx/>
+                <a:uFillTx/>
+                <a:latin typeface="Times" pitchFamily="-97" charset="0"/>
+                <a:ea typeface="+mn-ea"/>
+                <a:cs typeface="+mn-cs"/>
+              </a:rPr>
+              <a:t>(Word Completo)</a:t>
+            </a:r>
+          </a:p>
+        </p:txBody>
+      </p:sp>
+      <p:sp>
+        <p:nvSpPr>
+          <p:cNvPr id="4" name="CuadroTexto 3">
+            <a:extLst>
+              <a:ext uri="{FF2B5EF4-FFF2-40B4-BE49-F238E27FC236}">
+                <a16:creationId xmlns:a16="http://schemas.microsoft.com/office/drawing/2014/main" id="{D2ABC593-770D-42E4-8089-E07835FB9135}"/>
+              </a:ext>
+            </a:extLst>
+          </p:cNvPr>
+          <p:cNvSpPr txBox="1"/>
+          <p:nvPr/>
+        </p:nvSpPr>
+        <p:spPr>
+          <a:xfrm>
+            <a:off x="533772" y="3323969"/>
+            <a:ext cx="2584141" cy="1200329"/>
+          </a:xfrm>
+          <a:prstGeom prst="rect">
+            <a:avLst/>
+          </a:prstGeom>
+          <a:noFill/>
+          <a:ln>
+            <a:solidFill>
+              <a:schemeClr val="accent4">
+                <a:lumMod val="60000"/>
+                <a:lumOff val="40000"/>
+              </a:schemeClr>
+            </a:solidFill>
+          </a:ln>
+        </p:spPr>
+        <p:txBody>
+          <a:bodyPr wrap="square" numCol="1" rtlCol="0">
+            <a:spAutoFit/>
+          </a:bodyPr>
+          <a:lstStyle/>
+          <a:p>
+            <a:pPr marL="285750" indent="-285750">
+              <a:buFont typeface="Arial" panose="020B0604020202020204" pitchFamily="34" charset="0"/>
+              <a:buChar char="•"/>
+            </a:pPr>
+            <a:r>
+              <a:rPr lang="es-CL" dirty="0"/>
+              <a:t>Referir a Texto Causas</a:t>
+            </a:r>
+          </a:p>
+          <a:p>
+            <a:pPr marL="285750" indent="-285750">
+              <a:buFont typeface="Arial" panose="020B0604020202020204" pitchFamily="34" charset="0"/>
+              <a:buChar char="•"/>
+            </a:pPr>
+            <a:r>
+              <a:rPr lang="es-CL" dirty="0"/>
+              <a:t>Discutir si se utilizan figuras y </a:t>
+            </a:r>
+            <a:r>
+              <a:rPr lang="es-CL" dirty="0" err="1"/>
+              <a:t>GIFs</a:t>
+            </a:r>
+            <a:r>
+              <a:rPr lang="es-CL" dirty="0"/>
+              <a:t> adjuntos o si se crearán</a:t>
+            </a:r>
+          </a:p>
+        </p:txBody>
+      </p:sp>
     </p:spTree>
     <p:extLst>
       <p:ext uri="{BB962C8B-B14F-4D97-AF65-F5344CB8AC3E}">
-        <p14:creationId xmlns:p14="http://schemas.microsoft.com/office/powerpoint/2010/main" val="2643240212"/>
+        <p14:creationId xmlns:p14="http://schemas.microsoft.com/office/powerpoint/2010/main" val="3120762926"/>
       </p:ext>
     </p:extLst>
   </p:cSld>
@@ -12254,7 +13499,7 @@
 </p:sld>
 </file>
 
-<file path=ppt/slides/slide4.xml><?xml version="1.0" encoding="utf-8"?>
+<file path=ppt/slides/slide5.xml><?xml version="1.0" encoding="utf-8"?>
 <p:sld xmlns:a="http://schemas.openxmlformats.org/drawingml/2006/main" xmlns:r="http://schemas.openxmlformats.org/officeDocument/2006/relationships" xmlns:p="http://schemas.openxmlformats.org/presentationml/2006/main">
   <p:cSld>
     <p:spTree>

--- a/Organización DATA CLIMA.pptx
+++ b/Organización DATA CLIMA.pptx
@@ -8,9 +8,7 @@
   <p:sldIdLst>
     <p:sldId id="256" r:id="rId3"/>
     <p:sldId id="1279" r:id="rId4"/>
-    <p:sldId id="1288" r:id="rId5"/>
-    <p:sldId id="1289" r:id="rId6"/>
-    <p:sldId id="1287" r:id="rId7"/>
+    <p:sldId id="1287" r:id="rId5"/>
   </p:sldIdLst>
   <p:sldSz cx="12192000" cy="6858000"/>
   <p:notesSz cx="6858000" cy="9144000"/>
@@ -8248,7 +8246,7 @@
                 <a:ea typeface="+mn-ea"/>
                 <a:cs typeface="+mn-cs"/>
               </a:rPr>
-              <a:t>Factores Influyentes Chile</a:t>
+              <a:t>Factores Influyentes Chile/LA/Países</a:t>
             </a:r>
           </a:p>
         </p:txBody>
@@ -10660,2846 +10658,6 @@
 </file>
 
 <file path=ppt/slides/slide3.xml><?xml version="1.0" encoding="utf-8"?>
-<p:sld xmlns:a="http://schemas.openxmlformats.org/drawingml/2006/main" xmlns:r="http://schemas.openxmlformats.org/officeDocument/2006/relationships" xmlns:p="http://schemas.openxmlformats.org/presentationml/2006/main">
-  <p:cSld>
-    <p:spTree>
-      <p:nvGrpSpPr>
-        <p:cNvPr id="1" name=""/>
-        <p:cNvGrpSpPr/>
-        <p:nvPr/>
-      </p:nvGrpSpPr>
-      <p:grpSpPr>
-        <a:xfrm>
-          <a:off x="0" y="0"/>
-          <a:ext cx="0" cy="0"/>
-          <a:chOff x="0" y="0"/>
-          <a:chExt cx="0" cy="0"/>
-        </a:xfrm>
-      </p:grpSpPr>
-      <p:sp>
-        <p:nvSpPr>
-          <p:cNvPr id="2" name="Título 1">
-            <a:extLst>
-              <a:ext uri="{FF2B5EF4-FFF2-40B4-BE49-F238E27FC236}">
-                <a16:creationId xmlns:a16="http://schemas.microsoft.com/office/drawing/2014/main" id="{B7567D67-0D69-4584-B3D4-6BEC4F0BC485}"/>
-              </a:ext>
-            </a:extLst>
-          </p:cNvPr>
-          <p:cNvSpPr>
-            <a:spLocks noGrp="1"/>
-          </p:cNvSpPr>
-          <p:nvPr>
-            <p:ph type="title"/>
-          </p:nvPr>
-        </p:nvSpPr>
-        <p:spPr/>
-        <p:txBody>
-          <a:bodyPr/>
-          <a:lstStyle/>
-          <a:p>
-            <a:r>
-              <a:rPr lang="es-CL" dirty="0"/>
-              <a:t>Colección DATA clima</a:t>
-            </a:r>
-          </a:p>
-        </p:txBody>
-      </p:sp>
-      <p:cxnSp>
-        <p:nvCxnSpPr>
-          <p:cNvPr id="6" name="Conector recto de flecha 5">
-            <a:extLst>
-              <a:ext uri="{FF2B5EF4-FFF2-40B4-BE49-F238E27FC236}">
-                <a16:creationId xmlns:a16="http://schemas.microsoft.com/office/drawing/2014/main" id="{2CAE975C-67FC-46F1-9FF8-2FBB57522603}"/>
-              </a:ext>
-            </a:extLst>
-          </p:cNvPr>
-          <p:cNvCxnSpPr>
-            <a:cxnSpLocks/>
-          </p:cNvCxnSpPr>
-          <p:nvPr/>
-        </p:nvCxnSpPr>
-        <p:spPr>
-          <a:xfrm flipV="1">
-            <a:off x="6705262" y="319540"/>
-            <a:ext cx="1262946" cy="949221"/>
-          </a:xfrm>
-          <a:prstGeom prst="straightConnector1">
-            <a:avLst/>
-          </a:prstGeom>
-          <a:ln>
-            <a:solidFill>
-              <a:schemeClr val="tx2">
-                <a:lumMod val="75000"/>
-              </a:schemeClr>
-            </a:solidFill>
-            <a:tailEnd type="triangle"/>
-          </a:ln>
-        </p:spPr>
-        <p:style>
-          <a:lnRef idx="1">
-            <a:schemeClr val="accent1"/>
-          </a:lnRef>
-          <a:fillRef idx="0">
-            <a:schemeClr val="accent1"/>
-          </a:fillRef>
-          <a:effectRef idx="0">
-            <a:schemeClr val="accent1"/>
-          </a:effectRef>
-          <a:fontRef idx="minor">
-            <a:schemeClr val="tx1"/>
-          </a:fontRef>
-        </p:style>
-      </p:cxnSp>
-      <p:cxnSp>
-        <p:nvCxnSpPr>
-          <p:cNvPr id="8" name="Conector recto 7">
-            <a:extLst>
-              <a:ext uri="{FF2B5EF4-FFF2-40B4-BE49-F238E27FC236}">
-                <a16:creationId xmlns:a16="http://schemas.microsoft.com/office/drawing/2014/main" id="{DF976C14-2EBA-4582-8D53-69D94302B376}"/>
-              </a:ext>
-            </a:extLst>
-          </p:cNvPr>
-          <p:cNvCxnSpPr>
-            <a:cxnSpLocks/>
-          </p:cNvCxnSpPr>
-          <p:nvPr/>
-        </p:nvCxnSpPr>
-        <p:spPr>
-          <a:xfrm>
-            <a:off x="5879976" y="1268760"/>
-            <a:ext cx="825286" cy="0"/>
-          </a:xfrm>
-          <a:prstGeom prst="line">
-            <a:avLst/>
-          </a:prstGeom>
-          <a:ln>
-            <a:solidFill>
-              <a:schemeClr val="tx2">
-                <a:lumMod val="75000"/>
-              </a:schemeClr>
-            </a:solidFill>
-          </a:ln>
-        </p:spPr>
-        <p:style>
-          <a:lnRef idx="1">
-            <a:schemeClr val="accent1"/>
-          </a:lnRef>
-          <a:fillRef idx="0">
-            <a:schemeClr val="accent1"/>
-          </a:fillRef>
-          <a:effectRef idx="0">
-            <a:schemeClr val="accent1"/>
-          </a:effectRef>
-          <a:fontRef idx="minor">
-            <a:schemeClr val="tx1"/>
-          </a:fontRef>
-        </p:style>
-      </p:cxnSp>
-      <p:cxnSp>
-        <p:nvCxnSpPr>
-          <p:cNvPr id="11" name="Conector recto de flecha 10">
-            <a:extLst>
-              <a:ext uri="{FF2B5EF4-FFF2-40B4-BE49-F238E27FC236}">
-                <a16:creationId xmlns:a16="http://schemas.microsoft.com/office/drawing/2014/main" id="{2D960987-5BA1-4919-95E0-B35D7FC5E8EB}"/>
-              </a:ext>
-            </a:extLst>
-          </p:cNvPr>
-          <p:cNvCxnSpPr>
-            <a:cxnSpLocks/>
-          </p:cNvCxnSpPr>
-          <p:nvPr/>
-        </p:nvCxnSpPr>
-        <p:spPr>
-          <a:xfrm flipV="1">
-            <a:off x="6705262" y="705247"/>
-            <a:ext cx="1262946" cy="563514"/>
-          </a:xfrm>
-          <a:prstGeom prst="straightConnector1">
-            <a:avLst/>
-          </a:prstGeom>
-          <a:ln>
-            <a:solidFill>
-              <a:schemeClr val="tx2">
-                <a:lumMod val="75000"/>
-              </a:schemeClr>
-            </a:solidFill>
-            <a:tailEnd type="triangle"/>
-          </a:ln>
-        </p:spPr>
-        <p:style>
-          <a:lnRef idx="1">
-            <a:schemeClr val="accent1"/>
-          </a:lnRef>
-          <a:fillRef idx="0">
-            <a:schemeClr val="accent1"/>
-          </a:fillRef>
-          <a:effectRef idx="0">
-            <a:schemeClr val="accent1"/>
-          </a:effectRef>
-          <a:fontRef idx="minor">
-            <a:schemeClr val="tx1"/>
-          </a:fontRef>
-        </p:style>
-      </p:cxnSp>
-      <p:cxnSp>
-        <p:nvCxnSpPr>
-          <p:cNvPr id="15" name="Conector recto de flecha 14">
-            <a:extLst>
-              <a:ext uri="{FF2B5EF4-FFF2-40B4-BE49-F238E27FC236}">
-                <a16:creationId xmlns:a16="http://schemas.microsoft.com/office/drawing/2014/main" id="{807455D9-571B-4E10-9F44-F57E5E5166EB}"/>
-              </a:ext>
-            </a:extLst>
-          </p:cNvPr>
-          <p:cNvCxnSpPr>
-            <a:cxnSpLocks/>
-          </p:cNvCxnSpPr>
-          <p:nvPr/>
-        </p:nvCxnSpPr>
-        <p:spPr>
-          <a:xfrm flipV="1">
-            <a:off x="6705262" y="1086586"/>
-            <a:ext cx="1262946" cy="182174"/>
-          </a:xfrm>
-          <a:prstGeom prst="straightConnector1">
-            <a:avLst/>
-          </a:prstGeom>
-          <a:ln>
-            <a:solidFill>
-              <a:schemeClr val="tx2">
-                <a:lumMod val="75000"/>
-              </a:schemeClr>
-            </a:solidFill>
-            <a:tailEnd type="triangle"/>
-          </a:ln>
-        </p:spPr>
-        <p:style>
-          <a:lnRef idx="1">
-            <a:schemeClr val="accent1"/>
-          </a:lnRef>
-          <a:fillRef idx="0">
-            <a:schemeClr val="accent1"/>
-          </a:fillRef>
-          <a:effectRef idx="0">
-            <a:schemeClr val="accent1"/>
-          </a:effectRef>
-          <a:fontRef idx="minor">
-            <a:schemeClr val="tx1"/>
-          </a:fontRef>
-        </p:style>
-      </p:cxnSp>
-      <p:sp>
-        <p:nvSpPr>
-          <p:cNvPr id="18" name="CuadroTexto 17">
-            <a:extLst>
-              <a:ext uri="{FF2B5EF4-FFF2-40B4-BE49-F238E27FC236}">
-                <a16:creationId xmlns:a16="http://schemas.microsoft.com/office/drawing/2014/main" id="{BC0683E7-CFC4-47E8-86BC-9EA8E791F70B}"/>
-              </a:ext>
-            </a:extLst>
-          </p:cNvPr>
-          <p:cNvSpPr txBox="1"/>
-          <p:nvPr/>
-        </p:nvSpPr>
-        <p:spPr>
-          <a:xfrm>
-            <a:off x="5879976" y="991762"/>
-            <a:ext cx="936104" cy="276998"/>
-          </a:xfrm>
-          <a:prstGeom prst="rect">
-            <a:avLst/>
-          </a:prstGeom>
-          <a:noFill/>
-        </p:spPr>
-        <p:txBody>
-          <a:bodyPr wrap="square" rtlCol="0">
-            <a:spAutoFit/>
-          </a:bodyPr>
-          <a:lstStyle/>
-          <a:p>
-            <a:pPr marL="0" marR="0" lvl="0" indent="0" algn="l" defTabSz="914400" rtl="0" eaLnBrk="0" fontAlgn="base" latinLnBrk="0" hangingPunct="0">
-              <a:lnSpc>
-                <a:spcPct val="100000"/>
-              </a:lnSpc>
-              <a:spcBef>
-                <a:spcPct val="0"/>
-              </a:spcBef>
-              <a:spcAft>
-                <a:spcPct val="0"/>
-              </a:spcAft>
-              <a:buClrTx/>
-              <a:buSzTx/>
-              <a:buFontTx/>
-              <a:buNone/>
-              <a:tabLst/>
-              <a:defRPr/>
-            </a:pPr>
-            <a:r>
-              <a:rPr kumimoji="0" lang="es-CL" sz="1200" b="0" i="1" u="none" strike="noStrike" kern="1200" cap="none" spc="0" normalizeH="0" baseline="0" noProof="0" dirty="0">
-                <a:ln>
-                  <a:noFill/>
-                </a:ln>
-                <a:solidFill>
-                  <a:prstClr val="black"/>
-                </a:solidFill>
-                <a:effectLst/>
-                <a:uLnTx/>
-                <a:uFillTx/>
-                <a:latin typeface="Times" pitchFamily="-97" charset="0"/>
-                <a:ea typeface="+mn-ea"/>
-                <a:cs typeface="+mn-cs"/>
-              </a:rPr>
-              <a:t>Categorías</a:t>
-            </a:r>
-          </a:p>
-        </p:txBody>
-      </p:sp>
-      <p:sp>
-        <p:nvSpPr>
-          <p:cNvPr id="19" name="CuadroTexto 18">
-            <a:extLst>
-              <a:ext uri="{FF2B5EF4-FFF2-40B4-BE49-F238E27FC236}">
-                <a16:creationId xmlns:a16="http://schemas.microsoft.com/office/drawing/2014/main" id="{1562B58E-5CC4-4052-96E1-05699A57B104}"/>
-              </a:ext>
-            </a:extLst>
-          </p:cNvPr>
-          <p:cNvSpPr txBox="1"/>
-          <p:nvPr/>
-        </p:nvSpPr>
-        <p:spPr>
-          <a:xfrm>
-            <a:off x="8036463" y="165650"/>
-            <a:ext cx="1731945" cy="307777"/>
-          </a:xfrm>
-          <a:prstGeom prst="rect">
-            <a:avLst/>
-          </a:prstGeom>
-          <a:solidFill>
-            <a:schemeClr val="accent3">
-              <a:lumMod val="60000"/>
-              <a:lumOff val="40000"/>
-            </a:schemeClr>
-          </a:solidFill>
-          <a:ln>
-            <a:solidFill>
-              <a:schemeClr val="accent3">
-                <a:lumMod val="75000"/>
-              </a:schemeClr>
-            </a:solidFill>
-          </a:ln>
-        </p:spPr>
-        <p:txBody>
-          <a:bodyPr wrap="square" rtlCol="0">
-            <a:spAutoFit/>
-          </a:bodyPr>
-          <a:lstStyle/>
-          <a:p>
-            <a:pPr marL="0" marR="0" lvl="0" indent="0" algn="l" defTabSz="914400" rtl="0" eaLnBrk="0" fontAlgn="base" latinLnBrk="0" hangingPunct="0">
-              <a:lnSpc>
-                <a:spcPct val="100000"/>
-              </a:lnSpc>
-              <a:spcBef>
-                <a:spcPct val="0"/>
-              </a:spcBef>
-              <a:spcAft>
-                <a:spcPct val="0"/>
-              </a:spcAft>
-              <a:buClrTx/>
-              <a:buSzTx/>
-              <a:buFontTx/>
-              <a:buNone/>
-              <a:tabLst/>
-              <a:defRPr/>
-            </a:pPr>
-            <a:r>
-              <a:rPr kumimoji="0" lang="es-CL" sz="1400" b="0" i="0" u="none" strike="noStrike" kern="1200" cap="none" spc="0" normalizeH="0" baseline="0" noProof="0" dirty="0">
-                <a:ln>
-                  <a:noFill/>
-                </a:ln>
-                <a:solidFill>
-                  <a:prstClr val="black"/>
-                </a:solidFill>
-                <a:effectLst/>
-                <a:uLnTx/>
-                <a:uFillTx/>
-                <a:latin typeface="Times" pitchFamily="-97" charset="0"/>
-                <a:ea typeface="+mn-ea"/>
-                <a:cs typeface="+mn-cs"/>
-              </a:rPr>
-              <a:t>Conceptos Generales</a:t>
-            </a:r>
-          </a:p>
-        </p:txBody>
-      </p:sp>
-      <p:sp>
-        <p:nvSpPr>
-          <p:cNvPr id="22" name="CuadroTexto 21">
-            <a:extLst>
-              <a:ext uri="{FF2B5EF4-FFF2-40B4-BE49-F238E27FC236}">
-                <a16:creationId xmlns:a16="http://schemas.microsoft.com/office/drawing/2014/main" id="{4FB5B52C-85BB-4558-820D-0665660D4B24}"/>
-              </a:ext>
-            </a:extLst>
-          </p:cNvPr>
-          <p:cNvSpPr txBox="1"/>
-          <p:nvPr/>
-        </p:nvSpPr>
-        <p:spPr>
-          <a:xfrm>
-            <a:off x="8036463" y="541933"/>
-            <a:ext cx="2091985" cy="307777"/>
-          </a:xfrm>
-          <a:prstGeom prst="rect">
-            <a:avLst/>
-          </a:prstGeom>
-          <a:solidFill>
-            <a:schemeClr val="accent4">
-              <a:lumMod val="40000"/>
-              <a:lumOff val="60000"/>
-            </a:schemeClr>
-          </a:solidFill>
-          <a:ln>
-            <a:solidFill>
-              <a:srgbClr val="FFC000"/>
-            </a:solidFill>
-          </a:ln>
-        </p:spPr>
-        <p:txBody>
-          <a:bodyPr wrap="square" rtlCol="0">
-            <a:spAutoFit/>
-          </a:bodyPr>
-          <a:lstStyle/>
-          <a:p>
-            <a:pPr marL="0" marR="0" lvl="0" indent="0" algn="l" defTabSz="914400" rtl="0" eaLnBrk="0" fontAlgn="base" latinLnBrk="0" hangingPunct="0">
-              <a:lnSpc>
-                <a:spcPct val="100000"/>
-              </a:lnSpc>
-              <a:spcBef>
-                <a:spcPct val="0"/>
-              </a:spcBef>
-              <a:spcAft>
-                <a:spcPct val="0"/>
-              </a:spcAft>
-              <a:buClrTx/>
-              <a:buSzTx/>
-              <a:buFontTx/>
-              <a:buNone/>
-              <a:tabLst/>
-              <a:defRPr/>
-            </a:pPr>
-            <a:r>
-              <a:rPr kumimoji="0" lang="es-CL" sz="1400" b="0" i="0" u="none" strike="noStrike" kern="1200" cap="none" spc="0" normalizeH="0" baseline="0" noProof="0" dirty="0">
-                <a:ln>
-                  <a:noFill/>
-                </a:ln>
-                <a:solidFill>
-                  <a:prstClr val="black"/>
-                </a:solidFill>
-                <a:effectLst/>
-                <a:uLnTx/>
-                <a:uFillTx/>
-                <a:latin typeface="Times" pitchFamily="-97" charset="0"/>
-                <a:ea typeface="+mn-ea"/>
-                <a:cs typeface="+mn-cs"/>
-              </a:rPr>
-              <a:t>Causas Cambio Climático</a:t>
-            </a:r>
-          </a:p>
-        </p:txBody>
-      </p:sp>
-      <p:sp>
-        <p:nvSpPr>
-          <p:cNvPr id="24" name="CuadroTexto 23">
-            <a:extLst>
-              <a:ext uri="{FF2B5EF4-FFF2-40B4-BE49-F238E27FC236}">
-                <a16:creationId xmlns:a16="http://schemas.microsoft.com/office/drawing/2014/main" id="{04B47D01-5DA8-4499-BE5F-94E4DE916970}"/>
-              </a:ext>
-            </a:extLst>
-          </p:cNvPr>
-          <p:cNvSpPr txBox="1"/>
-          <p:nvPr/>
-        </p:nvSpPr>
-        <p:spPr>
-          <a:xfrm>
-            <a:off x="8036463" y="925659"/>
-            <a:ext cx="2236001" cy="307777"/>
-          </a:xfrm>
-          <a:prstGeom prst="rect">
-            <a:avLst/>
-          </a:prstGeom>
-          <a:solidFill>
-            <a:schemeClr val="accent1">
-              <a:lumMod val="60000"/>
-              <a:lumOff val="40000"/>
-            </a:schemeClr>
-          </a:solidFill>
-          <a:ln>
-            <a:solidFill>
-              <a:schemeClr val="accent1">
-                <a:lumMod val="75000"/>
-              </a:schemeClr>
-            </a:solidFill>
-          </a:ln>
-        </p:spPr>
-        <p:txBody>
-          <a:bodyPr wrap="square" rtlCol="0">
-            <a:spAutoFit/>
-          </a:bodyPr>
-          <a:lstStyle/>
-          <a:p>
-            <a:pPr marL="0" marR="0" lvl="0" indent="0" algn="l" defTabSz="914400" rtl="0" eaLnBrk="0" fontAlgn="base" latinLnBrk="0" hangingPunct="0">
-              <a:lnSpc>
-                <a:spcPct val="100000"/>
-              </a:lnSpc>
-              <a:spcBef>
-                <a:spcPct val="0"/>
-              </a:spcBef>
-              <a:spcAft>
-                <a:spcPct val="0"/>
-              </a:spcAft>
-              <a:buClrTx/>
-              <a:buSzTx/>
-              <a:buFontTx/>
-              <a:buNone/>
-              <a:tabLst/>
-              <a:defRPr/>
-            </a:pPr>
-            <a:r>
-              <a:rPr kumimoji="0" lang="es-CL" sz="1400" b="0" i="0" u="none" strike="noStrike" kern="1200" cap="none" spc="0" normalizeH="0" baseline="0" noProof="0" dirty="0">
-                <a:ln>
-                  <a:noFill/>
-                </a:ln>
-                <a:solidFill>
-                  <a:prstClr val="black"/>
-                </a:solidFill>
-                <a:effectLst/>
-                <a:uLnTx/>
-                <a:uFillTx/>
-                <a:latin typeface="Times" pitchFamily="-97" charset="0"/>
-                <a:ea typeface="+mn-ea"/>
-                <a:cs typeface="+mn-cs"/>
-              </a:rPr>
-              <a:t>Impactos Cambio Climático</a:t>
-            </a:r>
-          </a:p>
-        </p:txBody>
-      </p:sp>
-      <p:cxnSp>
-        <p:nvCxnSpPr>
-          <p:cNvPr id="26" name="Conector recto de flecha 25">
-            <a:extLst>
-              <a:ext uri="{FF2B5EF4-FFF2-40B4-BE49-F238E27FC236}">
-                <a16:creationId xmlns:a16="http://schemas.microsoft.com/office/drawing/2014/main" id="{B80205CA-BC4B-4AC7-9C57-3A38F6587C5A}"/>
-              </a:ext>
-            </a:extLst>
-          </p:cNvPr>
-          <p:cNvCxnSpPr>
-            <a:cxnSpLocks/>
-          </p:cNvCxnSpPr>
-          <p:nvPr/>
-        </p:nvCxnSpPr>
-        <p:spPr>
-          <a:xfrm>
-            <a:off x="6705262" y="1268760"/>
-            <a:ext cx="1262946" cy="182174"/>
-          </a:xfrm>
-          <a:prstGeom prst="straightConnector1">
-            <a:avLst/>
-          </a:prstGeom>
-          <a:ln>
-            <a:solidFill>
-              <a:schemeClr val="tx2">
-                <a:lumMod val="75000"/>
-              </a:schemeClr>
-            </a:solidFill>
-            <a:tailEnd type="triangle"/>
-          </a:ln>
-        </p:spPr>
-        <p:style>
-          <a:lnRef idx="1">
-            <a:schemeClr val="accent1"/>
-          </a:lnRef>
-          <a:fillRef idx="0">
-            <a:schemeClr val="accent1"/>
-          </a:fillRef>
-          <a:effectRef idx="0">
-            <a:schemeClr val="accent1"/>
-          </a:effectRef>
-          <a:fontRef idx="minor">
-            <a:schemeClr val="tx1"/>
-          </a:fontRef>
-        </p:style>
-      </p:cxnSp>
-      <p:sp>
-        <p:nvSpPr>
-          <p:cNvPr id="28" name="CuadroTexto 27">
-            <a:extLst>
-              <a:ext uri="{FF2B5EF4-FFF2-40B4-BE49-F238E27FC236}">
-                <a16:creationId xmlns:a16="http://schemas.microsoft.com/office/drawing/2014/main" id="{7D1E1CA8-7844-48FC-BD23-2F607EAC0074}"/>
-              </a:ext>
-            </a:extLst>
-          </p:cNvPr>
-          <p:cNvSpPr txBox="1"/>
-          <p:nvPr/>
-        </p:nvSpPr>
-        <p:spPr>
-          <a:xfrm>
-            <a:off x="8036463" y="1309378"/>
-            <a:ext cx="2524033" cy="307777"/>
-          </a:xfrm>
-          <a:prstGeom prst="rect">
-            <a:avLst/>
-          </a:prstGeom>
-          <a:solidFill>
-            <a:schemeClr val="accent6">
-              <a:lumMod val="40000"/>
-              <a:lumOff val="60000"/>
-            </a:schemeClr>
-          </a:solidFill>
-          <a:ln>
-            <a:solidFill>
-              <a:schemeClr val="accent6">
-                <a:lumMod val="75000"/>
-              </a:schemeClr>
-            </a:solidFill>
-          </a:ln>
-        </p:spPr>
-        <p:txBody>
-          <a:bodyPr wrap="square" rtlCol="0">
-            <a:spAutoFit/>
-          </a:bodyPr>
-          <a:lstStyle/>
-          <a:p>
-            <a:pPr marL="0" marR="0" lvl="0" indent="0" algn="l" defTabSz="914400" rtl="0" eaLnBrk="0" fontAlgn="base" latinLnBrk="0" hangingPunct="0">
-              <a:lnSpc>
-                <a:spcPct val="100000"/>
-              </a:lnSpc>
-              <a:spcBef>
-                <a:spcPct val="0"/>
-              </a:spcBef>
-              <a:spcAft>
-                <a:spcPct val="0"/>
-              </a:spcAft>
-              <a:buClrTx/>
-              <a:buSzTx/>
-              <a:buFontTx/>
-              <a:buNone/>
-              <a:tabLst/>
-              <a:defRPr/>
-            </a:pPr>
-            <a:r>
-              <a:rPr kumimoji="0" lang="es-CL" sz="1400" b="0" i="0" u="none" strike="noStrike" kern="1200" cap="none" spc="0" normalizeH="0" baseline="0" noProof="0" dirty="0">
-                <a:ln>
-                  <a:noFill/>
-                </a:ln>
-                <a:solidFill>
-                  <a:prstClr val="black"/>
-                </a:solidFill>
-                <a:effectLst/>
-                <a:uLnTx/>
-                <a:uFillTx/>
-                <a:latin typeface="Times" pitchFamily="-97" charset="0"/>
-                <a:ea typeface="+mn-ea"/>
-                <a:cs typeface="+mn-cs"/>
-              </a:rPr>
-              <a:t>Proyecciones Cambio Climático</a:t>
-            </a:r>
-          </a:p>
-        </p:txBody>
-      </p:sp>
-      <p:cxnSp>
-        <p:nvCxnSpPr>
-          <p:cNvPr id="38" name="Conector recto de flecha 37">
-            <a:extLst>
-              <a:ext uri="{FF2B5EF4-FFF2-40B4-BE49-F238E27FC236}">
-                <a16:creationId xmlns:a16="http://schemas.microsoft.com/office/drawing/2014/main" id="{7B4CB9E4-BCF4-45F2-B0C7-AB589861469D}"/>
-              </a:ext>
-            </a:extLst>
-          </p:cNvPr>
-          <p:cNvCxnSpPr>
-            <a:cxnSpLocks/>
-          </p:cNvCxnSpPr>
-          <p:nvPr/>
-        </p:nvCxnSpPr>
-        <p:spPr>
-          <a:xfrm>
-            <a:off x="6705262" y="1268760"/>
-            <a:ext cx="1262946" cy="564781"/>
-          </a:xfrm>
-          <a:prstGeom prst="straightConnector1">
-            <a:avLst/>
-          </a:prstGeom>
-          <a:ln>
-            <a:solidFill>
-              <a:schemeClr val="tx2">
-                <a:lumMod val="75000"/>
-              </a:schemeClr>
-            </a:solidFill>
-            <a:tailEnd type="triangle"/>
-          </a:ln>
-        </p:spPr>
-        <p:style>
-          <a:lnRef idx="1">
-            <a:schemeClr val="accent1"/>
-          </a:lnRef>
-          <a:fillRef idx="0">
-            <a:schemeClr val="accent1"/>
-          </a:fillRef>
-          <a:effectRef idx="0">
-            <a:schemeClr val="accent1"/>
-          </a:effectRef>
-          <a:fontRef idx="minor">
-            <a:schemeClr val="tx1"/>
-          </a:fontRef>
-        </p:style>
-      </p:cxnSp>
-      <p:sp>
-        <p:nvSpPr>
-          <p:cNvPr id="40" name="CuadroTexto 39">
-            <a:extLst>
-              <a:ext uri="{FF2B5EF4-FFF2-40B4-BE49-F238E27FC236}">
-                <a16:creationId xmlns:a16="http://schemas.microsoft.com/office/drawing/2014/main" id="{328B240F-D295-43FD-9E81-25E246797ADE}"/>
-              </a:ext>
-            </a:extLst>
-          </p:cNvPr>
-          <p:cNvSpPr txBox="1"/>
-          <p:nvPr/>
-        </p:nvSpPr>
-        <p:spPr>
-          <a:xfrm>
-            <a:off x="8036462" y="1693638"/>
-            <a:ext cx="2524033" cy="307777"/>
-          </a:xfrm>
-          <a:prstGeom prst="rect">
-            <a:avLst/>
-          </a:prstGeom>
-          <a:solidFill>
-            <a:schemeClr val="tx2">
-              <a:lumMod val="40000"/>
-              <a:lumOff val="60000"/>
-            </a:schemeClr>
-          </a:solidFill>
-          <a:ln>
-            <a:solidFill>
-              <a:schemeClr val="tx2">
-                <a:lumMod val="75000"/>
-              </a:schemeClr>
-            </a:solidFill>
-          </a:ln>
-        </p:spPr>
-        <p:txBody>
-          <a:bodyPr wrap="square" rtlCol="0">
-            <a:spAutoFit/>
-          </a:bodyPr>
-          <a:lstStyle/>
-          <a:p>
-            <a:pPr marL="0" marR="0" lvl="0" indent="0" algn="l" defTabSz="914400" rtl="0" eaLnBrk="0" fontAlgn="base" latinLnBrk="0" hangingPunct="0">
-              <a:lnSpc>
-                <a:spcPct val="100000"/>
-              </a:lnSpc>
-              <a:spcBef>
-                <a:spcPct val="0"/>
-              </a:spcBef>
-              <a:spcAft>
-                <a:spcPct val="0"/>
-              </a:spcAft>
-              <a:buClrTx/>
-              <a:buSzTx/>
-              <a:buFontTx/>
-              <a:buNone/>
-              <a:tabLst/>
-              <a:defRPr/>
-            </a:pPr>
-            <a:r>
-              <a:rPr kumimoji="0" lang="es-CL" sz="1400" b="0" i="0" u="none" strike="noStrike" kern="1200" cap="none" spc="0" normalizeH="0" baseline="0" noProof="0" dirty="0">
-                <a:ln>
-                  <a:noFill/>
-                </a:ln>
-                <a:solidFill>
-                  <a:prstClr val="black"/>
-                </a:solidFill>
-                <a:effectLst/>
-                <a:uLnTx/>
-                <a:uFillTx/>
-                <a:latin typeface="Times" pitchFamily="-97" charset="0"/>
-                <a:ea typeface="+mn-ea"/>
-                <a:cs typeface="+mn-cs"/>
-              </a:rPr>
-              <a:t>Plataforma DATA CLIMA</a:t>
-            </a:r>
-          </a:p>
-        </p:txBody>
-      </p:sp>
-      <p:sp>
-        <p:nvSpPr>
-          <p:cNvPr id="43" name="CuadroTexto 42">
-            <a:extLst>
-              <a:ext uri="{FF2B5EF4-FFF2-40B4-BE49-F238E27FC236}">
-                <a16:creationId xmlns:a16="http://schemas.microsoft.com/office/drawing/2014/main" id="{58A3E1E0-89F1-449D-81EA-67CDD870137B}"/>
-              </a:ext>
-            </a:extLst>
-          </p:cNvPr>
-          <p:cNvSpPr txBox="1"/>
-          <p:nvPr/>
-        </p:nvSpPr>
-        <p:spPr>
-          <a:xfrm rot="16200000">
-            <a:off x="-1080869" y="3708006"/>
-            <a:ext cx="2767616" cy="461665"/>
-          </a:xfrm>
-          <a:prstGeom prst="rect">
-            <a:avLst/>
-          </a:prstGeom>
-          <a:noFill/>
-        </p:spPr>
-        <p:txBody>
-          <a:bodyPr wrap="square" rtlCol="0">
-            <a:spAutoFit/>
-          </a:bodyPr>
-          <a:lstStyle/>
-          <a:p>
-            <a:pPr marL="0" marR="0" lvl="0" indent="0" algn="l" defTabSz="914400" rtl="0" eaLnBrk="0" fontAlgn="base" latinLnBrk="0" hangingPunct="0">
-              <a:lnSpc>
-                <a:spcPct val="100000"/>
-              </a:lnSpc>
-              <a:spcBef>
-                <a:spcPct val="0"/>
-              </a:spcBef>
-              <a:spcAft>
-                <a:spcPct val="0"/>
-              </a:spcAft>
-              <a:buClrTx/>
-              <a:buSzTx/>
-              <a:buFontTx/>
-              <a:buNone/>
-              <a:tabLst/>
-              <a:defRPr/>
-            </a:pPr>
-            <a:r>
-              <a:rPr kumimoji="0" lang="es-CL" sz="2400" b="0" i="0" u="none" strike="noStrike" kern="1200" cap="none" spc="0" normalizeH="0" baseline="0" noProof="0" dirty="0">
-                <a:ln>
-                  <a:noFill/>
-                </a:ln>
-                <a:solidFill>
-                  <a:prstClr val="black"/>
-                </a:solidFill>
-                <a:effectLst/>
-                <a:uLnTx/>
-                <a:uFillTx/>
-                <a:latin typeface="Times" pitchFamily="-97" charset="0"/>
-                <a:ea typeface="+mn-ea"/>
-                <a:cs typeface="+mn-cs"/>
-              </a:rPr>
-              <a:t>PRODUCTOS</a:t>
-            </a:r>
-          </a:p>
-        </p:txBody>
-      </p:sp>
-      <p:sp>
-        <p:nvSpPr>
-          <p:cNvPr id="39" name="CuadroTexto 38">
-            <a:extLst>
-              <a:ext uri="{FF2B5EF4-FFF2-40B4-BE49-F238E27FC236}">
-                <a16:creationId xmlns:a16="http://schemas.microsoft.com/office/drawing/2014/main" id="{405F0539-307F-4620-9503-B943842D5FEA}"/>
-              </a:ext>
-            </a:extLst>
-          </p:cNvPr>
-          <p:cNvSpPr txBox="1"/>
-          <p:nvPr/>
-        </p:nvSpPr>
-        <p:spPr>
-          <a:xfrm>
-            <a:off x="767646" y="2063201"/>
-            <a:ext cx="1731945" cy="307777"/>
-          </a:xfrm>
-          <a:prstGeom prst="rect">
-            <a:avLst/>
-          </a:prstGeom>
-          <a:solidFill>
-            <a:schemeClr val="accent3">
-              <a:lumMod val="60000"/>
-              <a:lumOff val="40000"/>
-            </a:schemeClr>
-          </a:solidFill>
-          <a:ln>
-            <a:solidFill>
-              <a:schemeClr val="accent3">
-                <a:lumMod val="75000"/>
-              </a:schemeClr>
-            </a:solidFill>
-          </a:ln>
-        </p:spPr>
-        <p:txBody>
-          <a:bodyPr wrap="square" rtlCol="0">
-            <a:spAutoFit/>
-          </a:bodyPr>
-          <a:lstStyle/>
-          <a:p>
-            <a:pPr marL="0" marR="0" lvl="0" indent="0" algn="l" defTabSz="914400" rtl="0" eaLnBrk="0" fontAlgn="base" latinLnBrk="0" hangingPunct="0">
-              <a:lnSpc>
-                <a:spcPct val="100000"/>
-              </a:lnSpc>
-              <a:spcBef>
-                <a:spcPct val="0"/>
-              </a:spcBef>
-              <a:spcAft>
-                <a:spcPct val="0"/>
-              </a:spcAft>
-              <a:buClrTx/>
-              <a:buSzTx/>
-              <a:buFontTx/>
-              <a:buNone/>
-              <a:tabLst/>
-              <a:defRPr/>
-            </a:pPr>
-            <a:r>
-              <a:rPr kumimoji="0" lang="es-CL" sz="1400" b="0" i="0" u="none" strike="noStrike" kern="1200" cap="none" spc="0" normalizeH="0" baseline="0" noProof="0" dirty="0">
-                <a:ln>
-                  <a:noFill/>
-                </a:ln>
-                <a:solidFill>
-                  <a:prstClr val="black"/>
-                </a:solidFill>
-                <a:effectLst/>
-                <a:uLnTx/>
-                <a:uFillTx/>
-                <a:latin typeface="Times" pitchFamily="-97" charset="0"/>
-                <a:ea typeface="+mn-ea"/>
-                <a:cs typeface="+mn-cs"/>
-              </a:rPr>
-              <a:t>Conceptos Generales</a:t>
-            </a:r>
-          </a:p>
-        </p:txBody>
-      </p:sp>
-      <p:sp>
-        <p:nvSpPr>
-          <p:cNvPr id="41" name="CuadroTexto 40">
-            <a:extLst>
-              <a:ext uri="{FF2B5EF4-FFF2-40B4-BE49-F238E27FC236}">
-                <a16:creationId xmlns:a16="http://schemas.microsoft.com/office/drawing/2014/main" id="{6A6CF6FE-112B-492E-908B-C6B90341B773}"/>
-              </a:ext>
-            </a:extLst>
-          </p:cNvPr>
-          <p:cNvSpPr txBox="1"/>
-          <p:nvPr/>
-        </p:nvSpPr>
-        <p:spPr>
-          <a:xfrm>
-            <a:off x="767646" y="2639487"/>
-            <a:ext cx="4081670" cy="923330"/>
-          </a:xfrm>
-          <a:prstGeom prst="rect">
-            <a:avLst/>
-          </a:prstGeom>
-          <a:noFill/>
-          <a:ln w="9525">
-            <a:solidFill>
-              <a:schemeClr val="accent3">
-                <a:lumMod val="75000"/>
-              </a:schemeClr>
-            </a:solidFill>
-          </a:ln>
-        </p:spPr>
-        <p:txBody>
-          <a:bodyPr wrap="square" rtlCol="0">
-            <a:spAutoFit/>
-          </a:bodyPr>
-          <a:lstStyle/>
-          <a:p>
-            <a:pPr marL="285750" indent="-285750">
-              <a:buClr>
-                <a:schemeClr val="accent3">
-                  <a:lumMod val="75000"/>
-                </a:schemeClr>
-              </a:buClr>
-              <a:buFont typeface="Arial" panose="020B0604020202020204" pitchFamily="34" charset="0"/>
-              <a:buChar char="•"/>
-            </a:pPr>
-            <a:r>
-              <a:rPr lang="es-CL" dirty="0"/>
-              <a:t>Referir a Texto Conceptos Generales</a:t>
-            </a:r>
-          </a:p>
-          <a:p>
-            <a:pPr marL="285750" indent="-285750">
-              <a:buClr>
-                <a:schemeClr val="accent3">
-                  <a:lumMod val="75000"/>
-                </a:schemeClr>
-              </a:buClr>
-              <a:buFont typeface="Arial" panose="020B0604020202020204" pitchFamily="34" charset="0"/>
-              <a:buChar char="•"/>
-            </a:pPr>
-            <a:r>
-              <a:rPr lang="es-CL" dirty="0"/>
-              <a:t>Discutir si se utilizan figuras y </a:t>
-            </a:r>
-            <a:r>
-              <a:rPr lang="es-CL" dirty="0" err="1"/>
-              <a:t>GIFs</a:t>
-            </a:r>
-            <a:r>
-              <a:rPr lang="es-CL" dirty="0"/>
-              <a:t> adjuntos o si se crearán</a:t>
-            </a:r>
-          </a:p>
-        </p:txBody>
-      </p:sp>
-      <p:sp>
-        <p:nvSpPr>
-          <p:cNvPr id="44" name="CuadroTexto 43">
-            <a:extLst>
-              <a:ext uri="{FF2B5EF4-FFF2-40B4-BE49-F238E27FC236}">
-                <a16:creationId xmlns:a16="http://schemas.microsoft.com/office/drawing/2014/main" id="{44C9DC57-66E6-461A-8E43-FAD6E043A4DF}"/>
-              </a:ext>
-            </a:extLst>
-          </p:cNvPr>
-          <p:cNvSpPr txBox="1"/>
-          <p:nvPr/>
-        </p:nvSpPr>
-        <p:spPr>
-          <a:xfrm>
-            <a:off x="2340429" y="3581301"/>
-            <a:ext cx="936104" cy="338554"/>
-          </a:xfrm>
-          <a:prstGeom prst="rect">
-            <a:avLst/>
-          </a:prstGeom>
-          <a:noFill/>
-        </p:spPr>
-        <p:txBody>
-          <a:bodyPr wrap="square" rtlCol="0">
-            <a:spAutoFit/>
-          </a:bodyPr>
-          <a:lstStyle/>
-          <a:p>
-            <a:pPr marL="0" marR="0" lvl="0" indent="0" algn="l" defTabSz="914400" rtl="0" eaLnBrk="0" fontAlgn="base" latinLnBrk="0" hangingPunct="0">
-              <a:lnSpc>
-                <a:spcPct val="100000"/>
-              </a:lnSpc>
-              <a:spcBef>
-                <a:spcPct val="0"/>
-              </a:spcBef>
-              <a:spcAft>
-                <a:spcPct val="0"/>
-              </a:spcAft>
-              <a:buClrTx/>
-              <a:buSzTx/>
-              <a:buFontTx/>
-              <a:buNone/>
-              <a:tabLst/>
-              <a:defRPr/>
-            </a:pPr>
-            <a:r>
-              <a:rPr kumimoji="0" lang="es-CL" sz="1600" b="1" i="0" u="none" strike="noStrike" kern="1200" cap="none" spc="0" normalizeH="0" baseline="0" noProof="0" dirty="0">
-                <a:ln>
-                  <a:noFill/>
-                </a:ln>
-                <a:solidFill>
-                  <a:prstClr val="black"/>
-                </a:solidFill>
-                <a:effectLst/>
-                <a:uLnTx/>
-                <a:uFillTx/>
-                <a:latin typeface="Times" pitchFamily="-97" charset="0"/>
-                <a:ea typeface="+mn-ea"/>
-                <a:cs typeface="+mn-cs"/>
-              </a:rPr>
-              <a:t>Free</a:t>
-            </a:r>
-          </a:p>
-        </p:txBody>
-      </p:sp>
-    </p:spTree>
-    <p:extLst>
-      <p:ext uri="{BB962C8B-B14F-4D97-AF65-F5344CB8AC3E}">
-        <p14:creationId xmlns:p14="http://schemas.microsoft.com/office/powerpoint/2010/main" val="2643240212"/>
-      </p:ext>
-    </p:extLst>
-  </p:cSld>
-  <p:clrMapOvr>
-    <a:masterClrMapping/>
-  </p:clrMapOvr>
-</p:sld>
-</file>
-
-<file path=ppt/slides/slide4.xml><?xml version="1.0" encoding="utf-8"?>
-<p:sld xmlns:a="http://schemas.openxmlformats.org/drawingml/2006/main" xmlns:r="http://schemas.openxmlformats.org/officeDocument/2006/relationships" xmlns:p="http://schemas.openxmlformats.org/presentationml/2006/main">
-  <p:cSld>
-    <p:spTree>
-      <p:nvGrpSpPr>
-        <p:cNvPr id="1" name=""/>
-        <p:cNvGrpSpPr/>
-        <p:nvPr/>
-      </p:nvGrpSpPr>
-      <p:grpSpPr>
-        <a:xfrm>
-          <a:off x="0" y="0"/>
-          <a:ext cx="0" cy="0"/>
-          <a:chOff x="0" y="0"/>
-          <a:chExt cx="0" cy="0"/>
-        </a:xfrm>
-      </p:grpSpPr>
-      <p:sp>
-        <p:nvSpPr>
-          <p:cNvPr id="2" name="Título 1">
-            <a:extLst>
-              <a:ext uri="{FF2B5EF4-FFF2-40B4-BE49-F238E27FC236}">
-                <a16:creationId xmlns:a16="http://schemas.microsoft.com/office/drawing/2014/main" id="{B7567D67-0D69-4584-B3D4-6BEC4F0BC485}"/>
-              </a:ext>
-            </a:extLst>
-          </p:cNvPr>
-          <p:cNvSpPr>
-            <a:spLocks noGrp="1"/>
-          </p:cNvSpPr>
-          <p:nvPr>
-            <p:ph type="title"/>
-          </p:nvPr>
-        </p:nvSpPr>
-        <p:spPr/>
-        <p:txBody>
-          <a:bodyPr/>
-          <a:lstStyle/>
-          <a:p>
-            <a:r>
-              <a:rPr lang="es-CL" dirty="0"/>
-              <a:t>Colección DATA clima</a:t>
-            </a:r>
-          </a:p>
-        </p:txBody>
-      </p:sp>
-      <p:cxnSp>
-        <p:nvCxnSpPr>
-          <p:cNvPr id="6" name="Conector recto de flecha 5">
-            <a:extLst>
-              <a:ext uri="{FF2B5EF4-FFF2-40B4-BE49-F238E27FC236}">
-                <a16:creationId xmlns:a16="http://schemas.microsoft.com/office/drawing/2014/main" id="{2CAE975C-67FC-46F1-9FF8-2FBB57522603}"/>
-              </a:ext>
-            </a:extLst>
-          </p:cNvPr>
-          <p:cNvCxnSpPr>
-            <a:cxnSpLocks/>
-          </p:cNvCxnSpPr>
-          <p:nvPr/>
-        </p:nvCxnSpPr>
-        <p:spPr>
-          <a:xfrm flipV="1">
-            <a:off x="6705262" y="319540"/>
-            <a:ext cx="1262946" cy="949221"/>
-          </a:xfrm>
-          <a:prstGeom prst="straightConnector1">
-            <a:avLst/>
-          </a:prstGeom>
-          <a:ln>
-            <a:solidFill>
-              <a:schemeClr val="tx2">
-                <a:lumMod val="75000"/>
-              </a:schemeClr>
-            </a:solidFill>
-            <a:tailEnd type="triangle"/>
-          </a:ln>
-        </p:spPr>
-        <p:style>
-          <a:lnRef idx="1">
-            <a:schemeClr val="accent1"/>
-          </a:lnRef>
-          <a:fillRef idx="0">
-            <a:schemeClr val="accent1"/>
-          </a:fillRef>
-          <a:effectRef idx="0">
-            <a:schemeClr val="accent1"/>
-          </a:effectRef>
-          <a:fontRef idx="minor">
-            <a:schemeClr val="tx1"/>
-          </a:fontRef>
-        </p:style>
-      </p:cxnSp>
-      <p:cxnSp>
-        <p:nvCxnSpPr>
-          <p:cNvPr id="8" name="Conector recto 7">
-            <a:extLst>
-              <a:ext uri="{FF2B5EF4-FFF2-40B4-BE49-F238E27FC236}">
-                <a16:creationId xmlns:a16="http://schemas.microsoft.com/office/drawing/2014/main" id="{DF976C14-2EBA-4582-8D53-69D94302B376}"/>
-              </a:ext>
-            </a:extLst>
-          </p:cNvPr>
-          <p:cNvCxnSpPr>
-            <a:cxnSpLocks/>
-          </p:cNvCxnSpPr>
-          <p:nvPr/>
-        </p:nvCxnSpPr>
-        <p:spPr>
-          <a:xfrm>
-            <a:off x="5879976" y="1268760"/>
-            <a:ext cx="825286" cy="0"/>
-          </a:xfrm>
-          <a:prstGeom prst="line">
-            <a:avLst/>
-          </a:prstGeom>
-          <a:ln>
-            <a:solidFill>
-              <a:schemeClr val="tx2">
-                <a:lumMod val="75000"/>
-              </a:schemeClr>
-            </a:solidFill>
-          </a:ln>
-        </p:spPr>
-        <p:style>
-          <a:lnRef idx="1">
-            <a:schemeClr val="accent1"/>
-          </a:lnRef>
-          <a:fillRef idx="0">
-            <a:schemeClr val="accent1"/>
-          </a:fillRef>
-          <a:effectRef idx="0">
-            <a:schemeClr val="accent1"/>
-          </a:effectRef>
-          <a:fontRef idx="minor">
-            <a:schemeClr val="tx1"/>
-          </a:fontRef>
-        </p:style>
-      </p:cxnSp>
-      <p:cxnSp>
-        <p:nvCxnSpPr>
-          <p:cNvPr id="11" name="Conector recto de flecha 10">
-            <a:extLst>
-              <a:ext uri="{FF2B5EF4-FFF2-40B4-BE49-F238E27FC236}">
-                <a16:creationId xmlns:a16="http://schemas.microsoft.com/office/drawing/2014/main" id="{2D960987-5BA1-4919-95E0-B35D7FC5E8EB}"/>
-              </a:ext>
-            </a:extLst>
-          </p:cNvPr>
-          <p:cNvCxnSpPr>
-            <a:cxnSpLocks/>
-          </p:cNvCxnSpPr>
-          <p:nvPr/>
-        </p:nvCxnSpPr>
-        <p:spPr>
-          <a:xfrm flipV="1">
-            <a:off x="6705262" y="705247"/>
-            <a:ext cx="1262946" cy="563514"/>
-          </a:xfrm>
-          <a:prstGeom prst="straightConnector1">
-            <a:avLst/>
-          </a:prstGeom>
-          <a:ln>
-            <a:solidFill>
-              <a:schemeClr val="tx2">
-                <a:lumMod val="75000"/>
-              </a:schemeClr>
-            </a:solidFill>
-            <a:tailEnd type="triangle"/>
-          </a:ln>
-        </p:spPr>
-        <p:style>
-          <a:lnRef idx="1">
-            <a:schemeClr val="accent1"/>
-          </a:lnRef>
-          <a:fillRef idx="0">
-            <a:schemeClr val="accent1"/>
-          </a:fillRef>
-          <a:effectRef idx="0">
-            <a:schemeClr val="accent1"/>
-          </a:effectRef>
-          <a:fontRef idx="minor">
-            <a:schemeClr val="tx1"/>
-          </a:fontRef>
-        </p:style>
-      </p:cxnSp>
-      <p:cxnSp>
-        <p:nvCxnSpPr>
-          <p:cNvPr id="15" name="Conector recto de flecha 14">
-            <a:extLst>
-              <a:ext uri="{FF2B5EF4-FFF2-40B4-BE49-F238E27FC236}">
-                <a16:creationId xmlns:a16="http://schemas.microsoft.com/office/drawing/2014/main" id="{807455D9-571B-4E10-9F44-F57E5E5166EB}"/>
-              </a:ext>
-            </a:extLst>
-          </p:cNvPr>
-          <p:cNvCxnSpPr>
-            <a:cxnSpLocks/>
-          </p:cNvCxnSpPr>
-          <p:nvPr/>
-        </p:nvCxnSpPr>
-        <p:spPr>
-          <a:xfrm flipV="1">
-            <a:off x="6705262" y="1086586"/>
-            <a:ext cx="1262946" cy="182174"/>
-          </a:xfrm>
-          <a:prstGeom prst="straightConnector1">
-            <a:avLst/>
-          </a:prstGeom>
-          <a:ln>
-            <a:solidFill>
-              <a:schemeClr val="tx2">
-                <a:lumMod val="75000"/>
-              </a:schemeClr>
-            </a:solidFill>
-            <a:tailEnd type="triangle"/>
-          </a:ln>
-        </p:spPr>
-        <p:style>
-          <a:lnRef idx="1">
-            <a:schemeClr val="accent1"/>
-          </a:lnRef>
-          <a:fillRef idx="0">
-            <a:schemeClr val="accent1"/>
-          </a:fillRef>
-          <a:effectRef idx="0">
-            <a:schemeClr val="accent1"/>
-          </a:effectRef>
-          <a:fontRef idx="minor">
-            <a:schemeClr val="tx1"/>
-          </a:fontRef>
-        </p:style>
-      </p:cxnSp>
-      <p:sp>
-        <p:nvSpPr>
-          <p:cNvPr id="18" name="CuadroTexto 17">
-            <a:extLst>
-              <a:ext uri="{FF2B5EF4-FFF2-40B4-BE49-F238E27FC236}">
-                <a16:creationId xmlns:a16="http://schemas.microsoft.com/office/drawing/2014/main" id="{BC0683E7-CFC4-47E8-86BC-9EA8E791F70B}"/>
-              </a:ext>
-            </a:extLst>
-          </p:cNvPr>
-          <p:cNvSpPr txBox="1"/>
-          <p:nvPr/>
-        </p:nvSpPr>
-        <p:spPr>
-          <a:xfrm>
-            <a:off x="5879976" y="991762"/>
-            <a:ext cx="936104" cy="276998"/>
-          </a:xfrm>
-          <a:prstGeom prst="rect">
-            <a:avLst/>
-          </a:prstGeom>
-          <a:noFill/>
-        </p:spPr>
-        <p:txBody>
-          <a:bodyPr wrap="square" rtlCol="0">
-            <a:spAutoFit/>
-          </a:bodyPr>
-          <a:lstStyle/>
-          <a:p>
-            <a:pPr marL="0" marR="0" lvl="0" indent="0" algn="l" defTabSz="914400" rtl="0" eaLnBrk="0" fontAlgn="base" latinLnBrk="0" hangingPunct="0">
-              <a:lnSpc>
-                <a:spcPct val="100000"/>
-              </a:lnSpc>
-              <a:spcBef>
-                <a:spcPct val="0"/>
-              </a:spcBef>
-              <a:spcAft>
-                <a:spcPct val="0"/>
-              </a:spcAft>
-              <a:buClrTx/>
-              <a:buSzTx/>
-              <a:buFontTx/>
-              <a:buNone/>
-              <a:tabLst/>
-              <a:defRPr/>
-            </a:pPr>
-            <a:r>
-              <a:rPr kumimoji="0" lang="es-CL" sz="1200" b="0" i="1" u="none" strike="noStrike" kern="1200" cap="none" spc="0" normalizeH="0" baseline="0" noProof="0" dirty="0">
-                <a:ln>
-                  <a:noFill/>
-                </a:ln>
-                <a:solidFill>
-                  <a:prstClr val="black"/>
-                </a:solidFill>
-                <a:effectLst/>
-                <a:uLnTx/>
-                <a:uFillTx/>
-                <a:latin typeface="Times" pitchFamily="-97" charset="0"/>
-                <a:ea typeface="+mn-ea"/>
-                <a:cs typeface="+mn-cs"/>
-              </a:rPr>
-              <a:t>Categorías</a:t>
-            </a:r>
-          </a:p>
-        </p:txBody>
-      </p:sp>
-      <p:sp>
-        <p:nvSpPr>
-          <p:cNvPr id="19" name="CuadroTexto 18">
-            <a:extLst>
-              <a:ext uri="{FF2B5EF4-FFF2-40B4-BE49-F238E27FC236}">
-                <a16:creationId xmlns:a16="http://schemas.microsoft.com/office/drawing/2014/main" id="{1562B58E-5CC4-4052-96E1-05699A57B104}"/>
-              </a:ext>
-            </a:extLst>
-          </p:cNvPr>
-          <p:cNvSpPr txBox="1"/>
-          <p:nvPr/>
-        </p:nvSpPr>
-        <p:spPr>
-          <a:xfrm>
-            <a:off x="8036463" y="165650"/>
-            <a:ext cx="1731945" cy="307777"/>
-          </a:xfrm>
-          <a:prstGeom prst="rect">
-            <a:avLst/>
-          </a:prstGeom>
-          <a:solidFill>
-            <a:schemeClr val="accent3">
-              <a:lumMod val="60000"/>
-              <a:lumOff val="40000"/>
-            </a:schemeClr>
-          </a:solidFill>
-          <a:ln>
-            <a:solidFill>
-              <a:schemeClr val="accent3">
-                <a:lumMod val="75000"/>
-              </a:schemeClr>
-            </a:solidFill>
-          </a:ln>
-        </p:spPr>
-        <p:txBody>
-          <a:bodyPr wrap="square" rtlCol="0">
-            <a:spAutoFit/>
-          </a:bodyPr>
-          <a:lstStyle/>
-          <a:p>
-            <a:pPr marL="0" marR="0" lvl="0" indent="0" algn="l" defTabSz="914400" rtl="0" eaLnBrk="0" fontAlgn="base" latinLnBrk="0" hangingPunct="0">
-              <a:lnSpc>
-                <a:spcPct val="100000"/>
-              </a:lnSpc>
-              <a:spcBef>
-                <a:spcPct val="0"/>
-              </a:spcBef>
-              <a:spcAft>
-                <a:spcPct val="0"/>
-              </a:spcAft>
-              <a:buClrTx/>
-              <a:buSzTx/>
-              <a:buFontTx/>
-              <a:buNone/>
-              <a:tabLst/>
-              <a:defRPr/>
-            </a:pPr>
-            <a:r>
-              <a:rPr kumimoji="0" lang="es-CL" sz="1400" b="0" i="0" u="none" strike="noStrike" kern="1200" cap="none" spc="0" normalizeH="0" baseline="0" noProof="0" dirty="0">
-                <a:ln>
-                  <a:noFill/>
-                </a:ln>
-                <a:solidFill>
-                  <a:prstClr val="black"/>
-                </a:solidFill>
-                <a:effectLst/>
-                <a:uLnTx/>
-                <a:uFillTx/>
-                <a:latin typeface="Times" pitchFamily="-97" charset="0"/>
-                <a:ea typeface="+mn-ea"/>
-                <a:cs typeface="+mn-cs"/>
-              </a:rPr>
-              <a:t>Conceptos Generales</a:t>
-            </a:r>
-          </a:p>
-        </p:txBody>
-      </p:sp>
-      <p:sp>
-        <p:nvSpPr>
-          <p:cNvPr id="22" name="CuadroTexto 21">
-            <a:extLst>
-              <a:ext uri="{FF2B5EF4-FFF2-40B4-BE49-F238E27FC236}">
-                <a16:creationId xmlns:a16="http://schemas.microsoft.com/office/drawing/2014/main" id="{4FB5B52C-85BB-4558-820D-0665660D4B24}"/>
-              </a:ext>
-            </a:extLst>
-          </p:cNvPr>
-          <p:cNvSpPr txBox="1"/>
-          <p:nvPr/>
-        </p:nvSpPr>
-        <p:spPr>
-          <a:xfrm>
-            <a:off x="8036463" y="541933"/>
-            <a:ext cx="2091985" cy="307777"/>
-          </a:xfrm>
-          <a:prstGeom prst="rect">
-            <a:avLst/>
-          </a:prstGeom>
-          <a:solidFill>
-            <a:schemeClr val="accent4">
-              <a:lumMod val="40000"/>
-              <a:lumOff val="60000"/>
-            </a:schemeClr>
-          </a:solidFill>
-          <a:ln>
-            <a:solidFill>
-              <a:srgbClr val="FFC000"/>
-            </a:solidFill>
-          </a:ln>
-        </p:spPr>
-        <p:txBody>
-          <a:bodyPr wrap="square" rtlCol="0">
-            <a:spAutoFit/>
-          </a:bodyPr>
-          <a:lstStyle/>
-          <a:p>
-            <a:pPr marL="0" marR="0" lvl="0" indent="0" algn="l" defTabSz="914400" rtl="0" eaLnBrk="0" fontAlgn="base" latinLnBrk="0" hangingPunct="0">
-              <a:lnSpc>
-                <a:spcPct val="100000"/>
-              </a:lnSpc>
-              <a:spcBef>
-                <a:spcPct val="0"/>
-              </a:spcBef>
-              <a:spcAft>
-                <a:spcPct val="0"/>
-              </a:spcAft>
-              <a:buClrTx/>
-              <a:buSzTx/>
-              <a:buFontTx/>
-              <a:buNone/>
-              <a:tabLst/>
-              <a:defRPr/>
-            </a:pPr>
-            <a:r>
-              <a:rPr kumimoji="0" lang="es-CL" sz="1400" b="0" i="0" u="none" strike="noStrike" kern="1200" cap="none" spc="0" normalizeH="0" baseline="0" noProof="0" dirty="0">
-                <a:ln>
-                  <a:noFill/>
-                </a:ln>
-                <a:solidFill>
-                  <a:prstClr val="black"/>
-                </a:solidFill>
-                <a:effectLst/>
-                <a:uLnTx/>
-                <a:uFillTx/>
-                <a:latin typeface="Times" pitchFamily="-97" charset="0"/>
-                <a:ea typeface="+mn-ea"/>
-                <a:cs typeface="+mn-cs"/>
-              </a:rPr>
-              <a:t>Causas Cambio Climático</a:t>
-            </a:r>
-          </a:p>
-        </p:txBody>
-      </p:sp>
-      <p:sp>
-        <p:nvSpPr>
-          <p:cNvPr id="24" name="CuadroTexto 23">
-            <a:extLst>
-              <a:ext uri="{FF2B5EF4-FFF2-40B4-BE49-F238E27FC236}">
-                <a16:creationId xmlns:a16="http://schemas.microsoft.com/office/drawing/2014/main" id="{04B47D01-5DA8-4499-BE5F-94E4DE916970}"/>
-              </a:ext>
-            </a:extLst>
-          </p:cNvPr>
-          <p:cNvSpPr txBox="1"/>
-          <p:nvPr/>
-        </p:nvSpPr>
-        <p:spPr>
-          <a:xfrm>
-            <a:off x="8036463" y="925659"/>
-            <a:ext cx="2236001" cy="307777"/>
-          </a:xfrm>
-          <a:prstGeom prst="rect">
-            <a:avLst/>
-          </a:prstGeom>
-          <a:solidFill>
-            <a:schemeClr val="accent1">
-              <a:lumMod val="60000"/>
-              <a:lumOff val="40000"/>
-            </a:schemeClr>
-          </a:solidFill>
-          <a:ln>
-            <a:solidFill>
-              <a:schemeClr val="accent1">
-                <a:lumMod val="75000"/>
-              </a:schemeClr>
-            </a:solidFill>
-          </a:ln>
-        </p:spPr>
-        <p:txBody>
-          <a:bodyPr wrap="square" rtlCol="0">
-            <a:spAutoFit/>
-          </a:bodyPr>
-          <a:lstStyle/>
-          <a:p>
-            <a:pPr marL="0" marR="0" lvl="0" indent="0" algn="l" defTabSz="914400" rtl="0" eaLnBrk="0" fontAlgn="base" latinLnBrk="0" hangingPunct="0">
-              <a:lnSpc>
-                <a:spcPct val="100000"/>
-              </a:lnSpc>
-              <a:spcBef>
-                <a:spcPct val="0"/>
-              </a:spcBef>
-              <a:spcAft>
-                <a:spcPct val="0"/>
-              </a:spcAft>
-              <a:buClrTx/>
-              <a:buSzTx/>
-              <a:buFontTx/>
-              <a:buNone/>
-              <a:tabLst/>
-              <a:defRPr/>
-            </a:pPr>
-            <a:r>
-              <a:rPr kumimoji="0" lang="es-CL" sz="1400" b="0" i="0" u="none" strike="noStrike" kern="1200" cap="none" spc="0" normalizeH="0" baseline="0" noProof="0" dirty="0">
-                <a:ln>
-                  <a:noFill/>
-                </a:ln>
-                <a:solidFill>
-                  <a:prstClr val="black"/>
-                </a:solidFill>
-                <a:effectLst/>
-                <a:uLnTx/>
-                <a:uFillTx/>
-                <a:latin typeface="Times" pitchFamily="-97" charset="0"/>
-                <a:ea typeface="+mn-ea"/>
-                <a:cs typeface="+mn-cs"/>
-              </a:rPr>
-              <a:t>Impactos Cambio Climático</a:t>
-            </a:r>
-          </a:p>
-        </p:txBody>
-      </p:sp>
-      <p:cxnSp>
-        <p:nvCxnSpPr>
-          <p:cNvPr id="26" name="Conector recto de flecha 25">
-            <a:extLst>
-              <a:ext uri="{FF2B5EF4-FFF2-40B4-BE49-F238E27FC236}">
-                <a16:creationId xmlns:a16="http://schemas.microsoft.com/office/drawing/2014/main" id="{B80205CA-BC4B-4AC7-9C57-3A38F6587C5A}"/>
-              </a:ext>
-            </a:extLst>
-          </p:cNvPr>
-          <p:cNvCxnSpPr>
-            <a:cxnSpLocks/>
-          </p:cNvCxnSpPr>
-          <p:nvPr/>
-        </p:nvCxnSpPr>
-        <p:spPr>
-          <a:xfrm>
-            <a:off x="6705262" y="1268760"/>
-            <a:ext cx="1262946" cy="182174"/>
-          </a:xfrm>
-          <a:prstGeom prst="straightConnector1">
-            <a:avLst/>
-          </a:prstGeom>
-          <a:ln>
-            <a:solidFill>
-              <a:schemeClr val="tx2">
-                <a:lumMod val="75000"/>
-              </a:schemeClr>
-            </a:solidFill>
-            <a:tailEnd type="triangle"/>
-          </a:ln>
-        </p:spPr>
-        <p:style>
-          <a:lnRef idx="1">
-            <a:schemeClr val="accent1"/>
-          </a:lnRef>
-          <a:fillRef idx="0">
-            <a:schemeClr val="accent1"/>
-          </a:fillRef>
-          <a:effectRef idx="0">
-            <a:schemeClr val="accent1"/>
-          </a:effectRef>
-          <a:fontRef idx="minor">
-            <a:schemeClr val="tx1"/>
-          </a:fontRef>
-        </p:style>
-      </p:cxnSp>
-      <p:sp>
-        <p:nvSpPr>
-          <p:cNvPr id="28" name="CuadroTexto 27">
-            <a:extLst>
-              <a:ext uri="{FF2B5EF4-FFF2-40B4-BE49-F238E27FC236}">
-                <a16:creationId xmlns:a16="http://schemas.microsoft.com/office/drawing/2014/main" id="{7D1E1CA8-7844-48FC-BD23-2F607EAC0074}"/>
-              </a:ext>
-            </a:extLst>
-          </p:cNvPr>
-          <p:cNvSpPr txBox="1"/>
-          <p:nvPr/>
-        </p:nvSpPr>
-        <p:spPr>
-          <a:xfrm>
-            <a:off x="8036463" y="1309378"/>
-            <a:ext cx="2524033" cy="307777"/>
-          </a:xfrm>
-          <a:prstGeom prst="rect">
-            <a:avLst/>
-          </a:prstGeom>
-          <a:solidFill>
-            <a:schemeClr val="accent6">
-              <a:lumMod val="40000"/>
-              <a:lumOff val="60000"/>
-            </a:schemeClr>
-          </a:solidFill>
-          <a:ln>
-            <a:solidFill>
-              <a:schemeClr val="accent6">
-                <a:lumMod val="75000"/>
-              </a:schemeClr>
-            </a:solidFill>
-          </a:ln>
-        </p:spPr>
-        <p:txBody>
-          <a:bodyPr wrap="square" rtlCol="0">
-            <a:spAutoFit/>
-          </a:bodyPr>
-          <a:lstStyle/>
-          <a:p>
-            <a:pPr marL="0" marR="0" lvl="0" indent="0" algn="l" defTabSz="914400" rtl="0" eaLnBrk="0" fontAlgn="base" latinLnBrk="0" hangingPunct="0">
-              <a:lnSpc>
-                <a:spcPct val="100000"/>
-              </a:lnSpc>
-              <a:spcBef>
-                <a:spcPct val="0"/>
-              </a:spcBef>
-              <a:spcAft>
-                <a:spcPct val="0"/>
-              </a:spcAft>
-              <a:buClrTx/>
-              <a:buSzTx/>
-              <a:buFontTx/>
-              <a:buNone/>
-              <a:tabLst/>
-              <a:defRPr/>
-            </a:pPr>
-            <a:r>
-              <a:rPr kumimoji="0" lang="es-CL" sz="1400" b="0" i="0" u="none" strike="noStrike" kern="1200" cap="none" spc="0" normalizeH="0" baseline="0" noProof="0" dirty="0">
-                <a:ln>
-                  <a:noFill/>
-                </a:ln>
-                <a:solidFill>
-                  <a:prstClr val="black"/>
-                </a:solidFill>
-                <a:effectLst/>
-                <a:uLnTx/>
-                <a:uFillTx/>
-                <a:latin typeface="Times" pitchFamily="-97" charset="0"/>
-                <a:ea typeface="+mn-ea"/>
-                <a:cs typeface="+mn-cs"/>
-              </a:rPr>
-              <a:t>Proyecciones Cambio Climático</a:t>
-            </a:r>
-          </a:p>
-        </p:txBody>
-      </p:sp>
-      <p:cxnSp>
-        <p:nvCxnSpPr>
-          <p:cNvPr id="38" name="Conector recto de flecha 37">
-            <a:extLst>
-              <a:ext uri="{FF2B5EF4-FFF2-40B4-BE49-F238E27FC236}">
-                <a16:creationId xmlns:a16="http://schemas.microsoft.com/office/drawing/2014/main" id="{7B4CB9E4-BCF4-45F2-B0C7-AB589861469D}"/>
-              </a:ext>
-            </a:extLst>
-          </p:cNvPr>
-          <p:cNvCxnSpPr>
-            <a:cxnSpLocks/>
-          </p:cNvCxnSpPr>
-          <p:nvPr/>
-        </p:nvCxnSpPr>
-        <p:spPr>
-          <a:xfrm>
-            <a:off x="6705262" y="1268760"/>
-            <a:ext cx="1262946" cy="564781"/>
-          </a:xfrm>
-          <a:prstGeom prst="straightConnector1">
-            <a:avLst/>
-          </a:prstGeom>
-          <a:ln>
-            <a:solidFill>
-              <a:schemeClr val="tx2">
-                <a:lumMod val="75000"/>
-              </a:schemeClr>
-            </a:solidFill>
-            <a:tailEnd type="triangle"/>
-          </a:ln>
-        </p:spPr>
-        <p:style>
-          <a:lnRef idx="1">
-            <a:schemeClr val="accent1"/>
-          </a:lnRef>
-          <a:fillRef idx="0">
-            <a:schemeClr val="accent1"/>
-          </a:fillRef>
-          <a:effectRef idx="0">
-            <a:schemeClr val="accent1"/>
-          </a:effectRef>
-          <a:fontRef idx="minor">
-            <a:schemeClr val="tx1"/>
-          </a:fontRef>
-        </p:style>
-      </p:cxnSp>
-      <p:sp>
-        <p:nvSpPr>
-          <p:cNvPr id="40" name="CuadroTexto 39">
-            <a:extLst>
-              <a:ext uri="{FF2B5EF4-FFF2-40B4-BE49-F238E27FC236}">
-                <a16:creationId xmlns:a16="http://schemas.microsoft.com/office/drawing/2014/main" id="{328B240F-D295-43FD-9E81-25E246797ADE}"/>
-              </a:ext>
-            </a:extLst>
-          </p:cNvPr>
-          <p:cNvSpPr txBox="1"/>
-          <p:nvPr/>
-        </p:nvSpPr>
-        <p:spPr>
-          <a:xfrm>
-            <a:off x="8036462" y="1693638"/>
-            <a:ext cx="2524033" cy="307777"/>
-          </a:xfrm>
-          <a:prstGeom prst="rect">
-            <a:avLst/>
-          </a:prstGeom>
-          <a:solidFill>
-            <a:schemeClr val="tx2">
-              <a:lumMod val="40000"/>
-              <a:lumOff val="60000"/>
-            </a:schemeClr>
-          </a:solidFill>
-          <a:ln>
-            <a:solidFill>
-              <a:schemeClr val="tx2">
-                <a:lumMod val="75000"/>
-              </a:schemeClr>
-            </a:solidFill>
-          </a:ln>
-        </p:spPr>
-        <p:txBody>
-          <a:bodyPr wrap="square" rtlCol="0">
-            <a:spAutoFit/>
-          </a:bodyPr>
-          <a:lstStyle/>
-          <a:p>
-            <a:pPr marL="0" marR="0" lvl="0" indent="0" algn="l" defTabSz="914400" rtl="0" eaLnBrk="0" fontAlgn="base" latinLnBrk="0" hangingPunct="0">
-              <a:lnSpc>
-                <a:spcPct val="100000"/>
-              </a:lnSpc>
-              <a:spcBef>
-                <a:spcPct val="0"/>
-              </a:spcBef>
-              <a:spcAft>
-                <a:spcPct val="0"/>
-              </a:spcAft>
-              <a:buClrTx/>
-              <a:buSzTx/>
-              <a:buFontTx/>
-              <a:buNone/>
-              <a:tabLst/>
-              <a:defRPr/>
-            </a:pPr>
-            <a:r>
-              <a:rPr kumimoji="0" lang="es-CL" sz="1400" b="0" i="0" u="none" strike="noStrike" kern="1200" cap="none" spc="0" normalizeH="0" baseline="0" noProof="0" dirty="0">
-                <a:ln>
-                  <a:noFill/>
-                </a:ln>
-                <a:solidFill>
-                  <a:prstClr val="black"/>
-                </a:solidFill>
-                <a:effectLst/>
-                <a:uLnTx/>
-                <a:uFillTx/>
-                <a:latin typeface="Times" pitchFamily="-97" charset="0"/>
-                <a:ea typeface="+mn-ea"/>
-                <a:cs typeface="+mn-cs"/>
-              </a:rPr>
-              <a:t>Plataforma DATA CLIMA</a:t>
-            </a:r>
-          </a:p>
-        </p:txBody>
-      </p:sp>
-      <p:sp>
-        <p:nvSpPr>
-          <p:cNvPr id="43" name="CuadroTexto 42">
-            <a:extLst>
-              <a:ext uri="{FF2B5EF4-FFF2-40B4-BE49-F238E27FC236}">
-                <a16:creationId xmlns:a16="http://schemas.microsoft.com/office/drawing/2014/main" id="{58A3E1E0-89F1-449D-81EA-67CDD870137B}"/>
-              </a:ext>
-            </a:extLst>
-          </p:cNvPr>
-          <p:cNvSpPr txBox="1"/>
-          <p:nvPr/>
-        </p:nvSpPr>
-        <p:spPr>
-          <a:xfrm rot="16200000">
-            <a:off x="-1080869" y="3708006"/>
-            <a:ext cx="2767616" cy="461665"/>
-          </a:xfrm>
-          <a:prstGeom prst="rect">
-            <a:avLst/>
-          </a:prstGeom>
-          <a:noFill/>
-        </p:spPr>
-        <p:txBody>
-          <a:bodyPr wrap="square" rtlCol="0">
-            <a:spAutoFit/>
-          </a:bodyPr>
-          <a:lstStyle/>
-          <a:p>
-            <a:pPr marL="0" marR="0" lvl="0" indent="0" algn="l" defTabSz="914400" rtl="0" eaLnBrk="0" fontAlgn="base" latinLnBrk="0" hangingPunct="0">
-              <a:lnSpc>
-                <a:spcPct val="100000"/>
-              </a:lnSpc>
-              <a:spcBef>
-                <a:spcPct val="0"/>
-              </a:spcBef>
-              <a:spcAft>
-                <a:spcPct val="0"/>
-              </a:spcAft>
-              <a:buClrTx/>
-              <a:buSzTx/>
-              <a:buFontTx/>
-              <a:buNone/>
-              <a:tabLst/>
-              <a:defRPr/>
-            </a:pPr>
-            <a:r>
-              <a:rPr kumimoji="0" lang="es-CL" sz="2400" b="0" i="0" u="none" strike="noStrike" kern="1200" cap="none" spc="0" normalizeH="0" baseline="0" noProof="0" dirty="0">
-                <a:ln>
-                  <a:noFill/>
-                </a:ln>
-                <a:solidFill>
-                  <a:prstClr val="black"/>
-                </a:solidFill>
-                <a:effectLst/>
-                <a:uLnTx/>
-                <a:uFillTx/>
-                <a:latin typeface="Times" pitchFamily="-97" charset="0"/>
-                <a:ea typeface="+mn-ea"/>
-                <a:cs typeface="+mn-cs"/>
-              </a:rPr>
-              <a:t>PRODUCTOS</a:t>
-            </a:r>
-          </a:p>
-        </p:txBody>
-      </p:sp>
-      <p:sp>
-        <p:nvSpPr>
-          <p:cNvPr id="45" name="CuadroTexto 44">
-            <a:extLst>
-              <a:ext uri="{FF2B5EF4-FFF2-40B4-BE49-F238E27FC236}">
-                <a16:creationId xmlns:a16="http://schemas.microsoft.com/office/drawing/2014/main" id="{D8878651-2B27-4F39-AB19-230C2D492DC0}"/>
-              </a:ext>
-            </a:extLst>
-          </p:cNvPr>
-          <p:cNvSpPr txBox="1"/>
-          <p:nvPr/>
-        </p:nvSpPr>
-        <p:spPr>
-          <a:xfrm>
-            <a:off x="783736" y="2019585"/>
-            <a:ext cx="2091985" cy="307777"/>
-          </a:xfrm>
-          <a:prstGeom prst="rect">
-            <a:avLst/>
-          </a:prstGeom>
-          <a:solidFill>
-            <a:schemeClr val="accent4">
-              <a:lumMod val="40000"/>
-              <a:lumOff val="60000"/>
-            </a:schemeClr>
-          </a:solidFill>
-          <a:ln>
-            <a:solidFill>
-              <a:srgbClr val="FFC000"/>
-            </a:solidFill>
-          </a:ln>
-        </p:spPr>
-        <p:txBody>
-          <a:bodyPr wrap="square" rtlCol="0">
-            <a:spAutoFit/>
-          </a:bodyPr>
-          <a:lstStyle/>
-          <a:p>
-            <a:pPr marL="0" marR="0" lvl="0" indent="0" algn="l" defTabSz="914400" rtl="0" eaLnBrk="0" fontAlgn="base" latinLnBrk="0" hangingPunct="0">
-              <a:lnSpc>
-                <a:spcPct val="100000"/>
-              </a:lnSpc>
-              <a:spcBef>
-                <a:spcPct val="0"/>
-              </a:spcBef>
-              <a:spcAft>
-                <a:spcPct val="0"/>
-              </a:spcAft>
-              <a:buClrTx/>
-              <a:buSzTx/>
-              <a:buFontTx/>
-              <a:buNone/>
-              <a:tabLst/>
-              <a:defRPr/>
-            </a:pPr>
-            <a:r>
-              <a:rPr kumimoji="0" lang="es-CL" sz="1400" b="0" i="0" u="none" strike="noStrike" kern="1200" cap="none" spc="0" normalizeH="0" baseline="0" noProof="0" dirty="0">
-                <a:ln>
-                  <a:noFill/>
-                </a:ln>
-                <a:solidFill>
-                  <a:prstClr val="black"/>
-                </a:solidFill>
-                <a:effectLst/>
-                <a:uLnTx/>
-                <a:uFillTx/>
-                <a:latin typeface="Times" pitchFamily="-97" charset="0"/>
-                <a:ea typeface="+mn-ea"/>
-                <a:cs typeface="+mn-cs"/>
-              </a:rPr>
-              <a:t>Causas Cambio Climático</a:t>
-            </a:r>
-          </a:p>
-        </p:txBody>
-      </p:sp>
-      <p:sp>
-        <p:nvSpPr>
-          <p:cNvPr id="49" name="CuadroTexto 48">
-            <a:extLst>
-              <a:ext uri="{FF2B5EF4-FFF2-40B4-BE49-F238E27FC236}">
-                <a16:creationId xmlns:a16="http://schemas.microsoft.com/office/drawing/2014/main" id="{BD7C2829-65D1-49B9-ACED-7998583BDAE1}"/>
-              </a:ext>
-            </a:extLst>
-          </p:cNvPr>
-          <p:cNvSpPr txBox="1"/>
-          <p:nvPr/>
-        </p:nvSpPr>
-        <p:spPr>
-          <a:xfrm>
-            <a:off x="3265770" y="2585808"/>
-            <a:ext cx="1512168" cy="461665"/>
-          </a:xfrm>
-          <a:prstGeom prst="rect">
-            <a:avLst/>
-          </a:prstGeom>
-          <a:solidFill>
-            <a:schemeClr val="accent4">
-              <a:lumMod val="40000"/>
-              <a:lumOff val="60000"/>
-            </a:schemeClr>
-          </a:solidFill>
-          <a:ln w="28575">
-            <a:solidFill>
-              <a:srgbClr val="FFC000"/>
-            </a:solidFill>
-          </a:ln>
-        </p:spPr>
-        <p:txBody>
-          <a:bodyPr wrap="square" rtlCol="0">
-            <a:spAutoFit/>
-          </a:bodyPr>
-          <a:lstStyle/>
-          <a:p>
-            <a:pPr marL="0" marR="0" lvl="0" indent="0" algn="ctr" defTabSz="914400" rtl="0" eaLnBrk="0" fontAlgn="base" latinLnBrk="0" hangingPunct="0">
-              <a:lnSpc>
-                <a:spcPct val="100000"/>
-              </a:lnSpc>
-              <a:spcBef>
-                <a:spcPct val="0"/>
-              </a:spcBef>
-              <a:spcAft>
-                <a:spcPct val="0"/>
-              </a:spcAft>
-              <a:buClrTx/>
-              <a:buSzTx/>
-              <a:buFontTx/>
-              <a:buNone/>
-              <a:tabLst/>
-              <a:defRPr/>
-            </a:pPr>
-            <a:r>
-              <a:rPr kumimoji="0" lang="es-CL" sz="1200" b="0" i="0" u="none" strike="noStrike" kern="1200" cap="none" spc="0" normalizeH="0" baseline="0" noProof="0" dirty="0">
-                <a:ln>
-                  <a:noFill/>
-                </a:ln>
-                <a:solidFill>
-                  <a:prstClr val="black"/>
-                </a:solidFill>
-                <a:effectLst/>
-                <a:uLnTx/>
-                <a:uFillTx/>
-                <a:latin typeface="Times" pitchFamily="-97" charset="0"/>
-                <a:ea typeface="+mn-ea"/>
-                <a:cs typeface="+mn-cs"/>
-              </a:rPr>
-              <a:t>Causas </a:t>
-            </a:r>
-            <a:r>
-              <a:rPr kumimoji="0" lang="es-CL" sz="1200" b="0" i="0" u="none" strike="noStrike" kern="1200" cap="none" spc="0" normalizeH="0" baseline="0" noProof="0" dirty="0" err="1">
-                <a:ln>
-                  <a:noFill/>
-                </a:ln>
-                <a:solidFill>
-                  <a:prstClr val="black"/>
-                </a:solidFill>
-                <a:effectLst/>
-                <a:uLnTx/>
-                <a:uFillTx/>
-                <a:latin typeface="Times" pitchFamily="-97" charset="0"/>
-                <a:ea typeface="+mn-ea"/>
-                <a:cs typeface="+mn-cs"/>
-              </a:rPr>
-              <a:t>Antropógenas</a:t>
-            </a:r>
-            <a:r>
-              <a:rPr kumimoji="0" lang="es-CL" sz="1200" b="0" i="0" u="none" strike="noStrike" kern="1200" cap="none" spc="0" normalizeH="0" baseline="0" noProof="0" dirty="0">
-                <a:ln>
-                  <a:noFill/>
-                </a:ln>
-                <a:solidFill>
-                  <a:prstClr val="black"/>
-                </a:solidFill>
-                <a:effectLst/>
-                <a:uLnTx/>
-                <a:uFillTx/>
-                <a:latin typeface="Times" pitchFamily="-97" charset="0"/>
-                <a:ea typeface="+mn-ea"/>
-                <a:cs typeface="+mn-cs"/>
-              </a:rPr>
-              <a:t> Chile</a:t>
-            </a:r>
-          </a:p>
-        </p:txBody>
-      </p:sp>
-      <p:sp>
-        <p:nvSpPr>
-          <p:cNvPr id="51" name="CuadroTexto 50">
-            <a:extLst>
-              <a:ext uri="{FF2B5EF4-FFF2-40B4-BE49-F238E27FC236}">
-                <a16:creationId xmlns:a16="http://schemas.microsoft.com/office/drawing/2014/main" id="{D8488D48-3F10-4979-B252-DC6EAA3C3EEC}"/>
-              </a:ext>
-            </a:extLst>
-          </p:cNvPr>
-          <p:cNvSpPr txBox="1"/>
-          <p:nvPr/>
-        </p:nvSpPr>
-        <p:spPr>
-          <a:xfrm>
-            <a:off x="4846192" y="2585808"/>
-            <a:ext cx="1512168" cy="461665"/>
-          </a:xfrm>
-          <a:prstGeom prst="rect">
-            <a:avLst/>
-          </a:prstGeom>
-          <a:solidFill>
-            <a:schemeClr val="accent4">
-              <a:lumMod val="40000"/>
-              <a:lumOff val="60000"/>
-            </a:schemeClr>
-          </a:solidFill>
-          <a:ln w="28575">
-            <a:solidFill>
-              <a:srgbClr val="FFC000"/>
-            </a:solidFill>
-          </a:ln>
-        </p:spPr>
-        <p:txBody>
-          <a:bodyPr wrap="square" rtlCol="0">
-            <a:spAutoFit/>
-          </a:bodyPr>
-          <a:lstStyle/>
-          <a:p>
-            <a:pPr marL="0" marR="0" lvl="0" indent="0" algn="ctr" defTabSz="914400" rtl="0" eaLnBrk="0" fontAlgn="base" latinLnBrk="0" hangingPunct="0">
-              <a:lnSpc>
-                <a:spcPct val="100000"/>
-              </a:lnSpc>
-              <a:spcBef>
-                <a:spcPct val="0"/>
-              </a:spcBef>
-              <a:spcAft>
-                <a:spcPct val="0"/>
-              </a:spcAft>
-              <a:buClrTx/>
-              <a:buSzTx/>
-              <a:buFontTx/>
-              <a:buNone/>
-              <a:tabLst/>
-              <a:defRPr/>
-            </a:pPr>
-            <a:r>
-              <a:rPr kumimoji="0" lang="es-CL" sz="1200" b="0" i="0" u="none" strike="noStrike" kern="1200" cap="none" spc="0" normalizeH="0" baseline="0" noProof="0" dirty="0">
-                <a:ln>
-                  <a:noFill/>
-                </a:ln>
-                <a:solidFill>
-                  <a:prstClr val="black"/>
-                </a:solidFill>
-                <a:effectLst/>
-                <a:uLnTx/>
-                <a:uFillTx/>
-                <a:latin typeface="Times" pitchFamily="-97" charset="0"/>
-                <a:ea typeface="+mn-ea"/>
-                <a:cs typeface="+mn-cs"/>
-              </a:rPr>
-              <a:t>Causas </a:t>
-            </a:r>
-            <a:r>
-              <a:rPr kumimoji="0" lang="es-CL" sz="1200" b="0" i="0" u="none" strike="noStrike" kern="1200" cap="none" spc="0" normalizeH="0" baseline="0" noProof="0" dirty="0" err="1">
-                <a:ln>
-                  <a:noFill/>
-                </a:ln>
-                <a:solidFill>
-                  <a:prstClr val="black"/>
-                </a:solidFill>
-                <a:effectLst/>
-                <a:uLnTx/>
-                <a:uFillTx/>
-                <a:latin typeface="Times" pitchFamily="-97" charset="0"/>
-                <a:ea typeface="+mn-ea"/>
-                <a:cs typeface="+mn-cs"/>
-              </a:rPr>
-              <a:t>Antropógenas</a:t>
-            </a:r>
-            <a:r>
-              <a:rPr kumimoji="0" lang="es-CL" sz="1200" b="0" i="0" u="none" strike="noStrike" kern="1200" cap="none" spc="0" normalizeH="0" baseline="0" noProof="0" dirty="0">
-                <a:ln>
-                  <a:noFill/>
-                </a:ln>
-                <a:solidFill>
-                  <a:prstClr val="black"/>
-                </a:solidFill>
-                <a:effectLst/>
-                <a:uLnTx/>
-                <a:uFillTx/>
-                <a:latin typeface="Times" pitchFamily="-97" charset="0"/>
-                <a:ea typeface="+mn-ea"/>
-                <a:cs typeface="+mn-cs"/>
-              </a:rPr>
-              <a:t> Latino América</a:t>
-            </a:r>
-          </a:p>
-        </p:txBody>
-      </p:sp>
-      <p:sp>
-        <p:nvSpPr>
-          <p:cNvPr id="68" name="Forma libre: forma 67">
-            <a:extLst>
-              <a:ext uri="{FF2B5EF4-FFF2-40B4-BE49-F238E27FC236}">
-                <a16:creationId xmlns:a16="http://schemas.microsoft.com/office/drawing/2014/main" id="{914E22ED-2057-45D4-AE71-BF82D927AC87}"/>
-              </a:ext>
-            </a:extLst>
-          </p:cNvPr>
-          <p:cNvSpPr/>
-          <p:nvPr/>
-        </p:nvSpPr>
-        <p:spPr>
-          <a:xfrm>
-            <a:off x="4642999" y="2877408"/>
-            <a:ext cx="91225" cy="150350"/>
-          </a:xfrm>
-          <a:custGeom>
-            <a:avLst/>
-            <a:gdLst>
-              <a:gd name="connsiteX0" fmla="*/ 0 w 371060"/>
-              <a:gd name="connsiteY0" fmla="*/ 159133 h 384420"/>
-              <a:gd name="connsiteX1" fmla="*/ 66260 w 371060"/>
-              <a:gd name="connsiteY1" fmla="*/ 304907 h 384420"/>
-              <a:gd name="connsiteX2" fmla="*/ 79513 w 371060"/>
-              <a:gd name="connsiteY2" fmla="*/ 344663 h 384420"/>
-              <a:gd name="connsiteX3" fmla="*/ 92765 w 371060"/>
-              <a:gd name="connsiteY3" fmla="*/ 384420 h 384420"/>
-              <a:gd name="connsiteX4" fmla="*/ 132521 w 371060"/>
-              <a:gd name="connsiteY4" fmla="*/ 371168 h 384420"/>
-              <a:gd name="connsiteX5" fmla="*/ 212034 w 371060"/>
-              <a:gd name="connsiteY5" fmla="*/ 265150 h 384420"/>
-              <a:gd name="connsiteX6" fmla="*/ 238539 w 371060"/>
-              <a:gd name="connsiteY6" fmla="*/ 225394 h 384420"/>
-              <a:gd name="connsiteX7" fmla="*/ 251791 w 371060"/>
-              <a:gd name="connsiteY7" fmla="*/ 185637 h 384420"/>
-              <a:gd name="connsiteX8" fmla="*/ 304800 w 371060"/>
-              <a:gd name="connsiteY8" fmla="*/ 106124 h 384420"/>
-              <a:gd name="connsiteX9" fmla="*/ 344556 w 371060"/>
-              <a:gd name="connsiteY9" fmla="*/ 39863 h 384420"/>
-              <a:gd name="connsiteX10" fmla="*/ 371060 w 371060"/>
-              <a:gd name="connsiteY10" fmla="*/ 107 h 384420"/>
-            </a:gdLst>
-            <a:ahLst/>
-            <a:cxnLst>
-              <a:cxn ang="0">
-                <a:pos x="connsiteX0" y="connsiteY0"/>
-              </a:cxn>
-              <a:cxn ang="0">
-                <a:pos x="connsiteX1" y="connsiteY1"/>
-              </a:cxn>
-              <a:cxn ang="0">
-                <a:pos x="connsiteX2" y="connsiteY2"/>
-              </a:cxn>
-              <a:cxn ang="0">
-                <a:pos x="connsiteX3" y="connsiteY3"/>
-              </a:cxn>
-              <a:cxn ang="0">
-                <a:pos x="connsiteX4" y="connsiteY4"/>
-              </a:cxn>
-              <a:cxn ang="0">
-                <a:pos x="connsiteX5" y="connsiteY5"/>
-              </a:cxn>
-              <a:cxn ang="0">
-                <a:pos x="connsiteX6" y="connsiteY6"/>
-              </a:cxn>
-              <a:cxn ang="0">
-                <a:pos x="connsiteX7" y="connsiteY7"/>
-              </a:cxn>
-              <a:cxn ang="0">
-                <a:pos x="connsiteX8" y="connsiteY8"/>
-              </a:cxn>
-              <a:cxn ang="0">
-                <a:pos x="connsiteX9" y="connsiteY9"/>
-              </a:cxn>
-              <a:cxn ang="0">
-                <a:pos x="connsiteX10" y="connsiteY10"/>
-              </a:cxn>
-            </a:cxnLst>
-            <a:rect l="l" t="t" r="r" b="b"/>
-            <a:pathLst>
-              <a:path w="371060" h="384420">
-                <a:moveTo>
-                  <a:pt x="0" y="159133"/>
-                </a:moveTo>
-                <a:cubicBezTo>
-                  <a:pt x="54132" y="249354"/>
-                  <a:pt x="31609" y="200954"/>
-                  <a:pt x="66260" y="304907"/>
-                </a:cubicBezTo>
-                <a:lnTo>
-                  <a:pt x="79513" y="344663"/>
-                </a:lnTo>
-                <a:lnTo>
-                  <a:pt x="92765" y="384420"/>
-                </a:lnTo>
-                <a:cubicBezTo>
-                  <a:pt x="106017" y="380003"/>
-                  <a:pt x="120543" y="378355"/>
-                  <a:pt x="132521" y="371168"/>
-                </a:cubicBezTo>
-                <a:cubicBezTo>
-                  <a:pt x="159760" y="354824"/>
-                  <a:pt x="207648" y="271729"/>
-                  <a:pt x="212034" y="265150"/>
-                </a:cubicBezTo>
-                <a:lnTo>
-                  <a:pt x="238539" y="225394"/>
-                </a:lnTo>
-                <a:cubicBezTo>
-                  <a:pt x="242956" y="212142"/>
-                  <a:pt x="245007" y="197848"/>
-                  <a:pt x="251791" y="185637"/>
-                </a:cubicBezTo>
-                <a:cubicBezTo>
-                  <a:pt x="267261" y="157791"/>
-                  <a:pt x="304800" y="106124"/>
-                  <a:pt x="304800" y="106124"/>
-                </a:cubicBezTo>
-                <a:cubicBezTo>
-                  <a:pt x="342340" y="-6497"/>
-                  <a:pt x="289984" y="130818"/>
-                  <a:pt x="344556" y="39863"/>
-                </a:cubicBezTo>
-                <a:cubicBezTo>
-                  <a:pt x="370924" y="-4084"/>
-                  <a:pt x="340133" y="107"/>
-                  <a:pt x="371060" y="107"/>
-                </a:cubicBezTo>
-              </a:path>
-            </a:pathLst>
-          </a:custGeom>
-        </p:spPr>
-        <p:style>
-          <a:lnRef idx="3">
-            <a:schemeClr val="dk1"/>
-          </a:lnRef>
-          <a:fillRef idx="0">
-            <a:schemeClr val="dk1"/>
-          </a:fillRef>
-          <a:effectRef idx="2">
-            <a:schemeClr val="dk1"/>
-          </a:effectRef>
-          <a:fontRef idx="minor">
-            <a:schemeClr val="tx1"/>
-          </a:fontRef>
-        </p:style>
-        <p:txBody>
-          <a:bodyPr rtlCol="0" anchor="ctr"/>
-          <a:lstStyle/>
-          <a:p>
-            <a:pPr marL="0" marR="0" lvl="0" indent="0" algn="ctr" defTabSz="914400" rtl="0" eaLnBrk="0" fontAlgn="base" latinLnBrk="0" hangingPunct="0">
-              <a:lnSpc>
-                <a:spcPct val="100000"/>
-              </a:lnSpc>
-              <a:spcBef>
-                <a:spcPct val="0"/>
-              </a:spcBef>
-              <a:spcAft>
-                <a:spcPct val="0"/>
-              </a:spcAft>
-              <a:buClrTx/>
-              <a:buSzTx/>
-              <a:buFontTx/>
-              <a:buNone/>
-              <a:tabLst/>
-              <a:defRPr/>
-            </a:pPr>
-            <a:endParaRPr kumimoji="0" lang="es-CL" sz="2400" b="0" i="0" u="none" strike="noStrike" kern="1200" cap="none" spc="0" normalizeH="0" baseline="0" noProof="0">
-              <a:ln>
-                <a:noFill/>
-              </a:ln>
-              <a:solidFill>
-                <a:prstClr val="black"/>
-              </a:solidFill>
-              <a:effectLst/>
-              <a:uLnTx/>
-              <a:uFillTx/>
-              <a:latin typeface="Tw Cen MT" panose="020B0602020104020603"/>
-              <a:ea typeface="+mn-ea"/>
-              <a:cs typeface="+mn-cs"/>
-            </a:endParaRPr>
-          </a:p>
-        </p:txBody>
-      </p:sp>
-      <p:sp>
-        <p:nvSpPr>
-          <p:cNvPr id="83" name="Rectángulo 82">
-            <a:extLst>
-              <a:ext uri="{FF2B5EF4-FFF2-40B4-BE49-F238E27FC236}">
-                <a16:creationId xmlns:a16="http://schemas.microsoft.com/office/drawing/2014/main" id="{8B77CAAC-7C19-4AE6-B73A-77D98D232FE1}"/>
-              </a:ext>
-            </a:extLst>
-          </p:cNvPr>
-          <p:cNvSpPr/>
-          <p:nvPr/>
-        </p:nvSpPr>
-        <p:spPr>
-          <a:xfrm>
-            <a:off x="3251990" y="2456142"/>
-            <a:ext cx="3106370" cy="720080"/>
-          </a:xfrm>
-          <a:prstGeom prst="rect">
-            <a:avLst/>
-          </a:prstGeom>
-          <a:noFill/>
-          <a:ln>
-            <a:solidFill>
-              <a:srgbClr val="FFC000"/>
-            </a:solidFill>
-          </a:ln>
-        </p:spPr>
-        <p:style>
-          <a:lnRef idx="2">
-            <a:schemeClr val="accent1">
-              <a:shade val="50000"/>
-            </a:schemeClr>
-          </a:lnRef>
-          <a:fillRef idx="1">
-            <a:schemeClr val="accent1"/>
-          </a:fillRef>
-          <a:effectRef idx="0">
-            <a:schemeClr val="accent1"/>
-          </a:effectRef>
-          <a:fontRef idx="minor">
-            <a:schemeClr val="lt1"/>
-          </a:fontRef>
-        </p:style>
-        <p:txBody>
-          <a:bodyPr rtlCol="0" anchor="ctr"/>
-          <a:lstStyle/>
-          <a:p>
-            <a:pPr marL="0" marR="0" lvl="0" indent="0" algn="ctr" defTabSz="914400" rtl="0" eaLnBrk="0" fontAlgn="base" latinLnBrk="0" hangingPunct="0">
-              <a:lnSpc>
-                <a:spcPct val="100000"/>
-              </a:lnSpc>
-              <a:spcBef>
-                <a:spcPct val="0"/>
-              </a:spcBef>
-              <a:spcAft>
-                <a:spcPct val="0"/>
-              </a:spcAft>
-              <a:buClrTx/>
-              <a:buSzTx/>
-              <a:buFontTx/>
-              <a:buNone/>
-              <a:tabLst/>
-              <a:defRPr/>
-            </a:pPr>
-            <a:endParaRPr kumimoji="0" lang="es-CL" sz="2400" b="0" i="0" u="none" strike="noStrike" kern="1200" cap="none" spc="0" normalizeH="0" baseline="0" noProof="0">
-              <a:ln>
-                <a:noFill/>
-              </a:ln>
-              <a:solidFill>
-                <a:prstClr val="white"/>
-              </a:solidFill>
-              <a:effectLst/>
-              <a:uLnTx/>
-              <a:uFillTx/>
-              <a:latin typeface="Tw Cen MT" panose="020B0602020104020603"/>
-              <a:ea typeface="+mn-ea"/>
-              <a:cs typeface="+mn-cs"/>
-            </a:endParaRPr>
-          </a:p>
-        </p:txBody>
-      </p:sp>
-      <p:sp>
-        <p:nvSpPr>
-          <p:cNvPr id="27" name="CuadroTexto 26">
-            <a:extLst>
-              <a:ext uri="{FF2B5EF4-FFF2-40B4-BE49-F238E27FC236}">
-                <a16:creationId xmlns:a16="http://schemas.microsoft.com/office/drawing/2014/main" id="{79D2794A-1E26-43C1-BD63-D377AFF78251}"/>
-              </a:ext>
-            </a:extLst>
-          </p:cNvPr>
-          <p:cNvSpPr txBox="1"/>
-          <p:nvPr/>
-        </p:nvSpPr>
-        <p:spPr>
-          <a:xfrm>
-            <a:off x="4218350" y="3319358"/>
-            <a:ext cx="2767851" cy="3139321"/>
-          </a:xfrm>
-          <a:prstGeom prst="rect">
-            <a:avLst/>
-          </a:prstGeom>
-          <a:noFill/>
-          <a:ln>
-            <a:solidFill>
-              <a:schemeClr val="accent4">
-                <a:lumMod val="60000"/>
-                <a:lumOff val="40000"/>
-              </a:schemeClr>
-            </a:solidFill>
-          </a:ln>
-        </p:spPr>
-        <p:txBody>
-          <a:bodyPr wrap="square" numCol="2" rtlCol="0">
-            <a:spAutoFit/>
-          </a:bodyPr>
-          <a:lstStyle/>
-          <a:p>
-            <a:r>
-              <a:rPr lang="es-CL" dirty="0"/>
-              <a:t>Chile </a:t>
-            </a:r>
-          </a:p>
-          <a:p>
-            <a:r>
-              <a:rPr lang="es-CL" dirty="0"/>
-              <a:t>Argentina</a:t>
-            </a:r>
-          </a:p>
-          <a:p>
-            <a:r>
-              <a:rPr lang="es-CL" dirty="0"/>
-              <a:t>Perú</a:t>
-            </a:r>
-          </a:p>
-          <a:p>
-            <a:r>
-              <a:rPr lang="es-CL" dirty="0"/>
-              <a:t>Brasil</a:t>
-            </a:r>
-          </a:p>
-          <a:p>
-            <a:r>
-              <a:rPr lang="es-CL" dirty="0"/>
-              <a:t>Uruguay</a:t>
-            </a:r>
-          </a:p>
-          <a:p>
-            <a:r>
-              <a:rPr lang="es-CL" dirty="0"/>
-              <a:t>Paraguay</a:t>
-            </a:r>
-          </a:p>
-          <a:p>
-            <a:r>
-              <a:rPr lang="es-CL" dirty="0"/>
-              <a:t>Bolivia</a:t>
-            </a:r>
-          </a:p>
-          <a:p>
-            <a:r>
-              <a:rPr lang="es-CL" dirty="0"/>
-              <a:t>Colombia</a:t>
-            </a:r>
-          </a:p>
-          <a:p>
-            <a:r>
-              <a:rPr lang="es-CL" dirty="0"/>
-              <a:t>Ecuador</a:t>
-            </a:r>
-          </a:p>
-          <a:p>
-            <a:r>
-              <a:rPr lang="es-CL" dirty="0"/>
-              <a:t>Venezuela</a:t>
-            </a:r>
-          </a:p>
-          <a:p>
-            <a:r>
-              <a:rPr lang="es-CL" dirty="0"/>
-              <a:t>Costa Rica</a:t>
-            </a:r>
-          </a:p>
-          <a:p>
-            <a:r>
-              <a:rPr lang="es-CL" dirty="0"/>
-              <a:t>Panamá</a:t>
-            </a:r>
-          </a:p>
-          <a:p>
-            <a:r>
-              <a:rPr lang="es-CL" dirty="0"/>
-              <a:t>Guatemala</a:t>
-            </a:r>
-          </a:p>
-          <a:p>
-            <a:r>
-              <a:rPr lang="es-CL" dirty="0"/>
-              <a:t>Honduras</a:t>
-            </a:r>
-          </a:p>
-          <a:p>
-            <a:r>
-              <a:rPr lang="es-CL" dirty="0"/>
-              <a:t>Cuba</a:t>
-            </a:r>
-          </a:p>
-          <a:p>
-            <a:r>
-              <a:rPr lang="es-CL" dirty="0"/>
-              <a:t>El Salvador</a:t>
-            </a:r>
-          </a:p>
-          <a:p>
-            <a:r>
-              <a:rPr lang="es-CL" dirty="0"/>
-              <a:t>México</a:t>
-            </a:r>
-          </a:p>
-          <a:p>
-            <a:r>
-              <a:rPr lang="es-CL" dirty="0"/>
-              <a:t>Nicaragua</a:t>
-            </a:r>
-          </a:p>
-          <a:p>
-            <a:r>
-              <a:rPr lang="es-CL" dirty="0"/>
-              <a:t>República Dominicana</a:t>
-            </a:r>
-          </a:p>
-          <a:p>
-            <a:endParaRPr lang="es-CL" dirty="0"/>
-          </a:p>
-        </p:txBody>
-      </p:sp>
-      <p:cxnSp>
-        <p:nvCxnSpPr>
-          <p:cNvPr id="33" name="Conector recto de flecha 32">
-            <a:extLst>
-              <a:ext uri="{FF2B5EF4-FFF2-40B4-BE49-F238E27FC236}">
-                <a16:creationId xmlns:a16="http://schemas.microsoft.com/office/drawing/2014/main" id="{9E5A6F62-1B46-4D15-AFB9-5BCDF4288D60}"/>
-              </a:ext>
-            </a:extLst>
-          </p:cNvPr>
-          <p:cNvCxnSpPr>
-            <a:cxnSpLocks/>
-            <a:stCxn id="51" idx="2"/>
-            <a:endCxn id="27" idx="0"/>
-          </p:cNvCxnSpPr>
-          <p:nvPr/>
-        </p:nvCxnSpPr>
-        <p:spPr>
-          <a:xfrm>
-            <a:off x="5602276" y="3047473"/>
-            <a:ext cx="0" cy="271885"/>
-          </a:xfrm>
-          <a:prstGeom prst="straightConnector1">
-            <a:avLst/>
-          </a:prstGeom>
-          <a:ln>
-            <a:tailEnd type="triangle"/>
-          </a:ln>
-        </p:spPr>
-        <p:style>
-          <a:lnRef idx="1">
-            <a:schemeClr val="dk1"/>
-          </a:lnRef>
-          <a:fillRef idx="0">
-            <a:schemeClr val="dk1"/>
-          </a:fillRef>
-          <a:effectRef idx="0">
-            <a:schemeClr val="dk1"/>
-          </a:effectRef>
-          <a:fontRef idx="minor">
-            <a:schemeClr val="tx1"/>
-          </a:fontRef>
-        </p:style>
-      </p:cxnSp>
-      <p:sp>
-        <p:nvSpPr>
-          <p:cNvPr id="3" name="CuadroTexto 2">
-            <a:extLst>
-              <a:ext uri="{FF2B5EF4-FFF2-40B4-BE49-F238E27FC236}">
-                <a16:creationId xmlns:a16="http://schemas.microsoft.com/office/drawing/2014/main" id="{8C190747-97CA-4683-A66C-AAF9AD9202EB}"/>
-              </a:ext>
-            </a:extLst>
-          </p:cNvPr>
-          <p:cNvSpPr txBox="1"/>
-          <p:nvPr/>
-        </p:nvSpPr>
-        <p:spPr>
-          <a:xfrm>
-            <a:off x="1163160" y="2585808"/>
-            <a:ext cx="1512168" cy="461665"/>
-          </a:xfrm>
-          <a:prstGeom prst="rect">
-            <a:avLst/>
-          </a:prstGeom>
-          <a:solidFill>
-            <a:schemeClr val="accent4">
-              <a:lumMod val="40000"/>
-              <a:lumOff val="60000"/>
-            </a:schemeClr>
-          </a:solidFill>
-          <a:ln w="28575">
-            <a:solidFill>
-              <a:srgbClr val="FFC000"/>
-            </a:solidFill>
-          </a:ln>
-        </p:spPr>
-        <p:txBody>
-          <a:bodyPr wrap="square" rtlCol="0">
-            <a:spAutoFit/>
-          </a:bodyPr>
-          <a:lstStyle/>
-          <a:p>
-            <a:pPr marL="0" marR="0" lvl="0" indent="0" algn="ctr" defTabSz="914400" rtl="0" eaLnBrk="0" fontAlgn="base" latinLnBrk="0" hangingPunct="0">
-              <a:lnSpc>
-                <a:spcPct val="100000"/>
-              </a:lnSpc>
-              <a:spcBef>
-                <a:spcPct val="0"/>
-              </a:spcBef>
-              <a:spcAft>
-                <a:spcPct val="0"/>
-              </a:spcAft>
-              <a:buClrTx/>
-              <a:buSzTx/>
-              <a:buFontTx/>
-              <a:buNone/>
-              <a:tabLst/>
-              <a:defRPr/>
-            </a:pPr>
-            <a:r>
-              <a:rPr kumimoji="0" lang="es-CL" sz="1200" b="0" i="0" u="none" strike="noStrike" kern="1200" cap="none" spc="0" normalizeH="0" baseline="0" noProof="0" dirty="0">
-                <a:ln>
-                  <a:noFill/>
-                </a:ln>
-                <a:solidFill>
-                  <a:prstClr val="black"/>
-                </a:solidFill>
-                <a:effectLst/>
-                <a:uLnTx/>
-                <a:uFillTx/>
-                <a:latin typeface="Times" pitchFamily="-97" charset="0"/>
-                <a:ea typeface="+mn-ea"/>
-                <a:cs typeface="+mn-cs"/>
-              </a:rPr>
-              <a:t>Causas CC Global</a:t>
-            </a:r>
-          </a:p>
-          <a:p>
-            <a:pPr marL="0" marR="0" lvl="0" indent="0" algn="ctr" defTabSz="914400" rtl="0" eaLnBrk="0" fontAlgn="base" latinLnBrk="0" hangingPunct="0">
-              <a:lnSpc>
-                <a:spcPct val="100000"/>
-              </a:lnSpc>
-              <a:spcBef>
-                <a:spcPct val="0"/>
-              </a:spcBef>
-              <a:spcAft>
-                <a:spcPct val="0"/>
-              </a:spcAft>
-              <a:buClrTx/>
-              <a:buSzTx/>
-              <a:buFontTx/>
-              <a:buNone/>
-              <a:tabLst/>
-              <a:defRPr/>
-            </a:pPr>
-            <a:r>
-              <a:rPr kumimoji="0" lang="es-CL" sz="1200" b="0" i="0" u="none" strike="noStrike" kern="1200" cap="none" spc="0" normalizeH="0" baseline="0" noProof="0" dirty="0">
-                <a:ln>
-                  <a:noFill/>
-                </a:ln>
-                <a:solidFill>
-                  <a:prstClr val="black"/>
-                </a:solidFill>
-                <a:effectLst/>
-                <a:uLnTx/>
-                <a:uFillTx/>
-                <a:latin typeface="Times" pitchFamily="-97" charset="0"/>
-                <a:ea typeface="+mn-ea"/>
-                <a:cs typeface="+mn-cs"/>
-              </a:rPr>
-              <a:t>(Word Completo)</a:t>
-            </a:r>
-          </a:p>
-        </p:txBody>
-      </p:sp>
-      <p:sp>
-        <p:nvSpPr>
-          <p:cNvPr id="4" name="CuadroTexto 3">
-            <a:extLst>
-              <a:ext uri="{FF2B5EF4-FFF2-40B4-BE49-F238E27FC236}">
-                <a16:creationId xmlns:a16="http://schemas.microsoft.com/office/drawing/2014/main" id="{D2ABC593-770D-42E4-8089-E07835FB9135}"/>
-              </a:ext>
-            </a:extLst>
-          </p:cNvPr>
-          <p:cNvSpPr txBox="1"/>
-          <p:nvPr/>
-        </p:nvSpPr>
-        <p:spPr>
-          <a:xfrm>
-            <a:off x="533772" y="3323969"/>
-            <a:ext cx="2584141" cy="1200329"/>
-          </a:xfrm>
-          <a:prstGeom prst="rect">
-            <a:avLst/>
-          </a:prstGeom>
-          <a:noFill/>
-          <a:ln>
-            <a:solidFill>
-              <a:schemeClr val="accent4">
-                <a:lumMod val="60000"/>
-                <a:lumOff val="40000"/>
-              </a:schemeClr>
-            </a:solidFill>
-          </a:ln>
-        </p:spPr>
-        <p:txBody>
-          <a:bodyPr wrap="square" numCol="1" rtlCol="0">
-            <a:spAutoFit/>
-          </a:bodyPr>
-          <a:lstStyle/>
-          <a:p>
-            <a:pPr marL="285750" indent="-285750">
-              <a:buFont typeface="Arial" panose="020B0604020202020204" pitchFamily="34" charset="0"/>
-              <a:buChar char="•"/>
-            </a:pPr>
-            <a:r>
-              <a:rPr lang="es-CL" dirty="0"/>
-              <a:t>Referir a Texto Causas</a:t>
-            </a:r>
-          </a:p>
-          <a:p>
-            <a:pPr marL="285750" indent="-285750">
-              <a:buFont typeface="Arial" panose="020B0604020202020204" pitchFamily="34" charset="0"/>
-              <a:buChar char="•"/>
-            </a:pPr>
-            <a:r>
-              <a:rPr lang="es-CL" dirty="0"/>
-              <a:t>Discutir si se utilizan figuras y </a:t>
-            </a:r>
-            <a:r>
-              <a:rPr lang="es-CL" dirty="0" err="1"/>
-              <a:t>GIFs</a:t>
-            </a:r>
-            <a:r>
-              <a:rPr lang="es-CL" dirty="0"/>
-              <a:t> adjuntos o si se crearán</a:t>
-            </a:r>
-          </a:p>
-        </p:txBody>
-      </p:sp>
-    </p:spTree>
-    <p:extLst>
-      <p:ext uri="{BB962C8B-B14F-4D97-AF65-F5344CB8AC3E}">
-        <p14:creationId xmlns:p14="http://schemas.microsoft.com/office/powerpoint/2010/main" val="3120762926"/>
-      </p:ext>
-    </p:extLst>
-  </p:cSld>
-  <p:clrMapOvr>
-    <a:masterClrMapping/>
-  </p:clrMapOvr>
-</p:sld>
-</file>
-
-<file path=ppt/slides/slide5.xml><?xml version="1.0" encoding="utf-8"?>
 <p:sld xmlns:a="http://schemas.openxmlformats.org/drawingml/2006/main" xmlns:r="http://schemas.openxmlformats.org/officeDocument/2006/relationships" xmlns:p="http://schemas.openxmlformats.org/presentationml/2006/main">
   <p:cSld>
     <p:spTree>

--- a/Organización DATA CLIMA.pptx
+++ b/Organización DATA CLIMA.pptx
@@ -8,7 +8,8 @@
   <p:sldIdLst>
     <p:sldId id="256" r:id="rId3"/>
     <p:sldId id="1279" r:id="rId4"/>
-    <p:sldId id="1287" r:id="rId5"/>
+    <p:sldId id="1288" r:id="rId5"/>
+    <p:sldId id="1287" r:id="rId6"/>
   </p:sldIdLst>
   <p:sldSz cx="12192000" cy="6858000"/>
   <p:notesSz cx="6858000" cy="9144000"/>
@@ -264,7 +265,7 @@
           <a:p>
             <a:fld id="{21B218E7-E308-4249-94C9-ACE6C6B3FCA0}" type="datetimeFigureOut">
               <a:rPr lang="es-CL" smtClean="0"/>
-              <a:t>12-11-2020</a:t>
+              <a:t>30-11-2020</a:t>
             </a:fld>
             <a:endParaRPr lang="es-CL"/>
           </a:p>
@@ -464,7 +465,7 @@
           <a:p>
             <a:fld id="{21B218E7-E308-4249-94C9-ACE6C6B3FCA0}" type="datetimeFigureOut">
               <a:rPr lang="es-CL" smtClean="0"/>
-              <a:t>12-11-2020</a:t>
+              <a:t>30-11-2020</a:t>
             </a:fld>
             <a:endParaRPr lang="es-CL"/>
           </a:p>
@@ -674,7 +675,7 @@
           <a:p>
             <a:fld id="{21B218E7-E308-4249-94C9-ACE6C6B3FCA0}" type="datetimeFigureOut">
               <a:rPr lang="es-CL" smtClean="0"/>
-              <a:t>12-11-2020</a:t>
+              <a:t>30-11-2020</a:t>
             </a:fld>
             <a:endParaRPr lang="es-CL"/>
           </a:p>
@@ -900,7 +901,7 @@
             <a:pPr rtl="0"/>
             <a:fld id="{CCF7C550-AA50-4D55-A2F8-6E96CDCB20DF}" type="datetime1">
               <a:rPr lang="es-ES" noProof="0" smtClean="0"/>
-              <a:t>12/11/2020</a:t>
+              <a:t>30/11/2020</a:t>
             </a:fld>
             <a:endParaRPr lang="es-ES" noProof="0"/>
           </a:p>
@@ -1160,7 +1161,7 @@
             <a:pPr rtl="0"/>
             <a:fld id="{4CC7EBFA-2694-446B-990D-0A457AF8F575}" type="datetime1">
               <a:rPr lang="es-ES" noProof="0" smtClean="0"/>
-              <a:t>12/11/2020</a:t>
+              <a:t>30/11/2020</a:t>
             </a:fld>
             <a:endParaRPr lang="es-ES" noProof="0"/>
           </a:p>
@@ -1420,7 +1421,7 @@
             <a:pPr rtl="0"/>
             <a:fld id="{FCFA2817-3E78-4C10-BC87-41FCE4C7141A}" type="datetime1">
               <a:rPr lang="es-ES" noProof="0" smtClean="0"/>
-              <a:t>12/11/2020</a:t>
+              <a:t>30/11/2020</a:t>
             </a:fld>
             <a:endParaRPr lang="es-ES" noProof="0"/>
           </a:p>
@@ -1746,7 +1747,7 @@
             <a:pPr rtl="0"/>
             <a:fld id="{22D4EB97-C908-46A1-B4A2-591227C14462}" type="datetime1">
               <a:rPr lang="es-ES" noProof="0" smtClean="0"/>
-              <a:t>12/11/2020</a:t>
+              <a:t>30/11/2020</a:t>
             </a:fld>
             <a:endParaRPr lang="es-ES" noProof="0"/>
           </a:p>
@@ -2145,7 +2146,7 @@
             <a:pPr rtl="0"/>
             <a:fld id="{C79239A9-6394-420C-B91E-98E4CD72BAD4}" type="datetime1">
               <a:rPr lang="es-ES" noProof="0" smtClean="0"/>
-              <a:t>12/11/2020</a:t>
+              <a:t>30/11/2020</a:t>
             </a:fld>
             <a:endParaRPr lang="es-ES" noProof="0"/>
           </a:p>
@@ -2266,7 +2267,7 @@
             <a:pPr rtl="0"/>
             <a:fld id="{8EA2CCA1-7D31-4460-8697-EDDBFE29CF24}" type="datetime1">
               <a:rPr lang="es-ES" noProof="0" smtClean="0"/>
-              <a:t>12/11/2020</a:t>
+              <a:t>30/11/2020</a:t>
             </a:fld>
             <a:endParaRPr lang="es-ES" noProof="0"/>
           </a:p>
@@ -2364,7 +2365,7 @@
             <a:pPr rtl="0"/>
             <a:fld id="{9EDA9DE3-06EA-4F7B-A8A9-DC3087964CCB}" type="datetime1">
               <a:rPr lang="es-ES" noProof="0" smtClean="0"/>
-              <a:t>12/11/2020</a:t>
+              <a:t>30/11/2020</a:t>
             </a:fld>
             <a:endParaRPr lang="es-ES" noProof="0"/>
           </a:p>
@@ -2661,7 +2662,7 @@
             <a:pPr rtl="0"/>
             <a:fld id="{524AD719-265A-4FD9-9B93-D5A5E8AB6C60}" type="datetime1">
               <a:rPr lang="es-ES" noProof="0" smtClean="0"/>
-              <a:t>12/11/2020</a:t>
+              <a:t>30/11/2020</a:t>
             </a:fld>
             <a:endParaRPr lang="es-ES" noProof="0"/>
           </a:p>
@@ -2856,7 +2857,7 @@
           <a:p>
             <a:fld id="{21B218E7-E308-4249-94C9-ACE6C6B3FCA0}" type="datetimeFigureOut">
               <a:rPr lang="es-CL" smtClean="0"/>
-              <a:t>12-11-2020</a:t>
+              <a:t>30-11-2020</a:t>
             </a:fld>
             <a:endParaRPr lang="es-CL"/>
           </a:p>
@@ -3149,7 +3150,7 @@
             <a:pPr rtl="0"/>
             <a:fld id="{F110C84E-63D5-48C8-B46B-8D0328D07C38}" type="datetime1">
               <a:rPr lang="es-ES" noProof="0" smtClean="0"/>
-              <a:t>12/11/2020</a:t>
+              <a:t>30/11/2020</a:t>
             </a:fld>
             <a:endParaRPr lang="es-ES" noProof="0"/>
           </a:p>
@@ -3356,7 +3357,7 @@
             <a:pPr rtl="0"/>
             <a:fld id="{80A094E1-B490-4358-B74B-E39F14EB1973}" type="datetime1">
               <a:rPr lang="es-ES" noProof="0" smtClean="0"/>
-              <a:t>12/11/2020</a:t>
+              <a:t>30/11/2020</a:t>
             </a:fld>
             <a:endParaRPr lang="es-ES" noProof="0"/>
           </a:p>
@@ -3538,7 +3539,7 @@
             <a:pPr rtl="0"/>
             <a:fld id="{4CF70C78-98A0-412B-BEFE-D134CA5D2DF2}" type="datetime1">
               <a:rPr lang="es-ES" noProof="0" smtClean="0"/>
-              <a:t>12/11/2020</a:t>
+              <a:t>30/11/2020</a:t>
             </a:fld>
             <a:endParaRPr lang="es-ES" noProof="0"/>
           </a:p>
@@ -3844,7 +3845,7 @@
           <a:p>
             <a:fld id="{21B218E7-E308-4249-94C9-ACE6C6B3FCA0}" type="datetimeFigureOut">
               <a:rPr lang="es-CL" smtClean="0"/>
-              <a:t>12-11-2020</a:t>
+              <a:t>30-11-2020</a:t>
             </a:fld>
             <a:endParaRPr lang="es-CL"/>
           </a:p>
@@ -4112,7 +4113,7 @@
           <a:p>
             <a:fld id="{21B218E7-E308-4249-94C9-ACE6C6B3FCA0}" type="datetimeFigureOut">
               <a:rPr lang="es-CL" smtClean="0"/>
-              <a:t>12-11-2020</a:t>
+              <a:t>30-11-2020</a:t>
             </a:fld>
             <a:endParaRPr lang="es-CL"/>
           </a:p>
@@ -4527,7 +4528,7 @@
           <a:p>
             <a:fld id="{21B218E7-E308-4249-94C9-ACE6C6B3FCA0}" type="datetimeFigureOut">
               <a:rPr lang="es-CL" smtClean="0"/>
-              <a:t>12-11-2020</a:t>
+              <a:t>30-11-2020</a:t>
             </a:fld>
             <a:endParaRPr lang="es-CL"/>
           </a:p>
@@ -4669,7 +4670,7 @@
           <a:p>
             <a:fld id="{21B218E7-E308-4249-94C9-ACE6C6B3FCA0}" type="datetimeFigureOut">
               <a:rPr lang="es-CL" smtClean="0"/>
-              <a:t>12-11-2020</a:t>
+              <a:t>30-11-2020</a:t>
             </a:fld>
             <a:endParaRPr lang="es-CL"/>
           </a:p>
@@ -4782,7 +4783,7 @@
           <a:p>
             <a:fld id="{21B218E7-E308-4249-94C9-ACE6C6B3FCA0}" type="datetimeFigureOut">
               <a:rPr lang="es-CL" smtClean="0"/>
-              <a:t>12-11-2020</a:t>
+              <a:t>30-11-2020</a:t>
             </a:fld>
             <a:endParaRPr lang="es-CL"/>
           </a:p>
@@ -5095,7 +5096,7 @@
           <a:p>
             <a:fld id="{21B218E7-E308-4249-94C9-ACE6C6B3FCA0}" type="datetimeFigureOut">
               <a:rPr lang="es-CL" smtClean="0"/>
-              <a:t>12-11-2020</a:t>
+              <a:t>30-11-2020</a:t>
             </a:fld>
             <a:endParaRPr lang="es-CL"/>
           </a:p>
@@ -5384,7 +5385,7 @@
           <a:p>
             <a:fld id="{21B218E7-E308-4249-94C9-ACE6C6B3FCA0}" type="datetimeFigureOut">
               <a:rPr lang="es-CL" smtClean="0"/>
-              <a:t>12-11-2020</a:t>
+              <a:t>30-11-2020</a:t>
             </a:fld>
             <a:endParaRPr lang="es-CL"/>
           </a:p>
@@ -5627,7 +5628,7 @@
           <a:p>
             <a:fld id="{21B218E7-E308-4249-94C9-ACE6C6B3FCA0}" type="datetimeFigureOut">
               <a:rPr lang="es-CL" smtClean="0"/>
-              <a:t>12-11-2020</a:t>
+              <a:t>30-11-2020</a:t>
             </a:fld>
             <a:endParaRPr lang="es-CL"/>
           </a:p>
@@ -6181,7 +6182,7 @@
             <a:pPr rtl="0"/>
             <a:fld id="{E274E21D-7E86-4F59-BA25-7478C6191663}" type="datetime1">
               <a:rPr lang="es-ES" noProof="0" smtClean="0"/>
-              <a:t>12/11/2020</a:t>
+              <a:t>30/11/2020</a:t>
             </a:fld>
             <a:endParaRPr lang="es-ES" noProof="0"/>
           </a:p>
@@ -6844,8 +6845,8 @@
         </p:nvSpPr>
         <p:spPr>
           <a:xfrm>
-            <a:off x="875419" y="2585809"/>
-            <a:ext cx="1512168" cy="461665"/>
+            <a:off x="875418" y="2585809"/>
+            <a:ext cx="1731945" cy="461665"/>
           </a:xfrm>
           <a:prstGeom prst="rect">
             <a:avLst/>
@@ -6902,7 +6903,7 @@
                 <a:ea typeface="+mn-ea"/>
                 <a:cs typeface="+mn-cs"/>
               </a:rPr>
-              <a:t>Conceptos Generales Global</a:t>
+              <a:t>Conceptos CC Global (Word Completo)</a:t>
             </a:r>
           </a:p>
         </p:txBody>
@@ -7322,7 +7323,7 @@
         <p:spPr>
           <a:xfrm>
             <a:off x="8036463" y="925659"/>
-            <a:ext cx="2236001" cy="307777"/>
+            <a:ext cx="4023015" cy="307777"/>
           </a:xfrm>
           <a:prstGeom prst="rect">
             <a:avLst/>
@@ -7379,17 +7380,17 @@
                 <a:ea typeface="+mn-ea"/>
                 <a:cs typeface="+mn-cs"/>
               </a:rPr>
-              <a:t>Impactos Cambio Climático</a:t>
+              <a:t>Impactos y Proyecciones Cambio Climático</a:t>
             </a:r>
           </a:p>
         </p:txBody>
       </p:sp>
       <p:cxnSp>
         <p:nvCxnSpPr>
-          <p:cNvPr id="26" name="Conector recto de flecha 25">
-            <a:extLst>
-              <a:ext uri="{FF2B5EF4-FFF2-40B4-BE49-F238E27FC236}">
-                <a16:creationId xmlns:a16="http://schemas.microsoft.com/office/drawing/2014/main" id="{B80205CA-BC4B-4AC7-9C57-3A38F6587C5A}"/>
+          <p:cNvPr id="38" name="Conector recto de flecha 37">
+            <a:extLst>
+              <a:ext uri="{FF2B5EF4-FFF2-40B4-BE49-F238E27FC236}">
+                <a16:creationId xmlns:a16="http://schemas.microsoft.com/office/drawing/2014/main" id="{7B4CB9E4-BCF4-45F2-B0C7-AB589861469D}"/>
               </a:ext>
             </a:extLst>
           </p:cNvPr>
@@ -7401,7 +7402,7 @@
         <p:spPr>
           <a:xfrm>
             <a:off x="6705262" y="1268760"/>
-            <a:ext cx="1262946" cy="182174"/>
+            <a:ext cx="1262946" cy="149223"/>
           </a:xfrm>
           <a:prstGeom prst="straightConnector1">
             <a:avLst/>
@@ -7432,10 +7433,10 @@
       </p:cxnSp>
       <p:sp>
         <p:nvSpPr>
-          <p:cNvPr id="28" name="CuadroTexto 27">
-            <a:extLst>
-              <a:ext uri="{FF2B5EF4-FFF2-40B4-BE49-F238E27FC236}">
-                <a16:creationId xmlns:a16="http://schemas.microsoft.com/office/drawing/2014/main" id="{7D1E1CA8-7844-48FC-BD23-2F607EAC0074}"/>
+          <p:cNvPr id="40" name="CuadroTexto 39">
+            <a:extLst>
+              <a:ext uri="{FF2B5EF4-FFF2-40B4-BE49-F238E27FC236}">
+                <a16:creationId xmlns:a16="http://schemas.microsoft.com/office/drawing/2014/main" id="{328B240F-D295-43FD-9E81-25E246797ADE}"/>
               </a:ext>
             </a:extLst>
           </p:cNvPr>
@@ -7444,130 +7445,7 @@
         </p:nvSpPr>
         <p:spPr>
           <a:xfrm>
-            <a:off x="8036463" y="1309378"/>
-            <a:ext cx="2524033" cy="307777"/>
-          </a:xfrm>
-          <a:prstGeom prst="rect">
-            <a:avLst/>
-          </a:prstGeom>
-          <a:solidFill>
-            <a:schemeClr val="accent6">
-              <a:lumMod val="40000"/>
-              <a:lumOff val="60000"/>
-            </a:schemeClr>
-          </a:solidFill>
-          <a:ln>
-            <a:solidFill>
-              <a:schemeClr val="accent6">
-                <a:lumMod val="75000"/>
-              </a:schemeClr>
-            </a:solidFill>
-          </a:ln>
-        </p:spPr>
-        <p:txBody>
-          <a:bodyPr wrap="square" rtlCol="0">
-            <a:spAutoFit/>
-          </a:bodyPr>
-          <a:lstStyle/>
-          <a:p>
-            <a:pPr marL="0" marR="0" lvl="0" indent="0" algn="l" defTabSz="914400" rtl="0" eaLnBrk="0" fontAlgn="base" latinLnBrk="0" hangingPunct="0">
-              <a:lnSpc>
-                <a:spcPct val="100000"/>
-              </a:lnSpc>
-              <a:spcBef>
-                <a:spcPct val="0"/>
-              </a:spcBef>
-              <a:spcAft>
-                <a:spcPct val="0"/>
-              </a:spcAft>
-              <a:buClrTx/>
-              <a:buSzTx/>
-              <a:buFontTx/>
-              <a:buNone/>
-              <a:tabLst/>
-              <a:defRPr/>
-            </a:pPr>
-            <a:r>
-              <a:rPr kumimoji="0" lang="es-CL" sz="1400" b="0" i="0" u="none" strike="noStrike" kern="1200" cap="none" spc="0" normalizeH="0" baseline="0" noProof="0" dirty="0">
-                <a:ln>
-                  <a:noFill/>
-                </a:ln>
-                <a:solidFill>
-                  <a:prstClr val="black"/>
-                </a:solidFill>
-                <a:effectLst/>
-                <a:uLnTx/>
-                <a:uFillTx/>
-                <a:latin typeface="Times" pitchFamily="-97" charset="0"/>
-                <a:ea typeface="+mn-ea"/>
-                <a:cs typeface="+mn-cs"/>
-              </a:rPr>
-              <a:t>Proyecciones Cambio Climático</a:t>
-            </a:r>
-          </a:p>
-        </p:txBody>
-      </p:sp>
-      <p:cxnSp>
-        <p:nvCxnSpPr>
-          <p:cNvPr id="38" name="Conector recto de flecha 37">
-            <a:extLst>
-              <a:ext uri="{FF2B5EF4-FFF2-40B4-BE49-F238E27FC236}">
-                <a16:creationId xmlns:a16="http://schemas.microsoft.com/office/drawing/2014/main" id="{7B4CB9E4-BCF4-45F2-B0C7-AB589861469D}"/>
-              </a:ext>
-            </a:extLst>
-          </p:cNvPr>
-          <p:cNvCxnSpPr>
-            <a:cxnSpLocks/>
-          </p:cNvCxnSpPr>
-          <p:nvPr/>
-        </p:nvCxnSpPr>
-        <p:spPr>
-          <a:xfrm>
-            <a:off x="6705262" y="1268760"/>
-            <a:ext cx="1262946" cy="564781"/>
-          </a:xfrm>
-          <a:prstGeom prst="straightConnector1">
-            <a:avLst/>
-          </a:prstGeom>
-          <a:ln>
-            <a:solidFill>
-              <a:schemeClr val="tx2">
-                <a:lumMod val="75000"/>
-              </a:schemeClr>
-            </a:solidFill>
-            <a:tailEnd type="triangle"/>
-          </a:ln>
-        </p:spPr>
-        <p:style>
-          <a:lnRef idx="1">
-            <a:schemeClr val="accent1"/>
-          </a:lnRef>
-          <a:fillRef idx="0">
-            <a:schemeClr val="accent1"/>
-          </a:fillRef>
-          <a:effectRef idx="0">
-            <a:schemeClr val="accent1"/>
-          </a:effectRef>
-          <a:fontRef idx="minor">
-            <a:schemeClr val="tx1"/>
-          </a:fontRef>
-        </p:style>
-      </p:cxnSp>
-      <p:sp>
-        <p:nvSpPr>
-          <p:cNvPr id="40" name="CuadroTexto 39">
-            <a:extLst>
-              <a:ext uri="{FF2B5EF4-FFF2-40B4-BE49-F238E27FC236}">
-                <a16:creationId xmlns:a16="http://schemas.microsoft.com/office/drawing/2014/main" id="{328B240F-D295-43FD-9E81-25E246797ADE}"/>
-              </a:ext>
-            </a:extLst>
-          </p:cNvPr>
-          <p:cNvSpPr txBox="1"/>
-          <p:nvPr/>
-        </p:nvSpPr>
-        <p:spPr>
-          <a:xfrm>
-            <a:off x="8036462" y="1693638"/>
+            <a:off x="8036462" y="1309324"/>
             <a:ext cx="2524033" cy="307777"/>
           </a:xfrm>
           <a:prstGeom prst="rect">
@@ -7786,7 +7664,7 @@
         </p:nvSpPr>
         <p:spPr>
           <a:xfrm>
-            <a:off x="4799148" y="2019585"/>
+            <a:off x="765531" y="4219447"/>
             <a:ext cx="2091985" cy="307777"/>
           </a:xfrm>
           <a:prstGeom prst="rect">
@@ -7861,8 +7739,8 @@
         </p:nvSpPr>
         <p:spPr>
           <a:xfrm>
-            <a:off x="2726915" y="2585808"/>
-            <a:ext cx="1512168" cy="461665"/>
+            <a:off x="875417" y="4781620"/>
+            <a:ext cx="1731945" cy="461665"/>
           </a:xfrm>
           <a:prstGeom prst="rect">
             <a:avLst/>
@@ -7972,7 +7850,7 @@
         </p:nvSpPr>
         <p:spPr>
           <a:xfrm>
-            <a:off x="4312694" y="2585808"/>
+            <a:off x="2934468" y="4785670"/>
             <a:ext cx="1512168" cy="461665"/>
           </a:xfrm>
           <a:prstGeom prst="rect">
@@ -8081,7 +7959,7 @@
         </p:nvSpPr>
         <p:spPr>
           <a:xfrm>
-            <a:off x="5893116" y="2585808"/>
+            <a:off x="4514890" y="4785670"/>
             <a:ext cx="1512168" cy="461665"/>
           </a:xfrm>
           <a:prstGeom prst="rect">
@@ -8190,7 +8068,7 @@
         </p:nvSpPr>
         <p:spPr>
           <a:xfrm>
-            <a:off x="7718506" y="2581759"/>
+            <a:off x="6456040" y="4264339"/>
             <a:ext cx="1512168" cy="461665"/>
           </a:xfrm>
           <a:prstGeom prst="rect">
@@ -8246,7 +8124,7 @@
                 <a:ea typeface="+mn-ea"/>
                 <a:cs typeface="+mn-cs"/>
               </a:rPr>
-              <a:t>Factores Influyentes Chile/LA/Países</a:t>
+              <a:t>Factores Influyentes Chile</a:t>
             </a:r>
           </a:p>
         </p:txBody>
@@ -8265,7 +8143,7 @@
         </p:nvSpPr>
         <p:spPr>
           <a:xfrm>
-            <a:off x="9298928" y="2581759"/>
+            <a:off x="9510959" y="4781621"/>
             <a:ext cx="1512168" cy="461665"/>
           </a:xfrm>
           <a:prstGeom prst="rect">
@@ -8335,83 +8213,6 @@
       </p:sp>
       <p:sp>
         <p:nvSpPr>
-          <p:cNvPr id="59" name="CuadroTexto 58">
-            <a:extLst>
-              <a:ext uri="{FF2B5EF4-FFF2-40B4-BE49-F238E27FC236}">
-                <a16:creationId xmlns:a16="http://schemas.microsoft.com/office/drawing/2014/main" id="{44551FA0-0295-47AC-ADFB-19DF49407A7C}"/>
-              </a:ext>
-            </a:extLst>
-          </p:cNvPr>
-          <p:cNvSpPr txBox="1"/>
-          <p:nvPr/>
-        </p:nvSpPr>
-        <p:spPr>
-          <a:xfrm>
-            <a:off x="765531" y="3514774"/>
-            <a:ext cx="2236001" cy="307777"/>
-          </a:xfrm>
-          <a:prstGeom prst="rect">
-            <a:avLst/>
-          </a:prstGeom>
-          <a:solidFill>
-            <a:schemeClr val="accent1">
-              <a:lumMod val="60000"/>
-              <a:lumOff val="40000"/>
-            </a:schemeClr>
-          </a:solidFill>
-          <a:ln>
-            <a:solidFill>
-              <a:schemeClr val="accent1">
-                <a:lumMod val="75000"/>
-              </a:schemeClr>
-            </a:solidFill>
-          </a:ln>
-        </p:spPr>
-        <p:txBody>
-          <a:bodyPr wrap="square" rtlCol="0">
-            <a:spAutoFit/>
-          </a:bodyPr>
-          <a:lstStyle/>
-          <a:p>
-            <a:pPr marL="0" marR="0" lvl="0" indent="0" algn="l" defTabSz="914400" rtl="0" eaLnBrk="0" fontAlgn="base" latinLnBrk="0" hangingPunct="0">
-              <a:lnSpc>
-                <a:spcPct val="100000"/>
-              </a:lnSpc>
-              <a:spcBef>
-                <a:spcPct val="0"/>
-              </a:spcBef>
-              <a:spcAft>
-                <a:spcPct val="0"/>
-              </a:spcAft>
-              <a:buClrTx/>
-              <a:buSzTx/>
-              <a:buFontTx/>
-              <a:buNone/>
-              <a:tabLst/>
-              <a:defRPr/>
-            </a:pPr>
-            <a:r>
-              <a:rPr kumimoji="0" lang="es-CL" sz="1400" b="0" i="0" u="none" strike="noStrike" kern="1200" cap="none" spc="0" normalizeH="0" baseline="0" noProof="0" dirty="0">
-                <a:ln>
-                  <a:noFill/>
-                </a:ln>
-                <a:solidFill>
-                  <a:prstClr val="black"/>
-                </a:solidFill>
-                <a:effectLst/>
-                <a:uLnTx/>
-                <a:uFillTx/>
-                <a:latin typeface="Times" pitchFamily="-97" charset="0"/>
-                <a:ea typeface="+mn-ea"/>
-                <a:cs typeface="+mn-cs"/>
-              </a:rPr>
-              <a:t>Impactos Cambio Climático</a:t>
-            </a:r>
-          </a:p>
-        </p:txBody>
-      </p:sp>
-      <p:sp>
-        <p:nvSpPr>
           <p:cNvPr id="60" name="CuadroTexto 59">
             <a:extLst>
               <a:ext uri="{FF2B5EF4-FFF2-40B4-BE49-F238E27FC236}">
@@ -8489,7 +8290,7 @@
         </p:nvSpPr>
         <p:spPr>
           <a:xfrm>
-            <a:off x="4799856" y="3100017"/>
+            <a:off x="3421630" y="5299879"/>
             <a:ext cx="936104" cy="338554"/>
           </a:xfrm>
           <a:prstGeom prst="rect">
@@ -8554,7 +8355,7 @@
         </p:nvSpPr>
         <p:spPr>
           <a:xfrm>
-            <a:off x="5676669" y="2877408"/>
+            <a:off x="4351460" y="5050762"/>
             <a:ext cx="91225" cy="150350"/>
           </a:xfrm>
           <a:custGeom>
@@ -8727,390 +8528,10 @@
       </p:sp>
       <p:sp>
         <p:nvSpPr>
-          <p:cNvPr id="70" name="CuadroTexto 69">
-            <a:extLst>
-              <a:ext uri="{FF2B5EF4-FFF2-40B4-BE49-F238E27FC236}">
-                <a16:creationId xmlns:a16="http://schemas.microsoft.com/office/drawing/2014/main" id="{F08E0DB8-8CE2-4066-BB71-9109108D143C}"/>
-              </a:ext>
-            </a:extLst>
-          </p:cNvPr>
-          <p:cNvSpPr txBox="1"/>
-          <p:nvPr/>
-        </p:nvSpPr>
-        <p:spPr>
-          <a:xfrm>
-            <a:off x="765531" y="4059018"/>
-            <a:ext cx="1512168" cy="461665"/>
-          </a:xfrm>
-          <a:prstGeom prst="rect">
-            <a:avLst/>
-          </a:prstGeom>
-          <a:solidFill>
-            <a:schemeClr val="accent1">
-              <a:lumMod val="60000"/>
-              <a:lumOff val="40000"/>
-            </a:schemeClr>
-          </a:solidFill>
-          <a:ln w="28575">
-            <a:solidFill>
-              <a:schemeClr val="accent1">
-                <a:lumMod val="75000"/>
-              </a:schemeClr>
-            </a:solidFill>
-          </a:ln>
-        </p:spPr>
-        <p:txBody>
-          <a:bodyPr wrap="square" rtlCol="0">
-            <a:spAutoFit/>
-          </a:bodyPr>
-          <a:lstStyle/>
-          <a:p>
-            <a:pPr marL="0" marR="0" lvl="0" indent="0" algn="ctr" defTabSz="914400" rtl="0" eaLnBrk="0" fontAlgn="base" latinLnBrk="0" hangingPunct="0">
-              <a:lnSpc>
-                <a:spcPct val="100000"/>
-              </a:lnSpc>
-              <a:spcBef>
-                <a:spcPct val="0"/>
-              </a:spcBef>
-              <a:spcAft>
-                <a:spcPct val="0"/>
-              </a:spcAft>
-              <a:buClrTx/>
-              <a:buSzTx/>
-              <a:buFontTx/>
-              <a:buNone/>
-              <a:tabLst/>
-              <a:defRPr/>
-            </a:pPr>
-            <a:r>
-              <a:rPr kumimoji="0" lang="es-CL" sz="1200" b="0" i="0" u="none" strike="noStrike" kern="1200" cap="none" spc="0" normalizeH="0" baseline="0" noProof="0" dirty="0">
-                <a:ln>
-                  <a:noFill/>
-                </a:ln>
-                <a:solidFill>
-                  <a:prstClr val="black"/>
-                </a:solidFill>
-                <a:effectLst/>
-                <a:uLnTx/>
-                <a:uFillTx/>
-                <a:latin typeface="Times" pitchFamily="-97" charset="0"/>
-                <a:ea typeface="+mn-ea"/>
-                <a:cs typeface="+mn-cs"/>
-              </a:rPr>
-              <a:t>Impactos CC Global</a:t>
-            </a:r>
-          </a:p>
-          <a:p>
-            <a:pPr marL="0" marR="0" lvl="0" indent="0" algn="ctr" defTabSz="914400" rtl="0" eaLnBrk="0" fontAlgn="base" latinLnBrk="0" hangingPunct="0">
-              <a:lnSpc>
-                <a:spcPct val="100000"/>
-              </a:lnSpc>
-              <a:spcBef>
-                <a:spcPct val="0"/>
-              </a:spcBef>
-              <a:spcAft>
-                <a:spcPct val="0"/>
-              </a:spcAft>
-              <a:buClrTx/>
-              <a:buSzTx/>
-              <a:buFontTx/>
-              <a:buNone/>
-              <a:tabLst/>
-              <a:defRPr/>
-            </a:pPr>
-            <a:r>
-              <a:rPr kumimoji="0" lang="es-CL" sz="1200" b="0" i="0" u="none" strike="noStrike" kern="1200" cap="none" spc="0" normalizeH="0" baseline="0" noProof="0" dirty="0">
-                <a:ln>
-                  <a:noFill/>
-                </a:ln>
-                <a:solidFill>
-                  <a:prstClr val="black"/>
-                </a:solidFill>
-                <a:effectLst/>
-                <a:uLnTx/>
-                <a:uFillTx/>
-                <a:latin typeface="Times" pitchFamily="-97" charset="0"/>
-                <a:ea typeface="+mn-ea"/>
-                <a:cs typeface="+mn-cs"/>
-              </a:rPr>
-              <a:t>Ecosistemas (Word)</a:t>
-            </a:r>
-          </a:p>
-        </p:txBody>
-      </p:sp>
-      <p:sp>
-        <p:nvSpPr>
-          <p:cNvPr id="72" name="CuadroTexto 71">
-            <a:extLst>
-              <a:ext uri="{FF2B5EF4-FFF2-40B4-BE49-F238E27FC236}">
-                <a16:creationId xmlns:a16="http://schemas.microsoft.com/office/drawing/2014/main" id="{81357EF3-84EB-45C6-AF89-B1701F7F4497}"/>
-              </a:ext>
-            </a:extLst>
-          </p:cNvPr>
-          <p:cNvSpPr txBox="1"/>
-          <p:nvPr/>
-        </p:nvSpPr>
-        <p:spPr>
-          <a:xfrm>
-            <a:off x="2347831" y="4059017"/>
-            <a:ext cx="1512168" cy="461665"/>
-          </a:xfrm>
-          <a:prstGeom prst="rect">
-            <a:avLst/>
-          </a:prstGeom>
-          <a:solidFill>
-            <a:schemeClr val="accent1">
-              <a:lumMod val="60000"/>
-              <a:lumOff val="40000"/>
-            </a:schemeClr>
-          </a:solidFill>
-          <a:ln w="28575">
-            <a:solidFill>
-              <a:schemeClr val="accent1">
-                <a:lumMod val="75000"/>
-              </a:schemeClr>
-            </a:solidFill>
-          </a:ln>
-        </p:spPr>
-        <p:txBody>
-          <a:bodyPr wrap="square" rtlCol="0">
-            <a:spAutoFit/>
-          </a:bodyPr>
-          <a:lstStyle/>
-          <a:p>
-            <a:pPr marL="0" marR="0" lvl="0" indent="0" algn="ctr" defTabSz="914400" rtl="0" eaLnBrk="0" fontAlgn="base" latinLnBrk="0" hangingPunct="0">
-              <a:lnSpc>
-                <a:spcPct val="100000"/>
-              </a:lnSpc>
-              <a:spcBef>
-                <a:spcPct val="0"/>
-              </a:spcBef>
-              <a:spcAft>
-                <a:spcPct val="0"/>
-              </a:spcAft>
-              <a:buClrTx/>
-              <a:buSzTx/>
-              <a:buFontTx/>
-              <a:buNone/>
-              <a:tabLst/>
-              <a:defRPr/>
-            </a:pPr>
-            <a:r>
-              <a:rPr kumimoji="0" lang="es-CL" sz="1200" b="0" i="0" u="none" strike="noStrike" kern="1200" cap="none" spc="0" normalizeH="0" baseline="0" noProof="0" dirty="0">
-                <a:ln>
-                  <a:noFill/>
-                </a:ln>
-                <a:solidFill>
-                  <a:prstClr val="black"/>
-                </a:solidFill>
-                <a:effectLst/>
-                <a:uLnTx/>
-                <a:uFillTx/>
-                <a:latin typeface="Times" pitchFamily="-97" charset="0"/>
-                <a:ea typeface="+mn-ea"/>
-                <a:cs typeface="+mn-cs"/>
-              </a:rPr>
-              <a:t>Impactos CC Global</a:t>
-            </a:r>
-          </a:p>
-          <a:p>
-            <a:pPr marL="0" marR="0" lvl="0" indent="0" algn="ctr" defTabSz="914400" rtl="0" eaLnBrk="0" fontAlgn="base" latinLnBrk="0" hangingPunct="0">
-              <a:lnSpc>
-                <a:spcPct val="100000"/>
-              </a:lnSpc>
-              <a:spcBef>
-                <a:spcPct val="0"/>
-              </a:spcBef>
-              <a:spcAft>
-                <a:spcPct val="0"/>
-              </a:spcAft>
-              <a:buClrTx/>
-              <a:buSzTx/>
-              <a:buFontTx/>
-              <a:buNone/>
-              <a:tabLst/>
-              <a:defRPr/>
-            </a:pPr>
-            <a:r>
-              <a:rPr kumimoji="0" lang="es-CL" sz="1200" b="0" i="0" u="none" strike="noStrike" kern="1200" cap="none" spc="0" normalizeH="0" baseline="0" noProof="0" dirty="0">
-                <a:ln>
-                  <a:noFill/>
-                </a:ln>
-                <a:solidFill>
-                  <a:prstClr val="black"/>
-                </a:solidFill>
-                <a:effectLst/>
-                <a:uLnTx/>
-                <a:uFillTx/>
-                <a:latin typeface="Times" pitchFamily="-97" charset="0"/>
-                <a:ea typeface="+mn-ea"/>
-                <a:cs typeface="+mn-cs"/>
-              </a:rPr>
-              <a:t>Vida Humana (Word)</a:t>
-            </a:r>
-          </a:p>
-        </p:txBody>
-      </p:sp>
-      <p:sp>
-        <p:nvSpPr>
-          <p:cNvPr id="74" name="CuadroTexto 73">
-            <a:extLst>
-              <a:ext uri="{FF2B5EF4-FFF2-40B4-BE49-F238E27FC236}">
-                <a16:creationId xmlns:a16="http://schemas.microsoft.com/office/drawing/2014/main" id="{680C6AC6-B633-497C-A6B7-9A1F819BB8C5}"/>
-              </a:ext>
-            </a:extLst>
-          </p:cNvPr>
-          <p:cNvSpPr txBox="1"/>
-          <p:nvPr/>
-        </p:nvSpPr>
-        <p:spPr>
-          <a:xfrm>
-            <a:off x="4075648" y="4059016"/>
-            <a:ext cx="1512168" cy="461665"/>
-          </a:xfrm>
-          <a:prstGeom prst="rect">
-            <a:avLst/>
-          </a:prstGeom>
-          <a:solidFill>
-            <a:schemeClr val="accent1">
-              <a:lumMod val="60000"/>
-              <a:lumOff val="40000"/>
-            </a:schemeClr>
-          </a:solidFill>
-          <a:ln w="28575">
-            <a:solidFill>
-              <a:schemeClr val="accent1">
-                <a:lumMod val="75000"/>
-              </a:schemeClr>
-            </a:solidFill>
-          </a:ln>
-        </p:spPr>
-        <p:txBody>
-          <a:bodyPr wrap="square" rtlCol="0">
-            <a:spAutoFit/>
-          </a:bodyPr>
-          <a:lstStyle/>
-          <a:p>
-            <a:pPr marL="0" marR="0" lvl="0" indent="0" algn="ctr" defTabSz="914400" rtl="0" eaLnBrk="0" fontAlgn="base" latinLnBrk="0" hangingPunct="0">
-              <a:lnSpc>
-                <a:spcPct val="100000"/>
-              </a:lnSpc>
-              <a:spcBef>
-                <a:spcPct val="0"/>
-              </a:spcBef>
-              <a:spcAft>
-                <a:spcPct val="0"/>
-              </a:spcAft>
-              <a:buClrTx/>
-              <a:buSzTx/>
-              <a:buFontTx/>
-              <a:buNone/>
-              <a:tabLst/>
-              <a:defRPr/>
-            </a:pPr>
-            <a:r>
-              <a:rPr kumimoji="0" lang="es-CL" sz="1200" b="0" i="0" u="none" strike="noStrike" kern="1200" cap="none" spc="0" normalizeH="0" baseline="0" noProof="0" dirty="0">
-                <a:ln>
-                  <a:noFill/>
-                </a:ln>
-                <a:solidFill>
-                  <a:prstClr val="black"/>
-                </a:solidFill>
-                <a:effectLst/>
-                <a:uLnTx/>
-                <a:uFillTx/>
-                <a:latin typeface="Times" pitchFamily="-97" charset="0"/>
-                <a:ea typeface="+mn-ea"/>
-                <a:cs typeface="+mn-cs"/>
-              </a:rPr>
-              <a:t>Desastres Naturales Chile</a:t>
-            </a:r>
-          </a:p>
-        </p:txBody>
-      </p:sp>
-      <p:sp>
-        <p:nvSpPr>
-          <p:cNvPr id="76" name="CuadroTexto 75">
-            <a:extLst>
-              <a:ext uri="{FF2B5EF4-FFF2-40B4-BE49-F238E27FC236}">
-                <a16:creationId xmlns:a16="http://schemas.microsoft.com/office/drawing/2014/main" id="{49E10B40-BB50-459A-AB60-8D1916F7EAFB}"/>
-              </a:ext>
-            </a:extLst>
-          </p:cNvPr>
-          <p:cNvSpPr txBox="1"/>
-          <p:nvPr/>
-        </p:nvSpPr>
-        <p:spPr>
-          <a:xfrm>
-            <a:off x="5657948" y="4059015"/>
-            <a:ext cx="1512168" cy="461665"/>
-          </a:xfrm>
-          <a:prstGeom prst="rect">
-            <a:avLst/>
-          </a:prstGeom>
-          <a:solidFill>
-            <a:schemeClr val="accent1">
-              <a:lumMod val="60000"/>
-              <a:lumOff val="40000"/>
-            </a:schemeClr>
-          </a:solidFill>
-          <a:ln w="28575">
-            <a:solidFill>
-              <a:schemeClr val="accent1">
-                <a:lumMod val="75000"/>
-              </a:schemeClr>
-            </a:solidFill>
-          </a:ln>
-        </p:spPr>
-        <p:txBody>
-          <a:bodyPr wrap="square" rtlCol="0">
-            <a:spAutoFit/>
-          </a:bodyPr>
-          <a:lstStyle/>
-          <a:p>
-            <a:pPr marL="0" marR="0" lvl="0" indent="0" algn="ctr" defTabSz="914400" rtl="0" eaLnBrk="0" fontAlgn="base" latinLnBrk="0" hangingPunct="0">
-              <a:lnSpc>
-                <a:spcPct val="100000"/>
-              </a:lnSpc>
-              <a:spcBef>
-                <a:spcPct val="0"/>
-              </a:spcBef>
-              <a:spcAft>
-                <a:spcPct val="0"/>
-              </a:spcAft>
-              <a:buClrTx/>
-              <a:buSzTx/>
-              <a:buFontTx/>
-              <a:buNone/>
-              <a:tabLst/>
-              <a:defRPr/>
-            </a:pPr>
-            <a:r>
-              <a:rPr kumimoji="0" lang="es-CL" sz="1200" b="0" i="0" u="none" strike="noStrike" kern="1200" cap="none" spc="0" normalizeH="0" baseline="0" noProof="0" dirty="0">
-                <a:ln>
-                  <a:noFill/>
-                </a:ln>
-                <a:solidFill>
-                  <a:prstClr val="black"/>
-                </a:solidFill>
-                <a:effectLst/>
-                <a:uLnTx/>
-                <a:uFillTx/>
-                <a:latin typeface="Times" pitchFamily="-97" charset="0"/>
-                <a:ea typeface="+mn-ea"/>
-                <a:cs typeface="+mn-cs"/>
-              </a:rPr>
-              <a:t>Desastres Naturales Latino América</a:t>
-            </a:r>
-          </a:p>
-        </p:txBody>
-      </p:sp>
-      <p:sp>
-        <p:nvSpPr>
-          <p:cNvPr id="81" name="Rectángulo 80">
-            <a:extLst>
-              <a:ext uri="{FF2B5EF4-FFF2-40B4-BE49-F238E27FC236}">
-                <a16:creationId xmlns:a16="http://schemas.microsoft.com/office/drawing/2014/main" id="{BD54D6F6-14A5-4932-AD33-93B5647CCFFD}"/>
+          <p:cNvPr id="83" name="Rectángulo 82">
+            <a:extLst>
+              <a:ext uri="{FF2B5EF4-FFF2-40B4-BE49-F238E27FC236}">
+                <a16:creationId xmlns:a16="http://schemas.microsoft.com/office/drawing/2014/main" id="{8B77CAAC-7C19-4AE6-B73A-77D98D232FE1}"/>
               </a:ext>
             </a:extLst>
           </p:cNvPr>
@@ -9119,13 +8540,18 @@
         </p:nvSpPr>
         <p:spPr>
           <a:xfrm>
-            <a:off x="4072565" y="3933056"/>
-            <a:ext cx="3097551" cy="720080"/>
+            <a:off x="2920688" y="4656004"/>
+            <a:ext cx="3106370" cy="720080"/>
           </a:xfrm>
           <a:prstGeom prst="rect">
             <a:avLst/>
           </a:prstGeom>
           <a:noFill/>
+          <a:ln>
+            <a:solidFill>
+              <a:srgbClr val="FFC000"/>
+            </a:solidFill>
+          </a:ln>
         </p:spPr>
         <p:style>
           <a:lnRef idx="2">
@@ -9183,10 +8609,443 @@
       </p:sp>
       <p:sp>
         <p:nvSpPr>
-          <p:cNvPr id="83" name="Rectángulo 82">
-            <a:extLst>
-              <a:ext uri="{FF2B5EF4-FFF2-40B4-BE49-F238E27FC236}">
-                <a16:creationId xmlns:a16="http://schemas.microsoft.com/office/drawing/2014/main" id="{8B77CAAC-7C19-4AE6-B73A-77D98D232FE1}"/>
+          <p:cNvPr id="3" name="CuadroTexto 2">
+            <a:extLst>
+              <a:ext uri="{FF2B5EF4-FFF2-40B4-BE49-F238E27FC236}">
+                <a16:creationId xmlns:a16="http://schemas.microsoft.com/office/drawing/2014/main" id="{3F9260E9-3145-4F04-832E-A93BFB8D3342}"/>
+              </a:ext>
+            </a:extLst>
+          </p:cNvPr>
+          <p:cNvSpPr txBox="1"/>
+          <p:nvPr/>
+        </p:nvSpPr>
+        <p:spPr>
+          <a:xfrm>
+            <a:off x="1363498" y="5306508"/>
+            <a:ext cx="936104" cy="338554"/>
+          </a:xfrm>
+          <a:prstGeom prst="rect">
+            <a:avLst/>
+          </a:prstGeom>
+          <a:noFill/>
+        </p:spPr>
+        <p:txBody>
+          <a:bodyPr wrap="square" rtlCol="0">
+            <a:spAutoFit/>
+          </a:bodyPr>
+          <a:lstStyle/>
+          <a:p>
+            <a:pPr marL="0" marR="0" lvl="0" indent="0" algn="l" defTabSz="914400" rtl="0" eaLnBrk="0" fontAlgn="base" latinLnBrk="0" hangingPunct="0">
+              <a:lnSpc>
+                <a:spcPct val="100000"/>
+              </a:lnSpc>
+              <a:spcBef>
+                <a:spcPct val="0"/>
+              </a:spcBef>
+              <a:spcAft>
+                <a:spcPct val="0"/>
+              </a:spcAft>
+              <a:buClrTx/>
+              <a:buSzTx/>
+              <a:buFontTx/>
+              <a:buNone/>
+              <a:tabLst/>
+              <a:defRPr/>
+            </a:pPr>
+            <a:r>
+              <a:rPr kumimoji="0" lang="es-CL" sz="1600" b="1" i="0" u="none" strike="noStrike" kern="1200" cap="none" spc="0" normalizeH="0" baseline="0" noProof="0" dirty="0">
+                <a:ln>
+                  <a:noFill/>
+                </a:ln>
+                <a:solidFill>
+                  <a:prstClr val="black"/>
+                </a:solidFill>
+                <a:effectLst/>
+                <a:uLnTx/>
+                <a:uFillTx/>
+                <a:latin typeface="Times" pitchFamily="-97" charset="0"/>
+                <a:ea typeface="+mn-ea"/>
+                <a:cs typeface="+mn-cs"/>
+              </a:rPr>
+              <a:t>Precio</a:t>
+            </a:r>
+          </a:p>
+        </p:txBody>
+      </p:sp>
+      <p:sp>
+        <p:nvSpPr>
+          <p:cNvPr id="5" name="CuadroTexto 4">
+            <a:extLst>
+              <a:ext uri="{FF2B5EF4-FFF2-40B4-BE49-F238E27FC236}">
+                <a16:creationId xmlns:a16="http://schemas.microsoft.com/office/drawing/2014/main" id="{A66881F3-6074-4C18-AB66-63CE44720E49}"/>
+              </a:ext>
+            </a:extLst>
+          </p:cNvPr>
+          <p:cNvSpPr txBox="1"/>
+          <p:nvPr/>
+        </p:nvSpPr>
+        <p:spPr>
+          <a:xfrm>
+            <a:off x="4901687" y="5315098"/>
+            <a:ext cx="936104" cy="338554"/>
+          </a:xfrm>
+          <a:prstGeom prst="rect">
+            <a:avLst/>
+          </a:prstGeom>
+          <a:noFill/>
+        </p:spPr>
+        <p:txBody>
+          <a:bodyPr wrap="square" rtlCol="0">
+            <a:spAutoFit/>
+          </a:bodyPr>
+          <a:lstStyle/>
+          <a:p>
+            <a:pPr marL="0" marR="0" lvl="0" indent="0" algn="l" defTabSz="914400" rtl="0" eaLnBrk="0" fontAlgn="base" latinLnBrk="0" hangingPunct="0">
+              <a:lnSpc>
+                <a:spcPct val="100000"/>
+              </a:lnSpc>
+              <a:spcBef>
+                <a:spcPct val="0"/>
+              </a:spcBef>
+              <a:spcAft>
+                <a:spcPct val="0"/>
+              </a:spcAft>
+              <a:buClrTx/>
+              <a:buSzTx/>
+              <a:buFontTx/>
+              <a:buNone/>
+              <a:tabLst/>
+              <a:defRPr/>
+            </a:pPr>
+            <a:r>
+              <a:rPr kumimoji="0" lang="es-CL" sz="1600" b="1" i="0" u="none" strike="noStrike" kern="1200" cap="none" spc="0" normalizeH="0" baseline="0" noProof="0" dirty="0">
+                <a:ln>
+                  <a:noFill/>
+                </a:ln>
+                <a:solidFill>
+                  <a:prstClr val="black"/>
+                </a:solidFill>
+                <a:effectLst/>
+                <a:uLnTx/>
+                <a:uFillTx/>
+                <a:latin typeface="Times" pitchFamily="-97" charset="0"/>
+                <a:ea typeface="+mn-ea"/>
+                <a:cs typeface="+mn-cs"/>
+              </a:rPr>
+              <a:t>Precio</a:t>
+            </a:r>
+          </a:p>
+        </p:txBody>
+      </p:sp>
+      <p:sp>
+        <p:nvSpPr>
+          <p:cNvPr id="9" name="CuadroTexto 8">
+            <a:extLst>
+              <a:ext uri="{FF2B5EF4-FFF2-40B4-BE49-F238E27FC236}">
+                <a16:creationId xmlns:a16="http://schemas.microsoft.com/office/drawing/2014/main" id="{CBB46749-C2D1-49CC-8858-0024CD26D463}"/>
+              </a:ext>
+            </a:extLst>
+          </p:cNvPr>
+          <p:cNvSpPr txBox="1"/>
+          <p:nvPr/>
+        </p:nvSpPr>
+        <p:spPr>
+          <a:xfrm>
+            <a:off x="8279170" y="4325894"/>
+            <a:ext cx="936104" cy="338554"/>
+          </a:xfrm>
+          <a:prstGeom prst="rect">
+            <a:avLst/>
+          </a:prstGeom>
+          <a:noFill/>
+        </p:spPr>
+        <p:txBody>
+          <a:bodyPr wrap="square" rtlCol="0">
+            <a:spAutoFit/>
+          </a:bodyPr>
+          <a:lstStyle/>
+          <a:p>
+            <a:pPr marL="0" marR="0" lvl="0" indent="0" algn="l" defTabSz="914400" rtl="0" eaLnBrk="0" fontAlgn="base" latinLnBrk="0" hangingPunct="0">
+              <a:lnSpc>
+                <a:spcPct val="100000"/>
+              </a:lnSpc>
+              <a:spcBef>
+                <a:spcPct val="0"/>
+              </a:spcBef>
+              <a:spcAft>
+                <a:spcPct val="0"/>
+              </a:spcAft>
+              <a:buClrTx/>
+              <a:buSzTx/>
+              <a:buFontTx/>
+              <a:buNone/>
+              <a:tabLst/>
+              <a:defRPr/>
+            </a:pPr>
+            <a:r>
+              <a:rPr kumimoji="0" lang="es-CL" sz="1600" b="1" i="0" u="none" strike="noStrike" kern="1200" cap="none" spc="0" normalizeH="0" baseline="0" noProof="0" dirty="0">
+                <a:ln>
+                  <a:noFill/>
+                </a:ln>
+                <a:solidFill>
+                  <a:prstClr val="black"/>
+                </a:solidFill>
+                <a:effectLst/>
+                <a:uLnTx/>
+                <a:uFillTx/>
+                <a:latin typeface="Times" pitchFamily="-97" charset="0"/>
+                <a:ea typeface="+mn-ea"/>
+                <a:cs typeface="+mn-cs"/>
+              </a:rPr>
+              <a:t>Precio</a:t>
+            </a:r>
+          </a:p>
+        </p:txBody>
+      </p:sp>
+      <p:sp>
+        <p:nvSpPr>
+          <p:cNvPr id="10" name="CuadroTexto 9">
+            <a:extLst>
+              <a:ext uri="{FF2B5EF4-FFF2-40B4-BE49-F238E27FC236}">
+                <a16:creationId xmlns:a16="http://schemas.microsoft.com/office/drawing/2014/main" id="{3165F411-9918-45F5-A228-E0BD87FD4114}"/>
+              </a:ext>
+            </a:extLst>
+          </p:cNvPr>
+          <p:cNvSpPr txBox="1"/>
+          <p:nvPr/>
+        </p:nvSpPr>
+        <p:spPr>
+          <a:xfrm>
+            <a:off x="9887392" y="5315098"/>
+            <a:ext cx="936104" cy="338554"/>
+          </a:xfrm>
+          <a:prstGeom prst="rect">
+            <a:avLst/>
+          </a:prstGeom>
+          <a:noFill/>
+        </p:spPr>
+        <p:txBody>
+          <a:bodyPr wrap="square" rtlCol="0">
+            <a:spAutoFit/>
+          </a:bodyPr>
+          <a:lstStyle/>
+          <a:p>
+            <a:pPr marL="0" marR="0" lvl="0" indent="0" algn="l" defTabSz="914400" rtl="0" eaLnBrk="0" fontAlgn="base" latinLnBrk="0" hangingPunct="0">
+              <a:lnSpc>
+                <a:spcPct val="100000"/>
+              </a:lnSpc>
+              <a:spcBef>
+                <a:spcPct val="0"/>
+              </a:spcBef>
+              <a:spcAft>
+                <a:spcPct val="0"/>
+              </a:spcAft>
+              <a:buClrTx/>
+              <a:buSzTx/>
+              <a:buFontTx/>
+              <a:buNone/>
+              <a:tabLst/>
+              <a:defRPr/>
+            </a:pPr>
+            <a:r>
+              <a:rPr kumimoji="0" lang="es-CL" sz="1600" b="1" i="0" u="none" strike="noStrike" kern="1200" cap="none" spc="0" normalizeH="0" baseline="0" noProof="0" dirty="0">
+                <a:ln>
+                  <a:noFill/>
+                </a:ln>
+                <a:solidFill>
+                  <a:prstClr val="black"/>
+                </a:solidFill>
+                <a:effectLst/>
+                <a:uLnTx/>
+                <a:uFillTx/>
+                <a:latin typeface="Times" pitchFamily="-97" charset="0"/>
+                <a:ea typeface="+mn-ea"/>
+                <a:cs typeface="+mn-cs"/>
+              </a:rPr>
+              <a:t>Precio</a:t>
+            </a:r>
+          </a:p>
+        </p:txBody>
+      </p:sp>
+      <p:sp>
+        <p:nvSpPr>
+          <p:cNvPr id="79" name="CuadroTexto 78">
+            <a:extLst>
+              <a:ext uri="{FF2B5EF4-FFF2-40B4-BE49-F238E27FC236}">
+                <a16:creationId xmlns:a16="http://schemas.microsoft.com/office/drawing/2014/main" id="{CB904955-2F32-474C-854C-3DF0A72F7CE2}"/>
+              </a:ext>
+            </a:extLst>
+          </p:cNvPr>
+          <p:cNvSpPr txBox="1"/>
+          <p:nvPr/>
+        </p:nvSpPr>
+        <p:spPr>
+          <a:xfrm>
+            <a:off x="6456040" y="4801283"/>
+            <a:ext cx="1512168" cy="461665"/>
+          </a:xfrm>
+          <a:prstGeom prst="rect">
+            <a:avLst/>
+          </a:prstGeom>
+          <a:solidFill>
+            <a:schemeClr val="accent4">
+              <a:lumMod val="40000"/>
+              <a:lumOff val="60000"/>
+            </a:schemeClr>
+          </a:solidFill>
+          <a:ln w="28575">
+            <a:solidFill>
+              <a:srgbClr val="FFC000"/>
+            </a:solidFill>
+          </a:ln>
+        </p:spPr>
+        <p:txBody>
+          <a:bodyPr wrap="square" rtlCol="0">
+            <a:spAutoFit/>
+          </a:bodyPr>
+          <a:lstStyle/>
+          <a:p>
+            <a:pPr marL="0" marR="0" lvl="0" indent="0" algn="ctr" defTabSz="914400" rtl="0" eaLnBrk="0" fontAlgn="base" latinLnBrk="0" hangingPunct="0">
+              <a:lnSpc>
+                <a:spcPct val="100000"/>
+              </a:lnSpc>
+              <a:spcBef>
+                <a:spcPct val="0"/>
+              </a:spcBef>
+              <a:spcAft>
+                <a:spcPct val="0"/>
+              </a:spcAft>
+              <a:buClrTx/>
+              <a:buSzTx/>
+              <a:buFontTx/>
+              <a:buNone/>
+              <a:tabLst/>
+              <a:defRPr/>
+            </a:pPr>
+            <a:r>
+              <a:rPr kumimoji="0" lang="es-CL" sz="1200" b="0" i="0" u="none" strike="noStrike" kern="1200" cap="none" spc="0" normalizeH="0" baseline="0" noProof="0" dirty="0">
+                <a:ln>
+                  <a:noFill/>
+                </a:ln>
+                <a:solidFill>
+                  <a:prstClr val="black"/>
+                </a:solidFill>
+                <a:effectLst/>
+                <a:uLnTx/>
+                <a:uFillTx/>
+                <a:latin typeface="Times" pitchFamily="-97" charset="0"/>
+                <a:ea typeface="+mn-ea"/>
+                <a:cs typeface="+mn-cs"/>
+              </a:rPr>
+              <a:t>Factores Influyentes Latino América</a:t>
+            </a:r>
+          </a:p>
+        </p:txBody>
+      </p:sp>
+      <p:sp>
+        <p:nvSpPr>
+          <p:cNvPr id="80" name="CuadroTexto 79">
+            <a:extLst>
+              <a:ext uri="{FF2B5EF4-FFF2-40B4-BE49-F238E27FC236}">
+                <a16:creationId xmlns:a16="http://schemas.microsoft.com/office/drawing/2014/main" id="{CA75491D-EFBE-419C-BAAD-FFEC286C9BE1}"/>
+              </a:ext>
+            </a:extLst>
+          </p:cNvPr>
+          <p:cNvSpPr txBox="1"/>
+          <p:nvPr/>
+        </p:nvSpPr>
+        <p:spPr>
+          <a:xfrm>
+            <a:off x="6456040" y="5331216"/>
+            <a:ext cx="1512168" cy="461665"/>
+          </a:xfrm>
+          <a:prstGeom prst="rect">
+            <a:avLst/>
+          </a:prstGeom>
+          <a:solidFill>
+            <a:schemeClr val="accent4">
+              <a:lumMod val="40000"/>
+              <a:lumOff val="60000"/>
+            </a:schemeClr>
+          </a:solidFill>
+          <a:ln w="28575">
+            <a:solidFill>
+              <a:srgbClr val="FFC000"/>
+            </a:solidFill>
+          </a:ln>
+        </p:spPr>
+        <p:txBody>
+          <a:bodyPr wrap="square" rtlCol="0">
+            <a:spAutoFit/>
+          </a:bodyPr>
+          <a:lstStyle/>
+          <a:p>
+            <a:pPr marL="0" marR="0" lvl="0" indent="0" algn="ctr" defTabSz="914400" rtl="0" eaLnBrk="0" fontAlgn="base" latinLnBrk="0" hangingPunct="0">
+              <a:lnSpc>
+                <a:spcPct val="100000"/>
+              </a:lnSpc>
+              <a:spcBef>
+                <a:spcPct val="0"/>
+              </a:spcBef>
+              <a:spcAft>
+                <a:spcPct val="0"/>
+              </a:spcAft>
+              <a:buClrTx/>
+              <a:buSzTx/>
+              <a:buFontTx/>
+              <a:buNone/>
+              <a:tabLst/>
+              <a:defRPr/>
+            </a:pPr>
+            <a:r>
+              <a:rPr kumimoji="0" lang="es-CL" sz="1200" b="0" i="0" u="none" strike="noStrike" kern="1200" cap="none" spc="0" normalizeH="0" baseline="0" noProof="0" dirty="0">
+                <a:ln>
+                  <a:noFill/>
+                </a:ln>
+                <a:solidFill>
+                  <a:prstClr val="black"/>
+                </a:solidFill>
+                <a:effectLst/>
+                <a:uLnTx/>
+                <a:uFillTx/>
+                <a:latin typeface="Times" pitchFamily="-97" charset="0"/>
+                <a:ea typeface="+mn-ea"/>
+                <a:cs typeface="+mn-cs"/>
+              </a:rPr>
+              <a:t>Factores Influyentes </a:t>
+            </a:r>
+            <a:r>
+              <a:rPr lang="es-CL" sz="1200" dirty="0">
+                <a:solidFill>
+                  <a:prstClr val="black"/>
+                </a:solidFill>
+                <a:latin typeface="Times" pitchFamily="-97" charset="0"/>
+              </a:rPr>
+              <a:t>Países</a:t>
+            </a:r>
+            <a:endParaRPr kumimoji="0" lang="es-CL" sz="1200" b="0" i="0" u="none" strike="noStrike" kern="1200" cap="none" spc="0" normalizeH="0" baseline="0" noProof="0" dirty="0">
+              <a:ln>
+                <a:noFill/>
+              </a:ln>
+              <a:solidFill>
+                <a:prstClr val="black"/>
+              </a:solidFill>
+              <a:effectLst/>
+              <a:uLnTx/>
+              <a:uFillTx/>
+              <a:latin typeface="Times" pitchFamily="-97" charset="0"/>
+              <a:ea typeface="+mn-ea"/>
+              <a:cs typeface="+mn-cs"/>
+            </a:endParaRPr>
+          </a:p>
+        </p:txBody>
+      </p:sp>
+      <p:sp>
+        <p:nvSpPr>
+          <p:cNvPr id="82" name="Rectángulo 81">
+            <a:extLst>
+              <a:ext uri="{FF2B5EF4-FFF2-40B4-BE49-F238E27FC236}">
+                <a16:creationId xmlns:a16="http://schemas.microsoft.com/office/drawing/2014/main" id="{A246F274-5274-42C0-9283-A5AD58F291BB}"/>
               </a:ext>
             </a:extLst>
           </p:cNvPr>
@@ -9194,9 +9053,9 @@
           <p:nvPr/>
         </p:nvSpPr>
         <p:spPr>
-          <a:xfrm>
-            <a:off x="4298914" y="2456142"/>
-            <a:ext cx="3106370" cy="720080"/>
+          <a:xfrm rot="5400000">
+            <a:off x="6447853" y="4117046"/>
+            <a:ext cx="1528542" cy="1823130"/>
           </a:xfrm>
           <a:prstGeom prst="rect">
             <a:avLst/>
@@ -9264,10 +9123,10 @@
       </p:sp>
       <p:sp>
         <p:nvSpPr>
-          <p:cNvPr id="85" name="CuadroTexto 84">
-            <a:extLst>
-              <a:ext uri="{FF2B5EF4-FFF2-40B4-BE49-F238E27FC236}">
-                <a16:creationId xmlns:a16="http://schemas.microsoft.com/office/drawing/2014/main" id="{64EB516F-E1EE-403E-91DA-ADD940B5B990}"/>
+          <p:cNvPr id="84" name="CuadroTexto 83">
+            <a:extLst>
+              <a:ext uri="{FF2B5EF4-FFF2-40B4-BE49-F238E27FC236}">
+                <a16:creationId xmlns:a16="http://schemas.microsoft.com/office/drawing/2014/main" id="{76CA66B1-AE8B-4A2A-BCE9-0438D438DF4F}"/>
               </a:ext>
             </a:extLst>
           </p:cNvPr>
@@ -9276,467 +9135,7 @@
         </p:nvSpPr>
         <p:spPr>
           <a:xfrm>
-            <a:off x="782485" y="5510128"/>
-            <a:ext cx="1512168" cy="461665"/>
-          </a:xfrm>
-          <a:prstGeom prst="rect">
-            <a:avLst/>
-          </a:prstGeom>
-          <a:solidFill>
-            <a:schemeClr val="accent1">
-              <a:lumMod val="60000"/>
-              <a:lumOff val="40000"/>
-            </a:schemeClr>
-          </a:solidFill>
-          <a:ln w="28575">
-            <a:solidFill>
-              <a:schemeClr val="accent1">
-                <a:lumMod val="75000"/>
-              </a:schemeClr>
-            </a:solidFill>
-          </a:ln>
-        </p:spPr>
-        <p:txBody>
-          <a:bodyPr wrap="square" rtlCol="0">
-            <a:spAutoFit/>
-          </a:bodyPr>
-          <a:lstStyle/>
-          <a:p>
-            <a:pPr marL="0" marR="0" lvl="0" indent="0" algn="ctr" defTabSz="914400" rtl="0" eaLnBrk="0" fontAlgn="base" latinLnBrk="0" hangingPunct="0">
-              <a:lnSpc>
-                <a:spcPct val="100000"/>
-              </a:lnSpc>
-              <a:spcBef>
-                <a:spcPct val="0"/>
-              </a:spcBef>
-              <a:spcAft>
-                <a:spcPct val="0"/>
-              </a:spcAft>
-              <a:buClrTx/>
-              <a:buSzTx/>
-              <a:buFontTx/>
-              <a:buNone/>
-              <a:tabLst/>
-              <a:defRPr/>
-            </a:pPr>
-            <a:r>
-              <a:rPr kumimoji="0" lang="es-CL" sz="1200" b="0" i="0" u="none" strike="noStrike" kern="1200" cap="none" spc="0" normalizeH="0" baseline="0" noProof="0" dirty="0">
-                <a:ln>
-                  <a:noFill/>
-                </a:ln>
-                <a:solidFill>
-                  <a:prstClr val="black"/>
-                </a:solidFill>
-                <a:effectLst/>
-                <a:uLnTx/>
-                <a:uFillTx/>
-                <a:latin typeface="Times" pitchFamily="-97" charset="0"/>
-                <a:ea typeface="+mn-ea"/>
-                <a:cs typeface="+mn-cs"/>
-              </a:rPr>
-              <a:t>Salud y Bienestar Chile</a:t>
-            </a:r>
-          </a:p>
-        </p:txBody>
-      </p:sp>
-      <p:sp>
-        <p:nvSpPr>
-          <p:cNvPr id="87" name="CuadroTexto 86">
-            <a:extLst>
-              <a:ext uri="{FF2B5EF4-FFF2-40B4-BE49-F238E27FC236}">
-                <a16:creationId xmlns:a16="http://schemas.microsoft.com/office/drawing/2014/main" id="{F8EC0E94-44F2-4079-B8FF-8AE2F33C62E5}"/>
-              </a:ext>
-            </a:extLst>
-          </p:cNvPr>
-          <p:cNvSpPr txBox="1"/>
-          <p:nvPr/>
-        </p:nvSpPr>
-        <p:spPr>
-          <a:xfrm>
-            <a:off x="2364785" y="5510127"/>
-            <a:ext cx="1512168" cy="461665"/>
-          </a:xfrm>
-          <a:prstGeom prst="rect">
-            <a:avLst/>
-          </a:prstGeom>
-          <a:solidFill>
-            <a:schemeClr val="accent1">
-              <a:lumMod val="60000"/>
-              <a:lumOff val="40000"/>
-            </a:schemeClr>
-          </a:solidFill>
-          <a:ln w="28575">
-            <a:solidFill>
-              <a:schemeClr val="accent1">
-                <a:lumMod val="75000"/>
-              </a:schemeClr>
-            </a:solidFill>
-          </a:ln>
-        </p:spPr>
-        <p:txBody>
-          <a:bodyPr wrap="square" rtlCol="0">
-            <a:spAutoFit/>
-          </a:bodyPr>
-          <a:lstStyle/>
-          <a:p>
-            <a:pPr marL="0" marR="0" lvl="0" indent="0" algn="ctr" defTabSz="914400" rtl="0" eaLnBrk="0" fontAlgn="base" latinLnBrk="0" hangingPunct="0">
-              <a:lnSpc>
-                <a:spcPct val="100000"/>
-              </a:lnSpc>
-              <a:spcBef>
-                <a:spcPct val="0"/>
-              </a:spcBef>
-              <a:spcAft>
-                <a:spcPct val="0"/>
-              </a:spcAft>
-              <a:buClrTx/>
-              <a:buSzTx/>
-              <a:buFontTx/>
-              <a:buNone/>
-              <a:tabLst/>
-              <a:defRPr/>
-            </a:pPr>
-            <a:r>
-              <a:rPr kumimoji="0" lang="es-CL" sz="1200" b="0" i="0" u="none" strike="noStrike" kern="1200" cap="none" spc="0" normalizeH="0" baseline="0" noProof="0" dirty="0">
-                <a:ln>
-                  <a:noFill/>
-                </a:ln>
-                <a:solidFill>
-                  <a:prstClr val="black"/>
-                </a:solidFill>
-                <a:effectLst/>
-                <a:uLnTx/>
-                <a:uFillTx/>
-                <a:latin typeface="Times" pitchFamily="-97" charset="0"/>
-                <a:ea typeface="+mn-ea"/>
-                <a:cs typeface="+mn-cs"/>
-              </a:rPr>
-              <a:t>Salud y Bienestar Latino América</a:t>
-            </a:r>
-          </a:p>
-        </p:txBody>
-      </p:sp>
-      <p:sp>
-        <p:nvSpPr>
-          <p:cNvPr id="91" name="Rectángulo 90">
-            <a:extLst>
-              <a:ext uri="{FF2B5EF4-FFF2-40B4-BE49-F238E27FC236}">
-                <a16:creationId xmlns:a16="http://schemas.microsoft.com/office/drawing/2014/main" id="{E8502B26-F528-435C-80F6-41F2E452A8E9}"/>
-              </a:ext>
-            </a:extLst>
-          </p:cNvPr>
-          <p:cNvSpPr/>
-          <p:nvPr/>
-        </p:nvSpPr>
-        <p:spPr>
-          <a:xfrm>
-            <a:off x="772776" y="5380918"/>
-            <a:ext cx="3104178" cy="720080"/>
-          </a:xfrm>
-          <a:prstGeom prst="rect">
-            <a:avLst/>
-          </a:prstGeom>
-          <a:noFill/>
-        </p:spPr>
-        <p:style>
-          <a:lnRef idx="2">
-            <a:schemeClr val="accent1">
-              <a:shade val="50000"/>
-            </a:schemeClr>
-          </a:lnRef>
-          <a:fillRef idx="1">
-            <a:schemeClr val="accent1"/>
-          </a:fillRef>
-          <a:effectRef idx="0">
-            <a:schemeClr val="accent1"/>
-          </a:effectRef>
-          <a:fontRef idx="minor">
-            <a:schemeClr val="lt1"/>
-          </a:fontRef>
-        </p:style>
-        <p:txBody>
-          <a:bodyPr rtlCol="0" anchor="ctr"/>
-          <a:lstStyle/>
-          <a:p>
-            <a:pPr marL="0" marR="0" lvl="0" indent="0" algn="ctr" defTabSz="914400" rtl="0" eaLnBrk="0" fontAlgn="base" latinLnBrk="0" hangingPunct="0">
-              <a:lnSpc>
-                <a:spcPct val="100000"/>
-              </a:lnSpc>
-              <a:spcBef>
-                <a:spcPct val="0"/>
-              </a:spcBef>
-              <a:spcAft>
-                <a:spcPct val="0"/>
-              </a:spcAft>
-              <a:buClrTx/>
-              <a:buSzTx/>
-              <a:buFontTx/>
-              <a:buNone/>
-              <a:tabLst/>
-              <a:defRPr/>
-            </a:pPr>
-            <a:endParaRPr kumimoji="0" lang="es-CL" sz="2400" b="0" i="0" u="none" strike="noStrike" kern="1200" cap="none" spc="0" normalizeH="0" baseline="0" noProof="0">
-              <a:ln>
-                <a:noFill/>
-              </a:ln>
-              <a:solidFill>
-                <a:prstClr val="white"/>
-              </a:solidFill>
-              <a:effectLst/>
-              <a:uLnTx/>
-              <a:uFillTx/>
-              <a:latin typeface="Tw Cen MT" panose="020B0602020104020603"/>
-              <a:ea typeface="+mn-ea"/>
-              <a:cs typeface="+mn-cs"/>
-            </a:endParaRPr>
-          </a:p>
-        </p:txBody>
-      </p:sp>
-      <p:sp>
-        <p:nvSpPr>
-          <p:cNvPr id="93" name="CuadroTexto 92">
-            <a:extLst>
-              <a:ext uri="{FF2B5EF4-FFF2-40B4-BE49-F238E27FC236}">
-                <a16:creationId xmlns:a16="http://schemas.microsoft.com/office/drawing/2014/main" id="{BA4F084F-EC7F-490E-BC7D-BE3A99A587F4}"/>
-              </a:ext>
-            </a:extLst>
-          </p:cNvPr>
-          <p:cNvSpPr txBox="1"/>
-          <p:nvPr/>
-        </p:nvSpPr>
-        <p:spPr>
-          <a:xfrm>
-            <a:off x="4075648" y="5516757"/>
-            <a:ext cx="1512168" cy="461665"/>
-          </a:xfrm>
-          <a:prstGeom prst="rect">
-            <a:avLst/>
-          </a:prstGeom>
-          <a:solidFill>
-            <a:schemeClr val="accent1">
-              <a:lumMod val="60000"/>
-              <a:lumOff val="40000"/>
-            </a:schemeClr>
-          </a:solidFill>
-          <a:ln w="28575">
-            <a:solidFill>
-              <a:schemeClr val="accent1">
-                <a:lumMod val="75000"/>
-              </a:schemeClr>
-            </a:solidFill>
-          </a:ln>
-        </p:spPr>
-        <p:txBody>
-          <a:bodyPr wrap="square" rtlCol="0">
-            <a:spAutoFit/>
-          </a:bodyPr>
-          <a:lstStyle/>
-          <a:p>
-            <a:pPr marL="0" marR="0" lvl="0" indent="0" algn="ctr" defTabSz="914400" rtl="0" eaLnBrk="0" fontAlgn="base" latinLnBrk="0" hangingPunct="0">
-              <a:lnSpc>
-                <a:spcPct val="100000"/>
-              </a:lnSpc>
-              <a:spcBef>
-                <a:spcPct val="0"/>
-              </a:spcBef>
-              <a:spcAft>
-                <a:spcPct val="0"/>
-              </a:spcAft>
-              <a:buClrTx/>
-              <a:buSzTx/>
-              <a:buFontTx/>
-              <a:buNone/>
-              <a:tabLst/>
-              <a:defRPr/>
-            </a:pPr>
-            <a:r>
-              <a:rPr kumimoji="0" lang="es-CL" sz="1200" b="0" i="0" u="none" strike="noStrike" kern="1200" cap="none" spc="0" normalizeH="0" baseline="0" noProof="0" dirty="0">
-                <a:ln>
-                  <a:noFill/>
-                </a:ln>
-                <a:solidFill>
-                  <a:prstClr val="black"/>
-                </a:solidFill>
-                <a:effectLst/>
-                <a:uLnTx/>
-                <a:uFillTx/>
-                <a:latin typeface="Times" pitchFamily="-97" charset="0"/>
-                <a:ea typeface="+mn-ea"/>
-                <a:cs typeface="+mn-cs"/>
-              </a:rPr>
-              <a:t>Alimentos y Agua Chile</a:t>
-            </a:r>
-          </a:p>
-        </p:txBody>
-      </p:sp>
-      <p:sp>
-        <p:nvSpPr>
-          <p:cNvPr id="95" name="CuadroTexto 94">
-            <a:extLst>
-              <a:ext uri="{FF2B5EF4-FFF2-40B4-BE49-F238E27FC236}">
-                <a16:creationId xmlns:a16="http://schemas.microsoft.com/office/drawing/2014/main" id="{7C06924A-5D7C-4818-8FAA-B86EA7CD594A}"/>
-              </a:ext>
-            </a:extLst>
-          </p:cNvPr>
-          <p:cNvSpPr txBox="1"/>
-          <p:nvPr/>
-        </p:nvSpPr>
-        <p:spPr>
-          <a:xfrm>
-            <a:off x="5657948" y="5516756"/>
-            <a:ext cx="1512168" cy="461665"/>
-          </a:xfrm>
-          <a:prstGeom prst="rect">
-            <a:avLst/>
-          </a:prstGeom>
-          <a:solidFill>
-            <a:schemeClr val="accent1">
-              <a:lumMod val="60000"/>
-              <a:lumOff val="40000"/>
-            </a:schemeClr>
-          </a:solidFill>
-          <a:ln w="28575">
-            <a:solidFill>
-              <a:schemeClr val="accent1">
-                <a:lumMod val="75000"/>
-              </a:schemeClr>
-            </a:solidFill>
-          </a:ln>
-        </p:spPr>
-        <p:txBody>
-          <a:bodyPr wrap="square" rtlCol="0">
-            <a:spAutoFit/>
-          </a:bodyPr>
-          <a:lstStyle/>
-          <a:p>
-            <a:pPr marL="0" marR="0" lvl="0" indent="0" algn="ctr" defTabSz="914400" rtl="0" eaLnBrk="0" fontAlgn="base" latinLnBrk="0" hangingPunct="0">
-              <a:lnSpc>
-                <a:spcPct val="100000"/>
-              </a:lnSpc>
-              <a:spcBef>
-                <a:spcPct val="0"/>
-              </a:spcBef>
-              <a:spcAft>
-                <a:spcPct val="0"/>
-              </a:spcAft>
-              <a:buClrTx/>
-              <a:buSzTx/>
-              <a:buFontTx/>
-              <a:buNone/>
-              <a:tabLst/>
-              <a:defRPr/>
-            </a:pPr>
-            <a:r>
-              <a:rPr kumimoji="0" lang="es-CL" sz="1200" b="0" i="0" u="none" strike="noStrike" kern="1200" cap="none" spc="0" normalizeH="0" baseline="0" noProof="0" dirty="0">
-                <a:ln>
-                  <a:noFill/>
-                </a:ln>
-                <a:solidFill>
-                  <a:prstClr val="black"/>
-                </a:solidFill>
-                <a:effectLst/>
-                <a:uLnTx/>
-                <a:uFillTx/>
-                <a:latin typeface="Times" pitchFamily="-97" charset="0"/>
-                <a:ea typeface="+mn-ea"/>
-                <a:cs typeface="+mn-cs"/>
-              </a:rPr>
-              <a:t>Alimentos y Agua Latino América</a:t>
-            </a:r>
-          </a:p>
-        </p:txBody>
-      </p:sp>
-      <p:sp>
-        <p:nvSpPr>
-          <p:cNvPr id="99" name="Rectángulo 98">
-            <a:extLst>
-              <a:ext uri="{FF2B5EF4-FFF2-40B4-BE49-F238E27FC236}">
-                <a16:creationId xmlns:a16="http://schemas.microsoft.com/office/drawing/2014/main" id="{D77E9456-4B86-4845-9961-A563CB63D2D1}"/>
-              </a:ext>
-            </a:extLst>
-          </p:cNvPr>
-          <p:cNvSpPr/>
-          <p:nvPr/>
-        </p:nvSpPr>
-        <p:spPr>
-          <a:xfrm>
-            <a:off x="4072565" y="5374295"/>
-            <a:ext cx="3097551" cy="720080"/>
-          </a:xfrm>
-          <a:prstGeom prst="rect">
-            <a:avLst/>
-          </a:prstGeom>
-          <a:noFill/>
-        </p:spPr>
-        <p:style>
-          <a:lnRef idx="2">
-            <a:schemeClr val="accent1">
-              <a:shade val="50000"/>
-            </a:schemeClr>
-          </a:lnRef>
-          <a:fillRef idx="1">
-            <a:schemeClr val="accent1"/>
-          </a:fillRef>
-          <a:effectRef idx="0">
-            <a:schemeClr val="accent1"/>
-          </a:effectRef>
-          <a:fontRef idx="minor">
-            <a:schemeClr val="lt1"/>
-          </a:fontRef>
-        </p:style>
-        <p:txBody>
-          <a:bodyPr rtlCol="0" anchor="ctr"/>
-          <a:lstStyle/>
-          <a:p>
-            <a:pPr marL="0" marR="0" lvl="0" indent="0" algn="ctr" defTabSz="914400" rtl="0" eaLnBrk="0" fontAlgn="base" latinLnBrk="0" hangingPunct="0">
-              <a:lnSpc>
-                <a:spcPct val="100000"/>
-              </a:lnSpc>
-              <a:spcBef>
-                <a:spcPct val="0"/>
-              </a:spcBef>
-              <a:spcAft>
-                <a:spcPct val="0"/>
-              </a:spcAft>
-              <a:buClrTx/>
-              <a:buSzTx/>
-              <a:buFontTx/>
-              <a:buNone/>
-              <a:tabLst/>
-              <a:defRPr/>
-            </a:pPr>
-            <a:endParaRPr kumimoji="0" lang="es-CL" sz="2400" b="0" i="0" u="none" strike="noStrike" kern="1200" cap="none" spc="0" normalizeH="0" baseline="0" noProof="0">
-              <a:ln>
-                <a:noFill/>
-              </a:ln>
-              <a:solidFill>
-                <a:prstClr val="white"/>
-              </a:solidFill>
-              <a:effectLst/>
-              <a:uLnTx/>
-              <a:uFillTx/>
-              <a:latin typeface="Tw Cen MT" panose="020B0602020104020603"/>
-              <a:ea typeface="+mn-ea"/>
-              <a:cs typeface="+mn-cs"/>
-            </a:endParaRPr>
-          </a:p>
-        </p:txBody>
-      </p:sp>
-      <p:sp>
-        <p:nvSpPr>
-          <p:cNvPr id="3" name="CuadroTexto 2">
-            <a:extLst>
-              <a:ext uri="{FF2B5EF4-FFF2-40B4-BE49-F238E27FC236}">
-                <a16:creationId xmlns:a16="http://schemas.microsoft.com/office/drawing/2014/main" id="{3F9260E9-3145-4F04-832E-A93BFB8D3342}"/>
-              </a:ext>
-            </a:extLst>
-          </p:cNvPr>
-          <p:cNvSpPr txBox="1"/>
-          <p:nvPr/>
-        </p:nvSpPr>
-        <p:spPr>
-          <a:xfrm>
-            <a:off x="3139295" y="3106646"/>
+            <a:off x="8279170" y="4843175"/>
             <a:ext cx="936104" cy="338554"/>
           </a:xfrm>
           <a:prstGeom prst="rect">
@@ -9789,10 +9188,10 @@
       </p:sp>
       <p:sp>
         <p:nvSpPr>
-          <p:cNvPr id="5" name="CuadroTexto 4">
-            <a:extLst>
-              <a:ext uri="{FF2B5EF4-FFF2-40B4-BE49-F238E27FC236}">
-                <a16:creationId xmlns:a16="http://schemas.microsoft.com/office/drawing/2014/main" id="{A66881F3-6074-4C18-AB66-63CE44720E49}"/>
+          <p:cNvPr id="86" name="CuadroTexto 85">
+            <a:extLst>
+              <a:ext uri="{FF2B5EF4-FFF2-40B4-BE49-F238E27FC236}">
+                <a16:creationId xmlns:a16="http://schemas.microsoft.com/office/drawing/2014/main" id="{6FCAFD07-27B0-4AD6-9B4D-C96C001E32F0}"/>
               </a:ext>
             </a:extLst>
           </p:cNvPr>
@@ -9801,799 +9200,7 @@
         </p:nvSpPr>
         <p:spPr>
           <a:xfrm>
-            <a:off x="6279913" y="3115236"/>
-            <a:ext cx="936104" cy="338554"/>
-          </a:xfrm>
-          <a:prstGeom prst="rect">
-            <a:avLst/>
-          </a:prstGeom>
-          <a:noFill/>
-        </p:spPr>
-        <p:txBody>
-          <a:bodyPr wrap="square" rtlCol="0">
-            <a:spAutoFit/>
-          </a:bodyPr>
-          <a:lstStyle/>
-          <a:p>
-            <a:pPr marL="0" marR="0" lvl="0" indent="0" algn="l" defTabSz="914400" rtl="0" eaLnBrk="0" fontAlgn="base" latinLnBrk="0" hangingPunct="0">
-              <a:lnSpc>
-                <a:spcPct val="100000"/>
-              </a:lnSpc>
-              <a:spcBef>
-                <a:spcPct val="0"/>
-              </a:spcBef>
-              <a:spcAft>
-                <a:spcPct val="0"/>
-              </a:spcAft>
-              <a:buClrTx/>
-              <a:buSzTx/>
-              <a:buFontTx/>
-              <a:buNone/>
-              <a:tabLst/>
-              <a:defRPr/>
-            </a:pPr>
-            <a:r>
-              <a:rPr kumimoji="0" lang="es-CL" sz="1600" b="1" i="0" u="none" strike="noStrike" kern="1200" cap="none" spc="0" normalizeH="0" baseline="0" noProof="0" dirty="0">
-                <a:ln>
-                  <a:noFill/>
-                </a:ln>
-                <a:solidFill>
-                  <a:prstClr val="black"/>
-                </a:solidFill>
-                <a:effectLst/>
-                <a:uLnTx/>
-                <a:uFillTx/>
-                <a:latin typeface="Times" pitchFamily="-97" charset="0"/>
-                <a:ea typeface="+mn-ea"/>
-                <a:cs typeface="+mn-cs"/>
-              </a:rPr>
-              <a:t>Precio</a:t>
-            </a:r>
-          </a:p>
-        </p:txBody>
-      </p:sp>
-      <p:sp>
-        <p:nvSpPr>
-          <p:cNvPr id="9" name="CuadroTexto 8">
-            <a:extLst>
-              <a:ext uri="{FF2B5EF4-FFF2-40B4-BE49-F238E27FC236}">
-                <a16:creationId xmlns:a16="http://schemas.microsoft.com/office/drawing/2014/main" id="{CBB46749-C2D1-49CC-8858-0024CD26D463}"/>
-              </a:ext>
-            </a:extLst>
-          </p:cNvPr>
-          <p:cNvSpPr txBox="1"/>
-          <p:nvPr/>
-        </p:nvSpPr>
-        <p:spPr>
-          <a:xfrm>
-            <a:off x="8081356" y="3100017"/>
-            <a:ext cx="936104" cy="338554"/>
-          </a:xfrm>
-          <a:prstGeom prst="rect">
-            <a:avLst/>
-          </a:prstGeom>
-          <a:noFill/>
-        </p:spPr>
-        <p:txBody>
-          <a:bodyPr wrap="square" rtlCol="0">
-            <a:spAutoFit/>
-          </a:bodyPr>
-          <a:lstStyle/>
-          <a:p>
-            <a:pPr marL="0" marR="0" lvl="0" indent="0" algn="l" defTabSz="914400" rtl="0" eaLnBrk="0" fontAlgn="base" latinLnBrk="0" hangingPunct="0">
-              <a:lnSpc>
-                <a:spcPct val="100000"/>
-              </a:lnSpc>
-              <a:spcBef>
-                <a:spcPct val="0"/>
-              </a:spcBef>
-              <a:spcAft>
-                <a:spcPct val="0"/>
-              </a:spcAft>
-              <a:buClrTx/>
-              <a:buSzTx/>
-              <a:buFontTx/>
-              <a:buNone/>
-              <a:tabLst/>
-              <a:defRPr/>
-            </a:pPr>
-            <a:r>
-              <a:rPr kumimoji="0" lang="es-CL" sz="1600" b="1" i="0" u="none" strike="noStrike" kern="1200" cap="none" spc="0" normalizeH="0" baseline="0" noProof="0" dirty="0">
-                <a:ln>
-                  <a:noFill/>
-                </a:ln>
-                <a:solidFill>
-                  <a:prstClr val="black"/>
-                </a:solidFill>
-                <a:effectLst/>
-                <a:uLnTx/>
-                <a:uFillTx/>
-                <a:latin typeface="Times" pitchFamily="-97" charset="0"/>
-                <a:ea typeface="+mn-ea"/>
-                <a:cs typeface="+mn-cs"/>
-              </a:rPr>
-              <a:t>Precio</a:t>
-            </a:r>
-          </a:p>
-        </p:txBody>
-      </p:sp>
-      <p:sp>
-        <p:nvSpPr>
-          <p:cNvPr id="10" name="CuadroTexto 9">
-            <a:extLst>
-              <a:ext uri="{FF2B5EF4-FFF2-40B4-BE49-F238E27FC236}">
-                <a16:creationId xmlns:a16="http://schemas.microsoft.com/office/drawing/2014/main" id="{3165F411-9918-45F5-A228-E0BD87FD4114}"/>
-              </a:ext>
-            </a:extLst>
-          </p:cNvPr>
-          <p:cNvSpPr txBox="1"/>
-          <p:nvPr/>
-        </p:nvSpPr>
-        <p:spPr>
-          <a:xfrm>
-            <a:off x="9675361" y="3115236"/>
-            <a:ext cx="936104" cy="338554"/>
-          </a:xfrm>
-          <a:prstGeom prst="rect">
-            <a:avLst/>
-          </a:prstGeom>
-          <a:noFill/>
-        </p:spPr>
-        <p:txBody>
-          <a:bodyPr wrap="square" rtlCol="0">
-            <a:spAutoFit/>
-          </a:bodyPr>
-          <a:lstStyle/>
-          <a:p>
-            <a:pPr marL="0" marR="0" lvl="0" indent="0" algn="l" defTabSz="914400" rtl="0" eaLnBrk="0" fontAlgn="base" latinLnBrk="0" hangingPunct="0">
-              <a:lnSpc>
-                <a:spcPct val="100000"/>
-              </a:lnSpc>
-              <a:spcBef>
-                <a:spcPct val="0"/>
-              </a:spcBef>
-              <a:spcAft>
-                <a:spcPct val="0"/>
-              </a:spcAft>
-              <a:buClrTx/>
-              <a:buSzTx/>
-              <a:buFontTx/>
-              <a:buNone/>
-              <a:tabLst/>
-              <a:defRPr/>
-            </a:pPr>
-            <a:r>
-              <a:rPr kumimoji="0" lang="es-CL" sz="1600" b="1" i="0" u="none" strike="noStrike" kern="1200" cap="none" spc="0" normalizeH="0" baseline="0" noProof="0" dirty="0">
-                <a:ln>
-                  <a:noFill/>
-                </a:ln>
-                <a:solidFill>
-                  <a:prstClr val="black"/>
-                </a:solidFill>
-                <a:effectLst/>
-                <a:uLnTx/>
-                <a:uFillTx/>
-                <a:latin typeface="Times" pitchFamily="-97" charset="0"/>
-                <a:ea typeface="+mn-ea"/>
-                <a:cs typeface="+mn-cs"/>
-              </a:rPr>
-              <a:t>Precio</a:t>
-            </a:r>
-          </a:p>
-        </p:txBody>
-      </p:sp>
-      <p:sp>
-        <p:nvSpPr>
-          <p:cNvPr id="12" name="CuadroTexto 11">
-            <a:extLst>
-              <a:ext uri="{FF2B5EF4-FFF2-40B4-BE49-F238E27FC236}">
-                <a16:creationId xmlns:a16="http://schemas.microsoft.com/office/drawing/2014/main" id="{44C59D82-A641-4466-88DB-73BD6D5E81F5}"/>
-              </a:ext>
-            </a:extLst>
-          </p:cNvPr>
-          <p:cNvSpPr txBox="1"/>
-          <p:nvPr/>
-        </p:nvSpPr>
-        <p:spPr>
-          <a:xfrm>
-            <a:off x="1162291" y="4587873"/>
-            <a:ext cx="936104" cy="338554"/>
-          </a:xfrm>
-          <a:prstGeom prst="rect">
-            <a:avLst/>
-          </a:prstGeom>
-          <a:noFill/>
-        </p:spPr>
-        <p:txBody>
-          <a:bodyPr wrap="square" rtlCol="0">
-            <a:spAutoFit/>
-          </a:bodyPr>
-          <a:lstStyle/>
-          <a:p>
-            <a:pPr marL="0" marR="0" lvl="0" indent="0" algn="l" defTabSz="914400" rtl="0" eaLnBrk="0" fontAlgn="base" latinLnBrk="0" hangingPunct="0">
-              <a:lnSpc>
-                <a:spcPct val="100000"/>
-              </a:lnSpc>
-              <a:spcBef>
-                <a:spcPct val="0"/>
-              </a:spcBef>
-              <a:spcAft>
-                <a:spcPct val="0"/>
-              </a:spcAft>
-              <a:buClrTx/>
-              <a:buSzTx/>
-              <a:buFontTx/>
-              <a:buNone/>
-              <a:tabLst/>
-              <a:defRPr/>
-            </a:pPr>
-            <a:r>
-              <a:rPr kumimoji="0" lang="es-CL" sz="1600" b="1" i="0" u="none" strike="noStrike" kern="1200" cap="none" spc="0" normalizeH="0" baseline="0" noProof="0" dirty="0">
-                <a:ln>
-                  <a:noFill/>
-                </a:ln>
-                <a:solidFill>
-                  <a:prstClr val="black"/>
-                </a:solidFill>
-                <a:effectLst/>
-                <a:uLnTx/>
-                <a:uFillTx/>
-                <a:latin typeface="Times" pitchFamily="-97" charset="0"/>
-                <a:ea typeface="+mn-ea"/>
-                <a:cs typeface="+mn-cs"/>
-              </a:rPr>
-              <a:t>Precio</a:t>
-            </a:r>
-          </a:p>
-        </p:txBody>
-      </p:sp>
-      <p:sp>
-        <p:nvSpPr>
-          <p:cNvPr id="13" name="CuadroTexto 12">
-            <a:extLst>
-              <a:ext uri="{FF2B5EF4-FFF2-40B4-BE49-F238E27FC236}">
-                <a16:creationId xmlns:a16="http://schemas.microsoft.com/office/drawing/2014/main" id="{04E662A9-8265-4F8E-914B-E04A32A0DA72}"/>
-              </a:ext>
-            </a:extLst>
-          </p:cNvPr>
-          <p:cNvSpPr txBox="1"/>
-          <p:nvPr/>
-        </p:nvSpPr>
-        <p:spPr>
-          <a:xfrm>
-            <a:off x="2707080" y="4585894"/>
-            <a:ext cx="936104" cy="338554"/>
-          </a:xfrm>
-          <a:prstGeom prst="rect">
-            <a:avLst/>
-          </a:prstGeom>
-          <a:noFill/>
-        </p:spPr>
-        <p:txBody>
-          <a:bodyPr wrap="square" rtlCol="0">
-            <a:spAutoFit/>
-          </a:bodyPr>
-          <a:lstStyle/>
-          <a:p>
-            <a:pPr marL="0" marR="0" lvl="0" indent="0" algn="l" defTabSz="914400" rtl="0" eaLnBrk="0" fontAlgn="base" latinLnBrk="0" hangingPunct="0">
-              <a:lnSpc>
-                <a:spcPct val="100000"/>
-              </a:lnSpc>
-              <a:spcBef>
-                <a:spcPct val="0"/>
-              </a:spcBef>
-              <a:spcAft>
-                <a:spcPct val="0"/>
-              </a:spcAft>
-              <a:buClrTx/>
-              <a:buSzTx/>
-              <a:buFontTx/>
-              <a:buNone/>
-              <a:tabLst/>
-              <a:defRPr/>
-            </a:pPr>
-            <a:r>
-              <a:rPr kumimoji="0" lang="es-CL" sz="1600" b="1" i="0" u="none" strike="noStrike" kern="1200" cap="none" spc="0" normalizeH="0" baseline="0" noProof="0" dirty="0">
-                <a:ln>
-                  <a:noFill/>
-                </a:ln>
-                <a:solidFill>
-                  <a:prstClr val="black"/>
-                </a:solidFill>
-                <a:effectLst/>
-                <a:uLnTx/>
-                <a:uFillTx/>
-                <a:latin typeface="Times" pitchFamily="-97" charset="0"/>
-                <a:ea typeface="+mn-ea"/>
-                <a:cs typeface="+mn-cs"/>
-              </a:rPr>
-              <a:t>Precio</a:t>
-            </a:r>
-          </a:p>
-        </p:txBody>
-      </p:sp>
-      <p:sp>
-        <p:nvSpPr>
-          <p:cNvPr id="14" name="CuadroTexto 13">
-            <a:extLst>
-              <a:ext uri="{FF2B5EF4-FFF2-40B4-BE49-F238E27FC236}">
-                <a16:creationId xmlns:a16="http://schemas.microsoft.com/office/drawing/2014/main" id="{BB6333C2-B279-432F-8D04-B596C250F179}"/>
-              </a:ext>
-            </a:extLst>
-          </p:cNvPr>
-          <p:cNvSpPr txBox="1"/>
-          <p:nvPr/>
-        </p:nvSpPr>
-        <p:spPr>
-          <a:xfrm>
-            <a:off x="4491450" y="4585894"/>
-            <a:ext cx="936104" cy="338554"/>
-          </a:xfrm>
-          <a:prstGeom prst="rect">
-            <a:avLst/>
-          </a:prstGeom>
-          <a:noFill/>
-        </p:spPr>
-        <p:txBody>
-          <a:bodyPr wrap="square" rtlCol="0">
-            <a:spAutoFit/>
-          </a:bodyPr>
-          <a:lstStyle/>
-          <a:p>
-            <a:pPr marL="0" marR="0" lvl="0" indent="0" algn="l" defTabSz="914400" rtl="0" eaLnBrk="0" fontAlgn="base" latinLnBrk="0" hangingPunct="0">
-              <a:lnSpc>
-                <a:spcPct val="100000"/>
-              </a:lnSpc>
-              <a:spcBef>
-                <a:spcPct val="0"/>
-              </a:spcBef>
-              <a:spcAft>
-                <a:spcPct val="0"/>
-              </a:spcAft>
-              <a:buClrTx/>
-              <a:buSzTx/>
-              <a:buFontTx/>
-              <a:buNone/>
-              <a:tabLst/>
-              <a:defRPr/>
-            </a:pPr>
-            <a:r>
-              <a:rPr kumimoji="0" lang="es-CL" sz="1600" b="1" i="0" u="none" strike="noStrike" kern="1200" cap="none" spc="0" normalizeH="0" baseline="0" noProof="0" dirty="0">
-                <a:ln>
-                  <a:noFill/>
-                </a:ln>
-                <a:solidFill>
-                  <a:prstClr val="black"/>
-                </a:solidFill>
-                <a:effectLst/>
-                <a:uLnTx/>
-                <a:uFillTx/>
-                <a:latin typeface="Times" pitchFamily="-97" charset="0"/>
-                <a:ea typeface="+mn-ea"/>
-                <a:cs typeface="+mn-cs"/>
-              </a:rPr>
-              <a:t>Precio</a:t>
-            </a:r>
-          </a:p>
-        </p:txBody>
-      </p:sp>
-      <p:sp>
-        <p:nvSpPr>
-          <p:cNvPr id="16" name="CuadroTexto 15">
-            <a:extLst>
-              <a:ext uri="{FF2B5EF4-FFF2-40B4-BE49-F238E27FC236}">
-                <a16:creationId xmlns:a16="http://schemas.microsoft.com/office/drawing/2014/main" id="{A2BA783B-1B42-44B5-9829-3E4108186389}"/>
-              </a:ext>
-            </a:extLst>
-          </p:cNvPr>
-          <p:cNvSpPr txBox="1"/>
-          <p:nvPr/>
-        </p:nvSpPr>
-        <p:spPr>
-          <a:xfrm>
-            <a:off x="6047871" y="4585894"/>
-            <a:ext cx="936104" cy="338554"/>
-          </a:xfrm>
-          <a:prstGeom prst="rect">
-            <a:avLst/>
-          </a:prstGeom>
-          <a:noFill/>
-        </p:spPr>
-        <p:txBody>
-          <a:bodyPr wrap="square" rtlCol="0">
-            <a:spAutoFit/>
-          </a:bodyPr>
-          <a:lstStyle/>
-          <a:p>
-            <a:pPr marL="0" marR="0" lvl="0" indent="0" algn="l" defTabSz="914400" rtl="0" eaLnBrk="0" fontAlgn="base" latinLnBrk="0" hangingPunct="0">
-              <a:lnSpc>
-                <a:spcPct val="100000"/>
-              </a:lnSpc>
-              <a:spcBef>
-                <a:spcPct val="0"/>
-              </a:spcBef>
-              <a:spcAft>
-                <a:spcPct val="0"/>
-              </a:spcAft>
-              <a:buClrTx/>
-              <a:buSzTx/>
-              <a:buFontTx/>
-              <a:buNone/>
-              <a:tabLst/>
-              <a:defRPr/>
-            </a:pPr>
-            <a:r>
-              <a:rPr kumimoji="0" lang="es-CL" sz="1600" b="1" i="0" u="none" strike="noStrike" kern="1200" cap="none" spc="0" normalizeH="0" baseline="0" noProof="0" dirty="0">
-                <a:ln>
-                  <a:noFill/>
-                </a:ln>
-                <a:solidFill>
-                  <a:prstClr val="black"/>
-                </a:solidFill>
-                <a:effectLst/>
-                <a:uLnTx/>
-                <a:uFillTx/>
-                <a:latin typeface="Times" pitchFamily="-97" charset="0"/>
-                <a:ea typeface="+mn-ea"/>
-                <a:cs typeface="+mn-cs"/>
-              </a:rPr>
-              <a:t>Precio</a:t>
-            </a:r>
-          </a:p>
-        </p:txBody>
-      </p:sp>
-      <p:sp>
-        <p:nvSpPr>
-          <p:cNvPr id="20" name="CuadroTexto 19">
-            <a:extLst>
-              <a:ext uri="{FF2B5EF4-FFF2-40B4-BE49-F238E27FC236}">
-                <a16:creationId xmlns:a16="http://schemas.microsoft.com/office/drawing/2014/main" id="{1A37A34C-38C1-4363-8E2E-FEE9CE71970A}"/>
-              </a:ext>
-            </a:extLst>
-          </p:cNvPr>
-          <p:cNvSpPr txBox="1"/>
-          <p:nvPr/>
-        </p:nvSpPr>
-        <p:spPr>
-          <a:xfrm>
-            <a:off x="1162291" y="6045852"/>
-            <a:ext cx="936104" cy="338554"/>
-          </a:xfrm>
-          <a:prstGeom prst="rect">
-            <a:avLst/>
-          </a:prstGeom>
-          <a:noFill/>
-        </p:spPr>
-        <p:txBody>
-          <a:bodyPr wrap="square" rtlCol="0">
-            <a:spAutoFit/>
-          </a:bodyPr>
-          <a:lstStyle/>
-          <a:p>
-            <a:pPr marL="0" marR="0" lvl="0" indent="0" algn="l" defTabSz="914400" rtl="0" eaLnBrk="0" fontAlgn="base" latinLnBrk="0" hangingPunct="0">
-              <a:lnSpc>
-                <a:spcPct val="100000"/>
-              </a:lnSpc>
-              <a:spcBef>
-                <a:spcPct val="0"/>
-              </a:spcBef>
-              <a:spcAft>
-                <a:spcPct val="0"/>
-              </a:spcAft>
-              <a:buClrTx/>
-              <a:buSzTx/>
-              <a:buFontTx/>
-              <a:buNone/>
-              <a:tabLst/>
-              <a:defRPr/>
-            </a:pPr>
-            <a:r>
-              <a:rPr kumimoji="0" lang="es-CL" sz="1600" b="1" i="0" u="none" strike="noStrike" kern="1200" cap="none" spc="0" normalizeH="0" baseline="0" noProof="0" dirty="0">
-                <a:ln>
-                  <a:noFill/>
-                </a:ln>
-                <a:solidFill>
-                  <a:prstClr val="black"/>
-                </a:solidFill>
-                <a:effectLst/>
-                <a:uLnTx/>
-                <a:uFillTx/>
-                <a:latin typeface="Times" pitchFamily="-97" charset="0"/>
-                <a:ea typeface="+mn-ea"/>
-                <a:cs typeface="+mn-cs"/>
-              </a:rPr>
-              <a:t>Precio</a:t>
-            </a:r>
-          </a:p>
-        </p:txBody>
-      </p:sp>
-      <p:sp>
-        <p:nvSpPr>
-          <p:cNvPr id="21" name="CuadroTexto 20">
-            <a:extLst>
-              <a:ext uri="{FF2B5EF4-FFF2-40B4-BE49-F238E27FC236}">
-                <a16:creationId xmlns:a16="http://schemas.microsoft.com/office/drawing/2014/main" id="{6AC906DD-9B5F-4B8A-8D5B-1E6AF1B91D1F}"/>
-              </a:ext>
-            </a:extLst>
-          </p:cNvPr>
-          <p:cNvSpPr txBox="1"/>
-          <p:nvPr/>
-        </p:nvSpPr>
-        <p:spPr>
-          <a:xfrm>
-            <a:off x="2726915" y="6045852"/>
-            <a:ext cx="936104" cy="338554"/>
-          </a:xfrm>
-          <a:prstGeom prst="rect">
-            <a:avLst/>
-          </a:prstGeom>
-          <a:noFill/>
-        </p:spPr>
-        <p:txBody>
-          <a:bodyPr wrap="square" rtlCol="0">
-            <a:spAutoFit/>
-          </a:bodyPr>
-          <a:lstStyle/>
-          <a:p>
-            <a:pPr marL="0" marR="0" lvl="0" indent="0" algn="l" defTabSz="914400" rtl="0" eaLnBrk="0" fontAlgn="base" latinLnBrk="0" hangingPunct="0">
-              <a:lnSpc>
-                <a:spcPct val="100000"/>
-              </a:lnSpc>
-              <a:spcBef>
-                <a:spcPct val="0"/>
-              </a:spcBef>
-              <a:spcAft>
-                <a:spcPct val="0"/>
-              </a:spcAft>
-              <a:buClrTx/>
-              <a:buSzTx/>
-              <a:buFontTx/>
-              <a:buNone/>
-              <a:tabLst/>
-              <a:defRPr/>
-            </a:pPr>
-            <a:r>
-              <a:rPr kumimoji="0" lang="es-CL" sz="1600" b="1" i="0" u="none" strike="noStrike" kern="1200" cap="none" spc="0" normalizeH="0" baseline="0" noProof="0" dirty="0">
-                <a:ln>
-                  <a:noFill/>
-                </a:ln>
-                <a:solidFill>
-                  <a:prstClr val="black"/>
-                </a:solidFill>
-                <a:effectLst/>
-                <a:uLnTx/>
-                <a:uFillTx/>
-                <a:latin typeface="Times" pitchFamily="-97" charset="0"/>
-                <a:ea typeface="+mn-ea"/>
-                <a:cs typeface="+mn-cs"/>
-              </a:rPr>
-              <a:t>Precio</a:t>
-            </a:r>
-          </a:p>
-        </p:txBody>
-      </p:sp>
-      <p:sp>
-        <p:nvSpPr>
-          <p:cNvPr id="25" name="CuadroTexto 24">
-            <a:extLst>
-              <a:ext uri="{FF2B5EF4-FFF2-40B4-BE49-F238E27FC236}">
-                <a16:creationId xmlns:a16="http://schemas.microsoft.com/office/drawing/2014/main" id="{30372EAD-03EB-4883-865C-BC1899282F29}"/>
-              </a:ext>
-            </a:extLst>
-          </p:cNvPr>
-          <p:cNvSpPr txBox="1"/>
-          <p:nvPr/>
-        </p:nvSpPr>
-        <p:spPr>
-          <a:xfrm>
-            <a:off x="4524015" y="6045852"/>
-            <a:ext cx="936104" cy="338554"/>
-          </a:xfrm>
-          <a:prstGeom prst="rect">
-            <a:avLst/>
-          </a:prstGeom>
-          <a:noFill/>
-        </p:spPr>
-        <p:txBody>
-          <a:bodyPr wrap="square" rtlCol="0">
-            <a:spAutoFit/>
-          </a:bodyPr>
-          <a:lstStyle/>
-          <a:p>
-            <a:pPr marL="0" marR="0" lvl="0" indent="0" algn="l" defTabSz="914400" rtl="0" eaLnBrk="0" fontAlgn="base" latinLnBrk="0" hangingPunct="0">
-              <a:lnSpc>
-                <a:spcPct val="100000"/>
-              </a:lnSpc>
-              <a:spcBef>
-                <a:spcPct val="0"/>
-              </a:spcBef>
-              <a:spcAft>
-                <a:spcPct val="0"/>
-              </a:spcAft>
-              <a:buClrTx/>
-              <a:buSzTx/>
-              <a:buFontTx/>
-              <a:buNone/>
-              <a:tabLst/>
-              <a:defRPr/>
-            </a:pPr>
-            <a:r>
-              <a:rPr kumimoji="0" lang="es-CL" sz="1600" b="1" i="0" u="none" strike="noStrike" kern="1200" cap="none" spc="0" normalizeH="0" baseline="0" noProof="0" dirty="0">
-                <a:ln>
-                  <a:noFill/>
-                </a:ln>
-                <a:solidFill>
-                  <a:prstClr val="black"/>
-                </a:solidFill>
-                <a:effectLst/>
-                <a:uLnTx/>
-                <a:uFillTx/>
-                <a:latin typeface="Times" pitchFamily="-97" charset="0"/>
-                <a:ea typeface="+mn-ea"/>
-                <a:cs typeface="+mn-cs"/>
-              </a:rPr>
-              <a:t>Precio</a:t>
-            </a:r>
-          </a:p>
-        </p:txBody>
-      </p:sp>
-      <p:sp>
-        <p:nvSpPr>
-          <p:cNvPr id="75" name="CuadroTexto 74">
-            <a:extLst>
-              <a:ext uri="{FF2B5EF4-FFF2-40B4-BE49-F238E27FC236}">
-                <a16:creationId xmlns:a16="http://schemas.microsoft.com/office/drawing/2014/main" id="{2E64FC84-9B27-49B8-BF37-054E65991FBD}"/>
-              </a:ext>
-            </a:extLst>
-          </p:cNvPr>
-          <p:cNvSpPr txBox="1"/>
-          <p:nvPr/>
-        </p:nvSpPr>
-        <p:spPr>
-          <a:xfrm>
-            <a:off x="6075466" y="6048748"/>
-            <a:ext cx="936104" cy="338554"/>
-          </a:xfrm>
-          <a:prstGeom prst="rect">
-            <a:avLst/>
-          </a:prstGeom>
-          <a:noFill/>
-        </p:spPr>
-        <p:txBody>
-          <a:bodyPr wrap="square" rtlCol="0">
-            <a:spAutoFit/>
-          </a:bodyPr>
-          <a:lstStyle/>
-          <a:p>
-            <a:pPr marL="0" marR="0" lvl="0" indent="0" algn="l" defTabSz="914400" rtl="0" eaLnBrk="0" fontAlgn="base" latinLnBrk="0" hangingPunct="0">
-              <a:lnSpc>
-                <a:spcPct val="100000"/>
-              </a:lnSpc>
-              <a:spcBef>
-                <a:spcPct val="0"/>
-              </a:spcBef>
-              <a:spcAft>
-                <a:spcPct val="0"/>
-              </a:spcAft>
-              <a:buClrTx/>
-              <a:buSzTx/>
-              <a:buFontTx/>
-              <a:buNone/>
-              <a:tabLst/>
-              <a:defRPr/>
-            </a:pPr>
-            <a:r>
-              <a:rPr kumimoji="0" lang="es-CL" sz="1600" b="1" i="0" u="none" strike="noStrike" kern="1200" cap="none" spc="0" normalizeH="0" baseline="0" noProof="0" dirty="0">
-                <a:ln>
-                  <a:noFill/>
-                </a:ln>
-                <a:solidFill>
-                  <a:prstClr val="black"/>
-                </a:solidFill>
-                <a:effectLst/>
-                <a:uLnTx/>
-                <a:uFillTx/>
-                <a:latin typeface="Times" pitchFamily="-97" charset="0"/>
-                <a:ea typeface="+mn-ea"/>
-                <a:cs typeface="+mn-cs"/>
-              </a:rPr>
-              <a:t>Precio</a:t>
-            </a:r>
-          </a:p>
-        </p:txBody>
-      </p:sp>
-      <p:sp>
-        <p:nvSpPr>
-          <p:cNvPr id="30" name="CuadroTexto 29">
-            <a:extLst>
-              <a:ext uri="{FF2B5EF4-FFF2-40B4-BE49-F238E27FC236}">
-                <a16:creationId xmlns:a16="http://schemas.microsoft.com/office/drawing/2014/main" id="{39E89CB9-5106-487C-AD19-A397822E139E}"/>
-              </a:ext>
-            </a:extLst>
-          </p:cNvPr>
-          <p:cNvSpPr txBox="1"/>
-          <p:nvPr/>
-        </p:nvSpPr>
-        <p:spPr>
-          <a:xfrm>
-            <a:off x="7423765" y="4059591"/>
-            <a:ext cx="1512168" cy="461665"/>
-          </a:xfrm>
-          <a:prstGeom prst="rect">
-            <a:avLst/>
-          </a:prstGeom>
-          <a:solidFill>
-            <a:schemeClr val="accent1">
-              <a:lumMod val="60000"/>
-              <a:lumOff val="40000"/>
-            </a:schemeClr>
-          </a:solidFill>
-          <a:ln w="28575">
-            <a:solidFill>
-              <a:schemeClr val="accent1">
-                <a:lumMod val="75000"/>
-              </a:schemeClr>
-            </a:solidFill>
-          </a:ln>
-        </p:spPr>
-        <p:txBody>
-          <a:bodyPr wrap="square" rtlCol="0">
-            <a:spAutoFit/>
-          </a:bodyPr>
-          <a:lstStyle/>
-          <a:p>
-            <a:pPr marL="0" marR="0" lvl="0" indent="0" algn="ctr" defTabSz="914400" rtl="0" eaLnBrk="0" fontAlgn="base" latinLnBrk="0" hangingPunct="0">
-              <a:lnSpc>
-                <a:spcPct val="100000"/>
-              </a:lnSpc>
-              <a:spcBef>
-                <a:spcPct val="0"/>
-              </a:spcBef>
-              <a:spcAft>
-                <a:spcPct val="0"/>
-              </a:spcAft>
-              <a:buClrTx/>
-              <a:buSzTx/>
-              <a:buFontTx/>
-              <a:buNone/>
-              <a:tabLst/>
-              <a:defRPr/>
-            </a:pPr>
-            <a:r>
-              <a:rPr kumimoji="0" lang="es-CL" sz="1200" b="0" i="0" u="none" strike="noStrike" kern="1200" cap="none" spc="0" normalizeH="0" baseline="0" noProof="0" dirty="0">
-                <a:ln>
-                  <a:noFill/>
-                </a:ln>
-                <a:solidFill>
-                  <a:prstClr val="black"/>
-                </a:solidFill>
-                <a:effectLst/>
-                <a:uLnTx/>
-                <a:uFillTx/>
-                <a:latin typeface="Times" pitchFamily="-97" charset="0"/>
-                <a:ea typeface="+mn-ea"/>
-                <a:cs typeface="+mn-cs"/>
-              </a:rPr>
-              <a:t>Consultoría SEIA Chile</a:t>
-            </a:r>
-          </a:p>
-        </p:txBody>
-      </p:sp>
-      <p:sp>
-        <p:nvSpPr>
-          <p:cNvPr id="31" name="CuadroTexto 30">
-            <a:extLst>
-              <a:ext uri="{FF2B5EF4-FFF2-40B4-BE49-F238E27FC236}">
-                <a16:creationId xmlns:a16="http://schemas.microsoft.com/office/drawing/2014/main" id="{B530CC29-3207-4591-B50F-33CE3CB23A0C}"/>
-              </a:ext>
-            </a:extLst>
-          </p:cNvPr>
-          <p:cNvSpPr txBox="1"/>
-          <p:nvPr/>
-        </p:nvSpPr>
-        <p:spPr>
-          <a:xfrm>
-            <a:off x="7799105" y="4585894"/>
+            <a:off x="8283886" y="5392771"/>
             <a:ext cx="936104" cy="338554"/>
           </a:xfrm>
           <a:prstGeom prst="rect">
@@ -11117,7 +9724,7 @@
         <p:spPr>
           <a:xfrm>
             <a:off x="8036463" y="925659"/>
-            <a:ext cx="2236001" cy="307777"/>
+            <a:ext cx="4023015" cy="307777"/>
           </a:xfrm>
           <a:prstGeom prst="rect">
             <a:avLst/>
@@ -11174,17 +9781,17 @@
                 <a:ea typeface="+mn-ea"/>
                 <a:cs typeface="+mn-cs"/>
               </a:rPr>
-              <a:t>Impactos Cambio Climático</a:t>
+              <a:t>Impactos y Proyecciones Cambio Climático</a:t>
             </a:r>
           </a:p>
         </p:txBody>
       </p:sp>
       <p:cxnSp>
         <p:nvCxnSpPr>
-          <p:cNvPr id="26" name="Conector recto de flecha 25">
-            <a:extLst>
-              <a:ext uri="{FF2B5EF4-FFF2-40B4-BE49-F238E27FC236}">
-                <a16:creationId xmlns:a16="http://schemas.microsoft.com/office/drawing/2014/main" id="{B80205CA-BC4B-4AC7-9C57-3A38F6587C5A}"/>
+          <p:cNvPr id="38" name="Conector recto de flecha 37">
+            <a:extLst>
+              <a:ext uri="{FF2B5EF4-FFF2-40B4-BE49-F238E27FC236}">
+                <a16:creationId xmlns:a16="http://schemas.microsoft.com/office/drawing/2014/main" id="{7B4CB9E4-BCF4-45F2-B0C7-AB589861469D}"/>
               </a:ext>
             </a:extLst>
           </p:cNvPr>
@@ -11196,7 +9803,7 @@
         <p:spPr>
           <a:xfrm>
             <a:off x="6705262" y="1268760"/>
-            <a:ext cx="1262946" cy="182174"/>
+            <a:ext cx="1262946" cy="149223"/>
           </a:xfrm>
           <a:prstGeom prst="straightConnector1">
             <a:avLst/>
@@ -11227,10 +9834,10 @@
       </p:cxnSp>
       <p:sp>
         <p:nvSpPr>
-          <p:cNvPr id="28" name="CuadroTexto 27">
-            <a:extLst>
-              <a:ext uri="{FF2B5EF4-FFF2-40B4-BE49-F238E27FC236}">
-                <a16:creationId xmlns:a16="http://schemas.microsoft.com/office/drawing/2014/main" id="{7D1E1CA8-7844-48FC-BD23-2F607EAC0074}"/>
+          <p:cNvPr id="40" name="CuadroTexto 39">
+            <a:extLst>
+              <a:ext uri="{FF2B5EF4-FFF2-40B4-BE49-F238E27FC236}">
+                <a16:creationId xmlns:a16="http://schemas.microsoft.com/office/drawing/2014/main" id="{328B240F-D295-43FD-9E81-25E246797ADE}"/>
               </a:ext>
             </a:extLst>
           </p:cNvPr>
@@ -11239,130 +9846,7 @@
         </p:nvSpPr>
         <p:spPr>
           <a:xfrm>
-            <a:off x="8036463" y="1309378"/>
-            <a:ext cx="2524033" cy="307777"/>
-          </a:xfrm>
-          <a:prstGeom prst="rect">
-            <a:avLst/>
-          </a:prstGeom>
-          <a:solidFill>
-            <a:schemeClr val="accent6">
-              <a:lumMod val="40000"/>
-              <a:lumOff val="60000"/>
-            </a:schemeClr>
-          </a:solidFill>
-          <a:ln>
-            <a:solidFill>
-              <a:schemeClr val="accent6">
-                <a:lumMod val="75000"/>
-              </a:schemeClr>
-            </a:solidFill>
-          </a:ln>
-        </p:spPr>
-        <p:txBody>
-          <a:bodyPr wrap="square" rtlCol="0">
-            <a:spAutoFit/>
-          </a:bodyPr>
-          <a:lstStyle/>
-          <a:p>
-            <a:pPr marL="0" marR="0" lvl="0" indent="0" algn="l" defTabSz="914400" rtl="0" eaLnBrk="0" fontAlgn="base" latinLnBrk="0" hangingPunct="0">
-              <a:lnSpc>
-                <a:spcPct val="100000"/>
-              </a:lnSpc>
-              <a:spcBef>
-                <a:spcPct val="0"/>
-              </a:spcBef>
-              <a:spcAft>
-                <a:spcPct val="0"/>
-              </a:spcAft>
-              <a:buClrTx/>
-              <a:buSzTx/>
-              <a:buFontTx/>
-              <a:buNone/>
-              <a:tabLst/>
-              <a:defRPr/>
-            </a:pPr>
-            <a:r>
-              <a:rPr kumimoji="0" lang="es-CL" sz="1400" b="0" i="0" u="none" strike="noStrike" kern="1200" cap="none" spc="0" normalizeH="0" baseline="0" noProof="0" dirty="0">
-                <a:ln>
-                  <a:noFill/>
-                </a:ln>
-                <a:solidFill>
-                  <a:prstClr val="black"/>
-                </a:solidFill>
-                <a:effectLst/>
-                <a:uLnTx/>
-                <a:uFillTx/>
-                <a:latin typeface="Times" pitchFamily="-97" charset="0"/>
-                <a:ea typeface="+mn-ea"/>
-                <a:cs typeface="+mn-cs"/>
-              </a:rPr>
-              <a:t>Proyecciones Cambio Climático</a:t>
-            </a:r>
-          </a:p>
-        </p:txBody>
-      </p:sp>
-      <p:cxnSp>
-        <p:nvCxnSpPr>
-          <p:cNvPr id="38" name="Conector recto de flecha 37">
-            <a:extLst>
-              <a:ext uri="{FF2B5EF4-FFF2-40B4-BE49-F238E27FC236}">
-                <a16:creationId xmlns:a16="http://schemas.microsoft.com/office/drawing/2014/main" id="{7B4CB9E4-BCF4-45F2-B0C7-AB589861469D}"/>
-              </a:ext>
-            </a:extLst>
-          </p:cNvPr>
-          <p:cNvCxnSpPr>
-            <a:cxnSpLocks/>
-          </p:cNvCxnSpPr>
-          <p:nvPr/>
-        </p:nvCxnSpPr>
-        <p:spPr>
-          <a:xfrm>
-            <a:off x="6705262" y="1268760"/>
-            <a:ext cx="1262946" cy="564781"/>
-          </a:xfrm>
-          <a:prstGeom prst="straightConnector1">
-            <a:avLst/>
-          </a:prstGeom>
-          <a:ln>
-            <a:solidFill>
-              <a:schemeClr val="tx2">
-                <a:lumMod val="75000"/>
-              </a:schemeClr>
-            </a:solidFill>
-            <a:tailEnd type="triangle"/>
-          </a:ln>
-        </p:spPr>
-        <p:style>
-          <a:lnRef idx="1">
-            <a:schemeClr val="accent1"/>
-          </a:lnRef>
-          <a:fillRef idx="0">
-            <a:schemeClr val="accent1"/>
-          </a:fillRef>
-          <a:effectRef idx="0">
-            <a:schemeClr val="accent1"/>
-          </a:effectRef>
-          <a:fontRef idx="minor">
-            <a:schemeClr val="tx1"/>
-          </a:fontRef>
-        </p:style>
-      </p:cxnSp>
-      <p:sp>
-        <p:nvSpPr>
-          <p:cNvPr id="40" name="CuadroTexto 39">
-            <a:extLst>
-              <a:ext uri="{FF2B5EF4-FFF2-40B4-BE49-F238E27FC236}">
-                <a16:creationId xmlns:a16="http://schemas.microsoft.com/office/drawing/2014/main" id="{328B240F-D295-43FD-9E81-25E246797ADE}"/>
-              </a:ext>
-            </a:extLst>
-          </p:cNvPr>
-          <p:cNvSpPr txBox="1"/>
-          <p:nvPr/>
-        </p:nvSpPr>
-        <p:spPr>
-          <a:xfrm>
-            <a:off x="8036462" y="1693638"/>
+            <a:off x="8036462" y="1309324"/>
             <a:ext cx="2524033" cy="307777"/>
           </a:xfrm>
           <a:prstGeom prst="rect">
@@ -11492,10 +9976,439 @@
       </p:sp>
       <p:sp>
         <p:nvSpPr>
-          <p:cNvPr id="99" name="Rectángulo 98">
-            <a:extLst>
-              <a:ext uri="{FF2B5EF4-FFF2-40B4-BE49-F238E27FC236}">
-                <a16:creationId xmlns:a16="http://schemas.microsoft.com/office/drawing/2014/main" id="{D77E9456-4B86-4845-9961-A563CB63D2D1}"/>
+          <p:cNvPr id="59" name="CuadroTexto 58">
+            <a:extLst>
+              <a:ext uri="{FF2B5EF4-FFF2-40B4-BE49-F238E27FC236}">
+                <a16:creationId xmlns:a16="http://schemas.microsoft.com/office/drawing/2014/main" id="{44551FA0-0295-47AC-ADFB-19DF49407A7C}"/>
+              </a:ext>
+            </a:extLst>
+          </p:cNvPr>
+          <p:cNvSpPr txBox="1"/>
+          <p:nvPr/>
+        </p:nvSpPr>
+        <p:spPr>
+          <a:xfrm>
+            <a:off x="765531" y="1937764"/>
+            <a:ext cx="2236001" cy="307777"/>
+          </a:xfrm>
+          <a:prstGeom prst="rect">
+            <a:avLst/>
+          </a:prstGeom>
+          <a:solidFill>
+            <a:schemeClr val="accent1">
+              <a:lumMod val="60000"/>
+              <a:lumOff val="40000"/>
+            </a:schemeClr>
+          </a:solidFill>
+          <a:ln>
+            <a:solidFill>
+              <a:schemeClr val="accent1">
+                <a:lumMod val="75000"/>
+              </a:schemeClr>
+            </a:solidFill>
+          </a:ln>
+        </p:spPr>
+        <p:txBody>
+          <a:bodyPr wrap="square" rtlCol="0">
+            <a:spAutoFit/>
+          </a:bodyPr>
+          <a:lstStyle/>
+          <a:p>
+            <a:pPr marL="0" marR="0" lvl="0" indent="0" algn="l" defTabSz="914400" rtl="0" eaLnBrk="0" fontAlgn="base" latinLnBrk="0" hangingPunct="0">
+              <a:lnSpc>
+                <a:spcPct val="100000"/>
+              </a:lnSpc>
+              <a:spcBef>
+                <a:spcPct val="0"/>
+              </a:spcBef>
+              <a:spcAft>
+                <a:spcPct val="0"/>
+              </a:spcAft>
+              <a:buClrTx/>
+              <a:buSzTx/>
+              <a:buFontTx/>
+              <a:buNone/>
+              <a:tabLst/>
+              <a:defRPr/>
+            </a:pPr>
+            <a:r>
+              <a:rPr kumimoji="0" lang="es-CL" sz="1400" b="0" i="0" u="none" strike="noStrike" kern="1200" cap="none" spc="0" normalizeH="0" baseline="0" noProof="0" dirty="0">
+                <a:ln>
+                  <a:noFill/>
+                </a:ln>
+                <a:solidFill>
+                  <a:prstClr val="black"/>
+                </a:solidFill>
+                <a:effectLst/>
+                <a:uLnTx/>
+                <a:uFillTx/>
+                <a:latin typeface="Times" pitchFamily="-97" charset="0"/>
+                <a:ea typeface="+mn-ea"/>
+                <a:cs typeface="+mn-cs"/>
+              </a:rPr>
+              <a:t>Impactos Cambio Climático</a:t>
+            </a:r>
+          </a:p>
+        </p:txBody>
+      </p:sp>
+      <p:sp>
+        <p:nvSpPr>
+          <p:cNvPr id="70" name="CuadroTexto 69">
+            <a:extLst>
+              <a:ext uri="{FF2B5EF4-FFF2-40B4-BE49-F238E27FC236}">
+                <a16:creationId xmlns:a16="http://schemas.microsoft.com/office/drawing/2014/main" id="{F08E0DB8-8CE2-4066-BB71-9109108D143C}"/>
+              </a:ext>
+            </a:extLst>
+          </p:cNvPr>
+          <p:cNvSpPr txBox="1"/>
+          <p:nvPr/>
+        </p:nvSpPr>
+        <p:spPr>
+          <a:xfrm>
+            <a:off x="911302" y="2482008"/>
+            <a:ext cx="2428244" cy="461665"/>
+          </a:xfrm>
+          <a:prstGeom prst="rect">
+            <a:avLst/>
+          </a:prstGeom>
+          <a:solidFill>
+            <a:schemeClr val="accent1">
+              <a:lumMod val="60000"/>
+              <a:lumOff val="40000"/>
+            </a:schemeClr>
+          </a:solidFill>
+          <a:ln w="28575">
+            <a:solidFill>
+              <a:schemeClr val="accent1">
+                <a:lumMod val="75000"/>
+              </a:schemeClr>
+            </a:solidFill>
+          </a:ln>
+        </p:spPr>
+        <p:txBody>
+          <a:bodyPr wrap="square" rtlCol="0">
+            <a:spAutoFit/>
+          </a:bodyPr>
+          <a:lstStyle/>
+          <a:p>
+            <a:pPr marL="0" marR="0" lvl="0" indent="0" algn="ctr" defTabSz="914400" rtl="0" eaLnBrk="0" fontAlgn="base" latinLnBrk="0" hangingPunct="0">
+              <a:lnSpc>
+                <a:spcPct val="100000"/>
+              </a:lnSpc>
+              <a:spcBef>
+                <a:spcPct val="0"/>
+              </a:spcBef>
+              <a:spcAft>
+                <a:spcPct val="0"/>
+              </a:spcAft>
+              <a:buClrTx/>
+              <a:buSzTx/>
+              <a:buFontTx/>
+              <a:buNone/>
+              <a:tabLst/>
+              <a:defRPr/>
+            </a:pPr>
+            <a:r>
+              <a:rPr kumimoji="0" lang="es-CL" sz="1200" b="0" i="0" u="none" strike="noStrike" kern="1200" cap="none" spc="0" normalizeH="0" baseline="0" noProof="0" dirty="0">
+                <a:ln>
+                  <a:noFill/>
+                </a:ln>
+                <a:solidFill>
+                  <a:prstClr val="black"/>
+                </a:solidFill>
+                <a:effectLst/>
+                <a:uLnTx/>
+                <a:uFillTx/>
+                <a:latin typeface="Times" pitchFamily="-97" charset="0"/>
+                <a:ea typeface="+mn-ea"/>
+                <a:cs typeface="+mn-cs"/>
+              </a:rPr>
+              <a:t>Impactos y Proyecciones CC Global</a:t>
+            </a:r>
+          </a:p>
+          <a:p>
+            <a:pPr marL="0" marR="0" lvl="0" indent="0" algn="ctr" defTabSz="914400" rtl="0" eaLnBrk="0" fontAlgn="base" latinLnBrk="0" hangingPunct="0">
+              <a:lnSpc>
+                <a:spcPct val="100000"/>
+              </a:lnSpc>
+              <a:spcBef>
+                <a:spcPct val="0"/>
+              </a:spcBef>
+              <a:spcAft>
+                <a:spcPct val="0"/>
+              </a:spcAft>
+              <a:buClrTx/>
+              <a:buSzTx/>
+              <a:buFontTx/>
+              <a:buNone/>
+              <a:tabLst/>
+              <a:defRPr/>
+            </a:pPr>
+            <a:r>
+              <a:rPr kumimoji="0" lang="es-CL" sz="1200" b="0" i="0" u="none" strike="noStrike" kern="1200" cap="none" spc="0" normalizeH="0" baseline="0" noProof="0" dirty="0">
+                <a:ln>
+                  <a:noFill/>
+                </a:ln>
+                <a:solidFill>
+                  <a:prstClr val="black"/>
+                </a:solidFill>
+                <a:effectLst/>
+                <a:uLnTx/>
+                <a:uFillTx/>
+                <a:latin typeface="Times" pitchFamily="-97" charset="0"/>
+                <a:ea typeface="+mn-ea"/>
+                <a:cs typeface="+mn-cs"/>
+              </a:rPr>
+              <a:t>Ecosistemas (Word Completo)</a:t>
+            </a:r>
+          </a:p>
+        </p:txBody>
+      </p:sp>
+      <p:sp>
+        <p:nvSpPr>
+          <p:cNvPr id="72" name="CuadroTexto 71">
+            <a:extLst>
+              <a:ext uri="{FF2B5EF4-FFF2-40B4-BE49-F238E27FC236}">
+                <a16:creationId xmlns:a16="http://schemas.microsoft.com/office/drawing/2014/main" id="{81357EF3-84EB-45C6-AF89-B1701F7F4497}"/>
+              </a:ext>
+            </a:extLst>
+          </p:cNvPr>
+          <p:cNvSpPr txBox="1"/>
+          <p:nvPr/>
+        </p:nvSpPr>
+        <p:spPr>
+          <a:xfrm>
+            <a:off x="3540528" y="2482007"/>
+            <a:ext cx="2428244" cy="461665"/>
+          </a:xfrm>
+          <a:prstGeom prst="rect">
+            <a:avLst/>
+          </a:prstGeom>
+          <a:solidFill>
+            <a:schemeClr val="accent1">
+              <a:lumMod val="60000"/>
+              <a:lumOff val="40000"/>
+            </a:schemeClr>
+          </a:solidFill>
+          <a:ln w="28575">
+            <a:solidFill>
+              <a:schemeClr val="accent1">
+                <a:lumMod val="75000"/>
+              </a:schemeClr>
+            </a:solidFill>
+          </a:ln>
+        </p:spPr>
+        <p:txBody>
+          <a:bodyPr wrap="square" rtlCol="0">
+            <a:spAutoFit/>
+          </a:bodyPr>
+          <a:lstStyle>
+            <a:defPPr>
+              <a:defRPr lang="es-CL"/>
+            </a:defPPr>
+            <a:lvl1pPr marR="0" lvl="0" indent="0" algn="ctr" eaLnBrk="0" fontAlgn="base" hangingPunct="0">
+              <a:lnSpc>
+                <a:spcPct val="100000"/>
+              </a:lnSpc>
+              <a:spcBef>
+                <a:spcPct val="0"/>
+              </a:spcBef>
+              <a:spcAft>
+                <a:spcPct val="0"/>
+              </a:spcAft>
+              <a:buClrTx/>
+              <a:buSzTx/>
+              <a:buFontTx/>
+              <a:buNone/>
+              <a:tabLst/>
+              <a:defRPr kumimoji="0" sz="1200" b="0" i="0" u="none" strike="noStrike" cap="none" spc="0" normalizeH="0" baseline="0">
+                <a:ln>
+                  <a:noFill/>
+                </a:ln>
+                <a:solidFill>
+                  <a:prstClr val="black"/>
+                </a:solidFill>
+                <a:effectLst/>
+                <a:uLnTx/>
+                <a:uFillTx/>
+                <a:latin typeface="Times" pitchFamily="-97" charset="0"/>
+              </a:defRPr>
+            </a:lvl1pPr>
+          </a:lstStyle>
+          <a:p>
+            <a:r>
+              <a:rPr lang="es-CL" dirty="0"/>
+              <a:t>Impactos y Proyecciones CC Global</a:t>
+            </a:r>
+          </a:p>
+          <a:p>
+            <a:r>
+              <a:rPr lang="es-CL" dirty="0"/>
+              <a:t>Vida Humana (Word Completo)</a:t>
+            </a:r>
+          </a:p>
+        </p:txBody>
+      </p:sp>
+      <p:sp>
+        <p:nvSpPr>
+          <p:cNvPr id="74" name="CuadroTexto 73">
+            <a:extLst>
+              <a:ext uri="{FF2B5EF4-FFF2-40B4-BE49-F238E27FC236}">
+                <a16:creationId xmlns:a16="http://schemas.microsoft.com/office/drawing/2014/main" id="{680C6AC6-B633-497C-A6B7-9A1F819BB8C5}"/>
+              </a:ext>
+            </a:extLst>
+          </p:cNvPr>
+          <p:cNvSpPr txBox="1"/>
+          <p:nvPr/>
+        </p:nvSpPr>
+        <p:spPr>
+          <a:xfrm>
+            <a:off x="7534464" y="3939746"/>
+            <a:ext cx="1512168" cy="461665"/>
+          </a:xfrm>
+          <a:prstGeom prst="rect">
+            <a:avLst/>
+          </a:prstGeom>
+          <a:solidFill>
+            <a:schemeClr val="accent1">
+              <a:lumMod val="60000"/>
+              <a:lumOff val="40000"/>
+            </a:schemeClr>
+          </a:solidFill>
+          <a:ln w="28575">
+            <a:solidFill>
+              <a:schemeClr val="accent1">
+                <a:lumMod val="75000"/>
+              </a:schemeClr>
+            </a:solidFill>
+          </a:ln>
+        </p:spPr>
+        <p:txBody>
+          <a:bodyPr wrap="square" rtlCol="0">
+            <a:spAutoFit/>
+          </a:bodyPr>
+          <a:lstStyle/>
+          <a:p>
+            <a:pPr marL="0" marR="0" lvl="0" indent="0" algn="ctr" defTabSz="914400" rtl="0" eaLnBrk="0" fontAlgn="base" latinLnBrk="0" hangingPunct="0">
+              <a:lnSpc>
+                <a:spcPct val="100000"/>
+              </a:lnSpc>
+              <a:spcBef>
+                <a:spcPct val="0"/>
+              </a:spcBef>
+              <a:spcAft>
+                <a:spcPct val="0"/>
+              </a:spcAft>
+              <a:buClrTx/>
+              <a:buSzTx/>
+              <a:buFontTx/>
+              <a:buNone/>
+              <a:tabLst/>
+              <a:defRPr/>
+            </a:pPr>
+            <a:r>
+              <a:rPr kumimoji="0" lang="es-CL" sz="1200" b="0" i="0" u="none" strike="noStrike" kern="1200" cap="none" spc="0" normalizeH="0" baseline="0" noProof="0" dirty="0">
+                <a:ln>
+                  <a:noFill/>
+                </a:ln>
+                <a:solidFill>
+                  <a:prstClr val="black"/>
+                </a:solidFill>
+                <a:effectLst/>
+                <a:uLnTx/>
+                <a:uFillTx/>
+                <a:latin typeface="Times" pitchFamily="-97" charset="0"/>
+                <a:ea typeface="+mn-ea"/>
+                <a:cs typeface="+mn-cs"/>
+              </a:rPr>
+              <a:t>Desastres Naturales Chile</a:t>
+            </a:r>
+          </a:p>
+        </p:txBody>
+      </p:sp>
+      <p:sp>
+        <p:nvSpPr>
+          <p:cNvPr id="76" name="CuadroTexto 75">
+            <a:extLst>
+              <a:ext uri="{FF2B5EF4-FFF2-40B4-BE49-F238E27FC236}">
+                <a16:creationId xmlns:a16="http://schemas.microsoft.com/office/drawing/2014/main" id="{49E10B40-BB50-459A-AB60-8D1916F7EAFB}"/>
+              </a:ext>
+            </a:extLst>
+          </p:cNvPr>
+          <p:cNvSpPr txBox="1"/>
+          <p:nvPr/>
+        </p:nvSpPr>
+        <p:spPr>
+          <a:xfrm>
+            <a:off x="9116764" y="3939745"/>
+            <a:ext cx="1512168" cy="461665"/>
+          </a:xfrm>
+          <a:prstGeom prst="rect">
+            <a:avLst/>
+          </a:prstGeom>
+          <a:solidFill>
+            <a:schemeClr val="accent1">
+              <a:lumMod val="60000"/>
+              <a:lumOff val="40000"/>
+            </a:schemeClr>
+          </a:solidFill>
+          <a:ln w="28575">
+            <a:solidFill>
+              <a:schemeClr val="accent1">
+                <a:lumMod val="75000"/>
+              </a:schemeClr>
+            </a:solidFill>
+          </a:ln>
+        </p:spPr>
+        <p:txBody>
+          <a:bodyPr wrap="square" rtlCol="0">
+            <a:spAutoFit/>
+          </a:bodyPr>
+          <a:lstStyle/>
+          <a:p>
+            <a:pPr marL="0" marR="0" lvl="0" indent="0" algn="ctr" defTabSz="914400" rtl="0" eaLnBrk="0" fontAlgn="base" latinLnBrk="0" hangingPunct="0">
+              <a:lnSpc>
+                <a:spcPct val="100000"/>
+              </a:lnSpc>
+              <a:spcBef>
+                <a:spcPct val="0"/>
+              </a:spcBef>
+              <a:spcAft>
+                <a:spcPct val="0"/>
+              </a:spcAft>
+              <a:buClrTx/>
+              <a:buSzTx/>
+              <a:buFontTx/>
+              <a:buNone/>
+              <a:tabLst/>
+              <a:defRPr/>
+            </a:pPr>
+            <a:r>
+              <a:rPr kumimoji="0" lang="es-CL" sz="1200" b="0" i="0" u="none" strike="noStrike" kern="1200" cap="none" spc="0" normalizeH="0" baseline="0" noProof="0" dirty="0">
+                <a:ln>
+                  <a:noFill/>
+                </a:ln>
+                <a:solidFill>
+                  <a:prstClr val="black"/>
+                </a:solidFill>
+                <a:effectLst/>
+                <a:uLnTx/>
+                <a:uFillTx/>
+                <a:latin typeface="Times" pitchFamily="-97" charset="0"/>
+                <a:ea typeface="+mn-ea"/>
+                <a:cs typeface="+mn-cs"/>
+              </a:rPr>
+              <a:t>Desastres Naturales Latino América</a:t>
+            </a:r>
+          </a:p>
+        </p:txBody>
+      </p:sp>
+      <p:sp>
+        <p:nvSpPr>
+          <p:cNvPr id="81" name="Rectángulo 80">
+            <a:extLst>
+              <a:ext uri="{FF2B5EF4-FFF2-40B4-BE49-F238E27FC236}">
+                <a16:creationId xmlns:a16="http://schemas.microsoft.com/office/drawing/2014/main" id="{BD54D6F6-14A5-4932-AD33-93B5647CCFFD}"/>
               </a:ext>
             </a:extLst>
           </p:cNvPr>
@@ -11504,20 +10417,13 @@
         </p:nvSpPr>
         <p:spPr>
           <a:xfrm>
-            <a:off x="3917208" y="2675989"/>
-            <a:ext cx="3122138" cy="858314"/>
+            <a:off x="7531381" y="3813786"/>
+            <a:ext cx="3097551" cy="720080"/>
           </a:xfrm>
           <a:prstGeom prst="rect">
             <a:avLst/>
           </a:prstGeom>
           <a:noFill/>
-          <a:ln>
-            <a:solidFill>
-              <a:schemeClr val="accent6">
-                <a:lumMod val="75000"/>
-              </a:schemeClr>
-            </a:solidFill>
-          </a:ln>
         </p:spPr>
         <p:style>
           <a:lnRef idx="2">
@@ -11575,10 +10481,10 @@
       </p:sp>
       <p:sp>
         <p:nvSpPr>
-          <p:cNvPr id="3" name="CuadroTexto 2">
-            <a:extLst>
-              <a:ext uri="{FF2B5EF4-FFF2-40B4-BE49-F238E27FC236}">
-                <a16:creationId xmlns:a16="http://schemas.microsoft.com/office/drawing/2014/main" id="{26F7B425-B248-4C28-8CFD-A496B16E58D4}"/>
+          <p:cNvPr id="85" name="CuadroTexto 84">
+            <a:extLst>
+              <a:ext uri="{FF2B5EF4-FFF2-40B4-BE49-F238E27FC236}">
+                <a16:creationId xmlns:a16="http://schemas.microsoft.com/office/drawing/2014/main" id="{64EB516F-E1EE-403E-91DA-ADD940B5B990}"/>
               </a:ext>
             </a:extLst>
           </p:cNvPr>
@@ -11587,21 +10493,1311 @@
         </p:nvSpPr>
         <p:spPr>
           <a:xfrm>
-            <a:off x="765531" y="2247253"/>
-            <a:ext cx="2524033" cy="307777"/>
+            <a:off x="954762" y="3933118"/>
+            <a:ext cx="1512168" cy="461665"/>
           </a:xfrm>
           <a:prstGeom prst="rect">
             <a:avLst/>
           </a:prstGeom>
           <a:solidFill>
-            <a:schemeClr val="accent6">
+            <a:schemeClr val="accent1">
+              <a:lumMod val="60000"/>
+              <a:lumOff val="40000"/>
+            </a:schemeClr>
+          </a:solidFill>
+          <a:ln w="28575">
+            <a:solidFill>
+              <a:schemeClr val="accent1">
+                <a:lumMod val="75000"/>
+              </a:schemeClr>
+            </a:solidFill>
+          </a:ln>
+        </p:spPr>
+        <p:txBody>
+          <a:bodyPr wrap="square" rtlCol="0">
+            <a:spAutoFit/>
+          </a:bodyPr>
+          <a:lstStyle/>
+          <a:p>
+            <a:pPr marL="0" marR="0" lvl="0" indent="0" algn="ctr" defTabSz="914400" rtl="0" eaLnBrk="0" fontAlgn="base" latinLnBrk="0" hangingPunct="0">
+              <a:lnSpc>
+                <a:spcPct val="100000"/>
+              </a:lnSpc>
+              <a:spcBef>
+                <a:spcPct val="0"/>
+              </a:spcBef>
+              <a:spcAft>
+                <a:spcPct val="0"/>
+              </a:spcAft>
+              <a:buClrTx/>
+              <a:buSzTx/>
+              <a:buFontTx/>
+              <a:buNone/>
+              <a:tabLst/>
+              <a:defRPr/>
+            </a:pPr>
+            <a:r>
+              <a:rPr kumimoji="0" lang="es-CL" sz="1200" b="0" i="0" u="none" strike="noStrike" kern="1200" cap="none" spc="0" normalizeH="0" baseline="0" noProof="0" dirty="0">
+                <a:ln>
+                  <a:noFill/>
+                </a:ln>
+                <a:solidFill>
+                  <a:prstClr val="black"/>
+                </a:solidFill>
+                <a:effectLst/>
+                <a:uLnTx/>
+                <a:uFillTx/>
+                <a:latin typeface="Times" pitchFamily="-97" charset="0"/>
+                <a:ea typeface="+mn-ea"/>
+                <a:cs typeface="+mn-cs"/>
+              </a:rPr>
+              <a:t>Salud y Bienestar Chile</a:t>
+            </a:r>
+          </a:p>
+        </p:txBody>
+      </p:sp>
+      <p:sp>
+        <p:nvSpPr>
+          <p:cNvPr id="87" name="CuadroTexto 86">
+            <a:extLst>
+              <a:ext uri="{FF2B5EF4-FFF2-40B4-BE49-F238E27FC236}">
+                <a16:creationId xmlns:a16="http://schemas.microsoft.com/office/drawing/2014/main" id="{F8EC0E94-44F2-4079-B8FF-8AE2F33C62E5}"/>
+              </a:ext>
+            </a:extLst>
+          </p:cNvPr>
+          <p:cNvSpPr txBox="1"/>
+          <p:nvPr/>
+        </p:nvSpPr>
+        <p:spPr>
+          <a:xfrm>
+            <a:off x="2537062" y="3933117"/>
+            <a:ext cx="1512168" cy="461665"/>
+          </a:xfrm>
+          <a:prstGeom prst="rect">
+            <a:avLst/>
+          </a:prstGeom>
+          <a:solidFill>
+            <a:schemeClr val="accent1">
+              <a:lumMod val="60000"/>
+              <a:lumOff val="40000"/>
+            </a:schemeClr>
+          </a:solidFill>
+          <a:ln w="28575">
+            <a:solidFill>
+              <a:schemeClr val="accent1">
+                <a:lumMod val="75000"/>
+              </a:schemeClr>
+            </a:solidFill>
+          </a:ln>
+        </p:spPr>
+        <p:txBody>
+          <a:bodyPr wrap="square" rtlCol="0">
+            <a:spAutoFit/>
+          </a:bodyPr>
+          <a:lstStyle/>
+          <a:p>
+            <a:pPr marL="0" marR="0" lvl="0" indent="0" algn="ctr" defTabSz="914400" rtl="0" eaLnBrk="0" fontAlgn="base" latinLnBrk="0" hangingPunct="0">
+              <a:lnSpc>
+                <a:spcPct val="100000"/>
+              </a:lnSpc>
+              <a:spcBef>
+                <a:spcPct val="0"/>
+              </a:spcBef>
+              <a:spcAft>
+                <a:spcPct val="0"/>
+              </a:spcAft>
+              <a:buClrTx/>
+              <a:buSzTx/>
+              <a:buFontTx/>
+              <a:buNone/>
+              <a:tabLst/>
+              <a:defRPr/>
+            </a:pPr>
+            <a:r>
+              <a:rPr kumimoji="0" lang="es-CL" sz="1200" b="0" i="0" u="none" strike="noStrike" kern="1200" cap="none" spc="0" normalizeH="0" baseline="0" noProof="0" dirty="0">
+                <a:ln>
+                  <a:noFill/>
+                </a:ln>
+                <a:solidFill>
+                  <a:prstClr val="black"/>
+                </a:solidFill>
+                <a:effectLst/>
+                <a:uLnTx/>
+                <a:uFillTx/>
+                <a:latin typeface="Times" pitchFamily="-97" charset="0"/>
+                <a:ea typeface="+mn-ea"/>
+                <a:cs typeface="+mn-cs"/>
+              </a:rPr>
+              <a:t>Salud y Bienestar Latino América</a:t>
+            </a:r>
+          </a:p>
+        </p:txBody>
+      </p:sp>
+      <p:sp>
+        <p:nvSpPr>
+          <p:cNvPr id="91" name="Rectángulo 90">
+            <a:extLst>
+              <a:ext uri="{FF2B5EF4-FFF2-40B4-BE49-F238E27FC236}">
+                <a16:creationId xmlns:a16="http://schemas.microsoft.com/office/drawing/2014/main" id="{E8502B26-F528-435C-80F6-41F2E452A8E9}"/>
+              </a:ext>
+            </a:extLst>
+          </p:cNvPr>
+          <p:cNvSpPr/>
+          <p:nvPr/>
+        </p:nvSpPr>
+        <p:spPr>
+          <a:xfrm>
+            <a:off x="945053" y="3803908"/>
+            <a:ext cx="3104178" cy="720080"/>
+          </a:xfrm>
+          <a:prstGeom prst="rect">
+            <a:avLst/>
+          </a:prstGeom>
+          <a:noFill/>
+        </p:spPr>
+        <p:style>
+          <a:lnRef idx="2">
+            <a:schemeClr val="accent1">
+              <a:shade val="50000"/>
+            </a:schemeClr>
+          </a:lnRef>
+          <a:fillRef idx="1">
+            <a:schemeClr val="accent1"/>
+          </a:fillRef>
+          <a:effectRef idx="0">
+            <a:schemeClr val="accent1"/>
+          </a:effectRef>
+          <a:fontRef idx="minor">
+            <a:schemeClr val="lt1"/>
+          </a:fontRef>
+        </p:style>
+        <p:txBody>
+          <a:bodyPr rtlCol="0" anchor="ctr"/>
+          <a:lstStyle/>
+          <a:p>
+            <a:pPr marL="0" marR="0" lvl="0" indent="0" algn="ctr" defTabSz="914400" rtl="0" eaLnBrk="0" fontAlgn="base" latinLnBrk="0" hangingPunct="0">
+              <a:lnSpc>
+                <a:spcPct val="100000"/>
+              </a:lnSpc>
+              <a:spcBef>
+                <a:spcPct val="0"/>
+              </a:spcBef>
+              <a:spcAft>
+                <a:spcPct val="0"/>
+              </a:spcAft>
+              <a:buClrTx/>
+              <a:buSzTx/>
+              <a:buFontTx/>
+              <a:buNone/>
+              <a:tabLst/>
+              <a:defRPr/>
+            </a:pPr>
+            <a:endParaRPr kumimoji="0" lang="es-CL" sz="2400" b="0" i="0" u="none" strike="noStrike" kern="1200" cap="none" spc="0" normalizeH="0" baseline="0" noProof="0">
+              <a:ln>
+                <a:noFill/>
+              </a:ln>
+              <a:solidFill>
+                <a:prstClr val="white"/>
+              </a:solidFill>
+              <a:effectLst/>
+              <a:uLnTx/>
+              <a:uFillTx/>
+              <a:latin typeface="Tw Cen MT" panose="020B0602020104020603"/>
+              <a:ea typeface="+mn-ea"/>
+              <a:cs typeface="+mn-cs"/>
+            </a:endParaRPr>
+          </a:p>
+        </p:txBody>
+      </p:sp>
+      <p:sp>
+        <p:nvSpPr>
+          <p:cNvPr id="93" name="CuadroTexto 92">
+            <a:extLst>
+              <a:ext uri="{FF2B5EF4-FFF2-40B4-BE49-F238E27FC236}">
+                <a16:creationId xmlns:a16="http://schemas.microsoft.com/office/drawing/2014/main" id="{BA4F084F-EC7F-490E-BC7D-BE3A99A587F4}"/>
+              </a:ext>
+            </a:extLst>
+          </p:cNvPr>
+          <p:cNvSpPr txBox="1"/>
+          <p:nvPr/>
+        </p:nvSpPr>
+        <p:spPr>
+          <a:xfrm>
+            <a:off x="4247925" y="3939747"/>
+            <a:ext cx="1512168" cy="461665"/>
+          </a:xfrm>
+          <a:prstGeom prst="rect">
+            <a:avLst/>
+          </a:prstGeom>
+          <a:solidFill>
+            <a:schemeClr val="accent1">
+              <a:lumMod val="60000"/>
+              <a:lumOff val="40000"/>
+            </a:schemeClr>
+          </a:solidFill>
+          <a:ln w="28575">
+            <a:solidFill>
+              <a:schemeClr val="accent1">
+                <a:lumMod val="75000"/>
+              </a:schemeClr>
+            </a:solidFill>
+          </a:ln>
+        </p:spPr>
+        <p:txBody>
+          <a:bodyPr wrap="square" rtlCol="0">
+            <a:spAutoFit/>
+          </a:bodyPr>
+          <a:lstStyle/>
+          <a:p>
+            <a:pPr marL="0" marR="0" lvl="0" indent="0" algn="ctr" defTabSz="914400" rtl="0" eaLnBrk="0" fontAlgn="base" latinLnBrk="0" hangingPunct="0">
+              <a:lnSpc>
+                <a:spcPct val="100000"/>
+              </a:lnSpc>
+              <a:spcBef>
+                <a:spcPct val="0"/>
+              </a:spcBef>
+              <a:spcAft>
+                <a:spcPct val="0"/>
+              </a:spcAft>
+              <a:buClrTx/>
+              <a:buSzTx/>
+              <a:buFontTx/>
+              <a:buNone/>
+              <a:tabLst/>
+              <a:defRPr/>
+            </a:pPr>
+            <a:r>
+              <a:rPr kumimoji="0" lang="es-CL" sz="1200" b="0" i="0" u="none" strike="noStrike" kern="1200" cap="none" spc="0" normalizeH="0" baseline="0" noProof="0" dirty="0">
+                <a:ln>
+                  <a:noFill/>
+                </a:ln>
+                <a:solidFill>
+                  <a:prstClr val="black"/>
+                </a:solidFill>
+                <a:effectLst/>
+                <a:uLnTx/>
+                <a:uFillTx/>
+                <a:latin typeface="Times" pitchFamily="-97" charset="0"/>
+                <a:ea typeface="+mn-ea"/>
+                <a:cs typeface="+mn-cs"/>
+              </a:rPr>
+              <a:t>Alimentos y Agua Chile</a:t>
+            </a:r>
+          </a:p>
+        </p:txBody>
+      </p:sp>
+      <p:sp>
+        <p:nvSpPr>
+          <p:cNvPr id="95" name="CuadroTexto 94">
+            <a:extLst>
+              <a:ext uri="{FF2B5EF4-FFF2-40B4-BE49-F238E27FC236}">
+                <a16:creationId xmlns:a16="http://schemas.microsoft.com/office/drawing/2014/main" id="{7C06924A-5D7C-4818-8FAA-B86EA7CD594A}"/>
+              </a:ext>
+            </a:extLst>
+          </p:cNvPr>
+          <p:cNvSpPr txBox="1"/>
+          <p:nvPr/>
+        </p:nvSpPr>
+        <p:spPr>
+          <a:xfrm>
+            <a:off x="5830225" y="3939746"/>
+            <a:ext cx="1512168" cy="461665"/>
+          </a:xfrm>
+          <a:prstGeom prst="rect">
+            <a:avLst/>
+          </a:prstGeom>
+          <a:solidFill>
+            <a:schemeClr val="accent1">
+              <a:lumMod val="60000"/>
+              <a:lumOff val="40000"/>
+            </a:schemeClr>
+          </a:solidFill>
+          <a:ln w="28575">
+            <a:solidFill>
+              <a:schemeClr val="accent1">
+                <a:lumMod val="75000"/>
+              </a:schemeClr>
+            </a:solidFill>
+          </a:ln>
+        </p:spPr>
+        <p:txBody>
+          <a:bodyPr wrap="square" rtlCol="0">
+            <a:spAutoFit/>
+          </a:bodyPr>
+          <a:lstStyle/>
+          <a:p>
+            <a:pPr marL="0" marR="0" lvl="0" indent="0" algn="ctr" defTabSz="914400" rtl="0" eaLnBrk="0" fontAlgn="base" latinLnBrk="0" hangingPunct="0">
+              <a:lnSpc>
+                <a:spcPct val="100000"/>
+              </a:lnSpc>
+              <a:spcBef>
+                <a:spcPct val="0"/>
+              </a:spcBef>
+              <a:spcAft>
+                <a:spcPct val="0"/>
+              </a:spcAft>
+              <a:buClrTx/>
+              <a:buSzTx/>
+              <a:buFontTx/>
+              <a:buNone/>
+              <a:tabLst/>
+              <a:defRPr/>
+            </a:pPr>
+            <a:r>
+              <a:rPr kumimoji="0" lang="es-CL" sz="1200" b="0" i="0" u="none" strike="noStrike" kern="1200" cap="none" spc="0" normalizeH="0" baseline="0" noProof="0" dirty="0">
+                <a:ln>
+                  <a:noFill/>
+                </a:ln>
+                <a:solidFill>
+                  <a:prstClr val="black"/>
+                </a:solidFill>
+                <a:effectLst/>
+                <a:uLnTx/>
+                <a:uFillTx/>
+                <a:latin typeface="Times" pitchFamily="-97" charset="0"/>
+                <a:ea typeface="+mn-ea"/>
+                <a:cs typeface="+mn-cs"/>
+              </a:rPr>
+              <a:t>Alimentos y Agua Latino América</a:t>
+            </a:r>
+          </a:p>
+        </p:txBody>
+      </p:sp>
+      <p:sp>
+        <p:nvSpPr>
+          <p:cNvPr id="99" name="Rectángulo 98">
+            <a:extLst>
+              <a:ext uri="{FF2B5EF4-FFF2-40B4-BE49-F238E27FC236}">
+                <a16:creationId xmlns:a16="http://schemas.microsoft.com/office/drawing/2014/main" id="{D77E9456-4B86-4845-9961-A563CB63D2D1}"/>
+              </a:ext>
+            </a:extLst>
+          </p:cNvPr>
+          <p:cNvSpPr/>
+          <p:nvPr/>
+        </p:nvSpPr>
+        <p:spPr>
+          <a:xfrm>
+            <a:off x="4244842" y="3797285"/>
+            <a:ext cx="3097551" cy="720080"/>
+          </a:xfrm>
+          <a:prstGeom prst="rect">
+            <a:avLst/>
+          </a:prstGeom>
+          <a:noFill/>
+        </p:spPr>
+        <p:style>
+          <a:lnRef idx="2">
+            <a:schemeClr val="accent1">
+              <a:shade val="50000"/>
+            </a:schemeClr>
+          </a:lnRef>
+          <a:fillRef idx="1">
+            <a:schemeClr val="accent1"/>
+          </a:fillRef>
+          <a:effectRef idx="0">
+            <a:schemeClr val="accent1"/>
+          </a:effectRef>
+          <a:fontRef idx="minor">
+            <a:schemeClr val="lt1"/>
+          </a:fontRef>
+        </p:style>
+        <p:txBody>
+          <a:bodyPr rtlCol="0" anchor="ctr"/>
+          <a:lstStyle/>
+          <a:p>
+            <a:pPr marL="0" marR="0" lvl="0" indent="0" algn="ctr" defTabSz="914400" rtl="0" eaLnBrk="0" fontAlgn="base" latinLnBrk="0" hangingPunct="0">
+              <a:lnSpc>
+                <a:spcPct val="100000"/>
+              </a:lnSpc>
+              <a:spcBef>
+                <a:spcPct val="0"/>
+              </a:spcBef>
+              <a:spcAft>
+                <a:spcPct val="0"/>
+              </a:spcAft>
+              <a:buClrTx/>
+              <a:buSzTx/>
+              <a:buFontTx/>
+              <a:buNone/>
+              <a:tabLst/>
+              <a:defRPr/>
+            </a:pPr>
+            <a:endParaRPr kumimoji="0" lang="es-CL" sz="2400" b="0" i="0" u="none" strike="noStrike" kern="1200" cap="none" spc="0" normalizeH="0" baseline="0" noProof="0">
+              <a:ln>
+                <a:noFill/>
+              </a:ln>
+              <a:solidFill>
+                <a:prstClr val="white"/>
+              </a:solidFill>
+              <a:effectLst/>
+              <a:uLnTx/>
+              <a:uFillTx/>
+              <a:latin typeface="Tw Cen MT" panose="020B0602020104020603"/>
+              <a:ea typeface="+mn-ea"/>
+              <a:cs typeface="+mn-cs"/>
+            </a:endParaRPr>
+          </a:p>
+        </p:txBody>
+      </p:sp>
+      <p:sp>
+        <p:nvSpPr>
+          <p:cNvPr id="12" name="CuadroTexto 11">
+            <a:extLst>
+              <a:ext uri="{FF2B5EF4-FFF2-40B4-BE49-F238E27FC236}">
+                <a16:creationId xmlns:a16="http://schemas.microsoft.com/office/drawing/2014/main" id="{44C59D82-A641-4466-88DB-73BD6D5E81F5}"/>
+              </a:ext>
+            </a:extLst>
+          </p:cNvPr>
+          <p:cNvSpPr txBox="1"/>
+          <p:nvPr/>
+        </p:nvSpPr>
+        <p:spPr>
+          <a:xfrm>
+            <a:off x="1657372" y="3010185"/>
+            <a:ext cx="936104" cy="338554"/>
+          </a:xfrm>
+          <a:prstGeom prst="rect">
+            <a:avLst/>
+          </a:prstGeom>
+          <a:noFill/>
+        </p:spPr>
+        <p:txBody>
+          <a:bodyPr wrap="square" rtlCol="0">
+            <a:spAutoFit/>
+          </a:bodyPr>
+          <a:lstStyle/>
+          <a:p>
+            <a:pPr marL="0" marR="0" lvl="0" indent="0" algn="l" defTabSz="914400" rtl="0" eaLnBrk="0" fontAlgn="base" latinLnBrk="0" hangingPunct="0">
+              <a:lnSpc>
+                <a:spcPct val="100000"/>
+              </a:lnSpc>
+              <a:spcBef>
+                <a:spcPct val="0"/>
+              </a:spcBef>
+              <a:spcAft>
+                <a:spcPct val="0"/>
+              </a:spcAft>
+              <a:buClrTx/>
+              <a:buSzTx/>
+              <a:buFontTx/>
+              <a:buNone/>
+              <a:tabLst/>
+              <a:defRPr/>
+            </a:pPr>
+            <a:r>
+              <a:rPr kumimoji="0" lang="es-CL" sz="1600" b="1" i="0" u="none" strike="noStrike" kern="1200" cap="none" spc="0" normalizeH="0" baseline="0" noProof="0" dirty="0">
+                <a:ln>
+                  <a:noFill/>
+                </a:ln>
+                <a:solidFill>
+                  <a:prstClr val="black"/>
+                </a:solidFill>
+                <a:effectLst/>
+                <a:uLnTx/>
+                <a:uFillTx/>
+                <a:latin typeface="Times" pitchFamily="-97" charset="0"/>
+                <a:ea typeface="+mn-ea"/>
+                <a:cs typeface="+mn-cs"/>
+              </a:rPr>
+              <a:t>Precio</a:t>
+            </a:r>
+          </a:p>
+        </p:txBody>
+      </p:sp>
+      <p:sp>
+        <p:nvSpPr>
+          <p:cNvPr id="13" name="CuadroTexto 12">
+            <a:extLst>
+              <a:ext uri="{FF2B5EF4-FFF2-40B4-BE49-F238E27FC236}">
+                <a16:creationId xmlns:a16="http://schemas.microsoft.com/office/drawing/2014/main" id="{04E662A9-8265-4F8E-914B-E04A32A0DA72}"/>
+              </a:ext>
+            </a:extLst>
+          </p:cNvPr>
+          <p:cNvSpPr txBox="1"/>
+          <p:nvPr/>
+        </p:nvSpPr>
+        <p:spPr>
+          <a:xfrm>
+            <a:off x="4366110" y="3008885"/>
+            <a:ext cx="936104" cy="338554"/>
+          </a:xfrm>
+          <a:prstGeom prst="rect">
+            <a:avLst/>
+          </a:prstGeom>
+          <a:noFill/>
+        </p:spPr>
+        <p:txBody>
+          <a:bodyPr wrap="square" rtlCol="0">
+            <a:spAutoFit/>
+          </a:bodyPr>
+          <a:lstStyle/>
+          <a:p>
+            <a:pPr marL="0" marR="0" lvl="0" indent="0" algn="l" defTabSz="914400" rtl="0" eaLnBrk="0" fontAlgn="base" latinLnBrk="0" hangingPunct="0">
+              <a:lnSpc>
+                <a:spcPct val="100000"/>
+              </a:lnSpc>
+              <a:spcBef>
+                <a:spcPct val="0"/>
+              </a:spcBef>
+              <a:spcAft>
+                <a:spcPct val="0"/>
+              </a:spcAft>
+              <a:buClrTx/>
+              <a:buSzTx/>
+              <a:buFontTx/>
+              <a:buNone/>
+              <a:tabLst/>
+              <a:defRPr/>
+            </a:pPr>
+            <a:r>
+              <a:rPr kumimoji="0" lang="es-CL" sz="1600" b="1" i="0" u="none" strike="noStrike" kern="1200" cap="none" spc="0" normalizeH="0" baseline="0" noProof="0" dirty="0">
+                <a:ln>
+                  <a:noFill/>
+                </a:ln>
+                <a:solidFill>
+                  <a:prstClr val="black"/>
+                </a:solidFill>
+                <a:effectLst/>
+                <a:uLnTx/>
+                <a:uFillTx/>
+                <a:latin typeface="Times" pitchFamily="-97" charset="0"/>
+                <a:ea typeface="+mn-ea"/>
+                <a:cs typeface="+mn-cs"/>
+              </a:rPr>
+              <a:t>Precio</a:t>
+            </a:r>
+          </a:p>
+        </p:txBody>
+      </p:sp>
+      <p:sp>
+        <p:nvSpPr>
+          <p:cNvPr id="14" name="CuadroTexto 13">
+            <a:extLst>
+              <a:ext uri="{FF2B5EF4-FFF2-40B4-BE49-F238E27FC236}">
+                <a16:creationId xmlns:a16="http://schemas.microsoft.com/office/drawing/2014/main" id="{BB6333C2-B279-432F-8D04-B596C250F179}"/>
+              </a:ext>
+            </a:extLst>
+          </p:cNvPr>
+          <p:cNvSpPr txBox="1"/>
+          <p:nvPr/>
+        </p:nvSpPr>
+        <p:spPr>
+          <a:xfrm>
+            <a:off x="7950266" y="4466624"/>
+            <a:ext cx="936104" cy="338554"/>
+          </a:xfrm>
+          <a:prstGeom prst="rect">
+            <a:avLst/>
+          </a:prstGeom>
+          <a:noFill/>
+        </p:spPr>
+        <p:txBody>
+          <a:bodyPr wrap="square" rtlCol="0">
+            <a:spAutoFit/>
+          </a:bodyPr>
+          <a:lstStyle/>
+          <a:p>
+            <a:pPr marL="0" marR="0" lvl="0" indent="0" algn="l" defTabSz="914400" rtl="0" eaLnBrk="0" fontAlgn="base" latinLnBrk="0" hangingPunct="0">
+              <a:lnSpc>
+                <a:spcPct val="100000"/>
+              </a:lnSpc>
+              <a:spcBef>
+                <a:spcPct val="0"/>
+              </a:spcBef>
+              <a:spcAft>
+                <a:spcPct val="0"/>
+              </a:spcAft>
+              <a:buClrTx/>
+              <a:buSzTx/>
+              <a:buFontTx/>
+              <a:buNone/>
+              <a:tabLst/>
+              <a:defRPr/>
+            </a:pPr>
+            <a:r>
+              <a:rPr kumimoji="0" lang="es-CL" sz="1600" b="1" i="0" u="none" strike="noStrike" kern="1200" cap="none" spc="0" normalizeH="0" baseline="0" noProof="0" dirty="0">
+                <a:ln>
+                  <a:noFill/>
+                </a:ln>
+                <a:solidFill>
+                  <a:prstClr val="black"/>
+                </a:solidFill>
+                <a:effectLst/>
+                <a:uLnTx/>
+                <a:uFillTx/>
+                <a:latin typeface="Times" pitchFamily="-97" charset="0"/>
+                <a:ea typeface="+mn-ea"/>
+                <a:cs typeface="+mn-cs"/>
+              </a:rPr>
+              <a:t>Precio</a:t>
+            </a:r>
+          </a:p>
+        </p:txBody>
+      </p:sp>
+      <p:sp>
+        <p:nvSpPr>
+          <p:cNvPr id="16" name="CuadroTexto 15">
+            <a:extLst>
+              <a:ext uri="{FF2B5EF4-FFF2-40B4-BE49-F238E27FC236}">
+                <a16:creationId xmlns:a16="http://schemas.microsoft.com/office/drawing/2014/main" id="{A2BA783B-1B42-44B5-9829-3E4108186389}"/>
+              </a:ext>
+            </a:extLst>
+          </p:cNvPr>
+          <p:cNvSpPr txBox="1"/>
+          <p:nvPr/>
+        </p:nvSpPr>
+        <p:spPr>
+          <a:xfrm>
+            <a:off x="9506687" y="4466624"/>
+            <a:ext cx="936104" cy="338554"/>
+          </a:xfrm>
+          <a:prstGeom prst="rect">
+            <a:avLst/>
+          </a:prstGeom>
+          <a:noFill/>
+        </p:spPr>
+        <p:txBody>
+          <a:bodyPr wrap="square" rtlCol="0">
+            <a:spAutoFit/>
+          </a:bodyPr>
+          <a:lstStyle/>
+          <a:p>
+            <a:pPr marL="0" marR="0" lvl="0" indent="0" algn="l" defTabSz="914400" rtl="0" eaLnBrk="0" fontAlgn="base" latinLnBrk="0" hangingPunct="0">
+              <a:lnSpc>
+                <a:spcPct val="100000"/>
+              </a:lnSpc>
+              <a:spcBef>
+                <a:spcPct val="0"/>
+              </a:spcBef>
+              <a:spcAft>
+                <a:spcPct val="0"/>
+              </a:spcAft>
+              <a:buClrTx/>
+              <a:buSzTx/>
+              <a:buFontTx/>
+              <a:buNone/>
+              <a:tabLst/>
+              <a:defRPr/>
+            </a:pPr>
+            <a:r>
+              <a:rPr kumimoji="0" lang="es-CL" sz="1600" b="1" i="0" u="none" strike="noStrike" kern="1200" cap="none" spc="0" normalizeH="0" baseline="0" noProof="0" dirty="0">
+                <a:ln>
+                  <a:noFill/>
+                </a:ln>
+                <a:solidFill>
+                  <a:prstClr val="black"/>
+                </a:solidFill>
+                <a:effectLst/>
+                <a:uLnTx/>
+                <a:uFillTx/>
+                <a:latin typeface="Times" pitchFamily="-97" charset="0"/>
+                <a:ea typeface="+mn-ea"/>
+                <a:cs typeface="+mn-cs"/>
+              </a:rPr>
+              <a:t>Precio</a:t>
+            </a:r>
+          </a:p>
+        </p:txBody>
+      </p:sp>
+      <p:sp>
+        <p:nvSpPr>
+          <p:cNvPr id="20" name="CuadroTexto 19">
+            <a:extLst>
+              <a:ext uri="{FF2B5EF4-FFF2-40B4-BE49-F238E27FC236}">
+                <a16:creationId xmlns:a16="http://schemas.microsoft.com/office/drawing/2014/main" id="{1A37A34C-38C1-4363-8E2E-FEE9CE71970A}"/>
+              </a:ext>
+            </a:extLst>
+          </p:cNvPr>
+          <p:cNvSpPr txBox="1"/>
+          <p:nvPr/>
+        </p:nvSpPr>
+        <p:spPr>
+          <a:xfrm>
+            <a:off x="1334568" y="4468842"/>
+            <a:ext cx="936104" cy="338554"/>
+          </a:xfrm>
+          <a:prstGeom prst="rect">
+            <a:avLst/>
+          </a:prstGeom>
+          <a:noFill/>
+        </p:spPr>
+        <p:txBody>
+          <a:bodyPr wrap="square" rtlCol="0">
+            <a:spAutoFit/>
+          </a:bodyPr>
+          <a:lstStyle/>
+          <a:p>
+            <a:pPr marL="0" marR="0" lvl="0" indent="0" algn="l" defTabSz="914400" rtl="0" eaLnBrk="0" fontAlgn="base" latinLnBrk="0" hangingPunct="0">
+              <a:lnSpc>
+                <a:spcPct val="100000"/>
+              </a:lnSpc>
+              <a:spcBef>
+                <a:spcPct val="0"/>
+              </a:spcBef>
+              <a:spcAft>
+                <a:spcPct val="0"/>
+              </a:spcAft>
+              <a:buClrTx/>
+              <a:buSzTx/>
+              <a:buFontTx/>
+              <a:buNone/>
+              <a:tabLst/>
+              <a:defRPr/>
+            </a:pPr>
+            <a:r>
+              <a:rPr kumimoji="0" lang="es-CL" sz="1600" b="1" i="0" u="none" strike="noStrike" kern="1200" cap="none" spc="0" normalizeH="0" baseline="0" noProof="0" dirty="0">
+                <a:ln>
+                  <a:noFill/>
+                </a:ln>
+                <a:solidFill>
+                  <a:prstClr val="black"/>
+                </a:solidFill>
+                <a:effectLst/>
+                <a:uLnTx/>
+                <a:uFillTx/>
+                <a:latin typeface="Times" pitchFamily="-97" charset="0"/>
+                <a:ea typeface="+mn-ea"/>
+                <a:cs typeface="+mn-cs"/>
+              </a:rPr>
+              <a:t>Precio</a:t>
+            </a:r>
+          </a:p>
+        </p:txBody>
+      </p:sp>
+      <p:sp>
+        <p:nvSpPr>
+          <p:cNvPr id="21" name="CuadroTexto 20">
+            <a:extLst>
+              <a:ext uri="{FF2B5EF4-FFF2-40B4-BE49-F238E27FC236}">
+                <a16:creationId xmlns:a16="http://schemas.microsoft.com/office/drawing/2014/main" id="{6AC906DD-9B5F-4B8A-8D5B-1E6AF1B91D1F}"/>
+              </a:ext>
+            </a:extLst>
+          </p:cNvPr>
+          <p:cNvSpPr txBox="1"/>
+          <p:nvPr/>
+        </p:nvSpPr>
+        <p:spPr>
+          <a:xfrm>
+            <a:off x="2899192" y="4468842"/>
+            <a:ext cx="936104" cy="338554"/>
+          </a:xfrm>
+          <a:prstGeom prst="rect">
+            <a:avLst/>
+          </a:prstGeom>
+          <a:noFill/>
+        </p:spPr>
+        <p:txBody>
+          <a:bodyPr wrap="square" rtlCol="0">
+            <a:spAutoFit/>
+          </a:bodyPr>
+          <a:lstStyle/>
+          <a:p>
+            <a:pPr marL="0" marR="0" lvl="0" indent="0" algn="l" defTabSz="914400" rtl="0" eaLnBrk="0" fontAlgn="base" latinLnBrk="0" hangingPunct="0">
+              <a:lnSpc>
+                <a:spcPct val="100000"/>
+              </a:lnSpc>
+              <a:spcBef>
+                <a:spcPct val="0"/>
+              </a:spcBef>
+              <a:spcAft>
+                <a:spcPct val="0"/>
+              </a:spcAft>
+              <a:buClrTx/>
+              <a:buSzTx/>
+              <a:buFontTx/>
+              <a:buNone/>
+              <a:tabLst/>
+              <a:defRPr/>
+            </a:pPr>
+            <a:r>
+              <a:rPr kumimoji="0" lang="es-CL" sz="1600" b="1" i="0" u="none" strike="noStrike" kern="1200" cap="none" spc="0" normalizeH="0" baseline="0" noProof="0" dirty="0">
+                <a:ln>
+                  <a:noFill/>
+                </a:ln>
+                <a:solidFill>
+                  <a:prstClr val="black"/>
+                </a:solidFill>
+                <a:effectLst/>
+                <a:uLnTx/>
+                <a:uFillTx/>
+                <a:latin typeface="Times" pitchFamily="-97" charset="0"/>
+                <a:ea typeface="+mn-ea"/>
+                <a:cs typeface="+mn-cs"/>
+              </a:rPr>
+              <a:t>Precio</a:t>
+            </a:r>
+          </a:p>
+        </p:txBody>
+      </p:sp>
+      <p:sp>
+        <p:nvSpPr>
+          <p:cNvPr id="25" name="CuadroTexto 24">
+            <a:extLst>
+              <a:ext uri="{FF2B5EF4-FFF2-40B4-BE49-F238E27FC236}">
+                <a16:creationId xmlns:a16="http://schemas.microsoft.com/office/drawing/2014/main" id="{30372EAD-03EB-4883-865C-BC1899282F29}"/>
+              </a:ext>
+            </a:extLst>
+          </p:cNvPr>
+          <p:cNvSpPr txBox="1"/>
+          <p:nvPr/>
+        </p:nvSpPr>
+        <p:spPr>
+          <a:xfrm>
+            <a:off x="4696292" y="4468842"/>
+            <a:ext cx="936104" cy="338554"/>
+          </a:xfrm>
+          <a:prstGeom prst="rect">
+            <a:avLst/>
+          </a:prstGeom>
+          <a:noFill/>
+        </p:spPr>
+        <p:txBody>
+          <a:bodyPr wrap="square" rtlCol="0">
+            <a:spAutoFit/>
+          </a:bodyPr>
+          <a:lstStyle/>
+          <a:p>
+            <a:pPr marL="0" marR="0" lvl="0" indent="0" algn="l" defTabSz="914400" rtl="0" eaLnBrk="0" fontAlgn="base" latinLnBrk="0" hangingPunct="0">
+              <a:lnSpc>
+                <a:spcPct val="100000"/>
+              </a:lnSpc>
+              <a:spcBef>
+                <a:spcPct val="0"/>
+              </a:spcBef>
+              <a:spcAft>
+                <a:spcPct val="0"/>
+              </a:spcAft>
+              <a:buClrTx/>
+              <a:buSzTx/>
+              <a:buFontTx/>
+              <a:buNone/>
+              <a:tabLst/>
+              <a:defRPr/>
+            </a:pPr>
+            <a:r>
+              <a:rPr kumimoji="0" lang="es-CL" sz="1600" b="1" i="0" u="none" strike="noStrike" kern="1200" cap="none" spc="0" normalizeH="0" baseline="0" noProof="0" dirty="0">
+                <a:ln>
+                  <a:noFill/>
+                </a:ln>
+                <a:solidFill>
+                  <a:prstClr val="black"/>
+                </a:solidFill>
+                <a:effectLst/>
+                <a:uLnTx/>
+                <a:uFillTx/>
+                <a:latin typeface="Times" pitchFamily="-97" charset="0"/>
+                <a:ea typeface="+mn-ea"/>
+                <a:cs typeface="+mn-cs"/>
+              </a:rPr>
+              <a:t>Precio</a:t>
+            </a:r>
+          </a:p>
+        </p:txBody>
+      </p:sp>
+      <p:sp>
+        <p:nvSpPr>
+          <p:cNvPr id="75" name="CuadroTexto 74">
+            <a:extLst>
+              <a:ext uri="{FF2B5EF4-FFF2-40B4-BE49-F238E27FC236}">
+                <a16:creationId xmlns:a16="http://schemas.microsoft.com/office/drawing/2014/main" id="{2E64FC84-9B27-49B8-BF37-054E65991FBD}"/>
+              </a:ext>
+            </a:extLst>
+          </p:cNvPr>
+          <p:cNvSpPr txBox="1"/>
+          <p:nvPr/>
+        </p:nvSpPr>
+        <p:spPr>
+          <a:xfrm>
+            <a:off x="6247743" y="4471738"/>
+            <a:ext cx="936104" cy="338554"/>
+          </a:xfrm>
+          <a:prstGeom prst="rect">
+            <a:avLst/>
+          </a:prstGeom>
+          <a:noFill/>
+        </p:spPr>
+        <p:txBody>
+          <a:bodyPr wrap="square" rtlCol="0">
+            <a:spAutoFit/>
+          </a:bodyPr>
+          <a:lstStyle/>
+          <a:p>
+            <a:pPr marL="0" marR="0" lvl="0" indent="0" algn="l" defTabSz="914400" rtl="0" eaLnBrk="0" fontAlgn="base" latinLnBrk="0" hangingPunct="0">
+              <a:lnSpc>
+                <a:spcPct val="100000"/>
+              </a:lnSpc>
+              <a:spcBef>
+                <a:spcPct val="0"/>
+              </a:spcBef>
+              <a:spcAft>
+                <a:spcPct val="0"/>
+              </a:spcAft>
+              <a:buClrTx/>
+              <a:buSzTx/>
+              <a:buFontTx/>
+              <a:buNone/>
+              <a:tabLst/>
+              <a:defRPr/>
+            </a:pPr>
+            <a:r>
+              <a:rPr kumimoji="0" lang="es-CL" sz="1600" b="1" i="0" u="none" strike="noStrike" kern="1200" cap="none" spc="0" normalizeH="0" baseline="0" noProof="0" dirty="0">
+                <a:ln>
+                  <a:noFill/>
+                </a:ln>
+                <a:solidFill>
+                  <a:prstClr val="black"/>
+                </a:solidFill>
+                <a:effectLst/>
+                <a:uLnTx/>
+                <a:uFillTx/>
+                <a:latin typeface="Times" pitchFamily="-97" charset="0"/>
+                <a:ea typeface="+mn-ea"/>
+                <a:cs typeface="+mn-cs"/>
+              </a:rPr>
+              <a:t>Precio</a:t>
+            </a:r>
+          </a:p>
+        </p:txBody>
+      </p:sp>
+      <p:sp>
+        <p:nvSpPr>
+          <p:cNvPr id="30" name="CuadroTexto 29">
+            <a:extLst>
+              <a:ext uri="{FF2B5EF4-FFF2-40B4-BE49-F238E27FC236}">
+                <a16:creationId xmlns:a16="http://schemas.microsoft.com/office/drawing/2014/main" id="{39E89CB9-5106-487C-AD19-A397822E139E}"/>
+              </a:ext>
+            </a:extLst>
+          </p:cNvPr>
+          <p:cNvSpPr txBox="1"/>
+          <p:nvPr/>
+        </p:nvSpPr>
+        <p:spPr>
+          <a:xfrm>
+            <a:off x="916728" y="5219638"/>
+            <a:ext cx="1512168" cy="461665"/>
+          </a:xfrm>
+          <a:prstGeom prst="rect">
+            <a:avLst/>
+          </a:prstGeom>
+          <a:solidFill>
+            <a:schemeClr val="accent1">
+              <a:lumMod val="60000"/>
+              <a:lumOff val="40000"/>
+            </a:schemeClr>
+          </a:solidFill>
+          <a:ln w="28575">
+            <a:solidFill>
+              <a:schemeClr val="accent1">
+                <a:lumMod val="75000"/>
+              </a:schemeClr>
+            </a:solidFill>
+          </a:ln>
+        </p:spPr>
+        <p:txBody>
+          <a:bodyPr wrap="square" rtlCol="0">
+            <a:spAutoFit/>
+          </a:bodyPr>
+          <a:lstStyle/>
+          <a:p>
+            <a:pPr marL="0" marR="0" lvl="0" indent="0" algn="ctr" defTabSz="914400" rtl="0" eaLnBrk="0" fontAlgn="base" latinLnBrk="0" hangingPunct="0">
+              <a:lnSpc>
+                <a:spcPct val="100000"/>
+              </a:lnSpc>
+              <a:spcBef>
+                <a:spcPct val="0"/>
+              </a:spcBef>
+              <a:spcAft>
+                <a:spcPct val="0"/>
+              </a:spcAft>
+              <a:buClrTx/>
+              <a:buSzTx/>
+              <a:buFontTx/>
+              <a:buNone/>
+              <a:tabLst/>
+              <a:defRPr/>
+            </a:pPr>
+            <a:r>
+              <a:rPr kumimoji="0" lang="es-CL" sz="1200" b="0" i="0" u="none" strike="noStrike" kern="1200" cap="none" spc="0" normalizeH="0" baseline="0" noProof="0" dirty="0">
+                <a:ln>
+                  <a:noFill/>
+                </a:ln>
+                <a:solidFill>
+                  <a:prstClr val="black"/>
+                </a:solidFill>
+                <a:effectLst/>
+                <a:uLnTx/>
+                <a:uFillTx/>
+                <a:latin typeface="Times" pitchFamily="-97" charset="0"/>
+                <a:ea typeface="+mn-ea"/>
+                <a:cs typeface="+mn-cs"/>
+              </a:rPr>
+              <a:t>Consultoría SEIA Chile</a:t>
+            </a:r>
+          </a:p>
+        </p:txBody>
+      </p:sp>
+      <p:sp>
+        <p:nvSpPr>
+          <p:cNvPr id="31" name="CuadroTexto 30">
+            <a:extLst>
+              <a:ext uri="{FF2B5EF4-FFF2-40B4-BE49-F238E27FC236}">
+                <a16:creationId xmlns:a16="http://schemas.microsoft.com/office/drawing/2014/main" id="{B530CC29-3207-4591-B50F-33CE3CB23A0C}"/>
+              </a:ext>
+            </a:extLst>
+          </p:cNvPr>
+          <p:cNvSpPr txBox="1"/>
+          <p:nvPr/>
+        </p:nvSpPr>
+        <p:spPr>
+          <a:xfrm>
+            <a:off x="1265594" y="5761954"/>
+            <a:ext cx="936104" cy="338554"/>
+          </a:xfrm>
+          <a:prstGeom prst="rect">
+            <a:avLst/>
+          </a:prstGeom>
+          <a:noFill/>
+        </p:spPr>
+        <p:txBody>
+          <a:bodyPr wrap="square" rtlCol="0">
+            <a:spAutoFit/>
+          </a:bodyPr>
+          <a:lstStyle/>
+          <a:p>
+            <a:pPr marL="0" marR="0" lvl="0" indent="0" algn="l" defTabSz="914400" rtl="0" eaLnBrk="0" fontAlgn="base" latinLnBrk="0" hangingPunct="0">
+              <a:lnSpc>
+                <a:spcPct val="100000"/>
+              </a:lnSpc>
+              <a:spcBef>
+                <a:spcPct val="0"/>
+              </a:spcBef>
+              <a:spcAft>
+                <a:spcPct val="0"/>
+              </a:spcAft>
+              <a:buClrTx/>
+              <a:buSzTx/>
+              <a:buFontTx/>
+              <a:buNone/>
+              <a:tabLst/>
+              <a:defRPr/>
+            </a:pPr>
+            <a:r>
+              <a:rPr kumimoji="0" lang="es-CL" sz="1600" b="1" i="0" u="none" strike="noStrike" kern="1200" cap="none" spc="0" normalizeH="0" baseline="0" noProof="0" dirty="0">
+                <a:ln>
+                  <a:noFill/>
+                </a:ln>
+                <a:solidFill>
+                  <a:prstClr val="black"/>
+                </a:solidFill>
+                <a:effectLst/>
+                <a:uLnTx/>
+                <a:uFillTx/>
+                <a:latin typeface="Times" pitchFamily="-97" charset="0"/>
+                <a:ea typeface="+mn-ea"/>
+                <a:cs typeface="+mn-cs"/>
+              </a:rPr>
+              <a:t>Precio</a:t>
+            </a:r>
+          </a:p>
+        </p:txBody>
+      </p:sp>
+    </p:spTree>
+    <p:extLst>
+      <p:ext uri="{BB962C8B-B14F-4D97-AF65-F5344CB8AC3E}">
+        <p14:creationId xmlns:p14="http://schemas.microsoft.com/office/powerpoint/2010/main" val="1179113535"/>
+      </p:ext>
+    </p:extLst>
+  </p:cSld>
+  <p:clrMapOvr>
+    <a:masterClrMapping/>
+  </p:clrMapOvr>
+</p:sld>
+</file>
+
+<file path=ppt/slides/slide4.xml><?xml version="1.0" encoding="utf-8"?>
+<p:sld xmlns:a="http://schemas.openxmlformats.org/drawingml/2006/main" xmlns:r="http://schemas.openxmlformats.org/officeDocument/2006/relationships" xmlns:p="http://schemas.openxmlformats.org/presentationml/2006/main">
+  <p:cSld>
+    <p:spTree>
+      <p:nvGrpSpPr>
+        <p:cNvPr id="1" name=""/>
+        <p:cNvGrpSpPr/>
+        <p:nvPr/>
+      </p:nvGrpSpPr>
+      <p:grpSpPr>
+        <a:xfrm>
+          <a:off x="0" y="0"/>
+          <a:ext cx="0" cy="0"/>
+          <a:chOff x="0" y="0"/>
+          <a:chExt cx="0" cy="0"/>
+        </a:xfrm>
+      </p:grpSpPr>
+      <p:sp>
+        <p:nvSpPr>
+          <p:cNvPr id="2" name="Título 1">
+            <a:extLst>
+              <a:ext uri="{FF2B5EF4-FFF2-40B4-BE49-F238E27FC236}">
+                <a16:creationId xmlns:a16="http://schemas.microsoft.com/office/drawing/2014/main" id="{B7567D67-0D69-4584-B3D4-6BEC4F0BC485}"/>
+              </a:ext>
+            </a:extLst>
+          </p:cNvPr>
+          <p:cNvSpPr>
+            <a:spLocks noGrp="1"/>
+          </p:cNvSpPr>
+          <p:nvPr>
+            <p:ph type="title"/>
+          </p:nvPr>
+        </p:nvSpPr>
+        <p:spPr/>
+        <p:txBody>
+          <a:bodyPr/>
+          <a:lstStyle/>
+          <a:p>
+            <a:r>
+              <a:rPr lang="es-CL" dirty="0"/>
+              <a:t>Colección DATA clima</a:t>
+            </a:r>
+          </a:p>
+        </p:txBody>
+      </p:sp>
+      <p:cxnSp>
+        <p:nvCxnSpPr>
+          <p:cNvPr id="8" name="Conector recto 7">
+            <a:extLst>
+              <a:ext uri="{FF2B5EF4-FFF2-40B4-BE49-F238E27FC236}">
+                <a16:creationId xmlns:a16="http://schemas.microsoft.com/office/drawing/2014/main" id="{DF976C14-2EBA-4582-8D53-69D94302B376}"/>
+              </a:ext>
+            </a:extLst>
+          </p:cNvPr>
+          <p:cNvCxnSpPr>
+            <a:cxnSpLocks/>
+          </p:cNvCxnSpPr>
+          <p:nvPr/>
+        </p:nvCxnSpPr>
+        <p:spPr>
+          <a:xfrm>
+            <a:off x="5879976" y="1268760"/>
+            <a:ext cx="825286" cy="0"/>
+          </a:xfrm>
+          <a:prstGeom prst="line">
+            <a:avLst/>
+          </a:prstGeom>
+          <a:ln>
+            <a:solidFill>
+              <a:schemeClr val="tx2">
+                <a:lumMod val="75000"/>
+              </a:schemeClr>
+            </a:solidFill>
+          </a:ln>
+        </p:spPr>
+        <p:style>
+          <a:lnRef idx="1">
+            <a:schemeClr val="accent1"/>
+          </a:lnRef>
+          <a:fillRef idx="0">
+            <a:schemeClr val="accent1"/>
+          </a:fillRef>
+          <a:effectRef idx="0">
+            <a:schemeClr val="accent1"/>
+          </a:effectRef>
+          <a:fontRef idx="minor">
+            <a:schemeClr val="tx1"/>
+          </a:fontRef>
+        </p:style>
+      </p:cxnSp>
+      <p:sp>
+        <p:nvSpPr>
+          <p:cNvPr id="43" name="CuadroTexto 42">
+            <a:extLst>
+              <a:ext uri="{FF2B5EF4-FFF2-40B4-BE49-F238E27FC236}">
+                <a16:creationId xmlns:a16="http://schemas.microsoft.com/office/drawing/2014/main" id="{58A3E1E0-89F1-449D-81EA-67CDD870137B}"/>
+              </a:ext>
+            </a:extLst>
+          </p:cNvPr>
+          <p:cNvSpPr txBox="1"/>
+          <p:nvPr/>
+        </p:nvSpPr>
+        <p:spPr>
+          <a:xfrm rot="16200000">
+            <a:off x="-1080869" y="3708006"/>
+            <a:ext cx="2767616" cy="461665"/>
+          </a:xfrm>
+          <a:prstGeom prst="rect">
+            <a:avLst/>
+          </a:prstGeom>
+          <a:noFill/>
+        </p:spPr>
+        <p:txBody>
+          <a:bodyPr wrap="square" rtlCol="0">
+            <a:spAutoFit/>
+          </a:bodyPr>
+          <a:lstStyle/>
+          <a:p>
+            <a:pPr marL="0" marR="0" lvl="0" indent="0" algn="l" defTabSz="914400" rtl="0" eaLnBrk="0" fontAlgn="base" latinLnBrk="0" hangingPunct="0">
+              <a:lnSpc>
+                <a:spcPct val="100000"/>
+              </a:lnSpc>
+              <a:spcBef>
+                <a:spcPct val="0"/>
+              </a:spcBef>
+              <a:spcAft>
+                <a:spcPct val="0"/>
+              </a:spcAft>
+              <a:buClrTx/>
+              <a:buSzTx/>
+              <a:buFontTx/>
+              <a:buNone/>
+              <a:tabLst/>
+              <a:defRPr/>
+            </a:pPr>
+            <a:r>
+              <a:rPr kumimoji="0" lang="es-CL" sz="2400" b="0" i="0" u="none" strike="noStrike" kern="1200" cap="none" spc="0" normalizeH="0" baseline="0" noProof="0" dirty="0">
+                <a:ln>
+                  <a:noFill/>
+                </a:ln>
+                <a:solidFill>
+                  <a:prstClr val="black"/>
+                </a:solidFill>
+                <a:effectLst/>
+                <a:uLnTx/>
+                <a:uFillTx/>
+                <a:latin typeface="Times" pitchFamily="-97" charset="0"/>
+                <a:ea typeface="+mn-ea"/>
+                <a:cs typeface="+mn-cs"/>
+              </a:rPr>
+              <a:t>PRODUCTOS</a:t>
+            </a:r>
+          </a:p>
+        </p:txBody>
+      </p:sp>
+      <p:sp>
+        <p:nvSpPr>
+          <p:cNvPr id="13" name="CuadroTexto 12">
+            <a:extLst>
+              <a:ext uri="{FF2B5EF4-FFF2-40B4-BE49-F238E27FC236}">
+                <a16:creationId xmlns:a16="http://schemas.microsoft.com/office/drawing/2014/main" id="{A4FB032A-8060-47A5-ACEA-0ADEAE65D0EA}"/>
+              </a:ext>
+            </a:extLst>
+          </p:cNvPr>
+          <p:cNvSpPr txBox="1"/>
+          <p:nvPr/>
+        </p:nvSpPr>
+        <p:spPr>
+          <a:xfrm>
+            <a:off x="758158" y="2161848"/>
+            <a:ext cx="2524033" cy="307777"/>
+          </a:xfrm>
+          <a:prstGeom prst="rect">
+            <a:avLst/>
+          </a:prstGeom>
+          <a:solidFill>
+            <a:schemeClr val="tx2">
               <a:lumMod val="40000"/>
               <a:lumOff val="60000"/>
             </a:schemeClr>
           </a:solidFill>
           <a:ln>
             <a:solidFill>
-              <a:schemeClr val="accent6">
+              <a:schemeClr val="tx2">
                 <a:lumMod val="75000"/>
               </a:schemeClr>
             </a:solidFill>
@@ -11645,17 +11841,17 @@
                 <a:ea typeface="+mn-ea"/>
                 <a:cs typeface="+mn-cs"/>
               </a:rPr>
-              <a:t>Proyecciones Cambio Climático</a:t>
-            </a:r>
-          </a:p>
-        </p:txBody>
-      </p:sp>
-      <p:sp>
-        <p:nvSpPr>
-          <p:cNvPr id="5" name="CuadroTexto 4">
-            <a:extLst>
-              <a:ext uri="{FF2B5EF4-FFF2-40B4-BE49-F238E27FC236}">
-                <a16:creationId xmlns:a16="http://schemas.microsoft.com/office/drawing/2014/main" id="{282E6E97-AADA-4923-B72B-483FBB7AC5F4}"/>
+              <a:t>Plataforma DATA CLIMA</a:t>
+            </a:r>
+          </a:p>
+        </p:txBody>
+      </p:sp>
+      <p:sp>
+        <p:nvSpPr>
+          <p:cNvPr id="14" name="CuadroTexto 13">
+            <a:extLst>
+              <a:ext uri="{FF2B5EF4-FFF2-40B4-BE49-F238E27FC236}">
+                <a16:creationId xmlns:a16="http://schemas.microsoft.com/office/drawing/2014/main" id="{DE286685-EB56-4610-B810-BD779B954ECE}"/>
               </a:ext>
             </a:extLst>
           </p:cNvPr>
@@ -11664,21 +11860,21 @@
         </p:nvSpPr>
         <p:spPr>
           <a:xfrm>
-            <a:off x="758158" y="2781981"/>
-            <a:ext cx="1512168" cy="646331"/>
+            <a:off x="765531" y="3345906"/>
+            <a:ext cx="1512168" cy="461665"/>
           </a:xfrm>
           <a:prstGeom prst="rect">
             <a:avLst/>
           </a:prstGeom>
           <a:solidFill>
-            <a:schemeClr val="accent6">
+            <a:schemeClr val="tx2">
               <a:lumMod val="40000"/>
               <a:lumOff val="60000"/>
             </a:schemeClr>
           </a:solidFill>
           <a:ln w="28575">
             <a:solidFill>
-              <a:schemeClr val="accent6">
+              <a:schemeClr val="tx2">
                 <a:lumMod val="75000"/>
               </a:schemeClr>
             </a:solidFill>
@@ -11722,233 +11918,7 @@
                 <a:ea typeface="+mn-ea"/>
                 <a:cs typeface="+mn-cs"/>
               </a:rPr>
-              <a:t>Proyecciones CC Global</a:t>
-            </a:r>
-          </a:p>
-          <a:p>
-            <a:pPr marL="0" marR="0" lvl="0" indent="0" algn="ctr" defTabSz="914400" rtl="0" eaLnBrk="0" fontAlgn="base" latinLnBrk="0" hangingPunct="0">
-              <a:lnSpc>
-                <a:spcPct val="100000"/>
-              </a:lnSpc>
-              <a:spcBef>
-                <a:spcPct val="0"/>
-              </a:spcBef>
-              <a:spcAft>
-                <a:spcPct val="0"/>
-              </a:spcAft>
-              <a:buClrTx/>
-              <a:buSzTx/>
-              <a:buFontTx/>
-              <a:buNone/>
-              <a:tabLst/>
-              <a:defRPr/>
-            </a:pPr>
-            <a:r>
-              <a:rPr kumimoji="0" lang="es-CL" sz="1200" b="0" i="0" u="none" strike="noStrike" kern="1200" cap="none" spc="0" normalizeH="0" baseline="0" noProof="0" dirty="0">
-                <a:ln>
-                  <a:noFill/>
-                </a:ln>
-                <a:solidFill>
-                  <a:prstClr val="black"/>
-                </a:solidFill>
-                <a:effectLst/>
-                <a:uLnTx/>
-                <a:uFillTx/>
-                <a:latin typeface="Times" pitchFamily="-97" charset="0"/>
-                <a:ea typeface="+mn-ea"/>
-                <a:cs typeface="+mn-cs"/>
-              </a:rPr>
-              <a:t>Ecosistemas</a:t>
-            </a:r>
-          </a:p>
-        </p:txBody>
-      </p:sp>
-      <p:sp>
-        <p:nvSpPr>
-          <p:cNvPr id="7" name="CuadroTexto 6">
-            <a:extLst>
-              <a:ext uri="{FF2B5EF4-FFF2-40B4-BE49-F238E27FC236}">
-                <a16:creationId xmlns:a16="http://schemas.microsoft.com/office/drawing/2014/main" id="{780ECD3F-E992-45E5-9182-FD3A1896B5D8}"/>
-              </a:ext>
-            </a:extLst>
-          </p:cNvPr>
-          <p:cNvSpPr txBox="1"/>
-          <p:nvPr/>
-        </p:nvSpPr>
-        <p:spPr>
-          <a:xfrm>
-            <a:off x="2347831" y="2782669"/>
-            <a:ext cx="1512168" cy="646331"/>
-          </a:xfrm>
-          <a:prstGeom prst="rect">
-            <a:avLst/>
-          </a:prstGeom>
-          <a:solidFill>
-            <a:schemeClr val="accent6">
-              <a:lumMod val="40000"/>
-              <a:lumOff val="60000"/>
-            </a:schemeClr>
-          </a:solidFill>
-          <a:ln w="28575">
-            <a:solidFill>
-              <a:schemeClr val="accent6">
-                <a:lumMod val="75000"/>
-              </a:schemeClr>
-            </a:solidFill>
-          </a:ln>
-        </p:spPr>
-        <p:txBody>
-          <a:bodyPr wrap="square" rtlCol="0">
-            <a:spAutoFit/>
-          </a:bodyPr>
-          <a:lstStyle/>
-          <a:p>
-            <a:pPr marL="0" marR="0" lvl="0" indent="0" algn="ctr" defTabSz="914400" rtl="0" eaLnBrk="0" fontAlgn="base" latinLnBrk="0" hangingPunct="0">
-              <a:lnSpc>
-                <a:spcPct val="100000"/>
-              </a:lnSpc>
-              <a:spcBef>
-                <a:spcPct val="0"/>
-              </a:spcBef>
-              <a:spcAft>
-                <a:spcPct val="0"/>
-              </a:spcAft>
-              <a:buClrTx/>
-              <a:buSzTx/>
-              <a:buFontTx/>
-              <a:buNone/>
-              <a:tabLst/>
-              <a:defRPr/>
-            </a:pPr>
-            <a:r>
-              <a:rPr kumimoji="0" lang="es-CL" sz="1200" b="0" i="0" u="none" strike="noStrike" kern="1200" cap="none" spc="0" normalizeH="0" baseline="0" noProof="0" dirty="0">
-                <a:ln>
-                  <a:noFill/>
-                </a:ln>
-                <a:solidFill>
-                  <a:prstClr val="black"/>
-                </a:solidFill>
-                <a:effectLst/>
-                <a:uLnTx/>
-                <a:uFillTx/>
-                <a:latin typeface="Times" pitchFamily="-97" charset="0"/>
-                <a:ea typeface="+mn-ea"/>
-                <a:cs typeface="+mn-cs"/>
-              </a:rPr>
-              <a:t>Proyecciones CC Global</a:t>
-            </a:r>
-          </a:p>
-          <a:p>
-            <a:pPr marL="0" marR="0" lvl="0" indent="0" algn="ctr" defTabSz="914400" rtl="0" eaLnBrk="0" fontAlgn="base" latinLnBrk="0" hangingPunct="0">
-              <a:lnSpc>
-                <a:spcPct val="100000"/>
-              </a:lnSpc>
-              <a:spcBef>
-                <a:spcPct val="0"/>
-              </a:spcBef>
-              <a:spcAft>
-                <a:spcPct val="0"/>
-              </a:spcAft>
-              <a:buClrTx/>
-              <a:buSzTx/>
-              <a:buFontTx/>
-              <a:buNone/>
-              <a:tabLst/>
-              <a:defRPr/>
-            </a:pPr>
-            <a:r>
-              <a:rPr kumimoji="0" lang="es-CL" sz="1200" b="0" i="0" u="none" strike="noStrike" kern="1200" cap="none" spc="0" normalizeH="0" baseline="0" noProof="0" dirty="0">
-                <a:ln>
-                  <a:noFill/>
-                </a:ln>
-                <a:solidFill>
-                  <a:prstClr val="black"/>
-                </a:solidFill>
-                <a:effectLst/>
-                <a:uLnTx/>
-                <a:uFillTx/>
-                <a:latin typeface="Times" pitchFamily="-97" charset="0"/>
-                <a:ea typeface="+mn-ea"/>
-                <a:cs typeface="+mn-cs"/>
-              </a:rPr>
-              <a:t>Vida Humana</a:t>
-            </a:r>
-          </a:p>
-        </p:txBody>
-      </p:sp>
-      <p:sp>
-        <p:nvSpPr>
-          <p:cNvPr id="9" name="CuadroTexto 8">
-            <a:extLst>
-              <a:ext uri="{FF2B5EF4-FFF2-40B4-BE49-F238E27FC236}">
-                <a16:creationId xmlns:a16="http://schemas.microsoft.com/office/drawing/2014/main" id="{43A6983E-9DB1-4F3D-8361-8970DC165D3D}"/>
-              </a:ext>
-            </a:extLst>
-          </p:cNvPr>
-          <p:cNvSpPr txBox="1"/>
-          <p:nvPr/>
-        </p:nvSpPr>
-        <p:spPr>
-          <a:xfrm>
-            <a:off x="3937504" y="2785732"/>
-            <a:ext cx="1512168" cy="646331"/>
-          </a:xfrm>
-          <a:prstGeom prst="rect">
-            <a:avLst/>
-          </a:prstGeom>
-          <a:solidFill>
-            <a:schemeClr val="accent6">
-              <a:lumMod val="40000"/>
-              <a:lumOff val="60000"/>
-            </a:schemeClr>
-          </a:solidFill>
-          <a:ln w="28575">
-            <a:solidFill>
-              <a:schemeClr val="accent6">
-                <a:lumMod val="75000"/>
-              </a:schemeClr>
-            </a:solidFill>
-          </a:ln>
-        </p:spPr>
-        <p:txBody>
-          <a:bodyPr wrap="square" rtlCol="0">
-            <a:spAutoFit/>
-          </a:bodyPr>
-          <a:lstStyle/>
-          <a:p>
-            <a:pPr marL="0" marR="0" lvl="0" indent="0" algn="ctr" defTabSz="914400" rtl="0" eaLnBrk="0" fontAlgn="base" latinLnBrk="0" hangingPunct="0">
-              <a:lnSpc>
-                <a:spcPct val="100000"/>
-              </a:lnSpc>
-              <a:spcBef>
-                <a:spcPct val="0"/>
-              </a:spcBef>
-              <a:spcAft>
-                <a:spcPct val="0"/>
-              </a:spcAft>
-              <a:buClrTx/>
-              <a:buSzTx/>
-              <a:buFontTx/>
-              <a:buNone/>
-              <a:tabLst/>
-              <a:defRPr/>
-            </a:pPr>
-            <a:r>
-              <a:rPr kumimoji="0" lang="es-CL" sz="1200" b="0" i="0" u="none" strike="noStrike" kern="1200" cap="none" spc="0" normalizeH="0" baseline="0" noProof="0" dirty="0">
-                <a:ln>
-                  <a:noFill/>
-                </a:ln>
-                <a:solidFill>
-                  <a:prstClr val="black"/>
-                </a:solidFill>
-                <a:effectLst/>
-                <a:uLnTx/>
-                <a:uFillTx/>
-                <a:latin typeface="Times" pitchFamily="-97" charset="0"/>
-                <a:ea typeface="+mn-ea"/>
-                <a:cs typeface="+mn-cs"/>
-              </a:rPr>
-              <a:t>Ecosistemas y Vida Humana Chile</a:t>
+              <a:t>Todo lo anterior</a:t>
             </a:r>
           </a:p>
           <a:p>
@@ -11988,10 +11958,10 @@
       </p:sp>
       <p:sp>
         <p:nvSpPr>
-          <p:cNvPr id="10" name="CuadroTexto 9">
-            <a:extLst>
-              <a:ext uri="{FF2B5EF4-FFF2-40B4-BE49-F238E27FC236}">
-                <a16:creationId xmlns:a16="http://schemas.microsoft.com/office/drawing/2014/main" id="{B5548B8C-4D07-495E-96AC-09D4C636D535}"/>
+          <p:cNvPr id="16" name="CuadroTexto 15">
+            <a:extLst>
+              <a:ext uri="{FF2B5EF4-FFF2-40B4-BE49-F238E27FC236}">
+                <a16:creationId xmlns:a16="http://schemas.microsoft.com/office/drawing/2014/main" id="{53A6EC75-BE2A-4A39-B6CE-A24A7B495D9A}"/>
               </a:ext>
             </a:extLst>
           </p:cNvPr>
@@ -12000,162 +11970,8 @@
         </p:nvSpPr>
         <p:spPr>
           <a:xfrm>
-            <a:off x="5527177" y="2781981"/>
+            <a:off x="2783632" y="2685459"/>
             <a:ext cx="1512168" cy="646331"/>
-          </a:xfrm>
-          <a:prstGeom prst="rect">
-            <a:avLst/>
-          </a:prstGeom>
-          <a:solidFill>
-            <a:schemeClr val="accent6">
-              <a:lumMod val="40000"/>
-              <a:lumOff val="60000"/>
-            </a:schemeClr>
-          </a:solidFill>
-          <a:ln w="28575">
-            <a:solidFill>
-              <a:schemeClr val="accent6">
-                <a:lumMod val="75000"/>
-              </a:schemeClr>
-            </a:solidFill>
-          </a:ln>
-        </p:spPr>
-        <p:txBody>
-          <a:bodyPr wrap="square" rtlCol="0">
-            <a:spAutoFit/>
-          </a:bodyPr>
-          <a:lstStyle/>
-          <a:p>
-            <a:pPr marL="0" marR="0" lvl="0" indent="0" algn="ctr" defTabSz="914400" rtl="0" eaLnBrk="0" fontAlgn="base" latinLnBrk="0" hangingPunct="0">
-              <a:lnSpc>
-                <a:spcPct val="100000"/>
-              </a:lnSpc>
-              <a:spcBef>
-                <a:spcPct val="0"/>
-              </a:spcBef>
-              <a:spcAft>
-                <a:spcPct val="0"/>
-              </a:spcAft>
-              <a:buClrTx/>
-              <a:buSzTx/>
-              <a:buFontTx/>
-              <a:buNone/>
-              <a:tabLst/>
-              <a:defRPr/>
-            </a:pPr>
-            <a:r>
-              <a:rPr kumimoji="0" lang="es-CL" sz="1200" b="0" i="0" u="none" strike="noStrike" kern="1200" cap="none" spc="0" normalizeH="0" baseline="0" noProof="0" dirty="0">
-                <a:ln>
-                  <a:noFill/>
-                </a:ln>
-                <a:solidFill>
-                  <a:prstClr val="black"/>
-                </a:solidFill>
-                <a:effectLst/>
-                <a:uLnTx/>
-                <a:uFillTx/>
-                <a:latin typeface="Times" pitchFamily="-97" charset="0"/>
-                <a:ea typeface="+mn-ea"/>
-                <a:cs typeface="+mn-cs"/>
-              </a:rPr>
-              <a:t>Ecosistemas y Vida Humana Latino América</a:t>
-            </a:r>
-          </a:p>
-        </p:txBody>
-      </p:sp>
-      <p:sp>
-        <p:nvSpPr>
-          <p:cNvPr id="13" name="CuadroTexto 12">
-            <a:extLst>
-              <a:ext uri="{FF2B5EF4-FFF2-40B4-BE49-F238E27FC236}">
-                <a16:creationId xmlns:a16="http://schemas.microsoft.com/office/drawing/2014/main" id="{A4FB032A-8060-47A5-ACEA-0ADEAE65D0EA}"/>
-              </a:ext>
-            </a:extLst>
-          </p:cNvPr>
-          <p:cNvSpPr txBox="1"/>
-          <p:nvPr/>
-        </p:nvSpPr>
-        <p:spPr>
-          <a:xfrm>
-            <a:off x="758158" y="4003900"/>
-            <a:ext cx="2524033" cy="307777"/>
-          </a:xfrm>
-          <a:prstGeom prst="rect">
-            <a:avLst/>
-          </a:prstGeom>
-          <a:solidFill>
-            <a:schemeClr val="tx2">
-              <a:lumMod val="40000"/>
-              <a:lumOff val="60000"/>
-            </a:schemeClr>
-          </a:solidFill>
-          <a:ln>
-            <a:solidFill>
-              <a:schemeClr val="tx2">
-                <a:lumMod val="75000"/>
-              </a:schemeClr>
-            </a:solidFill>
-          </a:ln>
-        </p:spPr>
-        <p:txBody>
-          <a:bodyPr wrap="square" rtlCol="0">
-            <a:spAutoFit/>
-          </a:bodyPr>
-          <a:lstStyle/>
-          <a:p>
-            <a:pPr marL="0" marR="0" lvl="0" indent="0" algn="l" defTabSz="914400" rtl="0" eaLnBrk="0" fontAlgn="base" latinLnBrk="0" hangingPunct="0">
-              <a:lnSpc>
-                <a:spcPct val="100000"/>
-              </a:lnSpc>
-              <a:spcBef>
-                <a:spcPct val="0"/>
-              </a:spcBef>
-              <a:spcAft>
-                <a:spcPct val="0"/>
-              </a:spcAft>
-              <a:buClrTx/>
-              <a:buSzTx/>
-              <a:buFontTx/>
-              <a:buNone/>
-              <a:tabLst/>
-              <a:defRPr/>
-            </a:pPr>
-            <a:r>
-              <a:rPr kumimoji="0" lang="es-CL" sz="1400" b="0" i="0" u="none" strike="noStrike" kern="1200" cap="none" spc="0" normalizeH="0" baseline="0" noProof="0" dirty="0">
-                <a:ln>
-                  <a:noFill/>
-                </a:ln>
-                <a:solidFill>
-                  <a:prstClr val="black"/>
-                </a:solidFill>
-                <a:effectLst/>
-                <a:uLnTx/>
-                <a:uFillTx/>
-                <a:latin typeface="Times" pitchFamily="-97" charset="0"/>
-                <a:ea typeface="+mn-ea"/>
-                <a:cs typeface="+mn-cs"/>
-              </a:rPr>
-              <a:t>Plataforma DATA CLIMA</a:t>
-            </a:r>
-          </a:p>
-        </p:txBody>
-      </p:sp>
-      <p:sp>
-        <p:nvSpPr>
-          <p:cNvPr id="14" name="CuadroTexto 13">
-            <a:extLst>
-              <a:ext uri="{FF2B5EF4-FFF2-40B4-BE49-F238E27FC236}">
-                <a16:creationId xmlns:a16="http://schemas.microsoft.com/office/drawing/2014/main" id="{DE286685-EB56-4610-B810-BD779B954ECE}"/>
-              </a:ext>
-            </a:extLst>
-          </p:cNvPr>
-          <p:cNvSpPr txBox="1"/>
-          <p:nvPr/>
-        </p:nvSpPr>
-        <p:spPr>
-          <a:xfrm>
-            <a:off x="765531" y="5187958"/>
-            <a:ext cx="1512168" cy="461665"/>
           </a:xfrm>
           <a:prstGeom prst="rect">
             <a:avLst/>
@@ -12212,7 +12028,84 @@
                 <a:ea typeface="+mn-ea"/>
                 <a:cs typeface="+mn-cs"/>
               </a:rPr>
-              <a:t>Todo lo anterior</a:t>
+              <a:t>Políticas e Institucionalidad CC Global</a:t>
+            </a:r>
+          </a:p>
+        </p:txBody>
+      </p:sp>
+      <p:sp>
+        <p:nvSpPr>
+          <p:cNvPr id="17" name="CuadroTexto 16">
+            <a:extLst>
+              <a:ext uri="{FF2B5EF4-FFF2-40B4-BE49-F238E27FC236}">
+                <a16:creationId xmlns:a16="http://schemas.microsoft.com/office/drawing/2014/main" id="{F88E437E-C6B5-483A-96B3-AB99DEC3AD42}"/>
+              </a:ext>
+            </a:extLst>
+          </p:cNvPr>
+          <p:cNvSpPr txBox="1"/>
+          <p:nvPr/>
+        </p:nvSpPr>
+        <p:spPr>
+          <a:xfrm>
+            <a:off x="4377663" y="2685459"/>
+            <a:ext cx="1512168" cy="646331"/>
+          </a:xfrm>
+          <a:prstGeom prst="rect">
+            <a:avLst/>
+          </a:prstGeom>
+          <a:solidFill>
+            <a:schemeClr val="tx2">
+              <a:lumMod val="40000"/>
+              <a:lumOff val="60000"/>
+            </a:schemeClr>
+          </a:solidFill>
+          <a:ln w="28575">
+            <a:solidFill>
+              <a:schemeClr val="tx2">
+                <a:lumMod val="75000"/>
+              </a:schemeClr>
+            </a:solidFill>
+          </a:ln>
+        </p:spPr>
+        <p:txBody>
+          <a:bodyPr wrap="square" rtlCol="0">
+            <a:spAutoFit/>
+          </a:bodyPr>
+          <a:lstStyle/>
+          <a:p>
+            <a:pPr marL="0" marR="0" lvl="0" indent="0" algn="ctr" defTabSz="914400" rtl="0" eaLnBrk="0" fontAlgn="base" latinLnBrk="0" hangingPunct="0">
+              <a:lnSpc>
+                <a:spcPct val="100000"/>
+              </a:lnSpc>
+              <a:spcBef>
+                <a:spcPct val="0"/>
+              </a:spcBef>
+              <a:spcAft>
+                <a:spcPct val="0"/>
+              </a:spcAft>
+              <a:buClrTx/>
+              <a:buSzTx/>
+              <a:buFontTx/>
+              <a:buNone/>
+              <a:tabLst/>
+              <a:defRPr/>
+            </a:pPr>
+            <a:r>
+              <a:rPr kumimoji="0" lang="es-CL" sz="1200" b="0" i="0" u="none" strike="noStrike" kern="1200" cap="none" spc="0" normalizeH="0" baseline="0" noProof="0" dirty="0">
+                <a:ln>
+                  <a:noFill/>
+                </a:ln>
+                <a:solidFill>
+                  <a:prstClr val="black"/>
+                </a:solidFill>
+                <a:effectLst/>
+                <a:uLnTx/>
+                <a:uFillTx/>
+                <a:latin typeface="Times" pitchFamily="-97" charset="0"/>
+                <a:ea typeface="+mn-ea"/>
+                <a:cs typeface="+mn-cs"/>
+              </a:rPr>
+              <a:t>Planes, Informes y Reportes CC Global</a:t>
             </a:r>
           </a:p>
           <a:p>
@@ -12252,10 +12145,10 @@
       </p:sp>
       <p:sp>
         <p:nvSpPr>
-          <p:cNvPr id="16" name="CuadroTexto 15">
-            <a:extLst>
-              <a:ext uri="{FF2B5EF4-FFF2-40B4-BE49-F238E27FC236}">
-                <a16:creationId xmlns:a16="http://schemas.microsoft.com/office/drawing/2014/main" id="{53A6EC75-BE2A-4A39-B6CE-A24A7B495D9A}"/>
+          <p:cNvPr id="23" name="CuadroTexto 22">
+            <a:extLst>
+              <a:ext uri="{FF2B5EF4-FFF2-40B4-BE49-F238E27FC236}">
+                <a16:creationId xmlns:a16="http://schemas.microsoft.com/office/drawing/2014/main" id="{4002B855-CDC7-4D74-8C3E-7EF0C9F9A6D5}"/>
               </a:ext>
             </a:extLst>
           </p:cNvPr>
@@ -12264,7 +12157,72 @@
         </p:nvSpPr>
         <p:spPr>
           <a:xfrm>
-            <a:off x="2783632" y="4527511"/>
+            <a:off x="2329541" y="3326244"/>
+            <a:ext cx="383772" cy="461665"/>
+          </a:xfrm>
+          <a:prstGeom prst="rect">
+            <a:avLst/>
+          </a:prstGeom>
+          <a:noFill/>
+        </p:spPr>
+        <p:txBody>
+          <a:bodyPr wrap="square" rtlCol="0">
+            <a:spAutoFit/>
+          </a:bodyPr>
+          <a:lstStyle/>
+          <a:p>
+            <a:pPr marL="0" marR="0" lvl="0" indent="0" algn="l" defTabSz="914400" rtl="0" eaLnBrk="0" fontAlgn="base" latinLnBrk="0" hangingPunct="0">
+              <a:lnSpc>
+                <a:spcPct val="100000"/>
+              </a:lnSpc>
+              <a:spcBef>
+                <a:spcPct val="0"/>
+              </a:spcBef>
+              <a:spcAft>
+                <a:spcPct val="0"/>
+              </a:spcAft>
+              <a:buClrTx/>
+              <a:buSzTx/>
+              <a:buFontTx/>
+              <a:buNone/>
+              <a:tabLst/>
+              <a:defRPr/>
+            </a:pPr>
+            <a:r>
+              <a:rPr kumimoji="0" lang="es-CL" sz="2400" b="1" i="0" u="none" strike="noStrike" kern="1200" cap="none" spc="0" normalizeH="0" baseline="0" noProof="0" dirty="0">
+                <a:ln>
+                  <a:noFill/>
+                </a:ln>
+                <a:solidFill>
+                  <a:prstClr val="black"/>
+                </a:solidFill>
+                <a:effectLst/>
+                <a:uLnTx/>
+                <a:uFillTx/>
+                <a:latin typeface="Times" pitchFamily="-97" charset="0"/>
+                <a:ea typeface="+mn-ea"/>
+                <a:cs typeface="+mn-cs"/>
+              </a:rPr>
+              <a:t>+</a:t>
+            </a:r>
+          </a:p>
+        </p:txBody>
+      </p:sp>
+      <p:sp>
+        <p:nvSpPr>
+          <p:cNvPr id="29" name="CuadroTexto 28">
+            <a:extLst>
+              <a:ext uri="{FF2B5EF4-FFF2-40B4-BE49-F238E27FC236}">
+                <a16:creationId xmlns:a16="http://schemas.microsoft.com/office/drawing/2014/main" id="{3A9679A7-9079-42E0-A522-985656D69CA7}"/>
+              </a:ext>
+            </a:extLst>
+          </p:cNvPr>
+          <p:cNvSpPr txBox="1"/>
+          <p:nvPr/>
+        </p:nvSpPr>
+        <p:spPr>
+          <a:xfrm>
+            <a:off x="2783632" y="3859941"/>
             <a:ext cx="1512168" cy="646331"/>
           </a:xfrm>
           <a:prstGeom prst="rect">
@@ -12322,17 +12280,17 @@
                 <a:ea typeface="+mn-ea"/>
                 <a:cs typeface="+mn-cs"/>
               </a:rPr>
-              <a:t>Políticas e Institucionalidad CC Global</a:t>
-            </a:r>
-          </a:p>
-        </p:txBody>
-      </p:sp>
-      <p:sp>
-        <p:nvSpPr>
-          <p:cNvPr id="17" name="CuadroTexto 16">
-            <a:extLst>
-              <a:ext uri="{FF2B5EF4-FFF2-40B4-BE49-F238E27FC236}">
-                <a16:creationId xmlns:a16="http://schemas.microsoft.com/office/drawing/2014/main" id="{F88E437E-C6B5-483A-96B3-AB99DEC3AD42}"/>
+              <a:t>Políticas e Institucionalidad CC Chile</a:t>
+            </a:r>
+          </a:p>
+        </p:txBody>
+      </p:sp>
+      <p:sp>
+        <p:nvSpPr>
+          <p:cNvPr id="30" name="CuadroTexto 29">
+            <a:extLst>
+              <a:ext uri="{FF2B5EF4-FFF2-40B4-BE49-F238E27FC236}">
+                <a16:creationId xmlns:a16="http://schemas.microsoft.com/office/drawing/2014/main" id="{49ABAD9E-EC9F-443C-8EB0-0CEE1E4C944E}"/>
               </a:ext>
             </a:extLst>
           </p:cNvPr>
@@ -12341,7 +12299,7 @@
         </p:nvSpPr>
         <p:spPr>
           <a:xfrm>
-            <a:off x="4377663" y="4527511"/>
+            <a:off x="4377645" y="3859940"/>
             <a:ext cx="1512168" cy="646331"/>
           </a:xfrm>
           <a:prstGeom prst="rect">
@@ -12399,7 +12357,7 @@
                 <a:ea typeface="+mn-ea"/>
                 <a:cs typeface="+mn-cs"/>
               </a:rPr>
-              <a:t>Planes, Informes y Reportes CC Global</a:t>
+              <a:t>Planes, Informes y Reportes CC Chile</a:t>
             </a:r>
           </a:p>
           <a:p>
@@ -12439,478 +12397,6 @@
       </p:sp>
       <p:sp>
         <p:nvSpPr>
-          <p:cNvPr id="20" name="CuadroTexto 19">
-            <a:extLst>
-              <a:ext uri="{FF2B5EF4-FFF2-40B4-BE49-F238E27FC236}">
-                <a16:creationId xmlns:a16="http://schemas.microsoft.com/office/drawing/2014/main" id="{D41CA916-DFA7-4138-AD03-91117EDBBA46}"/>
-              </a:ext>
-            </a:extLst>
-          </p:cNvPr>
-          <p:cNvSpPr txBox="1"/>
-          <p:nvPr/>
-        </p:nvSpPr>
-        <p:spPr>
-          <a:xfrm>
-            <a:off x="5967939" y="4527511"/>
-            <a:ext cx="1512168" cy="646331"/>
-          </a:xfrm>
-          <a:prstGeom prst="rect">
-            <a:avLst/>
-          </a:prstGeom>
-          <a:solidFill>
-            <a:schemeClr val="tx2">
-              <a:lumMod val="40000"/>
-              <a:lumOff val="60000"/>
-            </a:schemeClr>
-          </a:solidFill>
-          <a:ln w="28575">
-            <a:solidFill>
-              <a:schemeClr val="tx2">
-                <a:lumMod val="75000"/>
-              </a:schemeClr>
-            </a:solidFill>
-          </a:ln>
-        </p:spPr>
-        <p:txBody>
-          <a:bodyPr wrap="square" rtlCol="0">
-            <a:spAutoFit/>
-          </a:bodyPr>
-          <a:lstStyle/>
-          <a:p>
-            <a:pPr marL="0" marR="0" lvl="0" indent="0" algn="ctr" defTabSz="914400" rtl="0" eaLnBrk="0" fontAlgn="base" latinLnBrk="0" hangingPunct="0">
-              <a:lnSpc>
-                <a:spcPct val="100000"/>
-              </a:lnSpc>
-              <a:spcBef>
-                <a:spcPct val="0"/>
-              </a:spcBef>
-              <a:spcAft>
-                <a:spcPct val="0"/>
-              </a:spcAft>
-              <a:buClrTx/>
-              <a:buSzTx/>
-              <a:buFontTx/>
-              <a:buNone/>
-              <a:tabLst/>
-              <a:defRPr/>
-            </a:pPr>
-            <a:r>
-              <a:rPr kumimoji="0" lang="es-CL" sz="1200" b="0" i="0" u="none" strike="noStrike" kern="1200" cap="none" spc="0" normalizeH="0" baseline="0" noProof="0" dirty="0">
-                <a:ln>
-                  <a:noFill/>
-                </a:ln>
-                <a:solidFill>
-                  <a:prstClr val="black"/>
-                </a:solidFill>
-                <a:effectLst/>
-                <a:uLnTx/>
-                <a:uFillTx/>
-                <a:latin typeface="Times" pitchFamily="-97" charset="0"/>
-                <a:ea typeface="+mn-ea"/>
-                <a:cs typeface="+mn-cs"/>
-              </a:rPr>
-              <a:t>Adaptación al CC Global</a:t>
-            </a:r>
-          </a:p>
-          <a:p>
-            <a:pPr marL="0" marR="0" lvl="0" indent="0" algn="ctr" defTabSz="914400" rtl="0" eaLnBrk="0" fontAlgn="base" latinLnBrk="0" hangingPunct="0">
-              <a:lnSpc>
-                <a:spcPct val="100000"/>
-              </a:lnSpc>
-              <a:spcBef>
-                <a:spcPct val="0"/>
-              </a:spcBef>
-              <a:spcAft>
-                <a:spcPct val="0"/>
-              </a:spcAft>
-              <a:buClrTx/>
-              <a:buSzTx/>
-              <a:buFontTx/>
-              <a:buNone/>
-              <a:tabLst/>
-              <a:defRPr/>
-            </a:pPr>
-            <a:endParaRPr kumimoji="0" lang="es-CL" sz="1200" b="0" i="0" u="none" strike="noStrike" kern="1200" cap="none" spc="0" normalizeH="0" baseline="0" noProof="0" dirty="0">
-              <a:ln>
-                <a:noFill/>
-              </a:ln>
-              <a:solidFill>
-                <a:prstClr val="black"/>
-              </a:solidFill>
-              <a:effectLst/>
-              <a:uLnTx/>
-              <a:uFillTx/>
-              <a:latin typeface="Times" pitchFamily="-97" charset="0"/>
-              <a:ea typeface="+mn-ea"/>
-              <a:cs typeface="+mn-cs"/>
-            </a:endParaRPr>
-          </a:p>
-        </p:txBody>
-      </p:sp>
-      <p:sp>
-        <p:nvSpPr>
-          <p:cNvPr id="23" name="CuadroTexto 22">
-            <a:extLst>
-              <a:ext uri="{FF2B5EF4-FFF2-40B4-BE49-F238E27FC236}">
-                <a16:creationId xmlns:a16="http://schemas.microsoft.com/office/drawing/2014/main" id="{4002B855-CDC7-4D74-8C3E-7EF0C9F9A6D5}"/>
-              </a:ext>
-            </a:extLst>
-          </p:cNvPr>
-          <p:cNvSpPr txBox="1"/>
-          <p:nvPr/>
-        </p:nvSpPr>
-        <p:spPr>
-          <a:xfrm>
-            <a:off x="2329541" y="5168296"/>
-            <a:ext cx="383772" cy="461665"/>
-          </a:xfrm>
-          <a:prstGeom prst="rect">
-            <a:avLst/>
-          </a:prstGeom>
-          <a:noFill/>
-        </p:spPr>
-        <p:txBody>
-          <a:bodyPr wrap="square" rtlCol="0">
-            <a:spAutoFit/>
-          </a:bodyPr>
-          <a:lstStyle/>
-          <a:p>
-            <a:pPr marL="0" marR="0" lvl="0" indent="0" algn="l" defTabSz="914400" rtl="0" eaLnBrk="0" fontAlgn="base" latinLnBrk="0" hangingPunct="0">
-              <a:lnSpc>
-                <a:spcPct val="100000"/>
-              </a:lnSpc>
-              <a:spcBef>
-                <a:spcPct val="0"/>
-              </a:spcBef>
-              <a:spcAft>
-                <a:spcPct val="0"/>
-              </a:spcAft>
-              <a:buClrTx/>
-              <a:buSzTx/>
-              <a:buFontTx/>
-              <a:buNone/>
-              <a:tabLst/>
-              <a:defRPr/>
-            </a:pPr>
-            <a:r>
-              <a:rPr kumimoji="0" lang="es-CL" sz="2400" b="1" i="0" u="none" strike="noStrike" kern="1200" cap="none" spc="0" normalizeH="0" baseline="0" noProof="0" dirty="0">
-                <a:ln>
-                  <a:noFill/>
-                </a:ln>
-                <a:solidFill>
-                  <a:prstClr val="black"/>
-                </a:solidFill>
-                <a:effectLst/>
-                <a:uLnTx/>
-                <a:uFillTx/>
-                <a:latin typeface="Times" pitchFamily="-97" charset="0"/>
-                <a:ea typeface="+mn-ea"/>
-                <a:cs typeface="+mn-cs"/>
-              </a:rPr>
-              <a:t>+</a:t>
-            </a:r>
-          </a:p>
-        </p:txBody>
-      </p:sp>
-      <p:sp>
-        <p:nvSpPr>
-          <p:cNvPr id="29" name="CuadroTexto 28">
-            <a:extLst>
-              <a:ext uri="{FF2B5EF4-FFF2-40B4-BE49-F238E27FC236}">
-                <a16:creationId xmlns:a16="http://schemas.microsoft.com/office/drawing/2014/main" id="{3A9679A7-9079-42E0-A522-985656D69CA7}"/>
-              </a:ext>
-            </a:extLst>
-          </p:cNvPr>
-          <p:cNvSpPr txBox="1"/>
-          <p:nvPr/>
-        </p:nvSpPr>
-        <p:spPr>
-          <a:xfrm>
-            <a:off x="2783632" y="5701993"/>
-            <a:ext cx="1512168" cy="646331"/>
-          </a:xfrm>
-          <a:prstGeom prst="rect">
-            <a:avLst/>
-          </a:prstGeom>
-          <a:solidFill>
-            <a:schemeClr val="tx2">
-              <a:lumMod val="40000"/>
-              <a:lumOff val="60000"/>
-            </a:schemeClr>
-          </a:solidFill>
-          <a:ln w="28575">
-            <a:solidFill>
-              <a:schemeClr val="tx2">
-                <a:lumMod val="75000"/>
-              </a:schemeClr>
-            </a:solidFill>
-          </a:ln>
-        </p:spPr>
-        <p:txBody>
-          <a:bodyPr wrap="square" rtlCol="0">
-            <a:spAutoFit/>
-          </a:bodyPr>
-          <a:lstStyle/>
-          <a:p>
-            <a:pPr marL="0" marR="0" lvl="0" indent="0" algn="ctr" defTabSz="914400" rtl="0" eaLnBrk="0" fontAlgn="base" latinLnBrk="0" hangingPunct="0">
-              <a:lnSpc>
-                <a:spcPct val="100000"/>
-              </a:lnSpc>
-              <a:spcBef>
-                <a:spcPct val="0"/>
-              </a:spcBef>
-              <a:spcAft>
-                <a:spcPct val="0"/>
-              </a:spcAft>
-              <a:buClrTx/>
-              <a:buSzTx/>
-              <a:buFontTx/>
-              <a:buNone/>
-              <a:tabLst/>
-              <a:defRPr/>
-            </a:pPr>
-            <a:r>
-              <a:rPr kumimoji="0" lang="es-CL" sz="1200" b="0" i="0" u="none" strike="noStrike" kern="1200" cap="none" spc="0" normalizeH="0" baseline="0" noProof="0" dirty="0">
-                <a:ln>
-                  <a:noFill/>
-                </a:ln>
-                <a:solidFill>
-                  <a:prstClr val="black"/>
-                </a:solidFill>
-                <a:effectLst/>
-                <a:uLnTx/>
-                <a:uFillTx/>
-                <a:latin typeface="Times" pitchFamily="-97" charset="0"/>
-                <a:ea typeface="+mn-ea"/>
-                <a:cs typeface="+mn-cs"/>
-              </a:rPr>
-              <a:t>Políticas e Institucionalidad CC Chile</a:t>
-            </a:r>
-          </a:p>
-        </p:txBody>
-      </p:sp>
-      <p:sp>
-        <p:nvSpPr>
-          <p:cNvPr id="30" name="CuadroTexto 29">
-            <a:extLst>
-              <a:ext uri="{FF2B5EF4-FFF2-40B4-BE49-F238E27FC236}">
-                <a16:creationId xmlns:a16="http://schemas.microsoft.com/office/drawing/2014/main" id="{49ABAD9E-EC9F-443C-8EB0-0CEE1E4C944E}"/>
-              </a:ext>
-            </a:extLst>
-          </p:cNvPr>
-          <p:cNvSpPr txBox="1"/>
-          <p:nvPr/>
-        </p:nvSpPr>
-        <p:spPr>
-          <a:xfrm>
-            <a:off x="4377645" y="5701992"/>
-            <a:ext cx="1512168" cy="646331"/>
-          </a:xfrm>
-          <a:prstGeom prst="rect">
-            <a:avLst/>
-          </a:prstGeom>
-          <a:solidFill>
-            <a:schemeClr val="tx2">
-              <a:lumMod val="40000"/>
-              <a:lumOff val="60000"/>
-            </a:schemeClr>
-          </a:solidFill>
-          <a:ln w="28575">
-            <a:solidFill>
-              <a:schemeClr val="tx2">
-                <a:lumMod val="75000"/>
-              </a:schemeClr>
-            </a:solidFill>
-          </a:ln>
-        </p:spPr>
-        <p:txBody>
-          <a:bodyPr wrap="square" rtlCol="0">
-            <a:spAutoFit/>
-          </a:bodyPr>
-          <a:lstStyle/>
-          <a:p>
-            <a:pPr marL="0" marR="0" lvl="0" indent="0" algn="ctr" defTabSz="914400" rtl="0" eaLnBrk="0" fontAlgn="base" latinLnBrk="0" hangingPunct="0">
-              <a:lnSpc>
-                <a:spcPct val="100000"/>
-              </a:lnSpc>
-              <a:spcBef>
-                <a:spcPct val="0"/>
-              </a:spcBef>
-              <a:spcAft>
-                <a:spcPct val="0"/>
-              </a:spcAft>
-              <a:buClrTx/>
-              <a:buSzTx/>
-              <a:buFontTx/>
-              <a:buNone/>
-              <a:tabLst/>
-              <a:defRPr/>
-            </a:pPr>
-            <a:r>
-              <a:rPr kumimoji="0" lang="es-CL" sz="1200" b="0" i="0" u="none" strike="noStrike" kern="1200" cap="none" spc="0" normalizeH="0" baseline="0" noProof="0" dirty="0">
-                <a:ln>
-                  <a:noFill/>
-                </a:ln>
-                <a:solidFill>
-                  <a:prstClr val="black"/>
-                </a:solidFill>
-                <a:effectLst/>
-                <a:uLnTx/>
-                <a:uFillTx/>
-                <a:latin typeface="Times" pitchFamily="-97" charset="0"/>
-                <a:ea typeface="+mn-ea"/>
-                <a:cs typeface="+mn-cs"/>
-              </a:rPr>
-              <a:t>Planes, Informes y Reportes CC Chile</a:t>
-            </a:r>
-          </a:p>
-          <a:p>
-            <a:pPr marL="0" marR="0" lvl="0" indent="0" algn="ctr" defTabSz="914400" rtl="0" eaLnBrk="0" fontAlgn="base" latinLnBrk="0" hangingPunct="0">
-              <a:lnSpc>
-                <a:spcPct val="100000"/>
-              </a:lnSpc>
-              <a:spcBef>
-                <a:spcPct val="0"/>
-              </a:spcBef>
-              <a:spcAft>
-                <a:spcPct val="0"/>
-              </a:spcAft>
-              <a:buClrTx/>
-              <a:buSzTx/>
-              <a:buFontTx/>
-              <a:buNone/>
-              <a:tabLst/>
-              <a:defRPr/>
-            </a:pPr>
-            <a:endParaRPr kumimoji="0" lang="es-CL" sz="1200" b="0" i="0" u="none" strike="noStrike" kern="1200" cap="none" spc="0" normalizeH="0" baseline="0" noProof="0" dirty="0">
-              <a:ln>
-                <a:noFill/>
-              </a:ln>
-              <a:solidFill>
-                <a:prstClr val="black"/>
-              </a:solidFill>
-              <a:effectLst/>
-              <a:uLnTx/>
-              <a:uFillTx/>
-              <a:latin typeface="Times" pitchFamily="-97" charset="0"/>
-              <a:ea typeface="+mn-ea"/>
-              <a:cs typeface="+mn-cs"/>
-            </a:endParaRPr>
-          </a:p>
-        </p:txBody>
-      </p:sp>
-      <p:sp>
-        <p:nvSpPr>
-          <p:cNvPr id="31" name="CuadroTexto 30">
-            <a:extLst>
-              <a:ext uri="{FF2B5EF4-FFF2-40B4-BE49-F238E27FC236}">
-                <a16:creationId xmlns:a16="http://schemas.microsoft.com/office/drawing/2014/main" id="{737A9702-AE31-4692-BA71-B8A7A2F62B44}"/>
-              </a:ext>
-            </a:extLst>
-          </p:cNvPr>
-          <p:cNvSpPr txBox="1"/>
-          <p:nvPr/>
-        </p:nvSpPr>
-        <p:spPr>
-          <a:xfrm>
-            <a:off x="5965655" y="5701991"/>
-            <a:ext cx="1512168" cy="646331"/>
-          </a:xfrm>
-          <a:prstGeom prst="rect">
-            <a:avLst/>
-          </a:prstGeom>
-          <a:solidFill>
-            <a:schemeClr val="tx2">
-              <a:lumMod val="40000"/>
-              <a:lumOff val="60000"/>
-            </a:schemeClr>
-          </a:solidFill>
-          <a:ln w="28575">
-            <a:solidFill>
-              <a:schemeClr val="tx2">
-                <a:lumMod val="75000"/>
-              </a:schemeClr>
-            </a:solidFill>
-          </a:ln>
-        </p:spPr>
-        <p:txBody>
-          <a:bodyPr wrap="square" rtlCol="0">
-            <a:spAutoFit/>
-          </a:bodyPr>
-          <a:lstStyle/>
-          <a:p>
-            <a:pPr marL="0" marR="0" lvl="0" indent="0" algn="ctr" defTabSz="914400" rtl="0" eaLnBrk="0" fontAlgn="base" latinLnBrk="0" hangingPunct="0">
-              <a:lnSpc>
-                <a:spcPct val="100000"/>
-              </a:lnSpc>
-              <a:spcBef>
-                <a:spcPct val="0"/>
-              </a:spcBef>
-              <a:spcAft>
-                <a:spcPct val="0"/>
-              </a:spcAft>
-              <a:buClrTx/>
-              <a:buSzTx/>
-              <a:buFontTx/>
-              <a:buNone/>
-              <a:tabLst/>
-              <a:defRPr/>
-            </a:pPr>
-            <a:r>
-              <a:rPr kumimoji="0" lang="es-CL" sz="1200" b="0" i="0" u="none" strike="noStrike" kern="1200" cap="none" spc="0" normalizeH="0" baseline="0" noProof="0" dirty="0">
-                <a:ln>
-                  <a:noFill/>
-                </a:ln>
-                <a:solidFill>
-                  <a:prstClr val="black"/>
-                </a:solidFill>
-                <a:effectLst/>
-                <a:uLnTx/>
-                <a:uFillTx/>
-                <a:latin typeface="Times" pitchFamily="-97" charset="0"/>
-                <a:ea typeface="+mn-ea"/>
-                <a:cs typeface="+mn-cs"/>
-              </a:rPr>
-              <a:t>Adaptación al CC Chile</a:t>
-            </a:r>
-          </a:p>
-          <a:p>
-            <a:pPr marL="0" marR="0" lvl="0" indent="0" algn="ctr" defTabSz="914400" rtl="0" eaLnBrk="0" fontAlgn="base" latinLnBrk="0" hangingPunct="0">
-              <a:lnSpc>
-                <a:spcPct val="100000"/>
-              </a:lnSpc>
-              <a:spcBef>
-                <a:spcPct val="0"/>
-              </a:spcBef>
-              <a:spcAft>
-                <a:spcPct val="0"/>
-              </a:spcAft>
-              <a:buClrTx/>
-              <a:buSzTx/>
-              <a:buFontTx/>
-              <a:buNone/>
-              <a:tabLst/>
-              <a:defRPr/>
-            </a:pPr>
-            <a:endParaRPr kumimoji="0" lang="es-CL" sz="1200" b="0" i="0" u="none" strike="noStrike" kern="1200" cap="none" spc="0" normalizeH="0" baseline="0" noProof="0" dirty="0">
-              <a:ln>
-                <a:noFill/>
-              </a:ln>
-              <a:solidFill>
-                <a:prstClr val="black"/>
-              </a:solidFill>
-              <a:effectLst/>
-              <a:uLnTx/>
-              <a:uFillTx/>
-              <a:latin typeface="Times" pitchFamily="-97" charset="0"/>
-              <a:ea typeface="+mn-ea"/>
-              <a:cs typeface="+mn-cs"/>
-            </a:endParaRPr>
-          </a:p>
-        </p:txBody>
-      </p:sp>
-      <p:sp>
-        <p:nvSpPr>
           <p:cNvPr id="32" name="Rectángulo 31">
             <a:extLst>
               <a:ext uri="{FF2B5EF4-FFF2-40B4-BE49-F238E27FC236}">
@@ -12923,8 +12409,8 @@
         </p:nvSpPr>
         <p:spPr>
           <a:xfrm>
-            <a:off x="2766012" y="4414701"/>
-            <a:ext cx="4711811" cy="858314"/>
+            <a:off x="2766013" y="2572649"/>
+            <a:ext cx="3122138" cy="858314"/>
           </a:xfrm>
           <a:prstGeom prst="rect">
             <a:avLst/>
@@ -13006,8 +12492,8 @@
         </p:nvSpPr>
         <p:spPr>
           <a:xfrm>
-            <a:off x="2766012" y="5597860"/>
-            <a:ext cx="4711811" cy="858314"/>
+            <a:off x="2766013" y="3755808"/>
+            <a:ext cx="3113964" cy="858314"/>
           </a:xfrm>
           <a:prstGeom prst="rect">
             <a:avLst/>
@@ -13089,7 +12575,7 @@
         </p:nvSpPr>
         <p:spPr>
           <a:xfrm>
-            <a:off x="1478682" y="4323452"/>
+            <a:off x="1478682" y="2481400"/>
             <a:ext cx="936104" cy="338554"/>
           </a:xfrm>
           <a:prstGeom prst="rect">
@@ -13140,12 +12626,150 @@
           </a:p>
         </p:txBody>
       </p:sp>
-      <p:sp>
-        <p:nvSpPr>
-          <p:cNvPr id="86" name="CuadroTexto 85">
-            <a:extLst>
-              <a:ext uri="{FF2B5EF4-FFF2-40B4-BE49-F238E27FC236}">
-                <a16:creationId xmlns:a16="http://schemas.microsoft.com/office/drawing/2014/main" id="{6DE01F25-15E0-4770-AB61-FCFCA263BF08}"/>
+      <p:cxnSp>
+        <p:nvCxnSpPr>
+          <p:cNvPr id="39" name="Conector recto de flecha 38">
+            <a:extLst>
+              <a:ext uri="{FF2B5EF4-FFF2-40B4-BE49-F238E27FC236}">
+                <a16:creationId xmlns:a16="http://schemas.microsoft.com/office/drawing/2014/main" id="{D12B3AD6-ECDD-49C2-A704-A323B2B76904}"/>
+              </a:ext>
+            </a:extLst>
+          </p:cNvPr>
+          <p:cNvCxnSpPr>
+            <a:cxnSpLocks/>
+          </p:cNvCxnSpPr>
+          <p:nvPr/>
+        </p:nvCxnSpPr>
+        <p:spPr>
+          <a:xfrm flipV="1">
+            <a:off x="6705262" y="306290"/>
+            <a:ext cx="1262946" cy="949221"/>
+          </a:xfrm>
+          <a:prstGeom prst="straightConnector1">
+            <a:avLst/>
+          </a:prstGeom>
+          <a:ln>
+            <a:solidFill>
+              <a:schemeClr val="tx2">
+                <a:lumMod val="75000"/>
+              </a:schemeClr>
+            </a:solidFill>
+            <a:tailEnd type="triangle"/>
+          </a:ln>
+        </p:spPr>
+        <p:style>
+          <a:lnRef idx="1">
+            <a:schemeClr val="accent1"/>
+          </a:lnRef>
+          <a:fillRef idx="0">
+            <a:schemeClr val="accent1"/>
+          </a:fillRef>
+          <a:effectRef idx="0">
+            <a:schemeClr val="accent1"/>
+          </a:effectRef>
+          <a:fontRef idx="minor">
+            <a:schemeClr val="tx1"/>
+          </a:fontRef>
+        </p:style>
+      </p:cxnSp>
+      <p:cxnSp>
+        <p:nvCxnSpPr>
+          <p:cNvPr id="41" name="Conector recto de flecha 40">
+            <a:extLst>
+              <a:ext uri="{FF2B5EF4-FFF2-40B4-BE49-F238E27FC236}">
+                <a16:creationId xmlns:a16="http://schemas.microsoft.com/office/drawing/2014/main" id="{2C6B10C5-1FB0-498C-AF70-FD99AF5E8A19}"/>
+              </a:ext>
+            </a:extLst>
+          </p:cNvPr>
+          <p:cNvCxnSpPr>
+            <a:cxnSpLocks/>
+          </p:cNvCxnSpPr>
+          <p:nvPr/>
+        </p:nvCxnSpPr>
+        <p:spPr>
+          <a:xfrm flipV="1">
+            <a:off x="6705262" y="691997"/>
+            <a:ext cx="1262946" cy="563514"/>
+          </a:xfrm>
+          <a:prstGeom prst="straightConnector1">
+            <a:avLst/>
+          </a:prstGeom>
+          <a:ln>
+            <a:solidFill>
+              <a:schemeClr val="tx2">
+                <a:lumMod val="75000"/>
+              </a:schemeClr>
+            </a:solidFill>
+            <a:tailEnd type="triangle"/>
+          </a:ln>
+        </p:spPr>
+        <p:style>
+          <a:lnRef idx="1">
+            <a:schemeClr val="accent1"/>
+          </a:lnRef>
+          <a:fillRef idx="0">
+            <a:schemeClr val="accent1"/>
+          </a:fillRef>
+          <a:effectRef idx="0">
+            <a:schemeClr val="accent1"/>
+          </a:effectRef>
+          <a:fontRef idx="minor">
+            <a:schemeClr val="tx1"/>
+          </a:fontRef>
+        </p:style>
+      </p:cxnSp>
+      <p:cxnSp>
+        <p:nvCxnSpPr>
+          <p:cNvPr id="42" name="Conector recto de flecha 41">
+            <a:extLst>
+              <a:ext uri="{FF2B5EF4-FFF2-40B4-BE49-F238E27FC236}">
+                <a16:creationId xmlns:a16="http://schemas.microsoft.com/office/drawing/2014/main" id="{B8BED295-9E1B-48C3-95D5-70E10075525B}"/>
+              </a:ext>
+            </a:extLst>
+          </p:cNvPr>
+          <p:cNvCxnSpPr>
+            <a:cxnSpLocks/>
+          </p:cNvCxnSpPr>
+          <p:nvPr/>
+        </p:nvCxnSpPr>
+        <p:spPr>
+          <a:xfrm flipV="1">
+            <a:off x="6705262" y="1073336"/>
+            <a:ext cx="1262946" cy="182174"/>
+          </a:xfrm>
+          <a:prstGeom prst="straightConnector1">
+            <a:avLst/>
+          </a:prstGeom>
+          <a:ln>
+            <a:solidFill>
+              <a:schemeClr val="tx2">
+                <a:lumMod val="75000"/>
+              </a:schemeClr>
+            </a:solidFill>
+            <a:tailEnd type="triangle"/>
+          </a:ln>
+        </p:spPr>
+        <p:style>
+          <a:lnRef idx="1">
+            <a:schemeClr val="accent1"/>
+          </a:lnRef>
+          <a:fillRef idx="0">
+            <a:schemeClr val="accent1"/>
+          </a:fillRef>
+          <a:effectRef idx="0">
+            <a:schemeClr val="accent1"/>
+          </a:effectRef>
+          <a:fontRef idx="minor">
+            <a:schemeClr val="tx1"/>
+          </a:fontRef>
+        </p:style>
+      </p:cxnSp>
+      <p:sp>
+        <p:nvSpPr>
+          <p:cNvPr id="44" name="CuadroTexto 43">
+            <a:extLst>
+              <a:ext uri="{FF2B5EF4-FFF2-40B4-BE49-F238E27FC236}">
+                <a16:creationId xmlns:a16="http://schemas.microsoft.com/office/drawing/2014/main" id="{E66AD77A-DCAB-4589-B295-97698CDF98FB}"/>
               </a:ext>
             </a:extLst>
           </p:cNvPr>
@@ -13154,8 +12778,8 @@
         </p:nvSpPr>
         <p:spPr>
           <a:xfrm>
-            <a:off x="1168317" y="3484294"/>
-            <a:ext cx="936104" cy="338554"/>
+            <a:off x="5879976" y="978512"/>
+            <a:ext cx="936104" cy="276998"/>
           </a:xfrm>
           <a:prstGeom prst="rect">
             <a:avLst/>
@@ -13186,7 +12810,7 @@
               <a:defRPr/>
             </a:pPr>
             <a:r>
-              <a:rPr kumimoji="0" lang="es-CL" sz="1600" b="1" i="0" u="none" strike="noStrike" kern="1200" cap="none" spc="0" normalizeH="0" baseline="0" noProof="0" dirty="0">
+              <a:rPr kumimoji="0" lang="es-CL" sz="1200" b="0" i="1" u="none" strike="noStrike" kern="1200" cap="none" spc="0" normalizeH="0" baseline="0" noProof="0" dirty="0">
                 <a:ln>
                   <a:noFill/>
                 </a:ln>
@@ -13200,17 +12824,17 @@
                 <a:ea typeface="+mn-ea"/>
                 <a:cs typeface="+mn-cs"/>
               </a:rPr>
-              <a:t>Precio</a:t>
-            </a:r>
-          </a:p>
-        </p:txBody>
-      </p:sp>
-      <p:sp>
-        <p:nvSpPr>
-          <p:cNvPr id="35" name="CuadroTexto 34">
-            <a:extLst>
-              <a:ext uri="{FF2B5EF4-FFF2-40B4-BE49-F238E27FC236}">
-                <a16:creationId xmlns:a16="http://schemas.microsoft.com/office/drawing/2014/main" id="{249F6920-AC43-4B20-B59A-E4E175AF16F2}"/>
+              <a:t>Categorías</a:t>
+            </a:r>
+          </a:p>
+        </p:txBody>
+      </p:sp>
+      <p:sp>
+        <p:nvSpPr>
+          <p:cNvPr id="45" name="CuadroTexto 44">
+            <a:extLst>
+              <a:ext uri="{FF2B5EF4-FFF2-40B4-BE49-F238E27FC236}">
+                <a16:creationId xmlns:a16="http://schemas.microsoft.com/office/drawing/2014/main" id="{2375DD9F-D110-4C4B-983C-AF7F090E50F0}"/>
               </a:ext>
             </a:extLst>
           </p:cNvPr>
@@ -13219,13 +12843,25 @@
         </p:nvSpPr>
         <p:spPr>
           <a:xfrm>
-            <a:off x="2680485" y="3475916"/>
-            <a:ext cx="936104" cy="338554"/>
+            <a:off x="8036463" y="152400"/>
+            <a:ext cx="1731945" cy="307777"/>
           </a:xfrm>
           <a:prstGeom prst="rect">
             <a:avLst/>
           </a:prstGeom>
-          <a:noFill/>
+          <a:solidFill>
+            <a:schemeClr val="accent3">
+              <a:lumMod val="60000"/>
+              <a:lumOff val="40000"/>
+            </a:schemeClr>
+          </a:solidFill>
+          <a:ln>
+            <a:solidFill>
+              <a:schemeClr val="accent3">
+                <a:lumMod val="75000"/>
+              </a:schemeClr>
+            </a:solidFill>
+          </a:ln>
         </p:spPr>
         <p:txBody>
           <a:bodyPr wrap="square" rtlCol="0">
@@ -13251,7 +12887,7 @@
               <a:defRPr/>
             </a:pPr>
             <a:r>
-              <a:rPr kumimoji="0" lang="es-CL" sz="1600" b="1" i="0" u="none" strike="noStrike" kern="1200" cap="none" spc="0" normalizeH="0" baseline="0" noProof="0" dirty="0">
+              <a:rPr kumimoji="0" lang="es-CL" sz="1400" b="0" i="0" u="none" strike="noStrike" kern="1200" cap="none" spc="0" normalizeH="0" baseline="0" noProof="0" dirty="0">
                 <a:ln>
                   <a:noFill/>
                 </a:ln>
@@ -13265,17 +12901,17 @@
                 <a:ea typeface="+mn-ea"/>
                 <a:cs typeface="+mn-cs"/>
               </a:rPr>
-              <a:t>Precio</a:t>
-            </a:r>
-          </a:p>
-        </p:txBody>
-      </p:sp>
-      <p:sp>
-        <p:nvSpPr>
-          <p:cNvPr id="36" name="CuadroTexto 35">
-            <a:extLst>
-              <a:ext uri="{FF2B5EF4-FFF2-40B4-BE49-F238E27FC236}">
-                <a16:creationId xmlns:a16="http://schemas.microsoft.com/office/drawing/2014/main" id="{D3E497B3-4D6C-4BBD-B55C-0A68EC05B17A}"/>
+              <a:t>Conceptos Generales</a:t>
+            </a:r>
+          </a:p>
+        </p:txBody>
+      </p:sp>
+      <p:sp>
+        <p:nvSpPr>
+          <p:cNvPr id="46" name="CuadroTexto 45">
+            <a:extLst>
+              <a:ext uri="{FF2B5EF4-FFF2-40B4-BE49-F238E27FC236}">
+                <a16:creationId xmlns:a16="http://schemas.microsoft.com/office/drawing/2014/main" id="{0745C8F4-9FCE-479D-92A9-5F1CCCF3FF7A}"/>
               </a:ext>
             </a:extLst>
           </p:cNvPr>
@@ -13284,13 +12920,23 @@
         </p:nvSpPr>
         <p:spPr>
           <a:xfrm>
-            <a:off x="4295800" y="3479818"/>
-            <a:ext cx="936104" cy="338554"/>
+            <a:off x="8036463" y="528683"/>
+            <a:ext cx="2091985" cy="307777"/>
           </a:xfrm>
           <a:prstGeom prst="rect">
             <a:avLst/>
           </a:prstGeom>
-          <a:noFill/>
+          <a:solidFill>
+            <a:schemeClr val="accent4">
+              <a:lumMod val="40000"/>
+              <a:lumOff val="60000"/>
+            </a:schemeClr>
+          </a:solidFill>
+          <a:ln>
+            <a:solidFill>
+              <a:srgbClr val="FFC000"/>
+            </a:solidFill>
+          </a:ln>
         </p:spPr>
         <p:txBody>
           <a:bodyPr wrap="square" rtlCol="0">
@@ -13316,7 +12962,7 @@
               <a:defRPr/>
             </a:pPr>
             <a:r>
-              <a:rPr kumimoji="0" lang="es-CL" sz="1600" b="1" i="0" u="none" strike="noStrike" kern="1200" cap="none" spc="0" normalizeH="0" baseline="0" noProof="0" dirty="0">
+              <a:rPr kumimoji="0" lang="es-CL" sz="1400" b="0" i="0" u="none" strike="noStrike" kern="1200" cap="none" spc="0" normalizeH="0" baseline="0" noProof="0" dirty="0">
                 <a:ln>
                   <a:noFill/>
                 </a:ln>
@@ -13330,17 +12976,17 @@
                 <a:ea typeface="+mn-ea"/>
                 <a:cs typeface="+mn-cs"/>
               </a:rPr>
-              <a:t>Precio</a:t>
-            </a:r>
-          </a:p>
-        </p:txBody>
-      </p:sp>
-      <p:sp>
-        <p:nvSpPr>
-          <p:cNvPr id="37" name="CuadroTexto 36">
-            <a:extLst>
-              <a:ext uri="{FF2B5EF4-FFF2-40B4-BE49-F238E27FC236}">
-                <a16:creationId xmlns:a16="http://schemas.microsoft.com/office/drawing/2014/main" id="{C945D0F3-2FC9-4DAB-9FE8-E935ED2064B6}"/>
+              <a:t>Causas Cambio Climático</a:t>
+            </a:r>
+          </a:p>
+        </p:txBody>
+      </p:sp>
+      <p:sp>
+        <p:nvSpPr>
+          <p:cNvPr id="47" name="CuadroTexto 46">
+            <a:extLst>
+              <a:ext uri="{FF2B5EF4-FFF2-40B4-BE49-F238E27FC236}">
+                <a16:creationId xmlns:a16="http://schemas.microsoft.com/office/drawing/2014/main" id="{FD0B3390-8EC8-48D2-8726-44FC15441EE6}"/>
               </a:ext>
             </a:extLst>
           </p:cNvPr>
@@ -13349,13 +12995,25 @@
         </p:nvSpPr>
         <p:spPr>
           <a:xfrm>
-            <a:off x="5879976" y="3483452"/>
-            <a:ext cx="936104" cy="338554"/>
+            <a:off x="8036463" y="912409"/>
+            <a:ext cx="4023015" cy="307777"/>
           </a:xfrm>
           <a:prstGeom prst="rect">
             <a:avLst/>
           </a:prstGeom>
-          <a:noFill/>
+          <a:solidFill>
+            <a:schemeClr val="accent1">
+              <a:lumMod val="60000"/>
+              <a:lumOff val="40000"/>
+            </a:schemeClr>
+          </a:solidFill>
+          <a:ln>
+            <a:solidFill>
+              <a:schemeClr val="accent1">
+                <a:lumMod val="75000"/>
+              </a:schemeClr>
+            </a:solidFill>
+          </a:ln>
         </p:spPr>
         <p:txBody>
           <a:bodyPr wrap="square" rtlCol="0">
@@ -13381,7 +13039,7 @@
               <a:defRPr/>
             </a:pPr>
             <a:r>
-              <a:rPr kumimoji="0" lang="es-CL" sz="1600" b="1" i="0" u="none" strike="noStrike" kern="1200" cap="none" spc="0" normalizeH="0" baseline="0" noProof="0" dirty="0">
+              <a:rPr kumimoji="0" lang="es-CL" sz="1400" b="0" i="0" u="none" strike="noStrike" kern="1200" cap="none" spc="0" normalizeH="0" baseline="0" noProof="0" dirty="0">
                 <a:ln>
                   <a:noFill/>
                 </a:ln>
@@ -13395,7 +13053,130 @@
                 <a:ea typeface="+mn-ea"/>
                 <a:cs typeface="+mn-cs"/>
               </a:rPr>
-              <a:t>Precio</a:t>
+              <a:t>Impactos y Proyecciones Cambio Climático</a:t>
+            </a:r>
+          </a:p>
+        </p:txBody>
+      </p:sp>
+      <p:cxnSp>
+        <p:nvCxnSpPr>
+          <p:cNvPr id="48" name="Conector recto de flecha 47">
+            <a:extLst>
+              <a:ext uri="{FF2B5EF4-FFF2-40B4-BE49-F238E27FC236}">
+                <a16:creationId xmlns:a16="http://schemas.microsoft.com/office/drawing/2014/main" id="{78E61D2F-2F55-41C7-8B1A-2D71CC058D20}"/>
+              </a:ext>
+            </a:extLst>
+          </p:cNvPr>
+          <p:cNvCxnSpPr>
+            <a:cxnSpLocks/>
+          </p:cNvCxnSpPr>
+          <p:nvPr/>
+        </p:nvCxnSpPr>
+        <p:spPr>
+          <a:xfrm>
+            <a:off x="6705262" y="1255510"/>
+            <a:ext cx="1262946" cy="149223"/>
+          </a:xfrm>
+          <a:prstGeom prst="straightConnector1">
+            <a:avLst/>
+          </a:prstGeom>
+          <a:ln>
+            <a:solidFill>
+              <a:schemeClr val="tx2">
+                <a:lumMod val="75000"/>
+              </a:schemeClr>
+            </a:solidFill>
+            <a:tailEnd type="triangle"/>
+          </a:ln>
+        </p:spPr>
+        <p:style>
+          <a:lnRef idx="1">
+            <a:schemeClr val="accent1"/>
+          </a:lnRef>
+          <a:fillRef idx="0">
+            <a:schemeClr val="accent1"/>
+          </a:fillRef>
+          <a:effectRef idx="0">
+            <a:schemeClr val="accent1"/>
+          </a:effectRef>
+          <a:fontRef idx="minor">
+            <a:schemeClr val="tx1"/>
+          </a:fontRef>
+        </p:style>
+      </p:cxnSp>
+      <p:sp>
+        <p:nvSpPr>
+          <p:cNvPr id="49" name="CuadroTexto 48">
+            <a:extLst>
+              <a:ext uri="{FF2B5EF4-FFF2-40B4-BE49-F238E27FC236}">
+                <a16:creationId xmlns:a16="http://schemas.microsoft.com/office/drawing/2014/main" id="{FBB15C49-6FD3-434C-A733-EA87F9DAAF88}"/>
+              </a:ext>
+            </a:extLst>
+          </p:cNvPr>
+          <p:cNvSpPr txBox="1"/>
+          <p:nvPr/>
+        </p:nvSpPr>
+        <p:spPr>
+          <a:xfrm>
+            <a:off x="8036462" y="1296074"/>
+            <a:ext cx="2524033" cy="307777"/>
+          </a:xfrm>
+          <a:prstGeom prst="rect">
+            <a:avLst/>
+          </a:prstGeom>
+          <a:solidFill>
+            <a:schemeClr val="tx2">
+              <a:lumMod val="40000"/>
+              <a:lumOff val="60000"/>
+            </a:schemeClr>
+          </a:solidFill>
+          <a:ln>
+            <a:solidFill>
+              <a:schemeClr val="tx2">
+                <a:lumMod val="75000"/>
+              </a:schemeClr>
+            </a:solidFill>
+          </a:ln>
+        </p:spPr>
+        <p:txBody>
+          <a:bodyPr wrap="square" rtlCol="0">
+            <a:spAutoFit/>
+          </a:bodyPr>
+          <a:lstStyle/>
+          <a:p>
+            <a:pPr marL="0" marR="0" lvl="0" indent="0" algn="l" defTabSz="914400" rtl="0" eaLnBrk="0" fontAlgn="base" latinLnBrk="0" hangingPunct="0">
+              <a:lnSpc>
+                <a:spcPct val="100000"/>
+              </a:lnSpc>
+              <a:spcBef>
+                <a:spcPct val="0"/>
+              </a:spcBef>
+              <a:spcAft>
+                <a:spcPct val="0"/>
+              </a:spcAft>
+              <a:buClrTx/>
+              <a:buSzTx/>
+              <a:buFontTx/>
+              <a:buNone/>
+              <a:tabLst/>
+              <a:defRPr/>
+            </a:pPr>
+            <a:r>
+              <a:rPr kumimoji="0" lang="es-CL" sz="1400" b="0" i="0" u="none" strike="noStrike" kern="1200" cap="none" spc="0" normalizeH="0" baseline="0" noProof="0" dirty="0">
+                <a:ln>
+                  <a:noFill/>
+                </a:ln>
+                <a:solidFill>
+                  <a:prstClr val="black"/>
+                </a:solidFill>
+                <a:effectLst/>
+                <a:uLnTx/>
+                <a:uFillTx/>
+                <a:latin typeface="Times" pitchFamily="-97" charset="0"/>
+                <a:ea typeface="+mn-ea"/>
+                <a:cs typeface="+mn-cs"/>
+              </a:rPr>
+              <a:t>Plataforma DATA CLIMA</a:t>
             </a:r>
           </a:p>
         </p:txBody>
